--- a/Gestao Estrategica TI/06 - Análise de Viabilidade de Projetos/Exercícios.pptx
+++ b/Gestao Estrategica TI/06 - Análise de Viabilidade de Projetos/Exercícios.pptx
@@ -3201,11 +3201,7 @@
           <a:p>
             <a:r>
               <a:rPr lang="pt-BR" dirty="0" smtClean="0"/>
-              <a:t>16d</a:t>
-            </a:r>
-            <a:r>
-              <a:rPr lang="pt-BR" dirty="0" smtClean="0"/>
-              <a:t>   +	30d   +	31d   +	31d    +	15d 	= 123d</a:t>
+              <a:t>16d   +	30d   +	31d   +	31d    +	15d 	= 123d</a:t>
             </a:r>
             <a:endParaRPr lang="pt-BR" dirty="0"/>
           </a:p>
@@ -3364,8 +3360,8 @@
             <a:chExt cx="3023400" cy="2005324"/>
           </a:xfrm>
         </p:grpSpPr>
-        <mc:AlternateContent xmlns:mc="http://schemas.openxmlformats.org/markup-compatibility/2006">
-          <mc:Choice xmlns:a14="http://schemas.microsoft.com/office/drawing/2010/main" Requires="a14">
+        <mc:AlternateContent xmlns:mc="http://schemas.openxmlformats.org/markup-compatibility/2006" xmlns:a14="http://schemas.microsoft.com/office/drawing/2010/main">
+          <mc:Choice Requires="a14">
             <p:sp>
               <p:nvSpPr>
                 <p:cNvPr id="10" name="CaixaDeTexto 9"/>
@@ -3388,6 +3384,7 @@
                 </a:bodyPr>
                 <a:lstStyle/>
                 <a:p>
+                  <a:pPr/>
                   <a14:m>
                     <m:oMathPara xmlns:m="http://schemas.openxmlformats.org/officeDocument/2006/math">
                       <m:oMathParaPr>
@@ -3463,7 +3460,7 @@
               </p:txBody>
             </p:sp>
           </mc:Choice>
-          <mc:Fallback>
+          <mc:Fallback xmlns="">
             <p:sp>
               <p:nvSpPr>
                 <p:cNvPr id="10" name="CaixaDeTexto 9"/>
@@ -3502,8 +3499,8 @@
             </p:sp>
           </mc:Fallback>
         </mc:AlternateContent>
-        <mc:AlternateContent xmlns:mc="http://schemas.openxmlformats.org/markup-compatibility/2006">
-          <mc:Choice xmlns:a14="http://schemas.microsoft.com/office/drawing/2010/main" Requires="a14">
+        <mc:AlternateContent xmlns:mc="http://schemas.openxmlformats.org/markup-compatibility/2006" xmlns:a14="http://schemas.microsoft.com/office/drawing/2010/main">
+          <mc:Choice Requires="a14">
             <p:sp>
               <p:nvSpPr>
                 <p:cNvPr id="11" name="CaixaDeTexto 10"/>
@@ -3526,6 +3523,7 @@
                 </a:bodyPr>
                 <a:lstStyle/>
                 <a:p>
+                  <a:pPr/>
                   <a14:m>
                     <m:oMathPara xmlns:m="http://schemas.openxmlformats.org/officeDocument/2006/math">
                       <m:oMathParaPr>
@@ -3596,7 +3594,7 @@
               </p:txBody>
             </p:sp>
           </mc:Choice>
-          <mc:Fallback>
+          <mc:Fallback xmlns="">
             <p:sp>
               <p:nvSpPr>
                 <p:cNvPr id="11" name="CaixaDeTexto 10"/>
@@ -3635,8 +3633,8 @@
             </p:sp>
           </mc:Fallback>
         </mc:AlternateContent>
-        <mc:AlternateContent xmlns:mc="http://schemas.openxmlformats.org/markup-compatibility/2006">
-          <mc:Choice xmlns:a14="http://schemas.microsoft.com/office/drawing/2010/main" Requires="a14">
+        <mc:AlternateContent xmlns:mc="http://schemas.openxmlformats.org/markup-compatibility/2006" xmlns:a14="http://schemas.microsoft.com/office/drawing/2010/main">
+          <mc:Choice Requires="a14">
             <p:sp>
               <p:nvSpPr>
                 <p:cNvPr id="12" name="CaixaDeTexto 11"/>
@@ -3659,6 +3657,7 @@
                 </a:bodyPr>
                 <a:lstStyle/>
                 <a:p>
+                  <a:pPr/>
                   <a14:m>
                     <m:oMathPara xmlns:m="http://schemas.openxmlformats.org/officeDocument/2006/math">
                       <m:oMathParaPr>
@@ -3710,7 +3709,7 @@
               </p:txBody>
             </p:sp>
           </mc:Choice>
-          <mc:Fallback>
+          <mc:Fallback xmlns="">
             <p:sp>
               <p:nvSpPr>
                 <p:cNvPr id="12" name="CaixaDeTexto 11"/>
@@ -3749,8 +3748,8 @@
             </p:sp>
           </mc:Fallback>
         </mc:AlternateContent>
-        <mc:AlternateContent xmlns:mc="http://schemas.openxmlformats.org/markup-compatibility/2006">
-          <mc:Choice xmlns:a14="http://schemas.microsoft.com/office/drawing/2010/main" Requires="a14">
+        <mc:AlternateContent xmlns:mc="http://schemas.openxmlformats.org/markup-compatibility/2006" xmlns:a14="http://schemas.microsoft.com/office/drawing/2010/main">
+          <mc:Choice Requires="a14">
             <p:sp>
               <p:nvSpPr>
                 <p:cNvPr id="13" name="CaixaDeTexto 12"/>
@@ -3773,6 +3772,7 @@
                 </a:bodyPr>
                 <a:lstStyle/>
                 <a:p>
+                  <a:pPr/>
                   <a14:m>
                     <m:oMathPara xmlns:m="http://schemas.openxmlformats.org/officeDocument/2006/math">
                       <m:oMathParaPr>
@@ -3824,7 +3824,7 @@
               </p:txBody>
             </p:sp>
           </mc:Choice>
-          <mc:Fallback>
+          <mc:Fallback xmlns="">
             <p:sp>
               <p:nvSpPr>
                 <p:cNvPr id="13" name="CaixaDeTexto 12"/>
@@ -3863,8 +3863,8 @@
             </p:sp>
           </mc:Fallback>
         </mc:AlternateContent>
-        <mc:AlternateContent xmlns:mc="http://schemas.openxmlformats.org/markup-compatibility/2006">
-          <mc:Choice xmlns:a14="http://schemas.microsoft.com/office/drawing/2010/main" Requires="a14">
+        <mc:AlternateContent xmlns:mc="http://schemas.openxmlformats.org/markup-compatibility/2006" xmlns:a14="http://schemas.microsoft.com/office/drawing/2010/main">
+          <mc:Choice Requires="a14">
             <p:sp>
               <p:nvSpPr>
                 <p:cNvPr id="14" name="CaixaDeTexto 13"/>
@@ -3887,6 +3887,7 @@
                 </a:bodyPr>
                 <a:lstStyle/>
                 <a:p>
+                  <a:pPr/>
                   <a14:m>
                     <m:oMathPara xmlns:m="http://schemas.openxmlformats.org/officeDocument/2006/math">
                       <m:oMathParaPr>
@@ -3925,7 +3926,7 @@
               </p:txBody>
             </p:sp>
           </mc:Choice>
-          <mc:Fallback>
+          <mc:Fallback xmlns="">
             <p:sp>
               <p:nvSpPr>
                 <p:cNvPr id="14" name="CaixaDeTexto 13"/>
@@ -4348,11 +4349,7 @@
             </a:r>
             <a:r>
               <a:rPr lang="pt-BR" dirty="0" smtClean="0"/>
-              <a:t> = </a:t>
-            </a:r>
-            <a:r>
-              <a:rPr lang="pt-BR" dirty="0" smtClean="0"/>
-              <a:t>R$1.500,00 x 1,1  = R$ 1.650,00</a:t>
+              <a:t> = R$1.500,00 x 1,1  = R$ 1.650,00</a:t>
             </a:r>
           </a:p>
           <a:p>
@@ -4597,8 +4594,8 @@
           </a:p>
         </p:txBody>
       </p:sp>
-      <mc:AlternateContent xmlns:mc="http://schemas.openxmlformats.org/markup-compatibility/2006">
-        <mc:Choice xmlns:a14="http://schemas.microsoft.com/office/drawing/2010/main" Requires="a14">
+      <mc:AlternateContent xmlns:mc="http://schemas.openxmlformats.org/markup-compatibility/2006" xmlns:a14="http://schemas.microsoft.com/office/drawing/2010/main">
+        <mc:Choice Requires="a14">
           <p:sp>
             <p:nvSpPr>
               <p:cNvPr id="4" name="CaixaDeTexto 3"/>
@@ -4782,21 +4779,7 @@
                                   <a:latin typeface="Cambria Math"/>
                                   <a:ea typeface="Cambria Math"/>
                                 </a:rPr>
-                                <m:t>(1+</m:t>
-                              </m:r>
-                              <m:r>
-                                <a:rPr lang="pt-BR" b="0" i="1" smtClean="0">
-                                  <a:latin typeface="Cambria Math"/>
-                                  <a:ea typeface="Cambria Math"/>
-                                </a:rPr>
-                                <m:t>0,2</m:t>
-                              </m:r>
-                              <m:r>
-                                <a:rPr lang="pt-BR" b="0" i="1" smtClean="0">
-                                  <a:latin typeface="Cambria Math"/>
-                                  <a:ea typeface="Cambria Math"/>
-                                </a:rPr>
-                                <m:t>)</m:t>
+                                <m:t>(1+0,2)</m:t>
                               </m:r>
                             </m:e>
                             <m:sup>
@@ -4971,7 +4954,7 @@
             </p:txBody>
           </p:sp>
         </mc:Choice>
-        <mc:Fallback>
+        <mc:Fallback xmlns="">
           <p:sp>
             <p:nvSpPr>
               <p:cNvPr id="4" name="CaixaDeTexto 3"/>
@@ -5010,8 +4993,8 @@
           </p:sp>
         </mc:Fallback>
       </mc:AlternateContent>
-      <mc:AlternateContent xmlns:mc="http://schemas.openxmlformats.org/markup-compatibility/2006">
-        <mc:Choice xmlns:a14="http://schemas.microsoft.com/office/drawing/2010/main" Requires="a14">
+      <mc:AlternateContent xmlns:mc="http://schemas.openxmlformats.org/markup-compatibility/2006" xmlns:a14="http://schemas.microsoft.com/office/drawing/2010/main">
+        <mc:Choice Requires="a14">
           <p:sp>
             <p:nvSpPr>
               <p:cNvPr id="7" name="CaixaDeTexto 6"/>
@@ -5195,21 +5178,7 @@
                                   <a:latin typeface="Cambria Math"/>
                                   <a:ea typeface="Cambria Math"/>
                                 </a:rPr>
-                                <m:t>(1+</m:t>
-                              </m:r>
-                              <m:r>
-                                <a:rPr lang="pt-BR" b="0" i="1" smtClean="0">
-                                  <a:latin typeface="Cambria Math"/>
-                                  <a:ea typeface="Cambria Math"/>
-                                </a:rPr>
-                                <m:t>0,2</m:t>
-                              </m:r>
-                              <m:r>
-                                <a:rPr lang="pt-BR" b="0" i="1" smtClean="0">
-                                  <a:latin typeface="Cambria Math"/>
-                                  <a:ea typeface="Cambria Math"/>
-                                </a:rPr>
-                                <m:t>)</m:t>
+                                <m:t>(1+0,2)</m:t>
                               </m:r>
                             </m:e>
                             <m:sup>
@@ -5384,7 +5353,7 @@
             </p:txBody>
           </p:sp>
         </mc:Choice>
-        <mc:Fallback>
+        <mc:Fallback xmlns="">
           <p:sp>
             <p:nvSpPr>
               <p:cNvPr id="7" name="CaixaDeTexto 6"/>
@@ -6020,8 +5989,8 @@
           </p:txBody>
         </p:sp>
       </p:grpSp>
-      <mc:AlternateContent xmlns:mc="http://schemas.openxmlformats.org/markup-compatibility/2006">
-        <mc:Choice xmlns:a14="http://schemas.microsoft.com/office/drawing/2010/main" Requires="a14">
+      <mc:AlternateContent xmlns:mc="http://schemas.openxmlformats.org/markup-compatibility/2006" xmlns:a14="http://schemas.microsoft.com/office/drawing/2010/main">
+        <mc:Choice Requires="a14">
           <p:sp>
             <p:nvSpPr>
               <p:cNvPr id="12" name="CaixaDeTexto 11"/>
@@ -6044,6 +6013,7 @@
               </a:bodyPr>
               <a:lstStyle/>
               <a:p>
+                <a:pPr/>
                 <a14:m>
                   <m:oMathPara xmlns:m="http://schemas.openxmlformats.org/officeDocument/2006/math">
                     <m:oMathParaPr>
@@ -6117,6 +6087,7 @@
                 <a:endParaRPr lang="pt-BR" dirty="0"/>
               </a:p>
               <a:p>
+                <a:pPr/>
                 <a14:m>
                   <m:oMathPara xmlns:m="http://schemas.openxmlformats.org/officeDocument/2006/math">
                     <m:oMathParaPr>
@@ -6191,6 +6162,7 @@
                 <a:endParaRPr lang="pt-BR" dirty="0" smtClean="0"/>
               </a:p>
               <a:p>
+                <a:pPr/>
                 <a14:m>
                   <m:oMathPara xmlns:m="http://schemas.openxmlformats.org/officeDocument/2006/math">
                     <m:oMathParaPr>
@@ -6295,6 +6267,7 @@
                 <a:endParaRPr lang="pt-BR" dirty="0" smtClean="0"/>
               </a:p>
               <a:p>
+                <a:pPr/>
                 <a14:m>
                   <m:oMathPara xmlns:m="http://schemas.openxmlformats.org/officeDocument/2006/math">
                     <m:oMathParaPr>
@@ -6346,7 +6319,13 @@
                             <a:rPr lang="pt-BR" b="0" i="1" smtClean="0">
                               <a:latin typeface="Cambria Math"/>
                             </a:rPr>
-                            <m:t>0,125</m:t>
+                            <m:t>0</m:t>
+                          </m:r>
+                          <m:r>
+                            <a:rPr lang="pt-BR" b="0" i="1" smtClean="0">
+                              <a:latin typeface="Cambria Math"/>
+                            </a:rPr>
+                            <m:t>,125</m:t>
                           </m:r>
                         </m:deg>
                         <m:e>
@@ -6369,6 +6348,7 @@
                 </a:endParaRPr>
               </a:p>
               <a:p>
+                <a:pPr/>
                 <a14:m>
                   <m:oMathPara xmlns:m="http://schemas.openxmlformats.org/officeDocument/2006/math">
                     <m:oMathParaPr>
@@ -6415,6 +6395,7 @@
                 </a:r>
               </a:p>
               <a:p>
+                <a:pPr/>
                 <a14:m>
                   <m:oMathPara xmlns:m="http://schemas.openxmlformats.org/officeDocument/2006/math">
                     <m:oMathParaPr>
@@ -6431,13 +6412,7 @@
                         <a:rPr lang="pt-BR" b="0" i="1" smtClean="0">
                           <a:latin typeface="Cambria Math"/>
                         </a:rPr>
-                        <m:t>=10,5081 × 10</m:t>
-                      </m:r>
-                      <m:r>
-                        <a:rPr lang="pt-BR" b="0" i="1" smtClean="0">
-                          <a:latin typeface="Cambria Math"/>
-                        </a:rPr>
-                        <m:t>0</m:t>
+                        <m:t>=10,5081 × 100</m:t>
                       </m:r>
                     </m:oMath>
                   </m:oMathPara>
@@ -6452,6 +6427,7 @@
                 </a:endParaRPr>
               </a:p>
               <a:p>
+                <a:pPr/>
                 <a14:m>
                   <m:oMathPara xmlns:m="http://schemas.openxmlformats.org/officeDocument/2006/math">
                     <m:oMathParaPr>
@@ -6502,7 +6478,7 @@
             </p:txBody>
           </p:sp>
         </mc:Choice>
-        <mc:Fallback>
+        <mc:Fallback xmlns="">
           <p:sp>
             <p:nvSpPr>
               <p:cNvPr id="12" name="CaixaDeTexto 11"/>
@@ -6611,7 +6587,6 @@
               <a:rPr lang="pt-BR" dirty="0"/>
               <a:t>5</a:t>
             </a:r>
-            <a:endParaRPr lang="pt-BR" dirty="0"/>
           </a:p>
         </p:txBody>
       </p:sp>
@@ -6965,8 +6940,8 @@
           </p:txBody>
         </p:sp>
       </p:grpSp>
-      <mc:AlternateContent xmlns:mc="http://schemas.openxmlformats.org/markup-compatibility/2006">
-        <mc:Choice xmlns:a14="http://schemas.microsoft.com/office/drawing/2010/main" Requires="a14">
+      <mc:AlternateContent xmlns:mc="http://schemas.openxmlformats.org/markup-compatibility/2006" xmlns:a14="http://schemas.microsoft.com/office/drawing/2010/main">
+        <mc:Choice Requires="a14">
           <p:sp>
             <p:nvSpPr>
               <p:cNvPr id="12" name="CaixaDeTexto 11"/>
@@ -6989,6 +6964,7 @@
               </a:bodyPr>
               <a:lstStyle/>
               <a:p>
+                <a:pPr/>
                 <a14:m>
                   <m:oMathPara xmlns:m="http://schemas.openxmlformats.org/officeDocument/2006/math">
                     <m:oMathParaPr>
@@ -7062,6 +7038,7 @@
                 <a:endParaRPr lang="pt-BR" dirty="0"/>
               </a:p>
               <a:p>
+                <a:pPr/>
                 <a14:m>
                   <m:oMathPara xmlns:m="http://schemas.openxmlformats.org/officeDocument/2006/math">
                     <m:oMathParaPr>
@@ -7078,13 +7055,7 @@
                         <a:rPr lang="pt-BR" b="0" i="1" smtClean="0">
                           <a:latin typeface="Cambria Math"/>
                         </a:rPr>
-                        <m:t>0</m:t>
-                      </m:r>
-                      <m:r>
-                        <a:rPr lang="pt-BR" b="0" i="1" smtClean="0">
-                          <a:latin typeface="Cambria Math"/>
-                        </a:rPr>
-                        <m:t>=45 </m:t>
+                        <m:t>0=45 </m:t>
                       </m:r>
                       <m:sSup>
                         <m:sSupPr>
@@ -7129,6 +7100,7 @@
                 <a:endParaRPr lang="pt-BR" dirty="0" smtClean="0"/>
               </a:p>
               <a:p>
+                <a:pPr/>
                 <a14:m>
                   <m:oMathPara xmlns:m="http://schemas.openxmlformats.org/officeDocument/2006/math">
                     <m:oMathParaPr>
@@ -7195,6 +7167,7 @@
                 <a:endParaRPr lang="pt-BR" dirty="0" smtClean="0"/>
               </a:p>
               <a:p>
+                <a:pPr/>
                 <a14:m>
                   <m:oMathPara xmlns:m="http://schemas.openxmlformats.org/officeDocument/2006/math">
                     <m:oMathParaPr>
@@ -7241,6 +7214,7 @@
                 </a:endParaRPr>
               </a:p>
               <a:p>
+                <a:pPr/>
                 <a14:m>
                   <m:oMathPara xmlns:m="http://schemas.openxmlformats.org/officeDocument/2006/math">
                     <m:oMathParaPr>
@@ -7287,6 +7261,7 @@
                 </a:r>
               </a:p>
               <a:p>
+                <a:pPr/>
                 <a14:m>
                   <m:oMathPara xmlns:m="http://schemas.openxmlformats.org/officeDocument/2006/math">
                     <m:oMathParaPr>
@@ -7303,13 +7278,7 @@
                         <a:rPr lang="pt-BR" b="0" i="1" smtClean="0">
                           <a:latin typeface="Cambria Math"/>
                         </a:rPr>
-                        <m:t>=0,1111 × 10</m:t>
-                      </m:r>
-                      <m:r>
-                        <a:rPr lang="pt-BR" b="0" i="1" smtClean="0">
-                          <a:latin typeface="Cambria Math"/>
-                        </a:rPr>
-                        <m:t>0</m:t>
+                        <m:t>=0,1111 × 100</m:t>
                       </m:r>
                     </m:oMath>
                   </m:oMathPara>
@@ -7324,6 +7293,7 @@
                 </a:endParaRPr>
               </a:p>
               <a:p>
+                <a:pPr/>
                 <a14:m>
                   <m:oMathPara xmlns:m="http://schemas.openxmlformats.org/officeDocument/2006/math">
                     <m:oMathParaPr>
@@ -7374,7 +7344,7 @@
             </p:txBody>
           </p:sp>
         </mc:Choice>
-        <mc:Fallback>
+        <mc:Fallback xmlns="">
           <p:sp>
             <p:nvSpPr>
               <p:cNvPr id="12" name="CaixaDeTexto 11"/>
@@ -7807,8 +7777,8 @@
           </p:txBody>
         </p:sp>
       </p:grpSp>
-      <mc:AlternateContent xmlns:mc="http://schemas.openxmlformats.org/markup-compatibility/2006">
-        <mc:Choice xmlns:a14="http://schemas.microsoft.com/office/drawing/2010/main" Requires="a14">
+      <mc:AlternateContent xmlns:mc="http://schemas.openxmlformats.org/markup-compatibility/2006" xmlns:a14="http://schemas.microsoft.com/office/drawing/2010/main">
+        <mc:Choice Requires="a14">
           <p:sp>
             <p:nvSpPr>
               <p:cNvPr id="12" name="CaixaDeTexto 11"/>
@@ -7831,6 +7801,7 @@
               </a:bodyPr>
               <a:lstStyle/>
               <a:p>
+                <a:pPr/>
                 <a14:m>
                   <m:oMathPara xmlns:m="http://schemas.openxmlformats.org/officeDocument/2006/math">
                     <m:oMathParaPr>
@@ -7904,6 +7875,7 @@
                 <a:endParaRPr lang="pt-BR" dirty="0" smtClean="0"/>
               </a:p>
               <a:p>
+                <a:pPr/>
                 <a14:m>
                   <m:oMathPara xmlns:m="http://schemas.openxmlformats.org/officeDocument/2006/math">
                     <m:oMathParaPr>
@@ -7984,6 +7956,7 @@
                 <a:endParaRPr lang="pt-BR" dirty="0" smtClean="0"/>
               </a:p>
               <a:p>
+                <a:pPr/>
                 <a14:m>
                   <m:oMathPara xmlns:m="http://schemas.openxmlformats.org/officeDocument/2006/math">
                     <m:oMathParaPr>
@@ -8088,6 +8061,7 @@
                 <a:endParaRPr lang="pt-BR" dirty="0" smtClean="0"/>
               </a:p>
               <a:p>
+                <a:pPr/>
                 <a14:m>
                   <m:oMathPara xmlns:m="http://schemas.openxmlformats.org/officeDocument/2006/math">
                     <m:oMathParaPr>
@@ -8128,7 +8102,13 @@
                             <a:rPr lang="pt-BR" b="0" i="1" smtClean="0">
                               <a:latin typeface="Cambria Math"/>
                             </a:rPr>
-                            <m:t>1,16666</m:t>
+                            <m:t>1</m:t>
+                          </m:r>
+                          <m:r>
+                            <a:rPr lang="pt-BR" b="0" i="1" smtClean="0">
+                              <a:latin typeface="Cambria Math"/>
+                            </a:rPr>
+                            <m:t>,16666</m:t>
                           </m:r>
                         </m:deg>
                         <m:e>
@@ -8151,6 +8131,7 @@
                 </a:endParaRPr>
               </a:p>
               <a:p>
+                <a:pPr/>
                 <a14:m>
                   <m:oMathPara xmlns:m="http://schemas.openxmlformats.org/officeDocument/2006/math">
                     <m:oMathParaPr>
@@ -8187,13 +8168,7 @@
                       <a:rPr lang="pt-BR" b="0" i="1" smtClean="0">
                         <a:latin typeface="Cambria Math"/>
                       </a:rPr>
-                      <m:t>=0,085</m:t>
-                    </m:r>
-                    <m:r>
-                      <a:rPr lang="pt-BR" b="0" i="1" smtClean="0">
-                        <a:latin typeface="Cambria Math"/>
-                      </a:rPr>
-                      <m:t>124</m:t>
+                      <m:t>=0,085124</m:t>
                     </m:r>
                   </m:oMath>
                 </a14:m>
@@ -8203,6 +8178,7 @@
                 </a:r>
               </a:p>
               <a:p>
+                <a:pPr/>
                 <a14:m>
                   <m:oMathPara xmlns:m="http://schemas.openxmlformats.org/officeDocument/2006/math">
                     <m:oMathParaPr>
@@ -8219,13 +8195,7 @@
                         <a:rPr lang="pt-BR" b="0" i="1" smtClean="0">
                           <a:latin typeface="Cambria Math"/>
                         </a:rPr>
-                        <m:t>=0,0851</m:t>
-                      </m:r>
-                      <m:r>
-                        <a:rPr lang="pt-BR" b="0" i="1" smtClean="0">
-                          <a:latin typeface="Cambria Math"/>
-                        </a:rPr>
-                        <m:t>24× 100</m:t>
+                        <m:t>=0,085124× 100</m:t>
                       </m:r>
                     </m:oMath>
                   </m:oMathPara>
@@ -8240,6 +8210,7 @@
                 </a:endParaRPr>
               </a:p>
               <a:p>
+                <a:pPr/>
                 <a14:m>
                   <m:oMathPara xmlns:m="http://schemas.openxmlformats.org/officeDocument/2006/math">
                     <m:oMathParaPr>
@@ -8290,7 +8261,7 @@
             </p:txBody>
           </p:sp>
         </mc:Choice>
-        <mc:Fallback>
+        <mc:Fallback xmlns="">
           <p:sp>
             <p:nvSpPr>
               <p:cNvPr id="12" name="CaixaDeTexto 11"/>
@@ -8482,7 +8453,7 @@
         </p:nvSpPr>
         <p:spPr>
           <a:xfrm>
-            <a:off x="2371574" y="1268760"/>
+            <a:off x="6084168" y="1268760"/>
             <a:ext cx="1824538" cy="1938992"/>
           </a:xfrm>
           <a:prstGeom prst="rect">
@@ -8538,6 +8509,660 @@
               <a:t>M = R$1.000,00</a:t>
             </a:r>
             <a:endParaRPr lang="pt-BR" dirty="0" smtClean="0"/>
+          </a:p>
+        </p:txBody>
+      </p:sp>
+      <mc:AlternateContent xmlns:mc="http://schemas.openxmlformats.org/markup-compatibility/2006">
+        <mc:Choice xmlns:a14="http://schemas.microsoft.com/office/drawing/2010/main" Requires="a14">
+          <p:sp>
+            <p:nvSpPr>
+              <p:cNvPr id="5" name="CaixaDeTexto 4"/>
+              <p:cNvSpPr txBox="1"/>
+              <p:nvPr/>
+            </p:nvSpPr>
+            <p:spPr>
+              <a:xfrm>
+                <a:off x="370616" y="3234073"/>
+                <a:ext cx="2841996" cy="1754326"/>
+              </a:xfrm>
+              <a:prstGeom prst="rect">
+                <a:avLst/>
+              </a:prstGeom>
+              <a:noFill/>
+            </p:spPr>
+            <p:txBody>
+              <a:bodyPr wrap="none" rtlCol="0">
+                <a:spAutoFit/>
+              </a:bodyPr>
+              <a:lstStyle/>
+              <a:p>
+                <a14:m>
+                  <m:oMathPara xmlns:m="http://schemas.openxmlformats.org/officeDocument/2006/math">
+                    <m:oMathParaPr>
+                      <m:jc m:val="centerGroup"/>
+                    </m:oMathParaPr>
+                    <m:oMath xmlns:m="http://schemas.openxmlformats.org/officeDocument/2006/math">
+                      <m:r>
+                        <a:rPr lang="pt-BR" i="1" smtClean="0">
+                          <a:latin typeface="Cambria Math"/>
+                        </a:rPr>
+                        <m:t>𝑀</m:t>
+                      </m:r>
+                      <m:r>
+                        <a:rPr lang="pt-BR" i="1" smtClean="0">
+                          <a:latin typeface="Cambria Math"/>
+                        </a:rPr>
+                        <m:t>=</m:t>
+                      </m:r>
+                      <m:r>
+                        <a:rPr lang="pt-BR" i="1" smtClean="0">
+                          <a:latin typeface="Cambria Math"/>
+                        </a:rPr>
+                        <m:t>𝐶</m:t>
+                      </m:r>
+                      <m:r>
+                        <a:rPr lang="pt-BR" i="1" smtClean="0">
+                          <a:latin typeface="Cambria Math"/>
+                        </a:rPr>
+                        <m:t> × </m:t>
+                      </m:r>
+                      <m:sSup>
+                        <m:sSupPr>
+                          <m:ctrlPr>
+                            <a:rPr lang="pt-BR" i="1">
+                              <a:latin typeface="Cambria Math"/>
+                            </a:rPr>
+                          </m:ctrlPr>
+                        </m:sSupPr>
+                        <m:e>
+                          <m:r>
+                            <a:rPr lang="pt-BR" i="1">
+                              <a:latin typeface="Cambria Math"/>
+                            </a:rPr>
+                            <m:t>(1+</m:t>
+                          </m:r>
+                          <m:r>
+                            <a:rPr lang="pt-BR" i="1">
+                              <a:latin typeface="Cambria Math"/>
+                            </a:rPr>
+                            <m:t>𝑖</m:t>
+                          </m:r>
+                          <m:r>
+                            <a:rPr lang="pt-BR" i="1">
+                              <a:latin typeface="Cambria Math"/>
+                            </a:rPr>
+                            <m:t>)</m:t>
+                          </m:r>
+                        </m:e>
+                        <m:sup>
+                          <m:r>
+                            <a:rPr lang="pt-BR" i="1">
+                              <a:latin typeface="Cambria Math"/>
+                            </a:rPr>
+                            <m:t>𝑛</m:t>
+                          </m:r>
+                        </m:sup>
+                      </m:sSup>
+                    </m:oMath>
+                  </m:oMathPara>
+                </a14:m>
+                <a:endParaRPr lang="pt-BR" dirty="0" smtClean="0"/>
+              </a:p>
+              <a:p>
+                <a14:m>
+                  <m:oMathPara xmlns:m="http://schemas.openxmlformats.org/officeDocument/2006/math">
+                    <m:oMathParaPr>
+                      <m:jc m:val="centerGroup"/>
+                    </m:oMathParaPr>
+                    <m:oMath xmlns:m="http://schemas.openxmlformats.org/officeDocument/2006/math">
+                      <m:r>
+                        <a:rPr lang="pt-BR" b="0" i="1" smtClean="0">
+                          <a:latin typeface="Cambria Math"/>
+                        </a:rPr>
+                        <m:t>𝑀</m:t>
+                      </m:r>
+                      <m:r>
+                        <a:rPr lang="pt-BR" b="0" i="1" smtClean="0">
+                          <a:latin typeface="Cambria Math"/>
+                        </a:rPr>
+                        <m:t>=1000 × </m:t>
+                      </m:r>
+                      <m:sSup>
+                        <m:sSupPr>
+                          <m:ctrlPr>
+                            <a:rPr lang="pt-BR" b="0" i="1" smtClean="0">
+                              <a:latin typeface="Cambria Math"/>
+                              <a:ea typeface="Cambria Math"/>
+                            </a:rPr>
+                          </m:ctrlPr>
+                        </m:sSupPr>
+                        <m:e>
+                          <m:r>
+                            <a:rPr lang="pt-BR" i="1">
+                              <a:latin typeface="Cambria Math"/>
+                              <a:ea typeface="Cambria Math"/>
+                            </a:rPr>
+                            <m:t>(1+0,04)</m:t>
+                          </m:r>
+                        </m:e>
+                        <m:sup>
+                          <m:r>
+                            <a:rPr lang="pt-BR" b="0" i="1" smtClean="0">
+                              <a:latin typeface="Cambria Math"/>
+                              <a:ea typeface="Cambria Math"/>
+                            </a:rPr>
+                            <m:t>2</m:t>
+                          </m:r>
+                        </m:sup>
+                      </m:sSup>
+                    </m:oMath>
+                  </m:oMathPara>
+                </a14:m>
+                <a:endParaRPr lang="pt-BR" b="0" dirty="0" smtClean="0">
+                  <a:ea typeface="Cambria Math"/>
+                </a:endParaRPr>
+              </a:p>
+              <a:p>
+                <a14:m>
+                  <m:oMathPara xmlns:m="http://schemas.openxmlformats.org/officeDocument/2006/math">
+                    <m:oMathParaPr>
+                      <m:jc m:val="centerGroup"/>
+                    </m:oMathParaPr>
+                    <m:oMath xmlns:m="http://schemas.openxmlformats.org/officeDocument/2006/math">
+                      <m:r>
+                        <a:rPr lang="pt-BR" b="0" i="1" smtClean="0">
+                          <a:latin typeface="Cambria Math"/>
+                        </a:rPr>
+                        <m:t>𝑀</m:t>
+                      </m:r>
+                      <m:r>
+                        <a:rPr lang="pt-BR" b="0" i="1" smtClean="0">
+                          <a:latin typeface="Cambria Math"/>
+                        </a:rPr>
+                        <m:t>=1000 ×1,0</m:t>
+                      </m:r>
+                      <m:r>
+                        <a:rPr lang="pt-BR" i="1">
+                          <a:latin typeface="Cambria Math"/>
+                          <a:ea typeface="Cambria Math"/>
+                        </a:rPr>
+                        <m:t>816</m:t>
+                      </m:r>
+                    </m:oMath>
+                  </m:oMathPara>
+                </a14:m>
+                <a:endParaRPr lang="pt-BR" dirty="0" smtClean="0"/>
+              </a:p>
+              <a:p>
+                <a:endParaRPr lang="pt-BR" b="0" i="1" dirty="0" smtClean="0">
+                  <a:latin typeface="Cambria Math"/>
+                </a:endParaRPr>
+              </a:p>
+              <a:p>
+                <a14:m>
+                  <m:oMathPara xmlns:m="http://schemas.openxmlformats.org/officeDocument/2006/math">
+                    <m:oMathParaPr>
+                      <m:jc m:val="centerGroup"/>
+                    </m:oMathParaPr>
+                    <m:oMath xmlns:m="http://schemas.openxmlformats.org/officeDocument/2006/math">
+                      <m:r>
+                        <a:rPr lang="pt-BR" b="0" i="1" smtClean="0">
+                          <a:latin typeface="Cambria Math"/>
+                        </a:rPr>
+                        <m:t>𝑀</m:t>
+                      </m:r>
+                      <m:r>
+                        <a:rPr lang="pt-BR" b="0" i="1" smtClean="0">
+                          <a:latin typeface="Cambria Math"/>
+                        </a:rPr>
+                        <m:t>=</m:t>
+                      </m:r>
+                      <m:r>
+                        <a:rPr lang="pt-BR" b="0" i="1" smtClean="0">
+                          <a:latin typeface="Cambria Math"/>
+                        </a:rPr>
+                        <m:t>𝑅</m:t>
+                      </m:r>
+                      <m:r>
+                        <a:rPr lang="pt-BR" b="0" i="1" smtClean="0">
+                          <a:latin typeface="Cambria Math"/>
+                        </a:rPr>
+                        <m:t>$ 1.081,60</m:t>
+                      </m:r>
+                    </m:oMath>
+                  </m:oMathPara>
+                </a14:m>
+                <a:endParaRPr lang="pt-BR" dirty="0"/>
+              </a:p>
+              <a:p>
+                <a:endParaRPr lang="pt-BR" dirty="0"/>
+              </a:p>
+            </p:txBody>
+          </p:sp>
+        </mc:Choice>
+        <mc:Fallback>
+          <p:sp>
+            <p:nvSpPr>
+              <p:cNvPr id="5" name="CaixaDeTexto 4"/>
+              <p:cNvSpPr txBox="1">
+                <a:spLocks noRot="1" noChangeAspect="1" noMove="1" noResize="1" noEditPoints="1" noAdjustHandles="1" noChangeArrowheads="1" noChangeShapeType="1" noTextEdit="1"/>
+              </p:cNvSpPr>
+              <p:nvPr/>
+            </p:nvSpPr>
+            <p:spPr>
+              <a:xfrm>
+                <a:off x="370616" y="3234073"/>
+                <a:ext cx="2841996" cy="1754326"/>
+              </a:xfrm>
+              <a:prstGeom prst="rect">
+                <a:avLst/>
+              </a:prstGeom>
+              <a:blipFill rotWithShape="1">
+                <a:blip r:embed="rId2"/>
+                <a:stretch>
+                  <a:fillRect/>
+                </a:stretch>
+              </a:blipFill>
+            </p:spPr>
+            <p:txBody>
+              <a:bodyPr/>
+              <a:lstStyle/>
+              <a:p>
+                <a:r>
+                  <a:rPr lang="pt-BR">
+                    <a:noFill/>
+                  </a:rPr>
+                  <a:t> </a:t>
+                </a:r>
+              </a:p>
+            </p:txBody>
+          </p:sp>
+        </mc:Fallback>
+      </mc:AlternateContent>
+      <mc:AlternateContent xmlns:mc="http://schemas.openxmlformats.org/markup-compatibility/2006">
+        <mc:Choice xmlns:a14="http://schemas.microsoft.com/office/drawing/2010/main" Requires="a14">
+          <p:sp>
+            <p:nvSpPr>
+              <p:cNvPr id="6" name="CaixaDeTexto 5"/>
+              <p:cNvSpPr txBox="1"/>
+              <p:nvPr/>
+            </p:nvSpPr>
+            <p:spPr>
+              <a:xfrm>
+                <a:off x="5065876" y="3231091"/>
+                <a:ext cx="2914003" cy="2467983"/>
+              </a:xfrm>
+              <a:prstGeom prst="rect">
+                <a:avLst/>
+              </a:prstGeom>
+              <a:noFill/>
+            </p:spPr>
+            <p:txBody>
+              <a:bodyPr wrap="none" rtlCol="0">
+                <a:spAutoFit/>
+              </a:bodyPr>
+              <a:lstStyle/>
+              <a:p>
+                <a14:m>
+                  <m:oMathPara xmlns:m="http://schemas.openxmlformats.org/officeDocument/2006/math">
+                    <m:oMathParaPr>
+                      <m:jc m:val="centerGroup"/>
+                    </m:oMathParaPr>
+                    <m:oMath xmlns:m="http://schemas.openxmlformats.org/officeDocument/2006/math">
+                      <m:r>
+                        <a:rPr lang="pt-BR" i="1" smtClean="0">
+                          <a:latin typeface="Cambria Math"/>
+                        </a:rPr>
+                        <m:t>𝑀</m:t>
+                      </m:r>
+                      <m:r>
+                        <a:rPr lang="pt-BR" i="1" smtClean="0">
+                          <a:latin typeface="Cambria Math"/>
+                        </a:rPr>
+                        <m:t>=</m:t>
+                      </m:r>
+                      <m:r>
+                        <a:rPr lang="pt-BR" i="1" smtClean="0">
+                          <a:latin typeface="Cambria Math"/>
+                        </a:rPr>
+                        <m:t>𝐶</m:t>
+                      </m:r>
+                      <m:r>
+                        <a:rPr lang="pt-BR" i="1" smtClean="0">
+                          <a:latin typeface="Cambria Math"/>
+                        </a:rPr>
+                        <m:t> × </m:t>
+                      </m:r>
+                      <m:sSup>
+                        <m:sSupPr>
+                          <m:ctrlPr>
+                            <a:rPr lang="pt-BR" i="1">
+                              <a:latin typeface="Cambria Math"/>
+                            </a:rPr>
+                          </m:ctrlPr>
+                        </m:sSupPr>
+                        <m:e>
+                          <m:r>
+                            <a:rPr lang="pt-BR" i="1">
+                              <a:latin typeface="Cambria Math"/>
+                            </a:rPr>
+                            <m:t>(1+</m:t>
+                          </m:r>
+                          <m:r>
+                            <a:rPr lang="pt-BR" i="1">
+                              <a:latin typeface="Cambria Math"/>
+                            </a:rPr>
+                            <m:t>𝑖</m:t>
+                          </m:r>
+                          <m:r>
+                            <a:rPr lang="pt-BR" i="1">
+                              <a:latin typeface="Cambria Math"/>
+                            </a:rPr>
+                            <m:t>)</m:t>
+                          </m:r>
+                        </m:e>
+                        <m:sup>
+                          <m:r>
+                            <a:rPr lang="pt-BR" i="1">
+                              <a:latin typeface="Cambria Math"/>
+                            </a:rPr>
+                            <m:t>𝑛</m:t>
+                          </m:r>
+                        </m:sup>
+                      </m:sSup>
+                    </m:oMath>
+                  </m:oMathPara>
+                </a14:m>
+                <a:endParaRPr lang="pt-BR" dirty="0" smtClean="0"/>
+              </a:p>
+              <a:p>
+                <a14:m>
+                  <m:oMathPara xmlns:m="http://schemas.openxmlformats.org/officeDocument/2006/math">
+                    <m:oMathParaPr>
+                      <m:jc m:val="centerGroup"/>
+                    </m:oMathParaPr>
+                    <m:oMath xmlns:m="http://schemas.openxmlformats.org/officeDocument/2006/math">
+                      <m:r>
+                        <a:rPr lang="pt-BR" b="0" i="1" smtClean="0">
+                          <a:latin typeface="Cambria Math"/>
+                        </a:rPr>
+                        <m:t>1000=</m:t>
+                      </m:r>
+                      <m:r>
+                        <a:rPr lang="pt-BR" b="0" i="1" smtClean="0">
+                          <a:latin typeface="Cambria Math"/>
+                        </a:rPr>
+                        <m:t>𝐶</m:t>
+                      </m:r>
+                      <m:r>
+                        <a:rPr lang="pt-BR" b="0" i="1" smtClean="0">
+                          <a:latin typeface="Cambria Math"/>
+                        </a:rPr>
+                        <m:t> × </m:t>
+                      </m:r>
+                      <m:sSup>
+                        <m:sSupPr>
+                          <m:ctrlPr>
+                            <a:rPr lang="pt-BR" b="0" i="1" smtClean="0">
+                              <a:latin typeface="Cambria Math"/>
+                              <a:ea typeface="Cambria Math"/>
+                            </a:rPr>
+                          </m:ctrlPr>
+                        </m:sSupPr>
+                        <m:e>
+                          <m:r>
+                            <a:rPr lang="pt-BR" i="1">
+                              <a:latin typeface="Cambria Math"/>
+                              <a:ea typeface="Cambria Math"/>
+                            </a:rPr>
+                            <m:t>(1+0,04)</m:t>
+                          </m:r>
+                        </m:e>
+                        <m:sup>
+                          <m:f>
+                            <m:fPr>
+                              <m:ctrlPr>
+                                <a:rPr lang="pt-BR" b="0" i="1" smtClean="0">
+                                  <a:latin typeface="Cambria Math"/>
+                                  <a:ea typeface="Cambria Math"/>
+                                </a:rPr>
+                              </m:ctrlPr>
+                            </m:fPr>
+                            <m:num>
+                              <m:r>
+                                <a:rPr lang="pt-BR" b="0" i="1" smtClean="0">
+                                  <a:latin typeface="Cambria Math"/>
+                                  <a:ea typeface="Cambria Math"/>
+                                </a:rPr>
+                                <m:t>15</m:t>
+                              </m:r>
+                            </m:num>
+                            <m:den>
+                              <m:r>
+                                <a:rPr lang="pt-BR" b="0" i="1" smtClean="0">
+                                  <a:latin typeface="Cambria Math"/>
+                                  <a:ea typeface="Cambria Math"/>
+                                </a:rPr>
+                                <m:t>30</m:t>
+                              </m:r>
+                            </m:den>
+                          </m:f>
+                        </m:sup>
+                      </m:sSup>
+                    </m:oMath>
+                  </m:oMathPara>
+                </a14:m>
+                <a:endParaRPr lang="pt-BR" b="0" dirty="0" smtClean="0">
+                  <a:ea typeface="Cambria Math"/>
+                </a:endParaRPr>
+              </a:p>
+              <a:p>
+                <a14:m>
+                  <m:oMathPara xmlns:m="http://schemas.openxmlformats.org/officeDocument/2006/math">
+                    <m:oMathParaPr>
+                      <m:jc m:val="centerGroup"/>
+                    </m:oMathParaPr>
+                    <m:oMath xmlns:m="http://schemas.openxmlformats.org/officeDocument/2006/math">
+                      <m:r>
+                        <a:rPr lang="pt-BR" b="0" i="1" smtClean="0">
+                          <a:latin typeface="Cambria Math"/>
+                        </a:rPr>
+                        <m:t>1000=</m:t>
+                      </m:r>
+                      <m:r>
+                        <a:rPr lang="pt-BR" b="0" i="1" smtClean="0">
+                          <a:latin typeface="Cambria Math"/>
+                        </a:rPr>
+                        <m:t>𝐶</m:t>
+                      </m:r>
+                      <m:r>
+                        <a:rPr lang="pt-BR" b="0" i="1" smtClean="0">
+                          <a:latin typeface="Cambria Math"/>
+                        </a:rPr>
+                        <m:t> ×1,0198</m:t>
+                      </m:r>
+                    </m:oMath>
+                  </m:oMathPara>
+                </a14:m>
+                <a:endParaRPr lang="pt-BR" dirty="0" smtClean="0"/>
+              </a:p>
+              <a:p>
+                <a14:m>
+                  <m:oMathPara xmlns:m="http://schemas.openxmlformats.org/officeDocument/2006/math">
+                    <m:oMathParaPr>
+                      <m:jc m:val="centerGroup"/>
+                    </m:oMathParaPr>
+                    <m:oMath xmlns:m="http://schemas.openxmlformats.org/officeDocument/2006/math">
+                      <m:r>
+                        <a:rPr lang="pt-BR" b="0" i="1" smtClean="0">
+                          <a:latin typeface="Cambria Math"/>
+                        </a:rPr>
+                        <m:t>𝐶</m:t>
+                      </m:r>
+                      <m:r>
+                        <a:rPr lang="pt-BR" b="0" i="1" smtClean="0">
+                          <a:latin typeface="Cambria Math"/>
+                        </a:rPr>
+                        <m:t>=</m:t>
+                      </m:r>
+                      <m:f>
+                        <m:fPr>
+                          <m:ctrlPr>
+                            <a:rPr lang="pt-BR" b="0" i="1" smtClean="0">
+                              <a:latin typeface="Cambria Math"/>
+                            </a:rPr>
+                          </m:ctrlPr>
+                        </m:fPr>
+                        <m:num>
+                          <m:r>
+                            <a:rPr lang="pt-BR" b="0" i="1" smtClean="0">
+                              <a:latin typeface="Cambria Math"/>
+                            </a:rPr>
+                            <m:t>1000</m:t>
+                          </m:r>
+                        </m:num>
+                        <m:den>
+                          <m:r>
+                            <a:rPr lang="pt-BR" i="1">
+                              <a:latin typeface="Cambria Math"/>
+                              <a:ea typeface="Cambria Math"/>
+                            </a:rPr>
+                            <m:t>1,0198</m:t>
+                          </m:r>
+                        </m:den>
+                      </m:f>
+                    </m:oMath>
+                  </m:oMathPara>
+                </a14:m>
+                <a:endParaRPr lang="pt-BR" b="0" dirty="0" smtClean="0"/>
+              </a:p>
+              <a:p>
+                <a:r>
+                  <a:rPr lang="pt-BR" b="0" i="1" dirty="0" smtClean="0">
+                    <a:latin typeface="Cambria Math"/>
+                  </a:rPr>
+                  <a:t/>
+                </a:r>
+                <a:br>
+                  <a:rPr lang="pt-BR" b="0" i="1" dirty="0" smtClean="0">
+                    <a:latin typeface="Cambria Math"/>
+                  </a:rPr>
+                </a:br>
+                <a14:m>
+                  <m:oMathPara xmlns:m="http://schemas.openxmlformats.org/officeDocument/2006/math">
+                    <m:oMathParaPr>
+                      <m:jc m:val="centerGroup"/>
+                    </m:oMathParaPr>
+                    <m:oMath xmlns:m="http://schemas.openxmlformats.org/officeDocument/2006/math">
+                      <m:r>
+                        <a:rPr lang="pt-BR" b="0" i="1" smtClean="0">
+                          <a:latin typeface="Cambria Math"/>
+                        </a:rPr>
+                        <m:t>𝐶</m:t>
+                      </m:r>
+                      <m:r>
+                        <a:rPr lang="pt-BR" b="0" i="1" smtClean="0">
+                          <a:latin typeface="Cambria Math"/>
+                        </a:rPr>
+                        <m:t>=</m:t>
+                      </m:r>
+                      <m:r>
+                        <a:rPr lang="pt-BR" b="0" i="1" smtClean="0">
+                          <a:latin typeface="Cambria Math"/>
+                        </a:rPr>
+                        <m:t>𝑅</m:t>
+                      </m:r>
+                      <m:r>
+                        <a:rPr lang="pt-BR" b="0" i="1" smtClean="0">
+                          <a:latin typeface="Cambria Math"/>
+                        </a:rPr>
+                        <m:t>$ 980,58</m:t>
+                      </m:r>
+                    </m:oMath>
+                  </m:oMathPara>
+                </a14:m>
+                <a:endParaRPr lang="pt-BR" dirty="0"/>
+              </a:p>
+              <a:p>
+                <a:endParaRPr lang="pt-BR" dirty="0"/>
+              </a:p>
+            </p:txBody>
+          </p:sp>
+        </mc:Choice>
+        <mc:Fallback>
+          <p:sp>
+            <p:nvSpPr>
+              <p:cNvPr id="6" name="CaixaDeTexto 5"/>
+              <p:cNvSpPr txBox="1">
+                <a:spLocks noRot="1" noChangeAspect="1" noMove="1" noResize="1" noEditPoints="1" noAdjustHandles="1" noChangeArrowheads="1" noChangeShapeType="1" noTextEdit="1"/>
+              </p:cNvSpPr>
+              <p:nvPr/>
+            </p:nvSpPr>
+            <p:spPr>
+              <a:xfrm>
+                <a:off x="5065876" y="3231091"/>
+                <a:ext cx="2914003" cy="2467983"/>
+              </a:xfrm>
+              <a:prstGeom prst="rect">
+                <a:avLst/>
+              </a:prstGeom>
+              <a:blipFill rotWithShape="1">
+                <a:blip r:embed="rId3"/>
+                <a:stretch>
+                  <a:fillRect/>
+                </a:stretch>
+              </a:blipFill>
+            </p:spPr>
+            <p:txBody>
+              <a:bodyPr/>
+              <a:lstStyle/>
+              <a:p>
+                <a:r>
+                  <a:rPr lang="pt-BR">
+                    <a:noFill/>
+                  </a:rPr>
+                  <a:t> </a:t>
+                </a:r>
+              </a:p>
+            </p:txBody>
+          </p:sp>
+        </mc:Fallback>
+      </mc:AlternateContent>
+      <p:sp>
+        <p:nvSpPr>
+          <p:cNvPr id="7" name="CaixaDeTexto 6"/>
+          <p:cNvSpPr txBox="1"/>
+          <p:nvPr/>
+        </p:nvSpPr>
+        <p:spPr>
+          <a:xfrm>
+            <a:off x="1766997" y="6309320"/>
+            <a:ext cx="5204823" cy="369332"/>
+          </a:xfrm>
+          <a:prstGeom prst="rect">
+            <a:avLst/>
+          </a:prstGeom>
+          <a:noFill/>
+        </p:spPr>
+        <p:txBody>
+          <a:bodyPr wrap="none" rtlCol="0">
+            <a:spAutoFit/>
+          </a:bodyPr>
+          <a:lstStyle/>
+          <a:p>
+            <a:r>
+              <a:rPr lang="pt-BR" dirty="0"/>
+              <a:t>Total devido = R$ 1.081,60 + R$ 980,58 =  </a:t>
+            </a:r>
+            <a:r>
+              <a:rPr lang="pt-BR" u="sng" dirty="0"/>
+              <a:t>R$ </a:t>
+            </a:r>
+            <a:r>
+              <a:rPr lang="pt-BR" u="sng" dirty="0" smtClean="0"/>
+              <a:t>2.062,18</a:t>
+            </a:r>
+            <a:endParaRPr lang="pt-BR" u="sng" dirty="0"/>
           </a:p>
         </p:txBody>
       </p:sp>

--- a/Gestao Estrategica TI/06 - Análise de Viabilidade de Projetos/Exercícios.pptx
+++ b/Gestao Estrategica TI/06 - Análise de Viabilidade de Projetos/Exercícios.pptx
@@ -8,10 +8,18 @@
     <p:sldId id="256" r:id="rId2"/>
     <p:sldId id="257" r:id="rId3"/>
     <p:sldId id="258" r:id="rId4"/>
-    <p:sldId id="259" r:id="rId5"/>
-    <p:sldId id="260" r:id="rId6"/>
-    <p:sldId id="261" r:id="rId7"/>
-    <p:sldId id="262" r:id="rId8"/>
+    <p:sldId id="263" r:id="rId5"/>
+    <p:sldId id="259" r:id="rId6"/>
+    <p:sldId id="264" r:id="rId7"/>
+    <p:sldId id="260" r:id="rId8"/>
+    <p:sldId id="265" r:id="rId9"/>
+    <p:sldId id="261" r:id="rId10"/>
+    <p:sldId id="266" r:id="rId11"/>
+    <p:sldId id="262" r:id="rId12"/>
+    <p:sldId id="267" r:id="rId13"/>
+    <p:sldId id="268" r:id="rId14"/>
+    <p:sldId id="269" r:id="rId15"/>
+    <p:sldId id="270" r:id="rId16"/>
   </p:sldIdLst>
   <p:sldSz cx="9144000" cy="6858000" type="screen4x3"/>
   <p:notesSz cx="6858000" cy="9144000"/>
@@ -294,7 +302,7 @@
           <a:p>
             <a:fld id="{1A4ED077-2146-4CF9-9626-6D2CC7ECDC9E}" type="datetimeFigureOut">
               <a:rPr lang="pt-BR" smtClean="0"/>
-              <a:t>29/07/2012</a:t>
+              <a:t>30/07/2012</a:t>
             </a:fld>
             <a:endParaRPr lang="pt-BR"/>
           </a:p>
@@ -464,7 +472,7 @@
           <a:p>
             <a:fld id="{1A4ED077-2146-4CF9-9626-6D2CC7ECDC9E}" type="datetimeFigureOut">
               <a:rPr lang="pt-BR" smtClean="0"/>
-              <a:t>29/07/2012</a:t>
+              <a:t>30/07/2012</a:t>
             </a:fld>
             <a:endParaRPr lang="pt-BR"/>
           </a:p>
@@ -644,7 +652,7 @@
           <a:p>
             <a:fld id="{1A4ED077-2146-4CF9-9626-6D2CC7ECDC9E}" type="datetimeFigureOut">
               <a:rPr lang="pt-BR" smtClean="0"/>
-              <a:t>29/07/2012</a:t>
+              <a:t>30/07/2012</a:t>
             </a:fld>
             <a:endParaRPr lang="pt-BR"/>
           </a:p>
@@ -814,7 +822,7 @@
           <a:p>
             <a:fld id="{1A4ED077-2146-4CF9-9626-6D2CC7ECDC9E}" type="datetimeFigureOut">
               <a:rPr lang="pt-BR" smtClean="0"/>
-              <a:t>29/07/2012</a:t>
+              <a:t>30/07/2012</a:t>
             </a:fld>
             <a:endParaRPr lang="pt-BR"/>
           </a:p>
@@ -1060,7 +1068,7 @@
           <a:p>
             <a:fld id="{1A4ED077-2146-4CF9-9626-6D2CC7ECDC9E}" type="datetimeFigureOut">
               <a:rPr lang="pt-BR" smtClean="0"/>
-              <a:t>29/07/2012</a:t>
+              <a:t>30/07/2012</a:t>
             </a:fld>
             <a:endParaRPr lang="pt-BR"/>
           </a:p>
@@ -1348,7 +1356,7 @@
           <a:p>
             <a:fld id="{1A4ED077-2146-4CF9-9626-6D2CC7ECDC9E}" type="datetimeFigureOut">
               <a:rPr lang="pt-BR" smtClean="0"/>
-              <a:t>29/07/2012</a:t>
+              <a:t>30/07/2012</a:t>
             </a:fld>
             <a:endParaRPr lang="pt-BR"/>
           </a:p>
@@ -1770,7 +1778,7 @@
           <a:p>
             <a:fld id="{1A4ED077-2146-4CF9-9626-6D2CC7ECDC9E}" type="datetimeFigureOut">
               <a:rPr lang="pt-BR" smtClean="0"/>
-              <a:t>29/07/2012</a:t>
+              <a:t>30/07/2012</a:t>
             </a:fld>
             <a:endParaRPr lang="pt-BR"/>
           </a:p>
@@ -1888,7 +1896,7 @@
           <a:p>
             <a:fld id="{1A4ED077-2146-4CF9-9626-6D2CC7ECDC9E}" type="datetimeFigureOut">
               <a:rPr lang="pt-BR" smtClean="0"/>
-              <a:t>29/07/2012</a:t>
+              <a:t>30/07/2012</a:t>
             </a:fld>
             <a:endParaRPr lang="pt-BR"/>
           </a:p>
@@ -1983,7 +1991,7 @@
           <a:p>
             <a:fld id="{1A4ED077-2146-4CF9-9626-6D2CC7ECDC9E}" type="datetimeFigureOut">
               <a:rPr lang="pt-BR" smtClean="0"/>
-              <a:t>29/07/2012</a:t>
+              <a:t>30/07/2012</a:t>
             </a:fld>
             <a:endParaRPr lang="pt-BR"/>
           </a:p>
@@ -2260,7 +2268,7 @@
           <a:p>
             <a:fld id="{1A4ED077-2146-4CF9-9626-6D2CC7ECDC9E}" type="datetimeFigureOut">
               <a:rPr lang="pt-BR" smtClean="0"/>
-              <a:t>29/07/2012</a:t>
+              <a:t>30/07/2012</a:t>
             </a:fld>
             <a:endParaRPr lang="pt-BR"/>
           </a:p>
@@ -2513,7 +2521,7 @@
           <a:p>
             <a:fld id="{1A4ED077-2146-4CF9-9626-6D2CC7ECDC9E}" type="datetimeFigureOut">
               <a:rPr lang="pt-BR" smtClean="0"/>
-              <a:t>29/07/2012</a:t>
+              <a:t>30/07/2012</a:t>
             </a:fld>
             <a:endParaRPr lang="pt-BR"/>
           </a:p>
@@ -2726,7 +2734,7 @@
           <a:p>
             <a:fld id="{1A4ED077-2146-4CF9-9626-6D2CC7ECDC9E}" type="datetimeFigureOut">
               <a:rPr lang="pt-BR" smtClean="0"/>
-              <a:t>29/07/2012</a:t>
+              <a:t>30/07/2012</a:t>
             </a:fld>
             <a:endParaRPr lang="pt-BR"/>
           </a:p>
@@ -3354,10 +3362,10 @@
         </p:nvGrpSpPr>
         <p:grpSpPr>
           <a:xfrm>
-            <a:off x="3707904" y="4223737"/>
-            <a:ext cx="3023400" cy="2005324"/>
+            <a:off x="3168654" y="4149080"/>
+            <a:ext cx="2699528" cy="1974546"/>
             <a:chOff x="1326825" y="3861048"/>
-            <a:chExt cx="3023400" cy="2005324"/>
+            <a:chExt cx="2699528" cy="1974546"/>
           </a:xfrm>
         </p:grpSpPr>
         <mc:AlternateContent xmlns:mc="http://schemas.openxmlformats.org/markup-compatibility/2006" xmlns:a14="http://schemas.microsoft.com/office/drawing/2010/main">
@@ -3371,7 +3379,7 @@
               <p:spPr>
                 <a:xfrm>
                   <a:off x="1353122" y="3861048"/>
-                  <a:ext cx="2058833" cy="369332"/>
+                  <a:ext cx="1846403" cy="338554"/>
                 </a:xfrm>
                 <a:prstGeom prst="rect">
                   <a:avLst/>
@@ -3392,25 +3400,25 @@
                       </m:oMathParaPr>
                       <m:oMath xmlns:m="http://schemas.openxmlformats.org/officeDocument/2006/math">
                         <m:r>
-                          <a:rPr lang="pt-BR" b="0" i="1" smtClean="0">
+                          <a:rPr lang="pt-BR" sz="1600" b="0" i="1" smtClean="0">
                             <a:latin typeface="Cambria Math"/>
                           </a:rPr>
                           <m:t>𝑀</m:t>
                         </m:r>
                         <m:r>
-                          <a:rPr lang="pt-BR" b="0" i="1" smtClean="0">
+                          <a:rPr lang="pt-BR" sz="1600" b="0" i="1" smtClean="0">
                             <a:latin typeface="Cambria Math"/>
                           </a:rPr>
                           <m:t>=</m:t>
                         </m:r>
                         <m:r>
-                          <a:rPr lang="pt-BR" b="0" i="1" smtClean="0">
+                          <a:rPr lang="pt-BR" sz="1600" b="0" i="1" smtClean="0">
                             <a:latin typeface="Cambria Math"/>
                           </a:rPr>
                           <m:t>𝐶</m:t>
                         </m:r>
                         <m:r>
-                          <a:rPr lang="pt-BR" b="0" i="1" smtClean="0">
+                          <a:rPr lang="pt-BR" sz="1600" b="0" i="1" smtClean="0">
                             <a:latin typeface="Cambria Math"/>
                           </a:rPr>
                           <m:t> × </m:t>
@@ -3418,26 +3426,26 @@
                         <m:sSup>
                           <m:sSupPr>
                             <m:ctrlPr>
-                              <a:rPr lang="pt-BR" b="0" i="1" smtClean="0">
+                              <a:rPr lang="pt-BR" sz="1600" b="0" i="1" smtClean="0">
                                 <a:latin typeface="Cambria Math"/>
                               </a:rPr>
                             </m:ctrlPr>
                           </m:sSupPr>
                           <m:e>
                             <m:r>
-                              <a:rPr lang="pt-BR" b="0" i="1" smtClean="0">
+                              <a:rPr lang="pt-BR" sz="1600" b="0" i="1" smtClean="0">
                                 <a:latin typeface="Cambria Math"/>
                               </a:rPr>
                               <m:t>(1+</m:t>
                             </m:r>
                             <m:r>
-                              <a:rPr lang="pt-BR" b="0" i="1" smtClean="0">
+                              <a:rPr lang="pt-BR" sz="1600" b="0" i="1" smtClean="0">
                                 <a:latin typeface="Cambria Math"/>
                               </a:rPr>
                               <m:t>𝑖</m:t>
                             </m:r>
                             <m:r>
-                              <a:rPr lang="pt-BR" b="0" i="1" smtClean="0">
+                              <a:rPr lang="pt-BR" sz="1600" b="0" i="1" smtClean="0">
                                 <a:latin typeface="Cambria Math"/>
                               </a:rPr>
                               <m:t>)</m:t>
@@ -3445,7 +3453,7 @@
                           </m:e>
                           <m:sup>
                             <m:r>
-                              <a:rPr lang="pt-BR" b="0" i="1" smtClean="0">
+                              <a:rPr lang="pt-BR" sz="1600" b="0" i="1" smtClean="0">
                                 <a:latin typeface="Cambria Math"/>
                               </a:rPr>
                               <m:t>𝑛</m:t>
@@ -3455,7 +3463,7 @@
                       </m:oMath>
                     </m:oMathPara>
                   </a14:m>
-                  <a:endParaRPr lang="pt-BR" dirty="0"/>
+                  <a:endParaRPr lang="pt-BR" sz="1600" dirty="0"/>
                 </a:p>
               </p:txBody>
             </p:sp>
@@ -3510,7 +3518,7 @@
               <p:spPr>
                 <a:xfrm>
                   <a:off x="1326825" y="4192878"/>
-                  <a:ext cx="2876878" cy="508794"/>
+                  <a:ext cx="2568844" cy="450829"/>
                 </a:xfrm>
                 <a:prstGeom prst="rect">
                   <a:avLst/>
@@ -3531,13 +3539,13 @@
                       </m:oMathParaPr>
                       <m:oMath xmlns:m="http://schemas.openxmlformats.org/officeDocument/2006/math">
                         <m:r>
-                          <a:rPr lang="pt-BR" b="0" i="1" smtClean="0">
+                          <a:rPr lang="pt-BR" sz="1600" b="0" i="1" smtClean="0">
                             <a:latin typeface="Cambria Math"/>
                           </a:rPr>
                           <m:t>𝑀</m:t>
                         </m:r>
                         <m:r>
-                          <a:rPr lang="pt-BR" b="0" i="1" smtClean="0">
+                          <a:rPr lang="pt-BR" sz="1600" b="0" i="1" smtClean="0">
                             <a:latin typeface="Cambria Math"/>
                           </a:rPr>
                           <m:t>=1.050 × </m:t>
@@ -3545,14 +3553,14 @@
                         <m:sSup>
                           <m:sSupPr>
                             <m:ctrlPr>
-                              <a:rPr lang="pt-BR" b="0" i="1" smtClean="0">
+                              <a:rPr lang="pt-BR" sz="1600" b="0" i="1" smtClean="0">
                                 <a:latin typeface="Cambria Math"/>
                               </a:rPr>
                             </m:ctrlPr>
                           </m:sSupPr>
                           <m:e>
                             <m:r>
-                              <a:rPr lang="pt-BR" b="0" i="1" smtClean="0">
+                              <a:rPr lang="pt-BR" sz="1600" b="0" i="1" smtClean="0">
                                 <a:latin typeface="Cambria Math"/>
                               </a:rPr>
                               <m:t>(1+0,6)</m:t>
@@ -3562,14 +3570,14 @@
                             <m:f>
                               <m:fPr>
                                 <m:ctrlPr>
-                                  <a:rPr lang="pt-BR" b="0" i="1" smtClean="0">
+                                  <a:rPr lang="pt-BR" sz="1600" b="0" i="1" smtClean="0">
                                     <a:latin typeface="Cambria Math"/>
                                   </a:rPr>
                                 </m:ctrlPr>
                               </m:fPr>
                               <m:num>
                                 <m:r>
-                                  <a:rPr lang="pt-BR" b="0" i="1" smtClean="0">
+                                  <a:rPr lang="pt-BR" sz="1600" b="0" i="1" smtClean="0">
                                     <a:latin typeface="Cambria Math"/>
                                   </a:rPr>
                                   <m:t>123</m:t>
@@ -3577,7 +3585,7 @@
                               </m:num>
                               <m:den>
                                 <m:r>
-                                  <a:rPr lang="pt-BR" b="0" i="1" smtClean="0">
+                                  <a:rPr lang="pt-BR" sz="1600" b="0" i="1" smtClean="0">
                                     <a:latin typeface="Cambria Math"/>
                                   </a:rPr>
                                   <m:t>360</m:t>
@@ -3589,7 +3597,7 @@
                       </m:oMath>
                     </m:oMathPara>
                   </a14:m>
-                  <a:endParaRPr lang="pt-BR" dirty="0"/>
+                  <a:endParaRPr lang="pt-BR" sz="1600" dirty="0"/>
                 </a:p>
               </p:txBody>
             </p:sp>
@@ -3644,7 +3652,7 @@
               <p:spPr>
                 <a:xfrm>
                   <a:off x="1353122" y="4605976"/>
-                  <a:ext cx="2997103" cy="369332"/>
+                  <a:ext cx="2673231" cy="338554"/>
                 </a:xfrm>
                 <a:prstGeom prst="rect">
                   <a:avLst/>
@@ -3665,13 +3673,13 @@
                       </m:oMathParaPr>
                       <m:oMath xmlns:m="http://schemas.openxmlformats.org/officeDocument/2006/math">
                         <m:r>
-                          <a:rPr lang="pt-BR" b="0" i="1" smtClean="0">
+                          <a:rPr lang="pt-BR" sz="1600" b="0" i="1" smtClean="0">
                             <a:latin typeface="Cambria Math"/>
                           </a:rPr>
                           <m:t>𝑀</m:t>
                         </m:r>
                         <m:r>
-                          <a:rPr lang="pt-BR" b="0" i="1" smtClean="0">
+                          <a:rPr lang="pt-BR" sz="1600" b="0" i="1" smtClean="0">
                             <a:latin typeface="Cambria Math"/>
                           </a:rPr>
                           <m:t>=1.050 × </m:t>
@@ -3679,14 +3687,14 @@
                         <m:sSup>
                           <m:sSupPr>
                             <m:ctrlPr>
-                              <a:rPr lang="pt-BR" b="0" i="1" smtClean="0">
+                              <a:rPr lang="pt-BR" sz="1600" b="0" i="1" smtClean="0">
                                 <a:latin typeface="Cambria Math"/>
                               </a:rPr>
                             </m:ctrlPr>
                           </m:sSupPr>
                           <m:e>
                             <m:r>
-                              <a:rPr lang="pt-BR" b="0" i="1" smtClean="0">
+                              <a:rPr lang="pt-BR" sz="1600" b="0" i="1" smtClean="0">
                                 <a:latin typeface="Cambria Math"/>
                               </a:rPr>
                               <m:t>(1,6)</m:t>
@@ -3694,7 +3702,7 @@
                           </m:e>
                           <m:sup>
                             <m:r>
-                              <a:rPr lang="pt-BR" b="0" i="1" smtClean="0">
+                              <a:rPr lang="pt-BR" sz="1600" b="0" i="1" smtClean="0">
                                 <a:latin typeface="Cambria Math"/>
                               </a:rPr>
                               <m:t>0,3416666</m:t>
@@ -3704,7 +3712,7 @@
                       </m:oMath>
                     </m:oMathPara>
                   </a14:m>
-                  <a:endParaRPr lang="pt-BR" dirty="0"/>
+                  <a:endParaRPr lang="pt-BR" sz="1600" dirty="0"/>
                 </a:p>
               </p:txBody>
             </p:sp>
@@ -3759,7 +3767,7 @@
               <p:spPr>
                 <a:xfrm>
                   <a:off x="1353122" y="4975308"/>
-                  <a:ext cx="2997103" cy="369332"/>
+                  <a:ext cx="2673231" cy="338554"/>
                 </a:xfrm>
                 <a:prstGeom prst="rect">
                   <a:avLst/>
@@ -3780,13 +3788,13 @@
                       </m:oMathParaPr>
                       <m:oMath xmlns:m="http://schemas.openxmlformats.org/officeDocument/2006/math">
                         <m:r>
-                          <a:rPr lang="pt-BR" b="0" i="1" smtClean="0">
+                          <a:rPr lang="pt-BR" sz="1600" b="0" i="1" smtClean="0">
                             <a:latin typeface="Cambria Math"/>
                           </a:rPr>
                           <m:t>𝑀</m:t>
                         </m:r>
                         <m:r>
-                          <a:rPr lang="pt-BR" b="0" i="1" smtClean="0">
+                          <a:rPr lang="pt-BR" sz="1600" b="0" i="1" smtClean="0">
                             <a:latin typeface="Cambria Math"/>
                           </a:rPr>
                           <m:t>=1.050 × </m:t>
@@ -3794,14 +3802,14 @@
                         <m:sSup>
                           <m:sSupPr>
                             <m:ctrlPr>
-                              <a:rPr lang="pt-BR" b="0" i="1" smtClean="0">
+                              <a:rPr lang="pt-BR" sz="1600" b="0" i="1" smtClean="0">
                                 <a:latin typeface="Cambria Math"/>
                               </a:rPr>
                             </m:ctrlPr>
                           </m:sSupPr>
                           <m:e>
                             <m:r>
-                              <a:rPr lang="pt-BR" b="0" i="1" smtClean="0">
+                              <a:rPr lang="pt-BR" sz="1600" b="0" i="1" smtClean="0">
                                 <a:latin typeface="Cambria Math"/>
                               </a:rPr>
                               <m:t>(1,6)</m:t>
@@ -3809,7 +3817,7 @@
                           </m:e>
                           <m:sup>
                             <m:r>
-                              <a:rPr lang="pt-BR" b="0" i="1" smtClean="0">
+                              <a:rPr lang="pt-BR" sz="1600" b="0" i="1" smtClean="0">
                                 <a:latin typeface="Cambria Math"/>
                               </a:rPr>
                               <m:t>0,3416666</m:t>
@@ -3819,7 +3827,7 @@
                       </m:oMath>
                     </m:oMathPara>
                   </a14:m>
-                  <a:endParaRPr lang="pt-BR" dirty="0"/>
+                  <a:endParaRPr lang="pt-BR" sz="1600" dirty="0"/>
                 </a:p>
               </p:txBody>
             </p:sp>
@@ -3874,7 +3882,7 @@
               <p:spPr>
                 <a:xfrm>
                   <a:off x="1353122" y="5497040"/>
-                  <a:ext cx="1923154" cy="369332"/>
+                  <a:ext cx="1725536" cy="338554"/>
                 </a:xfrm>
                 <a:prstGeom prst="rect">
                   <a:avLst/>
@@ -3895,25 +3903,25 @@
                       </m:oMathParaPr>
                       <m:oMath xmlns:m="http://schemas.openxmlformats.org/officeDocument/2006/math">
                         <m:r>
-                          <a:rPr lang="pt-BR" b="0" i="1" u="sng" smtClean="0">
+                          <a:rPr lang="pt-BR" sz="1600" b="0" i="1" u="sng" smtClean="0">
                             <a:latin typeface="Cambria Math"/>
                           </a:rPr>
                           <m:t>𝑀</m:t>
                         </m:r>
                         <m:r>
-                          <a:rPr lang="pt-BR" b="0" i="1" u="sng" smtClean="0">
+                          <a:rPr lang="pt-BR" sz="1600" b="0" i="1" u="sng" smtClean="0">
                             <a:latin typeface="Cambria Math"/>
                           </a:rPr>
                           <m:t>=</m:t>
                         </m:r>
                         <m:r>
-                          <a:rPr lang="pt-BR" b="0" i="1" u="sng" smtClean="0">
+                          <a:rPr lang="pt-BR" sz="1600" b="0" i="1" u="sng" smtClean="0">
                             <a:latin typeface="Cambria Math"/>
                           </a:rPr>
                           <m:t>𝑅</m:t>
                         </m:r>
                         <m:r>
-                          <a:rPr lang="pt-BR" b="0" i="1" u="sng" smtClean="0">
+                          <a:rPr lang="pt-BR" sz="1600" b="0" i="1" u="sng" smtClean="0">
                             <a:latin typeface="Cambria Math"/>
                           </a:rPr>
                           <m:t>$ 1.232,91</m:t>
@@ -3921,7 +3929,7 @@
                       </m:oMath>
                     </m:oMathPara>
                   </a14:m>
-                  <a:endParaRPr lang="pt-BR" u="sng" dirty="0"/>
+                  <a:endParaRPr lang="pt-BR" sz="1600" u="sng" dirty="0"/>
                 </a:p>
               </p:txBody>
             </p:sp>
@@ -3974,10 +3982,10 @@
         </p:nvGrpSpPr>
         <p:grpSpPr>
           <a:xfrm>
-            <a:off x="153813" y="4070685"/>
-            <a:ext cx="3224469" cy="2457564"/>
+            <a:off x="-20621" y="4070685"/>
+            <a:ext cx="3096651" cy="2426786"/>
             <a:chOff x="4866294" y="3933056"/>
-            <a:chExt cx="3224469" cy="2457564"/>
+            <a:chExt cx="3163555" cy="2426786"/>
           </a:xfrm>
         </p:grpSpPr>
         <p:grpSp>
@@ -4111,7 +4119,7 @@
           <p:spPr>
             <a:xfrm>
               <a:off x="4866294" y="6021288"/>
-              <a:ext cx="1346844" cy="369332"/>
+              <a:ext cx="1217000" cy="338554"/>
             </a:xfrm>
             <a:prstGeom prst="rect">
               <a:avLst/>
@@ -4125,10 +4133,10 @@
             <a:lstStyle/>
             <a:p>
               <a:r>
-                <a:rPr lang="pt-BR" dirty="0" smtClean="0"/>
+                <a:rPr lang="pt-BR" sz="1600" dirty="0" smtClean="0"/>
                 <a:t>C = 1.050,00</a:t>
               </a:r>
-              <a:endParaRPr lang="pt-BR" dirty="0"/>
+              <a:endParaRPr lang="pt-BR" sz="1600" dirty="0"/>
             </a:p>
           </p:txBody>
         </p:sp>
@@ -4141,7 +4149,7 @@
           <p:spPr>
             <a:xfrm>
               <a:off x="5796136" y="4653136"/>
-              <a:ext cx="1247457" cy="646331"/>
+              <a:ext cx="1127232" cy="584775"/>
             </a:xfrm>
             <a:prstGeom prst="rect">
               <a:avLst/>
@@ -4155,20 +4163,20 @@
             <a:lstStyle/>
             <a:p>
               <a:r>
-                <a:rPr lang="pt-BR" dirty="0"/>
+                <a:rPr lang="pt-BR" sz="1600" dirty="0"/>
                 <a:t>n</a:t>
               </a:r>
               <a:r>
-                <a:rPr lang="pt-BR" dirty="0" smtClean="0"/>
+                <a:rPr lang="pt-BR" sz="1600" dirty="0" smtClean="0"/>
                 <a:t> = 123d</a:t>
               </a:r>
             </a:p>
             <a:p>
               <a:r>
-                <a:rPr lang="pt-BR" dirty="0" smtClean="0"/>
+                <a:rPr lang="pt-BR" sz="1600" dirty="0" smtClean="0"/>
                 <a:t>i = 60% a.a.</a:t>
               </a:r>
-              <a:endParaRPr lang="pt-BR" dirty="0"/>
+              <a:endParaRPr lang="pt-BR" sz="1600" dirty="0"/>
             </a:p>
           </p:txBody>
         </p:sp>
@@ -4181,7 +4189,7 @@
           <p:spPr>
             <a:xfrm>
               <a:off x="7380312" y="3933056"/>
-              <a:ext cx="710451" cy="369332"/>
+              <a:ext cx="649537" cy="338554"/>
             </a:xfrm>
             <a:prstGeom prst="rect">
               <a:avLst/>
@@ -4195,10 +4203,10 @@
             <a:lstStyle/>
             <a:p>
               <a:r>
-                <a:rPr lang="pt-BR" dirty="0" smtClean="0"/>
+                <a:rPr lang="pt-BR" sz="1600" dirty="0" smtClean="0"/>
                 <a:t>M = ?</a:t>
               </a:r>
-              <a:endParaRPr lang="pt-BR" dirty="0"/>
+              <a:endParaRPr lang="pt-BR" sz="1600" dirty="0"/>
             </a:p>
           </p:txBody>
         </p:sp>
@@ -4247,10 +4255,5420 @@
           </a:p>
         </p:txBody>
       </p:sp>
+      <mc:AlternateContent xmlns:mc="http://schemas.openxmlformats.org/markup-compatibility/2006">
+        <mc:Choice xmlns:a14="http://schemas.microsoft.com/office/drawing/2010/main" Requires="a14">
+          <p:sp>
+            <p:nvSpPr>
+              <p:cNvPr id="2" name="CaixaDeTexto 1"/>
+              <p:cNvSpPr txBox="1"/>
+              <p:nvPr/>
+            </p:nvSpPr>
+            <p:spPr>
+              <a:xfrm>
+                <a:off x="6012160" y="3717032"/>
+                <a:ext cx="3222357" cy="3539430"/>
+              </a:xfrm>
+              <a:prstGeom prst="rect">
+                <a:avLst/>
+              </a:prstGeom>
+              <a:noFill/>
+            </p:spPr>
+            <p:txBody>
+              <a:bodyPr wrap="none" rtlCol="0">
+                <a:spAutoFit/>
+              </a:bodyPr>
+              <a:lstStyle/>
+              <a:p>
+                <a:pPr algn="ctr"/>
+                <a:r>
+                  <a:rPr lang="pt-BR" b="1" dirty="0" smtClean="0"/>
+                  <a:t>HP 12c</a:t>
+                </a:r>
+              </a:p>
+              <a:p>
+                <a:r>
+                  <a:rPr lang="pt-BR" sz="1600" dirty="0" smtClean="0"/>
+                  <a:t>g D.MY</a:t>
+                </a:r>
+              </a:p>
+              <a:p>
+                <a:r>
+                  <a:rPr lang="pt-BR" sz="1600" dirty="0" smtClean="0"/>
+                  <a:t>15.052012 [</a:t>
+                </a:r>
+                <a:r>
+                  <a:rPr lang="pt-BR" sz="1600" dirty="0" err="1" smtClean="0"/>
+                  <a:t>Enter</a:t>
+                </a:r>
+                <a:r>
+                  <a:rPr lang="pt-BR" sz="1600" dirty="0" smtClean="0"/>
+                  <a:t>]</a:t>
+                </a:r>
+              </a:p>
+              <a:p>
+                <a:r>
+                  <a:rPr lang="pt-BR" sz="1600" dirty="0" smtClean="0"/>
+                  <a:t>15.092012 g </a:t>
+                </a:r>
+                <a14:m>
+                  <m:oMath xmlns:m="http://schemas.openxmlformats.org/officeDocument/2006/math">
+                    <m:r>
+                      <a:rPr lang="pt-BR" sz="1600" i="1" smtClean="0">
+                        <a:latin typeface="Cambria Math"/>
+                        <a:ea typeface="Cambria Math"/>
+                      </a:rPr>
+                      <m:t>∆</m:t>
+                    </m:r>
+                  </m:oMath>
+                </a14:m>
+                <a:r>
+                  <a:rPr lang="pt-BR" sz="1600" dirty="0" smtClean="0"/>
+                  <a:t>DYS</a:t>
+                </a:r>
+              </a:p>
+              <a:p>
+                <a:r>
+                  <a:rPr lang="pt-BR" sz="1600" dirty="0"/>
+                  <a:t>g </a:t>
+                </a:r>
+                <a:r>
+                  <a:rPr lang="pt-BR" sz="1600" dirty="0" smtClean="0"/>
+                  <a:t>D.MY 		</a:t>
+                </a:r>
+                <a:r>
+                  <a:rPr lang="pt-BR" sz="1600" dirty="0" smtClean="0">
+                    <a:sym typeface="Wingdings" pitchFamily="2" charset="2"/>
+                  </a:rPr>
+                  <a:t> 123</a:t>
+                </a:r>
+                <a:endParaRPr lang="pt-BR" sz="1600" dirty="0" smtClean="0"/>
+              </a:p>
+              <a:p>
+                <a:r>
+                  <a:rPr lang="pt-BR" sz="1600" dirty="0"/>
+                  <a:t>[</a:t>
+                </a:r>
+                <a:r>
+                  <a:rPr lang="pt-BR" sz="1600" dirty="0" err="1"/>
+                  <a:t>Enter</a:t>
+                </a:r>
+                <a:r>
+                  <a:rPr lang="pt-BR" sz="1600" dirty="0" smtClean="0"/>
+                  <a:t>]</a:t>
+                </a:r>
+              </a:p>
+              <a:p>
+                <a:r>
+                  <a:rPr lang="pt-BR" sz="1600" dirty="0" smtClean="0"/>
+                  <a:t>360</a:t>
+                </a:r>
+                <a:r>
+                  <a:rPr lang="pt-BR" sz="1600" dirty="0">
+                    <a:ea typeface="Cambria Math"/>
+                  </a:rPr>
+                  <a:t> </a:t>
+                </a:r>
+                <a14:m>
+                  <m:oMath xmlns:m="http://schemas.openxmlformats.org/officeDocument/2006/math">
+                    <m:r>
+                      <a:rPr lang="pt-BR" sz="1600" i="1" smtClean="0">
+                        <a:latin typeface="Cambria Math"/>
+                        <a:ea typeface="Cambria Math"/>
+                      </a:rPr>
+                      <m:t>÷</m:t>
+                    </m:r>
+                  </m:oMath>
+                </a14:m>
+                <a:r>
+                  <a:rPr lang="pt-BR" sz="1600" dirty="0" smtClean="0"/>
+                  <a:t>		</a:t>
+                </a:r>
+                <a:r>
+                  <a:rPr lang="pt-BR" sz="1600" dirty="0" smtClean="0">
+                    <a:sym typeface="Wingdings" pitchFamily="2" charset="2"/>
+                  </a:rPr>
+                  <a:t> 0,34</a:t>
+                </a:r>
+              </a:p>
+              <a:p>
+                <a:r>
+                  <a:rPr lang="pt-BR" sz="1600" dirty="0">
+                    <a:sym typeface="Wingdings" pitchFamily="2" charset="2"/>
+                  </a:rPr>
+                  <a:t>n</a:t>
+                </a:r>
+                <a:endParaRPr lang="pt-BR" sz="1600" dirty="0" smtClean="0">
+                  <a:sym typeface="Wingdings" pitchFamily="2" charset="2"/>
+                </a:endParaRPr>
+              </a:p>
+              <a:p>
+                <a:r>
+                  <a:rPr lang="pt-BR" sz="1600" dirty="0" smtClean="0"/>
+                  <a:t>60 i</a:t>
+                </a:r>
+              </a:p>
+              <a:p>
+                <a:r>
+                  <a:rPr lang="pt-BR" sz="1600" dirty="0" smtClean="0"/>
+                  <a:t>1050 PV</a:t>
+                </a:r>
+              </a:p>
+              <a:p>
+                <a:r>
+                  <a:rPr lang="pt-BR" sz="1600" dirty="0" smtClean="0"/>
+                  <a:t>FV		</a:t>
+                </a:r>
+                <a:r>
+                  <a:rPr lang="pt-BR" sz="1600" dirty="0" smtClean="0">
+                    <a:sym typeface="Wingdings" pitchFamily="2" charset="2"/>
+                  </a:rPr>
+                  <a:t></a:t>
+                </a:r>
+                <a:r>
+                  <a:rPr lang="pt-BR" sz="1600" u="sng" dirty="0" smtClean="0">
+                    <a:sym typeface="Wingdings" pitchFamily="2" charset="2"/>
+                  </a:rPr>
+                  <a:t>R$ 1.232,91</a:t>
+                </a:r>
+                <a:endParaRPr lang="pt-BR" sz="1600" u="sng" dirty="0" smtClean="0"/>
+              </a:p>
+              <a:p>
+                <a:endParaRPr lang="pt-BR" sz="1600" dirty="0" smtClean="0"/>
+              </a:p>
+              <a:p>
+                <a:endParaRPr lang="pt-BR" sz="1600" dirty="0" smtClean="0"/>
+              </a:p>
+              <a:p>
+                <a:endParaRPr lang="pt-BR" sz="1600" dirty="0"/>
+              </a:p>
+            </p:txBody>
+          </p:sp>
+        </mc:Choice>
+        <mc:Fallback>
+          <p:sp>
+            <p:nvSpPr>
+              <p:cNvPr id="2" name="CaixaDeTexto 1"/>
+              <p:cNvSpPr txBox="1">
+                <a:spLocks noRot="1" noChangeAspect="1" noMove="1" noResize="1" noEditPoints="1" noAdjustHandles="1" noChangeArrowheads="1" noChangeShapeType="1" noTextEdit="1"/>
+              </p:cNvSpPr>
+              <p:nvPr/>
+            </p:nvSpPr>
+            <p:spPr>
+              <a:xfrm>
+                <a:off x="6012160" y="3717032"/>
+                <a:ext cx="3222357" cy="3539430"/>
+              </a:xfrm>
+              <a:prstGeom prst="rect">
+                <a:avLst/>
+              </a:prstGeom>
+              <a:blipFill rotWithShape="1">
+                <a:blip r:embed="rId7"/>
+                <a:stretch>
+                  <a:fillRect l="-945" t="-862"/>
+                </a:stretch>
+              </a:blipFill>
+            </p:spPr>
+            <p:txBody>
+              <a:bodyPr/>
+              <a:lstStyle/>
+              <a:p>
+                <a:r>
+                  <a:rPr lang="pt-BR">
+                    <a:noFill/>
+                  </a:rPr>
+                  <a:t> </a:t>
+                </a:r>
+              </a:p>
+            </p:txBody>
+          </p:sp>
+        </mc:Fallback>
+      </mc:AlternateContent>
+      <p:sp>
+        <p:nvSpPr>
+          <p:cNvPr id="3" name="CaixaDeTexto 2"/>
+          <p:cNvSpPr txBox="1"/>
+          <p:nvPr/>
+        </p:nvSpPr>
+        <p:spPr>
+          <a:xfrm>
+            <a:off x="3744718" y="3717032"/>
+            <a:ext cx="973728" cy="369332"/>
+          </a:xfrm>
+          <a:prstGeom prst="rect">
+            <a:avLst/>
+          </a:prstGeom>
+          <a:noFill/>
+        </p:spPr>
+        <p:txBody>
+          <a:bodyPr wrap="none" rtlCol="0">
+            <a:spAutoFit/>
+          </a:bodyPr>
+          <a:lstStyle/>
+          <a:p>
+            <a:r>
+              <a:rPr lang="pt-BR" b="1" dirty="0" smtClean="0"/>
+              <a:t>Fórmula</a:t>
+            </a:r>
+            <a:endParaRPr lang="pt-BR" b="1" dirty="0"/>
+          </a:p>
+        </p:txBody>
+      </p:sp>
     </p:spTree>
     <p:extLst>
       <p:ext uri="{BB962C8B-B14F-4D97-AF65-F5344CB8AC3E}">
         <p14:creationId xmlns:p14="http://schemas.microsoft.com/office/powerpoint/2010/main" val="2364589697"/>
+      </p:ext>
+    </p:extLst>
+  </p:cSld>
+  <p:clrMapOvr>
+    <a:masterClrMapping/>
+  </p:clrMapOvr>
+</p:sld>
+</file>
+
+<file path=ppt/slides/slide10.xml><?xml version="1.0" encoding="utf-8"?>
+<p:sld xmlns:a="http://schemas.openxmlformats.org/drawingml/2006/main" xmlns:r="http://schemas.openxmlformats.org/officeDocument/2006/relationships" xmlns:p="http://schemas.openxmlformats.org/presentationml/2006/main">
+  <p:cSld>
+    <p:spTree>
+      <p:nvGrpSpPr>
+        <p:cNvPr id="1" name=""/>
+        <p:cNvGrpSpPr/>
+        <p:nvPr/>
+      </p:nvGrpSpPr>
+      <p:grpSpPr>
+        <a:xfrm>
+          <a:off x="0" y="0"/>
+          <a:ext cx="0" cy="0"/>
+          <a:chOff x="0" y="0"/>
+          <a:chExt cx="0" cy="0"/>
+        </a:xfrm>
+      </p:grpSpPr>
+      <p:sp>
+        <p:nvSpPr>
+          <p:cNvPr id="3" name="CaixaDeTexto 2"/>
+          <p:cNvSpPr txBox="1"/>
+          <p:nvPr/>
+        </p:nvSpPr>
+        <p:spPr>
+          <a:xfrm>
+            <a:off x="755576" y="1412776"/>
+            <a:ext cx="3544560" cy="3139321"/>
+          </a:xfrm>
+          <a:prstGeom prst="rect">
+            <a:avLst/>
+          </a:prstGeom>
+          <a:noFill/>
+        </p:spPr>
+        <p:txBody>
+          <a:bodyPr wrap="none" rtlCol="0">
+            <a:spAutoFit/>
+          </a:bodyPr>
+          <a:lstStyle/>
+          <a:p>
+            <a:r>
+              <a:rPr lang="pt-BR" dirty="0" smtClean="0"/>
+              <a:t>À Vista = R$ 2.200,00</a:t>
+            </a:r>
+          </a:p>
+          <a:p>
+            <a:r>
+              <a:rPr lang="pt-BR" dirty="0" smtClean="0"/>
+              <a:t>Sinal = R$ 200,00</a:t>
+            </a:r>
+          </a:p>
+          <a:p>
+            <a:r>
+              <a:rPr lang="pt-BR" dirty="0" smtClean="0"/>
+              <a:t>Final = R$ 2.200,00</a:t>
+            </a:r>
+          </a:p>
+          <a:p>
+            <a:r>
+              <a:rPr lang="pt-BR" dirty="0" smtClean="0"/>
+              <a:t>n = 35d</a:t>
+            </a:r>
+          </a:p>
+          <a:p>
+            <a:r>
+              <a:rPr lang="pt-BR" dirty="0" smtClean="0"/>
+              <a:t>i = ? a.m.</a:t>
+            </a:r>
+          </a:p>
+          <a:p>
+            <a:endParaRPr lang="pt-BR" dirty="0"/>
+          </a:p>
+          <a:p>
+            <a:r>
+              <a:rPr lang="pt-BR" dirty="0" smtClean="0"/>
+              <a:t>C = 2.200,00 – 200,00 = R$ 2.000,00</a:t>
+            </a:r>
+          </a:p>
+          <a:p>
+            <a:r>
+              <a:rPr lang="pt-BR" dirty="0" smtClean="0"/>
+              <a:t>n = 35d</a:t>
+            </a:r>
+          </a:p>
+          <a:p>
+            <a:r>
+              <a:rPr lang="pt-BR" dirty="0" smtClean="0"/>
+              <a:t>i = ?</a:t>
+            </a:r>
+          </a:p>
+          <a:p>
+            <a:r>
+              <a:rPr lang="pt-BR" dirty="0" smtClean="0"/>
+              <a:t>M = R$ 2.200,00</a:t>
+            </a:r>
+          </a:p>
+          <a:p>
+            <a:endParaRPr lang="pt-BR" dirty="0"/>
+          </a:p>
+        </p:txBody>
+      </p:sp>
+      <p:grpSp>
+        <p:nvGrpSpPr>
+          <p:cNvPr id="4" name="Grupo 3"/>
+          <p:cNvGrpSpPr/>
+          <p:nvPr/>
+        </p:nvGrpSpPr>
+        <p:grpSpPr>
+          <a:xfrm>
+            <a:off x="153813" y="4355812"/>
+            <a:ext cx="3934600" cy="2457564"/>
+            <a:chOff x="4866294" y="3933056"/>
+            <a:chExt cx="3934600" cy="2457564"/>
+          </a:xfrm>
+        </p:grpSpPr>
+        <p:grpSp>
+          <p:nvGrpSpPr>
+            <p:cNvPr id="5" name="Grupo 4"/>
+            <p:cNvGrpSpPr/>
+            <p:nvPr/>
+          </p:nvGrpSpPr>
+          <p:grpSpPr>
+            <a:xfrm>
+              <a:off x="5292080" y="4230380"/>
+              <a:ext cx="2376264" cy="1790908"/>
+              <a:chOff x="5292080" y="4230380"/>
+              <a:chExt cx="2376264" cy="1790908"/>
+            </a:xfrm>
+          </p:grpSpPr>
+          <p:cxnSp>
+            <p:nvCxnSpPr>
+              <p:cNvPr id="9" name="Conector de seta reta 8"/>
+              <p:cNvCxnSpPr/>
+              <p:nvPr/>
+            </p:nvCxnSpPr>
+            <p:spPr>
+              <a:xfrm>
+                <a:off x="5292080" y="4975308"/>
+                <a:ext cx="0" cy="1045980"/>
+              </a:xfrm>
+              <a:prstGeom prst="straightConnector1">
+                <a:avLst/>
+              </a:prstGeom>
+              <a:ln w="12700">
+                <a:solidFill>
+                  <a:schemeClr val="tx1"/>
+                </a:solidFill>
+                <a:tailEnd type="arrow"/>
+              </a:ln>
+            </p:spPr>
+            <p:style>
+              <a:lnRef idx="1">
+                <a:schemeClr val="accent1"/>
+              </a:lnRef>
+              <a:fillRef idx="0">
+                <a:schemeClr val="accent1"/>
+              </a:fillRef>
+              <a:effectRef idx="0">
+                <a:schemeClr val="accent1"/>
+              </a:effectRef>
+              <a:fontRef idx="minor">
+                <a:schemeClr val="tx1"/>
+              </a:fontRef>
+            </p:style>
+          </p:cxnSp>
+          <p:cxnSp>
+            <p:nvCxnSpPr>
+              <p:cNvPr id="10" name="Conector reto 9"/>
+              <p:cNvCxnSpPr/>
+              <p:nvPr/>
+            </p:nvCxnSpPr>
+            <p:spPr>
+              <a:xfrm>
+                <a:off x="5292080" y="4975308"/>
+                <a:ext cx="2376264" cy="0"/>
+              </a:xfrm>
+              <a:prstGeom prst="line">
+                <a:avLst/>
+              </a:prstGeom>
+              <a:ln w="12700">
+                <a:solidFill>
+                  <a:schemeClr val="tx1"/>
+                </a:solidFill>
+              </a:ln>
+            </p:spPr>
+            <p:style>
+              <a:lnRef idx="1">
+                <a:schemeClr val="accent1"/>
+              </a:lnRef>
+              <a:fillRef idx="0">
+                <a:schemeClr val="accent1"/>
+              </a:fillRef>
+              <a:effectRef idx="0">
+                <a:schemeClr val="accent1"/>
+              </a:effectRef>
+              <a:fontRef idx="minor">
+                <a:schemeClr val="tx1"/>
+              </a:fontRef>
+            </p:style>
+          </p:cxnSp>
+          <p:cxnSp>
+            <p:nvCxnSpPr>
+              <p:cNvPr id="11" name="Conector de seta reta 10"/>
+              <p:cNvCxnSpPr/>
+              <p:nvPr/>
+            </p:nvCxnSpPr>
+            <p:spPr>
+              <a:xfrm flipV="1">
+                <a:off x="7668344" y="4230380"/>
+                <a:ext cx="0" cy="744928"/>
+              </a:xfrm>
+              <a:prstGeom prst="straightConnector1">
+                <a:avLst/>
+              </a:prstGeom>
+              <a:ln w="12700">
+                <a:solidFill>
+                  <a:schemeClr val="tx1"/>
+                </a:solidFill>
+                <a:tailEnd type="arrow"/>
+              </a:ln>
+            </p:spPr>
+            <p:style>
+              <a:lnRef idx="1">
+                <a:schemeClr val="accent1"/>
+              </a:lnRef>
+              <a:fillRef idx="0">
+                <a:schemeClr val="accent1"/>
+              </a:fillRef>
+              <a:effectRef idx="0">
+                <a:schemeClr val="accent1"/>
+              </a:effectRef>
+              <a:fontRef idx="minor">
+                <a:schemeClr val="tx1"/>
+              </a:fontRef>
+            </p:style>
+          </p:cxnSp>
+        </p:grpSp>
+        <p:sp>
+          <p:nvSpPr>
+            <p:cNvPr id="6" name="CaixaDeTexto 5"/>
+            <p:cNvSpPr txBox="1"/>
+            <p:nvPr/>
+          </p:nvSpPr>
+          <p:spPr>
+            <a:xfrm>
+              <a:off x="4866294" y="6021288"/>
+              <a:ext cx="1346844" cy="369332"/>
+            </a:xfrm>
+            <a:prstGeom prst="rect">
+              <a:avLst/>
+            </a:prstGeom>
+            <a:noFill/>
+          </p:spPr>
+          <p:txBody>
+            <a:bodyPr wrap="none" rtlCol="0">
+              <a:spAutoFit/>
+            </a:bodyPr>
+            <a:lstStyle/>
+            <a:p>
+              <a:r>
+                <a:rPr lang="pt-BR" dirty="0" smtClean="0"/>
+                <a:t>C = 2.000,00</a:t>
+              </a:r>
+              <a:endParaRPr lang="pt-BR" dirty="0"/>
+            </a:p>
+          </p:txBody>
+        </p:sp>
+        <p:sp>
+          <p:nvSpPr>
+            <p:cNvPr id="7" name="CaixaDeTexto 6"/>
+            <p:cNvSpPr txBox="1"/>
+            <p:nvPr/>
+          </p:nvSpPr>
+          <p:spPr>
+            <a:xfrm>
+              <a:off x="5796136" y="4653136"/>
+              <a:ext cx="1194558" cy="646331"/>
+            </a:xfrm>
+            <a:prstGeom prst="rect">
+              <a:avLst/>
+            </a:prstGeom>
+            <a:noFill/>
+          </p:spPr>
+          <p:txBody>
+            <a:bodyPr wrap="none" rtlCol="0">
+              <a:spAutoFit/>
+            </a:bodyPr>
+            <a:lstStyle/>
+            <a:p>
+              <a:r>
+                <a:rPr lang="pt-BR" dirty="0"/>
+                <a:t>n</a:t>
+              </a:r>
+              <a:r>
+                <a:rPr lang="pt-BR" dirty="0" smtClean="0"/>
+                <a:t> = 35d</a:t>
+              </a:r>
+            </a:p>
+            <a:p>
+              <a:r>
+                <a:rPr lang="pt-BR" dirty="0" smtClean="0"/>
+                <a:t>i = ?% a.m.</a:t>
+              </a:r>
+              <a:endParaRPr lang="pt-BR" dirty="0"/>
+            </a:p>
+          </p:txBody>
+        </p:sp>
+        <p:sp>
+          <p:nvSpPr>
+            <p:cNvPr id="8" name="CaixaDeTexto 7"/>
+            <p:cNvSpPr txBox="1"/>
+            <p:nvPr/>
+          </p:nvSpPr>
+          <p:spPr>
+            <a:xfrm>
+              <a:off x="7380312" y="3933056"/>
+              <a:ext cx="1420582" cy="369332"/>
+            </a:xfrm>
+            <a:prstGeom prst="rect">
+              <a:avLst/>
+            </a:prstGeom>
+            <a:noFill/>
+          </p:spPr>
+          <p:txBody>
+            <a:bodyPr wrap="none" rtlCol="0">
+              <a:spAutoFit/>
+            </a:bodyPr>
+            <a:lstStyle/>
+            <a:p>
+              <a:r>
+                <a:rPr lang="pt-BR" dirty="0" smtClean="0"/>
+                <a:t>M = 2.200,00</a:t>
+              </a:r>
+              <a:endParaRPr lang="pt-BR" dirty="0"/>
+            </a:p>
+          </p:txBody>
+        </p:sp>
+      </p:grpSp>
+      <mc:AlternateContent xmlns:mc="http://schemas.openxmlformats.org/markup-compatibility/2006">
+        <mc:Choice xmlns:a14="http://schemas.microsoft.com/office/drawing/2010/main" Requires="a14">
+          <p:sp>
+            <p:nvSpPr>
+              <p:cNvPr id="12" name="CaixaDeTexto 11"/>
+              <p:cNvSpPr txBox="1"/>
+              <p:nvPr/>
+            </p:nvSpPr>
+            <p:spPr>
+              <a:xfrm>
+                <a:off x="4967064" y="2710375"/>
+                <a:ext cx="3400290" cy="1754326"/>
+              </a:xfrm>
+              <a:prstGeom prst="rect">
+                <a:avLst/>
+              </a:prstGeom>
+              <a:noFill/>
+            </p:spPr>
+            <p:txBody>
+              <a:bodyPr wrap="none" rtlCol="0">
+                <a:spAutoFit/>
+              </a:bodyPr>
+              <a:lstStyle/>
+              <a:p>
+                <a:pPr/>
+                <a:r>
+                  <a:rPr lang="pt-BR" dirty="0" smtClean="0"/>
+                  <a:t>2000 CHS PV</a:t>
+                </a:r>
+              </a:p>
+              <a:p>
+                <a:pPr/>
+                <a:r>
+                  <a:rPr lang="pt-BR" dirty="0" smtClean="0"/>
+                  <a:t>35 [</a:t>
+                </a:r>
+                <a:r>
+                  <a:rPr lang="pt-BR" dirty="0" err="1" smtClean="0"/>
+                  <a:t>Enter</a:t>
+                </a:r>
+                <a:r>
+                  <a:rPr lang="pt-BR" dirty="0" smtClean="0"/>
+                  <a:t>]</a:t>
+                </a:r>
+              </a:p>
+              <a:p>
+                <a:pPr/>
+                <a:r>
+                  <a:rPr lang="pt-BR" dirty="0" smtClean="0"/>
+                  <a:t>30 </a:t>
+                </a:r>
+                <a14:m>
+                  <m:oMath xmlns:m="http://schemas.openxmlformats.org/officeDocument/2006/math">
+                    <m:r>
+                      <a:rPr lang="pt-BR" i="1">
+                        <a:latin typeface="Cambria Math"/>
+                        <a:ea typeface="Cambria Math"/>
+                      </a:rPr>
+                      <m:t>÷</m:t>
+                    </m:r>
+                  </m:oMath>
+                </a14:m>
+                <a:endParaRPr lang="pt-BR" dirty="0" smtClean="0"/>
+              </a:p>
+              <a:p>
+                <a:pPr/>
+                <a:r>
+                  <a:rPr lang="pt-BR" dirty="0" smtClean="0"/>
+                  <a:t>n</a:t>
+                </a:r>
+              </a:p>
+              <a:p>
+                <a:pPr/>
+                <a:r>
+                  <a:rPr lang="pt-BR" dirty="0" smtClean="0"/>
+                  <a:t>2200 FV</a:t>
+                </a:r>
+              </a:p>
+              <a:p>
+                <a:pPr/>
+                <a:r>
+                  <a:rPr lang="pt-BR" dirty="0" smtClean="0"/>
+                  <a:t>i		</a:t>
+                </a:r>
+                <a:r>
+                  <a:rPr lang="pt-BR" dirty="0" smtClean="0">
+                    <a:sym typeface="Wingdings" pitchFamily="2" charset="2"/>
+                  </a:rPr>
+                  <a:t> </a:t>
+                </a:r>
+                <a:r>
+                  <a:rPr lang="pt-BR" u="sng" dirty="0" smtClean="0">
+                    <a:sym typeface="Wingdings" pitchFamily="2" charset="2"/>
+                  </a:rPr>
+                  <a:t>8,51% a.m.</a:t>
+                </a:r>
+                <a:r>
+                  <a:rPr lang="pt-BR" dirty="0" smtClean="0">
+                    <a:sym typeface="Wingdings" pitchFamily="2" charset="2"/>
+                  </a:rPr>
+                  <a:t> </a:t>
+                </a:r>
+                <a:endParaRPr lang="pt-BR" dirty="0"/>
+              </a:p>
+            </p:txBody>
+          </p:sp>
+        </mc:Choice>
+        <mc:Fallback>
+          <p:sp>
+            <p:nvSpPr>
+              <p:cNvPr id="12" name="CaixaDeTexto 11"/>
+              <p:cNvSpPr txBox="1">
+                <a:spLocks noRot="1" noChangeAspect="1" noMove="1" noResize="1" noEditPoints="1" noAdjustHandles="1" noChangeArrowheads="1" noChangeShapeType="1" noTextEdit="1"/>
+              </p:cNvSpPr>
+              <p:nvPr/>
+            </p:nvSpPr>
+            <p:spPr>
+              <a:xfrm>
+                <a:off x="4967064" y="2710375"/>
+                <a:ext cx="3400290" cy="1754326"/>
+              </a:xfrm>
+              <a:prstGeom prst="rect">
+                <a:avLst/>
+              </a:prstGeom>
+              <a:blipFill rotWithShape="1">
+                <a:blip r:embed="rId2"/>
+                <a:stretch>
+                  <a:fillRect l="-1613" t="-1742" b="-4878"/>
+                </a:stretch>
+              </a:blipFill>
+            </p:spPr>
+            <p:txBody>
+              <a:bodyPr/>
+              <a:lstStyle/>
+              <a:p>
+                <a:r>
+                  <a:rPr lang="pt-BR">
+                    <a:noFill/>
+                  </a:rPr>
+                  <a:t> </a:t>
+                </a:r>
+              </a:p>
+            </p:txBody>
+          </p:sp>
+        </mc:Fallback>
+      </mc:AlternateContent>
+      <p:sp>
+        <p:nvSpPr>
+          <p:cNvPr id="13" name="Elipse 12"/>
+          <p:cNvSpPr/>
+          <p:nvPr/>
+        </p:nvSpPr>
+        <p:spPr>
+          <a:xfrm>
+            <a:off x="77822" y="116632"/>
+            <a:ext cx="821770" cy="792088"/>
+          </a:xfrm>
+          <a:prstGeom prst="ellipse">
+            <a:avLst/>
+          </a:prstGeom>
+        </p:spPr>
+        <p:style>
+          <a:lnRef idx="2">
+            <a:schemeClr val="accent1">
+              <a:shade val="50000"/>
+            </a:schemeClr>
+          </a:lnRef>
+          <a:fillRef idx="1">
+            <a:schemeClr val="accent1"/>
+          </a:fillRef>
+          <a:effectRef idx="0">
+            <a:schemeClr val="accent1"/>
+          </a:effectRef>
+          <a:fontRef idx="minor">
+            <a:schemeClr val="lt1"/>
+          </a:fontRef>
+        </p:style>
+        <p:txBody>
+          <a:bodyPr rtlCol="0" anchor="ctr"/>
+          <a:lstStyle/>
+          <a:p>
+            <a:pPr algn="ctr"/>
+            <a:r>
+              <a:rPr lang="pt-BR" sz="1600" dirty="0" smtClean="0"/>
+              <a:t>6</a:t>
+            </a:r>
+          </a:p>
+          <a:p>
+            <a:pPr algn="ctr"/>
+            <a:r>
+              <a:rPr lang="pt-BR" sz="1600" dirty="0" smtClean="0"/>
+              <a:t>HP</a:t>
+            </a:r>
+          </a:p>
+          <a:p>
+            <a:pPr algn="ctr"/>
+            <a:r>
+              <a:rPr lang="pt-BR" sz="1600" dirty="0" smtClean="0"/>
+              <a:t>12c</a:t>
+            </a:r>
+            <a:endParaRPr lang="pt-BR" dirty="0"/>
+          </a:p>
+        </p:txBody>
+      </p:sp>
+    </p:spTree>
+    <p:extLst>
+      <p:ext uri="{BB962C8B-B14F-4D97-AF65-F5344CB8AC3E}">
+        <p14:creationId xmlns:p14="http://schemas.microsoft.com/office/powerpoint/2010/main" val="542231180"/>
+      </p:ext>
+    </p:extLst>
+  </p:cSld>
+  <p:clrMapOvr>
+    <a:masterClrMapping/>
+  </p:clrMapOvr>
+</p:sld>
+</file>
+
+<file path=ppt/slides/slide11.xml><?xml version="1.0" encoding="utf-8"?>
+<p:sld xmlns:a="http://schemas.openxmlformats.org/drawingml/2006/main" xmlns:r="http://schemas.openxmlformats.org/officeDocument/2006/relationships" xmlns:p="http://schemas.openxmlformats.org/presentationml/2006/main">
+  <p:cSld>
+    <p:spTree>
+      <p:nvGrpSpPr>
+        <p:cNvPr id="1" name=""/>
+        <p:cNvGrpSpPr/>
+        <p:nvPr/>
+      </p:nvGrpSpPr>
+      <p:grpSpPr>
+        <a:xfrm>
+          <a:off x="0" y="0"/>
+          <a:ext cx="0" cy="0"/>
+          <a:chOff x="0" y="0"/>
+          <a:chExt cx="0" cy="0"/>
+        </a:xfrm>
+      </p:grpSpPr>
+      <p:sp>
+        <p:nvSpPr>
+          <p:cNvPr id="2" name="Elipse 1"/>
+          <p:cNvSpPr/>
+          <p:nvPr/>
+        </p:nvSpPr>
+        <p:spPr>
+          <a:xfrm>
+            <a:off x="107504" y="44624"/>
+            <a:ext cx="821770" cy="792088"/>
+          </a:xfrm>
+          <a:prstGeom prst="ellipse">
+            <a:avLst/>
+          </a:prstGeom>
+        </p:spPr>
+        <p:style>
+          <a:lnRef idx="2">
+            <a:schemeClr val="accent1">
+              <a:shade val="50000"/>
+            </a:schemeClr>
+          </a:lnRef>
+          <a:fillRef idx="1">
+            <a:schemeClr val="accent1"/>
+          </a:fillRef>
+          <a:effectRef idx="0">
+            <a:schemeClr val="accent1"/>
+          </a:effectRef>
+          <a:fontRef idx="minor">
+            <a:schemeClr val="lt1"/>
+          </a:fontRef>
+        </p:style>
+        <p:txBody>
+          <a:bodyPr rtlCol="0" anchor="ctr"/>
+          <a:lstStyle/>
+          <a:p>
+            <a:pPr algn="ctr"/>
+            <a:r>
+              <a:rPr lang="pt-BR" dirty="0" smtClean="0"/>
+              <a:t>7</a:t>
+            </a:r>
+            <a:endParaRPr lang="pt-BR" dirty="0"/>
+          </a:p>
+        </p:txBody>
+      </p:sp>
+      <p:sp>
+        <p:nvSpPr>
+          <p:cNvPr id="3" name="CaixaDeTexto 2"/>
+          <p:cNvSpPr txBox="1"/>
+          <p:nvPr/>
+        </p:nvSpPr>
+        <p:spPr>
+          <a:xfrm>
+            <a:off x="518389" y="836712"/>
+            <a:ext cx="1741182" cy="1938992"/>
+          </a:xfrm>
+          <a:prstGeom prst="rect">
+            <a:avLst/>
+          </a:prstGeom>
+          <a:noFill/>
+        </p:spPr>
+        <p:txBody>
+          <a:bodyPr wrap="none" rtlCol="0">
+            <a:spAutoFit/>
+          </a:bodyPr>
+          <a:lstStyle/>
+          <a:p>
+            <a:pPr algn="ctr"/>
+            <a:r>
+              <a:rPr lang="pt-BR" b="1" dirty="0" smtClean="0"/>
+              <a:t>1</a:t>
+            </a:r>
+            <a:r>
+              <a:rPr lang="pt-BR" sz="2000" b="1" dirty="0"/>
+              <a:t> </a:t>
+            </a:r>
+            <a:r>
+              <a:rPr lang="pt-BR" sz="2000" b="1" dirty="0" smtClean="0"/>
+              <a:t>º Título</a:t>
+            </a:r>
+          </a:p>
+          <a:p>
+            <a:endParaRPr lang="pt-BR" sz="2000" dirty="0"/>
+          </a:p>
+          <a:p>
+            <a:r>
+              <a:rPr lang="pt-BR" sz="2000" dirty="0" smtClean="0"/>
+              <a:t>C = R$1.000,00</a:t>
+            </a:r>
+          </a:p>
+          <a:p>
+            <a:r>
+              <a:rPr lang="pt-BR" sz="2000" dirty="0" smtClean="0"/>
+              <a:t>n = 2m</a:t>
+            </a:r>
+          </a:p>
+          <a:p>
+            <a:r>
+              <a:rPr lang="pt-BR" sz="2000" dirty="0" smtClean="0"/>
+              <a:t>i = 4% </a:t>
+            </a:r>
+            <a:r>
+              <a:rPr lang="pt-BR" sz="2000" dirty="0" err="1" smtClean="0"/>
+              <a:t>a.m</a:t>
+            </a:r>
+            <a:endParaRPr lang="pt-BR" sz="2000" dirty="0" smtClean="0"/>
+          </a:p>
+          <a:p>
+            <a:r>
+              <a:rPr lang="pt-BR" sz="2000" dirty="0" smtClean="0"/>
+              <a:t>M = ?</a:t>
+            </a:r>
+            <a:endParaRPr lang="pt-BR" dirty="0" smtClean="0"/>
+          </a:p>
+        </p:txBody>
+      </p:sp>
+      <p:sp>
+        <p:nvSpPr>
+          <p:cNvPr id="4" name="CaixaDeTexto 3"/>
+          <p:cNvSpPr txBox="1"/>
+          <p:nvPr/>
+        </p:nvSpPr>
+        <p:spPr>
+          <a:xfrm>
+            <a:off x="6084168" y="836712"/>
+            <a:ext cx="1824538" cy="1938992"/>
+          </a:xfrm>
+          <a:prstGeom prst="rect">
+            <a:avLst/>
+          </a:prstGeom>
+          <a:noFill/>
+        </p:spPr>
+        <p:txBody>
+          <a:bodyPr wrap="none" rtlCol="0">
+            <a:spAutoFit/>
+          </a:bodyPr>
+          <a:lstStyle/>
+          <a:p>
+            <a:pPr algn="ctr"/>
+            <a:r>
+              <a:rPr lang="pt-BR" b="1" dirty="0"/>
+              <a:t>2</a:t>
+            </a:r>
+            <a:r>
+              <a:rPr lang="pt-BR" sz="2000" b="1" dirty="0" smtClean="0"/>
+              <a:t> º Título</a:t>
+            </a:r>
+          </a:p>
+          <a:p>
+            <a:endParaRPr lang="pt-BR" sz="2000" dirty="0"/>
+          </a:p>
+          <a:p>
+            <a:r>
+              <a:rPr lang="pt-BR" sz="2000" dirty="0" smtClean="0"/>
+              <a:t>C = ?</a:t>
+            </a:r>
+          </a:p>
+          <a:p>
+            <a:r>
+              <a:rPr lang="pt-BR" sz="2000" dirty="0" smtClean="0"/>
+              <a:t>n = 15d</a:t>
+            </a:r>
+          </a:p>
+          <a:p>
+            <a:r>
+              <a:rPr lang="pt-BR" sz="2000" dirty="0" smtClean="0"/>
+              <a:t>i = 4% </a:t>
+            </a:r>
+            <a:r>
+              <a:rPr lang="pt-BR" sz="2000" dirty="0" err="1" smtClean="0"/>
+              <a:t>a.m</a:t>
+            </a:r>
+            <a:endParaRPr lang="pt-BR" sz="2000" dirty="0" smtClean="0"/>
+          </a:p>
+          <a:p>
+            <a:r>
+              <a:rPr lang="pt-BR" sz="2000" dirty="0" smtClean="0"/>
+              <a:t>M = R$1.000,00</a:t>
+            </a:r>
+            <a:endParaRPr lang="pt-BR" dirty="0" smtClean="0"/>
+          </a:p>
+        </p:txBody>
+      </p:sp>
+      <mc:AlternateContent xmlns:mc="http://schemas.openxmlformats.org/markup-compatibility/2006">
+        <mc:Choice xmlns:a14="http://schemas.microsoft.com/office/drawing/2010/main" Requires="a14">
+          <p:sp>
+            <p:nvSpPr>
+              <p:cNvPr id="5" name="CaixaDeTexto 4"/>
+              <p:cNvSpPr txBox="1"/>
+              <p:nvPr/>
+            </p:nvSpPr>
+            <p:spPr>
+              <a:xfrm>
+                <a:off x="755576" y="4365104"/>
+                <a:ext cx="2841996" cy="1754326"/>
+              </a:xfrm>
+              <a:prstGeom prst="rect">
+                <a:avLst/>
+              </a:prstGeom>
+              <a:noFill/>
+            </p:spPr>
+            <p:txBody>
+              <a:bodyPr wrap="none" rtlCol="0">
+                <a:spAutoFit/>
+              </a:bodyPr>
+              <a:lstStyle/>
+              <a:p>
+                <a:pPr/>
+                <a14:m>
+                  <m:oMathPara xmlns:m="http://schemas.openxmlformats.org/officeDocument/2006/math">
+                    <m:oMathParaPr>
+                      <m:jc m:val="centerGroup"/>
+                    </m:oMathParaPr>
+                    <m:oMath xmlns:m="http://schemas.openxmlformats.org/officeDocument/2006/math">
+                      <m:r>
+                        <a:rPr lang="pt-BR" i="1" smtClean="0">
+                          <a:latin typeface="Cambria Math"/>
+                        </a:rPr>
+                        <m:t>𝑀</m:t>
+                      </m:r>
+                      <m:r>
+                        <a:rPr lang="pt-BR" i="1" smtClean="0">
+                          <a:latin typeface="Cambria Math"/>
+                        </a:rPr>
+                        <m:t>=</m:t>
+                      </m:r>
+                      <m:r>
+                        <a:rPr lang="pt-BR" i="1" smtClean="0">
+                          <a:latin typeface="Cambria Math"/>
+                        </a:rPr>
+                        <m:t>𝐶</m:t>
+                      </m:r>
+                      <m:r>
+                        <a:rPr lang="pt-BR" i="1" smtClean="0">
+                          <a:latin typeface="Cambria Math"/>
+                        </a:rPr>
+                        <m:t> × </m:t>
+                      </m:r>
+                      <m:sSup>
+                        <m:sSupPr>
+                          <m:ctrlPr>
+                            <a:rPr lang="pt-BR" i="1">
+                              <a:latin typeface="Cambria Math"/>
+                            </a:rPr>
+                          </m:ctrlPr>
+                        </m:sSupPr>
+                        <m:e>
+                          <m:r>
+                            <a:rPr lang="pt-BR" i="1">
+                              <a:latin typeface="Cambria Math"/>
+                            </a:rPr>
+                            <m:t>(1+</m:t>
+                          </m:r>
+                          <m:r>
+                            <a:rPr lang="pt-BR" i="1">
+                              <a:latin typeface="Cambria Math"/>
+                            </a:rPr>
+                            <m:t>𝑖</m:t>
+                          </m:r>
+                          <m:r>
+                            <a:rPr lang="pt-BR" i="1">
+                              <a:latin typeface="Cambria Math"/>
+                            </a:rPr>
+                            <m:t>)</m:t>
+                          </m:r>
+                        </m:e>
+                        <m:sup>
+                          <m:r>
+                            <a:rPr lang="pt-BR" i="1">
+                              <a:latin typeface="Cambria Math"/>
+                            </a:rPr>
+                            <m:t>𝑛</m:t>
+                          </m:r>
+                        </m:sup>
+                      </m:sSup>
+                    </m:oMath>
+                  </m:oMathPara>
+                </a14:m>
+                <a:endParaRPr lang="pt-BR" dirty="0" smtClean="0"/>
+              </a:p>
+              <a:p>
+                <a:pPr/>
+                <a14:m>
+                  <m:oMathPara xmlns:m="http://schemas.openxmlformats.org/officeDocument/2006/math">
+                    <m:oMathParaPr>
+                      <m:jc m:val="centerGroup"/>
+                    </m:oMathParaPr>
+                    <m:oMath xmlns:m="http://schemas.openxmlformats.org/officeDocument/2006/math">
+                      <m:r>
+                        <a:rPr lang="pt-BR" b="0" i="1" smtClean="0">
+                          <a:latin typeface="Cambria Math"/>
+                        </a:rPr>
+                        <m:t>𝑀</m:t>
+                      </m:r>
+                      <m:r>
+                        <a:rPr lang="pt-BR" b="0" i="1" smtClean="0">
+                          <a:latin typeface="Cambria Math"/>
+                        </a:rPr>
+                        <m:t>=1000 × </m:t>
+                      </m:r>
+                      <m:sSup>
+                        <m:sSupPr>
+                          <m:ctrlPr>
+                            <a:rPr lang="pt-BR" b="0" i="1" smtClean="0">
+                              <a:latin typeface="Cambria Math"/>
+                              <a:ea typeface="Cambria Math"/>
+                            </a:rPr>
+                          </m:ctrlPr>
+                        </m:sSupPr>
+                        <m:e>
+                          <m:r>
+                            <a:rPr lang="pt-BR" i="1">
+                              <a:latin typeface="Cambria Math"/>
+                              <a:ea typeface="Cambria Math"/>
+                            </a:rPr>
+                            <m:t>(1+0,04)</m:t>
+                          </m:r>
+                        </m:e>
+                        <m:sup>
+                          <m:r>
+                            <a:rPr lang="pt-BR" b="0" i="1" smtClean="0">
+                              <a:latin typeface="Cambria Math"/>
+                              <a:ea typeface="Cambria Math"/>
+                            </a:rPr>
+                            <m:t>2</m:t>
+                          </m:r>
+                        </m:sup>
+                      </m:sSup>
+                    </m:oMath>
+                  </m:oMathPara>
+                </a14:m>
+                <a:endParaRPr lang="pt-BR" b="0" dirty="0" smtClean="0">
+                  <a:ea typeface="Cambria Math"/>
+                </a:endParaRPr>
+              </a:p>
+              <a:p>
+                <a:pPr/>
+                <a14:m>
+                  <m:oMathPara xmlns:m="http://schemas.openxmlformats.org/officeDocument/2006/math">
+                    <m:oMathParaPr>
+                      <m:jc m:val="centerGroup"/>
+                    </m:oMathParaPr>
+                    <m:oMath xmlns:m="http://schemas.openxmlformats.org/officeDocument/2006/math">
+                      <m:r>
+                        <a:rPr lang="pt-BR" b="0" i="1" smtClean="0">
+                          <a:latin typeface="Cambria Math"/>
+                        </a:rPr>
+                        <m:t>𝑀</m:t>
+                      </m:r>
+                      <m:r>
+                        <a:rPr lang="pt-BR" b="0" i="1" smtClean="0">
+                          <a:latin typeface="Cambria Math"/>
+                        </a:rPr>
+                        <m:t>=1000 ×1,0816</m:t>
+                      </m:r>
+                    </m:oMath>
+                  </m:oMathPara>
+                </a14:m>
+                <a:endParaRPr lang="pt-BR" dirty="0" smtClean="0"/>
+              </a:p>
+              <a:p>
+                <a:endParaRPr lang="pt-BR" b="0" i="1" dirty="0" smtClean="0">
+                  <a:latin typeface="Cambria Math"/>
+                </a:endParaRPr>
+              </a:p>
+              <a:p>
+                <a:pPr/>
+                <a14:m>
+                  <m:oMathPara xmlns:m="http://schemas.openxmlformats.org/officeDocument/2006/math">
+                    <m:oMathParaPr>
+                      <m:jc m:val="centerGroup"/>
+                    </m:oMathParaPr>
+                    <m:oMath xmlns:m="http://schemas.openxmlformats.org/officeDocument/2006/math">
+                      <m:r>
+                        <a:rPr lang="pt-BR" b="0" i="1" smtClean="0">
+                          <a:latin typeface="Cambria Math"/>
+                        </a:rPr>
+                        <m:t>𝑀</m:t>
+                      </m:r>
+                      <m:r>
+                        <a:rPr lang="pt-BR" b="0" i="1" smtClean="0">
+                          <a:latin typeface="Cambria Math"/>
+                        </a:rPr>
+                        <m:t>=</m:t>
+                      </m:r>
+                      <m:r>
+                        <a:rPr lang="pt-BR" b="0" i="1" smtClean="0">
+                          <a:latin typeface="Cambria Math"/>
+                        </a:rPr>
+                        <m:t>𝑅</m:t>
+                      </m:r>
+                      <m:r>
+                        <a:rPr lang="pt-BR" b="0" i="1" smtClean="0">
+                          <a:latin typeface="Cambria Math"/>
+                        </a:rPr>
+                        <m:t>$ 1.081,60</m:t>
+                      </m:r>
+                    </m:oMath>
+                  </m:oMathPara>
+                </a14:m>
+                <a:endParaRPr lang="pt-BR" dirty="0"/>
+              </a:p>
+              <a:p>
+                <a:endParaRPr lang="pt-BR" dirty="0"/>
+              </a:p>
+            </p:txBody>
+          </p:sp>
+        </mc:Choice>
+        <mc:Fallback>
+          <p:sp>
+            <p:nvSpPr>
+              <p:cNvPr id="5" name="CaixaDeTexto 4"/>
+              <p:cNvSpPr txBox="1">
+                <a:spLocks noRot="1" noChangeAspect="1" noMove="1" noResize="1" noEditPoints="1" noAdjustHandles="1" noChangeArrowheads="1" noChangeShapeType="1" noTextEdit="1"/>
+              </p:cNvSpPr>
+              <p:nvPr/>
+            </p:nvSpPr>
+            <p:spPr>
+              <a:xfrm>
+                <a:off x="755576" y="4365104"/>
+                <a:ext cx="2841996" cy="1754326"/>
+              </a:xfrm>
+              <a:prstGeom prst="rect">
+                <a:avLst/>
+              </a:prstGeom>
+              <a:blipFill rotWithShape="1">
+                <a:blip r:embed="rId2"/>
+                <a:stretch>
+                  <a:fillRect/>
+                </a:stretch>
+              </a:blipFill>
+            </p:spPr>
+            <p:txBody>
+              <a:bodyPr/>
+              <a:lstStyle/>
+              <a:p>
+                <a:r>
+                  <a:rPr lang="pt-BR">
+                    <a:noFill/>
+                  </a:rPr>
+                  <a:t> </a:t>
+                </a:r>
+              </a:p>
+            </p:txBody>
+          </p:sp>
+        </mc:Fallback>
+      </mc:AlternateContent>
+      <mc:AlternateContent xmlns:mc="http://schemas.openxmlformats.org/markup-compatibility/2006">
+        <mc:Choice xmlns:a14="http://schemas.microsoft.com/office/drawing/2010/main" Requires="a14">
+          <p:sp>
+            <p:nvSpPr>
+              <p:cNvPr id="6" name="CaixaDeTexto 5"/>
+              <p:cNvSpPr txBox="1"/>
+              <p:nvPr/>
+            </p:nvSpPr>
+            <p:spPr>
+              <a:xfrm>
+                <a:off x="5539435" y="4253505"/>
+                <a:ext cx="2517292" cy="2343847"/>
+              </a:xfrm>
+              <a:prstGeom prst="rect">
+                <a:avLst/>
+              </a:prstGeom>
+              <a:noFill/>
+            </p:spPr>
+            <p:txBody>
+              <a:bodyPr wrap="none" rtlCol="0">
+                <a:spAutoFit/>
+              </a:bodyPr>
+              <a:lstStyle/>
+              <a:p>
+                <a:pPr/>
+                <a14:m>
+                  <m:oMathPara xmlns:m="http://schemas.openxmlformats.org/officeDocument/2006/math">
+                    <m:oMathParaPr>
+                      <m:jc m:val="centerGroup"/>
+                    </m:oMathParaPr>
+                    <m:oMath xmlns:m="http://schemas.openxmlformats.org/officeDocument/2006/math">
+                      <m:r>
+                        <a:rPr lang="pt-BR" i="1" smtClean="0">
+                          <a:latin typeface="Cambria Math"/>
+                        </a:rPr>
+                        <m:t>𝑀</m:t>
+                      </m:r>
+                      <m:r>
+                        <a:rPr lang="pt-BR" i="1" smtClean="0">
+                          <a:latin typeface="Cambria Math"/>
+                        </a:rPr>
+                        <m:t>=</m:t>
+                      </m:r>
+                      <m:r>
+                        <a:rPr lang="pt-BR" i="1" smtClean="0">
+                          <a:latin typeface="Cambria Math"/>
+                        </a:rPr>
+                        <m:t>𝐶</m:t>
+                      </m:r>
+                      <m:r>
+                        <a:rPr lang="pt-BR" i="1" smtClean="0">
+                          <a:latin typeface="Cambria Math"/>
+                        </a:rPr>
+                        <m:t> × </m:t>
+                      </m:r>
+                      <m:sSup>
+                        <m:sSupPr>
+                          <m:ctrlPr>
+                            <a:rPr lang="pt-BR" i="1">
+                              <a:latin typeface="Cambria Math"/>
+                            </a:rPr>
+                          </m:ctrlPr>
+                        </m:sSupPr>
+                        <m:e>
+                          <m:r>
+                            <a:rPr lang="pt-BR" i="1">
+                              <a:latin typeface="Cambria Math"/>
+                            </a:rPr>
+                            <m:t>(1+</m:t>
+                          </m:r>
+                          <m:r>
+                            <a:rPr lang="pt-BR" i="1">
+                              <a:latin typeface="Cambria Math"/>
+                            </a:rPr>
+                            <m:t>𝑖</m:t>
+                          </m:r>
+                          <m:r>
+                            <a:rPr lang="pt-BR" i="1">
+                              <a:latin typeface="Cambria Math"/>
+                            </a:rPr>
+                            <m:t>)</m:t>
+                          </m:r>
+                        </m:e>
+                        <m:sup>
+                          <m:r>
+                            <a:rPr lang="pt-BR" i="1">
+                              <a:latin typeface="Cambria Math"/>
+                            </a:rPr>
+                            <m:t>𝑛</m:t>
+                          </m:r>
+                        </m:sup>
+                      </m:sSup>
+                    </m:oMath>
+                  </m:oMathPara>
+                </a14:m>
+                <a:endParaRPr lang="pt-BR" dirty="0" smtClean="0"/>
+              </a:p>
+              <a:p>
+                <a:pPr/>
+                <a14:m>
+                  <m:oMathPara xmlns:m="http://schemas.openxmlformats.org/officeDocument/2006/math">
+                    <m:oMathParaPr>
+                      <m:jc m:val="centerGroup"/>
+                    </m:oMathParaPr>
+                    <m:oMath xmlns:m="http://schemas.openxmlformats.org/officeDocument/2006/math">
+                      <m:r>
+                        <a:rPr lang="pt-BR" sz="1400" b="0" i="1" smtClean="0">
+                          <a:latin typeface="Cambria Math"/>
+                        </a:rPr>
+                        <m:t>1000=</m:t>
+                      </m:r>
+                      <m:r>
+                        <a:rPr lang="pt-BR" sz="1400" b="0" i="1" smtClean="0">
+                          <a:latin typeface="Cambria Math"/>
+                        </a:rPr>
+                        <m:t>𝐶</m:t>
+                      </m:r>
+                      <m:r>
+                        <a:rPr lang="pt-BR" sz="1400" b="0" i="1" smtClean="0">
+                          <a:latin typeface="Cambria Math"/>
+                        </a:rPr>
+                        <m:t> × </m:t>
+                      </m:r>
+                      <m:sSup>
+                        <m:sSupPr>
+                          <m:ctrlPr>
+                            <a:rPr lang="pt-BR" sz="1400" b="0" i="1" smtClean="0">
+                              <a:latin typeface="Cambria Math"/>
+                              <a:ea typeface="Cambria Math"/>
+                            </a:rPr>
+                          </m:ctrlPr>
+                        </m:sSupPr>
+                        <m:e>
+                          <m:r>
+                            <a:rPr lang="pt-BR" sz="1400" i="1">
+                              <a:latin typeface="Cambria Math"/>
+                              <a:ea typeface="Cambria Math"/>
+                            </a:rPr>
+                            <m:t>(1+0,04)</m:t>
+                          </m:r>
+                        </m:e>
+                        <m:sup>
+                          <m:f>
+                            <m:fPr>
+                              <m:ctrlPr>
+                                <a:rPr lang="pt-BR" sz="1400" b="0" i="1" smtClean="0">
+                                  <a:latin typeface="Cambria Math"/>
+                                  <a:ea typeface="Cambria Math"/>
+                                </a:rPr>
+                              </m:ctrlPr>
+                            </m:fPr>
+                            <m:num>
+                              <m:r>
+                                <a:rPr lang="pt-BR" sz="1400" b="0" i="1" smtClean="0">
+                                  <a:latin typeface="Cambria Math"/>
+                                  <a:ea typeface="Cambria Math"/>
+                                </a:rPr>
+                                <m:t>15</m:t>
+                              </m:r>
+                            </m:num>
+                            <m:den>
+                              <m:r>
+                                <a:rPr lang="pt-BR" sz="1400" b="0" i="1" smtClean="0">
+                                  <a:latin typeface="Cambria Math"/>
+                                  <a:ea typeface="Cambria Math"/>
+                                </a:rPr>
+                                <m:t>30</m:t>
+                              </m:r>
+                            </m:den>
+                          </m:f>
+                        </m:sup>
+                      </m:sSup>
+                    </m:oMath>
+                  </m:oMathPara>
+                </a14:m>
+                <a:endParaRPr lang="pt-BR" b="0" dirty="0" smtClean="0">
+                  <a:ea typeface="Cambria Math"/>
+                </a:endParaRPr>
+              </a:p>
+              <a:p>
+                <a:pPr/>
+                <a14:m>
+                  <m:oMathPara xmlns:m="http://schemas.openxmlformats.org/officeDocument/2006/math">
+                    <m:oMathParaPr>
+                      <m:jc m:val="centerGroup"/>
+                    </m:oMathParaPr>
+                    <m:oMath xmlns:m="http://schemas.openxmlformats.org/officeDocument/2006/math">
+                      <m:r>
+                        <a:rPr lang="pt-BR" b="0" i="1" smtClean="0">
+                          <a:latin typeface="Cambria Math"/>
+                        </a:rPr>
+                        <m:t>1000=</m:t>
+                      </m:r>
+                      <m:r>
+                        <a:rPr lang="pt-BR" b="0" i="1" smtClean="0">
+                          <a:latin typeface="Cambria Math"/>
+                        </a:rPr>
+                        <m:t>𝐶</m:t>
+                      </m:r>
+                      <m:r>
+                        <a:rPr lang="pt-BR" b="0" i="1" smtClean="0">
+                          <a:latin typeface="Cambria Math"/>
+                        </a:rPr>
+                        <m:t> ×1,0198</m:t>
+                      </m:r>
+                    </m:oMath>
+                  </m:oMathPara>
+                </a14:m>
+                <a:endParaRPr lang="pt-BR" dirty="0" smtClean="0"/>
+              </a:p>
+              <a:p>
+                <a:pPr/>
+                <a14:m>
+                  <m:oMathPara xmlns:m="http://schemas.openxmlformats.org/officeDocument/2006/math">
+                    <m:oMathParaPr>
+                      <m:jc m:val="centerGroup"/>
+                    </m:oMathParaPr>
+                    <m:oMath xmlns:m="http://schemas.openxmlformats.org/officeDocument/2006/math">
+                      <m:r>
+                        <a:rPr lang="pt-BR" b="0" i="1" smtClean="0">
+                          <a:latin typeface="Cambria Math"/>
+                        </a:rPr>
+                        <m:t>𝐶</m:t>
+                      </m:r>
+                      <m:r>
+                        <a:rPr lang="pt-BR" b="0" i="1" smtClean="0">
+                          <a:latin typeface="Cambria Math"/>
+                        </a:rPr>
+                        <m:t>=</m:t>
+                      </m:r>
+                      <m:f>
+                        <m:fPr>
+                          <m:ctrlPr>
+                            <a:rPr lang="pt-BR" b="0" i="1" smtClean="0">
+                              <a:latin typeface="Cambria Math"/>
+                            </a:rPr>
+                          </m:ctrlPr>
+                        </m:fPr>
+                        <m:num>
+                          <m:r>
+                            <a:rPr lang="pt-BR" b="0" i="1" smtClean="0">
+                              <a:latin typeface="Cambria Math"/>
+                            </a:rPr>
+                            <m:t>1000</m:t>
+                          </m:r>
+                        </m:num>
+                        <m:den>
+                          <m:r>
+                            <a:rPr lang="pt-BR" i="1">
+                              <a:latin typeface="Cambria Math"/>
+                              <a:ea typeface="Cambria Math"/>
+                            </a:rPr>
+                            <m:t>1,0198</m:t>
+                          </m:r>
+                        </m:den>
+                      </m:f>
+                    </m:oMath>
+                  </m:oMathPara>
+                </a14:m>
+                <a:endParaRPr lang="pt-BR" b="0" dirty="0" smtClean="0"/>
+              </a:p>
+              <a:p>
+                <a:pPr/>
+                <a:r>
+                  <a:rPr lang="pt-BR" b="0" i="1" dirty="0" smtClean="0">
+                    <a:latin typeface="Cambria Math"/>
+                  </a:rPr>
+                  <a:t/>
+                </a:r>
+                <a:br>
+                  <a:rPr lang="pt-BR" b="0" i="1" dirty="0" smtClean="0">
+                    <a:latin typeface="Cambria Math"/>
+                  </a:rPr>
+                </a:br>
+                <a14:m>
+                  <m:oMathPara xmlns:m="http://schemas.openxmlformats.org/officeDocument/2006/math">
+                    <m:oMathParaPr>
+                      <m:jc m:val="centerGroup"/>
+                    </m:oMathParaPr>
+                    <m:oMath xmlns:m="http://schemas.openxmlformats.org/officeDocument/2006/math">
+                      <m:r>
+                        <a:rPr lang="pt-BR" b="0" i="1" smtClean="0">
+                          <a:latin typeface="Cambria Math"/>
+                        </a:rPr>
+                        <m:t>𝐶</m:t>
+                      </m:r>
+                      <m:r>
+                        <a:rPr lang="pt-BR" b="0" i="1" smtClean="0">
+                          <a:latin typeface="Cambria Math"/>
+                        </a:rPr>
+                        <m:t>=</m:t>
+                      </m:r>
+                      <m:r>
+                        <a:rPr lang="pt-BR" b="0" i="1" smtClean="0">
+                          <a:latin typeface="Cambria Math"/>
+                        </a:rPr>
+                        <m:t>𝑅</m:t>
+                      </m:r>
+                      <m:r>
+                        <a:rPr lang="pt-BR" b="0" i="1" smtClean="0">
+                          <a:latin typeface="Cambria Math"/>
+                        </a:rPr>
+                        <m:t>$ 980,58</m:t>
+                      </m:r>
+                    </m:oMath>
+                  </m:oMathPara>
+                </a14:m>
+                <a:endParaRPr lang="pt-BR" dirty="0"/>
+              </a:p>
+              <a:p>
+                <a:endParaRPr lang="pt-BR" dirty="0"/>
+              </a:p>
+            </p:txBody>
+          </p:sp>
+        </mc:Choice>
+        <mc:Fallback>
+          <p:sp>
+            <p:nvSpPr>
+              <p:cNvPr id="6" name="CaixaDeTexto 5"/>
+              <p:cNvSpPr txBox="1">
+                <a:spLocks noRot="1" noChangeAspect="1" noMove="1" noResize="1" noEditPoints="1" noAdjustHandles="1" noChangeArrowheads="1" noChangeShapeType="1" noTextEdit="1"/>
+              </p:cNvSpPr>
+              <p:nvPr/>
+            </p:nvSpPr>
+            <p:spPr>
+              <a:xfrm>
+                <a:off x="5539435" y="4253505"/>
+                <a:ext cx="2517292" cy="2343847"/>
+              </a:xfrm>
+              <a:prstGeom prst="rect">
+                <a:avLst/>
+              </a:prstGeom>
+              <a:blipFill rotWithShape="1">
+                <a:blip r:embed="rId3"/>
+                <a:stretch>
+                  <a:fillRect/>
+                </a:stretch>
+              </a:blipFill>
+            </p:spPr>
+            <p:txBody>
+              <a:bodyPr/>
+              <a:lstStyle/>
+              <a:p>
+                <a:r>
+                  <a:rPr lang="pt-BR">
+                    <a:noFill/>
+                  </a:rPr>
+                  <a:t> </a:t>
+                </a:r>
+              </a:p>
+            </p:txBody>
+          </p:sp>
+        </mc:Fallback>
+      </mc:AlternateContent>
+      <p:sp>
+        <p:nvSpPr>
+          <p:cNvPr id="7" name="CaixaDeTexto 6"/>
+          <p:cNvSpPr txBox="1"/>
+          <p:nvPr/>
+        </p:nvSpPr>
+        <p:spPr>
+          <a:xfrm>
+            <a:off x="1766997" y="6309320"/>
+            <a:ext cx="5204823" cy="369332"/>
+          </a:xfrm>
+          <a:prstGeom prst="rect">
+            <a:avLst/>
+          </a:prstGeom>
+          <a:noFill/>
+        </p:spPr>
+        <p:txBody>
+          <a:bodyPr wrap="none" rtlCol="0">
+            <a:spAutoFit/>
+          </a:bodyPr>
+          <a:lstStyle/>
+          <a:p>
+            <a:r>
+              <a:rPr lang="pt-BR" dirty="0"/>
+              <a:t>Total devido = R$ 1.081,60 + R$ 980,58 =  </a:t>
+            </a:r>
+            <a:r>
+              <a:rPr lang="pt-BR" u="sng" dirty="0"/>
+              <a:t>R$ </a:t>
+            </a:r>
+            <a:r>
+              <a:rPr lang="pt-BR" u="sng" dirty="0" smtClean="0"/>
+              <a:t>2.062,18</a:t>
+            </a:r>
+            <a:endParaRPr lang="pt-BR" u="sng" dirty="0"/>
+          </a:p>
+        </p:txBody>
+      </p:sp>
+      <p:grpSp>
+        <p:nvGrpSpPr>
+          <p:cNvPr id="8" name="Grupo 7"/>
+          <p:cNvGrpSpPr/>
+          <p:nvPr/>
+        </p:nvGrpSpPr>
+        <p:grpSpPr>
+          <a:xfrm>
+            <a:off x="153813" y="2636912"/>
+            <a:ext cx="2516274" cy="1620823"/>
+            <a:chOff x="4866294" y="3933056"/>
+            <a:chExt cx="3287160" cy="2577712"/>
+          </a:xfrm>
+        </p:grpSpPr>
+        <p:grpSp>
+          <p:nvGrpSpPr>
+            <p:cNvPr id="9" name="Grupo 8"/>
+            <p:cNvGrpSpPr/>
+            <p:nvPr/>
+          </p:nvGrpSpPr>
+          <p:grpSpPr>
+            <a:xfrm>
+              <a:off x="5292080" y="4230380"/>
+              <a:ext cx="2376264" cy="1790908"/>
+              <a:chOff x="5292080" y="4230380"/>
+              <a:chExt cx="2376264" cy="1790908"/>
+            </a:xfrm>
+          </p:grpSpPr>
+          <p:cxnSp>
+            <p:nvCxnSpPr>
+              <p:cNvPr id="13" name="Conector de seta reta 12"/>
+              <p:cNvCxnSpPr/>
+              <p:nvPr/>
+            </p:nvCxnSpPr>
+            <p:spPr>
+              <a:xfrm>
+                <a:off x="5292080" y="4975308"/>
+                <a:ext cx="0" cy="1045980"/>
+              </a:xfrm>
+              <a:prstGeom prst="straightConnector1">
+                <a:avLst/>
+              </a:prstGeom>
+              <a:ln w="12700">
+                <a:solidFill>
+                  <a:schemeClr val="tx1"/>
+                </a:solidFill>
+                <a:tailEnd type="arrow"/>
+              </a:ln>
+            </p:spPr>
+            <p:style>
+              <a:lnRef idx="1">
+                <a:schemeClr val="accent1"/>
+              </a:lnRef>
+              <a:fillRef idx="0">
+                <a:schemeClr val="accent1"/>
+              </a:fillRef>
+              <a:effectRef idx="0">
+                <a:schemeClr val="accent1"/>
+              </a:effectRef>
+              <a:fontRef idx="minor">
+                <a:schemeClr val="tx1"/>
+              </a:fontRef>
+            </p:style>
+          </p:cxnSp>
+          <p:cxnSp>
+            <p:nvCxnSpPr>
+              <p:cNvPr id="14" name="Conector reto 13"/>
+              <p:cNvCxnSpPr/>
+              <p:nvPr/>
+            </p:nvCxnSpPr>
+            <p:spPr>
+              <a:xfrm>
+                <a:off x="5292080" y="4975308"/>
+                <a:ext cx="2376264" cy="0"/>
+              </a:xfrm>
+              <a:prstGeom prst="line">
+                <a:avLst/>
+              </a:prstGeom>
+              <a:ln w="12700">
+                <a:solidFill>
+                  <a:schemeClr val="tx1"/>
+                </a:solidFill>
+              </a:ln>
+            </p:spPr>
+            <p:style>
+              <a:lnRef idx="1">
+                <a:schemeClr val="accent1"/>
+              </a:lnRef>
+              <a:fillRef idx="0">
+                <a:schemeClr val="accent1"/>
+              </a:fillRef>
+              <a:effectRef idx="0">
+                <a:schemeClr val="accent1"/>
+              </a:effectRef>
+              <a:fontRef idx="minor">
+                <a:schemeClr val="tx1"/>
+              </a:fontRef>
+            </p:style>
+          </p:cxnSp>
+          <p:cxnSp>
+            <p:nvCxnSpPr>
+              <p:cNvPr id="15" name="Conector de seta reta 14"/>
+              <p:cNvCxnSpPr/>
+              <p:nvPr/>
+            </p:nvCxnSpPr>
+            <p:spPr>
+              <a:xfrm flipV="1">
+                <a:off x="7668344" y="4230380"/>
+                <a:ext cx="0" cy="744928"/>
+              </a:xfrm>
+              <a:prstGeom prst="straightConnector1">
+                <a:avLst/>
+              </a:prstGeom>
+              <a:ln w="12700">
+                <a:solidFill>
+                  <a:schemeClr val="tx1"/>
+                </a:solidFill>
+                <a:tailEnd type="arrow"/>
+              </a:ln>
+            </p:spPr>
+            <p:style>
+              <a:lnRef idx="1">
+                <a:schemeClr val="accent1"/>
+              </a:lnRef>
+              <a:fillRef idx="0">
+                <a:schemeClr val="accent1"/>
+              </a:fillRef>
+              <a:effectRef idx="0">
+                <a:schemeClr val="accent1"/>
+              </a:effectRef>
+              <a:fontRef idx="minor">
+                <a:schemeClr val="tx1"/>
+              </a:fontRef>
+            </p:style>
+          </p:cxnSp>
+        </p:grpSp>
+        <p:sp>
+          <p:nvSpPr>
+            <p:cNvPr id="10" name="CaixaDeTexto 9"/>
+            <p:cNvSpPr txBox="1"/>
+            <p:nvPr/>
+          </p:nvSpPr>
+          <p:spPr>
+            <a:xfrm>
+              <a:off x="4866294" y="6021288"/>
+              <a:ext cx="1422312" cy="489480"/>
+            </a:xfrm>
+            <a:prstGeom prst="rect">
+              <a:avLst/>
+            </a:prstGeom>
+            <a:noFill/>
+          </p:spPr>
+          <p:txBody>
+            <a:bodyPr wrap="none" rtlCol="0">
+              <a:spAutoFit/>
+            </a:bodyPr>
+            <a:lstStyle/>
+            <a:p>
+              <a:r>
+                <a:rPr lang="pt-BR" sz="1400" dirty="0" smtClean="0"/>
+                <a:t>C = </a:t>
+              </a:r>
+              <a:r>
+                <a:rPr lang="pt-BR" sz="1400" dirty="0" smtClean="0"/>
+                <a:t>1.000,00</a:t>
+              </a:r>
+              <a:endParaRPr lang="pt-BR" sz="1400" dirty="0"/>
+            </a:p>
+          </p:txBody>
+        </p:sp>
+        <p:sp>
+          <p:nvSpPr>
+            <p:cNvPr id="11" name="CaixaDeTexto 10"/>
+            <p:cNvSpPr txBox="1"/>
+            <p:nvPr/>
+          </p:nvSpPr>
+          <p:spPr>
+            <a:xfrm>
+              <a:off x="5796136" y="4653135"/>
+              <a:ext cx="1273632" cy="832115"/>
+            </a:xfrm>
+            <a:prstGeom prst="rect">
+              <a:avLst/>
+            </a:prstGeom>
+            <a:noFill/>
+          </p:spPr>
+          <p:txBody>
+            <a:bodyPr wrap="none" rtlCol="0">
+              <a:spAutoFit/>
+            </a:bodyPr>
+            <a:lstStyle/>
+            <a:p>
+              <a:r>
+                <a:rPr lang="pt-BR" sz="1400" dirty="0"/>
+                <a:t>n</a:t>
+              </a:r>
+              <a:r>
+                <a:rPr lang="pt-BR" sz="1400" dirty="0" smtClean="0"/>
+                <a:t> = </a:t>
+              </a:r>
+              <a:r>
+                <a:rPr lang="pt-BR" sz="1400" dirty="0" smtClean="0"/>
+                <a:t>2m</a:t>
+              </a:r>
+              <a:endParaRPr lang="pt-BR" sz="1400" dirty="0" smtClean="0"/>
+            </a:p>
+            <a:p>
+              <a:r>
+                <a:rPr lang="pt-BR" sz="1400" dirty="0" smtClean="0"/>
+                <a:t>i = </a:t>
+              </a:r>
+              <a:r>
+                <a:rPr lang="pt-BR" sz="1400" dirty="0" smtClean="0"/>
+                <a:t>4% </a:t>
+              </a:r>
+              <a:r>
+                <a:rPr lang="pt-BR" sz="1400" dirty="0" smtClean="0"/>
+                <a:t>a.m.</a:t>
+              </a:r>
+              <a:endParaRPr lang="pt-BR" sz="1400" dirty="0"/>
+            </a:p>
+          </p:txBody>
+        </p:sp>
+        <p:sp>
+          <p:nvSpPr>
+            <p:cNvPr id="12" name="CaixaDeTexto 11"/>
+            <p:cNvSpPr txBox="1"/>
+            <p:nvPr/>
+          </p:nvSpPr>
+          <p:spPr>
+            <a:xfrm>
+              <a:off x="7380312" y="3933056"/>
+              <a:ext cx="773142" cy="489480"/>
+            </a:xfrm>
+            <a:prstGeom prst="rect">
+              <a:avLst/>
+            </a:prstGeom>
+            <a:noFill/>
+          </p:spPr>
+          <p:txBody>
+            <a:bodyPr wrap="none" rtlCol="0">
+              <a:spAutoFit/>
+            </a:bodyPr>
+            <a:lstStyle/>
+            <a:p>
+              <a:r>
+                <a:rPr lang="pt-BR" sz="1400" dirty="0" smtClean="0"/>
+                <a:t>M = </a:t>
+              </a:r>
+              <a:r>
+                <a:rPr lang="pt-BR" sz="1400" dirty="0" smtClean="0"/>
+                <a:t>?</a:t>
+              </a:r>
+              <a:endParaRPr lang="pt-BR" sz="1400" dirty="0"/>
+            </a:p>
+          </p:txBody>
+        </p:sp>
+      </p:grpSp>
+      <p:grpSp>
+        <p:nvGrpSpPr>
+          <p:cNvPr id="16" name="Grupo 15"/>
+          <p:cNvGrpSpPr/>
+          <p:nvPr/>
+        </p:nvGrpSpPr>
+        <p:grpSpPr>
+          <a:xfrm>
+            <a:off x="5292080" y="2649420"/>
+            <a:ext cx="3390956" cy="1730923"/>
+            <a:chOff x="4866294" y="3933056"/>
+            <a:chExt cx="3798161" cy="2539845"/>
+          </a:xfrm>
+        </p:grpSpPr>
+        <p:grpSp>
+          <p:nvGrpSpPr>
+            <p:cNvPr id="17" name="Grupo 16"/>
+            <p:cNvGrpSpPr/>
+            <p:nvPr/>
+          </p:nvGrpSpPr>
+          <p:grpSpPr>
+            <a:xfrm>
+              <a:off x="5292080" y="4230380"/>
+              <a:ext cx="2376264" cy="1790908"/>
+              <a:chOff x="5292080" y="4230380"/>
+              <a:chExt cx="2376264" cy="1790908"/>
+            </a:xfrm>
+          </p:grpSpPr>
+          <p:cxnSp>
+            <p:nvCxnSpPr>
+              <p:cNvPr id="21" name="Conector de seta reta 20"/>
+              <p:cNvCxnSpPr/>
+              <p:nvPr/>
+            </p:nvCxnSpPr>
+            <p:spPr>
+              <a:xfrm>
+                <a:off x="5292080" y="4975308"/>
+                <a:ext cx="0" cy="1045980"/>
+              </a:xfrm>
+              <a:prstGeom prst="straightConnector1">
+                <a:avLst/>
+              </a:prstGeom>
+              <a:ln w="12700">
+                <a:solidFill>
+                  <a:schemeClr val="tx1"/>
+                </a:solidFill>
+                <a:tailEnd type="arrow"/>
+              </a:ln>
+            </p:spPr>
+            <p:style>
+              <a:lnRef idx="1">
+                <a:schemeClr val="accent1"/>
+              </a:lnRef>
+              <a:fillRef idx="0">
+                <a:schemeClr val="accent1"/>
+              </a:fillRef>
+              <a:effectRef idx="0">
+                <a:schemeClr val="accent1"/>
+              </a:effectRef>
+              <a:fontRef idx="minor">
+                <a:schemeClr val="tx1"/>
+              </a:fontRef>
+            </p:style>
+          </p:cxnSp>
+          <p:cxnSp>
+            <p:nvCxnSpPr>
+              <p:cNvPr id="22" name="Conector reto 21"/>
+              <p:cNvCxnSpPr/>
+              <p:nvPr/>
+            </p:nvCxnSpPr>
+            <p:spPr>
+              <a:xfrm>
+                <a:off x="5292080" y="4975308"/>
+                <a:ext cx="2376264" cy="0"/>
+              </a:xfrm>
+              <a:prstGeom prst="line">
+                <a:avLst/>
+              </a:prstGeom>
+              <a:ln w="12700">
+                <a:solidFill>
+                  <a:schemeClr val="tx1"/>
+                </a:solidFill>
+              </a:ln>
+            </p:spPr>
+            <p:style>
+              <a:lnRef idx="1">
+                <a:schemeClr val="accent1"/>
+              </a:lnRef>
+              <a:fillRef idx="0">
+                <a:schemeClr val="accent1"/>
+              </a:fillRef>
+              <a:effectRef idx="0">
+                <a:schemeClr val="accent1"/>
+              </a:effectRef>
+              <a:fontRef idx="minor">
+                <a:schemeClr val="tx1"/>
+              </a:fontRef>
+            </p:style>
+          </p:cxnSp>
+          <p:cxnSp>
+            <p:nvCxnSpPr>
+              <p:cNvPr id="23" name="Conector de seta reta 22"/>
+              <p:cNvCxnSpPr/>
+              <p:nvPr/>
+            </p:nvCxnSpPr>
+            <p:spPr>
+              <a:xfrm flipV="1">
+                <a:off x="7668344" y="4230380"/>
+                <a:ext cx="0" cy="744928"/>
+              </a:xfrm>
+              <a:prstGeom prst="straightConnector1">
+                <a:avLst/>
+              </a:prstGeom>
+              <a:ln w="12700">
+                <a:solidFill>
+                  <a:schemeClr val="tx1"/>
+                </a:solidFill>
+                <a:tailEnd type="arrow"/>
+              </a:ln>
+            </p:spPr>
+            <p:style>
+              <a:lnRef idx="1">
+                <a:schemeClr val="accent1"/>
+              </a:lnRef>
+              <a:fillRef idx="0">
+                <a:schemeClr val="accent1"/>
+              </a:fillRef>
+              <a:effectRef idx="0">
+                <a:schemeClr val="accent1"/>
+              </a:effectRef>
+              <a:fontRef idx="minor">
+                <a:schemeClr val="tx1"/>
+              </a:fontRef>
+            </p:style>
+          </p:cxnSp>
+        </p:grpSp>
+        <p:sp>
+          <p:nvSpPr>
+            <p:cNvPr id="18" name="CaixaDeTexto 17"/>
+            <p:cNvSpPr txBox="1"/>
+            <p:nvPr/>
+          </p:nvSpPr>
+          <p:spPr>
+            <a:xfrm>
+              <a:off x="4866294" y="6021289"/>
+              <a:ext cx="598261" cy="451612"/>
+            </a:xfrm>
+            <a:prstGeom prst="rect">
+              <a:avLst/>
+            </a:prstGeom>
+            <a:noFill/>
+          </p:spPr>
+          <p:txBody>
+            <a:bodyPr wrap="none" rtlCol="0">
+              <a:spAutoFit/>
+            </a:bodyPr>
+            <a:lstStyle/>
+            <a:p>
+              <a:r>
+                <a:rPr lang="pt-BR" sz="1400" dirty="0" smtClean="0"/>
+                <a:t>C = </a:t>
+              </a:r>
+              <a:r>
+                <a:rPr lang="pt-BR" sz="1400" dirty="0" smtClean="0"/>
+                <a:t>?</a:t>
+              </a:r>
+              <a:endParaRPr lang="pt-BR" sz="1400" dirty="0"/>
+            </a:p>
+          </p:txBody>
+        </p:sp>
+        <p:sp>
+          <p:nvSpPr>
+            <p:cNvPr id="19" name="CaixaDeTexto 18"/>
+            <p:cNvSpPr txBox="1"/>
+            <p:nvPr/>
+          </p:nvSpPr>
+          <p:spPr>
+            <a:xfrm>
+              <a:off x="5796136" y="4653138"/>
+              <a:ext cx="1092024" cy="767739"/>
+            </a:xfrm>
+            <a:prstGeom prst="rect">
+              <a:avLst/>
+            </a:prstGeom>
+            <a:noFill/>
+          </p:spPr>
+          <p:txBody>
+            <a:bodyPr wrap="none" rtlCol="0">
+              <a:spAutoFit/>
+            </a:bodyPr>
+            <a:lstStyle/>
+            <a:p>
+              <a:r>
+                <a:rPr lang="pt-BR" sz="1400" dirty="0"/>
+                <a:t>n</a:t>
+              </a:r>
+              <a:r>
+                <a:rPr lang="pt-BR" sz="1400" dirty="0" smtClean="0"/>
+                <a:t> = </a:t>
+              </a:r>
+              <a:r>
+                <a:rPr lang="pt-BR" sz="1400" dirty="0" smtClean="0"/>
+                <a:t>15d</a:t>
+              </a:r>
+              <a:endParaRPr lang="pt-BR" sz="1400" dirty="0" smtClean="0"/>
+            </a:p>
+            <a:p>
+              <a:r>
+                <a:rPr lang="pt-BR" sz="1400" dirty="0" smtClean="0"/>
+                <a:t>i = </a:t>
+              </a:r>
+              <a:r>
+                <a:rPr lang="pt-BR" sz="1400" dirty="0" smtClean="0"/>
+                <a:t>4% </a:t>
+              </a:r>
+              <a:r>
+                <a:rPr lang="pt-BR" sz="1400" dirty="0" smtClean="0"/>
+                <a:t>a.m.</a:t>
+              </a:r>
+              <a:endParaRPr lang="pt-BR" sz="1400" dirty="0"/>
+            </a:p>
+          </p:txBody>
+        </p:sp>
+        <p:sp>
+          <p:nvSpPr>
+            <p:cNvPr id="20" name="CaixaDeTexto 19"/>
+            <p:cNvSpPr txBox="1"/>
+            <p:nvPr/>
+          </p:nvSpPr>
+          <p:spPr>
+            <a:xfrm>
+              <a:off x="7380313" y="3933056"/>
+              <a:ext cx="1284142" cy="451612"/>
+            </a:xfrm>
+            <a:prstGeom prst="rect">
+              <a:avLst/>
+            </a:prstGeom>
+            <a:noFill/>
+          </p:spPr>
+          <p:txBody>
+            <a:bodyPr wrap="none" rtlCol="0">
+              <a:spAutoFit/>
+            </a:bodyPr>
+            <a:lstStyle/>
+            <a:p>
+              <a:r>
+                <a:rPr lang="pt-BR" sz="1400" dirty="0" smtClean="0"/>
+                <a:t>M = </a:t>
+              </a:r>
+              <a:r>
+                <a:rPr lang="pt-BR" sz="1400" dirty="0" smtClean="0"/>
+                <a:t>1.0</a:t>
+              </a:r>
+              <a:r>
+                <a:rPr lang="pt-BR" sz="1400" dirty="0" smtClean="0"/>
+                <a:t>00,00</a:t>
+              </a:r>
+              <a:endParaRPr lang="pt-BR" sz="1400" dirty="0"/>
+            </a:p>
+          </p:txBody>
+        </p:sp>
+      </p:grpSp>
+    </p:spTree>
+    <p:extLst>
+      <p:ext uri="{BB962C8B-B14F-4D97-AF65-F5344CB8AC3E}">
+        <p14:creationId xmlns:p14="http://schemas.microsoft.com/office/powerpoint/2010/main" val="2642845990"/>
+      </p:ext>
+    </p:extLst>
+  </p:cSld>
+  <p:clrMapOvr>
+    <a:masterClrMapping/>
+  </p:clrMapOvr>
+</p:sld>
+</file>
+
+<file path=ppt/slides/slide12.xml><?xml version="1.0" encoding="utf-8"?>
+<p:sld xmlns:a="http://schemas.openxmlformats.org/drawingml/2006/main" xmlns:r="http://schemas.openxmlformats.org/officeDocument/2006/relationships" xmlns:p="http://schemas.openxmlformats.org/presentationml/2006/main">
+  <p:cSld>
+    <p:spTree>
+      <p:nvGrpSpPr>
+        <p:cNvPr id="1" name=""/>
+        <p:cNvGrpSpPr/>
+        <p:nvPr/>
+      </p:nvGrpSpPr>
+      <p:grpSpPr>
+        <a:xfrm>
+          <a:off x="0" y="0"/>
+          <a:ext cx="0" cy="0"/>
+          <a:chOff x="0" y="0"/>
+          <a:chExt cx="0" cy="0"/>
+        </a:xfrm>
+      </p:grpSpPr>
+      <p:sp>
+        <p:nvSpPr>
+          <p:cNvPr id="3" name="CaixaDeTexto 2"/>
+          <p:cNvSpPr txBox="1"/>
+          <p:nvPr/>
+        </p:nvSpPr>
+        <p:spPr>
+          <a:xfrm>
+            <a:off x="518389" y="836712"/>
+            <a:ext cx="1741182" cy="1938992"/>
+          </a:xfrm>
+          <a:prstGeom prst="rect">
+            <a:avLst/>
+          </a:prstGeom>
+          <a:noFill/>
+        </p:spPr>
+        <p:txBody>
+          <a:bodyPr wrap="none" rtlCol="0">
+            <a:spAutoFit/>
+          </a:bodyPr>
+          <a:lstStyle/>
+          <a:p>
+            <a:pPr algn="ctr"/>
+            <a:r>
+              <a:rPr lang="pt-BR" b="1" dirty="0" smtClean="0"/>
+              <a:t>1</a:t>
+            </a:r>
+            <a:r>
+              <a:rPr lang="pt-BR" sz="2000" b="1" dirty="0"/>
+              <a:t> </a:t>
+            </a:r>
+            <a:r>
+              <a:rPr lang="pt-BR" sz="2000" b="1" dirty="0" smtClean="0"/>
+              <a:t>º Título</a:t>
+            </a:r>
+          </a:p>
+          <a:p>
+            <a:endParaRPr lang="pt-BR" sz="2000" dirty="0"/>
+          </a:p>
+          <a:p>
+            <a:r>
+              <a:rPr lang="pt-BR" sz="2000" dirty="0" smtClean="0"/>
+              <a:t>C = R$1.000,00</a:t>
+            </a:r>
+          </a:p>
+          <a:p>
+            <a:r>
+              <a:rPr lang="pt-BR" sz="2000" dirty="0" smtClean="0"/>
+              <a:t>n = 2m</a:t>
+            </a:r>
+          </a:p>
+          <a:p>
+            <a:r>
+              <a:rPr lang="pt-BR" sz="2000" dirty="0" smtClean="0"/>
+              <a:t>i = 4% </a:t>
+            </a:r>
+            <a:r>
+              <a:rPr lang="pt-BR" sz="2000" dirty="0" err="1" smtClean="0"/>
+              <a:t>a.m</a:t>
+            </a:r>
+            <a:endParaRPr lang="pt-BR" sz="2000" dirty="0" smtClean="0"/>
+          </a:p>
+          <a:p>
+            <a:r>
+              <a:rPr lang="pt-BR" sz="2000" dirty="0" smtClean="0"/>
+              <a:t>M = ?</a:t>
+            </a:r>
+            <a:endParaRPr lang="pt-BR" dirty="0" smtClean="0"/>
+          </a:p>
+        </p:txBody>
+      </p:sp>
+      <p:sp>
+        <p:nvSpPr>
+          <p:cNvPr id="4" name="CaixaDeTexto 3"/>
+          <p:cNvSpPr txBox="1"/>
+          <p:nvPr/>
+        </p:nvSpPr>
+        <p:spPr>
+          <a:xfrm>
+            <a:off x="6084168" y="836712"/>
+            <a:ext cx="1824538" cy="1938992"/>
+          </a:xfrm>
+          <a:prstGeom prst="rect">
+            <a:avLst/>
+          </a:prstGeom>
+          <a:noFill/>
+        </p:spPr>
+        <p:txBody>
+          <a:bodyPr wrap="none" rtlCol="0">
+            <a:spAutoFit/>
+          </a:bodyPr>
+          <a:lstStyle/>
+          <a:p>
+            <a:pPr algn="ctr"/>
+            <a:r>
+              <a:rPr lang="pt-BR" b="1" dirty="0"/>
+              <a:t>2</a:t>
+            </a:r>
+            <a:r>
+              <a:rPr lang="pt-BR" sz="2000" b="1" dirty="0" smtClean="0"/>
+              <a:t> º Título</a:t>
+            </a:r>
+          </a:p>
+          <a:p>
+            <a:endParaRPr lang="pt-BR" sz="2000" dirty="0"/>
+          </a:p>
+          <a:p>
+            <a:r>
+              <a:rPr lang="pt-BR" sz="2000" dirty="0" smtClean="0"/>
+              <a:t>C = ?</a:t>
+            </a:r>
+          </a:p>
+          <a:p>
+            <a:r>
+              <a:rPr lang="pt-BR" sz="2000" dirty="0" smtClean="0"/>
+              <a:t>n = 15d</a:t>
+            </a:r>
+          </a:p>
+          <a:p>
+            <a:r>
+              <a:rPr lang="pt-BR" sz="2000" dirty="0" smtClean="0"/>
+              <a:t>i = 4% </a:t>
+            </a:r>
+            <a:r>
+              <a:rPr lang="pt-BR" sz="2000" dirty="0" err="1" smtClean="0"/>
+              <a:t>a.m</a:t>
+            </a:r>
+            <a:endParaRPr lang="pt-BR" sz="2000" dirty="0" smtClean="0"/>
+          </a:p>
+          <a:p>
+            <a:r>
+              <a:rPr lang="pt-BR" sz="2000" dirty="0" smtClean="0"/>
+              <a:t>M = R$1.000,00</a:t>
+            </a:r>
+            <a:endParaRPr lang="pt-BR" dirty="0" smtClean="0"/>
+          </a:p>
+        </p:txBody>
+      </p:sp>
+      <p:sp>
+        <p:nvSpPr>
+          <p:cNvPr id="5" name="CaixaDeTexto 4"/>
+          <p:cNvSpPr txBox="1"/>
+          <p:nvPr/>
+        </p:nvSpPr>
+        <p:spPr>
+          <a:xfrm>
+            <a:off x="755576" y="4365104"/>
+            <a:ext cx="3127779" cy="1200329"/>
+          </a:xfrm>
+          <a:prstGeom prst="rect">
+            <a:avLst/>
+          </a:prstGeom>
+          <a:noFill/>
+        </p:spPr>
+        <p:txBody>
+          <a:bodyPr wrap="none" rtlCol="0">
+            <a:spAutoFit/>
+          </a:bodyPr>
+          <a:lstStyle/>
+          <a:p>
+            <a:r>
+              <a:rPr lang="pt-BR" dirty="0" smtClean="0"/>
+              <a:t>1000 CHS PV</a:t>
+            </a:r>
+          </a:p>
+          <a:p>
+            <a:r>
+              <a:rPr lang="pt-BR" dirty="0" smtClean="0"/>
+              <a:t>2 n</a:t>
+            </a:r>
+          </a:p>
+          <a:p>
+            <a:r>
+              <a:rPr lang="pt-BR" dirty="0" smtClean="0"/>
+              <a:t>4 i</a:t>
+            </a:r>
+          </a:p>
+          <a:p>
+            <a:r>
+              <a:rPr lang="pt-BR" dirty="0" smtClean="0"/>
+              <a:t>FV		</a:t>
+            </a:r>
+            <a:r>
+              <a:rPr lang="pt-BR" dirty="0" smtClean="0">
+                <a:sym typeface="Wingdings" pitchFamily="2" charset="2"/>
+              </a:rPr>
+              <a:t> 1.081,60</a:t>
+            </a:r>
+            <a:endParaRPr lang="pt-BR" dirty="0"/>
+          </a:p>
+        </p:txBody>
+      </p:sp>
+      <mc:AlternateContent xmlns:mc="http://schemas.openxmlformats.org/markup-compatibility/2006">
+        <mc:Choice xmlns:a14="http://schemas.microsoft.com/office/drawing/2010/main" Requires="a14">
+          <p:sp>
+            <p:nvSpPr>
+              <p:cNvPr id="6" name="CaixaDeTexto 5"/>
+              <p:cNvSpPr txBox="1"/>
+              <p:nvPr/>
+            </p:nvSpPr>
+            <p:spPr>
+              <a:xfrm>
+                <a:off x="5539435" y="4253505"/>
+                <a:ext cx="2953053" cy="1754326"/>
+              </a:xfrm>
+              <a:prstGeom prst="rect">
+                <a:avLst/>
+              </a:prstGeom>
+              <a:noFill/>
+            </p:spPr>
+            <p:txBody>
+              <a:bodyPr wrap="none" rtlCol="0">
+                <a:spAutoFit/>
+              </a:bodyPr>
+              <a:lstStyle/>
+              <a:p>
+                <a:r>
+                  <a:rPr lang="pt-BR" dirty="0" smtClean="0"/>
+                  <a:t>1000 FV</a:t>
+                </a:r>
+              </a:p>
+              <a:p>
+                <a:r>
+                  <a:rPr lang="pt-BR" dirty="0" smtClean="0"/>
+                  <a:t>15 [</a:t>
+                </a:r>
+                <a:r>
+                  <a:rPr lang="pt-BR" dirty="0" err="1" smtClean="0"/>
+                  <a:t>Enter</a:t>
+                </a:r>
+                <a:r>
+                  <a:rPr lang="pt-BR" dirty="0" smtClean="0"/>
+                  <a:t>]</a:t>
+                </a:r>
+              </a:p>
+              <a:p>
+                <a:r>
+                  <a:rPr lang="pt-BR" dirty="0" smtClean="0"/>
+                  <a:t>30 </a:t>
+                </a:r>
+                <a14:m>
+                  <m:oMath xmlns:m="http://schemas.openxmlformats.org/officeDocument/2006/math">
+                    <m:r>
+                      <a:rPr lang="pt-BR" i="1">
+                        <a:latin typeface="Cambria Math"/>
+                        <a:ea typeface="Cambria Math"/>
+                      </a:rPr>
+                      <m:t>÷</m:t>
+                    </m:r>
+                  </m:oMath>
+                </a14:m>
+                <a:endParaRPr lang="pt-BR" dirty="0" smtClean="0"/>
+              </a:p>
+              <a:p>
+                <a:r>
+                  <a:rPr lang="pt-BR" dirty="0" smtClean="0"/>
+                  <a:t>n</a:t>
+                </a:r>
+              </a:p>
+              <a:p>
+                <a:r>
+                  <a:rPr lang="pt-BR" dirty="0" smtClean="0"/>
+                  <a:t>4 i</a:t>
+                </a:r>
+              </a:p>
+              <a:p>
+                <a:r>
+                  <a:rPr lang="pt-BR" dirty="0" smtClean="0"/>
+                  <a:t>PV		</a:t>
+                </a:r>
+                <a:r>
+                  <a:rPr lang="pt-BR" dirty="0" smtClean="0">
+                    <a:sym typeface="Wingdings" pitchFamily="2" charset="2"/>
+                  </a:rPr>
+                  <a:t> 980,58</a:t>
+                </a:r>
+                <a:endParaRPr lang="pt-BR" dirty="0"/>
+              </a:p>
+            </p:txBody>
+          </p:sp>
+        </mc:Choice>
+        <mc:Fallback>
+          <p:sp>
+            <p:nvSpPr>
+              <p:cNvPr id="6" name="CaixaDeTexto 5"/>
+              <p:cNvSpPr txBox="1">
+                <a:spLocks noRot="1" noChangeAspect="1" noMove="1" noResize="1" noEditPoints="1" noAdjustHandles="1" noChangeArrowheads="1" noChangeShapeType="1" noTextEdit="1"/>
+              </p:cNvSpPr>
+              <p:nvPr/>
+            </p:nvSpPr>
+            <p:spPr>
+              <a:xfrm>
+                <a:off x="5539435" y="4253505"/>
+                <a:ext cx="2953053" cy="1754326"/>
+              </a:xfrm>
+              <a:prstGeom prst="rect">
+                <a:avLst/>
+              </a:prstGeom>
+              <a:blipFill rotWithShape="1">
+                <a:blip r:embed="rId2"/>
+                <a:stretch>
+                  <a:fillRect l="-1860" t="-1736" r="-620" b="-4514"/>
+                </a:stretch>
+              </a:blipFill>
+            </p:spPr>
+            <p:txBody>
+              <a:bodyPr/>
+              <a:lstStyle/>
+              <a:p>
+                <a:r>
+                  <a:rPr lang="pt-BR">
+                    <a:noFill/>
+                  </a:rPr>
+                  <a:t> </a:t>
+                </a:r>
+              </a:p>
+            </p:txBody>
+          </p:sp>
+        </mc:Fallback>
+      </mc:AlternateContent>
+      <p:sp>
+        <p:nvSpPr>
+          <p:cNvPr id="7" name="CaixaDeTexto 6"/>
+          <p:cNvSpPr txBox="1"/>
+          <p:nvPr/>
+        </p:nvSpPr>
+        <p:spPr>
+          <a:xfrm>
+            <a:off x="1766997" y="6309320"/>
+            <a:ext cx="5204823" cy="369332"/>
+          </a:xfrm>
+          <a:prstGeom prst="rect">
+            <a:avLst/>
+          </a:prstGeom>
+          <a:noFill/>
+        </p:spPr>
+        <p:txBody>
+          <a:bodyPr wrap="none" rtlCol="0">
+            <a:spAutoFit/>
+          </a:bodyPr>
+          <a:lstStyle/>
+          <a:p>
+            <a:r>
+              <a:rPr lang="pt-BR" dirty="0"/>
+              <a:t>Total devido = R$ 1.081,60 + R$ 980,58 =  </a:t>
+            </a:r>
+            <a:r>
+              <a:rPr lang="pt-BR" u="sng" dirty="0"/>
+              <a:t>R$ </a:t>
+            </a:r>
+            <a:r>
+              <a:rPr lang="pt-BR" u="sng" dirty="0" smtClean="0"/>
+              <a:t>2.062,18</a:t>
+            </a:r>
+            <a:endParaRPr lang="pt-BR" u="sng" dirty="0"/>
+          </a:p>
+        </p:txBody>
+      </p:sp>
+      <p:grpSp>
+        <p:nvGrpSpPr>
+          <p:cNvPr id="8" name="Grupo 7"/>
+          <p:cNvGrpSpPr/>
+          <p:nvPr/>
+        </p:nvGrpSpPr>
+        <p:grpSpPr>
+          <a:xfrm>
+            <a:off x="153813" y="2636912"/>
+            <a:ext cx="2516274" cy="1620823"/>
+            <a:chOff x="4866294" y="3933056"/>
+            <a:chExt cx="3287160" cy="2577712"/>
+          </a:xfrm>
+        </p:grpSpPr>
+        <p:grpSp>
+          <p:nvGrpSpPr>
+            <p:cNvPr id="9" name="Grupo 8"/>
+            <p:cNvGrpSpPr/>
+            <p:nvPr/>
+          </p:nvGrpSpPr>
+          <p:grpSpPr>
+            <a:xfrm>
+              <a:off x="5292080" y="4230380"/>
+              <a:ext cx="2376264" cy="1790908"/>
+              <a:chOff x="5292080" y="4230380"/>
+              <a:chExt cx="2376264" cy="1790908"/>
+            </a:xfrm>
+          </p:grpSpPr>
+          <p:cxnSp>
+            <p:nvCxnSpPr>
+              <p:cNvPr id="13" name="Conector de seta reta 12"/>
+              <p:cNvCxnSpPr/>
+              <p:nvPr/>
+            </p:nvCxnSpPr>
+            <p:spPr>
+              <a:xfrm>
+                <a:off x="5292080" y="4975308"/>
+                <a:ext cx="0" cy="1045980"/>
+              </a:xfrm>
+              <a:prstGeom prst="straightConnector1">
+                <a:avLst/>
+              </a:prstGeom>
+              <a:ln w="12700">
+                <a:solidFill>
+                  <a:schemeClr val="tx1"/>
+                </a:solidFill>
+                <a:tailEnd type="arrow"/>
+              </a:ln>
+            </p:spPr>
+            <p:style>
+              <a:lnRef idx="1">
+                <a:schemeClr val="accent1"/>
+              </a:lnRef>
+              <a:fillRef idx="0">
+                <a:schemeClr val="accent1"/>
+              </a:fillRef>
+              <a:effectRef idx="0">
+                <a:schemeClr val="accent1"/>
+              </a:effectRef>
+              <a:fontRef idx="minor">
+                <a:schemeClr val="tx1"/>
+              </a:fontRef>
+            </p:style>
+          </p:cxnSp>
+          <p:cxnSp>
+            <p:nvCxnSpPr>
+              <p:cNvPr id="14" name="Conector reto 13"/>
+              <p:cNvCxnSpPr/>
+              <p:nvPr/>
+            </p:nvCxnSpPr>
+            <p:spPr>
+              <a:xfrm>
+                <a:off x="5292080" y="4975308"/>
+                <a:ext cx="2376264" cy="0"/>
+              </a:xfrm>
+              <a:prstGeom prst="line">
+                <a:avLst/>
+              </a:prstGeom>
+              <a:ln w="12700">
+                <a:solidFill>
+                  <a:schemeClr val="tx1"/>
+                </a:solidFill>
+              </a:ln>
+            </p:spPr>
+            <p:style>
+              <a:lnRef idx="1">
+                <a:schemeClr val="accent1"/>
+              </a:lnRef>
+              <a:fillRef idx="0">
+                <a:schemeClr val="accent1"/>
+              </a:fillRef>
+              <a:effectRef idx="0">
+                <a:schemeClr val="accent1"/>
+              </a:effectRef>
+              <a:fontRef idx="minor">
+                <a:schemeClr val="tx1"/>
+              </a:fontRef>
+            </p:style>
+          </p:cxnSp>
+          <p:cxnSp>
+            <p:nvCxnSpPr>
+              <p:cNvPr id="15" name="Conector de seta reta 14"/>
+              <p:cNvCxnSpPr/>
+              <p:nvPr/>
+            </p:nvCxnSpPr>
+            <p:spPr>
+              <a:xfrm flipV="1">
+                <a:off x="7668344" y="4230380"/>
+                <a:ext cx="0" cy="744928"/>
+              </a:xfrm>
+              <a:prstGeom prst="straightConnector1">
+                <a:avLst/>
+              </a:prstGeom>
+              <a:ln w="12700">
+                <a:solidFill>
+                  <a:schemeClr val="tx1"/>
+                </a:solidFill>
+                <a:tailEnd type="arrow"/>
+              </a:ln>
+            </p:spPr>
+            <p:style>
+              <a:lnRef idx="1">
+                <a:schemeClr val="accent1"/>
+              </a:lnRef>
+              <a:fillRef idx="0">
+                <a:schemeClr val="accent1"/>
+              </a:fillRef>
+              <a:effectRef idx="0">
+                <a:schemeClr val="accent1"/>
+              </a:effectRef>
+              <a:fontRef idx="minor">
+                <a:schemeClr val="tx1"/>
+              </a:fontRef>
+            </p:style>
+          </p:cxnSp>
+        </p:grpSp>
+        <p:sp>
+          <p:nvSpPr>
+            <p:cNvPr id="10" name="CaixaDeTexto 9"/>
+            <p:cNvSpPr txBox="1"/>
+            <p:nvPr/>
+          </p:nvSpPr>
+          <p:spPr>
+            <a:xfrm>
+              <a:off x="4866294" y="6021288"/>
+              <a:ext cx="1422312" cy="489480"/>
+            </a:xfrm>
+            <a:prstGeom prst="rect">
+              <a:avLst/>
+            </a:prstGeom>
+            <a:noFill/>
+          </p:spPr>
+          <p:txBody>
+            <a:bodyPr wrap="none" rtlCol="0">
+              <a:spAutoFit/>
+            </a:bodyPr>
+            <a:lstStyle/>
+            <a:p>
+              <a:r>
+                <a:rPr lang="pt-BR" sz="1400" dirty="0" smtClean="0"/>
+                <a:t>C = </a:t>
+              </a:r>
+              <a:r>
+                <a:rPr lang="pt-BR" sz="1400" dirty="0" smtClean="0"/>
+                <a:t>1.000,00</a:t>
+              </a:r>
+              <a:endParaRPr lang="pt-BR" sz="1400" dirty="0"/>
+            </a:p>
+          </p:txBody>
+        </p:sp>
+        <p:sp>
+          <p:nvSpPr>
+            <p:cNvPr id="11" name="CaixaDeTexto 10"/>
+            <p:cNvSpPr txBox="1"/>
+            <p:nvPr/>
+          </p:nvSpPr>
+          <p:spPr>
+            <a:xfrm>
+              <a:off x="5796136" y="4653135"/>
+              <a:ext cx="1273632" cy="832115"/>
+            </a:xfrm>
+            <a:prstGeom prst="rect">
+              <a:avLst/>
+            </a:prstGeom>
+            <a:noFill/>
+          </p:spPr>
+          <p:txBody>
+            <a:bodyPr wrap="none" rtlCol="0">
+              <a:spAutoFit/>
+            </a:bodyPr>
+            <a:lstStyle/>
+            <a:p>
+              <a:r>
+                <a:rPr lang="pt-BR" sz="1400" dirty="0"/>
+                <a:t>n</a:t>
+              </a:r>
+              <a:r>
+                <a:rPr lang="pt-BR" sz="1400" dirty="0" smtClean="0"/>
+                <a:t> = </a:t>
+              </a:r>
+              <a:r>
+                <a:rPr lang="pt-BR" sz="1400" dirty="0" smtClean="0"/>
+                <a:t>2m</a:t>
+              </a:r>
+              <a:endParaRPr lang="pt-BR" sz="1400" dirty="0" smtClean="0"/>
+            </a:p>
+            <a:p>
+              <a:r>
+                <a:rPr lang="pt-BR" sz="1400" dirty="0" smtClean="0"/>
+                <a:t>i = </a:t>
+              </a:r>
+              <a:r>
+                <a:rPr lang="pt-BR" sz="1400" dirty="0" smtClean="0"/>
+                <a:t>4% </a:t>
+              </a:r>
+              <a:r>
+                <a:rPr lang="pt-BR" sz="1400" dirty="0" smtClean="0"/>
+                <a:t>a.m.</a:t>
+              </a:r>
+              <a:endParaRPr lang="pt-BR" sz="1400" dirty="0"/>
+            </a:p>
+          </p:txBody>
+        </p:sp>
+        <p:sp>
+          <p:nvSpPr>
+            <p:cNvPr id="12" name="CaixaDeTexto 11"/>
+            <p:cNvSpPr txBox="1"/>
+            <p:nvPr/>
+          </p:nvSpPr>
+          <p:spPr>
+            <a:xfrm>
+              <a:off x="7380312" y="3933056"/>
+              <a:ext cx="773142" cy="489480"/>
+            </a:xfrm>
+            <a:prstGeom prst="rect">
+              <a:avLst/>
+            </a:prstGeom>
+            <a:noFill/>
+          </p:spPr>
+          <p:txBody>
+            <a:bodyPr wrap="none" rtlCol="0">
+              <a:spAutoFit/>
+            </a:bodyPr>
+            <a:lstStyle/>
+            <a:p>
+              <a:r>
+                <a:rPr lang="pt-BR" sz="1400" dirty="0" smtClean="0"/>
+                <a:t>M = </a:t>
+              </a:r>
+              <a:r>
+                <a:rPr lang="pt-BR" sz="1400" dirty="0" smtClean="0"/>
+                <a:t>?</a:t>
+              </a:r>
+              <a:endParaRPr lang="pt-BR" sz="1400" dirty="0"/>
+            </a:p>
+          </p:txBody>
+        </p:sp>
+      </p:grpSp>
+      <p:grpSp>
+        <p:nvGrpSpPr>
+          <p:cNvPr id="16" name="Grupo 15"/>
+          <p:cNvGrpSpPr/>
+          <p:nvPr/>
+        </p:nvGrpSpPr>
+        <p:grpSpPr>
+          <a:xfrm>
+            <a:off x="5292080" y="2649420"/>
+            <a:ext cx="3390956" cy="1730923"/>
+            <a:chOff x="4866294" y="3933056"/>
+            <a:chExt cx="3798161" cy="2539845"/>
+          </a:xfrm>
+        </p:grpSpPr>
+        <p:grpSp>
+          <p:nvGrpSpPr>
+            <p:cNvPr id="17" name="Grupo 16"/>
+            <p:cNvGrpSpPr/>
+            <p:nvPr/>
+          </p:nvGrpSpPr>
+          <p:grpSpPr>
+            <a:xfrm>
+              <a:off x="5292080" y="4230380"/>
+              <a:ext cx="2376264" cy="1790908"/>
+              <a:chOff x="5292080" y="4230380"/>
+              <a:chExt cx="2376264" cy="1790908"/>
+            </a:xfrm>
+          </p:grpSpPr>
+          <p:cxnSp>
+            <p:nvCxnSpPr>
+              <p:cNvPr id="21" name="Conector de seta reta 20"/>
+              <p:cNvCxnSpPr/>
+              <p:nvPr/>
+            </p:nvCxnSpPr>
+            <p:spPr>
+              <a:xfrm>
+                <a:off x="5292080" y="4975308"/>
+                <a:ext cx="0" cy="1045980"/>
+              </a:xfrm>
+              <a:prstGeom prst="straightConnector1">
+                <a:avLst/>
+              </a:prstGeom>
+              <a:ln w="12700">
+                <a:solidFill>
+                  <a:schemeClr val="tx1"/>
+                </a:solidFill>
+                <a:tailEnd type="arrow"/>
+              </a:ln>
+            </p:spPr>
+            <p:style>
+              <a:lnRef idx="1">
+                <a:schemeClr val="accent1"/>
+              </a:lnRef>
+              <a:fillRef idx="0">
+                <a:schemeClr val="accent1"/>
+              </a:fillRef>
+              <a:effectRef idx="0">
+                <a:schemeClr val="accent1"/>
+              </a:effectRef>
+              <a:fontRef idx="minor">
+                <a:schemeClr val="tx1"/>
+              </a:fontRef>
+            </p:style>
+          </p:cxnSp>
+          <p:cxnSp>
+            <p:nvCxnSpPr>
+              <p:cNvPr id="22" name="Conector reto 21"/>
+              <p:cNvCxnSpPr/>
+              <p:nvPr/>
+            </p:nvCxnSpPr>
+            <p:spPr>
+              <a:xfrm>
+                <a:off x="5292080" y="4975308"/>
+                <a:ext cx="2376264" cy="0"/>
+              </a:xfrm>
+              <a:prstGeom prst="line">
+                <a:avLst/>
+              </a:prstGeom>
+              <a:ln w="12700">
+                <a:solidFill>
+                  <a:schemeClr val="tx1"/>
+                </a:solidFill>
+              </a:ln>
+            </p:spPr>
+            <p:style>
+              <a:lnRef idx="1">
+                <a:schemeClr val="accent1"/>
+              </a:lnRef>
+              <a:fillRef idx="0">
+                <a:schemeClr val="accent1"/>
+              </a:fillRef>
+              <a:effectRef idx="0">
+                <a:schemeClr val="accent1"/>
+              </a:effectRef>
+              <a:fontRef idx="minor">
+                <a:schemeClr val="tx1"/>
+              </a:fontRef>
+            </p:style>
+          </p:cxnSp>
+          <p:cxnSp>
+            <p:nvCxnSpPr>
+              <p:cNvPr id="23" name="Conector de seta reta 22"/>
+              <p:cNvCxnSpPr/>
+              <p:nvPr/>
+            </p:nvCxnSpPr>
+            <p:spPr>
+              <a:xfrm flipV="1">
+                <a:off x="7668344" y="4230380"/>
+                <a:ext cx="0" cy="744928"/>
+              </a:xfrm>
+              <a:prstGeom prst="straightConnector1">
+                <a:avLst/>
+              </a:prstGeom>
+              <a:ln w="12700">
+                <a:solidFill>
+                  <a:schemeClr val="tx1"/>
+                </a:solidFill>
+                <a:tailEnd type="arrow"/>
+              </a:ln>
+            </p:spPr>
+            <p:style>
+              <a:lnRef idx="1">
+                <a:schemeClr val="accent1"/>
+              </a:lnRef>
+              <a:fillRef idx="0">
+                <a:schemeClr val="accent1"/>
+              </a:fillRef>
+              <a:effectRef idx="0">
+                <a:schemeClr val="accent1"/>
+              </a:effectRef>
+              <a:fontRef idx="minor">
+                <a:schemeClr val="tx1"/>
+              </a:fontRef>
+            </p:style>
+          </p:cxnSp>
+        </p:grpSp>
+        <p:sp>
+          <p:nvSpPr>
+            <p:cNvPr id="18" name="CaixaDeTexto 17"/>
+            <p:cNvSpPr txBox="1"/>
+            <p:nvPr/>
+          </p:nvSpPr>
+          <p:spPr>
+            <a:xfrm>
+              <a:off x="4866294" y="6021289"/>
+              <a:ext cx="598261" cy="451612"/>
+            </a:xfrm>
+            <a:prstGeom prst="rect">
+              <a:avLst/>
+            </a:prstGeom>
+            <a:noFill/>
+          </p:spPr>
+          <p:txBody>
+            <a:bodyPr wrap="none" rtlCol="0">
+              <a:spAutoFit/>
+            </a:bodyPr>
+            <a:lstStyle/>
+            <a:p>
+              <a:r>
+                <a:rPr lang="pt-BR" sz="1400" dirty="0" smtClean="0"/>
+                <a:t>C = </a:t>
+              </a:r>
+              <a:r>
+                <a:rPr lang="pt-BR" sz="1400" dirty="0" smtClean="0"/>
+                <a:t>?</a:t>
+              </a:r>
+              <a:endParaRPr lang="pt-BR" sz="1400" dirty="0"/>
+            </a:p>
+          </p:txBody>
+        </p:sp>
+        <p:sp>
+          <p:nvSpPr>
+            <p:cNvPr id="19" name="CaixaDeTexto 18"/>
+            <p:cNvSpPr txBox="1"/>
+            <p:nvPr/>
+          </p:nvSpPr>
+          <p:spPr>
+            <a:xfrm>
+              <a:off x="5796136" y="4653138"/>
+              <a:ext cx="1092024" cy="767739"/>
+            </a:xfrm>
+            <a:prstGeom prst="rect">
+              <a:avLst/>
+            </a:prstGeom>
+            <a:noFill/>
+          </p:spPr>
+          <p:txBody>
+            <a:bodyPr wrap="none" rtlCol="0">
+              <a:spAutoFit/>
+            </a:bodyPr>
+            <a:lstStyle/>
+            <a:p>
+              <a:r>
+                <a:rPr lang="pt-BR" sz="1400" dirty="0"/>
+                <a:t>n</a:t>
+              </a:r>
+              <a:r>
+                <a:rPr lang="pt-BR" sz="1400" dirty="0" smtClean="0"/>
+                <a:t> = </a:t>
+              </a:r>
+              <a:r>
+                <a:rPr lang="pt-BR" sz="1400" dirty="0" smtClean="0"/>
+                <a:t>15d</a:t>
+              </a:r>
+              <a:endParaRPr lang="pt-BR" sz="1400" dirty="0" smtClean="0"/>
+            </a:p>
+            <a:p>
+              <a:r>
+                <a:rPr lang="pt-BR" sz="1400" dirty="0" smtClean="0"/>
+                <a:t>i = </a:t>
+              </a:r>
+              <a:r>
+                <a:rPr lang="pt-BR" sz="1400" dirty="0" smtClean="0"/>
+                <a:t>4% </a:t>
+              </a:r>
+              <a:r>
+                <a:rPr lang="pt-BR" sz="1400" dirty="0" smtClean="0"/>
+                <a:t>a.m.</a:t>
+              </a:r>
+              <a:endParaRPr lang="pt-BR" sz="1400" dirty="0"/>
+            </a:p>
+          </p:txBody>
+        </p:sp>
+        <p:sp>
+          <p:nvSpPr>
+            <p:cNvPr id="20" name="CaixaDeTexto 19"/>
+            <p:cNvSpPr txBox="1"/>
+            <p:nvPr/>
+          </p:nvSpPr>
+          <p:spPr>
+            <a:xfrm>
+              <a:off x="7380313" y="3933056"/>
+              <a:ext cx="1284142" cy="451612"/>
+            </a:xfrm>
+            <a:prstGeom prst="rect">
+              <a:avLst/>
+            </a:prstGeom>
+            <a:noFill/>
+          </p:spPr>
+          <p:txBody>
+            <a:bodyPr wrap="none" rtlCol="0">
+              <a:spAutoFit/>
+            </a:bodyPr>
+            <a:lstStyle/>
+            <a:p>
+              <a:r>
+                <a:rPr lang="pt-BR" sz="1400" dirty="0" smtClean="0"/>
+                <a:t>M = </a:t>
+              </a:r>
+              <a:r>
+                <a:rPr lang="pt-BR" sz="1400" dirty="0" smtClean="0"/>
+                <a:t>1.0</a:t>
+              </a:r>
+              <a:r>
+                <a:rPr lang="pt-BR" sz="1400" dirty="0" smtClean="0"/>
+                <a:t>00,00</a:t>
+              </a:r>
+              <a:endParaRPr lang="pt-BR" sz="1400" dirty="0"/>
+            </a:p>
+          </p:txBody>
+        </p:sp>
+      </p:grpSp>
+      <p:sp>
+        <p:nvSpPr>
+          <p:cNvPr id="24" name="Elipse 23"/>
+          <p:cNvSpPr/>
+          <p:nvPr/>
+        </p:nvSpPr>
+        <p:spPr>
+          <a:xfrm>
+            <a:off x="77822" y="116632"/>
+            <a:ext cx="821770" cy="792088"/>
+          </a:xfrm>
+          <a:prstGeom prst="ellipse">
+            <a:avLst/>
+          </a:prstGeom>
+        </p:spPr>
+        <p:style>
+          <a:lnRef idx="2">
+            <a:schemeClr val="accent1">
+              <a:shade val="50000"/>
+            </a:schemeClr>
+          </a:lnRef>
+          <a:fillRef idx="1">
+            <a:schemeClr val="accent1"/>
+          </a:fillRef>
+          <a:effectRef idx="0">
+            <a:schemeClr val="accent1"/>
+          </a:effectRef>
+          <a:fontRef idx="minor">
+            <a:schemeClr val="lt1"/>
+          </a:fontRef>
+        </p:style>
+        <p:txBody>
+          <a:bodyPr rtlCol="0" anchor="ctr"/>
+          <a:lstStyle/>
+          <a:p>
+            <a:pPr algn="ctr"/>
+            <a:r>
+              <a:rPr lang="pt-BR" sz="1600" dirty="0"/>
+              <a:t>7</a:t>
+            </a:r>
+            <a:endParaRPr lang="pt-BR" sz="1600" dirty="0" smtClean="0"/>
+          </a:p>
+          <a:p>
+            <a:pPr algn="ctr"/>
+            <a:r>
+              <a:rPr lang="pt-BR" sz="1600" dirty="0" smtClean="0"/>
+              <a:t>HP</a:t>
+            </a:r>
+          </a:p>
+          <a:p>
+            <a:pPr algn="ctr"/>
+            <a:r>
+              <a:rPr lang="pt-BR" sz="1600" dirty="0" smtClean="0"/>
+              <a:t>12c</a:t>
+            </a:r>
+            <a:endParaRPr lang="pt-BR" dirty="0"/>
+          </a:p>
+        </p:txBody>
+      </p:sp>
+    </p:spTree>
+    <p:extLst>
+      <p:ext uri="{BB962C8B-B14F-4D97-AF65-F5344CB8AC3E}">
+        <p14:creationId xmlns:p14="http://schemas.microsoft.com/office/powerpoint/2010/main" val="2508171504"/>
+      </p:ext>
+    </p:extLst>
+  </p:cSld>
+  <p:clrMapOvr>
+    <a:masterClrMapping/>
+  </p:clrMapOvr>
+</p:sld>
+</file>
+
+<file path=ppt/slides/slide13.xml><?xml version="1.0" encoding="utf-8"?>
+<p:sld xmlns:a="http://schemas.openxmlformats.org/drawingml/2006/main" xmlns:r="http://schemas.openxmlformats.org/officeDocument/2006/relationships" xmlns:p="http://schemas.openxmlformats.org/presentationml/2006/main">
+  <p:cSld>
+    <p:spTree>
+      <p:nvGrpSpPr>
+        <p:cNvPr id="1" name=""/>
+        <p:cNvGrpSpPr/>
+        <p:nvPr/>
+      </p:nvGrpSpPr>
+      <p:grpSpPr>
+        <a:xfrm>
+          <a:off x="0" y="0"/>
+          <a:ext cx="0" cy="0"/>
+          <a:chOff x="0" y="0"/>
+          <a:chExt cx="0" cy="0"/>
+        </a:xfrm>
+      </p:grpSpPr>
+      <p:sp>
+        <p:nvSpPr>
+          <p:cNvPr id="2" name="Elipse 1"/>
+          <p:cNvSpPr/>
+          <p:nvPr/>
+        </p:nvSpPr>
+        <p:spPr>
+          <a:xfrm>
+            <a:off x="107504" y="44624"/>
+            <a:ext cx="821770" cy="792088"/>
+          </a:xfrm>
+          <a:prstGeom prst="ellipse">
+            <a:avLst/>
+          </a:prstGeom>
+        </p:spPr>
+        <p:style>
+          <a:lnRef idx="2">
+            <a:schemeClr val="accent1">
+              <a:shade val="50000"/>
+            </a:schemeClr>
+          </a:lnRef>
+          <a:fillRef idx="1">
+            <a:schemeClr val="accent1"/>
+          </a:fillRef>
+          <a:effectRef idx="0">
+            <a:schemeClr val="accent1"/>
+          </a:effectRef>
+          <a:fontRef idx="minor">
+            <a:schemeClr val="lt1"/>
+          </a:fontRef>
+        </p:style>
+        <p:txBody>
+          <a:bodyPr rtlCol="0" anchor="ctr"/>
+          <a:lstStyle/>
+          <a:p>
+            <a:pPr algn="ctr"/>
+            <a:r>
+              <a:rPr lang="pt-BR" dirty="0" smtClean="0"/>
+              <a:t>8</a:t>
+            </a:r>
+            <a:endParaRPr lang="pt-BR" dirty="0"/>
+          </a:p>
+        </p:txBody>
+      </p:sp>
+      <mc:AlternateContent xmlns:mc="http://schemas.openxmlformats.org/markup-compatibility/2006">
+        <mc:Choice xmlns:a14="http://schemas.microsoft.com/office/drawing/2010/main" Requires="a14">
+          <p:sp>
+            <p:nvSpPr>
+              <p:cNvPr id="3" name="CaixaDeTexto 2"/>
+              <p:cNvSpPr txBox="1"/>
+              <p:nvPr/>
+            </p:nvSpPr>
+            <p:spPr>
+              <a:xfrm>
+                <a:off x="1187624" y="1988840"/>
+                <a:ext cx="2838341" cy="2460032"/>
+              </a:xfrm>
+              <a:prstGeom prst="rect">
+                <a:avLst/>
+              </a:prstGeom>
+              <a:noFill/>
+            </p:spPr>
+            <p:txBody>
+              <a:bodyPr wrap="none" rtlCol="0">
+                <a:spAutoFit/>
+              </a:bodyPr>
+              <a:lstStyle/>
+              <a:p>
+                <a:pPr algn="ctr"/>
+                <a:r>
+                  <a:rPr lang="pt-BR" b="1" dirty="0" smtClean="0"/>
+                  <a:t>Fórmula</a:t>
+                </a:r>
+              </a:p>
+              <a:p>
+                <a:pPr algn="ctr"/>
+                <a14:m>
+                  <m:oMathPara xmlns:m="http://schemas.openxmlformats.org/officeDocument/2006/math">
+                    <m:oMathParaPr>
+                      <m:jc m:val="centerGroup"/>
+                    </m:oMathParaPr>
+                    <m:oMath xmlns:m="http://schemas.openxmlformats.org/officeDocument/2006/math">
+                      <m:sSub>
+                        <m:sSubPr>
+                          <m:ctrlPr>
+                            <a:rPr lang="pt-BR" i="1" smtClean="0">
+                              <a:latin typeface="Cambria Math"/>
+                            </a:rPr>
+                          </m:ctrlPr>
+                        </m:sSubPr>
+                        <m:e>
+                          <m:r>
+                            <a:rPr lang="pt-BR" b="0" i="1" smtClean="0">
+                              <a:latin typeface="Cambria Math"/>
+                            </a:rPr>
+                            <m:t>𝑖</m:t>
+                          </m:r>
+                        </m:e>
+                        <m:sub>
+                          <m:r>
+                            <a:rPr lang="pt-BR" b="0" i="1" smtClean="0">
+                              <a:latin typeface="Cambria Math"/>
+                            </a:rPr>
+                            <m:t>𝑘</m:t>
+                          </m:r>
+                        </m:sub>
+                      </m:sSub>
+                      <m:r>
+                        <a:rPr lang="pt-BR" i="1" smtClean="0">
+                          <a:latin typeface="Cambria Math"/>
+                          <a:ea typeface="Cambria Math"/>
+                        </a:rPr>
+                        <m:t>=</m:t>
+                      </m:r>
+                      <m:r>
+                        <a:rPr lang="pt-BR" b="0" i="1" smtClean="0">
+                          <a:latin typeface="Cambria Math"/>
+                          <a:ea typeface="Cambria Math"/>
+                        </a:rPr>
+                        <m:t>1 − </m:t>
+                      </m:r>
+                      <m:sSup>
+                        <m:sSupPr>
+                          <m:ctrlPr>
+                            <a:rPr lang="pt-BR" b="0" i="1" smtClean="0">
+                              <a:latin typeface="Cambria Math"/>
+                              <a:ea typeface="Cambria Math"/>
+                            </a:rPr>
+                          </m:ctrlPr>
+                        </m:sSupPr>
+                        <m:e>
+                          <m:r>
+                            <a:rPr lang="pt-BR" i="1">
+                              <a:latin typeface="Cambria Math"/>
+                              <a:ea typeface="Cambria Math"/>
+                            </a:rPr>
+                            <m:t>(1+</m:t>
+                          </m:r>
+                          <m:sSub>
+                            <m:sSubPr>
+                              <m:ctrlPr>
+                                <a:rPr lang="pt-BR" i="1">
+                                  <a:latin typeface="Cambria Math"/>
+                                  <a:ea typeface="Cambria Math"/>
+                                </a:rPr>
+                              </m:ctrlPr>
+                            </m:sSubPr>
+                            <m:e>
+                              <m:r>
+                                <a:rPr lang="pt-BR" i="1">
+                                  <a:latin typeface="Cambria Math"/>
+                                  <a:ea typeface="Cambria Math"/>
+                                </a:rPr>
+                                <m:t>𝑖</m:t>
+                              </m:r>
+                            </m:e>
+                            <m:sub>
+                              <m:r>
+                                <a:rPr lang="pt-BR" b="0" i="1" smtClean="0">
+                                  <a:latin typeface="Cambria Math"/>
+                                  <a:ea typeface="Cambria Math"/>
+                                </a:rPr>
+                                <m:t>𝑝</m:t>
+                              </m:r>
+                            </m:sub>
+                          </m:sSub>
+                          <m:r>
+                            <a:rPr lang="pt-BR" i="1">
+                              <a:latin typeface="Cambria Math"/>
+                              <a:ea typeface="Cambria Math"/>
+                            </a:rPr>
+                            <m:t>)</m:t>
+                          </m:r>
+                        </m:e>
+                        <m:sup>
+                          <m:r>
+                            <a:rPr lang="pt-BR" b="0" i="1" smtClean="0">
+                              <a:latin typeface="Cambria Math"/>
+                              <a:ea typeface="Cambria Math"/>
+                            </a:rPr>
+                            <m:t>𝑛</m:t>
+                          </m:r>
+                        </m:sup>
+                      </m:sSup>
+                    </m:oMath>
+                  </m:oMathPara>
+                </a14:m>
+                <a:endParaRPr lang="pt-BR" dirty="0" smtClean="0"/>
+              </a:p>
+              <a:p>
+                <a:pPr algn="ctr"/>
+                <a14:m>
+                  <m:oMathPara xmlns:m="http://schemas.openxmlformats.org/officeDocument/2006/math">
+                    <m:oMathParaPr>
+                      <m:jc m:val="centerGroup"/>
+                    </m:oMathParaPr>
+                    <m:oMath xmlns:m="http://schemas.openxmlformats.org/officeDocument/2006/math">
+                      <m:sSub>
+                        <m:sSubPr>
+                          <m:ctrlPr>
+                            <a:rPr lang="pt-BR" i="1">
+                              <a:latin typeface="Cambria Math"/>
+                            </a:rPr>
+                          </m:ctrlPr>
+                        </m:sSubPr>
+                        <m:e>
+                          <m:r>
+                            <a:rPr lang="pt-BR" i="1">
+                              <a:latin typeface="Cambria Math"/>
+                            </a:rPr>
+                            <m:t>𝑖</m:t>
+                          </m:r>
+                        </m:e>
+                        <m:sub>
+                          <m:r>
+                            <a:rPr lang="pt-BR" i="1">
+                              <a:latin typeface="Cambria Math"/>
+                            </a:rPr>
+                            <m:t>365</m:t>
+                          </m:r>
+                        </m:sub>
+                      </m:sSub>
+                      <m:r>
+                        <a:rPr lang="pt-BR" i="1">
+                          <a:latin typeface="Cambria Math"/>
+                          <a:ea typeface="Cambria Math"/>
+                        </a:rPr>
+                        <m:t>=1 − </m:t>
+                      </m:r>
+                      <m:sSup>
+                        <m:sSupPr>
+                          <m:ctrlPr>
+                            <a:rPr lang="pt-BR" i="1">
+                              <a:latin typeface="Cambria Math"/>
+                              <a:ea typeface="Cambria Math"/>
+                            </a:rPr>
+                          </m:ctrlPr>
+                        </m:sSupPr>
+                        <m:e>
+                          <m:r>
+                            <a:rPr lang="pt-BR" i="1">
+                              <a:latin typeface="Cambria Math"/>
+                              <a:ea typeface="Cambria Math"/>
+                            </a:rPr>
+                            <m:t>(1+</m:t>
+                          </m:r>
+                          <m:r>
+                            <a:rPr lang="pt-BR" b="0" i="1" smtClean="0">
+                              <a:latin typeface="Cambria Math"/>
+                              <a:ea typeface="Cambria Math"/>
+                            </a:rPr>
+                            <m:t>0,08</m:t>
+                          </m:r>
+                          <m:r>
+                            <a:rPr lang="pt-BR" i="1">
+                              <a:latin typeface="Cambria Math"/>
+                              <a:ea typeface="Cambria Math"/>
+                            </a:rPr>
+                            <m:t>)</m:t>
+                          </m:r>
+                        </m:e>
+                        <m:sup>
+                          <m:f>
+                            <m:fPr>
+                              <m:ctrlPr>
+                                <a:rPr lang="pt-BR" i="1">
+                                  <a:latin typeface="Cambria Math"/>
+                                  <a:ea typeface="Cambria Math"/>
+                                </a:rPr>
+                              </m:ctrlPr>
+                            </m:fPr>
+                            <m:num>
+                              <m:r>
+                                <a:rPr lang="pt-BR" i="1">
+                                  <a:latin typeface="Cambria Math"/>
+                                  <a:ea typeface="Cambria Math"/>
+                                </a:rPr>
+                                <m:t>365</m:t>
+                              </m:r>
+                            </m:num>
+                            <m:den>
+                              <m:r>
+                                <a:rPr lang="pt-BR" i="1">
+                                  <a:latin typeface="Cambria Math"/>
+                                  <a:ea typeface="Cambria Math"/>
+                                </a:rPr>
+                                <m:t>180</m:t>
+                              </m:r>
+                            </m:den>
+                          </m:f>
+                        </m:sup>
+                      </m:sSup>
+                    </m:oMath>
+                  </m:oMathPara>
+                </a14:m>
+                <a:endParaRPr lang="pt-BR" dirty="0"/>
+              </a:p>
+              <a:p>
+                <a:pPr algn="ctr"/>
+                <a14:m>
+                  <m:oMathPara xmlns:m="http://schemas.openxmlformats.org/officeDocument/2006/math">
+                    <m:oMathParaPr>
+                      <m:jc m:val="centerGroup"/>
+                    </m:oMathParaPr>
+                    <m:oMath xmlns:m="http://schemas.openxmlformats.org/officeDocument/2006/math">
+                      <m:sSub>
+                        <m:sSubPr>
+                          <m:ctrlPr>
+                            <a:rPr lang="pt-BR" i="1">
+                              <a:latin typeface="Cambria Math"/>
+                            </a:rPr>
+                          </m:ctrlPr>
+                        </m:sSubPr>
+                        <m:e>
+                          <m:r>
+                            <a:rPr lang="pt-BR" i="1">
+                              <a:latin typeface="Cambria Math"/>
+                            </a:rPr>
+                            <m:t>𝑖</m:t>
+                          </m:r>
+                        </m:e>
+                        <m:sub>
+                          <m:r>
+                            <a:rPr lang="pt-BR" i="1">
+                              <a:latin typeface="Cambria Math"/>
+                            </a:rPr>
+                            <m:t>365</m:t>
+                          </m:r>
+                        </m:sub>
+                      </m:sSub>
+                      <m:r>
+                        <a:rPr lang="pt-BR" i="1">
+                          <a:latin typeface="Cambria Math"/>
+                          <a:ea typeface="Cambria Math"/>
+                        </a:rPr>
+                        <m:t>=1 − </m:t>
+                      </m:r>
+                      <m:sSup>
+                        <m:sSupPr>
+                          <m:ctrlPr>
+                            <a:rPr lang="pt-BR" i="1">
+                              <a:latin typeface="Cambria Math"/>
+                              <a:ea typeface="Cambria Math"/>
+                            </a:rPr>
+                          </m:ctrlPr>
+                        </m:sSupPr>
+                        <m:e>
+                          <m:d>
+                            <m:dPr>
+                              <m:ctrlPr>
+                                <a:rPr lang="pt-BR" b="0" i="1">
+                                  <a:latin typeface="Cambria Math"/>
+                                  <a:ea typeface="Cambria Math"/>
+                                </a:rPr>
+                              </m:ctrlPr>
+                            </m:dPr>
+                            <m:e>
+                              <m:r>
+                                <a:rPr lang="pt-BR" b="0" i="1" smtClean="0">
+                                  <a:latin typeface="Cambria Math"/>
+                                  <a:ea typeface="Cambria Math"/>
+                                </a:rPr>
+                                <m:t>1</m:t>
+                              </m:r>
+                              <m:r>
+                                <a:rPr lang="pt-BR" i="1">
+                                  <a:latin typeface="Cambria Math"/>
+                                  <a:ea typeface="Cambria Math"/>
+                                </a:rPr>
+                                <m:t>,08</m:t>
+                              </m:r>
+                            </m:e>
+                          </m:d>
+                        </m:e>
+                        <m:sup>
+                          <m:r>
+                            <a:rPr lang="pt-BR" b="0" i="1" smtClean="0">
+                              <a:latin typeface="Cambria Math"/>
+                              <a:ea typeface="Cambria Math"/>
+                            </a:rPr>
+                            <m:t>2,027</m:t>
+                          </m:r>
+                        </m:sup>
+                      </m:sSup>
+                    </m:oMath>
+                  </m:oMathPara>
+                </a14:m>
+                <a:endParaRPr lang="pt-BR" dirty="0" smtClean="0">
+                  <a:ea typeface="Cambria Math"/>
+                </a:endParaRPr>
+              </a:p>
+              <a:p>
+                <a:pPr algn="ctr"/>
+                <a14:m>
+                  <m:oMathPara xmlns:m="http://schemas.openxmlformats.org/officeDocument/2006/math">
+                    <m:oMathParaPr>
+                      <m:jc m:val="centerGroup"/>
+                    </m:oMathParaPr>
+                    <m:oMath xmlns:m="http://schemas.openxmlformats.org/officeDocument/2006/math">
+                      <m:sSub>
+                        <m:sSubPr>
+                          <m:ctrlPr>
+                            <a:rPr lang="pt-BR" i="1">
+                              <a:latin typeface="Cambria Math"/>
+                            </a:rPr>
+                          </m:ctrlPr>
+                        </m:sSubPr>
+                        <m:e>
+                          <m:r>
+                            <a:rPr lang="pt-BR" i="1">
+                              <a:latin typeface="Cambria Math"/>
+                            </a:rPr>
+                            <m:t>𝑖</m:t>
+                          </m:r>
+                        </m:e>
+                        <m:sub>
+                          <m:r>
+                            <a:rPr lang="pt-BR" i="1">
+                              <a:latin typeface="Cambria Math"/>
+                            </a:rPr>
+                            <m:t>365</m:t>
+                          </m:r>
+                        </m:sub>
+                      </m:sSub>
+                      <m:r>
+                        <a:rPr lang="pt-BR" i="1">
+                          <a:latin typeface="Cambria Math"/>
+                          <a:ea typeface="Cambria Math"/>
+                        </a:rPr>
+                        <m:t>=1 −</m:t>
+                      </m:r>
+                      <m:r>
+                        <a:rPr lang="pt-BR" b="0" i="1" smtClean="0">
+                          <a:latin typeface="Cambria Math"/>
+                          <a:ea typeface="Cambria Math"/>
+                        </a:rPr>
+                        <m:t>1,1689</m:t>
+                      </m:r>
+                    </m:oMath>
+                  </m:oMathPara>
+                </a14:m>
+                <a:endParaRPr lang="pt-BR" dirty="0" smtClean="0"/>
+              </a:p>
+              <a:p>
+                <a:pPr algn="ctr"/>
+                <a:endParaRPr lang="pt-BR" dirty="0"/>
+              </a:p>
+              <a:p>
+                <a:pPr algn="ctr"/>
+                <a14:m>
+                  <m:oMath xmlns:m="http://schemas.openxmlformats.org/officeDocument/2006/math">
+                    <m:sSub>
+                      <m:sSubPr>
+                        <m:ctrlPr>
+                          <a:rPr lang="pt-BR" i="1">
+                            <a:latin typeface="Cambria Math"/>
+                          </a:rPr>
+                        </m:ctrlPr>
+                      </m:sSubPr>
+                      <m:e>
+                        <m:r>
+                          <a:rPr lang="pt-BR" i="1">
+                            <a:latin typeface="Cambria Math"/>
+                          </a:rPr>
+                          <m:t>𝑖</m:t>
+                        </m:r>
+                      </m:e>
+                      <m:sub>
+                        <m:r>
+                          <a:rPr lang="pt-BR" i="1">
+                            <a:latin typeface="Cambria Math"/>
+                          </a:rPr>
+                          <m:t>365</m:t>
+                        </m:r>
+                      </m:sub>
+                    </m:sSub>
+                    <m:r>
+                      <a:rPr lang="pt-BR" i="1">
+                        <a:latin typeface="Cambria Math"/>
+                        <a:ea typeface="Cambria Math"/>
+                      </a:rPr>
+                      <m:t>=</m:t>
+                    </m:r>
+                  </m:oMath>
+                </a14:m>
+                <a:r>
+                  <a:rPr lang="pt-BR" dirty="0" smtClean="0"/>
+                  <a:t> </a:t>
+                </a:r>
+                <a:r>
+                  <a:rPr lang="pt-BR" u="sng" dirty="0" smtClean="0"/>
+                  <a:t>16,89%</a:t>
+                </a:r>
+                <a:endParaRPr lang="pt-BR" u="sng" dirty="0"/>
+              </a:p>
+              <a:p>
+                <a:endParaRPr lang="pt-BR" dirty="0"/>
+              </a:p>
+            </p:txBody>
+          </p:sp>
+        </mc:Choice>
+        <mc:Fallback>
+          <p:sp>
+            <p:nvSpPr>
+              <p:cNvPr id="3" name="CaixaDeTexto 2"/>
+              <p:cNvSpPr txBox="1">
+                <a:spLocks noRot="1" noChangeAspect="1" noMove="1" noResize="1" noEditPoints="1" noAdjustHandles="1" noChangeArrowheads="1" noChangeShapeType="1" noTextEdit="1"/>
+              </p:cNvSpPr>
+              <p:nvPr/>
+            </p:nvSpPr>
+            <p:spPr>
+              <a:xfrm>
+                <a:off x="1187624" y="1988840"/>
+                <a:ext cx="2838341" cy="2460032"/>
+              </a:xfrm>
+              <a:prstGeom prst="rect">
+                <a:avLst/>
+              </a:prstGeom>
+              <a:blipFill rotWithShape="1">
+                <a:blip r:embed="rId2"/>
+                <a:stretch>
+                  <a:fillRect t="-1238"/>
+                </a:stretch>
+              </a:blipFill>
+            </p:spPr>
+            <p:txBody>
+              <a:bodyPr/>
+              <a:lstStyle/>
+              <a:p>
+                <a:r>
+                  <a:rPr lang="pt-BR">
+                    <a:noFill/>
+                  </a:rPr>
+                  <a:t> </a:t>
+                </a:r>
+              </a:p>
+            </p:txBody>
+          </p:sp>
+        </mc:Fallback>
+      </mc:AlternateContent>
+      <mc:AlternateContent xmlns:mc="http://schemas.openxmlformats.org/markup-compatibility/2006">
+        <mc:Choice xmlns:a14="http://schemas.microsoft.com/office/drawing/2010/main" Requires="a14">
+          <p:sp>
+            <p:nvSpPr>
+              <p:cNvPr id="4" name="CaixaDeTexto 3"/>
+              <p:cNvSpPr txBox="1"/>
+              <p:nvPr/>
+            </p:nvSpPr>
+            <p:spPr>
+              <a:xfrm>
+                <a:off x="4802679" y="2141240"/>
+                <a:ext cx="2953053" cy="2308324"/>
+              </a:xfrm>
+              <a:prstGeom prst="rect">
+                <a:avLst/>
+              </a:prstGeom>
+              <a:noFill/>
+            </p:spPr>
+            <p:txBody>
+              <a:bodyPr wrap="none" rtlCol="0">
+                <a:spAutoFit/>
+              </a:bodyPr>
+              <a:lstStyle/>
+              <a:p>
+                <a:pPr algn="ctr"/>
+                <a:r>
+                  <a:rPr lang="pt-BR" b="1" dirty="0" smtClean="0"/>
+                  <a:t>HP 12c</a:t>
+                </a:r>
+              </a:p>
+              <a:p>
+                <a:r>
+                  <a:rPr lang="pt-BR" dirty="0" smtClean="0"/>
+                  <a:t>100 CHS PV</a:t>
+                </a:r>
+              </a:p>
+              <a:p>
+                <a:r>
+                  <a:rPr lang="pt-BR" dirty="0" smtClean="0"/>
+                  <a:t>8 i</a:t>
+                </a:r>
+              </a:p>
+              <a:p>
+                <a:r>
+                  <a:rPr lang="pt-BR" dirty="0" smtClean="0"/>
+                  <a:t>365 [</a:t>
+                </a:r>
+                <a:r>
+                  <a:rPr lang="pt-BR" dirty="0" err="1" smtClean="0"/>
+                  <a:t>Enter</a:t>
+                </a:r>
+                <a:r>
+                  <a:rPr lang="pt-BR" dirty="0" smtClean="0"/>
+                  <a:t>]</a:t>
+                </a:r>
+              </a:p>
+              <a:p>
+                <a:r>
+                  <a:rPr lang="pt-BR" dirty="0" smtClean="0"/>
+                  <a:t>180 </a:t>
+                </a:r>
+                <a14:m>
+                  <m:oMath xmlns:m="http://schemas.openxmlformats.org/officeDocument/2006/math">
+                    <m:r>
+                      <a:rPr lang="pt-BR" i="1" smtClean="0">
+                        <a:latin typeface="Cambria Math"/>
+                        <a:ea typeface="Cambria Math"/>
+                      </a:rPr>
+                      <m:t>÷</m:t>
+                    </m:r>
+                  </m:oMath>
+                </a14:m>
+                <a:endParaRPr lang="pt-BR" dirty="0" smtClean="0">
+                  <a:ea typeface="Cambria Math"/>
+                </a:endParaRPr>
+              </a:p>
+              <a:p>
+                <a:r>
+                  <a:rPr lang="pt-BR" dirty="0" smtClean="0"/>
+                  <a:t>n</a:t>
+                </a:r>
+              </a:p>
+              <a:p>
+                <a:r>
+                  <a:rPr lang="pt-BR" dirty="0" smtClean="0"/>
+                  <a:t>FV		</a:t>
+                </a:r>
+                <a:r>
+                  <a:rPr lang="pt-BR" dirty="0" smtClean="0">
+                    <a:sym typeface="Wingdings" pitchFamily="2" charset="2"/>
+                  </a:rPr>
+                  <a:t> 116,89</a:t>
+                </a:r>
+              </a:p>
+              <a:p>
+                <a:r>
+                  <a:rPr lang="pt-BR" dirty="0" smtClean="0">
+                    <a:sym typeface="Wingdings" pitchFamily="2" charset="2"/>
+                  </a:rPr>
+                  <a:t>100- </a:t>
+                </a:r>
+                <a:r>
+                  <a:rPr lang="pt-BR" u="sng" dirty="0" smtClean="0">
+                    <a:sym typeface="Wingdings" pitchFamily="2" charset="2"/>
+                  </a:rPr>
+                  <a:t>16,89%</a:t>
+                </a:r>
+                <a:endParaRPr lang="pt-BR" u="sng" dirty="0" smtClean="0"/>
+              </a:p>
+            </p:txBody>
+          </p:sp>
+        </mc:Choice>
+        <mc:Fallback>
+          <p:sp>
+            <p:nvSpPr>
+              <p:cNvPr id="4" name="CaixaDeTexto 3"/>
+              <p:cNvSpPr txBox="1">
+                <a:spLocks noRot="1" noChangeAspect="1" noMove="1" noResize="1" noEditPoints="1" noAdjustHandles="1" noChangeArrowheads="1" noChangeShapeType="1" noTextEdit="1"/>
+              </p:cNvSpPr>
+              <p:nvPr/>
+            </p:nvSpPr>
+            <p:spPr>
+              <a:xfrm>
+                <a:off x="4802679" y="2141240"/>
+                <a:ext cx="2953053" cy="2308324"/>
+              </a:xfrm>
+              <a:prstGeom prst="rect">
+                <a:avLst/>
+              </a:prstGeom>
+              <a:blipFill rotWithShape="1">
+                <a:blip r:embed="rId3"/>
+                <a:stretch>
+                  <a:fillRect l="-1860" t="-1319" r="-620" b="-3166"/>
+                </a:stretch>
+              </a:blipFill>
+            </p:spPr>
+            <p:txBody>
+              <a:bodyPr/>
+              <a:lstStyle/>
+              <a:p>
+                <a:r>
+                  <a:rPr lang="pt-BR">
+                    <a:noFill/>
+                  </a:rPr>
+                  <a:t> </a:t>
+                </a:r>
+              </a:p>
+            </p:txBody>
+          </p:sp>
+        </mc:Fallback>
+      </mc:AlternateContent>
+    </p:spTree>
+    <p:extLst>
+      <p:ext uri="{BB962C8B-B14F-4D97-AF65-F5344CB8AC3E}">
+        <p14:creationId xmlns:p14="http://schemas.microsoft.com/office/powerpoint/2010/main" val="2265886"/>
+      </p:ext>
+    </p:extLst>
+  </p:cSld>
+  <p:clrMapOvr>
+    <a:masterClrMapping/>
+  </p:clrMapOvr>
+</p:sld>
+</file>
+
+<file path=ppt/slides/slide14.xml><?xml version="1.0" encoding="utf-8"?>
+<p:sld xmlns:a="http://schemas.openxmlformats.org/drawingml/2006/main" xmlns:r="http://schemas.openxmlformats.org/officeDocument/2006/relationships" xmlns:p="http://schemas.openxmlformats.org/presentationml/2006/main">
+  <p:cSld>
+    <p:spTree>
+      <p:nvGrpSpPr>
+        <p:cNvPr id="1" name=""/>
+        <p:cNvGrpSpPr/>
+        <p:nvPr/>
+      </p:nvGrpSpPr>
+      <p:grpSpPr>
+        <a:xfrm>
+          <a:off x="0" y="0"/>
+          <a:ext cx="0" cy="0"/>
+          <a:chOff x="0" y="0"/>
+          <a:chExt cx="0" cy="0"/>
+        </a:xfrm>
+      </p:grpSpPr>
+      <p:sp>
+        <p:nvSpPr>
+          <p:cNvPr id="2" name="Elipse 1"/>
+          <p:cNvSpPr/>
+          <p:nvPr/>
+        </p:nvSpPr>
+        <p:spPr>
+          <a:xfrm>
+            <a:off x="107504" y="44624"/>
+            <a:ext cx="821770" cy="792088"/>
+          </a:xfrm>
+          <a:prstGeom prst="ellipse">
+            <a:avLst/>
+          </a:prstGeom>
+        </p:spPr>
+        <p:style>
+          <a:lnRef idx="2">
+            <a:schemeClr val="accent1">
+              <a:shade val="50000"/>
+            </a:schemeClr>
+          </a:lnRef>
+          <a:fillRef idx="1">
+            <a:schemeClr val="accent1"/>
+          </a:fillRef>
+          <a:effectRef idx="0">
+            <a:schemeClr val="accent1"/>
+          </a:effectRef>
+          <a:fontRef idx="minor">
+            <a:schemeClr val="lt1"/>
+          </a:fontRef>
+        </p:style>
+        <p:txBody>
+          <a:bodyPr rtlCol="0" anchor="ctr"/>
+          <a:lstStyle/>
+          <a:p>
+            <a:pPr algn="ctr"/>
+            <a:r>
+              <a:rPr lang="pt-BR" dirty="0" smtClean="0"/>
+              <a:t>9</a:t>
+            </a:r>
+            <a:endParaRPr lang="pt-BR" dirty="0"/>
+          </a:p>
+        </p:txBody>
+      </p:sp>
+      <mc:AlternateContent xmlns:mc="http://schemas.openxmlformats.org/markup-compatibility/2006">
+        <mc:Choice xmlns:a14="http://schemas.microsoft.com/office/drawing/2010/main" Requires="a14">
+          <p:sp>
+            <p:nvSpPr>
+              <p:cNvPr id="3" name="CaixaDeTexto 2"/>
+              <p:cNvSpPr txBox="1"/>
+              <p:nvPr/>
+            </p:nvSpPr>
+            <p:spPr>
+              <a:xfrm>
+                <a:off x="1330419" y="1988840"/>
+                <a:ext cx="2552750" cy="2455416"/>
+              </a:xfrm>
+              <a:prstGeom prst="rect">
+                <a:avLst/>
+              </a:prstGeom>
+              <a:noFill/>
+            </p:spPr>
+            <p:txBody>
+              <a:bodyPr wrap="none" rtlCol="0">
+                <a:spAutoFit/>
+              </a:bodyPr>
+              <a:lstStyle/>
+              <a:p>
+                <a:pPr algn="ctr"/>
+                <a:r>
+                  <a:rPr lang="pt-BR" b="1" dirty="0" smtClean="0"/>
+                  <a:t>Fórmula</a:t>
+                </a:r>
+              </a:p>
+              <a:p>
+                <a:pPr algn="ctr"/>
+                <a14:m>
+                  <m:oMathPara xmlns:m="http://schemas.openxmlformats.org/officeDocument/2006/math">
+                    <m:oMathParaPr>
+                      <m:jc m:val="centerGroup"/>
+                    </m:oMathParaPr>
+                    <m:oMath xmlns:m="http://schemas.openxmlformats.org/officeDocument/2006/math">
+                      <m:sSub>
+                        <m:sSubPr>
+                          <m:ctrlPr>
+                            <a:rPr lang="pt-BR" i="1" smtClean="0">
+                              <a:latin typeface="Cambria Math"/>
+                            </a:rPr>
+                          </m:ctrlPr>
+                        </m:sSubPr>
+                        <m:e>
+                          <m:r>
+                            <a:rPr lang="pt-BR" b="0" i="1" smtClean="0">
+                              <a:latin typeface="Cambria Math"/>
+                            </a:rPr>
+                            <m:t>𝑖</m:t>
+                          </m:r>
+                        </m:e>
+                        <m:sub>
+                          <m:r>
+                            <a:rPr lang="pt-BR" b="0" i="1" smtClean="0">
+                              <a:latin typeface="Cambria Math"/>
+                            </a:rPr>
+                            <m:t>𝑘</m:t>
+                          </m:r>
+                        </m:sub>
+                      </m:sSub>
+                      <m:r>
+                        <a:rPr lang="pt-BR" i="1" smtClean="0">
+                          <a:latin typeface="Cambria Math"/>
+                          <a:ea typeface="Cambria Math"/>
+                        </a:rPr>
+                        <m:t>=</m:t>
+                      </m:r>
+                      <m:r>
+                        <a:rPr lang="pt-BR" b="0" i="1" smtClean="0">
+                          <a:latin typeface="Cambria Math"/>
+                          <a:ea typeface="Cambria Math"/>
+                        </a:rPr>
+                        <m:t>1 − </m:t>
+                      </m:r>
+                      <m:sSup>
+                        <m:sSupPr>
+                          <m:ctrlPr>
+                            <a:rPr lang="pt-BR" b="0" i="1" smtClean="0">
+                              <a:latin typeface="Cambria Math"/>
+                              <a:ea typeface="Cambria Math"/>
+                            </a:rPr>
+                          </m:ctrlPr>
+                        </m:sSupPr>
+                        <m:e>
+                          <m:r>
+                            <a:rPr lang="pt-BR" i="1">
+                              <a:latin typeface="Cambria Math"/>
+                              <a:ea typeface="Cambria Math"/>
+                            </a:rPr>
+                            <m:t>(1+</m:t>
+                          </m:r>
+                          <m:sSub>
+                            <m:sSubPr>
+                              <m:ctrlPr>
+                                <a:rPr lang="pt-BR" i="1">
+                                  <a:latin typeface="Cambria Math"/>
+                                  <a:ea typeface="Cambria Math"/>
+                                </a:rPr>
+                              </m:ctrlPr>
+                            </m:sSubPr>
+                            <m:e>
+                              <m:r>
+                                <a:rPr lang="pt-BR" i="1">
+                                  <a:latin typeface="Cambria Math"/>
+                                  <a:ea typeface="Cambria Math"/>
+                                </a:rPr>
+                                <m:t>𝑖</m:t>
+                              </m:r>
+                            </m:e>
+                            <m:sub>
+                              <m:r>
+                                <a:rPr lang="pt-BR" b="0" i="1" smtClean="0">
+                                  <a:latin typeface="Cambria Math"/>
+                                  <a:ea typeface="Cambria Math"/>
+                                </a:rPr>
+                                <m:t>𝑝</m:t>
+                              </m:r>
+                            </m:sub>
+                          </m:sSub>
+                          <m:r>
+                            <a:rPr lang="pt-BR" i="1">
+                              <a:latin typeface="Cambria Math"/>
+                              <a:ea typeface="Cambria Math"/>
+                            </a:rPr>
+                            <m:t>)</m:t>
+                          </m:r>
+                        </m:e>
+                        <m:sup>
+                          <m:r>
+                            <a:rPr lang="pt-BR" b="0" i="1" smtClean="0">
+                              <a:latin typeface="Cambria Math"/>
+                              <a:ea typeface="Cambria Math"/>
+                            </a:rPr>
+                            <m:t>𝑛</m:t>
+                          </m:r>
+                        </m:sup>
+                      </m:sSup>
+                    </m:oMath>
+                  </m:oMathPara>
+                </a14:m>
+                <a:endParaRPr lang="pt-BR" dirty="0" smtClean="0"/>
+              </a:p>
+              <a:p>
+                <a:pPr algn="ctr"/>
+                <a14:m>
+                  <m:oMathPara xmlns:m="http://schemas.openxmlformats.org/officeDocument/2006/math">
+                    <m:oMathParaPr>
+                      <m:jc m:val="centerGroup"/>
+                    </m:oMathParaPr>
+                    <m:oMath xmlns:m="http://schemas.openxmlformats.org/officeDocument/2006/math">
+                      <m:sSub>
+                        <m:sSubPr>
+                          <m:ctrlPr>
+                            <a:rPr lang="pt-BR" i="1">
+                              <a:latin typeface="Cambria Math"/>
+                            </a:rPr>
+                          </m:ctrlPr>
+                        </m:sSubPr>
+                        <m:e>
+                          <m:r>
+                            <a:rPr lang="pt-BR" i="1">
+                              <a:latin typeface="Cambria Math"/>
+                            </a:rPr>
+                            <m:t>𝑖</m:t>
+                          </m:r>
+                        </m:e>
+                        <m:sub>
+                          <m:r>
+                            <a:rPr lang="pt-BR" b="0" i="1" smtClean="0">
+                              <a:latin typeface="Cambria Math"/>
+                            </a:rPr>
+                            <m:t>1</m:t>
+                          </m:r>
+                        </m:sub>
+                      </m:sSub>
+                      <m:r>
+                        <a:rPr lang="pt-BR" i="1">
+                          <a:latin typeface="Cambria Math"/>
+                          <a:ea typeface="Cambria Math"/>
+                        </a:rPr>
+                        <m:t>=1 − </m:t>
+                      </m:r>
+                      <m:sSup>
+                        <m:sSupPr>
+                          <m:ctrlPr>
+                            <a:rPr lang="pt-BR" i="1">
+                              <a:latin typeface="Cambria Math"/>
+                              <a:ea typeface="Cambria Math"/>
+                            </a:rPr>
+                          </m:ctrlPr>
+                        </m:sSupPr>
+                        <m:e>
+                          <m:r>
+                            <a:rPr lang="pt-BR" i="1">
+                              <a:latin typeface="Cambria Math"/>
+                              <a:ea typeface="Cambria Math"/>
+                            </a:rPr>
+                            <m:t>(1+</m:t>
+                          </m:r>
+                          <m:r>
+                            <a:rPr lang="pt-BR" b="0" i="1" smtClean="0">
+                              <a:latin typeface="Cambria Math"/>
+                              <a:ea typeface="Cambria Math"/>
+                            </a:rPr>
+                            <m:t>0,5</m:t>
+                          </m:r>
+                          <m:r>
+                            <a:rPr lang="pt-BR" i="1">
+                              <a:latin typeface="Cambria Math"/>
+                              <a:ea typeface="Cambria Math"/>
+                            </a:rPr>
+                            <m:t>)</m:t>
+                          </m:r>
+                        </m:e>
+                        <m:sup>
+                          <m:f>
+                            <m:fPr>
+                              <m:ctrlPr>
+                                <a:rPr lang="pt-BR" i="1">
+                                  <a:latin typeface="Cambria Math"/>
+                                  <a:ea typeface="Cambria Math"/>
+                                </a:rPr>
+                              </m:ctrlPr>
+                            </m:fPr>
+                            <m:num>
+                              <m:r>
+                                <a:rPr lang="pt-BR" b="0" i="1" smtClean="0">
+                                  <a:latin typeface="Cambria Math"/>
+                                  <a:ea typeface="Cambria Math"/>
+                                </a:rPr>
+                                <m:t>1</m:t>
+                              </m:r>
+                            </m:num>
+                            <m:den>
+                              <m:r>
+                                <a:rPr lang="pt-BR" i="1">
+                                  <a:latin typeface="Cambria Math"/>
+                                  <a:ea typeface="Cambria Math"/>
+                                </a:rPr>
+                                <m:t>1</m:t>
+                              </m:r>
+                              <m:r>
+                                <a:rPr lang="pt-BR" b="0" i="1" smtClean="0">
+                                  <a:latin typeface="Cambria Math"/>
+                                  <a:ea typeface="Cambria Math"/>
+                                </a:rPr>
+                                <m:t>0</m:t>
+                              </m:r>
+                            </m:den>
+                          </m:f>
+                        </m:sup>
+                      </m:sSup>
+                    </m:oMath>
+                  </m:oMathPara>
+                </a14:m>
+                <a:endParaRPr lang="pt-BR" dirty="0"/>
+              </a:p>
+              <a:p>
+                <a:pPr algn="ctr"/>
+                <a14:m>
+                  <m:oMathPara xmlns:m="http://schemas.openxmlformats.org/officeDocument/2006/math">
+                    <m:oMathParaPr>
+                      <m:jc m:val="centerGroup"/>
+                    </m:oMathParaPr>
+                    <m:oMath xmlns:m="http://schemas.openxmlformats.org/officeDocument/2006/math">
+                      <m:sSub>
+                        <m:sSubPr>
+                          <m:ctrlPr>
+                            <a:rPr lang="pt-BR" i="1">
+                              <a:latin typeface="Cambria Math"/>
+                            </a:rPr>
+                          </m:ctrlPr>
+                        </m:sSubPr>
+                        <m:e>
+                          <m:r>
+                            <a:rPr lang="pt-BR" i="1">
+                              <a:latin typeface="Cambria Math"/>
+                            </a:rPr>
+                            <m:t>𝑖</m:t>
+                          </m:r>
+                        </m:e>
+                        <m:sub>
+                          <m:r>
+                            <a:rPr lang="pt-BR" b="0" i="1" smtClean="0">
+                              <a:latin typeface="Cambria Math"/>
+                            </a:rPr>
+                            <m:t>1</m:t>
+                          </m:r>
+                        </m:sub>
+                      </m:sSub>
+                      <m:r>
+                        <a:rPr lang="pt-BR" i="1">
+                          <a:latin typeface="Cambria Math"/>
+                          <a:ea typeface="Cambria Math"/>
+                        </a:rPr>
+                        <m:t>=1 − </m:t>
+                      </m:r>
+                      <m:sSup>
+                        <m:sSupPr>
+                          <m:ctrlPr>
+                            <a:rPr lang="pt-BR" i="1">
+                              <a:latin typeface="Cambria Math"/>
+                              <a:ea typeface="Cambria Math"/>
+                            </a:rPr>
+                          </m:ctrlPr>
+                        </m:sSupPr>
+                        <m:e>
+                          <m:d>
+                            <m:dPr>
+                              <m:ctrlPr>
+                                <a:rPr lang="pt-BR" b="0" i="1">
+                                  <a:latin typeface="Cambria Math"/>
+                                  <a:ea typeface="Cambria Math"/>
+                                </a:rPr>
+                              </m:ctrlPr>
+                            </m:dPr>
+                            <m:e>
+                              <m:r>
+                                <a:rPr lang="pt-BR" b="0" i="1" smtClean="0">
+                                  <a:latin typeface="Cambria Math"/>
+                                  <a:ea typeface="Cambria Math"/>
+                                </a:rPr>
+                                <m:t>1</m:t>
+                              </m:r>
+                              <m:r>
+                                <a:rPr lang="pt-BR" i="1">
+                                  <a:latin typeface="Cambria Math"/>
+                                  <a:ea typeface="Cambria Math"/>
+                                </a:rPr>
+                                <m:t>,</m:t>
+                              </m:r>
+                              <m:r>
+                                <a:rPr lang="pt-BR" b="0" i="1" smtClean="0">
+                                  <a:latin typeface="Cambria Math"/>
+                                  <a:ea typeface="Cambria Math"/>
+                                </a:rPr>
+                                <m:t>5</m:t>
+                              </m:r>
+                            </m:e>
+                          </m:d>
+                        </m:e>
+                        <m:sup>
+                          <m:r>
+                            <a:rPr lang="pt-BR" b="0" i="1" smtClean="0">
+                              <a:latin typeface="Cambria Math"/>
+                              <a:ea typeface="Cambria Math"/>
+                            </a:rPr>
+                            <m:t>0,1</m:t>
+                          </m:r>
+                        </m:sup>
+                      </m:sSup>
+                    </m:oMath>
+                  </m:oMathPara>
+                </a14:m>
+                <a:endParaRPr lang="pt-BR" dirty="0" smtClean="0">
+                  <a:ea typeface="Cambria Math"/>
+                </a:endParaRPr>
+              </a:p>
+              <a:p>
+                <a:pPr algn="ctr"/>
+                <a14:m>
+                  <m:oMathPara xmlns:m="http://schemas.openxmlformats.org/officeDocument/2006/math">
+                    <m:oMathParaPr>
+                      <m:jc m:val="centerGroup"/>
+                    </m:oMathParaPr>
+                    <m:oMath xmlns:m="http://schemas.openxmlformats.org/officeDocument/2006/math">
+                      <m:sSub>
+                        <m:sSubPr>
+                          <m:ctrlPr>
+                            <a:rPr lang="pt-BR" i="1">
+                              <a:latin typeface="Cambria Math"/>
+                            </a:rPr>
+                          </m:ctrlPr>
+                        </m:sSubPr>
+                        <m:e>
+                          <m:r>
+                            <a:rPr lang="pt-BR" i="1">
+                              <a:latin typeface="Cambria Math"/>
+                            </a:rPr>
+                            <m:t>𝑖</m:t>
+                          </m:r>
+                        </m:e>
+                        <m:sub>
+                          <m:r>
+                            <a:rPr lang="pt-BR" i="1" smtClean="0">
+                              <a:latin typeface="Cambria Math"/>
+                            </a:rPr>
+                            <m:t>1</m:t>
+                          </m:r>
+                        </m:sub>
+                      </m:sSub>
+                      <m:r>
+                        <a:rPr lang="pt-BR" i="1">
+                          <a:latin typeface="Cambria Math"/>
+                          <a:ea typeface="Cambria Math"/>
+                        </a:rPr>
+                        <m:t>=1 −</m:t>
+                      </m:r>
+                      <m:r>
+                        <a:rPr lang="pt-BR" b="0" i="1" smtClean="0">
+                          <a:latin typeface="Cambria Math"/>
+                          <a:ea typeface="Cambria Math"/>
+                        </a:rPr>
+                        <m:t>1,0414</m:t>
+                      </m:r>
+                    </m:oMath>
+                  </m:oMathPara>
+                </a14:m>
+                <a:endParaRPr lang="pt-BR" dirty="0" smtClean="0"/>
+              </a:p>
+              <a:p>
+                <a:pPr algn="ctr"/>
+                <a:endParaRPr lang="pt-BR" dirty="0"/>
+              </a:p>
+              <a:p>
+                <a:pPr algn="ctr"/>
+                <a14:m>
+                  <m:oMath xmlns:m="http://schemas.openxmlformats.org/officeDocument/2006/math">
+                    <m:sSub>
+                      <m:sSubPr>
+                        <m:ctrlPr>
+                          <a:rPr lang="pt-BR" i="1">
+                            <a:latin typeface="Cambria Math"/>
+                          </a:rPr>
+                        </m:ctrlPr>
+                      </m:sSubPr>
+                      <m:e>
+                        <m:r>
+                          <a:rPr lang="pt-BR" i="1">
+                            <a:latin typeface="Cambria Math"/>
+                          </a:rPr>
+                          <m:t>𝑖</m:t>
+                        </m:r>
+                      </m:e>
+                      <m:sub>
+                        <m:r>
+                          <a:rPr lang="pt-BR" b="0" i="1" smtClean="0">
+                            <a:latin typeface="Cambria Math"/>
+                          </a:rPr>
+                          <m:t>1</m:t>
+                        </m:r>
+                      </m:sub>
+                    </m:sSub>
+                    <m:r>
+                      <a:rPr lang="pt-BR" i="1">
+                        <a:latin typeface="Cambria Math"/>
+                        <a:ea typeface="Cambria Math"/>
+                      </a:rPr>
+                      <m:t>=</m:t>
+                    </m:r>
+                  </m:oMath>
+                </a14:m>
+                <a:r>
+                  <a:rPr lang="pt-BR" dirty="0" smtClean="0"/>
+                  <a:t> </a:t>
+                </a:r>
+                <a:r>
+                  <a:rPr lang="pt-BR" u="sng" dirty="0" smtClean="0"/>
+                  <a:t>4,14%</a:t>
+                </a:r>
+                <a:endParaRPr lang="pt-BR" u="sng" dirty="0"/>
+              </a:p>
+              <a:p>
+                <a:endParaRPr lang="pt-BR" dirty="0"/>
+              </a:p>
+            </p:txBody>
+          </p:sp>
+        </mc:Choice>
+        <mc:Fallback>
+          <p:sp>
+            <p:nvSpPr>
+              <p:cNvPr id="3" name="CaixaDeTexto 2"/>
+              <p:cNvSpPr txBox="1">
+                <a:spLocks noRot="1" noChangeAspect="1" noMove="1" noResize="1" noEditPoints="1" noAdjustHandles="1" noChangeArrowheads="1" noChangeShapeType="1" noTextEdit="1"/>
+              </p:cNvSpPr>
+              <p:nvPr/>
+            </p:nvSpPr>
+            <p:spPr>
+              <a:xfrm>
+                <a:off x="1330419" y="1988840"/>
+                <a:ext cx="2552750" cy="2455416"/>
+              </a:xfrm>
+              <a:prstGeom prst="rect">
+                <a:avLst/>
+              </a:prstGeom>
+              <a:blipFill rotWithShape="1">
+                <a:blip r:embed="rId2"/>
+                <a:stretch>
+                  <a:fillRect t="-1241"/>
+                </a:stretch>
+              </a:blipFill>
+            </p:spPr>
+            <p:txBody>
+              <a:bodyPr/>
+              <a:lstStyle/>
+              <a:p>
+                <a:r>
+                  <a:rPr lang="pt-BR">
+                    <a:noFill/>
+                  </a:rPr>
+                  <a:t> </a:t>
+                </a:r>
+              </a:p>
+            </p:txBody>
+          </p:sp>
+        </mc:Fallback>
+      </mc:AlternateContent>
+      <mc:AlternateContent xmlns:mc="http://schemas.openxmlformats.org/markup-compatibility/2006">
+        <mc:Choice xmlns:a14="http://schemas.microsoft.com/office/drawing/2010/main" Requires="a14">
+          <p:sp>
+            <p:nvSpPr>
+              <p:cNvPr id="4" name="CaixaDeTexto 3"/>
+              <p:cNvSpPr txBox="1"/>
+              <p:nvPr/>
+            </p:nvSpPr>
+            <p:spPr>
+              <a:xfrm>
+                <a:off x="4802679" y="2141240"/>
+                <a:ext cx="2953053" cy="2308324"/>
+              </a:xfrm>
+              <a:prstGeom prst="rect">
+                <a:avLst/>
+              </a:prstGeom>
+              <a:noFill/>
+            </p:spPr>
+            <p:txBody>
+              <a:bodyPr wrap="none" rtlCol="0">
+                <a:spAutoFit/>
+              </a:bodyPr>
+              <a:lstStyle/>
+              <a:p>
+                <a:pPr algn="ctr"/>
+                <a:r>
+                  <a:rPr lang="pt-BR" b="1" dirty="0" smtClean="0"/>
+                  <a:t>HP 12c</a:t>
+                </a:r>
+              </a:p>
+              <a:p>
+                <a:r>
+                  <a:rPr lang="pt-BR" dirty="0" smtClean="0"/>
+                  <a:t>100 CHS PV</a:t>
+                </a:r>
+              </a:p>
+              <a:p>
+                <a:r>
+                  <a:rPr lang="pt-BR" dirty="0" smtClean="0"/>
+                  <a:t>50 i</a:t>
+                </a:r>
+              </a:p>
+              <a:p>
+                <a:r>
+                  <a:rPr lang="pt-BR" dirty="0"/>
+                  <a:t>1</a:t>
+                </a:r>
+                <a:r>
+                  <a:rPr lang="pt-BR" dirty="0" smtClean="0"/>
+                  <a:t> [</a:t>
+                </a:r>
+                <a:r>
+                  <a:rPr lang="pt-BR" dirty="0" err="1" smtClean="0"/>
+                  <a:t>Enter</a:t>
+                </a:r>
+                <a:r>
+                  <a:rPr lang="pt-BR" dirty="0" smtClean="0"/>
+                  <a:t>]</a:t>
+                </a:r>
+              </a:p>
+              <a:p>
+                <a:r>
+                  <a:rPr lang="pt-BR" dirty="0" smtClean="0"/>
+                  <a:t>10 </a:t>
+                </a:r>
+                <a14:m>
+                  <m:oMath xmlns:m="http://schemas.openxmlformats.org/officeDocument/2006/math">
+                    <m:r>
+                      <a:rPr lang="pt-BR" i="1" smtClean="0">
+                        <a:latin typeface="Cambria Math"/>
+                        <a:ea typeface="Cambria Math"/>
+                      </a:rPr>
+                      <m:t>÷</m:t>
+                    </m:r>
+                  </m:oMath>
+                </a14:m>
+                <a:endParaRPr lang="pt-BR" dirty="0" smtClean="0">
+                  <a:ea typeface="Cambria Math"/>
+                </a:endParaRPr>
+              </a:p>
+              <a:p>
+                <a:r>
+                  <a:rPr lang="pt-BR" dirty="0" smtClean="0"/>
+                  <a:t>n</a:t>
+                </a:r>
+              </a:p>
+              <a:p>
+                <a:r>
+                  <a:rPr lang="pt-BR" dirty="0" smtClean="0"/>
+                  <a:t>FV		</a:t>
+                </a:r>
+                <a:r>
+                  <a:rPr lang="pt-BR" dirty="0" smtClean="0">
+                    <a:sym typeface="Wingdings" pitchFamily="2" charset="2"/>
+                  </a:rPr>
+                  <a:t> 104,14</a:t>
+                </a:r>
+              </a:p>
+              <a:p>
+                <a:r>
+                  <a:rPr lang="pt-BR" dirty="0" smtClean="0">
+                    <a:sym typeface="Wingdings" pitchFamily="2" charset="2"/>
+                  </a:rPr>
+                  <a:t>100- 		</a:t>
+                </a:r>
+                <a:r>
+                  <a:rPr lang="pt-BR" u="sng" dirty="0" smtClean="0">
+                    <a:sym typeface="Wingdings" pitchFamily="2" charset="2"/>
+                  </a:rPr>
+                  <a:t>4,14%</a:t>
+                </a:r>
+                <a:endParaRPr lang="pt-BR" u="sng" dirty="0" smtClean="0"/>
+              </a:p>
+            </p:txBody>
+          </p:sp>
+        </mc:Choice>
+        <mc:Fallback>
+          <p:sp>
+            <p:nvSpPr>
+              <p:cNvPr id="4" name="CaixaDeTexto 3"/>
+              <p:cNvSpPr txBox="1">
+                <a:spLocks noRot="1" noChangeAspect="1" noMove="1" noResize="1" noEditPoints="1" noAdjustHandles="1" noChangeArrowheads="1" noChangeShapeType="1" noTextEdit="1"/>
+              </p:cNvSpPr>
+              <p:nvPr/>
+            </p:nvSpPr>
+            <p:spPr>
+              <a:xfrm>
+                <a:off x="4802679" y="2141240"/>
+                <a:ext cx="2953053" cy="2308324"/>
+              </a:xfrm>
+              <a:prstGeom prst="rect">
+                <a:avLst/>
+              </a:prstGeom>
+              <a:blipFill rotWithShape="1">
+                <a:blip r:embed="rId3"/>
+                <a:stretch>
+                  <a:fillRect l="-1860" t="-1319" r="-620" b="-3166"/>
+                </a:stretch>
+              </a:blipFill>
+            </p:spPr>
+            <p:txBody>
+              <a:bodyPr/>
+              <a:lstStyle/>
+              <a:p>
+                <a:r>
+                  <a:rPr lang="pt-BR">
+                    <a:noFill/>
+                  </a:rPr>
+                  <a:t> </a:t>
+                </a:r>
+              </a:p>
+            </p:txBody>
+          </p:sp>
+        </mc:Fallback>
+      </mc:AlternateContent>
+    </p:spTree>
+    <p:extLst>
+      <p:ext uri="{BB962C8B-B14F-4D97-AF65-F5344CB8AC3E}">
+        <p14:creationId xmlns:p14="http://schemas.microsoft.com/office/powerpoint/2010/main" val="494882032"/>
+      </p:ext>
+    </p:extLst>
+  </p:cSld>
+  <p:clrMapOvr>
+    <a:masterClrMapping/>
+  </p:clrMapOvr>
+</p:sld>
+</file>
+
+<file path=ppt/slides/slide15.xml><?xml version="1.0" encoding="utf-8"?>
+<p:sld xmlns:a="http://schemas.openxmlformats.org/drawingml/2006/main" xmlns:r="http://schemas.openxmlformats.org/officeDocument/2006/relationships" xmlns:p="http://schemas.openxmlformats.org/presentationml/2006/main">
+  <p:cSld>
+    <p:spTree>
+      <p:nvGrpSpPr>
+        <p:cNvPr id="1" name=""/>
+        <p:cNvGrpSpPr/>
+        <p:nvPr/>
+      </p:nvGrpSpPr>
+      <p:grpSpPr>
+        <a:xfrm>
+          <a:off x="0" y="0"/>
+          <a:ext cx="0" cy="0"/>
+          <a:chOff x="0" y="0"/>
+          <a:chExt cx="0" cy="0"/>
+        </a:xfrm>
+      </p:grpSpPr>
+      <p:sp>
+        <p:nvSpPr>
+          <p:cNvPr id="2" name="Elipse 1"/>
+          <p:cNvSpPr/>
+          <p:nvPr/>
+        </p:nvSpPr>
+        <p:spPr>
+          <a:xfrm>
+            <a:off x="107504" y="44624"/>
+            <a:ext cx="821770" cy="792088"/>
+          </a:xfrm>
+          <a:prstGeom prst="ellipse">
+            <a:avLst/>
+          </a:prstGeom>
+        </p:spPr>
+        <p:style>
+          <a:lnRef idx="2">
+            <a:schemeClr val="accent1">
+              <a:shade val="50000"/>
+            </a:schemeClr>
+          </a:lnRef>
+          <a:fillRef idx="1">
+            <a:schemeClr val="accent1"/>
+          </a:fillRef>
+          <a:effectRef idx="0">
+            <a:schemeClr val="accent1"/>
+          </a:effectRef>
+          <a:fontRef idx="minor">
+            <a:schemeClr val="lt1"/>
+          </a:fontRef>
+        </p:style>
+        <p:txBody>
+          <a:bodyPr rtlCol="0" anchor="ctr"/>
+          <a:lstStyle/>
+          <a:p>
+            <a:pPr algn="ctr"/>
+            <a:r>
+              <a:rPr lang="pt-BR" dirty="0" smtClean="0"/>
+              <a:t>10</a:t>
+            </a:r>
+            <a:endParaRPr lang="pt-BR" dirty="0"/>
+          </a:p>
+        </p:txBody>
+      </p:sp>
+      <mc:AlternateContent xmlns:mc="http://schemas.openxmlformats.org/markup-compatibility/2006">
+        <mc:Choice xmlns:a14="http://schemas.microsoft.com/office/drawing/2010/main" Requires="a14">
+          <p:sp>
+            <p:nvSpPr>
+              <p:cNvPr id="3" name="CaixaDeTexto 2"/>
+              <p:cNvSpPr txBox="1"/>
+              <p:nvPr/>
+            </p:nvSpPr>
+            <p:spPr>
+              <a:xfrm>
+                <a:off x="839550" y="1988840"/>
+                <a:ext cx="3534494" cy="3563668"/>
+              </a:xfrm>
+              <a:prstGeom prst="rect">
+                <a:avLst/>
+              </a:prstGeom>
+              <a:noFill/>
+            </p:spPr>
+            <p:txBody>
+              <a:bodyPr wrap="none" rtlCol="0">
+                <a:spAutoFit/>
+              </a:bodyPr>
+              <a:lstStyle/>
+              <a:p>
+                <a:pPr algn="ctr"/>
+                <a:r>
+                  <a:rPr lang="pt-BR" b="1" dirty="0" smtClean="0"/>
+                  <a:t>Fórmula</a:t>
+                </a:r>
+              </a:p>
+              <a:p>
+                <a:pPr algn="ctr"/>
+                <a14:m>
+                  <m:oMathPara xmlns:m="http://schemas.openxmlformats.org/officeDocument/2006/math">
+                    <m:oMathParaPr>
+                      <m:jc m:val="centerGroup"/>
+                    </m:oMathParaPr>
+                    <m:oMath xmlns:m="http://schemas.openxmlformats.org/officeDocument/2006/math">
+                      <m:sSub>
+                        <m:sSubPr>
+                          <m:ctrlPr>
+                            <a:rPr lang="pt-BR" i="1" smtClean="0">
+                              <a:latin typeface="Cambria Math"/>
+                            </a:rPr>
+                          </m:ctrlPr>
+                        </m:sSubPr>
+                        <m:e>
+                          <m:r>
+                            <a:rPr lang="pt-BR" b="0" i="1" smtClean="0">
+                              <a:latin typeface="Cambria Math"/>
+                            </a:rPr>
+                            <m:t>𝑖</m:t>
+                          </m:r>
+                        </m:e>
+                        <m:sub>
+                          <m:r>
+                            <a:rPr lang="pt-BR" b="0" i="1" smtClean="0">
+                              <a:latin typeface="Cambria Math"/>
+                            </a:rPr>
+                            <m:t>𝑘</m:t>
+                          </m:r>
+                        </m:sub>
+                      </m:sSub>
+                      <m:r>
+                        <a:rPr lang="pt-BR" i="1" smtClean="0">
+                          <a:latin typeface="Cambria Math"/>
+                          <a:ea typeface="Cambria Math"/>
+                        </a:rPr>
+                        <m:t>=</m:t>
+                      </m:r>
+                      <m:r>
+                        <a:rPr lang="pt-BR" b="0" i="1" smtClean="0">
+                          <a:latin typeface="Cambria Math"/>
+                          <a:ea typeface="Cambria Math"/>
+                        </a:rPr>
+                        <m:t>1 − </m:t>
+                      </m:r>
+                      <m:sSup>
+                        <m:sSupPr>
+                          <m:ctrlPr>
+                            <a:rPr lang="pt-BR" b="0" i="1" smtClean="0">
+                              <a:latin typeface="Cambria Math"/>
+                              <a:ea typeface="Cambria Math"/>
+                            </a:rPr>
+                          </m:ctrlPr>
+                        </m:sSupPr>
+                        <m:e>
+                          <m:r>
+                            <a:rPr lang="pt-BR" i="1">
+                              <a:latin typeface="Cambria Math"/>
+                              <a:ea typeface="Cambria Math"/>
+                            </a:rPr>
+                            <m:t>(1+</m:t>
+                          </m:r>
+                          <m:sSub>
+                            <m:sSubPr>
+                              <m:ctrlPr>
+                                <a:rPr lang="pt-BR" i="1">
+                                  <a:latin typeface="Cambria Math"/>
+                                  <a:ea typeface="Cambria Math"/>
+                                </a:rPr>
+                              </m:ctrlPr>
+                            </m:sSubPr>
+                            <m:e>
+                              <m:r>
+                                <a:rPr lang="pt-BR" i="1">
+                                  <a:latin typeface="Cambria Math"/>
+                                  <a:ea typeface="Cambria Math"/>
+                                </a:rPr>
+                                <m:t>𝑖</m:t>
+                              </m:r>
+                            </m:e>
+                            <m:sub>
+                              <m:r>
+                                <a:rPr lang="pt-BR" b="0" i="1" smtClean="0">
+                                  <a:latin typeface="Cambria Math"/>
+                                  <a:ea typeface="Cambria Math"/>
+                                </a:rPr>
+                                <m:t>𝑝</m:t>
+                              </m:r>
+                            </m:sub>
+                          </m:sSub>
+                          <m:r>
+                            <a:rPr lang="pt-BR" i="1">
+                              <a:latin typeface="Cambria Math"/>
+                              <a:ea typeface="Cambria Math"/>
+                            </a:rPr>
+                            <m:t>)</m:t>
+                          </m:r>
+                        </m:e>
+                        <m:sup>
+                          <m:r>
+                            <a:rPr lang="pt-BR" b="0" i="1" smtClean="0">
+                              <a:latin typeface="Cambria Math"/>
+                              <a:ea typeface="Cambria Math"/>
+                            </a:rPr>
+                            <m:t>𝑛</m:t>
+                          </m:r>
+                        </m:sup>
+                      </m:sSup>
+                    </m:oMath>
+                  </m:oMathPara>
+                </a14:m>
+                <a:endParaRPr lang="pt-BR" dirty="0" smtClean="0"/>
+              </a:p>
+              <a:p>
+                <a:pPr algn="ctr"/>
+                <a14:m>
+                  <m:oMathPara xmlns:m="http://schemas.openxmlformats.org/officeDocument/2006/math">
+                    <m:oMathParaPr>
+                      <m:jc m:val="centerGroup"/>
+                    </m:oMathParaPr>
+                    <m:oMath xmlns:m="http://schemas.openxmlformats.org/officeDocument/2006/math">
+                      <m:sSub>
+                        <m:sSubPr>
+                          <m:ctrlPr>
+                            <a:rPr lang="pt-BR" i="1">
+                              <a:latin typeface="Cambria Math"/>
+                            </a:rPr>
+                          </m:ctrlPr>
+                        </m:sSubPr>
+                        <m:e>
+                          <m:r>
+                            <a:rPr lang="pt-BR" i="1">
+                              <a:latin typeface="Cambria Math"/>
+                            </a:rPr>
+                            <m:t>𝑖</m:t>
+                          </m:r>
+                        </m:e>
+                        <m:sub>
+                          <m:r>
+                            <a:rPr lang="pt-BR" b="0" i="1" smtClean="0">
+                              <a:latin typeface="Cambria Math"/>
+                            </a:rPr>
+                            <m:t>34</m:t>
+                          </m:r>
+                        </m:sub>
+                      </m:sSub>
+                      <m:r>
+                        <a:rPr lang="pt-BR" i="1">
+                          <a:latin typeface="Cambria Math"/>
+                          <a:ea typeface="Cambria Math"/>
+                        </a:rPr>
+                        <m:t>=1 − </m:t>
+                      </m:r>
+                      <m:sSup>
+                        <m:sSupPr>
+                          <m:ctrlPr>
+                            <a:rPr lang="pt-BR" i="1">
+                              <a:latin typeface="Cambria Math"/>
+                              <a:ea typeface="Cambria Math"/>
+                            </a:rPr>
+                          </m:ctrlPr>
+                        </m:sSupPr>
+                        <m:e>
+                          <m:r>
+                            <a:rPr lang="pt-BR" i="1">
+                              <a:latin typeface="Cambria Math"/>
+                              <a:ea typeface="Cambria Math"/>
+                            </a:rPr>
+                            <m:t>(1+</m:t>
+                          </m:r>
+                          <m:r>
+                            <a:rPr lang="pt-BR" b="0" i="1" smtClean="0">
+                              <a:latin typeface="Cambria Math"/>
+                              <a:ea typeface="Cambria Math"/>
+                            </a:rPr>
+                            <m:t>0,0295</m:t>
+                          </m:r>
+                          <m:r>
+                            <a:rPr lang="pt-BR" i="1">
+                              <a:latin typeface="Cambria Math"/>
+                              <a:ea typeface="Cambria Math"/>
+                            </a:rPr>
+                            <m:t>)</m:t>
+                          </m:r>
+                        </m:e>
+                        <m:sup>
+                          <m:f>
+                            <m:fPr>
+                              <m:ctrlPr>
+                                <a:rPr lang="pt-BR" i="1">
+                                  <a:latin typeface="Cambria Math"/>
+                                  <a:ea typeface="Cambria Math"/>
+                                </a:rPr>
+                              </m:ctrlPr>
+                            </m:fPr>
+                            <m:num>
+                              <m:r>
+                                <a:rPr lang="pt-BR" b="0" i="1" smtClean="0">
+                                  <a:latin typeface="Cambria Math"/>
+                                  <a:ea typeface="Cambria Math"/>
+                                </a:rPr>
+                                <m:t>34</m:t>
+                              </m:r>
+                            </m:num>
+                            <m:den>
+                              <m:r>
+                                <a:rPr lang="pt-BR" b="0" i="1" smtClean="0">
+                                  <a:latin typeface="Cambria Math"/>
+                                  <a:ea typeface="Cambria Math"/>
+                                </a:rPr>
+                                <m:t>31</m:t>
+                              </m:r>
+                            </m:den>
+                          </m:f>
+                        </m:sup>
+                      </m:sSup>
+                    </m:oMath>
+                  </m:oMathPara>
+                </a14:m>
+                <a:endParaRPr lang="pt-BR" dirty="0"/>
+              </a:p>
+              <a:p>
+                <a:pPr algn="ctr"/>
+                <a14:m>
+                  <m:oMathPara xmlns:m="http://schemas.openxmlformats.org/officeDocument/2006/math">
+                    <m:oMathParaPr>
+                      <m:jc m:val="centerGroup"/>
+                    </m:oMathParaPr>
+                    <m:oMath xmlns:m="http://schemas.openxmlformats.org/officeDocument/2006/math">
+                      <m:sSub>
+                        <m:sSubPr>
+                          <m:ctrlPr>
+                            <a:rPr lang="pt-BR" i="1">
+                              <a:latin typeface="Cambria Math"/>
+                            </a:rPr>
+                          </m:ctrlPr>
+                        </m:sSubPr>
+                        <m:e>
+                          <m:r>
+                            <a:rPr lang="pt-BR" i="1">
+                              <a:latin typeface="Cambria Math"/>
+                            </a:rPr>
+                            <m:t>𝑖</m:t>
+                          </m:r>
+                        </m:e>
+                        <m:sub>
+                          <m:r>
+                            <a:rPr lang="pt-BR" b="0" i="1" smtClean="0">
+                              <a:latin typeface="Cambria Math"/>
+                            </a:rPr>
+                            <m:t>34</m:t>
+                          </m:r>
+                        </m:sub>
+                      </m:sSub>
+                      <m:r>
+                        <a:rPr lang="pt-BR" i="1">
+                          <a:latin typeface="Cambria Math"/>
+                          <a:ea typeface="Cambria Math"/>
+                        </a:rPr>
+                        <m:t>=1 − </m:t>
+                      </m:r>
+                      <m:sSup>
+                        <m:sSupPr>
+                          <m:ctrlPr>
+                            <a:rPr lang="pt-BR" i="1">
+                              <a:latin typeface="Cambria Math"/>
+                              <a:ea typeface="Cambria Math"/>
+                            </a:rPr>
+                          </m:ctrlPr>
+                        </m:sSupPr>
+                        <m:e>
+                          <m:d>
+                            <m:dPr>
+                              <m:ctrlPr>
+                                <a:rPr lang="pt-BR" b="0" i="1">
+                                  <a:latin typeface="Cambria Math"/>
+                                  <a:ea typeface="Cambria Math"/>
+                                </a:rPr>
+                              </m:ctrlPr>
+                            </m:dPr>
+                            <m:e>
+                              <m:r>
+                                <a:rPr lang="pt-BR" b="0" i="1" smtClean="0">
+                                  <a:latin typeface="Cambria Math"/>
+                                  <a:ea typeface="Cambria Math"/>
+                                </a:rPr>
+                                <m:t>1</m:t>
+                              </m:r>
+                              <m:r>
+                                <a:rPr lang="pt-BR" i="1">
+                                  <a:latin typeface="Cambria Math"/>
+                                  <a:ea typeface="Cambria Math"/>
+                                </a:rPr>
+                                <m:t>,</m:t>
+                              </m:r>
+                              <m:r>
+                                <a:rPr lang="pt-BR" b="0" i="1" smtClean="0">
+                                  <a:latin typeface="Cambria Math"/>
+                                  <a:ea typeface="Cambria Math"/>
+                                </a:rPr>
+                                <m:t>5</m:t>
+                              </m:r>
+                            </m:e>
+                          </m:d>
+                        </m:e>
+                        <m:sup>
+                          <m:r>
+                            <a:rPr lang="pt-BR" b="0" i="1" smtClean="0">
+                              <a:latin typeface="Cambria Math"/>
+                              <a:ea typeface="Cambria Math"/>
+                            </a:rPr>
+                            <m:t>0,1</m:t>
+                          </m:r>
+                        </m:sup>
+                      </m:sSup>
+                    </m:oMath>
+                  </m:oMathPara>
+                </a14:m>
+                <a:endParaRPr lang="pt-BR" dirty="0" smtClean="0">
+                  <a:ea typeface="Cambria Math"/>
+                </a:endParaRPr>
+              </a:p>
+              <a:p>
+                <a:pPr algn="ctr"/>
+                <a14:m>
+                  <m:oMathPara xmlns:m="http://schemas.openxmlformats.org/officeDocument/2006/math">
+                    <m:oMathParaPr>
+                      <m:jc m:val="centerGroup"/>
+                    </m:oMathParaPr>
+                    <m:oMath xmlns:m="http://schemas.openxmlformats.org/officeDocument/2006/math">
+                      <m:sSub>
+                        <m:sSubPr>
+                          <m:ctrlPr>
+                            <a:rPr lang="pt-BR" i="1">
+                              <a:latin typeface="Cambria Math"/>
+                            </a:rPr>
+                          </m:ctrlPr>
+                        </m:sSubPr>
+                        <m:e>
+                          <m:r>
+                            <a:rPr lang="pt-BR" i="1">
+                              <a:latin typeface="Cambria Math"/>
+                            </a:rPr>
+                            <m:t>𝑖</m:t>
+                          </m:r>
+                        </m:e>
+                        <m:sub>
+                          <m:r>
+                            <a:rPr lang="pt-BR" b="0" i="1" smtClean="0">
+                              <a:latin typeface="Cambria Math"/>
+                            </a:rPr>
+                            <m:t>34</m:t>
+                          </m:r>
+                        </m:sub>
+                      </m:sSub>
+                      <m:r>
+                        <a:rPr lang="pt-BR" i="1">
+                          <a:latin typeface="Cambria Math"/>
+                          <a:ea typeface="Cambria Math"/>
+                        </a:rPr>
+                        <m:t>=1 −</m:t>
+                      </m:r>
+                      <m:r>
+                        <a:rPr lang="pt-BR" b="0" i="1" smtClean="0">
+                          <a:latin typeface="Cambria Math"/>
+                          <a:ea typeface="Cambria Math"/>
+                        </a:rPr>
+                        <m:t>1,0324</m:t>
+                      </m:r>
+                    </m:oMath>
+                  </m:oMathPara>
+                </a14:m>
+                <a:endParaRPr lang="pt-BR" dirty="0" smtClean="0"/>
+              </a:p>
+              <a:p>
+                <a:pPr algn="ctr"/>
+                <a:endParaRPr lang="pt-BR" dirty="0"/>
+              </a:p>
+              <a:p>
+                <a:pPr algn="ctr"/>
+                <a14:m>
+                  <m:oMath xmlns:m="http://schemas.openxmlformats.org/officeDocument/2006/math">
+                    <m:sSub>
+                      <m:sSubPr>
+                        <m:ctrlPr>
+                          <a:rPr lang="pt-BR" i="1">
+                            <a:latin typeface="Cambria Math"/>
+                          </a:rPr>
+                        </m:ctrlPr>
+                      </m:sSubPr>
+                      <m:e>
+                        <m:r>
+                          <a:rPr lang="pt-BR" i="1">
+                            <a:latin typeface="Cambria Math"/>
+                          </a:rPr>
+                          <m:t>𝑖</m:t>
+                        </m:r>
+                      </m:e>
+                      <m:sub>
+                        <m:r>
+                          <a:rPr lang="pt-BR" b="0" i="1" smtClean="0">
+                            <a:latin typeface="Cambria Math"/>
+                          </a:rPr>
+                          <m:t>34</m:t>
+                        </m:r>
+                      </m:sub>
+                    </m:sSub>
+                    <m:r>
+                      <a:rPr lang="pt-BR" i="1">
+                        <a:latin typeface="Cambria Math"/>
+                        <a:ea typeface="Cambria Math"/>
+                      </a:rPr>
+                      <m:t>=</m:t>
+                    </m:r>
+                  </m:oMath>
+                </a14:m>
+                <a:r>
+                  <a:rPr lang="pt-BR" dirty="0" smtClean="0"/>
+                  <a:t> 3,24%</a:t>
+                </a:r>
+              </a:p>
+              <a:p>
+                <a:pPr algn="ctr"/>
+                <a:endParaRPr lang="pt-BR" dirty="0"/>
+              </a:p>
+              <a:p>
+                <a:pPr algn="ctr"/>
+                <a:r>
+                  <a:rPr lang="pt-BR" dirty="0" smtClean="0"/>
+                  <a:t>Alternativa A = 3,24% em 34 d</a:t>
+                </a:r>
+              </a:p>
+              <a:p>
+                <a:pPr algn="ctr"/>
+                <a:r>
+                  <a:rPr lang="pt-BR" dirty="0" smtClean="0"/>
+                  <a:t>Alternativa B = 3,22% em 34d</a:t>
+                </a:r>
+              </a:p>
+              <a:p>
+                <a:pPr algn="ctr"/>
+                <a:r>
+                  <a:rPr lang="pt-BR" dirty="0" smtClean="0"/>
+                  <a:t>Resposta: </a:t>
+                </a:r>
+                <a:r>
+                  <a:rPr lang="pt-BR" u="sng" dirty="0" smtClean="0"/>
+                  <a:t>Opção A é mais vantajosa</a:t>
+                </a:r>
+                <a:endParaRPr lang="pt-BR" u="sng" dirty="0"/>
+              </a:p>
+              <a:p>
+                <a:endParaRPr lang="pt-BR" dirty="0"/>
+              </a:p>
+            </p:txBody>
+          </p:sp>
+        </mc:Choice>
+        <mc:Fallback>
+          <p:sp>
+            <p:nvSpPr>
+              <p:cNvPr id="3" name="CaixaDeTexto 2"/>
+              <p:cNvSpPr txBox="1">
+                <a:spLocks noRot="1" noChangeAspect="1" noMove="1" noResize="1" noEditPoints="1" noAdjustHandles="1" noChangeArrowheads="1" noChangeShapeType="1" noTextEdit="1"/>
+              </p:cNvSpPr>
+              <p:nvPr/>
+            </p:nvSpPr>
+            <p:spPr>
+              <a:xfrm>
+                <a:off x="839550" y="1988840"/>
+                <a:ext cx="3534494" cy="3563668"/>
+              </a:xfrm>
+              <a:prstGeom prst="rect">
+                <a:avLst/>
+              </a:prstGeom>
+              <a:blipFill rotWithShape="1">
+                <a:blip r:embed="rId2"/>
+                <a:stretch>
+                  <a:fillRect l="-1207" t="-855" r="-1034"/>
+                </a:stretch>
+              </a:blipFill>
+            </p:spPr>
+            <p:txBody>
+              <a:bodyPr/>
+              <a:lstStyle/>
+              <a:p>
+                <a:r>
+                  <a:rPr lang="pt-BR">
+                    <a:noFill/>
+                  </a:rPr>
+                  <a:t> </a:t>
+                </a:r>
+              </a:p>
+            </p:txBody>
+          </p:sp>
+        </mc:Fallback>
+      </mc:AlternateContent>
+      <mc:AlternateContent xmlns:mc="http://schemas.openxmlformats.org/markup-compatibility/2006">
+        <mc:Choice xmlns:a14="http://schemas.microsoft.com/office/drawing/2010/main" Requires="a14">
+          <p:sp>
+            <p:nvSpPr>
+              <p:cNvPr id="4" name="CaixaDeTexto 3"/>
+              <p:cNvSpPr txBox="1"/>
+              <p:nvPr/>
+            </p:nvSpPr>
+            <p:spPr>
+              <a:xfrm>
+                <a:off x="4565898" y="2060848"/>
+                <a:ext cx="3534494" cy="3139321"/>
+              </a:xfrm>
+              <a:prstGeom prst="rect">
+                <a:avLst/>
+              </a:prstGeom>
+              <a:noFill/>
+            </p:spPr>
+            <p:txBody>
+              <a:bodyPr wrap="none" rtlCol="0">
+                <a:spAutoFit/>
+              </a:bodyPr>
+              <a:lstStyle/>
+              <a:p>
+                <a:pPr algn="ctr"/>
+                <a:r>
+                  <a:rPr lang="pt-BR" b="1" dirty="0" smtClean="0"/>
+                  <a:t>HP 12c</a:t>
+                </a:r>
+              </a:p>
+              <a:p>
+                <a:r>
+                  <a:rPr lang="pt-BR" dirty="0" smtClean="0"/>
+                  <a:t>100 CHS PV</a:t>
+                </a:r>
+              </a:p>
+              <a:p>
+                <a:r>
+                  <a:rPr lang="pt-BR" dirty="0" smtClean="0"/>
+                  <a:t>3,22 i</a:t>
+                </a:r>
+              </a:p>
+              <a:p>
+                <a:r>
+                  <a:rPr lang="pt-BR" dirty="0" smtClean="0"/>
+                  <a:t>31 [</a:t>
+                </a:r>
+                <a:r>
+                  <a:rPr lang="pt-BR" dirty="0" err="1" smtClean="0"/>
+                  <a:t>Enter</a:t>
+                </a:r>
+                <a:r>
+                  <a:rPr lang="pt-BR" dirty="0" smtClean="0"/>
+                  <a:t>]</a:t>
+                </a:r>
+              </a:p>
+              <a:p>
+                <a:r>
+                  <a:rPr lang="pt-BR" dirty="0" smtClean="0"/>
+                  <a:t>34 </a:t>
+                </a:r>
+                <a14:m>
+                  <m:oMath xmlns:m="http://schemas.openxmlformats.org/officeDocument/2006/math">
+                    <m:r>
+                      <a:rPr lang="pt-BR" i="1" smtClean="0">
+                        <a:latin typeface="Cambria Math"/>
+                        <a:ea typeface="Cambria Math"/>
+                      </a:rPr>
+                      <m:t>÷</m:t>
+                    </m:r>
+                  </m:oMath>
+                </a14:m>
+                <a:endParaRPr lang="pt-BR" dirty="0" smtClean="0">
+                  <a:ea typeface="Cambria Math"/>
+                </a:endParaRPr>
+              </a:p>
+              <a:p>
+                <a:r>
+                  <a:rPr lang="pt-BR" dirty="0" smtClean="0"/>
+                  <a:t>n</a:t>
+                </a:r>
+              </a:p>
+              <a:p>
+                <a:r>
+                  <a:rPr lang="pt-BR" dirty="0" smtClean="0"/>
+                  <a:t>FV		</a:t>
+                </a:r>
+                <a:r>
+                  <a:rPr lang="pt-BR" dirty="0" smtClean="0">
+                    <a:sym typeface="Wingdings" pitchFamily="2" charset="2"/>
+                  </a:rPr>
+                  <a:t> 102,93</a:t>
+                </a:r>
+              </a:p>
+              <a:p>
+                <a:r>
+                  <a:rPr lang="pt-BR" dirty="0" smtClean="0">
+                    <a:sym typeface="Wingdings" pitchFamily="2" charset="2"/>
+                  </a:rPr>
+                  <a:t>100- 		2,93%</a:t>
+                </a:r>
+              </a:p>
+              <a:p>
+                <a:r>
+                  <a:rPr lang="pt-BR" dirty="0" smtClean="0">
+                    <a:sym typeface="Wingdings" pitchFamily="2" charset="2"/>
+                  </a:rPr>
+                  <a:t>A alternativa A = 2,95% em 31d</a:t>
+                </a:r>
+              </a:p>
+              <a:p>
+                <a:r>
+                  <a:rPr lang="pt-BR" smtClean="0">
+                    <a:sym typeface="Wingdings" pitchFamily="2" charset="2"/>
+                  </a:rPr>
+                  <a:t>A alternativa </a:t>
+                </a:r>
+                <a:r>
+                  <a:rPr lang="pt-BR" dirty="0" smtClean="0">
+                    <a:sym typeface="Wingdings" pitchFamily="2" charset="2"/>
+                  </a:rPr>
+                  <a:t>B = 2,93% em 31d</a:t>
+                </a:r>
+              </a:p>
+              <a:p>
+                <a:r>
+                  <a:rPr lang="pt-BR" dirty="0" smtClean="0">
+                    <a:sym typeface="Wingdings" pitchFamily="2" charset="2"/>
+                  </a:rPr>
+                  <a:t>Resposta: </a:t>
+                </a:r>
+                <a:r>
+                  <a:rPr lang="pt-BR" u="sng" dirty="0" smtClean="0">
+                    <a:sym typeface="Wingdings" pitchFamily="2" charset="2"/>
+                  </a:rPr>
+                  <a:t>Opção A é mais vantajosa</a:t>
+                </a:r>
+                <a:endParaRPr lang="pt-BR" u="sng" dirty="0" smtClean="0"/>
+              </a:p>
+            </p:txBody>
+          </p:sp>
+        </mc:Choice>
+        <mc:Fallback>
+          <p:sp>
+            <p:nvSpPr>
+              <p:cNvPr id="4" name="CaixaDeTexto 3"/>
+              <p:cNvSpPr txBox="1">
+                <a:spLocks noRot="1" noChangeAspect="1" noMove="1" noResize="1" noEditPoints="1" noAdjustHandles="1" noChangeArrowheads="1" noChangeShapeType="1" noTextEdit="1"/>
+              </p:cNvSpPr>
+              <p:nvPr/>
+            </p:nvSpPr>
+            <p:spPr>
+              <a:xfrm>
+                <a:off x="4565898" y="2060848"/>
+                <a:ext cx="3534494" cy="3139321"/>
+              </a:xfrm>
+              <a:prstGeom prst="rect">
+                <a:avLst/>
+              </a:prstGeom>
+              <a:blipFill rotWithShape="1">
+                <a:blip r:embed="rId3"/>
+                <a:stretch>
+                  <a:fillRect l="-1552" t="-971" r="-690" b="-2136"/>
+                </a:stretch>
+              </a:blipFill>
+            </p:spPr>
+            <p:txBody>
+              <a:bodyPr/>
+              <a:lstStyle/>
+              <a:p>
+                <a:r>
+                  <a:rPr lang="pt-BR">
+                    <a:noFill/>
+                  </a:rPr>
+                  <a:t> </a:t>
+                </a:r>
+              </a:p>
+            </p:txBody>
+          </p:sp>
+        </mc:Fallback>
+      </mc:AlternateContent>
+    </p:spTree>
+    <p:extLst>
+      <p:ext uri="{BB962C8B-B14F-4D97-AF65-F5344CB8AC3E}">
+        <p14:creationId xmlns:p14="http://schemas.microsoft.com/office/powerpoint/2010/main" val="3007746567"/>
       </p:ext>
     </p:extLst>
   </p:cSld>
@@ -5618,6 +11036,498 @@
 </file>
 
 <file path=ppt/slides/slide4.xml><?xml version="1.0" encoding="utf-8"?>
+<p:sld xmlns:a="http://schemas.openxmlformats.org/drawingml/2006/main" xmlns:r="http://schemas.openxmlformats.org/officeDocument/2006/relationships" xmlns:p="http://schemas.openxmlformats.org/presentationml/2006/main">
+  <p:cSld>
+    <p:spTree>
+      <p:nvGrpSpPr>
+        <p:cNvPr id="1" name=""/>
+        <p:cNvGrpSpPr/>
+        <p:nvPr/>
+      </p:nvGrpSpPr>
+      <p:grpSpPr>
+        <a:xfrm>
+          <a:off x="0" y="0"/>
+          <a:ext cx="0" cy="0"/>
+          <a:chOff x="0" y="0"/>
+          <a:chExt cx="0" cy="0"/>
+        </a:xfrm>
+      </p:grpSpPr>
+      <p:sp>
+        <p:nvSpPr>
+          <p:cNvPr id="2" name="CaixaDeTexto 1"/>
+          <p:cNvSpPr txBox="1"/>
+          <p:nvPr/>
+        </p:nvSpPr>
+        <p:spPr>
+          <a:xfrm>
+            <a:off x="827584" y="313598"/>
+            <a:ext cx="1840568" cy="2031325"/>
+          </a:xfrm>
+          <a:prstGeom prst="rect">
+            <a:avLst/>
+          </a:prstGeom>
+          <a:noFill/>
+        </p:spPr>
+        <p:txBody>
+          <a:bodyPr wrap="none" rtlCol="0">
+            <a:spAutoFit/>
+          </a:bodyPr>
+          <a:lstStyle/>
+          <a:p>
+            <a:r>
+              <a:rPr lang="pt-BR" dirty="0" smtClean="0"/>
+              <a:t>Opção A</a:t>
+            </a:r>
+          </a:p>
+          <a:p>
+            <a:r>
+              <a:rPr lang="pt-BR" dirty="0" smtClean="0"/>
+              <a:t>Sinal  = R$ 200,00</a:t>
+            </a:r>
+          </a:p>
+          <a:p>
+            <a:r>
+              <a:rPr lang="pt-BR" dirty="0" smtClean="0"/>
+              <a:t>C = ?</a:t>
+            </a:r>
+          </a:p>
+          <a:p>
+            <a:r>
+              <a:rPr lang="pt-BR" dirty="0" smtClean="0"/>
+              <a:t>i = 20%a.a.</a:t>
+            </a:r>
+          </a:p>
+          <a:p>
+            <a:r>
+              <a:rPr lang="pt-BR" dirty="0" smtClean="0"/>
+              <a:t>n = 2 a</a:t>
+            </a:r>
+          </a:p>
+          <a:p>
+            <a:r>
+              <a:rPr lang="pt-BR" dirty="0" smtClean="0"/>
+              <a:t>M = R$ 300,00</a:t>
+            </a:r>
+          </a:p>
+          <a:p>
+            <a:endParaRPr lang="pt-BR" dirty="0"/>
+          </a:p>
+        </p:txBody>
+      </p:sp>
+      <p:sp>
+        <p:nvSpPr>
+          <p:cNvPr id="3" name="CaixaDeTexto 2"/>
+          <p:cNvSpPr txBox="1"/>
+          <p:nvPr/>
+        </p:nvSpPr>
+        <p:spPr>
+          <a:xfrm>
+            <a:off x="6084168" y="313596"/>
+            <a:ext cx="1840568" cy="2031325"/>
+          </a:xfrm>
+          <a:prstGeom prst="rect">
+            <a:avLst/>
+          </a:prstGeom>
+          <a:noFill/>
+        </p:spPr>
+        <p:txBody>
+          <a:bodyPr wrap="none" rtlCol="0">
+            <a:spAutoFit/>
+          </a:bodyPr>
+          <a:lstStyle/>
+          <a:p>
+            <a:r>
+              <a:rPr lang="pt-BR" dirty="0" smtClean="0"/>
+              <a:t>Opção B</a:t>
+            </a:r>
+          </a:p>
+          <a:p>
+            <a:r>
+              <a:rPr lang="pt-BR" dirty="0" smtClean="0"/>
+              <a:t>Sinal  = R$ 240,00</a:t>
+            </a:r>
+          </a:p>
+          <a:p>
+            <a:r>
+              <a:rPr lang="pt-BR" dirty="0" smtClean="0"/>
+              <a:t>C = ?</a:t>
+            </a:r>
+          </a:p>
+          <a:p>
+            <a:r>
+              <a:rPr lang="pt-BR" dirty="0" smtClean="0"/>
+              <a:t>i = 20%a.a.</a:t>
+            </a:r>
+          </a:p>
+          <a:p>
+            <a:r>
+              <a:rPr lang="pt-BR" dirty="0" smtClean="0"/>
+              <a:t>n = 2 a</a:t>
+            </a:r>
+          </a:p>
+          <a:p>
+            <a:r>
+              <a:rPr lang="pt-BR" dirty="0" smtClean="0"/>
+              <a:t>M = R$ 245,00</a:t>
+            </a:r>
+          </a:p>
+          <a:p>
+            <a:endParaRPr lang="pt-BR" dirty="0"/>
+          </a:p>
+        </p:txBody>
+      </p:sp>
+      <p:sp>
+        <p:nvSpPr>
+          <p:cNvPr id="4" name="CaixaDeTexto 3"/>
+          <p:cNvSpPr txBox="1"/>
+          <p:nvPr/>
+        </p:nvSpPr>
+        <p:spPr>
+          <a:xfrm>
+            <a:off x="800409" y="2348880"/>
+            <a:ext cx="2953053" cy="2031325"/>
+          </a:xfrm>
+          <a:prstGeom prst="rect">
+            <a:avLst/>
+          </a:prstGeom>
+          <a:noFill/>
+        </p:spPr>
+        <p:txBody>
+          <a:bodyPr wrap="none" rtlCol="0">
+            <a:spAutoFit/>
+          </a:bodyPr>
+          <a:lstStyle/>
+          <a:p>
+            <a:pPr/>
+            <a:r>
+              <a:rPr lang="pt-BR" dirty="0" smtClean="0">
+                <a:ea typeface="Cambria Math"/>
+              </a:rPr>
+              <a:t>300 CHS FV</a:t>
+            </a:r>
+          </a:p>
+          <a:p>
+            <a:pPr/>
+            <a:r>
+              <a:rPr lang="pt-BR" dirty="0" smtClean="0">
+                <a:ea typeface="Cambria Math"/>
+              </a:rPr>
+              <a:t>20 i</a:t>
+            </a:r>
+          </a:p>
+          <a:p>
+            <a:pPr/>
+            <a:r>
+              <a:rPr lang="pt-BR" b="0" dirty="0" smtClean="0">
+                <a:ea typeface="Cambria Math"/>
+              </a:rPr>
+              <a:t>2 n</a:t>
+            </a:r>
+          </a:p>
+          <a:p>
+            <a:pPr/>
+            <a:r>
+              <a:rPr lang="pt-BR" dirty="0" smtClean="0">
+                <a:ea typeface="Cambria Math"/>
+              </a:rPr>
+              <a:t>PV 		</a:t>
+            </a:r>
+            <a:r>
+              <a:rPr lang="pt-BR" dirty="0" smtClean="0">
+                <a:ea typeface="Cambria Math"/>
+                <a:sym typeface="Wingdings" pitchFamily="2" charset="2"/>
+              </a:rPr>
+              <a:t> 208,33</a:t>
+            </a:r>
+          </a:p>
+          <a:p>
+            <a:pPr/>
+            <a:r>
+              <a:rPr lang="pt-BR" b="0" dirty="0" smtClean="0">
+                <a:ea typeface="Cambria Math"/>
+                <a:sym typeface="Wingdings" pitchFamily="2" charset="2"/>
+              </a:rPr>
+              <a:t>[</a:t>
+            </a:r>
+            <a:r>
+              <a:rPr lang="pt-BR" b="0" dirty="0" err="1" smtClean="0">
+                <a:ea typeface="Cambria Math"/>
+                <a:sym typeface="Wingdings" pitchFamily="2" charset="2"/>
+              </a:rPr>
+              <a:t>Enter</a:t>
+            </a:r>
+            <a:r>
+              <a:rPr lang="pt-BR" b="0" dirty="0" smtClean="0">
+                <a:ea typeface="Cambria Math"/>
+                <a:sym typeface="Wingdings" pitchFamily="2" charset="2"/>
+              </a:rPr>
+              <a:t>]</a:t>
+            </a:r>
+          </a:p>
+          <a:p>
+            <a:pPr/>
+            <a:r>
+              <a:rPr lang="pt-BR" dirty="0">
+                <a:ea typeface="Cambria Math"/>
+                <a:sym typeface="Wingdings" pitchFamily="2" charset="2"/>
+              </a:rPr>
+              <a:t>2</a:t>
+            </a:r>
+            <a:r>
+              <a:rPr lang="pt-BR" dirty="0" smtClean="0">
+                <a:ea typeface="Cambria Math"/>
+                <a:sym typeface="Wingdings" pitchFamily="2" charset="2"/>
+              </a:rPr>
+              <a:t>00 +		 408,33</a:t>
+            </a:r>
+          </a:p>
+          <a:p>
+            <a:pPr/>
+            <a:endParaRPr lang="pt-BR" b="0" dirty="0" smtClean="0">
+              <a:ea typeface="Cambria Math"/>
+            </a:endParaRPr>
+          </a:p>
+        </p:txBody>
+      </p:sp>
+      <p:sp>
+        <p:nvSpPr>
+          <p:cNvPr id="7" name="CaixaDeTexto 6"/>
+          <p:cNvSpPr txBox="1"/>
+          <p:nvPr/>
+        </p:nvSpPr>
+        <p:spPr>
+          <a:xfrm>
+            <a:off x="5328671" y="2344921"/>
+            <a:ext cx="2953053" cy="1754326"/>
+          </a:xfrm>
+          <a:prstGeom prst="rect">
+            <a:avLst/>
+          </a:prstGeom>
+          <a:noFill/>
+        </p:spPr>
+        <p:txBody>
+          <a:bodyPr wrap="none" rtlCol="0">
+            <a:spAutoFit/>
+          </a:bodyPr>
+          <a:lstStyle/>
+          <a:p>
+            <a:pPr/>
+            <a:r>
+              <a:rPr lang="pt-BR" b="0" dirty="0" smtClean="0">
+                <a:ea typeface="Cambria Math"/>
+              </a:rPr>
+              <a:t>245 CHS FV</a:t>
+            </a:r>
+          </a:p>
+          <a:p>
+            <a:pPr/>
+            <a:r>
+              <a:rPr lang="pt-BR" dirty="0" smtClean="0">
+                <a:ea typeface="Cambria Math"/>
+              </a:rPr>
+              <a:t>20 i</a:t>
+            </a:r>
+          </a:p>
+          <a:p>
+            <a:pPr/>
+            <a:r>
+              <a:rPr lang="pt-BR" b="0" dirty="0" smtClean="0">
+                <a:ea typeface="Cambria Math"/>
+              </a:rPr>
+              <a:t>2 n</a:t>
+            </a:r>
+          </a:p>
+          <a:p>
+            <a:pPr/>
+            <a:r>
+              <a:rPr lang="pt-BR" dirty="0" smtClean="0">
+                <a:ea typeface="Cambria Math"/>
+              </a:rPr>
+              <a:t>PV		</a:t>
+            </a:r>
+            <a:r>
+              <a:rPr lang="pt-BR" dirty="0" smtClean="0">
+                <a:ea typeface="Cambria Math"/>
+                <a:sym typeface="Wingdings" pitchFamily="2" charset="2"/>
+              </a:rPr>
+              <a:t> 170,14</a:t>
+            </a:r>
+          </a:p>
+          <a:p>
+            <a:pPr/>
+            <a:r>
+              <a:rPr lang="pt-BR" b="0" dirty="0" smtClean="0">
+                <a:ea typeface="Cambria Math"/>
+                <a:sym typeface="Wingdings" pitchFamily="2" charset="2"/>
+              </a:rPr>
+              <a:t>[</a:t>
+            </a:r>
+            <a:r>
+              <a:rPr lang="pt-BR" b="0" dirty="0" err="1" smtClean="0">
+                <a:ea typeface="Cambria Math"/>
+                <a:sym typeface="Wingdings" pitchFamily="2" charset="2"/>
+              </a:rPr>
+              <a:t>Enter</a:t>
+            </a:r>
+            <a:r>
+              <a:rPr lang="pt-BR" b="0" dirty="0" smtClean="0">
+                <a:ea typeface="Cambria Math"/>
+                <a:sym typeface="Wingdings" pitchFamily="2" charset="2"/>
+              </a:rPr>
+              <a:t>]</a:t>
+            </a:r>
+          </a:p>
+          <a:p>
+            <a:pPr/>
+            <a:r>
+              <a:rPr lang="pt-BR" dirty="0" smtClean="0">
+                <a:ea typeface="Cambria Math"/>
+                <a:sym typeface="Wingdings" pitchFamily="2" charset="2"/>
+              </a:rPr>
+              <a:t>240+		 410,14</a:t>
+            </a:r>
+            <a:endParaRPr lang="pt-BR" b="0" dirty="0" smtClean="0">
+              <a:ea typeface="Cambria Math"/>
+            </a:endParaRPr>
+          </a:p>
+        </p:txBody>
+      </p:sp>
+      <p:cxnSp>
+        <p:nvCxnSpPr>
+          <p:cNvPr id="11" name="Conector reto 10"/>
+          <p:cNvCxnSpPr/>
+          <p:nvPr/>
+        </p:nvCxnSpPr>
+        <p:spPr>
+          <a:xfrm>
+            <a:off x="4427984" y="313598"/>
+            <a:ext cx="0" cy="5540260"/>
+          </a:xfrm>
+          <a:prstGeom prst="line">
+            <a:avLst/>
+          </a:prstGeom>
+        </p:spPr>
+        <p:style>
+          <a:lnRef idx="1">
+            <a:schemeClr val="accent1"/>
+          </a:lnRef>
+          <a:fillRef idx="0">
+            <a:schemeClr val="accent1"/>
+          </a:fillRef>
+          <a:effectRef idx="0">
+            <a:schemeClr val="accent1"/>
+          </a:effectRef>
+          <a:fontRef idx="minor">
+            <a:schemeClr val="tx1"/>
+          </a:fontRef>
+        </p:style>
+      </p:cxnSp>
+      <p:sp>
+        <p:nvSpPr>
+          <p:cNvPr id="12" name="CaixaDeTexto 11"/>
+          <p:cNvSpPr txBox="1"/>
+          <p:nvPr/>
+        </p:nvSpPr>
+        <p:spPr>
+          <a:xfrm>
+            <a:off x="2961163" y="6340678"/>
+            <a:ext cx="2630207" cy="369332"/>
+          </a:xfrm>
+          <a:prstGeom prst="rect">
+            <a:avLst/>
+          </a:prstGeom>
+          <a:noFill/>
+        </p:spPr>
+        <p:txBody>
+          <a:bodyPr wrap="none" rtlCol="0">
+            <a:spAutoFit/>
+          </a:bodyPr>
+          <a:lstStyle/>
+          <a:p>
+            <a:r>
+              <a:rPr lang="pt-BR" u="sng" dirty="0" smtClean="0"/>
+              <a:t>Opção A  </a:t>
+            </a:r>
+            <a:r>
+              <a:rPr lang="pt-BR" dirty="0" smtClean="0"/>
+              <a:t>é mais vantajosa</a:t>
+            </a:r>
+            <a:endParaRPr lang="pt-BR" dirty="0"/>
+          </a:p>
+        </p:txBody>
+      </p:sp>
+      <p:sp>
+        <p:nvSpPr>
+          <p:cNvPr id="13" name="Elipse 12"/>
+          <p:cNvSpPr/>
+          <p:nvPr/>
+        </p:nvSpPr>
+        <p:spPr>
+          <a:xfrm>
+            <a:off x="35496" y="188640"/>
+            <a:ext cx="821770" cy="792088"/>
+          </a:xfrm>
+          <a:prstGeom prst="ellipse">
+            <a:avLst/>
+          </a:prstGeom>
+        </p:spPr>
+        <p:style>
+          <a:lnRef idx="2">
+            <a:schemeClr val="accent1">
+              <a:shade val="50000"/>
+            </a:schemeClr>
+          </a:lnRef>
+          <a:fillRef idx="1">
+            <a:schemeClr val="accent1"/>
+          </a:fillRef>
+          <a:effectRef idx="0">
+            <a:schemeClr val="accent1"/>
+          </a:effectRef>
+          <a:fontRef idx="minor">
+            <a:schemeClr val="lt1"/>
+          </a:fontRef>
+        </p:style>
+        <p:txBody>
+          <a:bodyPr rtlCol="0" anchor="ctr"/>
+          <a:lstStyle/>
+          <a:p>
+            <a:pPr algn="ctr"/>
+            <a:r>
+              <a:rPr lang="pt-BR" sz="1600" dirty="0" smtClean="0"/>
+              <a:t>3</a:t>
+            </a:r>
+          </a:p>
+          <a:p>
+            <a:pPr algn="ctr"/>
+            <a:r>
+              <a:rPr lang="pt-BR" sz="1600" dirty="0" smtClean="0"/>
+              <a:t>HP</a:t>
+            </a:r>
+          </a:p>
+          <a:p>
+            <a:pPr algn="ctr"/>
+            <a:r>
+              <a:rPr lang="pt-BR" sz="1600" dirty="0" smtClean="0"/>
+              <a:t>12c</a:t>
+            </a:r>
+            <a:endParaRPr lang="pt-BR" dirty="0"/>
+          </a:p>
+        </p:txBody>
+      </p:sp>
+    </p:spTree>
+    <p:extLst>
+      <p:ext uri="{BB962C8B-B14F-4D97-AF65-F5344CB8AC3E}">
+        <p14:creationId xmlns:p14="http://schemas.microsoft.com/office/powerpoint/2010/main" val="2124448715"/>
+      </p:ext>
+    </p:extLst>
+  </p:cSld>
+  <p:clrMapOvr>
+    <a:masterClrMapping/>
+  </p:clrMapOvr>
+</p:sld>
+</file>
+
+<file path=ppt/slides/slide5.xml><?xml version="1.0" encoding="utf-8"?>
 <p:sld xmlns:a="http://schemas.openxmlformats.org/drawingml/2006/main" xmlns:r="http://schemas.openxmlformats.org/officeDocument/2006/relationships" xmlns:p="http://schemas.openxmlformats.org/presentationml/2006/main">
   <p:cSld>
     <p:spTree>
@@ -6530,7 +12440,545 @@
 </p:sld>
 </file>
 
-<file path=ppt/slides/slide5.xml><?xml version="1.0" encoding="utf-8"?>
+<file path=ppt/slides/slide6.xml><?xml version="1.0" encoding="utf-8"?>
+<p:sld xmlns:a="http://schemas.openxmlformats.org/drawingml/2006/main" xmlns:r="http://schemas.openxmlformats.org/officeDocument/2006/relationships" xmlns:p="http://schemas.openxmlformats.org/presentationml/2006/main">
+  <p:cSld>
+    <p:spTree>
+      <p:nvGrpSpPr>
+        <p:cNvPr id="1" name=""/>
+        <p:cNvGrpSpPr/>
+        <p:nvPr/>
+      </p:nvGrpSpPr>
+      <p:grpSpPr>
+        <a:xfrm>
+          <a:off x="0" y="0"/>
+          <a:ext cx="0" cy="0"/>
+          <a:chOff x="0" y="0"/>
+          <a:chExt cx="0" cy="0"/>
+        </a:xfrm>
+      </p:grpSpPr>
+      <p:sp>
+        <p:nvSpPr>
+          <p:cNvPr id="2" name="CaixaDeTexto 1"/>
+          <p:cNvSpPr txBox="1"/>
+          <p:nvPr/>
+        </p:nvSpPr>
+        <p:spPr>
+          <a:xfrm>
+            <a:off x="683568" y="764704"/>
+            <a:ext cx="3603872" cy="2862322"/>
+          </a:xfrm>
+          <a:prstGeom prst="rect">
+            <a:avLst/>
+          </a:prstGeom>
+          <a:noFill/>
+        </p:spPr>
+        <p:txBody>
+          <a:bodyPr wrap="none" rtlCol="0">
+            <a:spAutoFit/>
+          </a:bodyPr>
+          <a:lstStyle/>
+          <a:p>
+            <a:r>
+              <a:rPr lang="pt-BR" dirty="0" smtClean="0"/>
+              <a:t>Total = R$ 125,00</a:t>
+            </a:r>
+          </a:p>
+          <a:p>
+            <a:endParaRPr lang="pt-BR" dirty="0"/>
+          </a:p>
+          <a:p>
+            <a:r>
+              <a:rPr lang="pt-BR" dirty="0" smtClean="0"/>
+              <a:t>Primeira parcela = R$ 55,00</a:t>
+            </a:r>
+          </a:p>
+          <a:p>
+            <a:r>
+              <a:rPr lang="pt-BR" dirty="0" smtClean="0"/>
+              <a:t>Segunda parcela = R$ 95,00</a:t>
+            </a:r>
+          </a:p>
+          <a:p>
+            <a:endParaRPr lang="pt-BR" dirty="0" smtClean="0"/>
+          </a:p>
+          <a:p>
+            <a:r>
+              <a:rPr lang="pt-BR" dirty="0" smtClean="0"/>
+              <a:t>C = R$ 125,00 – R$ 55,00 =  R$ 70,00</a:t>
+            </a:r>
+          </a:p>
+          <a:p>
+            <a:r>
+              <a:rPr lang="pt-BR" dirty="0" smtClean="0"/>
+              <a:t>n = 45d</a:t>
+            </a:r>
+          </a:p>
+          <a:p>
+            <a:r>
+              <a:rPr lang="pt-BR" dirty="0" smtClean="0"/>
+              <a:t>i = ? a.a.</a:t>
+            </a:r>
+          </a:p>
+          <a:p>
+            <a:r>
+              <a:rPr lang="pt-BR" dirty="0" smtClean="0"/>
+              <a:t>M = R$95,00</a:t>
+            </a:r>
+          </a:p>
+          <a:p>
+            <a:endParaRPr lang="pt-BR" dirty="0"/>
+          </a:p>
+        </p:txBody>
+      </p:sp>
+      <p:grpSp>
+        <p:nvGrpSpPr>
+          <p:cNvPr id="4" name="Grupo 3"/>
+          <p:cNvGrpSpPr/>
+          <p:nvPr/>
+        </p:nvGrpSpPr>
+        <p:grpSpPr>
+          <a:xfrm>
+            <a:off x="153813" y="4070685"/>
+            <a:ext cx="3642853" cy="2457564"/>
+            <a:chOff x="4866294" y="3933056"/>
+            <a:chExt cx="3642853" cy="2457564"/>
+          </a:xfrm>
+        </p:grpSpPr>
+        <p:grpSp>
+          <p:nvGrpSpPr>
+            <p:cNvPr id="5" name="Grupo 4"/>
+            <p:cNvGrpSpPr/>
+            <p:nvPr/>
+          </p:nvGrpSpPr>
+          <p:grpSpPr>
+            <a:xfrm>
+              <a:off x="5292080" y="4230380"/>
+              <a:ext cx="2376264" cy="1790908"/>
+              <a:chOff x="5292080" y="4230380"/>
+              <a:chExt cx="2376264" cy="1790908"/>
+            </a:xfrm>
+          </p:grpSpPr>
+          <p:cxnSp>
+            <p:nvCxnSpPr>
+              <p:cNvPr id="9" name="Conector de seta reta 8"/>
+              <p:cNvCxnSpPr/>
+              <p:nvPr/>
+            </p:nvCxnSpPr>
+            <p:spPr>
+              <a:xfrm>
+                <a:off x="5292080" y="4975308"/>
+                <a:ext cx="0" cy="1045980"/>
+              </a:xfrm>
+              <a:prstGeom prst="straightConnector1">
+                <a:avLst/>
+              </a:prstGeom>
+              <a:ln w="12700">
+                <a:solidFill>
+                  <a:schemeClr val="tx1"/>
+                </a:solidFill>
+                <a:tailEnd type="arrow"/>
+              </a:ln>
+            </p:spPr>
+            <p:style>
+              <a:lnRef idx="1">
+                <a:schemeClr val="accent1"/>
+              </a:lnRef>
+              <a:fillRef idx="0">
+                <a:schemeClr val="accent1"/>
+              </a:fillRef>
+              <a:effectRef idx="0">
+                <a:schemeClr val="accent1"/>
+              </a:effectRef>
+              <a:fontRef idx="minor">
+                <a:schemeClr val="tx1"/>
+              </a:fontRef>
+            </p:style>
+          </p:cxnSp>
+          <p:cxnSp>
+            <p:nvCxnSpPr>
+              <p:cNvPr id="10" name="Conector reto 9"/>
+              <p:cNvCxnSpPr/>
+              <p:nvPr/>
+            </p:nvCxnSpPr>
+            <p:spPr>
+              <a:xfrm>
+                <a:off x="5292080" y="4975308"/>
+                <a:ext cx="2376264" cy="0"/>
+              </a:xfrm>
+              <a:prstGeom prst="line">
+                <a:avLst/>
+              </a:prstGeom>
+              <a:ln w="12700">
+                <a:solidFill>
+                  <a:schemeClr val="tx1"/>
+                </a:solidFill>
+              </a:ln>
+            </p:spPr>
+            <p:style>
+              <a:lnRef idx="1">
+                <a:schemeClr val="accent1"/>
+              </a:lnRef>
+              <a:fillRef idx="0">
+                <a:schemeClr val="accent1"/>
+              </a:fillRef>
+              <a:effectRef idx="0">
+                <a:schemeClr val="accent1"/>
+              </a:effectRef>
+              <a:fontRef idx="minor">
+                <a:schemeClr val="tx1"/>
+              </a:fontRef>
+            </p:style>
+          </p:cxnSp>
+          <p:cxnSp>
+            <p:nvCxnSpPr>
+              <p:cNvPr id="11" name="Conector de seta reta 10"/>
+              <p:cNvCxnSpPr/>
+              <p:nvPr/>
+            </p:nvCxnSpPr>
+            <p:spPr>
+              <a:xfrm flipV="1">
+                <a:off x="7668344" y="4230380"/>
+                <a:ext cx="0" cy="744928"/>
+              </a:xfrm>
+              <a:prstGeom prst="straightConnector1">
+                <a:avLst/>
+              </a:prstGeom>
+              <a:ln w="12700">
+                <a:solidFill>
+                  <a:schemeClr val="tx1"/>
+                </a:solidFill>
+                <a:tailEnd type="arrow"/>
+              </a:ln>
+            </p:spPr>
+            <p:style>
+              <a:lnRef idx="1">
+                <a:schemeClr val="accent1"/>
+              </a:lnRef>
+              <a:fillRef idx="0">
+                <a:schemeClr val="accent1"/>
+              </a:fillRef>
+              <a:effectRef idx="0">
+                <a:schemeClr val="accent1"/>
+              </a:effectRef>
+              <a:fontRef idx="minor">
+                <a:schemeClr val="tx1"/>
+              </a:fontRef>
+            </p:style>
+          </p:cxnSp>
+        </p:grpSp>
+        <p:sp>
+          <p:nvSpPr>
+            <p:cNvPr id="6" name="CaixaDeTexto 5"/>
+            <p:cNvSpPr txBox="1"/>
+            <p:nvPr/>
+          </p:nvSpPr>
+          <p:spPr>
+            <a:xfrm>
+              <a:off x="4866294" y="6021288"/>
+              <a:ext cx="1055097" cy="369332"/>
+            </a:xfrm>
+            <a:prstGeom prst="rect">
+              <a:avLst/>
+            </a:prstGeom>
+            <a:noFill/>
+          </p:spPr>
+          <p:txBody>
+            <a:bodyPr wrap="none" rtlCol="0">
+              <a:spAutoFit/>
+            </a:bodyPr>
+            <a:lstStyle/>
+            <a:p>
+              <a:r>
+                <a:rPr lang="pt-BR" dirty="0" smtClean="0"/>
+                <a:t>C = 70,00</a:t>
+              </a:r>
+              <a:endParaRPr lang="pt-BR" dirty="0"/>
+            </a:p>
+          </p:txBody>
+        </p:sp>
+        <p:sp>
+          <p:nvSpPr>
+            <p:cNvPr id="7" name="CaixaDeTexto 6"/>
+            <p:cNvSpPr txBox="1"/>
+            <p:nvPr/>
+          </p:nvSpPr>
+          <p:spPr>
+            <a:xfrm>
+              <a:off x="5796136" y="4653136"/>
+              <a:ext cx="1120820" cy="646331"/>
+            </a:xfrm>
+            <a:prstGeom prst="rect">
+              <a:avLst/>
+            </a:prstGeom>
+            <a:noFill/>
+          </p:spPr>
+          <p:txBody>
+            <a:bodyPr wrap="none" rtlCol="0">
+              <a:spAutoFit/>
+            </a:bodyPr>
+            <a:lstStyle/>
+            <a:p>
+              <a:r>
+                <a:rPr lang="pt-BR" dirty="0"/>
+                <a:t>n</a:t>
+              </a:r>
+              <a:r>
+                <a:rPr lang="pt-BR" dirty="0" smtClean="0"/>
+                <a:t> = 45d</a:t>
+              </a:r>
+            </a:p>
+            <a:p>
+              <a:r>
+                <a:rPr lang="pt-BR" dirty="0" smtClean="0"/>
+                <a:t>i = ?% a.a.</a:t>
+              </a:r>
+              <a:endParaRPr lang="pt-BR" dirty="0"/>
+            </a:p>
+          </p:txBody>
+        </p:sp>
+        <p:sp>
+          <p:nvSpPr>
+            <p:cNvPr id="8" name="CaixaDeTexto 7"/>
+            <p:cNvSpPr txBox="1"/>
+            <p:nvPr/>
+          </p:nvSpPr>
+          <p:spPr>
+            <a:xfrm>
+              <a:off x="7380312" y="3933056"/>
+              <a:ext cx="1128835" cy="369332"/>
+            </a:xfrm>
+            <a:prstGeom prst="rect">
+              <a:avLst/>
+            </a:prstGeom>
+            <a:noFill/>
+          </p:spPr>
+          <p:txBody>
+            <a:bodyPr wrap="none" rtlCol="0">
+              <a:spAutoFit/>
+            </a:bodyPr>
+            <a:lstStyle/>
+            <a:p>
+              <a:r>
+                <a:rPr lang="pt-BR" dirty="0" smtClean="0"/>
+                <a:t>M = 95,00</a:t>
+              </a:r>
+              <a:endParaRPr lang="pt-BR" dirty="0"/>
+            </a:p>
+          </p:txBody>
+        </p:sp>
+      </p:grpSp>
+      <mc:AlternateContent xmlns:mc="http://schemas.openxmlformats.org/markup-compatibility/2006">
+        <mc:Choice xmlns:a14="http://schemas.microsoft.com/office/drawing/2010/main" Requires="a14">
+          <p:sp>
+            <p:nvSpPr>
+              <p:cNvPr id="12" name="CaixaDeTexto 11"/>
+              <p:cNvSpPr txBox="1"/>
+              <p:nvPr/>
+            </p:nvSpPr>
+            <p:spPr>
+              <a:xfrm>
+                <a:off x="4967064" y="2710375"/>
+                <a:ext cx="3788217" cy="2031325"/>
+              </a:xfrm>
+              <a:prstGeom prst="rect">
+                <a:avLst/>
+              </a:prstGeom>
+              <a:noFill/>
+            </p:spPr>
+            <p:txBody>
+              <a:bodyPr wrap="none" rtlCol="0">
+                <a:spAutoFit/>
+              </a:bodyPr>
+              <a:lstStyle/>
+              <a:p>
+                <a:pPr/>
+                <a:r>
+                  <a:rPr lang="pt-BR" dirty="0" smtClean="0"/>
+                  <a:t>70 CHS PV</a:t>
+                </a:r>
+              </a:p>
+              <a:p>
+                <a:pPr/>
+                <a:r>
+                  <a:rPr lang="pt-BR" dirty="0" smtClean="0"/>
+                  <a:t>95 FV</a:t>
+                </a:r>
+                <a:endParaRPr lang="pt-BR" dirty="0" smtClean="0"/>
+              </a:p>
+              <a:p>
+                <a:pPr/>
+                <a:r>
+                  <a:rPr lang="pt-BR" dirty="0" smtClean="0"/>
+                  <a:t>45 [</a:t>
+                </a:r>
+                <a:r>
+                  <a:rPr lang="pt-BR" dirty="0" err="1" smtClean="0"/>
+                  <a:t>Enter</a:t>
+                </a:r>
+                <a:r>
+                  <a:rPr lang="pt-BR" dirty="0" smtClean="0"/>
+                  <a:t>]</a:t>
+                </a:r>
+              </a:p>
+              <a:p>
+                <a:pPr/>
+                <a:r>
+                  <a:rPr lang="pt-BR" dirty="0" smtClean="0"/>
+                  <a:t>360 </a:t>
+                </a:r>
+                <a14:m>
+                  <m:oMath xmlns:m="http://schemas.openxmlformats.org/officeDocument/2006/math">
+                    <m:r>
+                      <a:rPr lang="pt-BR" i="1">
+                        <a:latin typeface="Cambria Math"/>
+                        <a:ea typeface="Cambria Math"/>
+                      </a:rPr>
+                      <m:t>÷</m:t>
+                    </m:r>
+                  </m:oMath>
+                </a14:m>
+                <a:endParaRPr lang="pt-BR" dirty="0" smtClean="0"/>
+              </a:p>
+              <a:p>
+                <a:pPr/>
+                <a:r>
+                  <a:rPr lang="pt-BR" dirty="0" smtClean="0"/>
+                  <a:t>n</a:t>
+                </a:r>
+              </a:p>
+              <a:p>
+                <a:pPr/>
+                <a:r>
+                  <a:rPr lang="pt-BR" dirty="0" smtClean="0"/>
+                  <a:t>i		</a:t>
+                </a:r>
+                <a:r>
+                  <a:rPr lang="pt-BR" dirty="0" smtClean="0">
+                    <a:sym typeface="Wingdings" pitchFamily="2" charset="2"/>
+                  </a:rPr>
+                  <a:t> 1.050,81 % a.a. </a:t>
+                </a:r>
+                <a:endParaRPr lang="pt-BR" dirty="0" smtClean="0"/>
+              </a:p>
+              <a:p>
+                <a:pPr/>
+                <a:endParaRPr lang="pt-BR" dirty="0"/>
+              </a:p>
+            </p:txBody>
+          </p:sp>
+        </mc:Choice>
+        <mc:Fallback>
+          <p:sp>
+            <p:nvSpPr>
+              <p:cNvPr id="12" name="CaixaDeTexto 11"/>
+              <p:cNvSpPr txBox="1">
+                <a:spLocks noRot="1" noChangeAspect="1" noMove="1" noResize="1" noEditPoints="1" noAdjustHandles="1" noChangeArrowheads="1" noChangeShapeType="1" noTextEdit="1"/>
+              </p:cNvSpPr>
+              <p:nvPr/>
+            </p:nvSpPr>
+            <p:spPr>
+              <a:xfrm>
+                <a:off x="4967064" y="2710375"/>
+                <a:ext cx="3788217" cy="2031325"/>
+              </a:xfrm>
+              <a:prstGeom prst="rect">
+                <a:avLst/>
+              </a:prstGeom>
+              <a:blipFill rotWithShape="1">
+                <a:blip r:embed="rId2"/>
+                <a:stretch>
+                  <a:fillRect l="-1449" t="-1502" r="-322"/>
+                </a:stretch>
+              </a:blipFill>
+            </p:spPr>
+            <p:txBody>
+              <a:bodyPr/>
+              <a:lstStyle/>
+              <a:p>
+                <a:r>
+                  <a:rPr lang="pt-BR">
+                    <a:noFill/>
+                  </a:rPr>
+                  <a:t> </a:t>
+                </a:r>
+              </a:p>
+            </p:txBody>
+          </p:sp>
+        </mc:Fallback>
+      </mc:AlternateContent>
+      <p:sp>
+        <p:nvSpPr>
+          <p:cNvPr id="13" name="Elipse 12"/>
+          <p:cNvSpPr/>
+          <p:nvPr/>
+        </p:nvSpPr>
+        <p:spPr>
+          <a:xfrm>
+            <a:off x="77822" y="116632"/>
+            <a:ext cx="821770" cy="792088"/>
+          </a:xfrm>
+          <a:prstGeom prst="ellipse">
+            <a:avLst/>
+          </a:prstGeom>
+        </p:spPr>
+        <p:style>
+          <a:lnRef idx="2">
+            <a:schemeClr val="accent1">
+              <a:shade val="50000"/>
+            </a:schemeClr>
+          </a:lnRef>
+          <a:fillRef idx="1">
+            <a:schemeClr val="accent1"/>
+          </a:fillRef>
+          <a:effectRef idx="0">
+            <a:schemeClr val="accent1"/>
+          </a:effectRef>
+          <a:fontRef idx="minor">
+            <a:schemeClr val="lt1"/>
+          </a:fontRef>
+        </p:style>
+        <p:txBody>
+          <a:bodyPr rtlCol="0" anchor="ctr"/>
+          <a:lstStyle/>
+          <a:p>
+            <a:pPr algn="ctr"/>
+            <a:r>
+              <a:rPr lang="pt-BR" sz="1600" dirty="0" smtClean="0"/>
+              <a:t>4</a:t>
+            </a:r>
+          </a:p>
+          <a:p>
+            <a:pPr algn="ctr"/>
+            <a:r>
+              <a:rPr lang="pt-BR" sz="1600" dirty="0" smtClean="0"/>
+              <a:t>HP</a:t>
+            </a:r>
+          </a:p>
+          <a:p>
+            <a:pPr algn="ctr"/>
+            <a:r>
+              <a:rPr lang="pt-BR" sz="1600" dirty="0" smtClean="0"/>
+              <a:t>12c</a:t>
+            </a:r>
+            <a:endParaRPr lang="pt-BR" dirty="0"/>
+          </a:p>
+        </p:txBody>
+      </p:sp>
+    </p:spTree>
+    <p:extLst>
+      <p:ext uri="{BB962C8B-B14F-4D97-AF65-F5344CB8AC3E}">
+        <p14:creationId xmlns:p14="http://schemas.microsoft.com/office/powerpoint/2010/main" val="3306159551"/>
+      </p:ext>
+    </p:extLst>
+  </p:cSld>
+  <p:clrMapOvr>
+    <a:masterClrMapping/>
+  </p:clrMapOvr>
+</p:sld>
+</file>
+
+<file path=ppt/slides/slide7.xml><?xml version="1.0" encoding="utf-8"?>
 <p:sld xmlns:a="http://schemas.openxmlformats.org/drawingml/2006/main" xmlns:r="http://schemas.openxmlformats.org/officeDocument/2006/relationships" xmlns:p="http://schemas.openxmlformats.org/presentationml/2006/main">
   <p:cSld>
     <p:spTree>
@@ -7396,7 +13844,517 @@
 </p:sld>
 </file>
 
-<file path=ppt/slides/slide6.xml><?xml version="1.0" encoding="utf-8"?>
+<file path=ppt/slides/slide8.xml><?xml version="1.0" encoding="utf-8"?>
+<p:sld xmlns:a="http://schemas.openxmlformats.org/drawingml/2006/main" xmlns:r="http://schemas.openxmlformats.org/officeDocument/2006/relationships" xmlns:p="http://schemas.openxmlformats.org/presentationml/2006/main">
+  <p:cSld>
+    <p:spTree>
+      <p:nvGrpSpPr>
+        <p:cNvPr id="1" name=""/>
+        <p:cNvGrpSpPr/>
+        <p:nvPr/>
+      </p:nvGrpSpPr>
+      <p:grpSpPr>
+        <a:xfrm>
+          <a:off x="0" y="0"/>
+          <a:ext cx="0" cy="0"/>
+          <a:chOff x="0" y="0"/>
+          <a:chExt cx="0" cy="0"/>
+        </a:xfrm>
+      </p:grpSpPr>
+      <p:sp>
+        <p:nvSpPr>
+          <p:cNvPr id="3" name="CaixaDeTexto 2"/>
+          <p:cNvSpPr txBox="1"/>
+          <p:nvPr/>
+        </p:nvSpPr>
+        <p:spPr>
+          <a:xfrm>
+            <a:off x="251520" y="1080236"/>
+            <a:ext cx="4638834" cy="3416320"/>
+          </a:xfrm>
+          <a:prstGeom prst="rect">
+            <a:avLst/>
+          </a:prstGeom>
+          <a:noFill/>
+        </p:spPr>
+        <p:txBody>
+          <a:bodyPr wrap="none" rtlCol="0">
+            <a:spAutoFit/>
+          </a:bodyPr>
+          <a:lstStyle/>
+          <a:p>
+            <a:r>
+              <a:rPr lang="pt-BR" dirty="0" smtClean="0"/>
+              <a:t>Valor simbólico da mercadoria = R$ 100,00</a:t>
+            </a:r>
+          </a:p>
+          <a:p>
+            <a:r>
+              <a:rPr lang="pt-BR" dirty="0" smtClean="0"/>
+              <a:t>	</a:t>
+            </a:r>
+            <a:r>
+              <a:rPr lang="pt-BR" b="1" dirty="0" smtClean="0"/>
+              <a:t>Formas de Pagamento</a:t>
+            </a:r>
+          </a:p>
+          <a:p>
+            <a:r>
+              <a:rPr lang="pt-BR" dirty="0" smtClean="0"/>
+              <a:t>Forma A			Forma B</a:t>
+            </a:r>
+          </a:p>
+          <a:p>
+            <a:r>
+              <a:rPr lang="pt-BR" dirty="0" smtClean="0"/>
+              <a:t>Sinal = R$ 50,00		À Vista = R$ 95,00</a:t>
+            </a:r>
+          </a:p>
+          <a:p>
+            <a:r>
+              <a:rPr lang="pt-BR" dirty="0" smtClean="0"/>
+              <a:t>Final = R$ 50,00</a:t>
+            </a:r>
+          </a:p>
+          <a:p>
+            <a:r>
+              <a:rPr lang="pt-BR" dirty="0" smtClean="0"/>
+              <a:t>n = 30d</a:t>
+            </a:r>
+          </a:p>
+          <a:p>
+            <a:r>
+              <a:rPr lang="pt-BR" dirty="0" smtClean="0"/>
+              <a:t>I = ? a.m.</a:t>
+            </a:r>
+          </a:p>
+          <a:p>
+            <a:endParaRPr lang="pt-BR" dirty="0"/>
+          </a:p>
+          <a:p>
+            <a:r>
+              <a:rPr lang="pt-BR" dirty="0" smtClean="0"/>
+              <a:t>C = 95,00</a:t>
+            </a:r>
+            <a:r>
+              <a:rPr lang="pt-BR" baseline="-25000" dirty="0" smtClean="0"/>
+              <a:t>à vista</a:t>
+            </a:r>
+            <a:r>
+              <a:rPr lang="pt-BR" dirty="0" smtClean="0"/>
+              <a:t> – 50,00</a:t>
+            </a:r>
+            <a:r>
+              <a:rPr lang="pt-BR" baseline="-25000" dirty="0" smtClean="0"/>
+              <a:t>sinal</a:t>
+            </a:r>
+            <a:r>
+              <a:rPr lang="pt-BR" dirty="0" smtClean="0"/>
+              <a:t> = 45,00</a:t>
+            </a:r>
+          </a:p>
+          <a:p>
+            <a:r>
+              <a:rPr lang="pt-BR" dirty="0" smtClean="0"/>
+              <a:t>n = 30d = 1m</a:t>
+            </a:r>
+          </a:p>
+          <a:p>
+            <a:r>
+              <a:rPr lang="pt-BR" dirty="0" smtClean="0"/>
+              <a:t>i = ? a.m.</a:t>
+            </a:r>
+          </a:p>
+          <a:p>
+            <a:r>
+              <a:rPr lang="pt-BR" dirty="0" smtClean="0"/>
+              <a:t>M = 50,00</a:t>
+            </a:r>
+            <a:endParaRPr lang="pt-BR" dirty="0"/>
+          </a:p>
+        </p:txBody>
+      </p:sp>
+      <p:grpSp>
+        <p:nvGrpSpPr>
+          <p:cNvPr id="4" name="Grupo 3"/>
+          <p:cNvGrpSpPr/>
+          <p:nvPr/>
+        </p:nvGrpSpPr>
+        <p:grpSpPr>
+          <a:xfrm>
+            <a:off x="153813" y="4355812"/>
+            <a:ext cx="3642853" cy="2457564"/>
+            <a:chOff x="4866294" y="3933056"/>
+            <a:chExt cx="3642853" cy="2457564"/>
+          </a:xfrm>
+        </p:grpSpPr>
+        <p:grpSp>
+          <p:nvGrpSpPr>
+            <p:cNvPr id="5" name="Grupo 4"/>
+            <p:cNvGrpSpPr/>
+            <p:nvPr/>
+          </p:nvGrpSpPr>
+          <p:grpSpPr>
+            <a:xfrm>
+              <a:off x="5292080" y="4230380"/>
+              <a:ext cx="2376264" cy="1790908"/>
+              <a:chOff x="5292080" y="4230380"/>
+              <a:chExt cx="2376264" cy="1790908"/>
+            </a:xfrm>
+          </p:grpSpPr>
+          <p:cxnSp>
+            <p:nvCxnSpPr>
+              <p:cNvPr id="9" name="Conector de seta reta 8"/>
+              <p:cNvCxnSpPr/>
+              <p:nvPr/>
+            </p:nvCxnSpPr>
+            <p:spPr>
+              <a:xfrm>
+                <a:off x="5292080" y="4975308"/>
+                <a:ext cx="0" cy="1045980"/>
+              </a:xfrm>
+              <a:prstGeom prst="straightConnector1">
+                <a:avLst/>
+              </a:prstGeom>
+              <a:ln w="12700">
+                <a:solidFill>
+                  <a:schemeClr val="tx1"/>
+                </a:solidFill>
+                <a:tailEnd type="arrow"/>
+              </a:ln>
+            </p:spPr>
+            <p:style>
+              <a:lnRef idx="1">
+                <a:schemeClr val="accent1"/>
+              </a:lnRef>
+              <a:fillRef idx="0">
+                <a:schemeClr val="accent1"/>
+              </a:fillRef>
+              <a:effectRef idx="0">
+                <a:schemeClr val="accent1"/>
+              </a:effectRef>
+              <a:fontRef idx="minor">
+                <a:schemeClr val="tx1"/>
+              </a:fontRef>
+            </p:style>
+          </p:cxnSp>
+          <p:cxnSp>
+            <p:nvCxnSpPr>
+              <p:cNvPr id="10" name="Conector reto 9"/>
+              <p:cNvCxnSpPr/>
+              <p:nvPr/>
+            </p:nvCxnSpPr>
+            <p:spPr>
+              <a:xfrm>
+                <a:off x="5292080" y="4975308"/>
+                <a:ext cx="2376264" cy="0"/>
+              </a:xfrm>
+              <a:prstGeom prst="line">
+                <a:avLst/>
+              </a:prstGeom>
+              <a:ln w="12700">
+                <a:solidFill>
+                  <a:schemeClr val="tx1"/>
+                </a:solidFill>
+              </a:ln>
+            </p:spPr>
+            <p:style>
+              <a:lnRef idx="1">
+                <a:schemeClr val="accent1"/>
+              </a:lnRef>
+              <a:fillRef idx="0">
+                <a:schemeClr val="accent1"/>
+              </a:fillRef>
+              <a:effectRef idx="0">
+                <a:schemeClr val="accent1"/>
+              </a:effectRef>
+              <a:fontRef idx="minor">
+                <a:schemeClr val="tx1"/>
+              </a:fontRef>
+            </p:style>
+          </p:cxnSp>
+          <p:cxnSp>
+            <p:nvCxnSpPr>
+              <p:cNvPr id="11" name="Conector de seta reta 10"/>
+              <p:cNvCxnSpPr/>
+              <p:nvPr/>
+            </p:nvCxnSpPr>
+            <p:spPr>
+              <a:xfrm flipV="1">
+                <a:off x="7668344" y="4230380"/>
+                <a:ext cx="0" cy="744928"/>
+              </a:xfrm>
+              <a:prstGeom prst="straightConnector1">
+                <a:avLst/>
+              </a:prstGeom>
+              <a:ln w="12700">
+                <a:solidFill>
+                  <a:schemeClr val="tx1"/>
+                </a:solidFill>
+                <a:tailEnd type="arrow"/>
+              </a:ln>
+            </p:spPr>
+            <p:style>
+              <a:lnRef idx="1">
+                <a:schemeClr val="accent1"/>
+              </a:lnRef>
+              <a:fillRef idx="0">
+                <a:schemeClr val="accent1"/>
+              </a:fillRef>
+              <a:effectRef idx="0">
+                <a:schemeClr val="accent1"/>
+              </a:effectRef>
+              <a:fontRef idx="minor">
+                <a:schemeClr val="tx1"/>
+              </a:fontRef>
+            </p:style>
+          </p:cxnSp>
+        </p:grpSp>
+        <p:sp>
+          <p:nvSpPr>
+            <p:cNvPr id="6" name="CaixaDeTexto 5"/>
+            <p:cNvSpPr txBox="1"/>
+            <p:nvPr/>
+          </p:nvSpPr>
+          <p:spPr>
+            <a:xfrm>
+              <a:off x="4866294" y="6021288"/>
+              <a:ext cx="1055097" cy="369332"/>
+            </a:xfrm>
+            <a:prstGeom prst="rect">
+              <a:avLst/>
+            </a:prstGeom>
+            <a:noFill/>
+          </p:spPr>
+          <p:txBody>
+            <a:bodyPr wrap="none" rtlCol="0">
+              <a:spAutoFit/>
+            </a:bodyPr>
+            <a:lstStyle/>
+            <a:p>
+              <a:r>
+                <a:rPr lang="pt-BR" dirty="0" smtClean="0"/>
+                <a:t>C = 45,00</a:t>
+              </a:r>
+              <a:endParaRPr lang="pt-BR" dirty="0"/>
+            </a:p>
+          </p:txBody>
+        </p:sp>
+        <p:sp>
+          <p:nvSpPr>
+            <p:cNvPr id="7" name="CaixaDeTexto 6"/>
+            <p:cNvSpPr txBox="1"/>
+            <p:nvPr/>
+          </p:nvSpPr>
+          <p:spPr>
+            <a:xfrm>
+              <a:off x="5796136" y="4653136"/>
+              <a:ext cx="1194558" cy="646331"/>
+            </a:xfrm>
+            <a:prstGeom prst="rect">
+              <a:avLst/>
+            </a:prstGeom>
+            <a:noFill/>
+          </p:spPr>
+          <p:txBody>
+            <a:bodyPr wrap="none" rtlCol="0">
+              <a:spAutoFit/>
+            </a:bodyPr>
+            <a:lstStyle/>
+            <a:p>
+              <a:r>
+                <a:rPr lang="pt-BR" dirty="0"/>
+                <a:t>n</a:t>
+              </a:r>
+              <a:r>
+                <a:rPr lang="pt-BR" dirty="0" smtClean="0"/>
+                <a:t> = 1m</a:t>
+              </a:r>
+            </a:p>
+            <a:p>
+              <a:r>
+                <a:rPr lang="pt-BR" dirty="0" smtClean="0"/>
+                <a:t>i = ?% a.m.</a:t>
+              </a:r>
+              <a:endParaRPr lang="pt-BR" dirty="0"/>
+            </a:p>
+          </p:txBody>
+        </p:sp>
+        <p:sp>
+          <p:nvSpPr>
+            <p:cNvPr id="8" name="CaixaDeTexto 7"/>
+            <p:cNvSpPr txBox="1"/>
+            <p:nvPr/>
+          </p:nvSpPr>
+          <p:spPr>
+            <a:xfrm>
+              <a:off x="7380312" y="3933056"/>
+              <a:ext cx="1128835" cy="369332"/>
+            </a:xfrm>
+            <a:prstGeom prst="rect">
+              <a:avLst/>
+            </a:prstGeom>
+            <a:noFill/>
+          </p:spPr>
+          <p:txBody>
+            <a:bodyPr wrap="none" rtlCol="0">
+              <a:spAutoFit/>
+            </a:bodyPr>
+            <a:lstStyle/>
+            <a:p>
+              <a:r>
+                <a:rPr lang="pt-BR" dirty="0" smtClean="0"/>
+                <a:t>M = 50,00</a:t>
+              </a:r>
+              <a:endParaRPr lang="pt-BR" dirty="0"/>
+            </a:p>
+          </p:txBody>
+        </p:sp>
+      </p:grpSp>
+      <p:sp>
+        <p:nvSpPr>
+          <p:cNvPr id="12" name="CaixaDeTexto 11"/>
+          <p:cNvSpPr txBox="1"/>
+          <p:nvPr/>
+        </p:nvSpPr>
+        <p:spPr>
+          <a:xfrm>
+            <a:off x="4967064" y="2710375"/>
+            <a:ext cx="3464410" cy="1477328"/>
+          </a:xfrm>
+          <a:prstGeom prst="rect">
+            <a:avLst/>
+          </a:prstGeom>
+          <a:noFill/>
+        </p:spPr>
+        <p:txBody>
+          <a:bodyPr wrap="none" rtlCol="0">
+            <a:spAutoFit/>
+          </a:bodyPr>
+          <a:lstStyle/>
+          <a:p>
+            <a:pPr/>
+            <a:r>
+              <a:rPr lang="pt-BR" dirty="0" smtClean="0"/>
+              <a:t>45 CHS PV</a:t>
+            </a:r>
+          </a:p>
+          <a:p>
+            <a:pPr/>
+            <a:r>
+              <a:rPr lang="pt-BR" dirty="0" smtClean="0"/>
+              <a:t>50 FV</a:t>
+            </a:r>
+          </a:p>
+          <a:p>
+            <a:pPr/>
+            <a:r>
+              <a:rPr lang="pt-BR" dirty="0" smtClean="0"/>
+              <a:t>1</a:t>
+            </a:r>
+          </a:p>
+          <a:p>
+            <a:pPr/>
+            <a:r>
+              <a:rPr lang="pt-BR" dirty="0" smtClean="0"/>
+              <a:t>n</a:t>
+            </a:r>
+          </a:p>
+          <a:p>
+            <a:pPr/>
+            <a:r>
+              <a:rPr lang="pt-BR" dirty="0" smtClean="0"/>
+              <a:t>I		</a:t>
+            </a:r>
+            <a:r>
+              <a:rPr lang="pt-BR" dirty="0" smtClean="0">
+                <a:sym typeface="Wingdings" pitchFamily="2" charset="2"/>
+              </a:rPr>
+              <a:t> </a:t>
+            </a:r>
+            <a:r>
+              <a:rPr lang="pt-BR" u="sng" dirty="0" smtClean="0">
+                <a:sym typeface="Wingdings" pitchFamily="2" charset="2"/>
+              </a:rPr>
+              <a:t>11,11% a.m.</a:t>
+            </a:r>
+            <a:endParaRPr lang="pt-BR" u="sng" dirty="0"/>
+          </a:p>
+        </p:txBody>
+      </p:sp>
+      <p:sp>
+        <p:nvSpPr>
+          <p:cNvPr id="13" name="Elipse 12"/>
+          <p:cNvSpPr/>
+          <p:nvPr/>
+        </p:nvSpPr>
+        <p:spPr>
+          <a:xfrm>
+            <a:off x="77822" y="116632"/>
+            <a:ext cx="821770" cy="792088"/>
+          </a:xfrm>
+          <a:prstGeom prst="ellipse">
+            <a:avLst/>
+          </a:prstGeom>
+        </p:spPr>
+        <p:style>
+          <a:lnRef idx="2">
+            <a:schemeClr val="accent1">
+              <a:shade val="50000"/>
+            </a:schemeClr>
+          </a:lnRef>
+          <a:fillRef idx="1">
+            <a:schemeClr val="accent1"/>
+          </a:fillRef>
+          <a:effectRef idx="0">
+            <a:schemeClr val="accent1"/>
+          </a:effectRef>
+          <a:fontRef idx="minor">
+            <a:schemeClr val="lt1"/>
+          </a:fontRef>
+        </p:style>
+        <p:txBody>
+          <a:bodyPr rtlCol="0" anchor="ctr"/>
+          <a:lstStyle/>
+          <a:p>
+            <a:pPr algn="ctr"/>
+            <a:r>
+              <a:rPr lang="pt-BR" sz="1600" dirty="0"/>
+              <a:t>5</a:t>
+            </a:r>
+            <a:endParaRPr lang="pt-BR" sz="1600" dirty="0" smtClean="0"/>
+          </a:p>
+          <a:p>
+            <a:pPr algn="ctr"/>
+            <a:r>
+              <a:rPr lang="pt-BR" sz="1600" dirty="0" smtClean="0"/>
+              <a:t>HP</a:t>
+            </a:r>
+          </a:p>
+          <a:p>
+            <a:pPr algn="ctr"/>
+            <a:r>
+              <a:rPr lang="pt-BR" sz="1600" dirty="0" smtClean="0"/>
+              <a:t>12c</a:t>
+            </a:r>
+            <a:endParaRPr lang="pt-BR" dirty="0"/>
+          </a:p>
+        </p:txBody>
+      </p:sp>
+    </p:spTree>
+    <p:extLst>
+      <p:ext uri="{BB962C8B-B14F-4D97-AF65-F5344CB8AC3E}">
+        <p14:creationId xmlns:p14="http://schemas.microsoft.com/office/powerpoint/2010/main" val="493431817"/>
+      </p:ext>
+    </p:extLst>
+  </p:cSld>
+  <p:clrMapOvr>
+    <a:masterClrMapping/>
+  </p:clrMapOvr>
+</p:sld>
+</file>
+
+<file path=ppt/slides/slide9.xml><?xml version="1.0" encoding="utf-8"?>
 <p:sld xmlns:a="http://schemas.openxmlformats.org/drawingml/2006/main" xmlns:r="http://schemas.openxmlformats.org/officeDocument/2006/relationships" xmlns:p="http://schemas.openxmlformats.org/presentationml/2006/main">
   <p:cSld>
     <p:spTree>
@@ -8304,872 +15262,6 @@
     <p:extLst>
       <p:ext uri="{BB962C8B-B14F-4D97-AF65-F5344CB8AC3E}">
         <p14:creationId xmlns:p14="http://schemas.microsoft.com/office/powerpoint/2010/main" val="535865421"/>
-      </p:ext>
-    </p:extLst>
-  </p:cSld>
-  <p:clrMapOvr>
-    <a:masterClrMapping/>
-  </p:clrMapOvr>
-</p:sld>
-</file>
-
-<file path=ppt/slides/slide7.xml><?xml version="1.0" encoding="utf-8"?>
-<p:sld xmlns:a="http://schemas.openxmlformats.org/drawingml/2006/main" xmlns:r="http://schemas.openxmlformats.org/officeDocument/2006/relationships" xmlns:p="http://schemas.openxmlformats.org/presentationml/2006/main">
-  <p:cSld>
-    <p:spTree>
-      <p:nvGrpSpPr>
-        <p:cNvPr id="1" name=""/>
-        <p:cNvGrpSpPr/>
-        <p:nvPr/>
-      </p:nvGrpSpPr>
-      <p:grpSpPr>
-        <a:xfrm>
-          <a:off x="0" y="0"/>
-          <a:ext cx="0" cy="0"/>
-          <a:chOff x="0" y="0"/>
-          <a:chExt cx="0" cy="0"/>
-        </a:xfrm>
-      </p:grpSpPr>
-      <p:sp>
-        <p:nvSpPr>
-          <p:cNvPr id="2" name="Elipse 1"/>
-          <p:cNvSpPr/>
-          <p:nvPr/>
-        </p:nvSpPr>
-        <p:spPr>
-          <a:xfrm>
-            <a:off x="107504" y="44624"/>
-            <a:ext cx="821770" cy="792088"/>
-          </a:xfrm>
-          <a:prstGeom prst="ellipse">
-            <a:avLst/>
-          </a:prstGeom>
-        </p:spPr>
-        <p:style>
-          <a:lnRef idx="2">
-            <a:schemeClr val="accent1">
-              <a:shade val="50000"/>
-            </a:schemeClr>
-          </a:lnRef>
-          <a:fillRef idx="1">
-            <a:schemeClr val="accent1"/>
-          </a:fillRef>
-          <a:effectRef idx="0">
-            <a:schemeClr val="accent1"/>
-          </a:effectRef>
-          <a:fontRef idx="minor">
-            <a:schemeClr val="lt1"/>
-          </a:fontRef>
-        </p:style>
-        <p:txBody>
-          <a:bodyPr rtlCol="0" anchor="ctr"/>
-          <a:lstStyle/>
-          <a:p>
-            <a:pPr algn="ctr"/>
-            <a:r>
-              <a:rPr lang="pt-BR" dirty="0" smtClean="0"/>
-              <a:t>7</a:t>
-            </a:r>
-            <a:endParaRPr lang="pt-BR" dirty="0"/>
-          </a:p>
-        </p:txBody>
-      </p:sp>
-      <p:sp>
-        <p:nvSpPr>
-          <p:cNvPr id="3" name="CaixaDeTexto 2"/>
-          <p:cNvSpPr txBox="1"/>
-          <p:nvPr/>
-        </p:nvSpPr>
-        <p:spPr>
-          <a:xfrm>
-            <a:off x="518389" y="1268760"/>
-            <a:ext cx="1741182" cy="1938992"/>
-          </a:xfrm>
-          <a:prstGeom prst="rect">
-            <a:avLst/>
-          </a:prstGeom>
-          <a:noFill/>
-        </p:spPr>
-        <p:txBody>
-          <a:bodyPr wrap="none" rtlCol="0">
-            <a:spAutoFit/>
-          </a:bodyPr>
-          <a:lstStyle/>
-          <a:p>
-            <a:pPr algn="ctr"/>
-            <a:r>
-              <a:rPr lang="pt-BR" b="1" dirty="0" smtClean="0"/>
-              <a:t>1</a:t>
-            </a:r>
-            <a:r>
-              <a:rPr lang="pt-BR" sz="2000" b="1" dirty="0"/>
-              <a:t> </a:t>
-            </a:r>
-            <a:r>
-              <a:rPr lang="pt-BR" sz="2000" b="1" dirty="0" smtClean="0"/>
-              <a:t>º Título</a:t>
-            </a:r>
-          </a:p>
-          <a:p>
-            <a:endParaRPr lang="pt-BR" sz="2000" dirty="0"/>
-          </a:p>
-          <a:p>
-            <a:r>
-              <a:rPr lang="pt-BR" sz="2000" dirty="0" smtClean="0"/>
-              <a:t>C = R$1.000,00</a:t>
-            </a:r>
-          </a:p>
-          <a:p>
-            <a:r>
-              <a:rPr lang="pt-BR" sz="2000" dirty="0" smtClean="0"/>
-              <a:t>n = 2m</a:t>
-            </a:r>
-          </a:p>
-          <a:p>
-            <a:r>
-              <a:rPr lang="pt-BR" sz="2000" dirty="0" smtClean="0"/>
-              <a:t>i = 4% </a:t>
-            </a:r>
-            <a:r>
-              <a:rPr lang="pt-BR" sz="2000" dirty="0" err="1" smtClean="0"/>
-              <a:t>a.m</a:t>
-            </a:r>
-            <a:endParaRPr lang="pt-BR" sz="2000" dirty="0" smtClean="0"/>
-          </a:p>
-          <a:p>
-            <a:r>
-              <a:rPr lang="pt-BR" sz="2000" dirty="0" smtClean="0"/>
-              <a:t>M = ?</a:t>
-            </a:r>
-            <a:endParaRPr lang="pt-BR" dirty="0" smtClean="0"/>
-          </a:p>
-        </p:txBody>
-      </p:sp>
-      <p:sp>
-        <p:nvSpPr>
-          <p:cNvPr id="4" name="CaixaDeTexto 3"/>
-          <p:cNvSpPr txBox="1"/>
-          <p:nvPr/>
-        </p:nvSpPr>
-        <p:spPr>
-          <a:xfrm>
-            <a:off x="6084168" y="1268760"/>
-            <a:ext cx="1824538" cy="1938992"/>
-          </a:xfrm>
-          <a:prstGeom prst="rect">
-            <a:avLst/>
-          </a:prstGeom>
-          <a:noFill/>
-        </p:spPr>
-        <p:txBody>
-          <a:bodyPr wrap="none" rtlCol="0">
-            <a:spAutoFit/>
-          </a:bodyPr>
-          <a:lstStyle/>
-          <a:p>
-            <a:pPr algn="ctr"/>
-            <a:r>
-              <a:rPr lang="pt-BR" b="1" dirty="0"/>
-              <a:t>2</a:t>
-            </a:r>
-            <a:r>
-              <a:rPr lang="pt-BR" sz="2000" b="1" dirty="0" smtClean="0"/>
-              <a:t> º Título</a:t>
-            </a:r>
-          </a:p>
-          <a:p>
-            <a:endParaRPr lang="pt-BR" sz="2000" dirty="0"/>
-          </a:p>
-          <a:p>
-            <a:r>
-              <a:rPr lang="pt-BR" sz="2000" dirty="0" smtClean="0"/>
-              <a:t>C = ?</a:t>
-            </a:r>
-          </a:p>
-          <a:p>
-            <a:r>
-              <a:rPr lang="pt-BR" sz="2000" dirty="0" smtClean="0"/>
-              <a:t>n = 15d</a:t>
-            </a:r>
-          </a:p>
-          <a:p>
-            <a:r>
-              <a:rPr lang="pt-BR" sz="2000" dirty="0" smtClean="0"/>
-              <a:t>i = 4% </a:t>
-            </a:r>
-            <a:r>
-              <a:rPr lang="pt-BR" sz="2000" dirty="0" err="1" smtClean="0"/>
-              <a:t>a.m</a:t>
-            </a:r>
-            <a:endParaRPr lang="pt-BR" sz="2000" dirty="0" smtClean="0"/>
-          </a:p>
-          <a:p>
-            <a:r>
-              <a:rPr lang="pt-BR" sz="2000" dirty="0" smtClean="0"/>
-              <a:t>M = R$1.000,00</a:t>
-            </a:r>
-            <a:endParaRPr lang="pt-BR" dirty="0" smtClean="0"/>
-          </a:p>
-        </p:txBody>
-      </p:sp>
-      <mc:AlternateContent xmlns:mc="http://schemas.openxmlformats.org/markup-compatibility/2006">
-        <mc:Choice xmlns:a14="http://schemas.microsoft.com/office/drawing/2010/main" Requires="a14">
-          <p:sp>
-            <p:nvSpPr>
-              <p:cNvPr id="5" name="CaixaDeTexto 4"/>
-              <p:cNvSpPr txBox="1"/>
-              <p:nvPr/>
-            </p:nvSpPr>
-            <p:spPr>
-              <a:xfrm>
-                <a:off x="370616" y="3234073"/>
-                <a:ext cx="2841996" cy="1754326"/>
-              </a:xfrm>
-              <a:prstGeom prst="rect">
-                <a:avLst/>
-              </a:prstGeom>
-              <a:noFill/>
-            </p:spPr>
-            <p:txBody>
-              <a:bodyPr wrap="none" rtlCol="0">
-                <a:spAutoFit/>
-              </a:bodyPr>
-              <a:lstStyle/>
-              <a:p>
-                <a14:m>
-                  <m:oMathPara xmlns:m="http://schemas.openxmlformats.org/officeDocument/2006/math">
-                    <m:oMathParaPr>
-                      <m:jc m:val="centerGroup"/>
-                    </m:oMathParaPr>
-                    <m:oMath xmlns:m="http://schemas.openxmlformats.org/officeDocument/2006/math">
-                      <m:r>
-                        <a:rPr lang="pt-BR" i="1" smtClean="0">
-                          <a:latin typeface="Cambria Math"/>
-                        </a:rPr>
-                        <m:t>𝑀</m:t>
-                      </m:r>
-                      <m:r>
-                        <a:rPr lang="pt-BR" i="1" smtClean="0">
-                          <a:latin typeface="Cambria Math"/>
-                        </a:rPr>
-                        <m:t>=</m:t>
-                      </m:r>
-                      <m:r>
-                        <a:rPr lang="pt-BR" i="1" smtClean="0">
-                          <a:latin typeface="Cambria Math"/>
-                        </a:rPr>
-                        <m:t>𝐶</m:t>
-                      </m:r>
-                      <m:r>
-                        <a:rPr lang="pt-BR" i="1" smtClean="0">
-                          <a:latin typeface="Cambria Math"/>
-                        </a:rPr>
-                        <m:t> × </m:t>
-                      </m:r>
-                      <m:sSup>
-                        <m:sSupPr>
-                          <m:ctrlPr>
-                            <a:rPr lang="pt-BR" i="1">
-                              <a:latin typeface="Cambria Math"/>
-                            </a:rPr>
-                          </m:ctrlPr>
-                        </m:sSupPr>
-                        <m:e>
-                          <m:r>
-                            <a:rPr lang="pt-BR" i="1">
-                              <a:latin typeface="Cambria Math"/>
-                            </a:rPr>
-                            <m:t>(1+</m:t>
-                          </m:r>
-                          <m:r>
-                            <a:rPr lang="pt-BR" i="1">
-                              <a:latin typeface="Cambria Math"/>
-                            </a:rPr>
-                            <m:t>𝑖</m:t>
-                          </m:r>
-                          <m:r>
-                            <a:rPr lang="pt-BR" i="1">
-                              <a:latin typeface="Cambria Math"/>
-                            </a:rPr>
-                            <m:t>)</m:t>
-                          </m:r>
-                        </m:e>
-                        <m:sup>
-                          <m:r>
-                            <a:rPr lang="pt-BR" i="1">
-                              <a:latin typeface="Cambria Math"/>
-                            </a:rPr>
-                            <m:t>𝑛</m:t>
-                          </m:r>
-                        </m:sup>
-                      </m:sSup>
-                    </m:oMath>
-                  </m:oMathPara>
-                </a14:m>
-                <a:endParaRPr lang="pt-BR" dirty="0" smtClean="0"/>
-              </a:p>
-              <a:p>
-                <a14:m>
-                  <m:oMathPara xmlns:m="http://schemas.openxmlformats.org/officeDocument/2006/math">
-                    <m:oMathParaPr>
-                      <m:jc m:val="centerGroup"/>
-                    </m:oMathParaPr>
-                    <m:oMath xmlns:m="http://schemas.openxmlformats.org/officeDocument/2006/math">
-                      <m:r>
-                        <a:rPr lang="pt-BR" b="0" i="1" smtClean="0">
-                          <a:latin typeface="Cambria Math"/>
-                        </a:rPr>
-                        <m:t>𝑀</m:t>
-                      </m:r>
-                      <m:r>
-                        <a:rPr lang="pt-BR" b="0" i="1" smtClean="0">
-                          <a:latin typeface="Cambria Math"/>
-                        </a:rPr>
-                        <m:t>=1000 × </m:t>
-                      </m:r>
-                      <m:sSup>
-                        <m:sSupPr>
-                          <m:ctrlPr>
-                            <a:rPr lang="pt-BR" b="0" i="1" smtClean="0">
-                              <a:latin typeface="Cambria Math"/>
-                              <a:ea typeface="Cambria Math"/>
-                            </a:rPr>
-                          </m:ctrlPr>
-                        </m:sSupPr>
-                        <m:e>
-                          <m:r>
-                            <a:rPr lang="pt-BR" i="1">
-                              <a:latin typeface="Cambria Math"/>
-                              <a:ea typeface="Cambria Math"/>
-                            </a:rPr>
-                            <m:t>(1+0,04)</m:t>
-                          </m:r>
-                        </m:e>
-                        <m:sup>
-                          <m:r>
-                            <a:rPr lang="pt-BR" b="0" i="1" smtClean="0">
-                              <a:latin typeface="Cambria Math"/>
-                              <a:ea typeface="Cambria Math"/>
-                            </a:rPr>
-                            <m:t>2</m:t>
-                          </m:r>
-                        </m:sup>
-                      </m:sSup>
-                    </m:oMath>
-                  </m:oMathPara>
-                </a14:m>
-                <a:endParaRPr lang="pt-BR" b="0" dirty="0" smtClean="0">
-                  <a:ea typeface="Cambria Math"/>
-                </a:endParaRPr>
-              </a:p>
-              <a:p>
-                <a14:m>
-                  <m:oMathPara xmlns:m="http://schemas.openxmlformats.org/officeDocument/2006/math">
-                    <m:oMathParaPr>
-                      <m:jc m:val="centerGroup"/>
-                    </m:oMathParaPr>
-                    <m:oMath xmlns:m="http://schemas.openxmlformats.org/officeDocument/2006/math">
-                      <m:r>
-                        <a:rPr lang="pt-BR" b="0" i="1" smtClean="0">
-                          <a:latin typeface="Cambria Math"/>
-                        </a:rPr>
-                        <m:t>𝑀</m:t>
-                      </m:r>
-                      <m:r>
-                        <a:rPr lang="pt-BR" b="0" i="1" smtClean="0">
-                          <a:latin typeface="Cambria Math"/>
-                        </a:rPr>
-                        <m:t>=1000 ×1,0</m:t>
-                      </m:r>
-                      <m:r>
-                        <a:rPr lang="pt-BR" i="1">
-                          <a:latin typeface="Cambria Math"/>
-                          <a:ea typeface="Cambria Math"/>
-                        </a:rPr>
-                        <m:t>816</m:t>
-                      </m:r>
-                    </m:oMath>
-                  </m:oMathPara>
-                </a14:m>
-                <a:endParaRPr lang="pt-BR" dirty="0" smtClean="0"/>
-              </a:p>
-              <a:p>
-                <a:endParaRPr lang="pt-BR" b="0" i="1" dirty="0" smtClean="0">
-                  <a:latin typeface="Cambria Math"/>
-                </a:endParaRPr>
-              </a:p>
-              <a:p>
-                <a14:m>
-                  <m:oMathPara xmlns:m="http://schemas.openxmlformats.org/officeDocument/2006/math">
-                    <m:oMathParaPr>
-                      <m:jc m:val="centerGroup"/>
-                    </m:oMathParaPr>
-                    <m:oMath xmlns:m="http://schemas.openxmlformats.org/officeDocument/2006/math">
-                      <m:r>
-                        <a:rPr lang="pt-BR" b="0" i="1" smtClean="0">
-                          <a:latin typeface="Cambria Math"/>
-                        </a:rPr>
-                        <m:t>𝑀</m:t>
-                      </m:r>
-                      <m:r>
-                        <a:rPr lang="pt-BR" b="0" i="1" smtClean="0">
-                          <a:latin typeface="Cambria Math"/>
-                        </a:rPr>
-                        <m:t>=</m:t>
-                      </m:r>
-                      <m:r>
-                        <a:rPr lang="pt-BR" b="0" i="1" smtClean="0">
-                          <a:latin typeface="Cambria Math"/>
-                        </a:rPr>
-                        <m:t>𝑅</m:t>
-                      </m:r>
-                      <m:r>
-                        <a:rPr lang="pt-BR" b="0" i="1" smtClean="0">
-                          <a:latin typeface="Cambria Math"/>
-                        </a:rPr>
-                        <m:t>$ 1.081,60</m:t>
-                      </m:r>
-                    </m:oMath>
-                  </m:oMathPara>
-                </a14:m>
-                <a:endParaRPr lang="pt-BR" dirty="0"/>
-              </a:p>
-              <a:p>
-                <a:endParaRPr lang="pt-BR" dirty="0"/>
-              </a:p>
-            </p:txBody>
-          </p:sp>
-        </mc:Choice>
-        <mc:Fallback>
-          <p:sp>
-            <p:nvSpPr>
-              <p:cNvPr id="5" name="CaixaDeTexto 4"/>
-              <p:cNvSpPr txBox="1">
-                <a:spLocks noRot="1" noChangeAspect="1" noMove="1" noResize="1" noEditPoints="1" noAdjustHandles="1" noChangeArrowheads="1" noChangeShapeType="1" noTextEdit="1"/>
-              </p:cNvSpPr>
-              <p:nvPr/>
-            </p:nvSpPr>
-            <p:spPr>
-              <a:xfrm>
-                <a:off x="370616" y="3234073"/>
-                <a:ext cx="2841996" cy="1754326"/>
-              </a:xfrm>
-              <a:prstGeom prst="rect">
-                <a:avLst/>
-              </a:prstGeom>
-              <a:blipFill rotWithShape="1">
-                <a:blip r:embed="rId2"/>
-                <a:stretch>
-                  <a:fillRect/>
-                </a:stretch>
-              </a:blipFill>
-            </p:spPr>
-            <p:txBody>
-              <a:bodyPr/>
-              <a:lstStyle/>
-              <a:p>
-                <a:r>
-                  <a:rPr lang="pt-BR">
-                    <a:noFill/>
-                  </a:rPr>
-                  <a:t> </a:t>
-                </a:r>
-              </a:p>
-            </p:txBody>
-          </p:sp>
-        </mc:Fallback>
-      </mc:AlternateContent>
-      <mc:AlternateContent xmlns:mc="http://schemas.openxmlformats.org/markup-compatibility/2006">
-        <mc:Choice xmlns:a14="http://schemas.microsoft.com/office/drawing/2010/main" Requires="a14">
-          <p:sp>
-            <p:nvSpPr>
-              <p:cNvPr id="6" name="CaixaDeTexto 5"/>
-              <p:cNvSpPr txBox="1"/>
-              <p:nvPr/>
-            </p:nvSpPr>
-            <p:spPr>
-              <a:xfrm>
-                <a:off x="5065876" y="3231091"/>
-                <a:ext cx="2914003" cy="2467983"/>
-              </a:xfrm>
-              <a:prstGeom prst="rect">
-                <a:avLst/>
-              </a:prstGeom>
-              <a:noFill/>
-            </p:spPr>
-            <p:txBody>
-              <a:bodyPr wrap="none" rtlCol="0">
-                <a:spAutoFit/>
-              </a:bodyPr>
-              <a:lstStyle/>
-              <a:p>
-                <a14:m>
-                  <m:oMathPara xmlns:m="http://schemas.openxmlformats.org/officeDocument/2006/math">
-                    <m:oMathParaPr>
-                      <m:jc m:val="centerGroup"/>
-                    </m:oMathParaPr>
-                    <m:oMath xmlns:m="http://schemas.openxmlformats.org/officeDocument/2006/math">
-                      <m:r>
-                        <a:rPr lang="pt-BR" i="1" smtClean="0">
-                          <a:latin typeface="Cambria Math"/>
-                        </a:rPr>
-                        <m:t>𝑀</m:t>
-                      </m:r>
-                      <m:r>
-                        <a:rPr lang="pt-BR" i="1" smtClean="0">
-                          <a:latin typeface="Cambria Math"/>
-                        </a:rPr>
-                        <m:t>=</m:t>
-                      </m:r>
-                      <m:r>
-                        <a:rPr lang="pt-BR" i="1" smtClean="0">
-                          <a:latin typeface="Cambria Math"/>
-                        </a:rPr>
-                        <m:t>𝐶</m:t>
-                      </m:r>
-                      <m:r>
-                        <a:rPr lang="pt-BR" i="1" smtClean="0">
-                          <a:latin typeface="Cambria Math"/>
-                        </a:rPr>
-                        <m:t> × </m:t>
-                      </m:r>
-                      <m:sSup>
-                        <m:sSupPr>
-                          <m:ctrlPr>
-                            <a:rPr lang="pt-BR" i="1">
-                              <a:latin typeface="Cambria Math"/>
-                            </a:rPr>
-                          </m:ctrlPr>
-                        </m:sSupPr>
-                        <m:e>
-                          <m:r>
-                            <a:rPr lang="pt-BR" i="1">
-                              <a:latin typeface="Cambria Math"/>
-                            </a:rPr>
-                            <m:t>(1+</m:t>
-                          </m:r>
-                          <m:r>
-                            <a:rPr lang="pt-BR" i="1">
-                              <a:latin typeface="Cambria Math"/>
-                            </a:rPr>
-                            <m:t>𝑖</m:t>
-                          </m:r>
-                          <m:r>
-                            <a:rPr lang="pt-BR" i="1">
-                              <a:latin typeface="Cambria Math"/>
-                            </a:rPr>
-                            <m:t>)</m:t>
-                          </m:r>
-                        </m:e>
-                        <m:sup>
-                          <m:r>
-                            <a:rPr lang="pt-BR" i="1">
-                              <a:latin typeface="Cambria Math"/>
-                            </a:rPr>
-                            <m:t>𝑛</m:t>
-                          </m:r>
-                        </m:sup>
-                      </m:sSup>
-                    </m:oMath>
-                  </m:oMathPara>
-                </a14:m>
-                <a:endParaRPr lang="pt-BR" dirty="0" smtClean="0"/>
-              </a:p>
-              <a:p>
-                <a14:m>
-                  <m:oMathPara xmlns:m="http://schemas.openxmlformats.org/officeDocument/2006/math">
-                    <m:oMathParaPr>
-                      <m:jc m:val="centerGroup"/>
-                    </m:oMathParaPr>
-                    <m:oMath xmlns:m="http://schemas.openxmlformats.org/officeDocument/2006/math">
-                      <m:r>
-                        <a:rPr lang="pt-BR" b="0" i="1" smtClean="0">
-                          <a:latin typeface="Cambria Math"/>
-                        </a:rPr>
-                        <m:t>1000=</m:t>
-                      </m:r>
-                      <m:r>
-                        <a:rPr lang="pt-BR" b="0" i="1" smtClean="0">
-                          <a:latin typeface="Cambria Math"/>
-                        </a:rPr>
-                        <m:t>𝐶</m:t>
-                      </m:r>
-                      <m:r>
-                        <a:rPr lang="pt-BR" b="0" i="1" smtClean="0">
-                          <a:latin typeface="Cambria Math"/>
-                        </a:rPr>
-                        <m:t> × </m:t>
-                      </m:r>
-                      <m:sSup>
-                        <m:sSupPr>
-                          <m:ctrlPr>
-                            <a:rPr lang="pt-BR" b="0" i="1" smtClean="0">
-                              <a:latin typeface="Cambria Math"/>
-                              <a:ea typeface="Cambria Math"/>
-                            </a:rPr>
-                          </m:ctrlPr>
-                        </m:sSupPr>
-                        <m:e>
-                          <m:r>
-                            <a:rPr lang="pt-BR" i="1">
-                              <a:latin typeface="Cambria Math"/>
-                              <a:ea typeface="Cambria Math"/>
-                            </a:rPr>
-                            <m:t>(1+0,04)</m:t>
-                          </m:r>
-                        </m:e>
-                        <m:sup>
-                          <m:f>
-                            <m:fPr>
-                              <m:ctrlPr>
-                                <a:rPr lang="pt-BR" b="0" i="1" smtClean="0">
-                                  <a:latin typeface="Cambria Math"/>
-                                  <a:ea typeface="Cambria Math"/>
-                                </a:rPr>
-                              </m:ctrlPr>
-                            </m:fPr>
-                            <m:num>
-                              <m:r>
-                                <a:rPr lang="pt-BR" b="0" i="1" smtClean="0">
-                                  <a:latin typeface="Cambria Math"/>
-                                  <a:ea typeface="Cambria Math"/>
-                                </a:rPr>
-                                <m:t>15</m:t>
-                              </m:r>
-                            </m:num>
-                            <m:den>
-                              <m:r>
-                                <a:rPr lang="pt-BR" b="0" i="1" smtClean="0">
-                                  <a:latin typeface="Cambria Math"/>
-                                  <a:ea typeface="Cambria Math"/>
-                                </a:rPr>
-                                <m:t>30</m:t>
-                              </m:r>
-                            </m:den>
-                          </m:f>
-                        </m:sup>
-                      </m:sSup>
-                    </m:oMath>
-                  </m:oMathPara>
-                </a14:m>
-                <a:endParaRPr lang="pt-BR" b="0" dirty="0" smtClean="0">
-                  <a:ea typeface="Cambria Math"/>
-                </a:endParaRPr>
-              </a:p>
-              <a:p>
-                <a14:m>
-                  <m:oMathPara xmlns:m="http://schemas.openxmlformats.org/officeDocument/2006/math">
-                    <m:oMathParaPr>
-                      <m:jc m:val="centerGroup"/>
-                    </m:oMathParaPr>
-                    <m:oMath xmlns:m="http://schemas.openxmlformats.org/officeDocument/2006/math">
-                      <m:r>
-                        <a:rPr lang="pt-BR" b="0" i="1" smtClean="0">
-                          <a:latin typeface="Cambria Math"/>
-                        </a:rPr>
-                        <m:t>1000=</m:t>
-                      </m:r>
-                      <m:r>
-                        <a:rPr lang="pt-BR" b="0" i="1" smtClean="0">
-                          <a:latin typeface="Cambria Math"/>
-                        </a:rPr>
-                        <m:t>𝐶</m:t>
-                      </m:r>
-                      <m:r>
-                        <a:rPr lang="pt-BR" b="0" i="1" smtClean="0">
-                          <a:latin typeface="Cambria Math"/>
-                        </a:rPr>
-                        <m:t> ×1,0198</m:t>
-                      </m:r>
-                    </m:oMath>
-                  </m:oMathPara>
-                </a14:m>
-                <a:endParaRPr lang="pt-BR" dirty="0" smtClean="0"/>
-              </a:p>
-              <a:p>
-                <a14:m>
-                  <m:oMathPara xmlns:m="http://schemas.openxmlformats.org/officeDocument/2006/math">
-                    <m:oMathParaPr>
-                      <m:jc m:val="centerGroup"/>
-                    </m:oMathParaPr>
-                    <m:oMath xmlns:m="http://schemas.openxmlformats.org/officeDocument/2006/math">
-                      <m:r>
-                        <a:rPr lang="pt-BR" b="0" i="1" smtClean="0">
-                          <a:latin typeface="Cambria Math"/>
-                        </a:rPr>
-                        <m:t>𝐶</m:t>
-                      </m:r>
-                      <m:r>
-                        <a:rPr lang="pt-BR" b="0" i="1" smtClean="0">
-                          <a:latin typeface="Cambria Math"/>
-                        </a:rPr>
-                        <m:t>=</m:t>
-                      </m:r>
-                      <m:f>
-                        <m:fPr>
-                          <m:ctrlPr>
-                            <a:rPr lang="pt-BR" b="0" i="1" smtClean="0">
-                              <a:latin typeface="Cambria Math"/>
-                            </a:rPr>
-                          </m:ctrlPr>
-                        </m:fPr>
-                        <m:num>
-                          <m:r>
-                            <a:rPr lang="pt-BR" b="0" i="1" smtClean="0">
-                              <a:latin typeface="Cambria Math"/>
-                            </a:rPr>
-                            <m:t>1000</m:t>
-                          </m:r>
-                        </m:num>
-                        <m:den>
-                          <m:r>
-                            <a:rPr lang="pt-BR" i="1">
-                              <a:latin typeface="Cambria Math"/>
-                              <a:ea typeface="Cambria Math"/>
-                            </a:rPr>
-                            <m:t>1,0198</m:t>
-                          </m:r>
-                        </m:den>
-                      </m:f>
-                    </m:oMath>
-                  </m:oMathPara>
-                </a14:m>
-                <a:endParaRPr lang="pt-BR" b="0" dirty="0" smtClean="0"/>
-              </a:p>
-              <a:p>
-                <a:r>
-                  <a:rPr lang="pt-BR" b="0" i="1" dirty="0" smtClean="0">
-                    <a:latin typeface="Cambria Math"/>
-                  </a:rPr>
-                  <a:t/>
-                </a:r>
-                <a:br>
-                  <a:rPr lang="pt-BR" b="0" i="1" dirty="0" smtClean="0">
-                    <a:latin typeface="Cambria Math"/>
-                  </a:rPr>
-                </a:br>
-                <a14:m>
-                  <m:oMathPara xmlns:m="http://schemas.openxmlformats.org/officeDocument/2006/math">
-                    <m:oMathParaPr>
-                      <m:jc m:val="centerGroup"/>
-                    </m:oMathParaPr>
-                    <m:oMath xmlns:m="http://schemas.openxmlformats.org/officeDocument/2006/math">
-                      <m:r>
-                        <a:rPr lang="pt-BR" b="0" i="1" smtClean="0">
-                          <a:latin typeface="Cambria Math"/>
-                        </a:rPr>
-                        <m:t>𝐶</m:t>
-                      </m:r>
-                      <m:r>
-                        <a:rPr lang="pt-BR" b="0" i="1" smtClean="0">
-                          <a:latin typeface="Cambria Math"/>
-                        </a:rPr>
-                        <m:t>=</m:t>
-                      </m:r>
-                      <m:r>
-                        <a:rPr lang="pt-BR" b="0" i="1" smtClean="0">
-                          <a:latin typeface="Cambria Math"/>
-                        </a:rPr>
-                        <m:t>𝑅</m:t>
-                      </m:r>
-                      <m:r>
-                        <a:rPr lang="pt-BR" b="0" i="1" smtClean="0">
-                          <a:latin typeface="Cambria Math"/>
-                        </a:rPr>
-                        <m:t>$ 980,58</m:t>
-                      </m:r>
-                    </m:oMath>
-                  </m:oMathPara>
-                </a14:m>
-                <a:endParaRPr lang="pt-BR" dirty="0"/>
-              </a:p>
-              <a:p>
-                <a:endParaRPr lang="pt-BR" dirty="0"/>
-              </a:p>
-            </p:txBody>
-          </p:sp>
-        </mc:Choice>
-        <mc:Fallback>
-          <p:sp>
-            <p:nvSpPr>
-              <p:cNvPr id="6" name="CaixaDeTexto 5"/>
-              <p:cNvSpPr txBox="1">
-                <a:spLocks noRot="1" noChangeAspect="1" noMove="1" noResize="1" noEditPoints="1" noAdjustHandles="1" noChangeArrowheads="1" noChangeShapeType="1" noTextEdit="1"/>
-              </p:cNvSpPr>
-              <p:nvPr/>
-            </p:nvSpPr>
-            <p:spPr>
-              <a:xfrm>
-                <a:off x="5065876" y="3231091"/>
-                <a:ext cx="2914003" cy="2467983"/>
-              </a:xfrm>
-              <a:prstGeom prst="rect">
-                <a:avLst/>
-              </a:prstGeom>
-              <a:blipFill rotWithShape="1">
-                <a:blip r:embed="rId3"/>
-                <a:stretch>
-                  <a:fillRect/>
-                </a:stretch>
-              </a:blipFill>
-            </p:spPr>
-            <p:txBody>
-              <a:bodyPr/>
-              <a:lstStyle/>
-              <a:p>
-                <a:r>
-                  <a:rPr lang="pt-BR">
-                    <a:noFill/>
-                  </a:rPr>
-                  <a:t> </a:t>
-                </a:r>
-              </a:p>
-            </p:txBody>
-          </p:sp>
-        </mc:Fallback>
-      </mc:AlternateContent>
-      <p:sp>
-        <p:nvSpPr>
-          <p:cNvPr id="7" name="CaixaDeTexto 6"/>
-          <p:cNvSpPr txBox="1"/>
-          <p:nvPr/>
-        </p:nvSpPr>
-        <p:spPr>
-          <a:xfrm>
-            <a:off x="1766997" y="6309320"/>
-            <a:ext cx="5204823" cy="369332"/>
-          </a:xfrm>
-          <a:prstGeom prst="rect">
-            <a:avLst/>
-          </a:prstGeom>
-          <a:noFill/>
-        </p:spPr>
-        <p:txBody>
-          <a:bodyPr wrap="none" rtlCol="0">
-            <a:spAutoFit/>
-          </a:bodyPr>
-          <a:lstStyle/>
-          <a:p>
-            <a:r>
-              <a:rPr lang="pt-BR" dirty="0"/>
-              <a:t>Total devido = R$ 1.081,60 + R$ 980,58 =  </a:t>
-            </a:r>
-            <a:r>
-              <a:rPr lang="pt-BR" u="sng" dirty="0"/>
-              <a:t>R$ </a:t>
-            </a:r>
-            <a:r>
-              <a:rPr lang="pt-BR" u="sng" dirty="0" smtClean="0"/>
-              <a:t>2.062,18</a:t>
-            </a:r>
-            <a:endParaRPr lang="pt-BR" u="sng" dirty="0"/>
-          </a:p>
-        </p:txBody>
-      </p:sp>
-    </p:spTree>
-    <p:extLst>
-      <p:ext uri="{BB962C8B-B14F-4D97-AF65-F5344CB8AC3E}">
-        <p14:creationId xmlns:p14="http://schemas.microsoft.com/office/powerpoint/2010/main" val="2642845990"/>
       </p:ext>
     </p:extLst>
   </p:cSld>

--- a/Gestao Estrategica TI/06 - Análise de Viabilidade de Projetos/Exercícios.pptx
+++ b/Gestao Estrategica TI/06 - Análise de Viabilidade de Projetos/Exercícios.pptx
@@ -9,24 +9,25 @@
     <p:sldId id="275" r:id="rId3"/>
     <p:sldId id="276" r:id="rId4"/>
     <p:sldId id="277" r:id="rId5"/>
-    <p:sldId id="274" r:id="rId6"/>
-    <p:sldId id="256" r:id="rId7"/>
-    <p:sldId id="257" r:id="rId8"/>
-    <p:sldId id="258" r:id="rId9"/>
-    <p:sldId id="263" r:id="rId10"/>
-    <p:sldId id="259" r:id="rId11"/>
-    <p:sldId id="264" r:id="rId12"/>
-    <p:sldId id="260" r:id="rId13"/>
-    <p:sldId id="265" r:id="rId14"/>
-    <p:sldId id="261" r:id="rId15"/>
-    <p:sldId id="266" r:id="rId16"/>
-    <p:sldId id="262" r:id="rId17"/>
-    <p:sldId id="267" r:id="rId18"/>
-    <p:sldId id="268" r:id="rId19"/>
-    <p:sldId id="269" r:id="rId20"/>
-    <p:sldId id="270" r:id="rId21"/>
-    <p:sldId id="271" r:id="rId22"/>
+    <p:sldId id="278" r:id="rId6"/>
+    <p:sldId id="274" r:id="rId7"/>
+    <p:sldId id="256" r:id="rId8"/>
+    <p:sldId id="257" r:id="rId9"/>
+    <p:sldId id="258" r:id="rId10"/>
+    <p:sldId id="263" r:id="rId11"/>
+    <p:sldId id="259" r:id="rId12"/>
+    <p:sldId id="264" r:id="rId13"/>
+    <p:sldId id="260" r:id="rId14"/>
+    <p:sldId id="265" r:id="rId15"/>
+    <p:sldId id="261" r:id="rId16"/>
+    <p:sldId id="266" r:id="rId17"/>
+    <p:sldId id="262" r:id="rId18"/>
+    <p:sldId id="267" r:id="rId19"/>
+    <p:sldId id="268" r:id="rId20"/>
+    <p:sldId id="269" r:id="rId21"/>
+    <p:sldId id="270" r:id="rId22"/>
     <p:sldId id="272" r:id="rId23"/>
+    <p:sldId id="279" r:id="rId24"/>
   </p:sldIdLst>
   <p:sldSz cx="9144000" cy="6858000" type="screen4x3"/>
   <p:notesSz cx="6858000" cy="9144000"/>
@@ -309,7 +310,7 @@
           <a:p>
             <a:fld id="{1A4ED077-2146-4CF9-9626-6D2CC7ECDC9E}" type="datetimeFigureOut">
               <a:rPr lang="pt-BR" smtClean="0"/>
-              <a:t>31/07/2012</a:t>
+              <a:t>01/08/2012</a:t>
             </a:fld>
             <a:endParaRPr lang="pt-BR"/>
           </a:p>
@@ -479,7 +480,7 @@
           <a:p>
             <a:fld id="{1A4ED077-2146-4CF9-9626-6D2CC7ECDC9E}" type="datetimeFigureOut">
               <a:rPr lang="pt-BR" smtClean="0"/>
-              <a:t>31/07/2012</a:t>
+              <a:t>01/08/2012</a:t>
             </a:fld>
             <a:endParaRPr lang="pt-BR"/>
           </a:p>
@@ -659,7 +660,7 @@
           <a:p>
             <a:fld id="{1A4ED077-2146-4CF9-9626-6D2CC7ECDC9E}" type="datetimeFigureOut">
               <a:rPr lang="pt-BR" smtClean="0"/>
-              <a:t>31/07/2012</a:t>
+              <a:t>01/08/2012</a:t>
             </a:fld>
             <a:endParaRPr lang="pt-BR"/>
           </a:p>
@@ -829,7 +830,7 @@
           <a:p>
             <a:fld id="{1A4ED077-2146-4CF9-9626-6D2CC7ECDC9E}" type="datetimeFigureOut">
               <a:rPr lang="pt-BR" smtClean="0"/>
-              <a:t>31/07/2012</a:t>
+              <a:t>01/08/2012</a:t>
             </a:fld>
             <a:endParaRPr lang="pt-BR"/>
           </a:p>
@@ -1075,7 +1076,7 @@
           <a:p>
             <a:fld id="{1A4ED077-2146-4CF9-9626-6D2CC7ECDC9E}" type="datetimeFigureOut">
               <a:rPr lang="pt-BR" smtClean="0"/>
-              <a:t>31/07/2012</a:t>
+              <a:t>01/08/2012</a:t>
             </a:fld>
             <a:endParaRPr lang="pt-BR"/>
           </a:p>
@@ -1363,7 +1364,7 @@
           <a:p>
             <a:fld id="{1A4ED077-2146-4CF9-9626-6D2CC7ECDC9E}" type="datetimeFigureOut">
               <a:rPr lang="pt-BR" smtClean="0"/>
-              <a:t>31/07/2012</a:t>
+              <a:t>01/08/2012</a:t>
             </a:fld>
             <a:endParaRPr lang="pt-BR"/>
           </a:p>
@@ -1785,7 +1786,7 @@
           <a:p>
             <a:fld id="{1A4ED077-2146-4CF9-9626-6D2CC7ECDC9E}" type="datetimeFigureOut">
               <a:rPr lang="pt-BR" smtClean="0"/>
-              <a:t>31/07/2012</a:t>
+              <a:t>01/08/2012</a:t>
             </a:fld>
             <a:endParaRPr lang="pt-BR"/>
           </a:p>
@@ -1903,7 +1904,7 @@
           <a:p>
             <a:fld id="{1A4ED077-2146-4CF9-9626-6D2CC7ECDC9E}" type="datetimeFigureOut">
               <a:rPr lang="pt-BR" smtClean="0"/>
-              <a:t>31/07/2012</a:t>
+              <a:t>01/08/2012</a:t>
             </a:fld>
             <a:endParaRPr lang="pt-BR"/>
           </a:p>
@@ -1998,7 +1999,7 @@
           <a:p>
             <a:fld id="{1A4ED077-2146-4CF9-9626-6D2CC7ECDC9E}" type="datetimeFigureOut">
               <a:rPr lang="pt-BR" smtClean="0"/>
-              <a:t>31/07/2012</a:t>
+              <a:t>01/08/2012</a:t>
             </a:fld>
             <a:endParaRPr lang="pt-BR"/>
           </a:p>
@@ -2275,7 +2276,7 @@
           <a:p>
             <a:fld id="{1A4ED077-2146-4CF9-9626-6D2CC7ECDC9E}" type="datetimeFigureOut">
               <a:rPr lang="pt-BR" smtClean="0"/>
-              <a:t>31/07/2012</a:t>
+              <a:t>01/08/2012</a:t>
             </a:fld>
             <a:endParaRPr lang="pt-BR"/>
           </a:p>
@@ -2528,7 +2529,7 @@
           <a:p>
             <a:fld id="{1A4ED077-2146-4CF9-9626-6D2CC7ECDC9E}" type="datetimeFigureOut">
               <a:rPr lang="pt-BR" smtClean="0"/>
-              <a:t>31/07/2012</a:t>
+              <a:t>01/08/2012</a:t>
             </a:fld>
             <a:endParaRPr lang="pt-BR"/>
           </a:p>
@@ -2741,7 +2742,7 @@
           <a:p>
             <a:fld id="{1A4ED077-2146-4CF9-9626-6D2CC7ECDC9E}" type="datetimeFigureOut">
               <a:rPr lang="pt-BR" smtClean="0"/>
-              <a:t>31/07/2012</a:t>
+              <a:t>01/08/2012</a:t>
             </a:fld>
             <a:endParaRPr lang="pt-BR"/>
           </a:p>
@@ -3204,6 +3205,485 @@
         </p:nvSpPr>
         <p:spPr>
           <a:xfrm>
+            <a:off x="827584" y="313598"/>
+            <a:ext cx="1840568" cy="2031325"/>
+          </a:xfrm>
+          <a:prstGeom prst="rect">
+            <a:avLst/>
+          </a:prstGeom>
+          <a:noFill/>
+        </p:spPr>
+        <p:txBody>
+          <a:bodyPr wrap="none" rtlCol="0">
+            <a:spAutoFit/>
+          </a:bodyPr>
+          <a:lstStyle/>
+          <a:p>
+            <a:r>
+              <a:rPr lang="pt-BR" dirty="0" smtClean="0"/>
+              <a:t>Opção A</a:t>
+            </a:r>
+          </a:p>
+          <a:p>
+            <a:r>
+              <a:rPr lang="pt-BR" dirty="0" smtClean="0"/>
+              <a:t>Sinal  = R$ 200,00</a:t>
+            </a:r>
+          </a:p>
+          <a:p>
+            <a:r>
+              <a:rPr lang="pt-BR" dirty="0" smtClean="0"/>
+              <a:t>C = ?</a:t>
+            </a:r>
+          </a:p>
+          <a:p>
+            <a:r>
+              <a:rPr lang="pt-BR" dirty="0" smtClean="0"/>
+              <a:t>i = 20%a.a.</a:t>
+            </a:r>
+          </a:p>
+          <a:p>
+            <a:r>
+              <a:rPr lang="pt-BR" dirty="0" smtClean="0"/>
+              <a:t>n = 2 a</a:t>
+            </a:r>
+          </a:p>
+          <a:p>
+            <a:r>
+              <a:rPr lang="pt-BR" dirty="0" smtClean="0"/>
+              <a:t>M = R$ 300,00</a:t>
+            </a:r>
+          </a:p>
+          <a:p>
+            <a:endParaRPr lang="pt-BR" dirty="0"/>
+          </a:p>
+        </p:txBody>
+      </p:sp>
+      <p:sp>
+        <p:nvSpPr>
+          <p:cNvPr id="3" name="CaixaDeTexto 2"/>
+          <p:cNvSpPr txBox="1"/>
+          <p:nvPr/>
+        </p:nvSpPr>
+        <p:spPr>
+          <a:xfrm>
+            <a:off x="6084168" y="313596"/>
+            <a:ext cx="1840568" cy="2031325"/>
+          </a:xfrm>
+          <a:prstGeom prst="rect">
+            <a:avLst/>
+          </a:prstGeom>
+          <a:noFill/>
+        </p:spPr>
+        <p:txBody>
+          <a:bodyPr wrap="none" rtlCol="0">
+            <a:spAutoFit/>
+          </a:bodyPr>
+          <a:lstStyle/>
+          <a:p>
+            <a:r>
+              <a:rPr lang="pt-BR" dirty="0" smtClean="0"/>
+              <a:t>Opção B</a:t>
+            </a:r>
+          </a:p>
+          <a:p>
+            <a:r>
+              <a:rPr lang="pt-BR" dirty="0" smtClean="0"/>
+              <a:t>Sinal  = R$ 240,00</a:t>
+            </a:r>
+          </a:p>
+          <a:p>
+            <a:r>
+              <a:rPr lang="pt-BR" dirty="0" smtClean="0"/>
+              <a:t>C = ?</a:t>
+            </a:r>
+          </a:p>
+          <a:p>
+            <a:r>
+              <a:rPr lang="pt-BR" dirty="0" smtClean="0"/>
+              <a:t>i = 20%a.a.</a:t>
+            </a:r>
+          </a:p>
+          <a:p>
+            <a:r>
+              <a:rPr lang="pt-BR" dirty="0" smtClean="0"/>
+              <a:t>n = 2 a</a:t>
+            </a:r>
+          </a:p>
+          <a:p>
+            <a:r>
+              <a:rPr lang="pt-BR" dirty="0" smtClean="0"/>
+              <a:t>M = R$ 245,00</a:t>
+            </a:r>
+          </a:p>
+          <a:p>
+            <a:endParaRPr lang="pt-BR" dirty="0"/>
+          </a:p>
+        </p:txBody>
+      </p:sp>
+      <p:sp>
+        <p:nvSpPr>
+          <p:cNvPr id="4" name="CaixaDeTexto 3"/>
+          <p:cNvSpPr txBox="1"/>
+          <p:nvPr/>
+        </p:nvSpPr>
+        <p:spPr>
+          <a:xfrm>
+            <a:off x="800409" y="2348880"/>
+            <a:ext cx="2953053" cy="2031325"/>
+          </a:xfrm>
+          <a:prstGeom prst="rect">
+            <a:avLst/>
+          </a:prstGeom>
+          <a:noFill/>
+        </p:spPr>
+        <p:txBody>
+          <a:bodyPr wrap="none" rtlCol="0">
+            <a:spAutoFit/>
+          </a:bodyPr>
+          <a:lstStyle/>
+          <a:p>
+            <a:r>
+              <a:rPr lang="pt-BR" dirty="0" smtClean="0">
+                <a:ea typeface="Cambria Math"/>
+              </a:rPr>
+              <a:t>300 CHS FV</a:t>
+            </a:r>
+          </a:p>
+          <a:p>
+            <a:r>
+              <a:rPr lang="pt-BR" dirty="0" smtClean="0">
+                <a:ea typeface="Cambria Math"/>
+              </a:rPr>
+              <a:t>20 i</a:t>
+            </a:r>
+          </a:p>
+          <a:p>
+            <a:r>
+              <a:rPr lang="pt-BR" b="0" dirty="0" smtClean="0">
+                <a:ea typeface="Cambria Math"/>
+              </a:rPr>
+              <a:t>2 n</a:t>
+            </a:r>
+          </a:p>
+          <a:p>
+            <a:r>
+              <a:rPr lang="pt-BR" dirty="0" smtClean="0">
+                <a:ea typeface="Cambria Math"/>
+              </a:rPr>
+              <a:t>PV 		</a:t>
+            </a:r>
+            <a:r>
+              <a:rPr lang="pt-BR" dirty="0" smtClean="0">
+                <a:ea typeface="Cambria Math"/>
+                <a:sym typeface="Wingdings" pitchFamily="2" charset="2"/>
+              </a:rPr>
+              <a:t> 208,33</a:t>
+            </a:r>
+          </a:p>
+          <a:p>
+            <a:r>
+              <a:rPr lang="pt-BR" b="0" dirty="0" smtClean="0">
+                <a:ea typeface="Cambria Math"/>
+                <a:sym typeface="Wingdings" pitchFamily="2" charset="2"/>
+              </a:rPr>
+              <a:t>[</a:t>
+            </a:r>
+            <a:r>
+              <a:rPr lang="pt-BR" b="0" dirty="0" err="1" smtClean="0">
+                <a:ea typeface="Cambria Math"/>
+                <a:sym typeface="Wingdings" pitchFamily="2" charset="2"/>
+              </a:rPr>
+              <a:t>Enter</a:t>
+            </a:r>
+            <a:r>
+              <a:rPr lang="pt-BR" b="0" dirty="0" smtClean="0">
+                <a:ea typeface="Cambria Math"/>
+                <a:sym typeface="Wingdings" pitchFamily="2" charset="2"/>
+              </a:rPr>
+              <a:t>]</a:t>
+            </a:r>
+          </a:p>
+          <a:p>
+            <a:r>
+              <a:rPr lang="pt-BR" dirty="0">
+                <a:ea typeface="Cambria Math"/>
+                <a:sym typeface="Wingdings" pitchFamily="2" charset="2"/>
+              </a:rPr>
+              <a:t>2</a:t>
+            </a:r>
+            <a:r>
+              <a:rPr lang="pt-BR" dirty="0" smtClean="0">
+                <a:ea typeface="Cambria Math"/>
+                <a:sym typeface="Wingdings" pitchFamily="2" charset="2"/>
+              </a:rPr>
+              <a:t>00 +		 408,33</a:t>
+            </a:r>
+          </a:p>
+          <a:p>
+            <a:endParaRPr lang="pt-BR" b="0" dirty="0" smtClean="0">
+              <a:ea typeface="Cambria Math"/>
+            </a:endParaRPr>
+          </a:p>
+        </p:txBody>
+      </p:sp>
+      <p:sp>
+        <p:nvSpPr>
+          <p:cNvPr id="7" name="CaixaDeTexto 6"/>
+          <p:cNvSpPr txBox="1"/>
+          <p:nvPr/>
+        </p:nvSpPr>
+        <p:spPr>
+          <a:xfrm>
+            <a:off x="5328671" y="2344921"/>
+            <a:ext cx="2953053" cy="1754326"/>
+          </a:xfrm>
+          <a:prstGeom prst="rect">
+            <a:avLst/>
+          </a:prstGeom>
+          <a:noFill/>
+        </p:spPr>
+        <p:txBody>
+          <a:bodyPr wrap="none" rtlCol="0">
+            <a:spAutoFit/>
+          </a:bodyPr>
+          <a:lstStyle/>
+          <a:p>
+            <a:r>
+              <a:rPr lang="pt-BR" b="0" dirty="0" smtClean="0">
+                <a:ea typeface="Cambria Math"/>
+              </a:rPr>
+              <a:t>245 CHS FV</a:t>
+            </a:r>
+          </a:p>
+          <a:p>
+            <a:r>
+              <a:rPr lang="pt-BR" dirty="0" smtClean="0">
+                <a:ea typeface="Cambria Math"/>
+              </a:rPr>
+              <a:t>20 i</a:t>
+            </a:r>
+          </a:p>
+          <a:p>
+            <a:r>
+              <a:rPr lang="pt-BR" b="0" dirty="0" smtClean="0">
+                <a:ea typeface="Cambria Math"/>
+              </a:rPr>
+              <a:t>2 n</a:t>
+            </a:r>
+          </a:p>
+          <a:p>
+            <a:r>
+              <a:rPr lang="pt-BR" dirty="0" smtClean="0">
+                <a:ea typeface="Cambria Math"/>
+              </a:rPr>
+              <a:t>PV		</a:t>
+            </a:r>
+            <a:r>
+              <a:rPr lang="pt-BR" dirty="0" smtClean="0">
+                <a:ea typeface="Cambria Math"/>
+                <a:sym typeface="Wingdings" pitchFamily="2" charset="2"/>
+              </a:rPr>
+              <a:t> 170,14</a:t>
+            </a:r>
+          </a:p>
+          <a:p>
+            <a:r>
+              <a:rPr lang="pt-BR" b="0" dirty="0" smtClean="0">
+                <a:ea typeface="Cambria Math"/>
+                <a:sym typeface="Wingdings" pitchFamily="2" charset="2"/>
+              </a:rPr>
+              <a:t>[</a:t>
+            </a:r>
+            <a:r>
+              <a:rPr lang="pt-BR" b="0" dirty="0" err="1" smtClean="0">
+                <a:ea typeface="Cambria Math"/>
+                <a:sym typeface="Wingdings" pitchFamily="2" charset="2"/>
+              </a:rPr>
+              <a:t>Enter</a:t>
+            </a:r>
+            <a:r>
+              <a:rPr lang="pt-BR" b="0" dirty="0" smtClean="0">
+                <a:ea typeface="Cambria Math"/>
+                <a:sym typeface="Wingdings" pitchFamily="2" charset="2"/>
+              </a:rPr>
+              <a:t>]</a:t>
+            </a:r>
+          </a:p>
+          <a:p>
+            <a:r>
+              <a:rPr lang="pt-BR" dirty="0" smtClean="0">
+                <a:ea typeface="Cambria Math"/>
+                <a:sym typeface="Wingdings" pitchFamily="2" charset="2"/>
+              </a:rPr>
+              <a:t>240+		 410,14</a:t>
+            </a:r>
+            <a:endParaRPr lang="pt-BR" b="0" dirty="0" smtClean="0">
+              <a:ea typeface="Cambria Math"/>
+            </a:endParaRPr>
+          </a:p>
+        </p:txBody>
+      </p:sp>
+      <p:cxnSp>
+        <p:nvCxnSpPr>
+          <p:cNvPr id="11" name="Conector reto 10"/>
+          <p:cNvCxnSpPr/>
+          <p:nvPr/>
+        </p:nvCxnSpPr>
+        <p:spPr>
+          <a:xfrm>
+            <a:off x="4427984" y="313598"/>
+            <a:ext cx="0" cy="5540260"/>
+          </a:xfrm>
+          <a:prstGeom prst="line">
+            <a:avLst/>
+          </a:prstGeom>
+        </p:spPr>
+        <p:style>
+          <a:lnRef idx="1">
+            <a:schemeClr val="accent1"/>
+          </a:lnRef>
+          <a:fillRef idx="0">
+            <a:schemeClr val="accent1"/>
+          </a:fillRef>
+          <a:effectRef idx="0">
+            <a:schemeClr val="accent1"/>
+          </a:effectRef>
+          <a:fontRef idx="minor">
+            <a:schemeClr val="tx1"/>
+          </a:fontRef>
+        </p:style>
+      </p:cxnSp>
+      <p:sp>
+        <p:nvSpPr>
+          <p:cNvPr id="12" name="CaixaDeTexto 11"/>
+          <p:cNvSpPr txBox="1"/>
+          <p:nvPr/>
+        </p:nvSpPr>
+        <p:spPr>
+          <a:xfrm>
+            <a:off x="2961163" y="6340678"/>
+            <a:ext cx="2630207" cy="369332"/>
+          </a:xfrm>
+          <a:prstGeom prst="rect">
+            <a:avLst/>
+          </a:prstGeom>
+          <a:noFill/>
+        </p:spPr>
+        <p:txBody>
+          <a:bodyPr wrap="none" rtlCol="0">
+            <a:spAutoFit/>
+          </a:bodyPr>
+          <a:lstStyle/>
+          <a:p>
+            <a:r>
+              <a:rPr lang="pt-BR" u="sng" dirty="0" smtClean="0"/>
+              <a:t>Opção A  </a:t>
+            </a:r>
+            <a:r>
+              <a:rPr lang="pt-BR" dirty="0" smtClean="0"/>
+              <a:t>é mais vantajosa</a:t>
+            </a:r>
+            <a:endParaRPr lang="pt-BR" dirty="0"/>
+          </a:p>
+        </p:txBody>
+      </p:sp>
+      <p:sp>
+        <p:nvSpPr>
+          <p:cNvPr id="13" name="Elipse 12"/>
+          <p:cNvSpPr/>
+          <p:nvPr/>
+        </p:nvSpPr>
+        <p:spPr>
+          <a:xfrm>
+            <a:off x="35496" y="188640"/>
+            <a:ext cx="821770" cy="792088"/>
+          </a:xfrm>
+          <a:prstGeom prst="ellipse">
+            <a:avLst/>
+          </a:prstGeom>
+        </p:spPr>
+        <p:style>
+          <a:lnRef idx="2">
+            <a:schemeClr val="accent1">
+              <a:shade val="50000"/>
+            </a:schemeClr>
+          </a:lnRef>
+          <a:fillRef idx="1">
+            <a:schemeClr val="accent1"/>
+          </a:fillRef>
+          <a:effectRef idx="0">
+            <a:schemeClr val="accent1"/>
+          </a:effectRef>
+          <a:fontRef idx="minor">
+            <a:schemeClr val="lt1"/>
+          </a:fontRef>
+        </p:style>
+        <p:txBody>
+          <a:bodyPr rtlCol="0" anchor="ctr"/>
+          <a:lstStyle/>
+          <a:p>
+            <a:pPr algn="ctr"/>
+            <a:r>
+              <a:rPr lang="pt-BR" sz="1600" dirty="0" smtClean="0"/>
+              <a:t>3</a:t>
+            </a:r>
+          </a:p>
+          <a:p>
+            <a:pPr algn="ctr"/>
+            <a:r>
+              <a:rPr lang="pt-BR" sz="1600" dirty="0" smtClean="0"/>
+              <a:t>HP</a:t>
+            </a:r>
+          </a:p>
+          <a:p>
+            <a:pPr algn="ctr"/>
+            <a:r>
+              <a:rPr lang="pt-BR" sz="1600" dirty="0" smtClean="0"/>
+              <a:t>12c</a:t>
+            </a:r>
+            <a:endParaRPr lang="pt-BR" dirty="0"/>
+          </a:p>
+        </p:txBody>
+      </p:sp>
+    </p:spTree>
+    <p:extLst>
+      <p:ext uri="{BB962C8B-B14F-4D97-AF65-F5344CB8AC3E}">
+        <p14:creationId xmlns:p14="http://schemas.microsoft.com/office/powerpoint/2010/main" val="2124448715"/>
+      </p:ext>
+    </p:extLst>
+  </p:cSld>
+  <p:clrMapOvr>
+    <a:masterClrMapping/>
+  </p:clrMapOvr>
+</p:sld>
+</file>
+
+<file path=ppt/slides/slide11.xml><?xml version="1.0" encoding="utf-8"?>
+<p:sld xmlns:a="http://schemas.openxmlformats.org/drawingml/2006/main" xmlns:r="http://schemas.openxmlformats.org/officeDocument/2006/relationships" xmlns:p="http://schemas.openxmlformats.org/presentationml/2006/main">
+  <p:cSld>
+    <p:spTree>
+      <p:nvGrpSpPr>
+        <p:cNvPr id="1" name=""/>
+        <p:cNvGrpSpPr/>
+        <p:nvPr/>
+      </p:nvGrpSpPr>
+      <p:grpSpPr>
+        <a:xfrm>
+          <a:off x="0" y="0"/>
+          <a:ext cx="0" cy="0"/>
+          <a:chOff x="0" y="0"/>
+          <a:chExt cx="0" cy="0"/>
+        </a:xfrm>
+      </p:grpSpPr>
+      <p:sp>
+        <p:nvSpPr>
+          <p:cNvPr id="2" name="CaixaDeTexto 1"/>
+          <p:cNvSpPr txBox="1"/>
+          <p:nvPr/>
+        </p:nvSpPr>
+        <p:spPr>
+          <a:xfrm>
             <a:off x="683568" y="764704"/>
             <a:ext cx="3603872" cy="2862322"/>
           </a:xfrm>
@@ -4092,7 +4572,7 @@
 </p:sld>
 </file>
 
-<file path=ppt/slides/slide11.xml><?xml version="1.0" encoding="utf-8"?>
+<file path=ppt/slides/slide12.xml><?xml version="1.0" encoding="utf-8"?>
 <p:sld xmlns:a="http://schemas.openxmlformats.org/drawingml/2006/main" xmlns:r="http://schemas.openxmlformats.org/officeDocument/2006/relationships" xmlns:p="http://schemas.openxmlformats.org/presentationml/2006/main">
   <p:cSld>
     <p:spTree>
@@ -4622,7 +5102,7 @@
 </p:sld>
 </file>
 
-<file path=ppt/slides/slide12.xml><?xml version="1.0" encoding="utf-8"?>
+<file path=ppt/slides/slide13.xml><?xml version="1.0" encoding="utf-8"?>
 <p:sld xmlns:a="http://schemas.openxmlformats.org/drawingml/2006/main" xmlns:r="http://schemas.openxmlformats.org/officeDocument/2006/relationships" xmlns:p="http://schemas.openxmlformats.org/presentationml/2006/main">
   <p:cSld>
     <p:spTree>
@@ -5488,7 +5968,7 @@
 </p:sld>
 </file>
 
-<file path=ppt/slides/slide13.xml><?xml version="1.0" encoding="utf-8"?>
+<file path=ppt/slides/slide14.xml><?xml version="1.0" encoding="utf-8"?>
 <p:sld xmlns:a="http://schemas.openxmlformats.org/drawingml/2006/main" xmlns:r="http://schemas.openxmlformats.org/officeDocument/2006/relationships" xmlns:p="http://schemas.openxmlformats.org/presentationml/2006/main">
   <p:cSld>
     <p:spTree>
@@ -5993,7 +6473,7 @@
 </p:sld>
 </file>
 
-<file path=ppt/slides/slide14.xml><?xml version="1.0" encoding="utf-8"?>
+<file path=ppt/slides/slide15.xml><?xml version="1.0" encoding="utf-8"?>
 <p:sld xmlns:a="http://schemas.openxmlformats.org/drawingml/2006/main" xmlns:r="http://schemas.openxmlformats.org/officeDocument/2006/relationships" xmlns:p="http://schemas.openxmlformats.org/presentationml/2006/main">
   <p:cSld>
     <p:spTree>
@@ -6910,7 +7390,7 @@
 </p:sld>
 </file>
 
-<file path=ppt/slides/slide15.xml><?xml version="1.0" encoding="utf-8"?>
+<file path=ppt/slides/slide16.xml><?xml version="1.0" encoding="utf-8"?>
 <p:sld xmlns:a="http://schemas.openxmlformats.org/drawingml/2006/main" xmlns:r="http://schemas.openxmlformats.org/officeDocument/2006/relationships" xmlns:p="http://schemas.openxmlformats.org/presentationml/2006/main">
   <p:cSld>
     <p:spTree>
@@ -7458,7 +7938,7 @@
 </p:sld>
 </file>
 
-<file path=ppt/slides/slide16.xml><?xml version="1.0" encoding="utf-8"?>
+<file path=ppt/slides/slide17.xml><?xml version="1.0" encoding="utf-8"?>
 <p:sld xmlns:a="http://schemas.openxmlformats.org/drawingml/2006/main" xmlns:r="http://schemas.openxmlformats.org/officeDocument/2006/relationships" xmlns:p="http://schemas.openxmlformats.org/presentationml/2006/main">
   <p:cSld>
     <p:spTree>
@@ -8800,7 +9280,7 @@
 </p:sld>
 </file>
 
-<file path=ppt/slides/slide17.xml><?xml version="1.0" encoding="utf-8"?>
+<file path=ppt/slides/slide18.xml><?xml version="1.0" encoding="utf-8"?>
 <p:sld xmlns:a="http://schemas.openxmlformats.org/drawingml/2006/main" xmlns:r="http://schemas.openxmlformats.org/officeDocument/2006/relationships" xmlns:p="http://schemas.openxmlformats.org/presentationml/2006/main">
   <p:cSld>
     <p:spTree>
@@ -9721,7 +10201,7 @@
 </p:sld>
 </file>
 
-<file path=ppt/slides/slide18.xml><?xml version="1.0" encoding="utf-8"?>
+<file path=ppt/slides/slide19.xml><?xml version="1.0" encoding="utf-8"?>
 <p:sld xmlns:a="http://schemas.openxmlformats.org/drawingml/2006/main" xmlns:r="http://schemas.openxmlformats.org/officeDocument/2006/relationships" xmlns:p="http://schemas.openxmlformats.org/presentationml/2006/main">
   <p:cSld>
     <p:spTree>
@@ -10442,745 +10922,6 @@
 </p:sld>
 </file>
 
-<file path=ppt/slides/slide19.xml><?xml version="1.0" encoding="utf-8"?>
-<p:sld xmlns:a="http://schemas.openxmlformats.org/drawingml/2006/main" xmlns:r="http://schemas.openxmlformats.org/officeDocument/2006/relationships" xmlns:p="http://schemas.openxmlformats.org/presentationml/2006/main">
-  <p:cSld>
-    <p:spTree>
-      <p:nvGrpSpPr>
-        <p:cNvPr id="1" name=""/>
-        <p:cNvGrpSpPr/>
-        <p:nvPr/>
-      </p:nvGrpSpPr>
-      <p:grpSpPr>
-        <a:xfrm>
-          <a:off x="0" y="0"/>
-          <a:ext cx="0" cy="0"/>
-          <a:chOff x="0" y="0"/>
-          <a:chExt cx="0" cy="0"/>
-        </a:xfrm>
-      </p:grpSpPr>
-      <p:sp>
-        <p:nvSpPr>
-          <p:cNvPr id="2" name="Elipse 1"/>
-          <p:cNvSpPr/>
-          <p:nvPr/>
-        </p:nvSpPr>
-        <p:spPr>
-          <a:xfrm>
-            <a:off x="107504" y="44624"/>
-            <a:ext cx="821770" cy="792088"/>
-          </a:xfrm>
-          <a:prstGeom prst="ellipse">
-            <a:avLst/>
-          </a:prstGeom>
-        </p:spPr>
-        <p:style>
-          <a:lnRef idx="2">
-            <a:schemeClr val="accent1">
-              <a:shade val="50000"/>
-            </a:schemeClr>
-          </a:lnRef>
-          <a:fillRef idx="1">
-            <a:schemeClr val="accent1"/>
-          </a:fillRef>
-          <a:effectRef idx="0">
-            <a:schemeClr val="accent1"/>
-          </a:effectRef>
-          <a:fontRef idx="minor">
-            <a:schemeClr val="lt1"/>
-          </a:fontRef>
-        </p:style>
-        <p:txBody>
-          <a:bodyPr rtlCol="0" anchor="ctr"/>
-          <a:lstStyle/>
-          <a:p>
-            <a:pPr algn="ctr"/>
-            <a:r>
-              <a:rPr lang="pt-BR" dirty="0" smtClean="0"/>
-              <a:t>9</a:t>
-            </a:r>
-            <a:endParaRPr lang="pt-BR" dirty="0"/>
-          </a:p>
-        </p:txBody>
-      </p:sp>
-      <mc:AlternateContent xmlns:mc="http://schemas.openxmlformats.org/markup-compatibility/2006" xmlns:a14="http://schemas.microsoft.com/office/drawing/2010/main">
-        <mc:Choice Requires="a14">
-          <p:sp>
-            <p:nvSpPr>
-              <p:cNvPr id="3" name="CaixaDeTexto 2"/>
-              <p:cNvSpPr txBox="1"/>
-              <p:nvPr/>
-            </p:nvSpPr>
-            <p:spPr>
-              <a:xfrm>
-                <a:off x="1330419" y="1988840"/>
-                <a:ext cx="2552750" cy="2455416"/>
-              </a:xfrm>
-              <a:prstGeom prst="rect">
-                <a:avLst/>
-              </a:prstGeom>
-              <a:noFill/>
-            </p:spPr>
-            <p:txBody>
-              <a:bodyPr wrap="none" rtlCol="0">
-                <a:spAutoFit/>
-              </a:bodyPr>
-              <a:lstStyle/>
-              <a:p>
-                <a:pPr algn="ctr"/>
-                <a:r>
-                  <a:rPr lang="pt-BR" b="1" dirty="0" smtClean="0"/>
-                  <a:t>Fórmula</a:t>
-                </a:r>
-              </a:p>
-              <a:p>
-                <a:pPr algn="ctr"/>
-                <a14:m>
-                  <m:oMathPara xmlns:m="http://schemas.openxmlformats.org/officeDocument/2006/math">
-                    <m:oMathParaPr>
-                      <m:jc m:val="centerGroup"/>
-                    </m:oMathParaPr>
-                    <m:oMath xmlns:m="http://schemas.openxmlformats.org/officeDocument/2006/math">
-                      <m:sSub>
-                        <m:sSubPr>
-                          <m:ctrlPr>
-                            <a:rPr lang="pt-BR" i="1" smtClean="0">
-                              <a:latin typeface="Cambria Math"/>
-                            </a:rPr>
-                          </m:ctrlPr>
-                        </m:sSubPr>
-                        <m:e>
-                          <m:r>
-                            <a:rPr lang="pt-BR" b="0" i="1" smtClean="0">
-                              <a:latin typeface="Cambria Math"/>
-                            </a:rPr>
-                            <m:t>𝑖</m:t>
-                          </m:r>
-                        </m:e>
-                        <m:sub>
-                          <m:r>
-                            <a:rPr lang="pt-BR" b="0" i="1" smtClean="0">
-                              <a:latin typeface="Cambria Math"/>
-                            </a:rPr>
-                            <m:t>𝑘</m:t>
-                          </m:r>
-                        </m:sub>
-                      </m:sSub>
-                      <m:r>
-                        <a:rPr lang="pt-BR" i="1" smtClean="0">
-                          <a:latin typeface="Cambria Math"/>
-                          <a:ea typeface="Cambria Math"/>
-                        </a:rPr>
-                        <m:t>=</m:t>
-                      </m:r>
-                      <m:r>
-                        <a:rPr lang="pt-BR" b="0" i="1" smtClean="0">
-                          <a:latin typeface="Cambria Math"/>
-                          <a:ea typeface="Cambria Math"/>
-                        </a:rPr>
-                        <m:t>1 − </m:t>
-                      </m:r>
-                      <m:sSup>
-                        <m:sSupPr>
-                          <m:ctrlPr>
-                            <a:rPr lang="pt-BR" b="0" i="1" smtClean="0">
-                              <a:latin typeface="Cambria Math"/>
-                              <a:ea typeface="Cambria Math"/>
-                            </a:rPr>
-                          </m:ctrlPr>
-                        </m:sSupPr>
-                        <m:e>
-                          <m:r>
-                            <a:rPr lang="pt-BR" i="1">
-                              <a:latin typeface="Cambria Math"/>
-                              <a:ea typeface="Cambria Math"/>
-                            </a:rPr>
-                            <m:t>(1+</m:t>
-                          </m:r>
-                          <m:sSub>
-                            <m:sSubPr>
-                              <m:ctrlPr>
-                                <a:rPr lang="pt-BR" i="1">
-                                  <a:latin typeface="Cambria Math"/>
-                                  <a:ea typeface="Cambria Math"/>
-                                </a:rPr>
-                              </m:ctrlPr>
-                            </m:sSubPr>
-                            <m:e>
-                              <m:r>
-                                <a:rPr lang="pt-BR" i="1">
-                                  <a:latin typeface="Cambria Math"/>
-                                  <a:ea typeface="Cambria Math"/>
-                                </a:rPr>
-                                <m:t>𝑖</m:t>
-                              </m:r>
-                            </m:e>
-                            <m:sub>
-                              <m:r>
-                                <a:rPr lang="pt-BR" b="0" i="1" smtClean="0">
-                                  <a:latin typeface="Cambria Math"/>
-                                  <a:ea typeface="Cambria Math"/>
-                                </a:rPr>
-                                <m:t>𝑝</m:t>
-                              </m:r>
-                            </m:sub>
-                          </m:sSub>
-                          <m:r>
-                            <a:rPr lang="pt-BR" i="1">
-                              <a:latin typeface="Cambria Math"/>
-                              <a:ea typeface="Cambria Math"/>
-                            </a:rPr>
-                            <m:t>)</m:t>
-                          </m:r>
-                        </m:e>
-                        <m:sup>
-                          <m:r>
-                            <a:rPr lang="pt-BR" b="0" i="1" smtClean="0">
-                              <a:latin typeface="Cambria Math"/>
-                              <a:ea typeface="Cambria Math"/>
-                            </a:rPr>
-                            <m:t>𝑛</m:t>
-                          </m:r>
-                        </m:sup>
-                      </m:sSup>
-                    </m:oMath>
-                  </m:oMathPara>
-                </a14:m>
-                <a:endParaRPr lang="pt-BR" dirty="0" smtClean="0"/>
-              </a:p>
-              <a:p>
-                <a:pPr algn="ctr"/>
-                <a14:m>
-                  <m:oMathPara xmlns:m="http://schemas.openxmlformats.org/officeDocument/2006/math">
-                    <m:oMathParaPr>
-                      <m:jc m:val="centerGroup"/>
-                    </m:oMathParaPr>
-                    <m:oMath xmlns:m="http://schemas.openxmlformats.org/officeDocument/2006/math">
-                      <m:sSub>
-                        <m:sSubPr>
-                          <m:ctrlPr>
-                            <a:rPr lang="pt-BR" i="1">
-                              <a:latin typeface="Cambria Math"/>
-                            </a:rPr>
-                          </m:ctrlPr>
-                        </m:sSubPr>
-                        <m:e>
-                          <m:r>
-                            <a:rPr lang="pt-BR" i="1">
-                              <a:latin typeface="Cambria Math"/>
-                            </a:rPr>
-                            <m:t>𝑖</m:t>
-                          </m:r>
-                        </m:e>
-                        <m:sub>
-                          <m:r>
-                            <a:rPr lang="pt-BR" b="0" i="1" smtClean="0">
-                              <a:latin typeface="Cambria Math"/>
-                            </a:rPr>
-                            <m:t>1</m:t>
-                          </m:r>
-                        </m:sub>
-                      </m:sSub>
-                      <m:r>
-                        <a:rPr lang="pt-BR" i="1">
-                          <a:latin typeface="Cambria Math"/>
-                          <a:ea typeface="Cambria Math"/>
-                        </a:rPr>
-                        <m:t>=1 − </m:t>
-                      </m:r>
-                      <m:sSup>
-                        <m:sSupPr>
-                          <m:ctrlPr>
-                            <a:rPr lang="pt-BR" i="1">
-                              <a:latin typeface="Cambria Math"/>
-                              <a:ea typeface="Cambria Math"/>
-                            </a:rPr>
-                          </m:ctrlPr>
-                        </m:sSupPr>
-                        <m:e>
-                          <m:r>
-                            <a:rPr lang="pt-BR" i="1">
-                              <a:latin typeface="Cambria Math"/>
-                              <a:ea typeface="Cambria Math"/>
-                            </a:rPr>
-                            <m:t>(1+</m:t>
-                          </m:r>
-                          <m:r>
-                            <a:rPr lang="pt-BR" b="0" i="1" smtClean="0">
-                              <a:latin typeface="Cambria Math"/>
-                              <a:ea typeface="Cambria Math"/>
-                            </a:rPr>
-                            <m:t>0,5</m:t>
-                          </m:r>
-                          <m:r>
-                            <a:rPr lang="pt-BR" i="1">
-                              <a:latin typeface="Cambria Math"/>
-                              <a:ea typeface="Cambria Math"/>
-                            </a:rPr>
-                            <m:t>)</m:t>
-                          </m:r>
-                        </m:e>
-                        <m:sup>
-                          <m:f>
-                            <m:fPr>
-                              <m:ctrlPr>
-                                <a:rPr lang="pt-BR" i="1">
-                                  <a:latin typeface="Cambria Math"/>
-                                  <a:ea typeface="Cambria Math"/>
-                                </a:rPr>
-                              </m:ctrlPr>
-                            </m:fPr>
-                            <m:num>
-                              <m:r>
-                                <a:rPr lang="pt-BR" b="0" i="1" smtClean="0">
-                                  <a:latin typeface="Cambria Math"/>
-                                  <a:ea typeface="Cambria Math"/>
-                                </a:rPr>
-                                <m:t>1</m:t>
-                              </m:r>
-                            </m:num>
-                            <m:den>
-                              <m:r>
-                                <a:rPr lang="pt-BR" i="1">
-                                  <a:latin typeface="Cambria Math"/>
-                                  <a:ea typeface="Cambria Math"/>
-                                </a:rPr>
-                                <m:t>1</m:t>
-                              </m:r>
-                              <m:r>
-                                <a:rPr lang="pt-BR" b="0" i="1" smtClean="0">
-                                  <a:latin typeface="Cambria Math"/>
-                                  <a:ea typeface="Cambria Math"/>
-                                </a:rPr>
-                                <m:t>0</m:t>
-                              </m:r>
-                            </m:den>
-                          </m:f>
-                        </m:sup>
-                      </m:sSup>
-                    </m:oMath>
-                  </m:oMathPara>
-                </a14:m>
-                <a:endParaRPr lang="pt-BR" dirty="0"/>
-              </a:p>
-              <a:p>
-                <a:pPr algn="ctr"/>
-                <a14:m>
-                  <m:oMathPara xmlns:m="http://schemas.openxmlformats.org/officeDocument/2006/math">
-                    <m:oMathParaPr>
-                      <m:jc m:val="centerGroup"/>
-                    </m:oMathParaPr>
-                    <m:oMath xmlns:m="http://schemas.openxmlformats.org/officeDocument/2006/math">
-                      <m:sSub>
-                        <m:sSubPr>
-                          <m:ctrlPr>
-                            <a:rPr lang="pt-BR" i="1">
-                              <a:latin typeface="Cambria Math"/>
-                            </a:rPr>
-                          </m:ctrlPr>
-                        </m:sSubPr>
-                        <m:e>
-                          <m:r>
-                            <a:rPr lang="pt-BR" i="1">
-                              <a:latin typeface="Cambria Math"/>
-                            </a:rPr>
-                            <m:t>𝑖</m:t>
-                          </m:r>
-                        </m:e>
-                        <m:sub>
-                          <m:r>
-                            <a:rPr lang="pt-BR" b="0" i="1" smtClean="0">
-                              <a:latin typeface="Cambria Math"/>
-                            </a:rPr>
-                            <m:t>1</m:t>
-                          </m:r>
-                        </m:sub>
-                      </m:sSub>
-                      <m:r>
-                        <a:rPr lang="pt-BR" i="1">
-                          <a:latin typeface="Cambria Math"/>
-                          <a:ea typeface="Cambria Math"/>
-                        </a:rPr>
-                        <m:t>=1 − </m:t>
-                      </m:r>
-                      <m:sSup>
-                        <m:sSupPr>
-                          <m:ctrlPr>
-                            <a:rPr lang="pt-BR" i="1">
-                              <a:latin typeface="Cambria Math"/>
-                              <a:ea typeface="Cambria Math"/>
-                            </a:rPr>
-                          </m:ctrlPr>
-                        </m:sSupPr>
-                        <m:e>
-                          <m:d>
-                            <m:dPr>
-                              <m:ctrlPr>
-                                <a:rPr lang="pt-BR" b="0" i="1">
-                                  <a:latin typeface="Cambria Math"/>
-                                  <a:ea typeface="Cambria Math"/>
-                                </a:rPr>
-                              </m:ctrlPr>
-                            </m:dPr>
-                            <m:e>
-                              <m:r>
-                                <a:rPr lang="pt-BR" b="0" i="1" smtClean="0">
-                                  <a:latin typeface="Cambria Math"/>
-                                  <a:ea typeface="Cambria Math"/>
-                                </a:rPr>
-                                <m:t>1</m:t>
-                              </m:r>
-                              <m:r>
-                                <a:rPr lang="pt-BR" i="1">
-                                  <a:latin typeface="Cambria Math"/>
-                                  <a:ea typeface="Cambria Math"/>
-                                </a:rPr>
-                                <m:t>,</m:t>
-                              </m:r>
-                              <m:r>
-                                <a:rPr lang="pt-BR" b="0" i="1" smtClean="0">
-                                  <a:latin typeface="Cambria Math"/>
-                                  <a:ea typeface="Cambria Math"/>
-                                </a:rPr>
-                                <m:t>5</m:t>
-                              </m:r>
-                            </m:e>
-                          </m:d>
-                        </m:e>
-                        <m:sup>
-                          <m:r>
-                            <a:rPr lang="pt-BR" b="0" i="1" smtClean="0">
-                              <a:latin typeface="Cambria Math"/>
-                              <a:ea typeface="Cambria Math"/>
-                            </a:rPr>
-                            <m:t>0,1</m:t>
-                          </m:r>
-                        </m:sup>
-                      </m:sSup>
-                    </m:oMath>
-                  </m:oMathPara>
-                </a14:m>
-                <a:endParaRPr lang="pt-BR" dirty="0" smtClean="0">
-                  <a:ea typeface="Cambria Math"/>
-                </a:endParaRPr>
-              </a:p>
-              <a:p>
-                <a:pPr algn="ctr"/>
-                <a14:m>
-                  <m:oMathPara xmlns:m="http://schemas.openxmlformats.org/officeDocument/2006/math">
-                    <m:oMathParaPr>
-                      <m:jc m:val="centerGroup"/>
-                    </m:oMathParaPr>
-                    <m:oMath xmlns:m="http://schemas.openxmlformats.org/officeDocument/2006/math">
-                      <m:sSub>
-                        <m:sSubPr>
-                          <m:ctrlPr>
-                            <a:rPr lang="pt-BR" i="1">
-                              <a:latin typeface="Cambria Math"/>
-                            </a:rPr>
-                          </m:ctrlPr>
-                        </m:sSubPr>
-                        <m:e>
-                          <m:r>
-                            <a:rPr lang="pt-BR" i="1">
-                              <a:latin typeface="Cambria Math"/>
-                            </a:rPr>
-                            <m:t>𝑖</m:t>
-                          </m:r>
-                        </m:e>
-                        <m:sub>
-                          <m:r>
-                            <a:rPr lang="pt-BR" i="1" smtClean="0">
-                              <a:latin typeface="Cambria Math"/>
-                            </a:rPr>
-                            <m:t>1</m:t>
-                          </m:r>
-                        </m:sub>
-                      </m:sSub>
-                      <m:r>
-                        <a:rPr lang="pt-BR" i="1">
-                          <a:latin typeface="Cambria Math"/>
-                          <a:ea typeface="Cambria Math"/>
-                        </a:rPr>
-                        <m:t>=1 −</m:t>
-                      </m:r>
-                      <m:r>
-                        <a:rPr lang="pt-BR" b="0" i="1" smtClean="0">
-                          <a:latin typeface="Cambria Math"/>
-                          <a:ea typeface="Cambria Math"/>
-                        </a:rPr>
-                        <m:t>1,0414</m:t>
-                      </m:r>
-                    </m:oMath>
-                  </m:oMathPara>
-                </a14:m>
-                <a:endParaRPr lang="pt-BR" dirty="0" smtClean="0"/>
-              </a:p>
-              <a:p>
-                <a:pPr algn="ctr"/>
-                <a:endParaRPr lang="pt-BR" dirty="0"/>
-              </a:p>
-              <a:p>
-                <a:pPr algn="ctr"/>
-                <a14:m>
-                  <m:oMath xmlns:m="http://schemas.openxmlformats.org/officeDocument/2006/math">
-                    <m:sSub>
-                      <m:sSubPr>
-                        <m:ctrlPr>
-                          <a:rPr lang="pt-BR" i="1">
-                            <a:latin typeface="Cambria Math"/>
-                          </a:rPr>
-                        </m:ctrlPr>
-                      </m:sSubPr>
-                      <m:e>
-                        <m:r>
-                          <a:rPr lang="pt-BR" i="1">
-                            <a:latin typeface="Cambria Math"/>
-                          </a:rPr>
-                          <m:t>𝑖</m:t>
-                        </m:r>
-                      </m:e>
-                      <m:sub>
-                        <m:r>
-                          <a:rPr lang="pt-BR" b="0" i="1" smtClean="0">
-                            <a:latin typeface="Cambria Math"/>
-                          </a:rPr>
-                          <m:t>1</m:t>
-                        </m:r>
-                      </m:sub>
-                    </m:sSub>
-                    <m:r>
-                      <a:rPr lang="pt-BR" i="1">
-                        <a:latin typeface="Cambria Math"/>
-                        <a:ea typeface="Cambria Math"/>
-                      </a:rPr>
-                      <m:t>=</m:t>
-                    </m:r>
-                  </m:oMath>
-                </a14:m>
-                <a:r>
-                  <a:rPr lang="pt-BR" dirty="0" smtClean="0"/>
-                  <a:t> </a:t>
-                </a:r>
-                <a:r>
-                  <a:rPr lang="pt-BR" u="sng" dirty="0" smtClean="0"/>
-                  <a:t>4,14%</a:t>
-                </a:r>
-                <a:endParaRPr lang="pt-BR" u="sng" dirty="0"/>
-              </a:p>
-              <a:p>
-                <a:endParaRPr lang="pt-BR" dirty="0"/>
-              </a:p>
-            </p:txBody>
-          </p:sp>
-        </mc:Choice>
-        <mc:Fallback xmlns="">
-          <p:sp>
-            <p:nvSpPr>
-              <p:cNvPr id="3" name="CaixaDeTexto 2"/>
-              <p:cNvSpPr txBox="1">
-                <a:spLocks noRot="1" noChangeAspect="1" noMove="1" noResize="1" noEditPoints="1" noAdjustHandles="1" noChangeArrowheads="1" noChangeShapeType="1" noTextEdit="1"/>
-              </p:cNvSpPr>
-              <p:nvPr/>
-            </p:nvSpPr>
-            <p:spPr>
-              <a:xfrm>
-                <a:off x="1330419" y="1988840"/>
-                <a:ext cx="2552750" cy="2455416"/>
-              </a:xfrm>
-              <a:prstGeom prst="rect">
-                <a:avLst/>
-              </a:prstGeom>
-              <a:blipFill rotWithShape="1">
-                <a:blip r:embed="rId2"/>
-                <a:stretch>
-                  <a:fillRect t="-1241"/>
-                </a:stretch>
-              </a:blipFill>
-            </p:spPr>
-            <p:txBody>
-              <a:bodyPr/>
-              <a:lstStyle/>
-              <a:p>
-                <a:r>
-                  <a:rPr lang="pt-BR">
-                    <a:noFill/>
-                  </a:rPr>
-                  <a:t> </a:t>
-                </a:r>
-              </a:p>
-            </p:txBody>
-          </p:sp>
-        </mc:Fallback>
-      </mc:AlternateContent>
-      <mc:AlternateContent xmlns:mc="http://schemas.openxmlformats.org/markup-compatibility/2006" xmlns:a14="http://schemas.microsoft.com/office/drawing/2010/main">
-        <mc:Choice Requires="a14">
-          <p:sp>
-            <p:nvSpPr>
-              <p:cNvPr id="4" name="CaixaDeTexto 3"/>
-              <p:cNvSpPr txBox="1"/>
-              <p:nvPr/>
-            </p:nvSpPr>
-            <p:spPr>
-              <a:xfrm>
-                <a:off x="4802679" y="2141240"/>
-                <a:ext cx="2953053" cy="2308324"/>
-              </a:xfrm>
-              <a:prstGeom prst="rect">
-                <a:avLst/>
-              </a:prstGeom>
-              <a:noFill/>
-            </p:spPr>
-            <p:txBody>
-              <a:bodyPr wrap="none" rtlCol="0">
-                <a:spAutoFit/>
-              </a:bodyPr>
-              <a:lstStyle/>
-              <a:p>
-                <a:pPr algn="ctr"/>
-                <a:r>
-                  <a:rPr lang="pt-BR" b="1" dirty="0" smtClean="0"/>
-                  <a:t>HP 12c</a:t>
-                </a:r>
-              </a:p>
-              <a:p>
-                <a:r>
-                  <a:rPr lang="pt-BR" dirty="0" smtClean="0"/>
-                  <a:t>100 CHS PV</a:t>
-                </a:r>
-              </a:p>
-              <a:p>
-                <a:r>
-                  <a:rPr lang="pt-BR" dirty="0" smtClean="0"/>
-                  <a:t>50 i</a:t>
-                </a:r>
-              </a:p>
-              <a:p>
-                <a:r>
-                  <a:rPr lang="pt-BR" dirty="0"/>
-                  <a:t>1</a:t>
-                </a:r>
-                <a:r>
-                  <a:rPr lang="pt-BR" dirty="0" smtClean="0"/>
-                  <a:t> [</a:t>
-                </a:r>
-                <a:r>
-                  <a:rPr lang="pt-BR" dirty="0" err="1" smtClean="0"/>
-                  <a:t>Enter</a:t>
-                </a:r>
-                <a:r>
-                  <a:rPr lang="pt-BR" dirty="0" smtClean="0"/>
-                  <a:t>]</a:t>
-                </a:r>
-              </a:p>
-              <a:p>
-                <a:r>
-                  <a:rPr lang="pt-BR" dirty="0" smtClean="0"/>
-                  <a:t>10 </a:t>
-                </a:r>
-                <a14:m>
-                  <m:oMath xmlns:m="http://schemas.openxmlformats.org/officeDocument/2006/math">
-                    <m:r>
-                      <a:rPr lang="pt-BR" i="1" smtClean="0">
-                        <a:latin typeface="Cambria Math"/>
-                        <a:ea typeface="Cambria Math"/>
-                      </a:rPr>
-                      <m:t>÷</m:t>
-                    </m:r>
-                  </m:oMath>
-                </a14:m>
-                <a:endParaRPr lang="pt-BR" dirty="0" smtClean="0">
-                  <a:ea typeface="Cambria Math"/>
-                </a:endParaRPr>
-              </a:p>
-              <a:p>
-                <a:r>
-                  <a:rPr lang="pt-BR" dirty="0" smtClean="0"/>
-                  <a:t>n</a:t>
-                </a:r>
-              </a:p>
-              <a:p>
-                <a:r>
-                  <a:rPr lang="pt-BR" dirty="0" smtClean="0"/>
-                  <a:t>FV		</a:t>
-                </a:r>
-                <a:r>
-                  <a:rPr lang="pt-BR" dirty="0" smtClean="0">
-                    <a:sym typeface="Wingdings" pitchFamily="2" charset="2"/>
-                  </a:rPr>
-                  <a:t> 104,14</a:t>
-                </a:r>
-              </a:p>
-              <a:p>
-                <a:r>
-                  <a:rPr lang="pt-BR" dirty="0" smtClean="0">
-                    <a:sym typeface="Wingdings" pitchFamily="2" charset="2"/>
-                  </a:rPr>
-                  <a:t>100- 		</a:t>
-                </a:r>
-                <a:r>
-                  <a:rPr lang="pt-BR" u="sng" dirty="0" smtClean="0">
-                    <a:sym typeface="Wingdings" pitchFamily="2" charset="2"/>
-                  </a:rPr>
-                  <a:t>4,14%</a:t>
-                </a:r>
-                <a:endParaRPr lang="pt-BR" u="sng" dirty="0" smtClean="0"/>
-              </a:p>
-            </p:txBody>
-          </p:sp>
-        </mc:Choice>
-        <mc:Fallback xmlns="">
-          <p:sp>
-            <p:nvSpPr>
-              <p:cNvPr id="4" name="CaixaDeTexto 3"/>
-              <p:cNvSpPr txBox="1">
-                <a:spLocks noRot="1" noChangeAspect="1" noMove="1" noResize="1" noEditPoints="1" noAdjustHandles="1" noChangeArrowheads="1" noChangeShapeType="1" noTextEdit="1"/>
-              </p:cNvSpPr>
-              <p:nvPr/>
-            </p:nvSpPr>
-            <p:spPr>
-              <a:xfrm>
-                <a:off x="4802679" y="2141240"/>
-                <a:ext cx="2953053" cy="2308324"/>
-              </a:xfrm>
-              <a:prstGeom prst="rect">
-                <a:avLst/>
-              </a:prstGeom>
-              <a:blipFill rotWithShape="1">
-                <a:blip r:embed="rId3"/>
-                <a:stretch>
-                  <a:fillRect l="-1860" t="-1319" r="-620" b="-3166"/>
-                </a:stretch>
-              </a:blipFill>
-            </p:spPr>
-            <p:txBody>
-              <a:bodyPr/>
-              <a:lstStyle/>
-              <a:p>
-                <a:r>
-                  <a:rPr lang="pt-BR">
-                    <a:noFill/>
-                  </a:rPr>
-                  <a:t> </a:t>
-                </a:r>
-              </a:p>
-            </p:txBody>
-          </p:sp>
-        </mc:Fallback>
-      </mc:AlternateContent>
-    </p:spTree>
-    <p:extLst>
-      <p:ext uri="{BB962C8B-B14F-4D97-AF65-F5344CB8AC3E}">
-        <p14:creationId xmlns:p14="http://schemas.microsoft.com/office/powerpoint/2010/main" val="494882032"/>
-      </p:ext>
-    </p:extLst>
-  </p:cSld>
-  <p:clrMapOvr>
-    <a:masterClrMapping/>
-  </p:clrMapOvr>
-</p:sld>
-</file>
-
 <file path=ppt/slides/slide2.xml><?xml version="1.0" encoding="utf-8"?>
 <p:sld xmlns:a="http://schemas.openxmlformats.org/drawingml/2006/main" xmlns:r="http://schemas.openxmlformats.org/officeDocument/2006/relationships" xmlns:p="http://schemas.openxmlformats.org/presentationml/2006/main">
   <p:cSld>
@@ -11242,8 +10983,8 @@
           </a:p>
         </p:txBody>
       </p:sp>
-      <mc:AlternateContent xmlns:mc="http://schemas.openxmlformats.org/markup-compatibility/2006">
-        <mc:Choice xmlns:a14="http://schemas.microsoft.com/office/drawing/2010/main" Requires="a14">
+      <mc:AlternateContent xmlns:mc="http://schemas.openxmlformats.org/markup-compatibility/2006" xmlns:a14="http://schemas.microsoft.com/office/drawing/2010/main">
+        <mc:Choice Requires="a14">
           <p:sp>
             <p:nvSpPr>
               <p:cNvPr id="5" name="CaixaDeTexto 4"/>
@@ -11294,6 +11035,7 @@
                 <a:endParaRPr lang="pt-BR" dirty="0"/>
               </a:p>
               <a:p>
+                <a:pPr/>
                 <a14:m>
                   <m:oMathPara xmlns:m="http://schemas.openxmlformats.org/officeDocument/2006/math">
                     <m:oMathParaPr>
@@ -11373,6 +11115,7 @@
                 <a:endParaRPr lang="pt-BR" dirty="0" smtClean="0"/>
               </a:p>
               <a:p>
+                <a:pPr/>
                 <a14:m>
                   <m:oMathPara xmlns:m="http://schemas.openxmlformats.org/officeDocument/2006/math">
                     <m:oMathParaPr>
@@ -11547,7 +11290,7 @@
             </p:txBody>
           </p:sp>
         </mc:Choice>
-        <mc:Fallback>
+        <mc:Fallback xmlns="">
           <p:sp>
             <p:nvSpPr>
               <p:cNvPr id="5" name="CaixaDeTexto 4"/>
@@ -11586,8 +11329,8 @@
           </p:sp>
         </mc:Fallback>
       </mc:AlternateContent>
-      <mc:AlternateContent xmlns:mc="http://schemas.openxmlformats.org/markup-compatibility/2006">
-        <mc:Choice xmlns:a14="http://schemas.microsoft.com/office/drawing/2010/main" Requires="a14">
+      <mc:AlternateContent xmlns:mc="http://schemas.openxmlformats.org/markup-compatibility/2006" xmlns:a14="http://schemas.microsoft.com/office/drawing/2010/main">
+        <mc:Choice Requires="a14">
           <p:sp>
             <p:nvSpPr>
               <p:cNvPr id="6" name="CaixaDeTexto 5"/>
@@ -11763,7 +11506,7 @@
             </p:txBody>
           </p:sp>
         </mc:Choice>
-        <mc:Fallback>
+        <mc:Fallback xmlns="">
           <p:sp>
             <p:nvSpPr>
               <p:cNvPr id="6" name="CaixaDeTexto 5"/>
@@ -12004,17 +11747,8 @@
               </a:r>
               <a:r>
                 <a:rPr lang="pt-BR" sz="1600" dirty="0" smtClean="0"/>
-                <a:t> = </a:t>
+                <a:t> = 65d</a:t>
               </a:r>
-              <a:r>
-                <a:rPr lang="pt-BR" sz="1600" dirty="0" smtClean="0"/>
-                <a:t>65</a:t>
-              </a:r>
-              <a:r>
-                <a:rPr lang="pt-BR" sz="1600" dirty="0" smtClean="0"/>
-                <a:t>d</a:t>
-              </a:r>
-              <a:endParaRPr lang="pt-BR" sz="1600" dirty="0" smtClean="0"/>
             </a:p>
             <a:p>
               <a:r>
@@ -12132,7 +11866,7 @@
             <a:pPr algn="ctr"/>
             <a:r>
               <a:rPr lang="pt-BR" dirty="0" smtClean="0"/>
-              <a:t>10</a:t>
+              <a:t>9</a:t>
             </a:r>
             <a:endParaRPr lang="pt-BR" dirty="0"/>
           </a:p>
@@ -12148,8 +11882,8 @@
             </p:nvSpPr>
             <p:spPr>
               <a:xfrm>
-                <a:off x="839550" y="1988840"/>
-                <a:ext cx="3534494" cy="3563668"/>
+                <a:off x="1330419" y="1988840"/>
+                <a:ext cx="2552750" cy="2455416"/>
               </a:xfrm>
               <a:prstGeom prst="rect">
                 <a:avLst/>
@@ -12312,6 +12046,745 @@
                             <a:rPr lang="pt-BR" b="0" i="1" smtClean="0">
                               <a:latin typeface="Cambria Math"/>
                             </a:rPr>
+                            <m:t>1</m:t>
+                          </m:r>
+                        </m:sub>
+                      </m:sSub>
+                      <m:r>
+                        <a:rPr lang="pt-BR" i="1">
+                          <a:latin typeface="Cambria Math"/>
+                          <a:ea typeface="Cambria Math"/>
+                        </a:rPr>
+                        <m:t>=1 − </m:t>
+                      </m:r>
+                      <m:sSup>
+                        <m:sSupPr>
+                          <m:ctrlPr>
+                            <a:rPr lang="pt-BR" i="1">
+                              <a:latin typeface="Cambria Math"/>
+                              <a:ea typeface="Cambria Math"/>
+                            </a:rPr>
+                          </m:ctrlPr>
+                        </m:sSupPr>
+                        <m:e>
+                          <m:r>
+                            <a:rPr lang="pt-BR" i="1">
+                              <a:latin typeface="Cambria Math"/>
+                              <a:ea typeface="Cambria Math"/>
+                            </a:rPr>
+                            <m:t>(1+</m:t>
+                          </m:r>
+                          <m:r>
+                            <a:rPr lang="pt-BR" b="0" i="1" smtClean="0">
+                              <a:latin typeface="Cambria Math"/>
+                              <a:ea typeface="Cambria Math"/>
+                            </a:rPr>
+                            <m:t>0,5</m:t>
+                          </m:r>
+                          <m:r>
+                            <a:rPr lang="pt-BR" i="1">
+                              <a:latin typeface="Cambria Math"/>
+                              <a:ea typeface="Cambria Math"/>
+                            </a:rPr>
+                            <m:t>)</m:t>
+                          </m:r>
+                        </m:e>
+                        <m:sup>
+                          <m:f>
+                            <m:fPr>
+                              <m:ctrlPr>
+                                <a:rPr lang="pt-BR" i="1">
+                                  <a:latin typeface="Cambria Math"/>
+                                  <a:ea typeface="Cambria Math"/>
+                                </a:rPr>
+                              </m:ctrlPr>
+                            </m:fPr>
+                            <m:num>
+                              <m:r>
+                                <a:rPr lang="pt-BR" b="0" i="1" smtClean="0">
+                                  <a:latin typeface="Cambria Math"/>
+                                  <a:ea typeface="Cambria Math"/>
+                                </a:rPr>
+                                <m:t>1</m:t>
+                              </m:r>
+                            </m:num>
+                            <m:den>
+                              <m:r>
+                                <a:rPr lang="pt-BR" i="1">
+                                  <a:latin typeface="Cambria Math"/>
+                                  <a:ea typeface="Cambria Math"/>
+                                </a:rPr>
+                                <m:t>1</m:t>
+                              </m:r>
+                              <m:r>
+                                <a:rPr lang="pt-BR" b="0" i="1" smtClean="0">
+                                  <a:latin typeface="Cambria Math"/>
+                                  <a:ea typeface="Cambria Math"/>
+                                </a:rPr>
+                                <m:t>0</m:t>
+                              </m:r>
+                            </m:den>
+                          </m:f>
+                        </m:sup>
+                      </m:sSup>
+                    </m:oMath>
+                  </m:oMathPara>
+                </a14:m>
+                <a:endParaRPr lang="pt-BR" dirty="0"/>
+              </a:p>
+              <a:p>
+                <a:pPr algn="ctr"/>
+                <a14:m>
+                  <m:oMathPara xmlns:m="http://schemas.openxmlformats.org/officeDocument/2006/math">
+                    <m:oMathParaPr>
+                      <m:jc m:val="centerGroup"/>
+                    </m:oMathParaPr>
+                    <m:oMath xmlns:m="http://schemas.openxmlformats.org/officeDocument/2006/math">
+                      <m:sSub>
+                        <m:sSubPr>
+                          <m:ctrlPr>
+                            <a:rPr lang="pt-BR" i="1">
+                              <a:latin typeface="Cambria Math"/>
+                            </a:rPr>
+                          </m:ctrlPr>
+                        </m:sSubPr>
+                        <m:e>
+                          <m:r>
+                            <a:rPr lang="pt-BR" i="1">
+                              <a:latin typeface="Cambria Math"/>
+                            </a:rPr>
+                            <m:t>𝑖</m:t>
+                          </m:r>
+                        </m:e>
+                        <m:sub>
+                          <m:r>
+                            <a:rPr lang="pt-BR" b="0" i="1" smtClean="0">
+                              <a:latin typeface="Cambria Math"/>
+                            </a:rPr>
+                            <m:t>1</m:t>
+                          </m:r>
+                        </m:sub>
+                      </m:sSub>
+                      <m:r>
+                        <a:rPr lang="pt-BR" i="1">
+                          <a:latin typeface="Cambria Math"/>
+                          <a:ea typeface="Cambria Math"/>
+                        </a:rPr>
+                        <m:t>=1 − </m:t>
+                      </m:r>
+                      <m:sSup>
+                        <m:sSupPr>
+                          <m:ctrlPr>
+                            <a:rPr lang="pt-BR" i="1">
+                              <a:latin typeface="Cambria Math"/>
+                              <a:ea typeface="Cambria Math"/>
+                            </a:rPr>
+                          </m:ctrlPr>
+                        </m:sSupPr>
+                        <m:e>
+                          <m:d>
+                            <m:dPr>
+                              <m:ctrlPr>
+                                <a:rPr lang="pt-BR" b="0" i="1">
+                                  <a:latin typeface="Cambria Math"/>
+                                  <a:ea typeface="Cambria Math"/>
+                                </a:rPr>
+                              </m:ctrlPr>
+                            </m:dPr>
+                            <m:e>
+                              <m:r>
+                                <a:rPr lang="pt-BR" b="0" i="1" smtClean="0">
+                                  <a:latin typeface="Cambria Math"/>
+                                  <a:ea typeface="Cambria Math"/>
+                                </a:rPr>
+                                <m:t>1</m:t>
+                              </m:r>
+                              <m:r>
+                                <a:rPr lang="pt-BR" i="1">
+                                  <a:latin typeface="Cambria Math"/>
+                                  <a:ea typeface="Cambria Math"/>
+                                </a:rPr>
+                                <m:t>,</m:t>
+                              </m:r>
+                              <m:r>
+                                <a:rPr lang="pt-BR" b="0" i="1" smtClean="0">
+                                  <a:latin typeface="Cambria Math"/>
+                                  <a:ea typeface="Cambria Math"/>
+                                </a:rPr>
+                                <m:t>5</m:t>
+                              </m:r>
+                            </m:e>
+                          </m:d>
+                        </m:e>
+                        <m:sup>
+                          <m:r>
+                            <a:rPr lang="pt-BR" b="0" i="1" smtClean="0">
+                              <a:latin typeface="Cambria Math"/>
+                              <a:ea typeface="Cambria Math"/>
+                            </a:rPr>
+                            <m:t>0,1</m:t>
+                          </m:r>
+                        </m:sup>
+                      </m:sSup>
+                    </m:oMath>
+                  </m:oMathPara>
+                </a14:m>
+                <a:endParaRPr lang="pt-BR" dirty="0" smtClean="0">
+                  <a:ea typeface="Cambria Math"/>
+                </a:endParaRPr>
+              </a:p>
+              <a:p>
+                <a:pPr algn="ctr"/>
+                <a14:m>
+                  <m:oMathPara xmlns:m="http://schemas.openxmlformats.org/officeDocument/2006/math">
+                    <m:oMathParaPr>
+                      <m:jc m:val="centerGroup"/>
+                    </m:oMathParaPr>
+                    <m:oMath xmlns:m="http://schemas.openxmlformats.org/officeDocument/2006/math">
+                      <m:sSub>
+                        <m:sSubPr>
+                          <m:ctrlPr>
+                            <a:rPr lang="pt-BR" i="1">
+                              <a:latin typeface="Cambria Math"/>
+                            </a:rPr>
+                          </m:ctrlPr>
+                        </m:sSubPr>
+                        <m:e>
+                          <m:r>
+                            <a:rPr lang="pt-BR" i="1">
+                              <a:latin typeface="Cambria Math"/>
+                            </a:rPr>
+                            <m:t>𝑖</m:t>
+                          </m:r>
+                        </m:e>
+                        <m:sub>
+                          <m:r>
+                            <a:rPr lang="pt-BR" i="1" smtClean="0">
+                              <a:latin typeface="Cambria Math"/>
+                            </a:rPr>
+                            <m:t>1</m:t>
+                          </m:r>
+                        </m:sub>
+                      </m:sSub>
+                      <m:r>
+                        <a:rPr lang="pt-BR" i="1">
+                          <a:latin typeface="Cambria Math"/>
+                          <a:ea typeface="Cambria Math"/>
+                        </a:rPr>
+                        <m:t>=1 −</m:t>
+                      </m:r>
+                      <m:r>
+                        <a:rPr lang="pt-BR" b="0" i="1" smtClean="0">
+                          <a:latin typeface="Cambria Math"/>
+                          <a:ea typeface="Cambria Math"/>
+                        </a:rPr>
+                        <m:t>1,0414</m:t>
+                      </m:r>
+                    </m:oMath>
+                  </m:oMathPara>
+                </a14:m>
+                <a:endParaRPr lang="pt-BR" dirty="0" smtClean="0"/>
+              </a:p>
+              <a:p>
+                <a:pPr algn="ctr"/>
+                <a:endParaRPr lang="pt-BR" dirty="0"/>
+              </a:p>
+              <a:p>
+                <a:pPr algn="ctr"/>
+                <a14:m>
+                  <m:oMath xmlns:m="http://schemas.openxmlformats.org/officeDocument/2006/math">
+                    <m:sSub>
+                      <m:sSubPr>
+                        <m:ctrlPr>
+                          <a:rPr lang="pt-BR" i="1">
+                            <a:latin typeface="Cambria Math"/>
+                          </a:rPr>
+                        </m:ctrlPr>
+                      </m:sSubPr>
+                      <m:e>
+                        <m:r>
+                          <a:rPr lang="pt-BR" i="1">
+                            <a:latin typeface="Cambria Math"/>
+                          </a:rPr>
+                          <m:t>𝑖</m:t>
+                        </m:r>
+                      </m:e>
+                      <m:sub>
+                        <m:r>
+                          <a:rPr lang="pt-BR" b="0" i="1" smtClean="0">
+                            <a:latin typeface="Cambria Math"/>
+                          </a:rPr>
+                          <m:t>1</m:t>
+                        </m:r>
+                      </m:sub>
+                    </m:sSub>
+                    <m:r>
+                      <a:rPr lang="pt-BR" i="1">
+                        <a:latin typeface="Cambria Math"/>
+                        <a:ea typeface="Cambria Math"/>
+                      </a:rPr>
+                      <m:t>=</m:t>
+                    </m:r>
+                  </m:oMath>
+                </a14:m>
+                <a:r>
+                  <a:rPr lang="pt-BR" dirty="0" smtClean="0"/>
+                  <a:t> </a:t>
+                </a:r>
+                <a:r>
+                  <a:rPr lang="pt-BR" u="sng" dirty="0" smtClean="0"/>
+                  <a:t>4,14%</a:t>
+                </a:r>
+                <a:endParaRPr lang="pt-BR" u="sng" dirty="0"/>
+              </a:p>
+              <a:p>
+                <a:endParaRPr lang="pt-BR" dirty="0"/>
+              </a:p>
+            </p:txBody>
+          </p:sp>
+        </mc:Choice>
+        <mc:Fallback xmlns="">
+          <p:sp>
+            <p:nvSpPr>
+              <p:cNvPr id="3" name="CaixaDeTexto 2"/>
+              <p:cNvSpPr txBox="1">
+                <a:spLocks noRot="1" noChangeAspect="1" noMove="1" noResize="1" noEditPoints="1" noAdjustHandles="1" noChangeArrowheads="1" noChangeShapeType="1" noTextEdit="1"/>
+              </p:cNvSpPr>
+              <p:nvPr/>
+            </p:nvSpPr>
+            <p:spPr>
+              <a:xfrm>
+                <a:off x="1330419" y="1988840"/>
+                <a:ext cx="2552750" cy="2455416"/>
+              </a:xfrm>
+              <a:prstGeom prst="rect">
+                <a:avLst/>
+              </a:prstGeom>
+              <a:blipFill rotWithShape="1">
+                <a:blip r:embed="rId2"/>
+                <a:stretch>
+                  <a:fillRect t="-1241"/>
+                </a:stretch>
+              </a:blipFill>
+            </p:spPr>
+            <p:txBody>
+              <a:bodyPr/>
+              <a:lstStyle/>
+              <a:p>
+                <a:r>
+                  <a:rPr lang="pt-BR">
+                    <a:noFill/>
+                  </a:rPr>
+                  <a:t> </a:t>
+                </a:r>
+              </a:p>
+            </p:txBody>
+          </p:sp>
+        </mc:Fallback>
+      </mc:AlternateContent>
+      <mc:AlternateContent xmlns:mc="http://schemas.openxmlformats.org/markup-compatibility/2006" xmlns:a14="http://schemas.microsoft.com/office/drawing/2010/main">
+        <mc:Choice Requires="a14">
+          <p:sp>
+            <p:nvSpPr>
+              <p:cNvPr id="4" name="CaixaDeTexto 3"/>
+              <p:cNvSpPr txBox="1"/>
+              <p:nvPr/>
+            </p:nvSpPr>
+            <p:spPr>
+              <a:xfrm>
+                <a:off x="4802679" y="2141240"/>
+                <a:ext cx="2953053" cy="2308324"/>
+              </a:xfrm>
+              <a:prstGeom prst="rect">
+                <a:avLst/>
+              </a:prstGeom>
+              <a:noFill/>
+            </p:spPr>
+            <p:txBody>
+              <a:bodyPr wrap="none" rtlCol="0">
+                <a:spAutoFit/>
+              </a:bodyPr>
+              <a:lstStyle/>
+              <a:p>
+                <a:pPr algn="ctr"/>
+                <a:r>
+                  <a:rPr lang="pt-BR" b="1" dirty="0" smtClean="0"/>
+                  <a:t>HP 12c</a:t>
+                </a:r>
+              </a:p>
+              <a:p>
+                <a:r>
+                  <a:rPr lang="pt-BR" dirty="0" smtClean="0"/>
+                  <a:t>100 CHS PV</a:t>
+                </a:r>
+              </a:p>
+              <a:p>
+                <a:r>
+                  <a:rPr lang="pt-BR" dirty="0" smtClean="0"/>
+                  <a:t>50 i</a:t>
+                </a:r>
+              </a:p>
+              <a:p>
+                <a:r>
+                  <a:rPr lang="pt-BR" dirty="0"/>
+                  <a:t>1</a:t>
+                </a:r>
+                <a:r>
+                  <a:rPr lang="pt-BR" dirty="0" smtClean="0"/>
+                  <a:t> [</a:t>
+                </a:r>
+                <a:r>
+                  <a:rPr lang="pt-BR" dirty="0" err="1" smtClean="0"/>
+                  <a:t>Enter</a:t>
+                </a:r>
+                <a:r>
+                  <a:rPr lang="pt-BR" dirty="0" smtClean="0"/>
+                  <a:t>]</a:t>
+                </a:r>
+              </a:p>
+              <a:p>
+                <a:r>
+                  <a:rPr lang="pt-BR" dirty="0" smtClean="0"/>
+                  <a:t>10 </a:t>
+                </a:r>
+                <a14:m>
+                  <m:oMath xmlns:m="http://schemas.openxmlformats.org/officeDocument/2006/math">
+                    <m:r>
+                      <a:rPr lang="pt-BR" i="1" smtClean="0">
+                        <a:latin typeface="Cambria Math"/>
+                        <a:ea typeface="Cambria Math"/>
+                      </a:rPr>
+                      <m:t>÷</m:t>
+                    </m:r>
+                  </m:oMath>
+                </a14:m>
+                <a:endParaRPr lang="pt-BR" dirty="0" smtClean="0">
+                  <a:ea typeface="Cambria Math"/>
+                </a:endParaRPr>
+              </a:p>
+              <a:p>
+                <a:r>
+                  <a:rPr lang="pt-BR" dirty="0" smtClean="0"/>
+                  <a:t>n</a:t>
+                </a:r>
+              </a:p>
+              <a:p>
+                <a:r>
+                  <a:rPr lang="pt-BR" dirty="0" smtClean="0"/>
+                  <a:t>FV		</a:t>
+                </a:r>
+                <a:r>
+                  <a:rPr lang="pt-BR" dirty="0" smtClean="0">
+                    <a:sym typeface="Wingdings" pitchFamily="2" charset="2"/>
+                  </a:rPr>
+                  <a:t> 104,14</a:t>
+                </a:r>
+              </a:p>
+              <a:p>
+                <a:r>
+                  <a:rPr lang="pt-BR" dirty="0" smtClean="0">
+                    <a:sym typeface="Wingdings" pitchFamily="2" charset="2"/>
+                  </a:rPr>
+                  <a:t>100- 		</a:t>
+                </a:r>
+                <a:r>
+                  <a:rPr lang="pt-BR" u="sng" dirty="0" smtClean="0">
+                    <a:sym typeface="Wingdings" pitchFamily="2" charset="2"/>
+                  </a:rPr>
+                  <a:t>4,14%</a:t>
+                </a:r>
+                <a:endParaRPr lang="pt-BR" u="sng" dirty="0" smtClean="0"/>
+              </a:p>
+            </p:txBody>
+          </p:sp>
+        </mc:Choice>
+        <mc:Fallback xmlns="">
+          <p:sp>
+            <p:nvSpPr>
+              <p:cNvPr id="4" name="CaixaDeTexto 3"/>
+              <p:cNvSpPr txBox="1">
+                <a:spLocks noRot="1" noChangeAspect="1" noMove="1" noResize="1" noEditPoints="1" noAdjustHandles="1" noChangeArrowheads="1" noChangeShapeType="1" noTextEdit="1"/>
+              </p:cNvSpPr>
+              <p:nvPr/>
+            </p:nvSpPr>
+            <p:spPr>
+              <a:xfrm>
+                <a:off x="4802679" y="2141240"/>
+                <a:ext cx="2953053" cy="2308324"/>
+              </a:xfrm>
+              <a:prstGeom prst="rect">
+                <a:avLst/>
+              </a:prstGeom>
+              <a:blipFill rotWithShape="1">
+                <a:blip r:embed="rId3"/>
+                <a:stretch>
+                  <a:fillRect l="-1860" t="-1319" r="-620" b="-3166"/>
+                </a:stretch>
+              </a:blipFill>
+            </p:spPr>
+            <p:txBody>
+              <a:bodyPr/>
+              <a:lstStyle/>
+              <a:p>
+                <a:r>
+                  <a:rPr lang="pt-BR">
+                    <a:noFill/>
+                  </a:rPr>
+                  <a:t> </a:t>
+                </a:r>
+              </a:p>
+            </p:txBody>
+          </p:sp>
+        </mc:Fallback>
+      </mc:AlternateContent>
+    </p:spTree>
+    <p:extLst>
+      <p:ext uri="{BB962C8B-B14F-4D97-AF65-F5344CB8AC3E}">
+        <p14:creationId xmlns:p14="http://schemas.microsoft.com/office/powerpoint/2010/main" val="494882032"/>
+      </p:ext>
+    </p:extLst>
+  </p:cSld>
+  <p:clrMapOvr>
+    <a:masterClrMapping/>
+  </p:clrMapOvr>
+</p:sld>
+</file>
+
+<file path=ppt/slides/slide21.xml><?xml version="1.0" encoding="utf-8"?>
+<p:sld xmlns:a="http://schemas.openxmlformats.org/drawingml/2006/main" xmlns:r="http://schemas.openxmlformats.org/officeDocument/2006/relationships" xmlns:p="http://schemas.openxmlformats.org/presentationml/2006/main">
+  <p:cSld>
+    <p:spTree>
+      <p:nvGrpSpPr>
+        <p:cNvPr id="1" name=""/>
+        <p:cNvGrpSpPr/>
+        <p:nvPr/>
+      </p:nvGrpSpPr>
+      <p:grpSpPr>
+        <a:xfrm>
+          <a:off x="0" y="0"/>
+          <a:ext cx="0" cy="0"/>
+          <a:chOff x="0" y="0"/>
+          <a:chExt cx="0" cy="0"/>
+        </a:xfrm>
+      </p:grpSpPr>
+      <p:sp>
+        <p:nvSpPr>
+          <p:cNvPr id="2" name="Elipse 1"/>
+          <p:cNvSpPr/>
+          <p:nvPr/>
+        </p:nvSpPr>
+        <p:spPr>
+          <a:xfrm>
+            <a:off x="107504" y="44624"/>
+            <a:ext cx="821770" cy="792088"/>
+          </a:xfrm>
+          <a:prstGeom prst="ellipse">
+            <a:avLst/>
+          </a:prstGeom>
+        </p:spPr>
+        <p:style>
+          <a:lnRef idx="2">
+            <a:schemeClr val="accent1">
+              <a:shade val="50000"/>
+            </a:schemeClr>
+          </a:lnRef>
+          <a:fillRef idx="1">
+            <a:schemeClr val="accent1"/>
+          </a:fillRef>
+          <a:effectRef idx="0">
+            <a:schemeClr val="accent1"/>
+          </a:effectRef>
+          <a:fontRef idx="minor">
+            <a:schemeClr val="lt1"/>
+          </a:fontRef>
+        </p:style>
+        <p:txBody>
+          <a:bodyPr rtlCol="0" anchor="ctr"/>
+          <a:lstStyle/>
+          <a:p>
+            <a:pPr algn="ctr"/>
+            <a:r>
+              <a:rPr lang="pt-BR" dirty="0" smtClean="0"/>
+              <a:t>10</a:t>
+            </a:r>
+            <a:endParaRPr lang="pt-BR" dirty="0"/>
+          </a:p>
+        </p:txBody>
+      </p:sp>
+      <mc:AlternateContent xmlns:mc="http://schemas.openxmlformats.org/markup-compatibility/2006" xmlns:a14="http://schemas.microsoft.com/office/drawing/2010/main">
+        <mc:Choice Requires="a14">
+          <p:sp>
+            <p:nvSpPr>
+              <p:cNvPr id="3" name="CaixaDeTexto 2"/>
+              <p:cNvSpPr txBox="1"/>
+              <p:nvPr/>
+            </p:nvSpPr>
+            <p:spPr>
+              <a:xfrm>
+                <a:off x="839550" y="1988840"/>
+                <a:ext cx="3534494" cy="3563668"/>
+              </a:xfrm>
+              <a:prstGeom prst="rect">
+                <a:avLst/>
+              </a:prstGeom>
+              <a:noFill/>
+            </p:spPr>
+            <p:txBody>
+              <a:bodyPr wrap="none" rtlCol="0">
+                <a:spAutoFit/>
+              </a:bodyPr>
+              <a:lstStyle/>
+              <a:p>
+                <a:pPr algn="ctr"/>
+                <a:r>
+                  <a:rPr lang="pt-BR" b="1" dirty="0" smtClean="0"/>
+                  <a:t>Fórmula</a:t>
+                </a:r>
+              </a:p>
+              <a:p>
+                <a:pPr algn="ctr"/>
+                <a14:m>
+                  <m:oMathPara xmlns:m="http://schemas.openxmlformats.org/officeDocument/2006/math">
+                    <m:oMathParaPr>
+                      <m:jc m:val="centerGroup"/>
+                    </m:oMathParaPr>
+                    <m:oMath xmlns:m="http://schemas.openxmlformats.org/officeDocument/2006/math">
+                      <m:sSub>
+                        <m:sSubPr>
+                          <m:ctrlPr>
+                            <a:rPr lang="pt-BR" i="1" smtClean="0">
+                              <a:latin typeface="Cambria Math"/>
+                            </a:rPr>
+                          </m:ctrlPr>
+                        </m:sSubPr>
+                        <m:e>
+                          <m:r>
+                            <a:rPr lang="pt-BR" b="0" i="1" smtClean="0">
+                              <a:latin typeface="Cambria Math"/>
+                            </a:rPr>
+                            <m:t>𝑖</m:t>
+                          </m:r>
+                        </m:e>
+                        <m:sub>
+                          <m:r>
+                            <a:rPr lang="pt-BR" b="0" i="1" smtClean="0">
+                              <a:latin typeface="Cambria Math"/>
+                            </a:rPr>
+                            <m:t>𝑘</m:t>
+                          </m:r>
+                        </m:sub>
+                      </m:sSub>
+                      <m:r>
+                        <a:rPr lang="pt-BR" i="1" smtClean="0">
+                          <a:latin typeface="Cambria Math"/>
+                          <a:ea typeface="Cambria Math"/>
+                        </a:rPr>
+                        <m:t>=</m:t>
+                      </m:r>
+                      <m:r>
+                        <a:rPr lang="pt-BR" b="0" i="1" smtClean="0">
+                          <a:latin typeface="Cambria Math"/>
+                          <a:ea typeface="Cambria Math"/>
+                        </a:rPr>
+                        <m:t>1 − </m:t>
+                      </m:r>
+                      <m:sSup>
+                        <m:sSupPr>
+                          <m:ctrlPr>
+                            <a:rPr lang="pt-BR" b="0" i="1" smtClean="0">
+                              <a:latin typeface="Cambria Math"/>
+                              <a:ea typeface="Cambria Math"/>
+                            </a:rPr>
+                          </m:ctrlPr>
+                        </m:sSupPr>
+                        <m:e>
+                          <m:r>
+                            <a:rPr lang="pt-BR" i="1">
+                              <a:latin typeface="Cambria Math"/>
+                              <a:ea typeface="Cambria Math"/>
+                            </a:rPr>
+                            <m:t>(1+</m:t>
+                          </m:r>
+                          <m:sSub>
+                            <m:sSubPr>
+                              <m:ctrlPr>
+                                <a:rPr lang="pt-BR" i="1">
+                                  <a:latin typeface="Cambria Math"/>
+                                  <a:ea typeface="Cambria Math"/>
+                                </a:rPr>
+                              </m:ctrlPr>
+                            </m:sSubPr>
+                            <m:e>
+                              <m:r>
+                                <a:rPr lang="pt-BR" i="1">
+                                  <a:latin typeface="Cambria Math"/>
+                                  <a:ea typeface="Cambria Math"/>
+                                </a:rPr>
+                                <m:t>𝑖</m:t>
+                              </m:r>
+                            </m:e>
+                            <m:sub>
+                              <m:r>
+                                <a:rPr lang="pt-BR" b="0" i="1" smtClean="0">
+                                  <a:latin typeface="Cambria Math"/>
+                                  <a:ea typeface="Cambria Math"/>
+                                </a:rPr>
+                                <m:t>𝑝</m:t>
+                              </m:r>
+                            </m:sub>
+                          </m:sSub>
+                          <m:r>
+                            <a:rPr lang="pt-BR" i="1">
+                              <a:latin typeface="Cambria Math"/>
+                              <a:ea typeface="Cambria Math"/>
+                            </a:rPr>
+                            <m:t>)</m:t>
+                          </m:r>
+                        </m:e>
+                        <m:sup>
+                          <m:r>
+                            <a:rPr lang="pt-BR" b="0" i="1" smtClean="0">
+                              <a:latin typeface="Cambria Math"/>
+                              <a:ea typeface="Cambria Math"/>
+                            </a:rPr>
+                            <m:t>𝑛</m:t>
+                          </m:r>
+                        </m:sup>
+                      </m:sSup>
+                    </m:oMath>
+                  </m:oMathPara>
+                </a14:m>
+                <a:endParaRPr lang="pt-BR" dirty="0" smtClean="0"/>
+              </a:p>
+              <a:p>
+                <a:pPr algn="ctr"/>
+                <a14:m>
+                  <m:oMathPara xmlns:m="http://schemas.openxmlformats.org/officeDocument/2006/math">
+                    <m:oMathParaPr>
+                      <m:jc m:val="centerGroup"/>
+                    </m:oMathParaPr>
+                    <m:oMath xmlns:m="http://schemas.openxmlformats.org/officeDocument/2006/math">
+                      <m:sSub>
+                        <m:sSubPr>
+                          <m:ctrlPr>
+                            <a:rPr lang="pt-BR" i="1">
+                              <a:latin typeface="Cambria Math"/>
+                            </a:rPr>
+                          </m:ctrlPr>
+                        </m:sSubPr>
+                        <m:e>
+                          <m:r>
+                            <a:rPr lang="pt-BR" i="1">
+                              <a:latin typeface="Cambria Math"/>
+                            </a:rPr>
+                            <m:t>𝑖</m:t>
+                          </m:r>
+                        </m:e>
+                        <m:sub>
+                          <m:r>
+                            <a:rPr lang="pt-BR" b="0" i="1" smtClean="0">
+                              <a:latin typeface="Cambria Math"/>
+                            </a:rPr>
                             <m:t>34</m:t>
                           </m:r>
                         </m:sub>
@@ -12860,36 +13333,6 @@
 </p:sld>
 </file>
 
-<file path=ppt/slides/slide21.xml><?xml version="1.0" encoding="utf-8"?>
-<p:sld xmlns:a="http://schemas.openxmlformats.org/drawingml/2006/main" xmlns:r="http://schemas.openxmlformats.org/officeDocument/2006/relationships" xmlns:p="http://schemas.openxmlformats.org/presentationml/2006/main">
-  <p:cSld>
-    <p:spTree>
-      <p:nvGrpSpPr>
-        <p:cNvPr id="1" name=""/>
-        <p:cNvGrpSpPr/>
-        <p:nvPr/>
-      </p:nvGrpSpPr>
-      <p:grpSpPr>
-        <a:xfrm>
-          <a:off x="0" y="0"/>
-          <a:ext cx="0" cy="0"/>
-          <a:chOff x="0" y="0"/>
-          <a:chExt cx="0" cy="0"/>
-        </a:xfrm>
-      </p:grpSpPr>
-    </p:spTree>
-    <p:extLst>
-      <p:ext uri="{BB962C8B-B14F-4D97-AF65-F5344CB8AC3E}">
-        <p14:creationId xmlns:p14="http://schemas.microsoft.com/office/powerpoint/2010/main" val="826392844"/>
-      </p:ext>
-    </p:extLst>
-  </p:cSld>
-  <p:clrMapOvr>
-    <a:masterClrMapping/>
-  </p:clrMapOvr>
-</p:sld>
-</file>
-
 <file path=ppt/slides/slide22.xml><?xml version="1.0" encoding="utf-8"?>
 <p:sld xmlns:a="http://schemas.openxmlformats.org/drawingml/2006/main" xmlns:r="http://schemas.openxmlformats.org/officeDocument/2006/relationships" xmlns:p="http://schemas.openxmlformats.org/presentationml/2006/main">
   <p:cSld>
@@ -12957,6 +13400,1070 @@
     <p:extLst>
       <p:ext uri="{BB962C8B-B14F-4D97-AF65-F5344CB8AC3E}">
         <p14:creationId xmlns:p14="http://schemas.microsoft.com/office/powerpoint/2010/main" val="1245723"/>
+      </p:ext>
+    </p:extLst>
+  </p:cSld>
+  <p:clrMapOvr>
+    <a:masterClrMapping/>
+  </p:clrMapOvr>
+</p:sld>
+</file>
+
+<file path=ppt/slides/slide23.xml><?xml version="1.0" encoding="utf-8"?>
+<p:sld xmlns:a="http://schemas.openxmlformats.org/drawingml/2006/main" xmlns:r="http://schemas.openxmlformats.org/officeDocument/2006/relationships" xmlns:p="http://schemas.openxmlformats.org/presentationml/2006/main">
+  <p:cSld>
+    <p:spTree>
+      <p:nvGrpSpPr>
+        <p:cNvPr id="1" name=""/>
+        <p:cNvGrpSpPr/>
+        <p:nvPr/>
+      </p:nvGrpSpPr>
+      <p:grpSpPr>
+        <a:xfrm>
+          <a:off x="0" y="0"/>
+          <a:ext cx="0" cy="0"/>
+          <a:chOff x="0" y="0"/>
+          <a:chExt cx="0" cy="0"/>
+        </a:xfrm>
+      </p:grpSpPr>
+      <p:sp>
+        <p:nvSpPr>
+          <p:cNvPr id="4" name="Elipse 3"/>
+          <p:cNvSpPr/>
+          <p:nvPr/>
+        </p:nvSpPr>
+        <p:spPr>
+          <a:xfrm>
+            <a:off x="107504" y="44624"/>
+            <a:ext cx="821770" cy="792088"/>
+          </a:xfrm>
+          <a:prstGeom prst="ellipse">
+            <a:avLst/>
+          </a:prstGeom>
+        </p:spPr>
+        <p:style>
+          <a:lnRef idx="2">
+            <a:schemeClr val="accent1">
+              <a:shade val="50000"/>
+            </a:schemeClr>
+          </a:lnRef>
+          <a:fillRef idx="1">
+            <a:schemeClr val="accent1"/>
+          </a:fillRef>
+          <a:effectRef idx="0">
+            <a:schemeClr val="accent1"/>
+          </a:effectRef>
+          <a:fontRef idx="minor">
+            <a:schemeClr val="lt1"/>
+          </a:fontRef>
+        </p:style>
+        <p:txBody>
+          <a:bodyPr rtlCol="0" anchor="ctr"/>
+          <a:lstStyle/>
+          <a:p>
+            <a:pPr algn="ctr"/>
+            <a:r>
+              <a:rPr lang="pt-BR" dirty="0"/>
+              <a:t>1</a:t>
+            </a:r>
+            <a:endParaRPr lang="pt-BR" dirty="0"/>
+          </a:p>
+        </p:txBody>
+      </p:sp>
+      <p:grpSp>
+        <p:nvGrpSpPr>
+          <p:cNvPr id="21" name="Grupo 20"/>
+          <p:cNvGrpSpPr/>
+          <p:nvPr/>
+        </p:nvGrpSpPr>
+        <p:grpSpPr>
+          <a:xfrm>
+            <a:off x="2440231" y="260648"/>
+            <a:ext cx="3283897" cy="2415135"/>
+            <a:chOff x="2440231" y="260648"/>
+            <a:chExt cx="3283897" cy="2415135"/>
+          </a:xfrm>
+        </p:grpSpPr>
+        <p:cxnSp>
+          <p:nvCxnSpPr>
+            <p:cNvPr id="10" name="Conector de seta reta 9"/>
+            <p:cNvCxnSpPr/>
+            <p:nvPr/>
+          </p:nvCxnSpPr>
+          <p:spPr>
+            <a:xfrm>
+              <a:off x="2857013" y="1291249"/>
+              <a:ext cx="0" cy="1045980"/>
+            </a:xfrm>
+            <a:prstGeom prst="straightConnector1">
+              <a:avLst/>
+            </a:prstGeom>
+            <a:ln w="12700">
+              <a:solidFill>
+                <a:schemeClr val="tx1"/>
+              </a:solidFill>
+              <a:tailEnd type="arrow"/>
+            </a:ln>
+          </p:spPr>
+          <p:style>
+            <a:lnRef idx="1">
+              <a:schemeClr val="accent1"/>
+            </a:lnRef>
+            <a:fillRef idx="0">
+              <a:schemeClr val="accent1"/>
+            </a:fillRef>
+            <a:effectRef idx="0">
+              <a:schemeClr val="accent1"/>
+            </a:effectRef>
+            <a:fontRef idx="minor">
+              <a:schemeClr val="tx1"/>
+            </a:fontRef>
+          </p:style>
+        </p:cxnSp>
+        <p:cxnSp>
+          <p:nvCxnSpPr>
+            <p:cNvPr id="11" name="Conector reto 10"/>
+            <p:cNvCxnSpPr/>
+            <p:nvPr/>
+          </p:nvCxnSpPr>
+          <p:spPr>
+            <a:xfrm>
+              <a:off x="2857013" y="1291249"/>
+              <a:ext cx="2326012" cy="0"/>
+            </a:xfrm>
+            <a:prstGeom prst="line">
+              <a:avLst/>
+            </a:prstGeom>
+            <a:ln w="12700">
+              <a:solidFill>
+                <a:schemeClr val="tx1"/>
+              </a:solidFill>
+            </a:ln>
+          </p:spPr>
+          <p:style>
+            <a:lnRef idx="1">
+              <a:schemeClr val="accent1"/>
+            </a:lnRef>
+            <a:fillRef idx="0">
+              <a:schemeClr val="accent1"/>
+            </a:fillRef>
+            <a:effectRef idx="0">
+              <a:schemeClr val="accent1"/>
+            </a:effectRef>
+            <a:fontRef idx="minor">
+              <a:schemeClr val="tx1"/>
+            </a:fontRef>
+          </p:style>
+        </p:cxnSp>
+        <p:cxnSp>
+          <p:nvCxnSpPr>
+            <p:cNvPr id="12" name="Conector de seta reta 11"/>
+            <p:cNvCxnSpPr/>
+            <p:nvPr/>
+          </p:nvCxnSpPr>
+          <p:spPr>
+            <a:xfrm flipV="1">
+              <a:off x="5176642" y="546321"/>
+              <a:ext cx="0" cy="744928"/>
+            </a:xfrm>
+            <a:prstGeom prst="straightConnector1">
+              <a:avLst/>
+            </a:prstGeom>
+            <a:ln w="12700">
+              <a:solidFill>
+                <a:schemeClr val="tx1"/>
+              </a:solidFill>
+              <a:tailEnd type="arrow"/>
+            </a:ln>
+          </p:spPr>
+          <p:style>
+            <a:lnRef idx="1">
+              <a:schemeClr val="accent1"/>
+            </a:lnRef>
+            <a:fillRef idx="0">
+              <a:schemeClr val="accent1"/>
+            </a:fillRef>
+            <a:effectRef idx="0">
+              <a:schemeClr val="accent1"/>
+            </a:effectRef>
+            <a:fontRef idx="minor">
+              <a:schemeClr val="tx1"/>
+            </a:fontRef>
+          </p:style>
+        </p:cxnSp>
+        <p:sp>
+          <p:nvSpPr>
+            <p:cNvPr id="7" name="CaixaDeTexto 6"/>
+            <p:cNvSpPr txBox="1"/>
+            <p:nvPr/>
+          </p:nvSpPr>
+          <p:spPr>
+            <a:xfrm>
+              <a:off x="2440231" y="2337229"/>
+              <a:ext cx="1217000" cy="338554"/>
+            </a:xfrm>
+            <a:prstGeom prst="rect">
+              <a:avLst/>
+            </a:prstGeom>
+            <a:noFill/>
+          </p:spPr>
+          <p:txBody>
+            <a:bodyPr wrap="none" rtlCol="0">
+              <a:spAutoFit/>
+            </a:bodyPr>
+            <a:lstStyle/>
+            <a:p>
+              <a:r>
+                <a:rPr lang="pt-BR" sz="1600" dirty="0" smtClean="0"/>
+                <a:t>C = </a:t>
+              </a:r>
+              <a:r>
+                <a:rPr lang="pt-BR" sz="1600" dirty="0" smtClean="0"/>
+                <a:t>5.000,00</a:t>
+              </a:r>
+              <a:endParaRPr lang="pt-BR" sz="1600" dirty="0"/>
+            </a:p>
+          </p:txBody>
+        </p:sp>
+        <p:sp>
+          <p:nvSpPr>
+            <p:cNvPr id="8" name="CaixaDeTexto 7"/>
+            <p:cNvSpPr txBox="1"/>
+            <p:nvPr/>
+          </p:nvSpPr>
+          <p:spPr>
+            <a:xfrm>
+              <a:off x="3350409" y="969077"/>
+              <a:ext cx="1088760" cy="584775"/>
+            </a:xfrm>
+            <a:prstGeom prst="rect">
+              <a:avLst/>
+            </a:prstGeom>
+            <a:noFill/>
+          </p:spPr>
+          <p:txBody>
+            <a:bodyPr wrap="none" rtlCol="0">
+              <a:spAutoFit/>
+            </a:bodyPr>
+            <a:lstStyle/>
+            <a:p>
+              <a:endParaRPr lang="pt-BR" sz="1600" dirty="0" smtClean="0"/>
+            </a:p>
+            <a:p>
+              <a:r>
+                <a:rPr lang="pt-BR" sz="1600" dirty="0" smtClean="0"/>
+                <a:t>i = </a:t>
+              </a:r>
+              <a:r>
+                <a:rPr lang="pt-BR" sz="1600" dirty="0" smtClean="0"/>
+                <a:t>2%</a:t>
+              </a:r>
+              <a:r>
+                <a:rPr lang="pt-BR" sz="1600" dirty="0" smtClean="0"/>
+                <a:t> a.m.</a:t>
+              </a:r>
+              <a:endParaRPr lang="pt-BR" sz="1600" dirty="0"/>
+            </a:p>
+          </p:txBody>
+        </p:sp>
+        <p:sp>
+          <p:nvSpPr>
+            <p:cNvPr id="9" name="CaixaDeTexto 8"/>
+            <p:cNvSpPr txBox="1"/>
+            <p:nvPr/>
+          </p:nvSpPr>
+          <p:spPr>
+            <a:xfrm>
+              <a:off x="4999250" y="260648"/>
+              <a:ext cx="724878" cy="338554"/>
+            </a:xfrm>
+            <a:prstGeom prst="rect">
+              <a:avLst/>
+            </a:prstGeom>
+            <a:noFill/>
+          </p:spPr>
+          <p:txBody>
+            <a:bodyPr wrap="none" rtlCol="0">
+              <a:spAutoFit/>
+            </a:bodyPr>
+            <a:lstStyle/>
+            <a:p>
+              <a:r>
+                <a:rPr lang="pt-BR" sz="1600" dirty="0" smtClean="0"/>
+                <a:t>R</a:t>
+              </a:r>
+              <a:r>
+                <a:rPr lang="pt-BR" sz="1600" baseline="-25000" dirty="0" smtClean="0"/>
+                <a:t>12</a:t>
+              </a:r>
+              <a:r>
+                <a:rPr lang="pt-BR" sz="1600" dirty="0" smtClean="0"/>
+                <a:t> = ?</a:t>
+              </a:r>
+              <a:endParaRPr lang="pt-BR" sz="1600" dirty="0"/>
+            </a:p>
+          </p:txBody>
+        </p:sp>
+        <p:cxnSp>
+          <p:nvCxnSpPr>
+            <p:cNvPr id="14" name="Conector de seta reta 13"/>
+            <p:cNvCxnSpPr/>
+            <p:nvPr/>
+          </p:nvCxnSpPr>
+          <p:spPr>
+            <a:xfrm flipV="1">
+              <a:off x="4572000" y="548680"/>
+              <a:ext cx="0" cy="744928"/>
+            </a:xfrm>
+            <a:prstGeom prst="straightConnector1">
+              <a:avLst/>
+            </a:prstGeom>
+            <a:ln w="12700">
+              <a:solidFill>
+                <a:schemeClr val="tx1"/>
+              </a:solidFill>
+              <a:tailEnd type="arrow"/>
+            </a:ln>
+          </p:spPr>
+          <p:style>
+            <a:lnRef idx="1">
+              <a:schemeClr val="accent1"/>
+            </a:lnRef>
+            <a:fillRef idx="0">
+              <a:schemeClr val="accent1"/>
+            </a:fillRef>
+            <a:effectRef idx="0">
+              <a:schemeClr val="accent1"/>
+            </a:effectRef>
+            <a:fontRef idx="minor">
+              <a:schemeClr val="tx1"/>
+            </a:fontRef>
+          </p:style>
+        </p:cxnSp>
+        <p:cxnSp>
+          <p:nvCxnSpPr>
+            <p:cNvPr id="15" name="Conector de seta reta 14"/>
+            <p:cNvCxnSpPr/>
+            <p:nvPr/>
+          </p:nvCxnSpPr>
+          <p:spPr>
+            <a:xfrm flipV="1">
+              <a:off x="3563888" y="548680"/>
+              <a:ext cx="0" cy="744928"/>
+            </a:xfrm>
+            <a:prstGeom prst="straightConnector1">
+              <a:avLst/>
+            </a:prstGeom>
+            <a:ln w="12700">
+              <a:solidFill>
+                <a:schemeClr val="tx1"/>
+              </a:solidFill>
+              <a:tailEnd type="arrow"/>
+            </a:ln>
+          </p:spPr>
+          <p:style>
+            <a:lnRef idx="1">
+              <a:schemeClr val="accent1"/>
+            </a:lnRef>
+            <a:fillRef idx="0">
+              <a:schemeClr val="accent1"/>
+            </a:fillRef>
+            <a:effectRef idx="0">
+              <a:schemeClr val="accent1"/>
+            </a:effectRef>
+            <a:fontRef idx="minor">
+              <a:schemeClr val="tx1"/>
+            </a:fontRef>
+          </p:style>
+        </p:cxnSp>
+        <p:cxnSp>
+          <p:nvCxnSpPr>
+            <p:cNvPr id="16" name="Conector de seta reta 15"/>
+            <p:cNvCxnSpPr/>
+            <p:nvPr/>
+          </p:nvCxnSpPr>
+          <p:spPr>
+            <a:xfrm flipV="1">
+              <a:off x="3203848" y="548680"/>
+              <a:ext cx="0" cy="744928"/>
+            </a:xfrm>
+            <a:prstGeom prst="straightConnector1">
+              <a:avLst/>
+            </a:prstGeom>
+            <a:ln w="12700">
+              <a:solidFill>
+                <a:schemeClr val="tx1"/>
+              </a:solidFill>
+              <a:tailEnd type="arrow"/>
+            </a:ln>
+          </p:spPr>
+          <p:style>
+            <a:lnRef idx="1">
+              <a:schemeClr val="accent1"/>
+            </a:lnRef>
+            <a:fillRef idx="0">
+              <a:schemeClr val="accent1"/>
+            </a:fillRef>
+            <a:effectRef idx="0">
+              <a:schemeClr val="accent1"/>
+            </a:effectRef>
+            <a:fontRef idx="minor">
+              <a:schemeClr val="tx1"/>
+            </a:fontRef>
+          </p:style>
+        </p:cxnSp>
+        <p:sp>
+          <p:nvSpPr>
+            <p:cNvPr id="17" name="CaixaDeTexto 16"/>
+            <p:cNvSpPr txBox="1"/>
+            <p:nvPr/>
+          </p:nvSpPr>
+          <p:spPr>
+            <a:xfrm>
+              <a:off x="2843808" y="260648"/>
+              <a:ext cx="655949" cy="338554"/>
+            </a:xfrm>
+            <a:prstGeom prst="rect">
+              <a:avLst/>
+            </a:prstGeom>
+            <a:noFill/>
+          </p:spPr>
+          <p:txBody>
+            <a:bodyPr wrap="none" rtlCol="0">
+              <a:spAutoFit/>
+            </a:bodyPr>
+            <a:lstStyle/>
+            <a:p>
+              <a:r>
+                <a:rPr lang="pt-BR" sz="1600" dirty="0" smtClean="0"/>
+                <a:t>R</a:t>
+              </a:r>
+              <a:r>
+                <a:rPr lang="pt-BR" sz="1600" baseline="-25000" dirty="0" smtClean="0"/>
+                <a:t>1</a:t>
+              </a:r>
+              <a:r>
+                <a:rPr lang="pt-BR" sz="1600" dirty="0" smtClean="0"/>
+                <a:t> = ?</a:t>
+              </a:r>
+              <a:endParaRPr lang="pt-BR" sz="1600" dirty="0"/>
+            </a:p>
+          </p:txBody>
+        </p:sp>
+        <p:sp>
+          <p:nvSpPr>
+            <p:cNvPr id="18" name="CaixaDeTexto 17"/>
+            <p:cNvSpPr txBox="1"/>
+            <p:nvPr/>
+          </p:nvSpPr>
+          <p:spPr>
+            <a:xfrm>
+              <a:off x="3411995" y="260648"/>
+              <a:ext cx="655949" cy="338554"/>
+            </a:xfrm>
+            <a:prstGeom prst="rect">
+              <a:avLst/>
+            </a:prstGeom>
+            <a:noFill/>
+          </p:spPr>
+          <p:txBody>
+            <a:bodyPr wrap="none" rtlCol="0">
+              <a:spAutoFit/>
+            </a:bodyPr>
+            <a:lstStyle/>
+            <a:p>
+              <a:r>
+                <a:rPr lang="pt-BR" sz="1600" dirty="0" smtClean="0"/>
+                <a:t>R</a:t>
+              </a:r>
+              <a:r>
+                <a:rPr lang="pt-BR" sz="1600" baseline="-25000" dirty="0"/>
+                <a:t>2</a:t>
+              </a:r>
+              <a:r>
+                <a:rPr lang="pt-BR" sz="1600" dirty="0" smtClean="0"/>
+                <a:t> = ?</a:t>
+              </a:r>
+              <a:endParaRPr lang="pt-BR" sz="1600" dirty="0"/>
+            </a:p>
+          </p:txBody>
+        </p:sp>
+        <p:sp>
+          <p:nvSpPr>
+            <p:cNvPr id="19" name="CaixaDeTexto 18"/>
+            <p:cNvSpPr txBox="1"/>
+            <p:nvPr/>
+          </p:nvSpPr>
+          <p:spPr>
+            <a:xfrm>
+              <a:off x="4283968" y="271391"/>
+              <a:ext cx="724878" cy="338554"/>
+            </a:xfrm>
+            <a:prstGeom prst="rect">
+              <a:avLst/>
+            </a:prstGeom>
+            <a:noFill/>
+          </p:spPr>
+          <p:txBody>
+            <a:bodyPr wrap="none" rtlCol="0">
+              <a:spAutoFit/>
+            </a:bodyPr>
+            <a:lstStyle/>
+            <a:p>
+              <a:r>
+                <a:rPr lang="pt-BR" sz="1600" dirty="0" smtClean="0"/>
+                <a:t>R</a:t>
+              </a:r>
+              <a:r>
+                <a:rPr lang="pt-BR" sz="1600" baseline="-25000" dirty="0"/>
+                <a:t>1</a:t>
+              </a:r>
+              <a:r>
+                <a:rPr lang="pt-BR" sz="1600" baseline="-25000" dirty="0" smtClean="0"/>
+                <a:t>1</a:t>
+              </a:r>
+              <a:r>
+                <a:rPr lang="pt-BR" sz="1600" dirty="0" smtClean="0"/>
+                <a:t> = ?</a:t>
+              </a:r>
+              <a:endParaRPr lang="pt-BR" sz="1600" dirty="0"/>
+            </a:p>
+          </p:txBody>
+        </p:sp>
+        <p:sp>
+          <p:nvSpPr>
+            <p:cNvPr id="20" name="CaixaDeTexto 19"/>
+            <p:cNvSpPr txBox="1"/>
+            <p:nvPr/>
+          </p:nvSpPr>
+          <p:spPr>
+            <a:xfrm>
+              <a:off x="3926178" y="755412"/>
+              <a:ext cx="357790" cy="369332"/>
+            </a:xfrm>
+            <a:prstGeom prst="rect">
+              <a:avLst/>
+            </a:prstGeom>
+            <a:noFill/>
+          </p:spPr>
+          <p:txBody>
+            <a:bodyPr wrap="none" rtlCol="0">
+              <a:spAutoFit/>
+            </a:bodyPr>
+            <a:lstStyle/>
+            <a:p>
+              <a:r>
+                <a:rPr lang="pt-BR" dirty="0" smtClean="0"/>
+                <a:t>...</a:t>
+              </a:r>
+              <a:endParaRPr lang="pt-BR" dirty="0"/>
+            </a:p>
+          </p:txBody>
+        </p:sp>
+      </p:grpSp>
+      <mc:AlternateContent xmlns:mc="http://schemas.openxmlformats.org/markup-compatibility/2006">
+        <mc:Choice xmlns:a14="http://schemas.microsoft.com/office/drawing/2010/main" Requires="a14">
+          <p:sp>
+            <p:nvSpPr>
+              <p:cNvPr id="22" name="CaixaDeTexto 21"/>
+              <p:cNvSpPr txBox="1"/>
+              <p:nvPr/>
+            </p:nvSpPr>
+            <p:spPr>
+              <a:xfrm>
+                <a:off x="518389" y="3645024"/>
+                <a:ext cx="3586684" cy="2937407"/>
+              </a:xfrm>
+              <a:prstGeom prst="rect">
+                <a:avLst/>
+              </a:prstGeom>
+              <a:noFill/>
+            </p:spPr>
+            <p:txBody>
+              <a:bodyPr wrap="square" rtlCol="0">
+                <a:spAutoFit/>
+              </a:bodyPr>
+              <a:lstStyle/>
+              <a:p>
+                <a:pPr algn="ctr"/>
+                <a:r>
+                  <a:rPr lang="pt-BR" b="1" dirty="0" smtClean="0"/>
+                  <a:t>Fórmula</a:t>
+                </a:r>
+              </a:p>
+              <a:p>
+                <a14:m>
+                  <m:oMathPara xmlns:m="http://schemas.openxmlformats.org/officeDocument/2006/math">
+                    <m:oMathParaPr>
+                      <m:jc m:val="centerGroup"/>
+                    </m:oMathParaPr>
+                    <m:oMath xmlns:m="http://schemas.openxmlformats.org/officeDocument/2006/math">
+                      <m:r>
+                        <a:rPr lang="pt-BR" b="0" i="1" smtClean="0">
+                          <a:latin typeface="Cambria Math"/>
+                        </a:rPr>
+                        <m:t>𝐶</m:t>
+                      </m:r>
+                      <m:r>
+                        <a:rPr lang="pt-BR" b="0" i="1" smtClean="0">
+                          <a:latin typeface="Cambria Math"/>
+                        </a:rPr>
+                        <m:t>=</m:t>
+                      </m:r>
+                      <m:r>
+                        <a:rPr lang="pt-BR" b="0" i="1" smtClean="0">
+                          <a:latin typeface="Cambria Math"/>
+                        </a:rPr>
+                        <m:t>𝑅</m:t>
+                      </m:r>
+                      <m:r>
+                        <a:rPr lang="pt-BR" b="0" i="1" smtClean="0">
+                          <a:latin typeface="Cambria Math"/>
+                        </a:rPr>
+                        <m:t> ×</m:t>
+                      </m:r>
+                      <m:f>
+                        <m:fPr>
+                          <m:ctrlPr>
+                            <a:rPr lang="pt-BR" b="0" i="1" smtClean="0">
+                              <a:latin typeface="Cambria Math"/>
+                            </a:rPr>
+                          </m:ctrlPr>
+                        </m:fPr>
+                        <m:num>
+                          <m:sSup>
+                            <m:sSupPr>
+                              <m:ctrlPr>
+                                <a:rPr lang="pt-BR" b="0" i="1" smtClean="0">
+                                  <a:latin typeface="Cambria Math"/>
+                                </a:rPr>
+                              </m:ctrlPr>
+                            </m:sSupPr>
+                            <m:e>
+                              <m:r>
+                                <a:rPr lang="pt-BR" b="0" i="1" smtClean="0">
+                                  <a:latin typeface="Cambria Math"/>
+                                </a:rPr>
+                                <m:t>(1+</m:t>
+                              </m:r>
+                              <m:r>
+                                <a:rPr lang="pt-BR" b="0" i="1" smtClean="0">
+                                  <a:latin typeface="Cambria Math"/>
+                                </a:rPr>
+                                <m:t>𝑖</m:t>
+                              </m:r>
+                              <m:r>
+                                <a:rPr lang="pt-BR" b="0" i="1" smtClean="0">
+                                  <a:latin typeface="Cambria Math"/>
+                                </a:rPr>
+                                <m:t>)</m:t>
+                              </m:r>
+                            </m:e>
+                            <m:sup>
+                              <m:r>
+                                <a:rPr lang="pt-BR" b="0" i="1" smtClean="0">
+                                  <a:latin typeface="Cambria Math"/>
+                                </a:rPr>
+                                <m:t>𝑛</m:t>
+                              </m:r>
+                            </m:sup>
+                          </m:sSup>
+                          <m:r>
+                            <a:rPr lang="pt-BR" b="0" i="1" smtClean="0">
+                              <a:latin typeface="Cambria Math"/>
+                            </a:rPr>
+                            <m:t>−1</m:t>
+                          </m:r>
+                        </m:num>
+                        <m:den>
+                          <m:r>
+                            <a:rPr lang="pt-BR" b="0" i="1" smtClean="0">
+                              <a:latin typeface="Cambria Math"/>
+                            </a:rPr>
+                            <m:t>𝑖</m:t>
+                          </m:r>
+                          <m:r>
+                            <a:rPr lang="pt-BR" b="0" i="1" smtClean="0">
+                              <a:latin typeface="Cambria Math"/>
+                            </a:rPr>
+                            <m:t> </m:t>
+                          </m:r>
+                          <m:sSup>
+                            <m:sSupPr>
+                              <m:ctrlPr>
+                                <a:rPr lang="pt-BR" b="0" i="1" smtClean="0">
+                                  <a:latin typeface="Cambria Math"/>
+                                </a:rPr>
+                              </m:ctrlPr>
+                            </m:sSupPr>
+                            <m:e>
+                              <m:r>
+                                <a:rPr lang="pt-BR" b="0" i="1" smtClean="0">
+                                  <a:latin typeface="Cambria Math"/>
+                                </a:rPr>
+                                <m:t>(1+</m:t>
+                              </m:r>
+                              <m:r>
+                                <a:rPr lang="pt-BR" b="0" i="1" smtClean="0">
+                                  <a:latin typeface="Cambria Math"/>
+                                </a:rPr>
+                                <m:t>𝑖</m:t>
+                              </m:r>
+                              <m:r>
+                                <a:rPr lang="pt-BR" b="0" i="1" smtClean="0">
+                                  <a:latin typeface="Cambria Math"/>
+                                </a:rPr>
+                                <m:t>)</m:t>
+                              </m:r>
+                            </m:e>
+                            <m:sup>
+                              <m:r>
+                                <a:rPr lang="pt-BR" b="0" i="1" smtClean="0">
+                                  <a:latin typeface="Cambria Math"/>
+                                </a:rPr>
+                                <m:t>𝑛</m:t>
+                              </m:r>
+                            </m:sup>
+                          </m:sSup>
+                        </m:den>
+                      </m:f>
+                    </m:oMath>
+                  </m:oMathPara>
+                </a14:m>
+                <a:endParaRPr lang="pt-BR" b="0" dirty="0" smtClean="0"/>
+              </a:p>
+              <a:p>
+                <a:endParaRPr lang="pt-BR" dirty="0" smtClean="0"/>
+              </a:p>
+              <a:p>
+                <a14:m>
+                  <m:oMathPara xmlns:m="http://schemas.openxmlformats.org/officeDocument/2006/math">
+                    <m:oMathParaPr>
+                      <m:jc m:val="centerGroup"/>
+                    </m:oMathParaPr>
+                    <m:oMath xmlns:m="http://schemas.openxmlformats.org/officeDocument/2006/math">
+                      <m:r>
+                        <a:rPr lang="pt-BR" b="0" i="1" smtClean="0">
+                          <a:latin typeface="Cambria Math"/>
+                        </a:rPr>
+                        <m:t>5000</m:t>
+                      </m:r>
+                      <m:r>
+                        <a:rPr lang="pt-BR" i="1">
+                          <a:latin typeface="Cambria Math"/>
+                        </a:rPr>
+                        <m:t>=</m:t>
+                      </m:r>
+                      <m:r>
+                        <a:rPr lang="pt-BR" b="0" i="1" smtClean="0">
+                          <a:latin typeface="Cambria Math"/>
+                        </a:rPr>
+                        <m:t>𝑅</m:t>
+                      </m:r>
+                      <m:r>
+                        <a:rPr lang="pt-BR" b="0" i="1" smtClean="0">
+                          <a:latin typeface="Cambria Math"/>
+                        </a:rPr>
+                        <m:t> ×</m:t>
+                      </m:r>
+                      <m:f>
+                        <m:fPr>
+                          <m:ctrlPr>
+                            <a:rPr lang="pt-BR" i="1">
+                              <a:latin typeface="Cambria Math"/>
+                            </a:rPr>
+                          </m:ctrlPr>
+                        </m:fPr>
+                        <m:num>
+                          <m:sSup>
+                            <m:sSupPr>
+                              <m:ctrlPr>
+                                <a:rPr lang="pt-BR" i="1">
+                                  <a:latin typeface="Cambria Math"/>
+                                </a:rPr>
+                              </m:ctrlPr>
+                            </m:sSupPr>
+                            <m:e>
+                              <m:r>
+                                <a:rPr lang="pt-BR" i="1">
+                                  <a:latin typeface="Cambria Math"/>
+                                </a:rPr>
+                                <m:t>(1+</m:t>
+                              </m:r>
+                              <m:r>
+                                <a:rPr lang="pt-BR" b="0" i="1" smtClean="0">
+                                  <a:latin typeface="Cambria Math"/>
+                                </a:rPr>
+                                <m:t>0,02</m:t>
+                              </m:r>
+                              <m:r>
+                                <a:rPr lang="pt-BR" i="1">
+                                  <a:latin typeface="Cambria Math"/>
+                                </a:rPr>
+                                <m:t>)</m:t>
+                              </m:r>
+                            </m:e>
+                            <m:sup>
+                              <m:r>
+                                <a:rPr lang="pt-BR" b="0" i="1" smtClean="0">
+                                  <a:latin typeface="Cambria Math"/>
+                                </a:rPr>
+                                <m:t>12</m:t>
+                              </m:r>
+                            </m:sup>
+                          </m:sSup>
+                          <m:r>
+                            <a:rPr lang="pt-BR" i="1">
+                              <a:latin typeface="Cambria Math"/>
+                            </a:rPr>
+                            <m:t>−1</m:t>
+                          </m:r>
+                        </m:num>
+                        <m:den>
+                          <m:r>
+                            <a:rPr lang="pt-BR" b="0" i="1" smtClean="0">
+                              <a:latin typeface="Cambria Math"/>
+                            </a:rPr>
+                            <m:t>0,02</m:t>
+                          </m:r>
+                          <m:r>
+                            <a:rPr lang="pt-BR" i="1">
+                              <a:latin typeface="Cambria Math"/>
+                            </a:rPr>
+                            <m:t> </m:t>
+                          </m:r>
+                          <m:sSup>
+                            <m:sSupPr>
+                              <m:ctrlPr>
+                                <a:rPr lang="pt-BR" i="1">
+                                  <a:latin typeface="Cambria Math"/>
+                                </a:rPr>
+                              </m:ctrlPr>
+                            </m:sSupPr>
+                            <m:e>
+                              <m:r>
+                                <a:rPr lang="pt-BR" i="1">
+                                  <a:latin typeface="Cambria Math"/>
+                                </a:rPr>
+                                <m:t>(1+</m:t>
+                              </m:r>
+                              <m:r>
+                                <a:rPr lang="pt-BR" b="0" i="1" smtClean="0">
+                                  <a:latin typeface="Cambria Math"/>
+                                </a:rPr>
+                                <m:t>0,02</m:t>
+                              </m:r>
+                              <m:r>
+                                <a:rPr lang="pt-BR" i="1">
+                                  <a:latin typeface="Cambria Math"/>
+                                </a:rPr>
+                                <m:t>)</m:t>
+                              </m:r>
+                            </m:e>
+                            <m:sup>
+                              <m:r>
+                                <a:rPr lang="pt-BR" b="0" i="1" smtClean="0">
+                                  <a:latin typeface="Cambria Math"/>
+                                </a:rPr>
+                                <m:t>12</m:t>
+                              </m:r>
+                            </m:sup>
+                          </m:sSup>
+                        </m:den>
+                      </m:f>
+                    </m:oMath>
+                  </m:oMathPara>
+                </a14:m>
+                <a:endParaRPr lang="pt-BR" dirty="0" smtClean="0"/>
+              </a:p>
+              <a:p>
+                <a14:m>
+                  <m:oMathPara xmlns:m="http://schemas.openxmlformats.org/officeDocument/2006/math">
+                    <m:oMathParaPr>
+                      <m:jc m:val="centerGroup"/>
+                    </m:oMathParaPr>
+                    <m:oMath xmlns:m="http://schemas.openxmlformats.org/officeDocument/2006/math">
+                      <m:r>
+                        <a:rPr lang="pt-BR" i="1">
+                          <a:latin typeface="Cambria Math"/>
+                        </a:rPr>
+                        <m:t>5000</m:t>
+                      </m:r>
+                      <m:r>
+                        <a:rPr lang="pt-BR" i="1">
+                          <a:latin typeface="Cambria Math"/>
+                        </a:rPr>
+                        <m:t>=</m:t>
+                      </m:r>
+                      <m:r>
+                        <a:rPr lang="pt-BR" i="1">
+                          <a:latin typeface="Cambria Math"/>
+                        </a:rPr>
+                        <m:t>𝑅</m:t>
+                      </m:r>
+                      <m:r>
+                        <a:rPr lang="pt-BR" i="1">
+                          <a:latin typeface="Cambria Math"/>
+                        </a:rPr>
+                        <m:t> ×</m:t>
+                      </m:r>
+                      <m:f>
+                        <m:fPr>
+                          <m:ctrlPr>
+                            <a:rPr lang="pt-BR" i="1">
+                              <a:latin typeface="Cambria Math"/>
+                            </a:rPr>
+                          </m:ctrlPr>
+                        </m:fPr>
+                        <m:num>
+                          <m:r>
+                            <a:rPr lang="pt-BR" b="0" i="1" smtClean="0">
+                              <a:latin typeface="Cambria Math"/>
+                            </a:rPr>
+                            <m:t>0,26824</m:t>
+                          </m:r>
+                        </m:num>
+                        <m:den>
+                          <m:r>
+                            <a:rPr lang="pt-BR" b="0" i="1" smtClean="0">
+                              <a:latin typeface="Cambria Math"/>
+                            </a:rPr>
+                            <m:t>0,02536</m:t>
+                          </m:r>
+                        </m:den>
+                      </m:f>
+                    </m:oMath>
+                  </m:oMathPara>
+                </a14:m>
+                <a:endParaRPr lang="pt-BR" dirty="0" smtClean="0"/>
+              </a:p>
+              <a:p>
+                <a:pPr algn="ctr"/>
+                <a:endParaRPr lang="pt-BR" dirty="0" smtClean="0"/>
+              </a:p>
+              <a:p>
+                <a:pPr algn="ctr"/>
+                <a:r>
+                  <a:rPr lang="pt-BR" dirty="0" smtClean="0"/>
+                  <a:t>R = </a:t>
+                </a:r>
+                <a:r>
+                  <a:rPr lang="pt-BR" u="sng" dirty="0" smtClean="0"/>
+                  <a:t>R$ 472,71</a:t>
+                </a:r>
+                <a:endParaRPr lang="pt-BR" u="sng" dirty="0"/>
+              </a:p>
+            </p:txBody>
+          </p:sp>
+        </mc:Choice>
+        <mc:Fallback>
+          <p:sp>
+            <p:nvSpPr>
+              <p:cNvPr id="22" name="CaixaDeTexto 21"/>
+              <p:cNvSpPr txBox="1">
+                <a:spLocks noRot="1" noChangeAspect="1" noMove="1" noResize="1" noEditPoints="1" noAdjustHandles="1" noChangeArrowheads="1" noChangeShapeType="1" noTextEdit="1"/>
+              </p:cNvSpPr>
+              <p:nvPr/>
+            </p:nvSpPr>
+            <p:spPr>
+              <a:xfrm>
+                <a:off x="518389" y="3645024"/>
+                <a:ext cx="3586684" cy="2937407"/>
+              </a:xfrm>
+              <a:prstGeom prst="rect">
+                <a:avLst/>
+              </a:prstGeom>
+              <a:blipFill rotWithShape="1">
+                <a:blip r:embed="rId2"/>
+                <a:stretch>
+                  <a:fillRect t="-1037" b="-2282"/>
+                </a:stretch>
+              </a:blipFill>
+            </p:spPr>
+            <p:txBody>
+              <a:bodyPr/>
+              <a:lstStyle/>
+              <a:p>
+                <a:r>
+                  <a:rPr lang="pt-BR">
+                    <a:noFill/>
+                  </a:rPr>
+                  <a:t> </a:t>
+                </a:r>
+              </a:p>
+            </p:txBody>
+          </p:sp>
+        </mc:Fallback>
+      </mc:AlternateContent>
+      <p:sp>
+        <p:nvSpPr>
+          <p:cNvPr id="23" name="CaixaDeTexto 22"/>
+          <p:cNvSpPr txBox="1"/>
+          <p:nvPr/>
+        </p:nvSpPr>
+        <p:spPr>
+          <a:xfrm>
+            <a:off x="4369692" y="3717032"/>
+            <a:ext cx="3586684" cy="1477328"/>
+          </a:xfrm>
+          <a:prstGeom prst="rect">
+            <a:avLst/>
+          </a:prstGeom>
+          <a:noFill/>
+        </p:spPr>
+        <p:txBody>
+          <a:bodyPr wrap="square" rtlCol="0">
+            <a:spAutoFit/>
+          </a:bodyPr>
+          <a:lstStyle/>
+          <a:p>
+            <a:pPr algn="ctr"/>
+            <a:r>
+              <a:rPr lang="pt-BR" b="1" dirty="0" smtClean="0"/>
+              <a:t>HP 12c</a:t>
+            </a:r>
+          </a:p>
+          <a:p>
+            <a:r>
+              <a:rPr lang="pt-BR" dirty="0" smtClean="0"/>
+              <a:t>5000 CHS PV</a:t>
+            </a:r>
+          </a:p>
+          <a:p>
+            <a:r>
+              <a:rPr lang="pt-BR" dirty="0" smtClean="0"/>
+              <a:t>2 i</a:t>
+            </a:r>
+          </a:p>
+          <a:p>
+            <a:r>
+              <a:rPr lang="pt-BR" dirty="0" smtClean="0"/>
+              <a:t>12 n</a:t>
+            </a:r>
+          </a:p>
+          <a:p>
+            <a:r>
+              <a:rPr lang="pt-BR" dirty="0" smtClean="0"/>
+              <a:t>PMT		</a:t>
+            </a:r>
+            <a:r>
+              <a:rPr lang="pt-BR" dirty="0" smtClean="0">
+                <a:sym typeface="Wingdings" pitchFamily="2" charset="2"/>
+              </a:rPr>
+              <a:t></a:t>
+            </a:r>
+            <a:r>
+              <a:rPr lang="pt-BR" u="sng" dirty="0" smtClean="0"/>
+              <a:t>R$ 472,71</a:t>
+            </a:r>
+            <a:endParaRPr lang="pt-BR" u="sng" dirty="0"/>
+          </a:p>
+        </p:txBody>
+      </p:sp>
+    </p:spTree>
+    <p:extLst>
+      <p:ext uri="{BB962C8B-B14F-4D97-AF65-F5344CB8AC3E}">
+        <p14:creationId xmlns:p14="http://schemas.microsoft.com/office/powerpoint/2010/main" val="2185522463"/>
       </p:ext>
     </p:extLst>
   </p:cSld>
@@ -13027,8 +14534,8 @@
           </a:p>
         </p:txBody>
       </p:sp>
-      <mc:AlternateContent xmlns:mc="http://schemas.openxmlformats.org/markup-compatibility/2006">
-        <mc:Choice xmlns:a14="http://schemas.microsoft.com/office/drawing/2010/main" Requires="a14">
+      <mc:AlternateContent xmlns:mc="http://schemas.openxmlformats.org/markup-compatibility/2006" xmlns:a14="http://schemas.microsoft.com/office/drawing/2010/main">
+        <mc:Choice Requires="a14">
           <p:sp>
             <p:nvSpPr>
               <p:cNvPr id="5" name="CaixaDeTexto 4"/>
@@ -13058,6 +14565,7 @@
                 </a:r>
               </a:p>
               <a:p>
+                <a:pPr/>
                 <a14:m>
                   <m:oMathPara xmlns:m="http://schemas.openxmlformats.org/officeDocument/2006/math">
                     <m:oMathParaPr>
@@ -13137,6 +14645,7 @@
                 <a:endParaRPr lang="pt-BR" dirty="0" smtClean="0"/>
               </a:p>
               <a:p>
+                <a:pPr/>
                 <a14:m>
                   <m:oMathPara xmlns:m="http://schemas.openxmlformats.org/officeDocument/2006/math">
                     <m:oMathParaPr>
@@ -13341,7 +14850,7 @@
             </p:txBody>
           </p:sp>
         </mc:Choice>
-        <mc:Fallback>
+        <mc:Fallback xmlns="">
           <p:sp>
             <p:nvSpPr>
               <p:cNvPr id="5" name="CaixaDeTexto 4"/>
@@ -13380,8 +14889,8 @@
           </p:sp>
         </mc:Fallback>
       </mc:AlternateContent>
-      <mc:AlternateContent xmlns:mc="http://schemas.openxmlformats.org/markup-compatibility/2006">
-        <mc:Choice xmlns:a14="http://schemas.microsoft.com/office/drawing/2010/main" Requires="a14">
+      <mc:AlternateContent xmlns:mc="http://schemas.openxmlformats.org/markup-compatibility/2006" xmlns:a14="http://schemas.microsoft.com/office/drawing/2010/main">
+        <mc:Choice Requires="a14">
           <p:sp>
             <p:nvSpPr>
               <p:cNvPr id="6" name="CaixaDeTexto 5"/>
@@ -13560,7 +15069,7 @@
             </p:txBody>
           </p:sp>
         </mc:Choice>
-        <mc:Fallback>
+        <mc:Fallback xmlns="">
           <p:sp>
             <p:nvSpPr>
               <p:cNvPr id="6" name="CaixaDeTexto 5"/>
@@ -13759,11 +15268,7 @@
             <a:p>
               <a:r>
                 <a:rPr lang="pt-BR" sz="1600" dirty="0" smtClean="0"/>
-                <a:t>C = </a:t>
-              </a:r>
-              <a:r>
-                <a:rPr lang="pt-BR" sz="1600" dirty="0" smtClean="0"/>
-                <a:t>?</a:t>
+                <a:t>C = ?</a:t>
               </a:r>
               <a:endParaRPr lang="pt-BR" sz="1600" dirty="0"/>
             </a:p>
@@ -13797,22 +15302,13 @@
               </a:r>
               <a:r>
                 <a:rPr lang="pt-BR" sz="1600" dirty="0" smtClean="0"/>
-                <a:t> = </a:t>
+                <a:t> = 20d</a:t>
               </a:r>
-              <a:r>
-                <a:rPr lang="pt-BR" sz="1600" dirty="0" smtClean="0"/>
-                <a:t>20d</a:t>
-              </a:r>
-              <a:endParaRPr lang="pt-BR" sz="1600" dirty="0" smtClean="0"/>
             </a:p>
             <a:p>
               <a:r>
                 <a:rPr lang="pt-BR" sz="1600" dirty="0" smtClean="0"/>
-                <a:t>i = </a:t>
-              </a:r>
-              <a:r>
-                <a:rPr lang="pt-BR" sz="1600" dirty="0" smtClean="0"/>
-                <a:t>20% a.a.</a:t>
+                <a:t>i = 20% a.a.</a:t>
               </a:r>
               <a:endParaRPr lang="pt-BR" sz="1600" dirty="0"/>
             </a:p>
@@ -13842,11 +15338,7 @@
             <a:p>
               <a:r>
                 <a:rPr lang="pt-BR" sz="1600" dirty="0" smtClean="0"/>
-                <a:t>M = </a:t>
-              </a:r>
-              <a:r>
-                <a:rPr lang="pt-BR" sz="1600" dirty="0" smtClean="0"/>
-                <a:t>500,00</a:t>
+                <a:t>M = 500,00</a:t>
               </a:r>
               <a:endParaRPr lang="pt-BR" sz="1600" dirty="0"/>
             </a:p>
@@ -13979,8 +15471,8 @@
           </a:p>
         </p:txBody>
       </p:sp>
-      <mc:AlternateContent xmlns:mc="http://schemas.openxmlformats.org/markup-compatibility/2006">
-        <mc:Choice xmlns:a14="http://schemas.microsoft.com/office/drawing/2010/main" Requires="a14">
+      <mc:AlternateContent xmlns:mc="http://schemas.openxmlformats.org/markup-compatibility/2006" xmlns:a14="http://schemas.microsoft.com/office/drawing/2010/main">
+        <mc:Choice Requires="a14">
           <p:sp>
             <p:nvSpPr>
               <p:cNvPr id="5" name="CaixaDeTexto 4"/>
@@ -14335,6 +15827,7 @@
                 </a:endParaRPr>
               </a:p>
               <a:p>
+                <a:pPr/>
                 <a14:m>
                   <m:oMathPara xmlns:m="http://schemas.openxmlformats.org/officeDocument/2006/math">
                     <m:oMathParaPr>
@@ -14416,7 +15909,7 @@
             </p:txBody>
           </p:sp>
         </mc:Choice>
-        <mc:Fallback>
+        <mc:Fallback xmlns="">
           <p:sp>
             <p:nvSpPr>
               <p:cNvPr id="5" name="CaixaDeTexto 4"/>
@@ -14455,8 +15948,8 @@
           </p:sp>
         </mc:Fallback>
       </mc:AlternateContent>
-      <mc:AlternateContent xmlns:mc="http://schemas.openxmlformats.org/markup-compatibility/2006">
-        <mc:Choice xmlns:a14="http://schemas.microsoft.com/office/drawing/2010/main" Requires="a14">
+      <mc:AlternateContent xmlns:mc="http://schemas.openxmlformats.org/markup-compatibility/2006" xmlns:a14="http://schemas.microsoft.com/office/drawing/2010/main">
+        <mc:Choice Requires="a14">
           <p:sp>
             <p:nvSpPr>
               <p:cNvPr id="6" name="CaixaDeTexto 5"/>
@@ -14618,7 +16111,7 @@
             </p:txBody>
           </p:sp>
         </mc:Choice>
-        <mc:Fallback>
+        <mc:Fallback xmlns="">
           <p:sp>
             <p:nvSpPr>
               <p:cNvPr id="6" name="CaixaDeTexto 5"/>
@@ -14817,11 +16310,7 @@
             <a:p>
               <a:r>
                 <a:rPr lang="pt-BR" sz="1600" dirty="0" smtClean="0"/>
-                <a:t>C = </a:t>
-              </a:r>
-              <a:r>
-                <a:rPr lang="pt-BR" sz="1600" dirty="0" smtClean="0"/>
-                <a:t>1.000,00</a:t>
+                <a:t>C = 1.000,00</a:t>
               </a:r>
               <a:endParaRPr lang="pt-BR" sz="1600" dirty="0"/>
             </a:p>
@@ -14855,22 +16344,13 @@
               </a:r>
               <a:r>
                 <a:rPr lang="pt-BR" sz="1600" dirty="0" smtClean="0"/>
-                <a:t> = </a:t>
+                <a:t> = 303d</a:t>
               </a:r>
-              <a:r>
-                <a:rPr lang="pt-BR" sz="1600" dirty="0" smtClean="0"/>
-                <a:t>303d</a:t>
-              </a:r>
-              <a:endParaRPr lang="pt-BR" sz="1600" dirty="0" smtClean="0"/>
             </a:p>
             <a:p>
               <a:r>
                 <a:rPr lang="pt-BR" sz="1600" dirty="0" smtClean="0"/>
-                <a:t>i = </a:t>
-              </a:r>
-              <a:r>
-                <a:rPr lang="pt-BR" sz="1600" dirty="0" smtClean="0"/>
-                <a:t>?% a.a.</a:t>
+                <a:t>i = ?% a.a.</a:t>
               </a:r>
               <a:endParaRPr lang="pt-BR" sz="1600" dirty="0"/>
             </a:p>
@@ -14900,11 +16380,7 @@
             <a:p>
               <a:r>
                 <a:rPr lang="pt-BR" sz="1600" dirty="0" smtClean="0"/>
-                <a:t>M = </a:t>
-              </a:r>
-              <a:r>
-                <a:rPr lang="pt-BR" sz="1600" dirty="0" smtClean="0"/>
-                <a:t>1.099,94</a:t>
+                <a:t>M = 1.099,94</a:t>
               </a:r>
               <a:endParaRPr lang="pt-BR" sz="1600" dirty="0"/>
             </a:p>
@@ -15013,6 +16489,988 @@
       </p:grpSpPr>
       <p:sp>
         <p:nvSpPr>
+          <p:cNvPr id="4" name="Elipse 3"/>
+          <p:cNvSpPr/>
+          <p:nvPr/>
+        </p:nvSpPr>
+        <p:spPr>
+          <a:xfrm>
+            <a:off x="107504" y="188640"/>
+            <a:ext cx="821770" cy="792088"/>
+          </a:xfrm>
+          <a:prstGeom prst="ellipse">
+            <a:avLst/>
+          </a:prstGeom>
+        </p:spPr>
+        <p:style>
+          <a:lnRef idx="2">
+            <a:schemeClr val="accent1">
+              <a:shade val="50000"/>
+            </a:schemeClr>
+          </a:lnRef>
+          <a:fillRef idx="1">
+            <a:schemeClr val="accent1"/>
+          </a:fillRef>
+          <a:effectRef idx="0">
+            <a:schemeClr val="accent1"/>
+          </a:effectRef>
+          <a:fontRef idx="minor">
+            <a:schemeClr val="lt1"/>
+          </a:fontRef>
+        </p:style>
+        <p:txBody>
+          <a:bodyPr rtlCol="0" anchor="ctr"/>
+          <a:lstStyle/>
+          <a:p>
+            <a:pPr algn="ctr"/>
+            <a:r>
+              <a:rPr lang="pt-BR" dirty="0"/>
+              <a:t>4</a:t>
+            </a:r>
+            <a:endParaRPr lang="pt-BR" dirty="0"/>
+          </a:p>
+        </p:txBody>
+      </p:sp>
+      <p:sp>
+        <p:nvSpPr>
+          <p:cNvPr id="5" name="CaixaDeTexto 4"/>
+          <p:cNvSpPr txBox="1"/>
+          <p:nvPr/>
+        </p:nvSpPr>
+        <p:spPr>
+          <a:xfrm>
+            <a:off x="231340" y="3768884"/>
+            <a:ext cx="3302507" cy="3416320"/>
+          </a:xfrm>
+          <a:prstGeom prst="rect">
+            <a:avLst/>
+          </a:prstGeom>
+          <a:noFill/>
+        </p:spPr>
+        <p:txBody>
+          <a:bodyPr wrap="none" rtlCol="0">
+            <a:spAutoFit/>
+          </a:bodyPr>
+          <a:lstStyle/>
+          <a:p>
+            <a:pPr algn="ctr"/>
+            <a:r>
+              <a:rPr lang="pt-BR" b="1" dirty="0" smtClean="0"/>
+              <a:t>Fórmula</a:t>
+            </a:r>
+          </a:p>
+          <a:p>
+            <a:pPr algn="ctr"/>
+            <a:r>
+              <a:rPr lang="pt-BR" dirty="0" smtClean="0"/>
+              <a:t>J </a:t>
+            </a:r>
+            <a:r>
+              <a:rPr lang="pt-BR" dirty="0"/>
+              <a:t>= </a:t>
+            </a:r>
+            <a:r>
+              <a:rPr lang="pt-BR" dirty="0" err="1"/>
+              <a:t>Cni</a:t>
+            </a:r>
+            <a:endParaRPr lang="pt-BR" dirty="0" smtClean="0"/>
+          </a:p>
+          <a:p>
+            <a:pPr algn="ctr"/>
+            <a:r>
+              <a:rPr lang="pt-BR" dirty="0" smtClean="0"/>
+              <a:t>J1 = 900 x 3 x 0,003 = 7,2</a:t>
+            </a:r>
+          </a:p>
+          <a:p>
+            <a:pPr algn="ctr"/>
+            <a:r>
+              <a:rPr lang="pt-BR" dirty="0" smtClean="0"/>
+              <a:t>J2 </a:t>
+            </a:r>
+            <a:r>
+              <a:rPr lang="pt-BR" dirty="0"/>
+              <a:t>= </a:t>
+            </a:r>
+            <a:r>
+              <a:rPr lang="pt-BR" dirty="0" smtClean="0"/>
+              <a:t>500 </a:t>
+            </a:r>
+            <a:r>
+              <a:rPr lang="pt-BR" dirty="0"/>
+              <a:t>x </a:t>
+            </a:r>
+            <a:r>
+              <a:rPr lang="pt-BR" dirty="0" smtClean="0"/>
+              <a:t>4 </a:t>
+            </a:r>
+            <a:r>
+              <a:rPr lang="pt-BR" dirty="0"/>
+              <a:t>x 0,003 = </a:t>
+            </a:r>
+            <a:r>
+              <a:rPr lang="pt-BR" dirty="0" smtClean="0"/>
+              <a:t>5,32</a:t>
+            </a:r>
+          </a:p>
+          <a:p>
+            <a:pPr algn="ctr"/>
+            <a:r>
+              <a:rPr lang="pt-BR" dirty="0" smtClean="0"/>
+              <a:t>J3 </a:t>
+            </a:r>
+            <a:r>
+              <a:rPr lang="pt-BR" dirty="0"/>
+              <a:t>= </a:t>
+            </a:r>
+            <a:r>
+              <a:rPr lang="pt-BR" dirty="0" smtClean="0"/>
+              <a:t>800 </a:t>
+            </a:r>
+            <a:r>
+              <a:rPr lang="pt-BR" dirty="0"/>
+              <a:t>x </a:t>
+            </a:r>
+            <a:r>
+              <a:rPr lang="pt-BR" dirty="0" smtClean="0"/>
+              <a:t>10 </a:t>
+            </a:r>
+            <a:r>
+              <a:rPr lang="pt-BR" dirty="0"/>
+              <a:t>x 0,003 = </a:t>
+            </a:r>
+            <a:r>
+              <a:rPr lang="pt-BR" dirty="0" smtClean="0"/>
+              <a:t>21,33</a:t>
+            </a:r>
+          </a:p>
+          <a:p>
+            <a:pPr algn="ctr"/>
+            <a:endParaRPr lang="pt-BR" dirty="0" smtClean="0"/>
+          </a:p>
+          <a:p>
+            <a:pPr algn="ctr"/>
+            <a:r>
+              <a:rPr lang="pt-BR" dirty="0" smtClean="0"/>
+              <a:t>Total de Juros Pago</a:t>
+            </a:r>
+          </a:p>
+          <a:p>
+            <a:pPr algn="ctr"/>
+            <a:r>
+              <a:rPr lang="pt-BR" dirty="0" smtClean="0"/>
+              <a:t>JT = J1 + J2 + J3</a:t>
+            </a:r>
+          </a:p>
+          <a:p>
+            <a:pPr algn="ctr"/>
+            <a:r>
+              <a:rPr lang="pt-BR" dirty="0" smtClean="0"/>
+              <a:t>JT = 7,2 + 5,33 + 21,34 = </a:t>
+            </a:r>
+            <a:r>
+              <a:rPr lang="pt-BR" u="sng" dirty="0" smtClean="0"/>
+              <a:t>R$ 33,87</a:t>
+            </a:r>
+          </a:p>
+          <a:p>
+            <a:pPr algn="ctr"/>
+            <a:endParaRPr lang="pt-BR" dirty="0"/>
+          </a:p>
+          <a:p>
+            <a:pPr algn="ctr"/>
+            <a:endParaRPr lang="pt-BR" dirty="0"/>
+          </a:p>
+          <a:p>
+            <a:pPr algn="ctr"/>
+            <a:endParaRPr lang="pt-BR" dirty="0" smtClean="0"/>
+          </a:p>
+        </p:txBody>
+      </p:sp>
+      <mc:AlternateContent xmlns:mc="http://schemas.openxmlformats.org/markup-compatibility/2006">
+        <mc:Choice xmlns:a14="http://schemas.microsoft.com/office/drawing/2010/main" Requires="a14">
+          <p:sp>
+            <p:nvSpPr>
+              <p:cNvPr id="2" name="CaixaDeTexto 1"/>
+              <p:cNvSpPr txBox="1"/>
+              <p:nvPr/>
+            </p:nvSpPr>
+            <p:spPr>
+              <a:xfrm>
+                <a:off x="6328924" y="980728"/>
+                <a:ext cx="1320618" cy="1730089"/>
+              </a:xfrm>
+              <a:prstGeom prst="rect">
+                <a:avLst/>
+              </a:prstGeom>
+              <a:noFill/>
+            </p:spPr>
+            <p:txBody>
+              <a:bodyPr wrap="none" rtlCol="0">
+                <a:spAutoFit/>
+              </a:bodyPr>
+              <a:lstStyle/>
+              <a:p>
+                <a:r>
+                  <a:rPr lang="pt-BR" dirty="0" smtClean="0"/>
+                  <a:t>Taxa diária</a:t>
+                </a:r>
+              </a:p>
+              <a:p>
+                <a14:m>
+                  <m:oMathPara xmlns:m="http://schemas.openxmlformats.org/officeDocument/2006/math">
+                    <m:oMathParaPr>
+                      <m:jc m:val="centerGroup"/>
+                    </m:oMathParaPr>
+                    <m:oMath xmlns:m="http://schemas.openxmlformats.org/officeDocument/2006/math">
+                      <m:sSub>
+                        <m:sSubPr>
+                          <m:ctrlPr>
+                            <a:rPr lang="pt-BR" b="0" i="1" smtClean="0">
+                              <a:latin typeface="Cambria Math"/>
+                            </a:rPr>
+                          </m:ctrlPr>
+                        </m:sSubPr>
+                        <m:e>
+                          <m:r>
+                            <a:rPr lang="pt-BR" b="0" i="1" smtClean="0">
+                              <a:latin typeface="Cambria Math"/>
+                            </a:rPr>
+                            <m:t>𝑖</m:t>
+                          </m:r>
+                        </m:e>
+                        <m:sub>
+                          <m:r>
+                            <a:rPr lang="pt-BR" b="0" i="1" smtClean="0">
+                              <a:latin typeface="Cambria Math"/>
+                            </a:rPr>
+                            <m:t>𝑑</m:t>
+                          </m:r>
+                        </m:sub>
+                      </m:sSub>
+                      <m:r>
+                        <a:rPr lang="pt-BR" b="0" i="1" smtClean="0">
+                          <a:latin typeface="Cambria Math"/>
+                        </a:rPr>
+                        <m:t>= </m:t>
+                      </m:r>
+                      <m:f>
+                        <m:fPr>
+                          <m:ctrlPr>
+                            <a:rPr lang="pt-BR" b="0" i="1" smtClean="0">
+                              <a:latin typeface="Cambria Math"/>
+                            </a:rPr>
+                          </m:ctrlPr>
+                        </m:fPr>
+                        <m:num>
+                          <m:sSub>
+                            <m:sSubPr>
+                              <m:ctrlPr>
+                                <a:rPr lang="pt-BR" i="1">
+                                  <a:latin typeface="Cambria Math"/>
+                                </a:rPr>
+                              </m:ctrlPr>
+                            </m:sSubPr>
+                            <m:e>
+                              <m:r>
+                                <a:rPr lang="pt-BR" i="1">
+                                  <a:latin typeface="Cambria Math"/>
+                                </a:rPr>
+                                <m:t>𝑖</m:t>
+                              </m:r>
+                            </m:e>
+                            <m:sub>
+                              <m:r>
+                                <a:rPr lang="pt-BR" i="1">
+                                  <a:latin typeface="Cambria Math"/>
+                                </a:rPr>
+                                <m:t>𝑚</m:t>
+                              </m:r>
+                            </m:sub>
+                          </m:sSub>
+                        </m:num>
+                        <m:den>
+                          <m:r>
+                            <a:rPr lang="pt-BR" b="0" i="1" smtClean="0">
+                              <a:latin typeface="Cambria Math"/>
+                            </a:rPr>
+                            <m:t>𝑝</m:t>
+                          </m:r>
+                        </m:den>
+                      </m:f>
+                    </m:oMath>
+                  </m:oMathPara>
+                </a14:m>
+                <a:endParaRPr lang="pt-BR" b="0" dirty="0" smtClean="0"/>
+              </a:p>
+              <a:p>
+                <a14:m>
+                  <m:oMathPara xmlns:m="http://schemas.openxmlformats.org/officeDocument/2006/math">
+                    <m:oMathParaPr>
+                      <m:jc m:val="centerGroup"/>
+                    </m:oMathParaPr>
+                    <m:oMath xmlns:m="http://schemas.openxmlformats.org/officeDocument/2006/math">
+                      <m:sSub>
+                        <m:sSubPr>
+                          <m:ctrlPr>
+                            <a:rPr lang="pt-BR" i="1">
+                              <a:latin typeface="Cambria Math"/>
+                            </a:rPr>
+                          </m:ctrlPr>
+                        </m:sSubPr>
+                        <m:e>
+                          <m:r>
+                            <a:rPr lang="pt-BR" i="1">
+                              <a:latin typeface="Cambria Math"/>
+                            </a:rPr>
+                            <m:t>𝑖</m:t>
+                          </m:r>
+                        </m:e>
+                        <m:sub>
+                          <m:r>
+                            <a:rPr lang="pt-BR" i="1">
+                              <a:latin typeface="Cambria Math"/>
+                            </a:rPr>
+                            <m:t>𝑑</m:t>
+                          </m:r>
+                        </m:sub>
+                      </m:sSub>
+                      <m:r>
+                        <a:rPr lang="pt-BR" i="1">
+                          <a:latin typeface="Cambria Math"/>
+                        </a:rPr>
+                        <m:t>= </m:t>
+                      </m:r>
+                      <m:f>
+                        <m:fPr>
+                          <m:ctrlPr>
+                            <a:rPr lang="pt-BR" i="1">
+                              <a:latin typeface="Cambria Math"/>
+                            </a:rPr>
+                          </m:ctrlPr>
+                        </m:fPr>
+                        <m:num>
+                          <m:r>
+                            <a:rPr lang="pt-BR" b="0" i="1" smtClean="0">
+                              <a:latin typeface="Cambria Math"/>
+                            </a:rPr>
+                            <m:t>0,08</m:t>
+                          </m:r>
+                        </m:num>
+                        <m:den>
+                          <m:r>
+                            <a:rPr lang="pt-BR" b="0" i="1" smtClean="0">
+                              <a:latin typeface="Cambria Math"/>
+                            </a:rPr>
+                            <m:t>30</m:t>
+                          </m:r>
+                        </m:den>
+                      </m:f>
+                    </m:oMath>
+                  </m:oMathPara>
+                </a14:m>
+                <a:endParaRPr lang="pt-BR" dirty="0"/>
+              </a:p>
+              <a:p>
+                <a14:m>
+                  <m:oMathPara xmlns:m="http://schemas.openxmlformats.org/officeDocument/2006/math">
+                    <m:oMathParaPr>
+                      <m:jc m:val="centerGroup"/>
+                    </m:oMathParaPr>
+                    <m:oMath xmlns:m="http://schemas.openxmlformats.org/officeDocument/2006/math">
+                      <m:sSub>
+                        <m:sSubPr>
+                          <m:ctrlPr>
+                            <a:rPr lang="pt-BR" i="1">
+                              <a:latin typeface="Cambria Math"/>
+                            </a:rPr>
+                          </m:ctrlPr>
+                        </m:sSubPr>
+                        <m:e>
+                          <m:r>
+                            <a:rPr lang="pt-BR" i="1">
+                              <a:latin typeface="Cambria Math"/>
+                            </a:rPr>
+                            <m:t>𝑖</m:t>
+                          </m:r>
+                        </m:e>
+                        <m:sub>
+                          <m:r>
+                            <a:rPr lang="pt-BR" i="1">
+                              <a:latin typeface="Cambria Math"/>
+                            </a:rPr>
+                            <m:t>𝑑</m:t>
+                          </m:r>
+                        </m:sub>
+                      </m:sSub>
+                      <m:r>
+                        <a:rPr lang="pt-BR" i="1">
+                          <a:latin typeface="Cambria Math"/>
+                        </a:rPr>
+                        <m:t>=</m:t>
+                      </m:r>
+                      <m:r>
+                        <a:rPr lang="pt-BR" b="0" i="1" smtClean="0">
+                          <a:latin typeface="Cambria Math"/>
+                        </a:rPr>
+                        <m:t>0,003</m:t>
+                      </m:r>
+                    </m:oMath>
+                  </m:oMathPara>
+                </a14:m>
+                <a:endParaRPr lang="pt-BR" dirty="0"/>
+              </a:p>
+            </p:txBody>
+          </p:sp>
+        </mc:Choice>
+        <mc:Fallback>
+          <p:sp>
+            <p:nvSpPr>
+              <p:cNvPr id="2" name="CaixaDeTexto 1"/>
+              <p:cNvSpPr txBox="1">
+                <a:spLocks noRot="1" noChangeAspect="1" noMove="1" noResize="1" noEditPoints="1" noAdjustHandles="1" noChangeArrowheads="1" noChangeShapeType="1" noTextEdit="1"/>
+              </p:cNvSpPr>
+              <p:nvPr/>
+            </p:nvSpPr>
+            <p:spPr>
+              <a:xfrm>
+                <a:off x="6328924" y="980728"/>
+                <a:ext cx="1320618" cy="1730089"/>
+              </a:xfrm>
+              <a:prstGeom prst="rect">
+                <a:avLst/>
+              </a:prstGeom>
+              <a:blipFill rotWithShape="1">
+                <a:blip r:embed="rId2"/>
+                <a:stretch>
+                  <a:fillRect l="-3687" t="-1761"/>
+                </a:stretch>
+              </a:blipFill>
+            </p:spPr>
+            <p:txBody>
+              <a:bodyPr/>
+              <a:lstStyle/>
+              <a:p>
+                <a:r>
+                  <a:rPr lang="pt-BR">
+                    <a:noFill/>
+                  </a:rPr>
+                  <a:t> </a:t>
+                </a:r>
+              </a:p>
+            </p:txBody>
+          </p:sp>
+        </mc:Fallback>
+      </mc:AlternateContent>
+      <p:grpSp>
+        <p:nvGrpSpPr>
+          <p:cNvPr id="21" name="Grupo 20"/>
+          <p:cNvGrpSpPr/>
+          <p:nvPr/>
+        </p:nvGrpSpPr>
+        <p:grpSpPr>
+          <a:xfrm>
+            <a:off x="2440231" y="254876"/>
+            <a:ext cx="3208626" cy="2958100"/>
+            <a:chOff x="2440231" y="210126"/>
+            <a:chExt cx="3208626" cy="2958100"/>
+          </a:xfrm>
+        </p:grpSpPr>
+        <p:cxnSp>
+          <p:nvCxnSpPr>
+            <p:cNvPr id="12" name="Conector de seta reta 11"/>
+            <p:cNvCxnSpPr/>
+            <p:nvPr/>
+          </p:nvCxnSpPr>
+          <p:spPr>
+            <a:xfrm>
+              <a:off x="2857013" y="1291249"/>
+              <a:ext cx="0" cy="1045980"/>
+            </a:xfrm>
+            <a:prstGeom prst="straightConnector1">
+              <a:avLst/>
+            </a:prstGeom>
+            <a:ln w="12700">
+              <a:solidFill>
+                <a:schemeClr val="tx1"/>
+              </a:solidFill>
+              <a:tailEnd type="arrow"/>
+            </a:ln>
+          </p:spPr>
+          <p:style>
+            <a:lnRef idx="1">
+              <a:schemeClr val="accent1"/>
+            </a:lnRef>
+            <a:fillRef idx="0">
+              <a:schemeClr val="accent1"/>
+            </a:fillRef>
+            <a:effectRef idx="0">
+              <a:schemeClr val="accent1"/>
+            </a:effectRef>
+            <a:fontRef idx="minor">
+              <a:schemeClr val="tx1"/>
+            </a:fontRef>
+          </p:style>
+        </p:cxnSp>
+        <p:cxnSp>
+          <p:nvCxnSpPr>
+            <p:cNvPr id="13" name="Conector reto 12"/>
+            <p:cNvCxnSpPr/>
+            <p:nvPr/>
+          </p:nvCxnSpPr>
+          <p:spPr>
+            <a:xfrm>
+              <a:off x="2857013" y="1291249"/>
+              <a:ext cx="2326012" cy="0"/>
+            </a:xfrm>
+            <a:prstGeom prst="line">
+              <a:avLst/>
+            </a:prstGeom>
+            <a:ln w="12700">
+              <a:solidFill>
+                <a:schemeClr val="tx1"/>
+              </a:solidFill>
+            </a:ln>
+          </p:spPr>
+          <p:style>
+            <a:lnRef idx="1">
+              <a:schemeClr val="accent1"/>
+            </a:lnRef>
+            <a:fillRef idx="0">
+              <a:schemeClr val="accent1"/>
+            </a:fillRef>
+            <a:effectRef idx="0">
+              <a:schemeClr val="accent1"/>
+            </a:effectRef>
+            <a:fontRef idx="minor">
+              <a:schemeClr val="tx1"/>
+            </a:fontRef>
+          </p:style>
+        </p:cxnSp>
+        <p:cxnSp>
+          <p:nvCxnSpPr>
+            <p:cNvPr id="14" name="Conector de seta reta 13"/>
+            <p:cNvCxnSpPr/>
+            <p:nvPr/>
+          </p:nvCxnSpPr>
+          <p:spPr>
+            <a:xfrm flipV="1">
+              <a:off x="5183025" y="546321"/>
+              <a:ext cx="0" cy="744928"/>
+            </a:xfrm>
+            <a:prstGeom prst="straightConnector1">
+              <a:avLst/>
+            </a:prstGeom>
+            <a:ln w="12700">
+              <a:solidFill>
+                <a:schemeClr val="tx1"/>
+              </a:solidFill>
+              <a:tailEnd type="arrow"/>
+            </a:ln>
+          </p:spPr>
+          <p:style>
+            <a:lnRef idx="1">
+              <a:schemeClr val="accent1"/>
+            </a:lnRef>
+            <a:fillRef idx="0">
+              <a:schemeClr val="accent1"/>
+            </a:fillRef>
+            <a:effectRef idx="0">
+              <a:schemeClr val="accent1"/>
+            </a:effectRef>
+            <a:fontRef idx="minor">
+              <a:schemeClr val="tx1"/>
+            </a:fontRef>
+          </p:style>
+        </p:cxnSp>
+        <p:sp>
+          <p:nvSpPr>
+            <p:cNvPr id="9" name="CaixaDeTexto 8"/>
+            <p:cNvSpPr txBox="1"/>
+            <p:nvPr/>
+          </p:nvSpPr>
+          <p:spPr>
+            <a:xfrm>
+              <a:off x="2440231" y="2337229"/>
+              <a:ext cx="906017" cy="830997"/>
+            </a:xfrm>
+            <a:prstGeom prst="rect">
+              <a:avLst/>
+            </a:prstGeom>
+            <a:noFill/>
+          </p:spPr>
+          <p:txBody>
+            <a:bodyPr wrap="none" rtlCol="0">
+              <a:spAutoFit/>
+            </a:bodyPr>
+            <a:lstStyle/>
+            <a:p>
+              <a:r>
+                <a:rPr lang="pt-BR" sz="1600" dirty="0" smtClean="0"/>
+                <a:t>C1 = 900</a:t>
+              </a:r>
+            </a:p>
+            <a:p>
+              <a:r>
+                <a:rPr lang="pt-BR" sz="1600" dirty="0" smtClean="0"/>
+                <a:t>C2 = 500</a:t>
+              </a:r>
+            </a:p>
+            <a:p>
+              <a:r>
+                <a:rPr lang="pt-BR" sz="1600" dirty="0" smtClean="0"/>
+                <a:t>C3 = 800</a:t>
+              </a:r>
+              <a:endParaRPr lang="pt-BR" sz="1600" dirty="0"/>
+            </a:p>
+          </p:txBody>
+        </p:sp>
+        <p:sp>
+          <p:nvSpPr>
+            <p:cNvPr id="10" name="CaixaDeTexto 9"/>
+            <p:cNvSpPr txBox="1"/>
+            <p:nvPr/>
+          </p:nvSpPr>
+          <p:spPr>
+            <a:xfrm>
+              <a:off x="3796793" y="755993"/>
+              <a:ext cx="1135247" cy="584775"/>
+            </a:xfrm>
+            <a:prstGeom prst="rect">
+              <a:avLst/>
+            </a:prstGeom>
+            <a:noFill/>
+          </p:spPr>
+          <p:txBody>
+            <a:bodyPr wrap="none" rtlCol="0">
+              <a:spAutoFit/>
+            </a:bodyPr>
+            <a:lstStyle/>
+            <a:p>
+              <a:endParaRPr lang="pt-BR" sz="1600" dirty="0" smtClean="0"/>
+            </a:p>
+            <a:p>
+              <a:r>
+                <a:rPr lang="pt-BR" sz="1600" dirty="0" smtClean="0"/>
+                <a:t>i = </a:t>
+              </a:r>
+              <a:r>
+                <a:rPr lang="pt-BR" sz="1600" dirty="0" smtClean="0"/>
+                <a:t>8 %</a:t>
+              </a:r>
+              <a:r>
+                <a:rPr lang="pt-BR" sz="1600" dirty="0" smtClean="0"/>
+                <a:t> a.m.</a:t>
+              </a:r>
+              <a:endParaRPr lang="pt-BR" sz="1600" dirty="0"/>
+            </a:p>
+          </p:txBody>
+        </p:sp>
+        <p:sp>
+          <p:nvSpPr>
+            <p:cNvPr id="11" name="CaixaDeTexto 10"/>
+            <p:cNvSpPr txBox="1"/>
+            <p:nvPr/>
+          </p:nvSpPr>
+          <p:spPr>
+            <a:xfrm>
+              <a:off x="4901083" y="248997"/>
+              <a:ext cx="644728" cy="338554"/>
+            </a:xfrm>
+            <a:prstGeom prst="rect">
+              <a:avLst/>
+            </a:prstGeom>
+            <a:noFill/>
+          </p:spPr>
+          <p:txBody>
+            <a:bodyPr wrap="none" rtlCol="0">
+              <a:spAutoFit/>
+            </a:bodyPr>
+            <a:lstStyle/>
+            <a:p>
+              <a:r>
+                <a:rPr lang="pt-BR" sz="1600" dirty="0"/>
+                <a:t>J</a:t>
+              </a:r>
+              <a:r>
+                <a:rPr lang="pt-BR" sz="1600" dirty="0" smtClean="0"/>
+                <a:t>3 = ?</a:t>
+              </a:r>
+              <a:endParaRPr lang="pt-BR" sz="1600" dirty="0"/>
+            </a:p>
+          </p:txBody>
+        </p:sp>
+        <p:cxnSp>
+          <p:nvCxnSpPr>
+            <p:cNvPr id="15" name="Conector de seta reta 14"/>
+            <p:cNvCxnSpPr/>
+            <p:nvPr/>
+          </p:nvCxnSpPr>
+          <p:spPr>
+            <a:xfrm flipV="1">
+              <a:off x="3635896" y="548680"/>
+              <a:ext cx="0" cy="744928"/>
+            </a:xfrm>
+            <a:prstGeom prst="straightConnector1">
+              <a:avLst/>
+            </a:prstGeom>
+            <a:ln w="12700">
+              <a:solidFill>
+                <a:schemeClr val="tx1"/>
+              </a:solidFill>
+              <a:tailEnd type="arrow"/>
+            </a:ln>
+          </p:spPr>
+          <p:style>
+            <a:lnRef idx="1">
+              <a:schemeClr val="accent1"/>
+            </a:lnRef>
+            <a:fillRef idx="0">
+              <a:schemeClr val="accent1"/>
+            </a:fillRef>
+            <a:effectRef idx="0">
+              <a:schemeClr val="accent1"/>
+            </a:effectRef>
+            <a:fontRef idx="minor">
+              <a:schemeClr val="tx1"/>
+            </a:fontRef>
+          </p:style>
+        </p:cxnSp>
+        <p:cxnSp>
+          <p:nvCxnSpPr>
+            <p:cNvPr id="16" name="Conector de seta reta 15"/>
+            <p:cNvCxnSpPr/>
+            <p:nvPr/>
+          </p:nvCxnSpPr>
+          <p:spPr>
+            <a:xfrm flipV="1">
+              <a:off x="3131840" y="548680"/>
+              <a:ext cx="0" cy="744928"/>
+            </a:xfrm>
+            <a:prstGeom prst="straightConnector1">
+              <a:avLst/>
+            </a:prstGeom>
+            <a:ln w="12700">
+              <a:solidFill>
+                <a:schemeClr val="tx1"/>
+              </a:solidFill>
+              <a:tailEnd type="arrow"/>
+            </a:ln>
+          </p:spPr>
+          <p:style>
+            <a:lnRef idx="1">
+              <a:schemeClr val="accent1"/>
+            </a:lnRef>
+            <a:fillRef idx="0">
+              <a:schemeClr val="accent1"/>
+            </a:fillRef>
+            <a:effectRef idx="0">
+              <a:schemeClr val="accent1"/>
+            </a:effectRef>
+            <a:fontRef idx="minor">
+              <a:schemeClr val="tx1"/>
+            </a:fontRef>
+          </p:style>
+        </p:cxnSp>
+        <p:sp>
+          <p:nvSpPr>
+            <p:cNvPr id="17" name="CaixaDeTexto 16"/>
+            <p:cNvSpPr txBox="1"/>
+            <p:nvPr/>
+          </p:nvSpPr>
+          <p:spPr>
+            <a:xfrm>
+              <a:off x="3286063" y="210126"/>
+              <a:ext cx="644728" cy="338554"/>
+            </a:xfrm>
+            <a:prstGeom prst="rect">
+              <a:avLst/>
+            </a:prstGeom>
+            <a:noFill/>
+          </p:spPr>
+          <p:txBody>
+            <a:bodyPr wrap="none" rtlCol="0">
+              <a:spAutoFit/>
+            </a:bodyPr>
+            <a:lstStyle/>
+            <a:p>
+              <a:r>
+                <a:rPr lang="pt-BR" sz="1600" dirty="0"/>
+                <a:t>J</a:t>
+              </a:r>
+              <a:r>
+                <a:rPr lang="pt-BR" sz="1600" dirty="0" smtClean="0"/>
+                <a:t>2 = ?</a:t>
+              </a:r>
+              <a:endParaRPr lang="pt-BR" sz="1600" dirty="0"/>
+            </a:p>
+          </p:txBody>
+        </p:sp>
+        <p:sp>
+          <p:nvSpPr>
+            <p:cNvPr id="18" name="CaixaDeTexto 17"/>
+            <p:cNvSpPr txBox="1"/>
+            <p:nvPr/>
+          </p:nvSpPr>
+          <p:spPr>
+            <a:xfrm>
+              <a:off x="2627784" y="210126"/>
+              <a:ext cx="644728" cy="338554"/>
+            </a:xfrm>
+            <a:prstGeom prst="rect">
+              <a:avLst/>
+            </a:prstGeom>
+            <a:noFill/>
+          </p:spPr>
+          <p:txBody>
+            <a:bodyPr wrap="none" rtlCol="0">
+              <a:spAutoFit/>
+            </a:bodyPr>
+            <a:lstStyle/>
+            <a:p>
+              <a:r>
+                <a:rPr lang="pt-BR" sz="1600" dirty="0"/>
+                <a:t>J</a:t>
+              </a:r>
+              <a:r>
+                <a:rPr lang="pt-BR" sz="1600" dirty="0" smtClean="0"/>
+                <a:t>1 = ?</a:t>
+              </a:r>
+              <a:endParaRPr lang="pt-BR" sz="1600" dirty="0"/>
+            </a:p>
+          </p:txBody>
+        </p:sp>
+        <p:sp>
+          <p:nvSpPr>
+            <p:cNvPr id="3" name="CaixaDeTexto 2"/>
+            <p:cNvSpPr txBox="1"/>
+            <p:nvPr/>
+          </p:nvSpPr>
+          <p:spPr>
+            <a:xfrm>
+              <a:off x="2802141" y="1340768"/>
+              <a:ext cx="761747" cy="369332"/>
+            </a:xfrm>
+            <a:prstGeom prst="rect">
+              <a:avLst/>
+            </a:prstGeom>
+            <a:noFill/>
+          </p:spPr>
+          <p:txBody>
+            <a:bodyPr wrap="none" rtlCol="0">
+              <a:spAutoFit/>
+            </a:bodyPr>
+            <a:lstStyle/>
+            <a:p>
+              <a:r>
+                <a:rPr lang="pt-BR" dirty="0" smtClean="0"/>
+                <a:t>n1 = 3</a:t>
+              </a:r>
+              <a:endParaRPr lang="pt-BR" dirty="0"/>
+            </a:p>
+          </p:txBody>
+        </p:sp>
+        <p:sp>
+          <p:nvSpPr>
+            <p:cNvPr id="19" name="CaixaDeTexto 18"/>
+            <p:cNvSpPr txBox="1"/>
+            <p:nvPr/>
+          </p:nvSpPr>
+          <p:spPr>
+            <a:xfrm>
+              <a:off x="3522221" y="1340768"/>
+              <a:ext cx="761747" cy="369332"/>
+            </a:xfrm>
+            <a:prstGeom prst="rect">
+              <a:avLst/>
+            </a:prstGeom>
+            <a:noFill/>
+          </p:spPr>
+          <p:txBody>
+            <a:bodyPr wrap="none" rtlCol="0">
+              <a:spAutoFit/>
+            </a:bodyPr>
+            <a:lstStyle/>
+            <a:p>
+              <a:r>
+                <a:rPr lang="pt-BR" dirty="0" smtClean="0"/>
+                <a:t>n2 = 4</a:t>
+              </a:r>
+              <a:endParaRPr lang="pt-BR" dirty="0"/>
+            </a:p>
+          </p:txBody>
+        </p:sp>
+        <p:sp>
+          <p:nvSpPr>
+            <p:cNvPr id="20" name="CaixaDeTexto 19"/>
+            <p:cNvSpPr txBox="1"/>
+            <p:nvPr/>
+          </p:nvSpPr>
+          <p:spPr>
+            <a:xfrm>
+              <a:off x="4717192" y="1396226"/>
+              <a:ext cx="931665" cy="369332"/>
+            </a:xfrm>
+            <a:prstGeom prst="rect">
+              <a:avLst/>
+            </a:prstGeom>
+            <a:noFill/>
+          </p:spPr>
+          <p:txBody>
+            <a:bodyPr wrap="none" rtlCol="0">
+              <a:spAutoFit/>
+            </a:bodyPr>
+            <a:lstStyle/>
+            <a:p>
+              <a:r>
+                <a:rPr lang="pt-BR" dirty="0" smtClean="0"/>
+                <a:t>n3 </a:t>
+              </a:r>
+              <a:r>
+                <a:rPr lang="pt-BR" dirty="0"/>
+                <a:t> </a:t>
+              </a:r>
+              <a:r>
+                <a:rPr lang="pt-BR" dirty="0" smtClean="0"/>
+                <a:t>= 10</a:t>
+              </a:r>
+              <a:endParaRPr lang="pt-BR" dirty="0"/>
+            </a:p>
+          </p:txBody>
+        </p:sp>
+      </p:grpSp>
+    </p:spTree>
+    <p:extLst>
+      <p:ext uri="{BB962C8B-B14F-4D97-AF65-F5344CB8AC3E}">
+        <p14:creationId xmlns:p14="http://schemas.microsoft.com/office/powerpoint/2010/main" val="1276917542"/>
+      </p:ext>
+    </p:extLst>
+  </p:cSld>
+  <p:clrMapOvr>
+    <a:masterClrMapping/>
+  </p:clrMapOvr>
+</p:sld>
+</file>
+
+<file path=ppt/slides/slide6.xml><?xml version="1.0" encoding="utf-8"?>
+<p:sld xmlns:a="http://schemas.openxmlformats.org/drawingml/2006/main" xmlns:r="http://schemas.openxmlformats.org/officeDocument/2006/relationships" xmlns:p="http://schemas.openxmlformats.org/presentationml/2006/main">
+  <p:cSld>
+    <p:spTree>
+      <p:nvGrpSpPr>
+        <p:cNvPr id="1" name=""/>
+        <p:cNvGrpSpPr/>
+        <p:nvPr/>
+      </p:nvGrpSpPr>
+      <p:grpSpPr>
+        <a:xfrm>
+          <a:off x="0" y="0"/>
+          <a:ext cx="0" cy="0"/>
+          <a:chOff x="0" y="0"/>
+          <a:chExt cx="0" cy="0"/>
+        </a:xfrm>
+      </p:grpSpPr>
+      <p:sp>
+        <p:nvSpPr>
           <p:cNvPr id="2" name="Título 1"/>
           <p:cNvSpPr>
             <a:spLocks noGrp="1"/>
@@ -15074,7 +17532,7 @@
 </p:sld>
 </file>
 
-<file path=ppt/slides/slide6.xml><?xml version="1.0" encoding="utf-8"?>
+<file path=ppt/slides/slide7.xml><?xml version="1.0" encoding="utf-8"?>
 <p:sld xmlns:a="http://schemas.openxmlformats.org/drawingml/2006/main" xmlns:r="http://schemas.openxmlformats.org/officeDocument/2006/relationships" xmlns:p="http://schemas.openxmlformats.org/presentationml/2006/main">
   <p:cSld>
     <p:spTree>
@@ -16508,7 +18966,7 @@
 </p:sld>
 </file>
 
-<file path=ppt/slides/slide7.xml><?xml version="1.0" encoding="utf-8"?>
+<file path=ppt/slides/slide8.xml><?xml version="1.0" encoding="utf-8"?>
 <p:sld xmlns:a="http://schemas.openxmlformats.org/drawingml/2006/main" xmlns:r="http://schemas.openxmlformats.org/officeDocument/2006/relationships" xmlns:p="http://schemas.openxmlformats.org/presentationml/2006/main">
   <p:cSld>
     <p:spTree>
@@ -16701,7 +19159,7 @@
 </p:sld>
 </file>
 
-<file path=ppt/slides/slide8.xml><?xml version="1.0" encoding="utf-8"?>
+<file path=ppt/slides/slide9.xml><?xml version="1.0" encoding="utf-8"?>
 <p:sld xmlns:a="http://schemas.openxmlformats.org/drawingml/2006/main" xmlns:r="http://schemas.openxmlformats.org/officeDocument/2006/relationships" xmlns:p="http://schemas.openxmlformats.org/presentationml/2006/main">
   <p:cSld>
     <p:spTree>
@@ -17856,485 +20314,6 @@
     <p:extLst>
       <p:ext uri="{BB962C8B-B14F-4D97-AF65-F5344CB8AC3E}">
         <p14:creationId xmlns:p14="http://schemas.microsoft.com/office/powerpoint/2010/main" val="1946841069"/>
-      </p:ext>
-    </p:extLst>
-  </p:cSld>
-  <p:clrMapOvr>
-    <a:masterClrMapping/>
-  </p:clrMapOvr>
-</p:sld>
-</file>
-
-<file path=ppt/slides/slide9.xml><?xml version="1.0" encoding="utf-8"?>
-<p:sld xmlns:a="http://schemas.openxmlformats.org/drawingml/2006/main" xmlns:r="http://schemas.openxmlformats.org/officeDocument/2006/relationships" xmlns:p="http://schemas.openxmlformats.org/presentationml/2006/main">
-  <p:cSld>
-    <p:spTree>
-      <p:nvGrpSpPr>
-        <p:cNvPr id="1" name=""/>
-        <p:cNvGrpSpPr/>
-        <p:nvPr/>
-      </p:nvGrpSpPr>
-      <p:grpSpPr>
-        <a:xfrm>
-          <a:off x="0" y="0"/>
-          <a:ext cx="0" cy="0"/>
-          <a:chOff x="0" y="0"/>
-          <a:chExt cx="0" cy="0"/>
-        </a:xfrm>
-      </p:grpSpPr>
-      <p:sp>
-        <p:nvSpPr>
-          <p:cNvPr id="2" name="CaixaDeTexto 1"/>
-          <p:cNvSpPr txBox="1"/>
-          <p:nvPr/>
-        </p:nvSpPr>
-        <p:spPr>
-          <a:xfrm>
-            <a:off x="827584" y="313598"/>
-            <a:ext cx="1840568" cy="2031325"/>
-          </a:xfrm>
-          <a:prstGeom prst="rect">
-            <a:avLst/>
-          </a:prstGeom>
-          <a:noFill/>
-        </p:spPr>
-        <p:txBody>
-          <a:bodyPr wrap="none" rtlCol="0">
-            <a:spAutoFit/>
-          </a:bodyPr>
-          <a:lstStyle/>
-          <a:p>
-            <a:r>
-              <a:rPr lang="pt-BR" dirty="0" smtClean="0"/>
-              <a:t>Opção A</a:t>
-            </a:r>
-          </a:p>
-          <a:p>
-            <a:r>
-              <a:rPr lang="pt-BR" dirty="0" smtClean="0"/>
-              <a:t>Sinal  = R$ 200,00</a:t>
-            </a:r>
-          </a:p>
-          <a:p>
-            <a:r>
-              <a:rPr lang="pt-BR" dirty="0" smtClean="0"/>
-              <a:t>C = ?</a:t>
-            </a:r>
-          </a:p>
-          <a:p>
-            <a:r>
-              <a:rPr lang="pt-BR" dirty="0" smtClean="0"/>
-              <a:t>i = 20%a.a.</a:t>
-            </a:r>
-          </a:p>
-          <a:p>
-            <a:r>
-              <a:rPr lang="pt-BR" dirty="0" smtClean="0"/>
-              <a:t>n = 2 a</a:t>
-            </a:r>
-          </a:p>
-          <a:p>
-            <a:r>
-              <a:rPr lang="pt-BR" dirty="0" smtClean="0"/>
-              <a:t>M = R$ 300,00</a:t>
-            </a:r>
-          </a:p>
-          <a:p>
-            <a:endParaRPr lang="pt-BR" dirty="0"/>
-          </a:p>
-        </p:txBody>
-      </p:sp>
-      <p:sp>
-        <p:nvSpPr>
-          <p:cNvPr id="3" name="CaixaDeTexto 2"/>
-          <p:cNvSpPr txBox="1"/>
-          <p:nvPr/>
-        </p:nvSpPr>
-        <p:spPr>
-          <a:xfrm>
-            <a:off x="6084168" y="313596"/>
-            <a:ext cx="1840568" cy="2031325"/>
-          </a:xfrm>
-          <a:prstGeom prst="rect">
-            <a:avLst/>
-          </a:prstGeom>
-          <a:noFill/>
-        </p:spPr>
-        <p:txBody>
-          <a:bodyPr wrap="none" rtlCol="0">
-            <a:spAutoFit/>
-          </a:bodyPr>
-          <a:lstStyle/>
-          <a:p>
-            <a:r>
-              <a:rPr lang="pt-BR" dirty="0" smtClean="0"/>
-              <a:t>Opção B</a:t>
-            </a:r>
-          </a:p>
-          <a:p>
-            <a:r>
-              <a:rPr lang="pt-BR" dirty="0" smtClean="0"/>
-              <a:t>Sinal  = R$ 240,00</a:t>
-            </a:r>
-          </a:p>
-          <a:p>
-            <a:r>
-              <a:rPr lang="pt-BR" dirty="0" smtClean="0"/>
-              <a:t>C = ?</a:t>
-            </a:r>
-          </a:p>
-          <a:p>
-            <a:r>
-              <a:rPr lang="pt-BR" dirty="0" smtClean="0"/>
-              <a:t>i = 20%a.a.</a:t>
-            </a:r>
-          </a:p>
-          <a:p>
-            <a:r>
-              <a:rPr lang="pt-BR" dirty="0" smtClean="0"/>
-              <a:t>n = 2 a</a:t>
-            </a:r>
-          </a:p>
-          <a:p>
-            <a:r>
-              <a:rPr lang="pt-BR" dirty="0" smtClean="0"/>
-              <a:t>M = R$ 245,00</a:t>
-            </a:r>
-          </a:p>
-          <a:p>
-            <a:endParaRPr lang="pt-BR" dirty="0"/>
-          </a:p>
-        </p:txBody>
-      </p:sp>
-      <p:sp>
-        <p:nvSpPr>
-          <p:cNvPr id="4" name="CaixaDeTexto 3"/>
-          <p:cNvSpPr txBox="1"/>
-          <p:nvPr/>
-        </p:nvSpPr>
-        <p:spPr>
-          <a:xfrm>
-            <a:off x="800409" y="2348880"/>
-            <a:ext cx="2953053" cy="2031325"/>
-          </a:xfrm>
-          <a:prstGeom prst="rect">
-            <a:avLst/>
-          </a:prstGeom>
-          <a:noFill/>
-        </p:spPr>
-        <p:txBody>
-          <a:bodyPr wrap="none" rtlCol="0">
-            <a:spAutoFit/>
-          </a:bodyPr>
-          <a:lstStyle/>
-          <a:p>
-            <a:r>
-              <a:rPr lang="pt-BR" dirty="0" smtClean="0">
-                <a:ea typeface="Cambria Math"/>
-              </a:rPr>
-              <a:t>300 CHS FV</a:t>
-            </a:r>
-          </a:p>
-          <a:p>
-            <a:r>
-              <a:rPr lang="pt-BR" dirty="0" smtClean="0">
-                <a:ea typeface="Cambria Math"/>
-              </a:rPr>
-              <a:t>20 i</a:t>
-            </a:r>
-          </a:p>
-          <a:p>
-            <a:r>
-              <a:rPr lang="pt-BR" b="0" dirty="0" smtClean="0">
-                <a:ea typeface="Cambria Math"/>
-              </a:rPr>
-              <a:t>2 n</a:t>
-            </a:r>
-          </a:p>
-          <a:p>
-            <a:r>
-              <a:rPr lang="pt-BR" dirty="0" smtClean="0">
-                <a:ea typeface="Cambria Math"/>
-              </a:rPr>
-              <a:t>PV 		</a:t>
-            </a:r>
-            <a:r>
-              <a:rPr lang="pt-BR" dirty="0" smtClean="0">
-                <a:ea typeface="Cambria Math"/>
-                <a:sym typeface="Wingdings" pitchFamily="2" charset="2"/>
-              </a:rPr>
-              <a:t> 208,33</a:t>
-            </a:r>
-          </a:p>
-          <a:p>
-            <a:r>
-              <a:rPr lang="pt-BR" b="0" dirty="0" smtClean="0">
-                <a:ea typeface="Cambria Math"/>
-                <a:sym typeface="Wingdings" pitchFamily="2" charset="2"/>
-              </a:rPr>
-              <a:t>[</a:t>
-            </a:r>
-            <a:r>
-              <a:rPr lang="pt-BR" b="0" dirty="0" err="1" smtClean="0">
-                <a:ea typeface="Cambria Math"/>
-                <a:sym typeface="Wingdings" pitchFamily="2" charset="2"/>
-              </a:rPr>
-              <a:t>Enter</a:t>
-            </a:r>
-            <a:r>
-              <a:rPr lang="pt-BR" b="0" dirty="0" smtClean="0">
-                <a:ea typeface="Cambria Math"/>
-                <a:sym typeface="Wingdings" pitchFamily="2" charset="2"/>
-              </a:rPr>
-              <a:t>]</a:t>
-            </a:r>
-          </a:p>
-          <a:p>
-            <a:r>
-              <a:rPr lang="pt-BR" dirty="0">
-                <a:ea typeface="Cambria Math"/>
-                <a:sym typeface="Wingdings" pitchFamily="2" charset="2"/>
-              </a:rPr>
-              <a:t>2</a:t>
-            </a:r>
-            <a:r>
-              <a:rPr lang="pt-BR" dirty="0" smtClean="0">
-                <a:ea typeface="Cambria Math"/>
-                <a:sym typeface="Wingdings" pitchFamily="2" charset="2"/>
-              </a:rPr>
-              <a:t>00 +		 408,33</a:t>
-            </a:r>
-          </a:p>
-          <a:p>
-            <a:endParaRPr lang="pt-BR" b="0" dirty="0" smtClean="0">
-              <a:ea typeface="Cambria Math"/>
-            </a:endParaRPr>
-          </a:p>
-        </p:txBody>
-      </p:sp>
-      <p:sp>
-        <p:nvSpPr>
-          <p:cNvPr id="7" name="CaixaDeTexto 6"/>
-          <p:cNvSpPr txBox="1"/>
-          <p:nvPr/>
-        </p:nvSpPr>
-        <p:spPr>
-          <a:xfrm>
-            <a:off x="5328671" y="2344921"/>
-            <a:ext cx="2953053" cy="1754326"/>
-          </a:xfrm>
-          <a:prstGeom prst="rect">
-            <a:avLst/>
-          </a:prstGeom>
-          <a:noFill/>
-        </p:spPr>
-        <p:txBody>
-          <a:bodyPr wrap="none" rtlCol="0">
-            <a:spAutoFit/>
-          </a:bodyPr>
-          <a:lstStyle/>
-          <a:p>
-            <a:r>
-              <a:rPr lang="pt-BR" b="0" dirty="0" smtClean="0">
-                <a:ea typeface="Cambria Math"/>
-              </a:rPr>
-              <a:t>245 CHS FV</a:t>
-            </a:r>
-          </a:p>
-          <a:p>
-            <a:r>
-              <a:rPr lang="pt-BR" dirty="0" smtClean="0">
-                <a:ea typeface="Cambria Math"/>
-              </a:rPr>
-              <a:t>20 i</a:t>
-            </a:r>
-          </a:p>
-          <a:p>
-            <a:r>
-              <a:rPr lang="pt-BR" b="0" dirty="0" smtClean="0">
-                <a:ea typeface="Cambria Math"/>
-              </a:rPr>
-              <a:t>2 n</a:t>
-            </a:r>
-          </a:p>
-          <a:p>
-            <a:r>
-              <a:rPr lang="pt-BR" dirty="0" smtClean="0">
-                <a:ea typeface="Cambria Math"/>
-              </a:rPr>
-              <a:t>PV		</a:t>
-            </a:r>
-            <a:r>
-              <a:rPr lang="pt-BR" dirty="0" smtClean="0">
-                <a:ea typeface="Cambria Math"/>
-                <a:sym typeface="Wingdings" pitchFamily="2" charset="2"/>
-              </a:rPr>
-              <a:t> 170,14</a:t>
-            </a:r>
-          </a:p>
-          <a:p>
-            <a:r>
-              <a:rPr lang="pt-BR" b="0" dirty="0" smtClean="0">
-                <a:ea typeface="Cambria Math"/>
-                <a:sym typeface="Wingdings" pitchFamily="2" charset="2"/>
-              </a:rPr>
-              <a:t>[</a:t>
-            </a:r>
-            <a:r>
-              <a:rPr lang="pt-BR" b="0" dirty="0" err="1" smtClean="0">
-                <a:ea typeface="Cambria Math"/>
-                <a:sym typeface="Wingdings" pitchFamily="2" charset="2"/>
-              </a:rPr>
-              <a:t>Enter</a:t>
-            </a:r>
-            <a:r>
-              <a:rPr lang="pt-BR" b="0" dirty="0" smtClean="0">
-                <a:ea typeface="Cambria Math"/>
-                <a:sym typeface="Wingdings" pitchFamily="2" charset="2"/>
-              </a:rPr>
-              <a:t>]</a:t>
-            </a:r>
-          </a:p>
-          <a:p>
-            <a:r>
-              <a:rPr lang="pt-BR" dirty="0" smtClean="0">
-                <a:ea typeface="Cambria Math"/>
-                <a:sym typeface="Wingdings" pitchFamily="2" charset="2"/>
-              </a:rPr>
-              <a:t>240+		 410,14</a:t>
-            </a:r>
-            <a:endParaRPr lang="pt-BR" b="0" dirty="0" smtClean="0">
-              <a:ea typeface="Cambria Math"/>
-            </a:endParaRPr>
-          </a:p>
-        </p:txBody>
-      </p:sp>
-      <p:cxnSp>
-        <p:nvCxnSpPr>
-          <p:cNvPr id="11" name="Conector reto 10"/>
-          <p:cNvCxnSpPr/>
-          <p:nvPr/>
-        </p:nvCxnSpPr>
-        <p:spPr>
-          <a:xfrm>
-            <a:off x="4427984" y="313598"/>
-            <a:ext cx="0" cy="5540260"/>
-          </a:xfrm>
-          <a:prstGeom prst="line">
-            <a:avLst/>
-          </a:prstGeom>
-        </p:spPr>
-        <p:style>
-          <a:lnRef idx="1">
-            <a:schemeClr val="accent1"/>
-          </a:lnRef>
-          <a:fillRef idx="0">
-            <a:schemeClr val="accent1"/>
-          </a:fillRef>
-          <a:effectRef idx="0">
-            <a:schemeClr val="accent1"/>
-          </a:effectRef>
-          <a:fontRef idx="minor">
-            <a:schemeClr val="tx1"/>
-          </a:fontRef>
-        </p:style>
-      </p:cxnSp>
-      <p:sp>
-        <p:nvSpPr>
-          <p:cNvPr id="12" name="CaixaDeTexto 11"/>
-          <p:cNvSpPr txBox="1"/>
-          <p:nvPr/>
-        </p:nvSpPr>
-        <p:spPr>
-          <a:xfrm>
-            <a:off x="2961163" y="6340678"/>
-            <a:ext cx="2630207" cy="369332"/>
-          </a:xfrm>
-          <a:prstGeom prst="rect">
-            <a:avLst/>
-          </a:prstGeom>
-          <a:noFill/>
-        </p:spPr>
-        <p:txBody>
-          <a:bodyPr wrap="none" rtlCol="0">
-            <a:spAutoFit/>
-          </a:bodyPr>
-          <a:lstStyle/>
-          <a:p>
-            <a:r>
-              <a:rPr lang="pt-BR" u="sng" dirty="0" smtClean="0"/>
-              <a:t>Opção A  </a:t>
-            </a:r>
-            <a:r>
-              <a:rPr lang="pt-BR" dirty="0" smtClean="0"/>
-              <a:t>é mais vantajosa</a:t>
-            </a:r>
-            <a:endParaRPr lang="pt-BR" dirty="0"/>
-          </a:p>
-        </p:txBody>
-      </p:sp>
-      <p:sp>
-        <p:nvSpPr>
-          <p:cNvPr id="13" name="Elipse 12"/>
-          <p:cNvSpPr/>
-          <p:nvPr/>
-        </p:nvSpPr>
-        <p:spPr>
-          <a:xfrm>
-            <a:off x="35496" y="188640"/>
-            <a:ext cx="821770" cy="792088"/>
-          </a:xfrm>
-          <a:prstGeom prst="ellipse">
-            <a:avLst/>
-          </a:prstGeom>
-        </p:spPr>
-        <p:style>
-          <a:lnRef idx="2">
-            <a:schemeClr val="accent1">
-              <a:shade val="50000"/>
-            </a:schemeClr>
-          </a:lnRef>
-          <a:fillRef idx="1">
-            <a:schemeClr val="accent1"/>
-          </a:fillRef>
-          <a:effectRef idx="0">
-            <a:schemeClr val="accent1"/>
-          </a:effectRef>
-          <a:fontRef idx="minor">
-            <a:schemeClr val="lt1"/>
-          </a:fontRef>
-        </p:style>
-        <p:txBody>
-          <a:bodyPr rtlCol="0" anchor="ctr"/>
-          <a:lstStyle/>
-          <a:p>
-            <a:pPr algn="ctr"/>
-            <a:r>
-              <a:rPr lang="pt-BR" sz="1600" dirty="0" smtClean="0"/>
-              <a:t>3</a:t>
-            </a:r>
-          </a:p>
-          <a:p>
-            <a:pPr algn="ctr"/>
-            <a:r>
-              <a:rPr lang="pt-BR" sz="1600" dirty="0" smtClean="0"/>
-              <a:t>HP</a:t>
-            </a:r>
-          </a:p>
-          <a:p>
-            <a:pPr algn="ctr"/>
-            <a:r>
-              <a:rPr lang="pt-BR" sz="1600" dirty="0" smtClean="0"/>
-              <a:t>12c</a:t>
-            </a:r>
-            <a:endParaRPr lang="pt-BR" dirty="0"/>
-          </a:p>
-        </p:txBody>
-      </p:sp>
-    </p:spTree>
-    <p:extLst>
-      <p:ext uri="{BB962C8B-B14F-4D97-AF65-F5344CB8AC3E}">
-        <p14:creationId xmlns:p14="http://schemas.microsoft.com/office/powerpoint/2010/main" val="2124448715"/>
       </p:ext>
     </p:extLst>
   </p:cSld>

--- a/Gestao Estrategica TI/06 - Análise de Viabilidade de Projetos/Exercícios.pptx
+++ b/Gestao Estrategica TI/06 - Análise de Viabilidade de Projetos/Exercícios.pptx
@@ -40,8 +40,14 @@
     <p:sldId id="289" r:id="rId34"/>
     <p:sldId id="290" r:id="rId35"/>
     <p:sldId id="291" r:id="rId36"/>
-    <p:sldId id="292" r:id="rId37"/>
-    <p:sldId id="293" r:id="rId38"/>
+    <p:sldId id="294" r:id="rId37"/>
+    <p:sldId id="292" r:id="rId38"/>
+    <p:sldId id="295" r:id="rId39"/>
+    <p:sldId id="293" r:id="rId40"/>
+    <p:sldId id="296" r:id="rId41"/>
+    <p:sldId id="297" r:id="rId42"/>
+    <p:sldId id="298" r:id="rId43"/>
+    <p:sldId id="299" r:id="rId44"/>
   </p:sldIdLst>
   <p:sldSz cx="9144000" cy="6858000" type="screen4x3"/>
   <p:notesSz cx="6858000" cy="9144000"/>
@@ -324,7 +330,7 @@
           <a:p>
             <a:fld id="{1A4ED077-2146-4CF9-9626-6D2CC7ECDC9E}" type="datetimeFigureOut">
               <a:rPr lang="pt-BR" smtClean="0"/>
-              <a:t>05/08/2012</a:t>
+              <a:t>07/08/2012</a:t>
             </a:fld>
             <a:endParaRPr lang="pt-BR"/>
           </a:p>
@@ -494,7 +500,7 @@
           <a:p>
             <a:fld id="{1A4ED077-2146-4CF9-9626-6D2CC7ECDC9E}" type="datetimeFigureOut">
               <a:rPr lang="pt-BR" smtClean="0"/>
-              <a:t>05/08/2012</a:t>
+              <a:t>07/08/2012</a:t>
             </a:fld>
             <a:endParaRPr lang="pt-BR"/>
           </a:p>
@@ -674,7 +680,7 @@
           <a:p>
             <a:fld id="{1A4ED077-2146-4CF9-9626-6D2CC7ECDC9E}" type="datetimeFigureOut">
               <a:rPr lang="pt-BR" smtClean="0"/>
-              <a:t>05/08/2012</a:t>
+              <a:t>07/08/2012</a:t>
             </a:fld>
             <a:endParaRPr lang="pt-BR"/>
           </a:p>
@@ -844,7 +850,7 @@
           <a:p>
             <a:fld id="{1A4ED077-2146-4CF9-9626-6D2CC7ECDC9E}" type="datetimeFigureOut">
               <a:rPr lang="pt-BR" smtClean="0"/>
-              <a:t>05/08/2012</a:t>
+              <a:t>07/08/2012</a:t>
             </a:fld>
             <a:endParaRPr lang="pt-BR"/>
           </a:p>
@@ -1090,7 +1096,7 @@
           <a:p>
             <a:fld id="{1A4ED077-2146-4CF9-9626-6D2CC7ECDC9E}" type="datetimeFigureOut">
               <a:rPr lang="pt-BR" smtClean="0"/>
-              <a:t>05/08/2012</a:t>
+              <a:t>07/08/2012</a:t>
             </a:fld>
             <a:endParaRPr lang="pt-BR"/>
           </a:p>
@@ -1378,7 +1384,7 @@
           <a:p>
             <a:fld id="{1A4ED077-2146-4CF9-9626-6D2CC7ECDC9E}" type="datetimeFigureOut">
               <a:rPr lang="pt-BR" smtClean="0"/>
-              <a:t>05/08/2012</a:t>
+              <a:t>07/08/2012</a:t>
             </a:fld>
             <a:endParaRPr lang="pt-BR"/>
           </a:p>
@@ -1800,7 +1806,7 @@
           <a:p>
             <a:fld id="{1A4ED077-2146-4CF9-9626-6D2CC7ECDC9E}" type="datetimeFigureOut">
               <a:rPr lang="pt-BR" smtClean="0"/>
-              <a:t>05/08/2012</a:t>
+              <a:t>07/08/2012</a:t>
             </a:fld>
             <a:endParaRPr lang="pt-BR"/>
           </a:p>
@@ -1918,7 +1924,7 @@
           <a:p>
             <a:fld id="{1A4ED077-2146-4CF9-9626-6D2CC7ECDC9E}" type="datetimeFigureOut">
               <a:rPr lang="pt-BR" smtClean="0"/>
-              <a:t>05/08/2012</a:t>
+              <a:t>07/08/2012</a:t>
             </a:fld>
             <a:endParaRPr lang="pt-BR"/>
           </a:p>
@@ -2013,7 +2019,7 @@
           <a:p>
             <a:fld id="{1A4ED077-2146-4CF9-9626-6D2CC7ECDC9E}" type="datetimeFigureOut">
               <a:rPr lang="pt-BR" smtClean="0"/>
-              <a:t>05/08/2012</a:t>
+              <a:t>07/08/2012</a:t>
             </a:fld>
             <a:endParaRPr lang="pt-BR"/>
           </a:p>
@@ -2290,7 +2296,7 @@
           <a:p>
             <a:fld id="{1A4ED077-2146-4CF9-9626-6D2CC7ECDC9E}" type="datetimeFigureOut">
               <a:rPr lang="pt-BR" smtClean="0"/>
-              <a:t>05/08/2012</a:t>
+              <a:t>07/08/2012</a:t>
             </a:fld>
             <a:endParaRPr lang="pt-BR"/>
           </a:p>
@@ -2543,7 +2549,7 @@
           <a:p>
             <a:fld id="{1A4ED077-2146-4CF9-9626-6D2CC7ECDC9E}" type="datetimeFigureOut">
               <a:rPr lang="pt-BR" smtClean="0"/>
-              <a:t>05/08/2012</a:t>
+              <a:t>07/08/2012</a:t>
             </a:fld>
             <a:endParaRPr lang="pt-BR"/>
           </a:p>
@@ -2756,7 +2762,7 @@
           <a:p>
             <a:fld id="{1A4ED077-2146-4CF9-9626-6D2CC7ECDC9E}" type="datetimeFigureOut">
               <a:rPr lang="pt-BR" smtClean="0"/>
-              <a:t>05/08/2012</a:t>
+              <a:t>07/08/2012</a:t>
             </a:fld>
             <a:endParaRPr lang="pt-BR"/>
           </a:p>
@@ -16065,11 +16071,7 @@
           <a:p>
             <a:r>
               <a:rPr lang="pt-BR" sz="1600" dirty="0" smtClean="0"/>
-              <a:t>C = </a:t>
-            </a:r>
-            <a:r>
-              <a:rPr lang="pt-BR" sz="1600" dirty="0" smtClean="0"/>
-              <a:t>50.000</a:t>
+              <a:t>C = 50.000</a:t>
             </a:r>
             <a:endParaRPr lang="pt-BR" sz="1600" dirty="0"/>
           </a:p>
@@ -24451,11 +24453,7 @@
             </a:r>
             <a:r>
               <a:rPr lang="pt-BR" dirty="0" smtClean="0"/>
-              <a:t>. </a:t>
-            </a:r>
-            <a:r>
-              <a:rPr lang="pt-BR" dirty="0" smtClean="0"/>
-              <a:t>Análise de Projetos</a:t>
+              <a:t>. Análise de Projetos</a:t>
             </a:r>
             <a:endParaRPr lang="pt-BR" dirty="0"/>
           </a:p>
@@ -24478,11 +24476,7 @@
           <a:p>
             <a:r>
               <a:rPr lang="pt-BR" dirty="0" smtClean="0"/>
-              <a:t>Página </a:t>
-            </a:r>
-            <a:r>
-              <a:rPr lang="pt-BR" dirty="0" smtClean="0"/>
-              <a:t>29-30</a:t>
+              <a:t>Página 29-30</a:t>
             </a:r>
             <a:endParaRPr lang="pt-BR" dirty="0"/>
           </a:p>
@@ -24927,7 +24921,6 @@
                         <a:rPr lang="pt-BR" sz="1600" dirty="0" smtClean="0"/>
                         <a:t>15,00</a:t>
                       </a:r>
-                      <a:endParaRPr lang="pt-BR" sz="1600" dirty="0" smtClean="0"/>
                     </a:p>
                   </a:txBody>
                   <a:tcPr/>
@@ -25019,7 +25012,6 @@
                         <a:rPr lang="pt-BR" sz="1600" dirty="0" smtClean="0"/>
                         <a:t>15,00</a:t>
                       </a:r>
-                      <a:endParaRPr lang="pt-BR" sz="1600" dirty="0" smtClean="0"/>
                     </a:p>
                   </a:txBody>
                   <a:tcPr/>
@@ -25201,7 +25193,6 @@
                         <a:rPr lang="pt-BR" sz="1600" dirty="0" smtClean="0"/>
                         <a:t>5,00</a:t>
                       </a:r>
-                      <a:endParaRPr lang="pt-BR" sz="1600" dirty="0" smtClean="0"/>
                     </a:p>
                   </a:txBody>
                   <a:tcPr/>
@@ -25232,7 +25223,6 @@
                         <a:rPr lang="pt-BR" sz="1600" dirty="0" smtClean="0"/>
                         <a:t>10,00</a:t>
                       </a:r>
-                      <a:endParaRPr lang="pt-BR" sz="1600" dirty="0" smtClean="0"/>
                     </a:p>
                   </a:txBody>
                   <a:tcPr/>
@@ -25263,7 +25253,6 @@
                         <a:rPr lang="pt-BR" sz="1600" dirty="0" smtClean="0"/>
                         <a:t>7,00</a:t>
                       </a:r>
-                      <a:endParaRPr lang="pt-BR" sz="1600" dirty="0" smtClean="0"/>
                     </a:p>
                   </a:txBody>
                   <a:tcPr/>
@@ -25325,7 +25314,6 @@
                         <a:rPr lang="pt-BR" sz="1600" dirty="0" smtClean="0"/>
                         <a:t>6,50</a:t>
                       </a:r>
-                      <a:endParaRPr lang="pt-BR" sz="1600" dirty="0" smtClean="0"/>
                     </a:p>
                   </a:txBody>
                   <a:tcPr/>
@@ -25356,7 +25344,6 @@
                         <a:rPr lang="pt-BR" sz="1600" dirty="0" smtClean="0"/>
                         <a:t>10,00</a:t>
                       </a:r>
-                      <a:endParaRPr lang="pt-BR" sz="1600" dirty="0" smtClean="0"/>
                     </a:p>
                   </a:txBody>
                   <a:tcPr/>
@@ -25387,7 +25374,6 @@
                         <a:rPr lang="pt-BR" sz="1600" dirty="0" smtClean="0"/>
                         <a:t>17,00</a:t>
                       </a:r>
-                      <a:endParaRPr lang="pt-BR" sz="1600" dirty="0" smtClean="0"/>
                     </a:p>
                   </a:txBody>
                   <a:tcPr/>
@@ -25449,7 +25435,6 @@
                         <a:rPr lang="pt-BR" sz="1600" dirty="0" smtClean="0"/>
                         <a:t>8,00</a:t>
                       </a:r>
-                      <a:endParaRPr lang="pt-BR" sz="1600" dirty="0" smtClean="0"/>
                     </a:p>
                   </a:txBody>
                   <a:tcPr/>
@@ -25480,7 +25465,6 @@
                         <a:rPr lang="pt-BR" sz="1600" dirty="0" smtClean="0"/>
                         <a:t>10,00</a:t>
                       </a:r>
-                      <a:endParaRPr lang="pt-BR" sz="1600" dirty="0" smtClean="0"/>
                     </a:p>
                   </a:txBody>
                   <a:tcPr/>
@@ -25511,7 +25495,6 @@
                         <a:rPr lang="pt-BR" sz="1600" dirty="0" smtClean="0"/>
                         <a:t>27,00</a:t>
                       </a:r>
-                      <a:endParaRPr lang="pt-BR" sz="1600" dirty="0" smtClean="0"/>
                     </a:p>
                   </a:txBody>
                   <a:tcPr/>
@@ -25943,6 +25926,385 @@
           </a:p>
         </p:txBody>
       </p:sp>
+      <mc:AlternateContent xmlns:mc="http://schemas.openxmlformats.org/markup-compatibility/2006">
+        <mc:Choice xmlns:a14="http://schemas.microsoft.com/office/drawing/2010/main" Requires="a14">
+          <p:sp>
+            <p:nvSpPr>
+              <p:cNvPr id="3" name="CaixaDeTexto 2"/>
+              <p:cNvSpPr txBox="1"/>
+              <p:nvPr/>
+            </p:nvSpPr>
+            <p:spPr>
+              <a:xfrm>
+                <a:off x="6509254" y="97011"/>
+                <a:ext cx="2350323" cy="5047536"/>
+              </a:xfrm>
+              <a:prstGeom prst="rect">
+                <a:avLst/>
+              </a:prstGeom>
+              <a:noFill/>
+            </p:spPr>
+            <p:txBody>
+              <a:bodyPr wrap="none" rtlCol="0">
+                <a:spAutoFit/>
+              </a:bodyPr>
+              <a:lstStyle/>
+              <a:p>
+                <a:pPr algn="ctr"/>
+                <a:r>
+                  <a:rPr lang="pt-BR" sz="1400" b="1" dirty="0" smtClean="0"/>
+                  <a:t>Calculando o Saldo Projeto A</a:t>
+                </a:r>
+              </a:p>
+              <a:p>
+                <a:r>
+                  <a:rPr lang="pt-BR" sz="1400" dirty="0" smtClean="0"/>
+                  <a:t>43 CHS [</a:t>
+                </a:r>
+                <a:r>
+                  <a:rPr lang="pt-BR" sz="1400" dirty="0" err="1" smtClean="0"/>
+                  <a:t>Enter</a:t>
+                </a:r>
+                <a:r>
+                  <a:rPr lang="pt-BR" sz="1400" dirty="0" smtClean="0"/>
+                  <a:t>]</a:t>
+                </a:r>
+              </a:p>
+              <a:p>
+                <a:r>
+                  <a:rPr lang="pt-BR" sz="1400" dirty="0" smtClean="0"/>
+                  <a:t>15 +	</a:t>
+                </a:r>
+                <a:r>
+                  <a:rPr lang="pt-BR" sz="1400" dirty="0" smtClean="0">
+                    <a:sym typeface="Wingdings" pitchFamily="2" charset="2"/>
+                  </a:rPr>
+                  <a:t> -28</a:t>
+                </a:r>
+                <a:endParaRPr lang="pt-BR" sz="1400" dirty="0" smtClean="0"/>
+              </a:p>
+              <a:p>
+                <a:r>
+                  <a:rPr lang="pt-BR" sz="1400" dirty="0" smtClean="0"/>
+                  <a:t>...</a:t>
+                </a:r>
+              </a:p>
+              <a:p>
+                <a:r>
+                  <a:rPr lang="pt-BR" sz="1400" dirty="0" smtClean="0"/>
+                  <a:t>1,5 +	</a:t>
+                </a:r>
+                <a:r>
+                  <a:rPr lang="pt-BR" sz="1400" dirty="0" smtClean="0">
+                    <a:sym typeface="Wingdings" pitchFamily="2" charset="2"/>
+                  </a:rPr>
+                  <a:t> 8,00</a:t>
+                </a:r>
+              </a:p>
+              <a:p>
+                <a:endParaRPr lang="pt-BR" sz="1400" dirty="0" smtClean="0">
+                  <a:sym typeface="Wingdings" pitchFamily="2" charset="2"/>
+                </a:endParaRPr>
+              </a:p>
+              <a:p>
+                <a:r>
+                  <a:rPr lang="pt-BR" sz="1400" b="1" dirty="0" smtClean="0"/>
+                  <a:t>Calculando o </a:t>
+                </a:r>
+                <a:r>
+                  <a:rPr lang="pt-BR" sz="1400" b="1" dirty="0" err="1" smtClean="0"/>
+                  <a:t>Payback</a:t>
+                </a:r>
+                <a:r>
+                  <a:rPr lang="pt-BR" sz="1400" b="1" dirty="0" smtClean="0"/>
+                  <a:t> A</a:t>
+                </a:r>
+              </a:p>
+              <a:p>
+                <a:r>
+                  <a:rPr lang="pt-BR" sz="1400" dirty="0" smtClean="0"/>
+                  <a:t>2 [</a:t>
+                </a:r>
+                <a:r>
+                  <a:rPr lang="pt-BR" sz="1400" dirty="0" err="1" smtClean="0"/>
+                  <a:t>Enter</a:t>
+                </a:r>
+                <a:r>
+                  <a:rPr lang="pt-BR" sz="1400" dirty="0" smtClean="0"/>
+                  <a:t>]</a:t>
+                </a:r>
+              </a:p>
+              <a:p>
+                <a:r>
+                  <a:rPr lang="pt-BR" sz="1400" dirty="0" smtClean="0"/>
+                  <a:t>13 [</a:t>
+                </a:r>
+                <a:r>
+                  <a:rPr lang="pt-BR" sz="1400" dirty="0" err="1" smtClean="0"/>
+                  <a:t>Enter</a:t>
+                </a:r>
+                <a:r>
+                  <a:rPr lang="pt-BR" sz="1400" dirty="0" smtClean="0"/>
+                  <a:t>]</a:t>
+                </a:r>
+              </a:p>
+              <a:p>
+                <a:r>
+                  <a:rPr lang="pt-BR" sz="1400" dirty="0" smtClean="0"/>
+                  <a:t>15 </a:t>
+                </a:r>
+                <a14:m>
+                  <m:oMath xmlns:m="http://schemas.openxmlformats.org/officeDocument/2006/math">
+                    <m:r>
+                      <a:rPr lang="pt-BR" sz="1400" i="1" smtClean="0">
+                        <a:latin typeface="Cambria Math"/>
+                        <a:ea typeface="Cambria Math"/>
+                      </a:rPr>
+                      <m:t>÷</m:t>
+                    </m:r>
+                  </m:oMath>
+                </a14:m>
+                <a:endParaRPr lang="pt-BR" sz="1400" dirty="0" smtClean="0">
+                  <a:ea typeface="Cambria Math"/>
+                </a:endParaRPr>
+              </a:p>
+              <a:p>
+                <a:r>
+                  <a:rPr lang="pt-BR" sz="1400" dirty="0" smtClean="0"/>
+                  <a:t>+ 	</a:t>
+                </a:r>
+                <a:r>
+                  <a:rPr lang="pt-BR" sz="1400" dirty="0" smtClean="0">
+                    <a:sym typeface="Wingdings" pitchFamily="2" charset="2"/>
+                  </a:rPr>
+                  <a:t> </a:t>
+                </a:r>
+                <a:r>
+                  <a:rPr lang="pt-BR" sz="1400" u="sng" dirty="0" smtClean="0">
+                    <a:sym typeface="Wingdings" pitchFamily="2" charset="2"/>
+                  </a:rPr>
+                  <a:t>2,87 anos</a:t>
+                </a:r>
+                <a:endParaRPr lang="pt-BR" sz="1400" u="sng" dirty="0" smtClean="0"/>
+              </a:p>
+              <a:p>
+                <a:endParaRPr lang="pt-BR" sz="1400" b="1" dirty="0" smtClean="0"/>
+              </a:p>
+              <a:p>
+                <a:r>
+                  <a:rPr lang="pt-BR" sz="1400" b="1" dirty="0" smtClean="0"/>
+                  <a:t>Calculando </a:t>
+                </a:r>
+                <a:r>
+                  <a:rPr lang="pt-BR" sz="1400" b="1" dirty="0"/>
+                  <a:t>o </a:t>
+                </a:r>
+                <a:r>
+                  <a:rPr lang="pt-BR" sz="1400" b="1" dirty="0" smtClean="0"/>
+                  <a:t>Saldo </a:t>
+                </a:r>
+                <a:r>
+                  <a:rPr lang="pt-BR" sz="1400" b="1" dirty="0"/>
+                  <a:t>Projeto </a:t>
+                </a:r>
+                <a:r>
+                  <a:rPr lang="pt-BR" sz="1400" b="1" dirty="0" smtClean="0"/>
+                  <a:t>B</a:t>
+                </a:r>
+                <a:endParaRPr lang="pt-BR" sz="1400" b="1" dirty="0"/>
+              </a:p>
+              <a:p>
+                <a:r>
+                  <a:rPr lang="pt-BR" sz="1400" dirty="0"/>
+                  <a:t>43 CHS [</a:t>
+                </a:r>
+                <a:r>
+                  <a:rPr lang="pt-BR" sz="1400" dirty="0" err="1"/>
+                  <a:t>Enter</a:t>
+                </a:r>
+                <a:r>
+                  <a:rPr lang="pt-BR" sz="1400" dirty="0"/>
+                  <a:t>]</a:t>
+                </a:r>
+              </a:p>
+              <a:p>
+                <a:r>
+                  <a:rPr lang="pt-BR" sz="1400" dirty="0" smtClean="0"/>
+                  <a:t>10 +	</a:t>
+                </a:r>
+                <a:r>
+                  <a:rPr lang="pt-BR" sz="1400" dirty="0" smtClean="0">
+                    <a:sym typeface="Wingdings" pitchFamily="2" charset="2"/>
+                  </a:rPr>
+                  <a:t> -33</a:t>
+                </a:r>
+              </a:p>
+              <a:p>
+                <a:r>
+                  <a:rPr lang="pt-BR" sz="1400" dirty="0" smtClean="0">
+                    <a:sym typeface="Wingdings" pitchFamily="2" charset="2"/>
+                  </a:rPr>
+                  <a:t>...</a:t>
+                </a:r>
+                <a:endParaRPr lang="pt-BR" sz="1400" dirty="0"/>
+              </a:p>
+              <a:p>
+                <a:r>
+                  <a:rPr lang="pt-BR" sz="1400" dirty="0" smtClean="0"/>
+                  <a:t>10+	</a:t>
+                </a:r>
+                <a:r>
+                  <a:rPr lang="pt-BR" sz="1400" dirty="0" smtClean="0">
+                    <a:sym typeface="Wingdings" pitchFamily="2" charset="2"/>
+                  </a:rPr>
+                  <a:t> 27,00</a:t>
+                </a:r>
+                <a:endParaRPr lang="pt-BR" sz="1400" dirty="0">
+                  <a:sym typeface="Wingdings" pitchFamily="2" charset="2"/>
+                </a:endParaRPr>
+              </a:p>
+              <a:p>
+                <a:endParaRPr lang="pt-BR" sz="1400" b="1" dirty="0" smtClean="0"/>
+              </a:p>
+              <a:p>
+                <a:r>
+                  <a:rPr lang="pt-BR" sz="1400" b="1" dirty="0" smtClean="0"/>
+                  <a:t>Calculando </a:t>
+                </a:r>
+                <a:r>
+                  <a:rPr lang="pt-BR" sz="1400" b="1" dirty="0"/>
+                  <a:t>o </a:t>
+                </a:r>
+                <a:r>
+                  <a:rPr lang="pt-BR" sz="1400" b="1" dirty="0" err="1"/>
+                  <a:t>Payback</a:t>
+                </a:r>
+                <a:r>
+                  <a:rPr lang="pt-BR" sz="1400" b="1" dirty="0"/>
+                  <a:t> A</a:t>
+                </a:r>
+              </a:p>
+              <a:p>
+                <a:r>
+                  <a:rPr lang="pt-BR" sz="1400" dirty="0" smtClean="0"/>
+                  <a:t>4 </a:t>
+                </a:r>
+                <a:r>
+                  <a:rPr lang="pt-BR" sz="1400" dirty="0"/>
+                  <a:t>[</a:t>
+                </a:r>
+                <a:r>
+                  <a:rPr lang="pt-BR" sz="1400" dirty="0" err="1"/>
+                  <a:t>Enter</a:t>
+                </a:r>
+                <a:r>
+                  <a:rPr lang="pt-BR" sz="1400" dirty="0"/>
+                  <a:t>]</a:t>
+                </a:r>
+              </a:p>
+              <a:p>
+                <a:r>
+                  <a:rPr lang="pt-BR" sz="1400" dirty="0"/>
+                  <a:t>3</a:t>
+                </a:r>
+                <a:r>
+                  <a:rPr lang="pt-BR" sz="1400" dirty="0" smtClean="0"/>
+                  <a:t> </a:t>
+                </a:r>
+                <a:r>
+                  <a:rPr lang="pt-BR" sz="1400" dirty="0"/>
+                  <a:t>[</a:t>
+                </a:r>
+                <a:r>
+                  <a:rPr lang="pt-BR" sz="1400" dirty="0" err="1"/>
+                  <a:t>Enter</a:t>
+                </a:r>
+                <a:r>
+                  <a:rPr lang="pt-BR" sz="1400" dirty="0"/>
+                  <a:t>]</a:t>
+                </a:r>
+              </a:p>
+              <a:p>
+                <a:r>
+                  <a:rPr lang="pt-BR" sz="1400" dirty="0" smtClean="0"/>
+                  <a:t>10 </a:t>
+                </a:r>
+                <a14:m>
+                  <m:oMath xmlns:m="http://schemas.openxmlformats.org/officeDocument/2006/math">
+                    <m:r>
+                      <a:rPr lang="pt-BR" sz="1400" i="1">
+                        <a:latin typeface="Cambria Math"/>
+                        <a:ea typeface="Cambria Math"/>
+                      </a:rPr>
+                      <m:t>÷</m:t>
+                    </m:r>
+                  </m:oMath>
+                </a14:m>
+                <a:endParaRPr lang="pt-BR" sz="1400" dirty="0">
+                  <a:ea typeface="Cambria Math"/>
+                </a:endParaRPr>
+              </a:p>
+              <a:p>
+                <a:r>
+                  <a:rPr lang="pt-BR" sz="1400" dirty="0"/>
+                  <a:t>+ 	</a:t>
+                </a:r>
+                <a:r>
+                  <a:rPr lang="pt-BR" sz="1400" dirty="0">
+                    <a:sym typeface="Wingdings" pitchFamily="2" charset="2"/>
+                  </a:rPr>
+                  <a:t> </a:t>
+                </a:r>
+                <a:r>
+                  <a:rPr lang="pt-BR" sz="1400" u="sng" dirty="0" smtClean="0">
+                    <a:sym typeface="Wingdings" pitchFamily="2" charset="2"/>
+                  </a:rPr>
+                  <a:t>4,3 anos</a:t>
+                </a:r>
+                <a:endParaRPr lang="pt-BR" sz="1400" u="sng" dirty="0"/>
+              </a:p>
+            </p:txBody>
+          </p:sp>
+        </mc:Choice>
+        <mc:Fallback>
+          <p:sp>
+            <p:nvSpPr>
+              <p:cNvPr id="3" name="CaixaDeTexto 2"/>
+              <p:cNvSpPr txBox="1">
+                <a:spLocks noRot="1" noChangeAspect="1" noMove="1" noResize="1" noEditPoints="1" noAdjustHandles="1" noChangeArrowheads="1" noChangeShapeType="1" noTextEdit="1"/>
+              </p:cNvSpPr>
+              <p:nvPr/>
+            </p:nvSpPr>
+            <p:spPr>
+              <a:xfrm>
+                <a:off x="6509254" y="97011"/>
+                <a:ext cx="2350323" cy="5047536"/>
+              </a:xfrm>
+              <a:prstGeom prst="rect">
+                <a:avLst/>
+              </a:prstGeom>
+              <a:blipFill rotWithShape="1">
+                <a:blip r:embed="rId2"/>
+                <a:stretch>
+                  <a:fillRect l="-779" t="-121" b="-362"/>
+                </a:stretch>
+              </a:blipFill>
+            </p:spPr>
+            <p:txBody>
+              <a:bodyPr/>
+              <a:lstStyle/>
+              <a:p>
+                <a:r>
+                  <a:rPr lang="pt-BR">
+                    <a:noFill/>
+                  </a:rPr>
+                  <a:t> </a:t>
+                </a:r>
+              </a:p>
+            </p:txBody>
+          </p:sp>
+        </mc:Fallback>
+      </mc:AlternateContent>
     </p:spTree>
     <p:extLst>
       <p:ext uri="{BB962C8B-B14F-4D97-AF65-F5344CB8AC3E}">
@@ -26010,9 +26372,1900 @@
           <a:p>
             <a:pPr algn="ctr"/>
             <a:r>
-              <a:rPr lang="pt-BR" dirty="0"/>
+              <a:rPr lang="pt-BR" dirty="0" smtClean="0"/>
               <a:t>1</a:t>
             </a:r>
+            <a:endParaRPr lang="pt-BR" dirty="0" smtClean="0"/>
+          </a:p>
+        </p:txBody>
+      </p:sp>
+      <p:sp>
+        <p:nvSpPr>
+          <p:cNvPr id="7" name="CaixaDeTexto 6"/>
+          <p:cNvSpPr txBox="1"/>
+          <p:nvPr/>
+        </p:nvSpPr>
+        <p:spPr>
+          <a:xfrm>
+            <a:off x="2627784" y="0"/>
+            <a:ext cx="2350580" cy="400110"/>
+          </a:xfrm>
+          <a:prstGeom prst="rect">
+            <a:avLst/>
+          </a:prstGeom>
+          <a:noFill/>
+        </p:spPr>
+        <p:txBody>
+          <a:bodyPr wrap="none" rtlCol="0">
+            <a:spAutoFit/>
+          </a:bodyPr>
+          <a:lstStyle/>
+          <a:p>
+            <a:r>
+              <a:rPr lang="pt-BR" sz="2000" b="1" dirty="0" err="1" smtClean="0"/>
+              <a:t>Payback</a:t>
+            </a:r>
+            <a:r>
+              <a:rPr lang="pt-BR" sz="2000" b="1" dirty="0" smtClean="0"/>
+              <a:t> descontado</a:t>
+            </a:r>
+            <a:endParaRPr lang="pt-BR" sz="2000" b="1" dirty="0"/>
+          </a:p>
+        </p:txBody>
+      </p:sp>
+      <p:sp>
+        <p:nvSpPr>
+          <p:cNvPr id="5" name="CaixaDeTexto 4"/>
+          <p:cNvSpPr txBox="1"/>
+          <p:nvPr/>
+        </p:nvSpPr>
+        <p:spPr>
+          <a:xfrm>
+            <a:off x="1259632" y="836712"/>
+            <a:ext cx="1024639" cy="369332"/>
+          </a:xfrm>
+          <a:prstGeom prst="rect">
+            <a:avLst/>
+          </a:prstGeom>
+          <a:noFill/>
+        </p:spPr>
+        <p:txBody>
+          <a:bodyPr wrap="none" rtlCol="0">
+            <a:spAutoFit/>
+          </a:bodyPr>
+          <a:lstStyle/>
+          <a:p>
+            <a:r>
+              <a:rPr lang="pt-BR" dirty="0" smtClean="0"/>
+              <a:t>i: </a:t>
+            </a:r>
+            <a:r>
+              <a:rPr lang="pt-BR" dirty="0" smtClean="0"/>
+              <a:t>8% a.a.</a:t>
+            </a:r>
+            <a:endParaRPr lang="pt-BR" dirty="0"/>
+          </a:p>
+        </p:txBody>
+      </p:sp>
+      <p:grpSp>
+        <p:nvGrpSpPr>
+          <p:cNvPr id="55" name="Grupo 54"/>
+          <p:cNvGrpSpPr/>
+          <p:nvPr/>
+        </p:nvGrpSpPr>
+        <p:grpSpPr>
+          <a:xfrm>
+            <a:off x="82480" y="692473"/>
+            <a:ext cx="4681248" cy="2943482"/>
+            <a:chOff x="1259632" y="498158"/>
+            <a:chExt cx="4681248" cy="2943482"/>
+          </a:xfrm>
+        </p:grpSpPr>
+        <p:grpSp>
+          <p:nvGrpSpPr>
+            <p:cNvPr id="33" name="Grupo 32"/>
+            <p:cNvGrpSpPr/>
+            <p:nvPr/>
+          </p:nvGrpSpPr>
+          <p:grpSpPr>
+            <a:xfrm>
+              <a:off x="2440978" y="498158"/>
+              <a:ext cx="3499902" cy="2943482"/>
+              <a:chOff x="2440978" y="498158"/>
+              <a:chExt cx="3499902" cy="2943482"/>
+            </a:xfrm>
+          </p:grpSpPr>
+          <p:cxnSp>
+            <p:nvCxnSpPr>
+              <p:cNvPr id="11" name="Conector de seta reta 10"/>
+              <p:cNvCxnSpPr/>
+              <p:nvPr/>
+            </p:nvCxnSpPr>
+            <p:spPr>
+              <a:xfrm>
+                <a:off x="2857760" y="2057106"/>
+                <a:ext cx="0" cy="1045980"/>
+              </a:xfrm>
+              <a:prstGeom prst="straightConnector1">
+                <a:avLst/>
+              </a:prstGeom>
+              <a:ln w="12700">
+                <a:solidFill>
+                  <a:schemeClr val="tx1"/>
+                </a:solidFill>
+                <a:tailEnd type="arrow"/>
+              </a:ln>
+            </p:spPr>
+            <p:style>
+              <a:lnRef idx="1">
+                <a:schemeClr val="accent1"/>
+              </a:lnRef>
+              <a:fillRef idx="0">
+                <a:schemeClr val="accent1"/>
+              </a:fillRef>
+              <a:effectRef idx="0">
+                <a:schemeClr val="accent1"/>
+              </a:effectRef>
+              <a:fontRef idx="minor">
+                <a:schemeClr val="tx1"/>
+              </a:fontRef>
+            </p:style>
+          </p:cxnSp>
+          <p:cxnSp>
+            <p:nvCxnSpPr>
+              <p:cNvPr id="12" name="Conector reto 11"/>
+              <p:cNvCxnSpPr/>
+              <p:nvPr/>
+            </p:nvCxnSpPr>
+            <p:spPr>
+              <a:xfrm flipV="1">
+                <a:off x="2857760" y="2052999"/>
+                <a:ext cx="2932277" cy="4107"/>
+              </a:xfrm>
+              <a:prstGeom prst="line">
+                <a:avLst/>
+              </a:prstGeom>
+              <a:ln w="12700">
+                <a:solidFill>
+                  <a:schemeClr val="tx1"/>
+                </a:solidFill>
+              </a:ln>
+            </p:spPr>
+            <p:style>
+              <a:lnRef idx="1">
+                <a:schemeClr val="accent1"/>
+              </a:lnRef>
+              <a:fillRef idx="0">
+                <a:schemeClr val="accent1"/>
+              </a:fillRef>
+              <a:effectRef idx="0">
+                <a:schemeClr val="accent1"/>
+              </a:effectRef>
+              <a:fontRef idx="minor">
+                <a:schemeClr val="tx1"/>
+              </a:fontRef>
+            </p:style>
+          </p:cxnSp>
+          <p:cxnSp>
+            <p:nvCxnSpPr>
+              <p:cNvPr id="13" name="Conector de seta reta 12"/>
+              <p:cNvCxnSpPr/>
+              <p:nvPr/>
+            </p:nvCxnSpPr>
+            <p:spPr>
+              <a:xfrm flipV="1">
+                <a:off x="5790037" y="1308071"/>
+                <a:ext cx="0" cy="744928"/>
+              </a:xfrm>
+              <a:prstGeom prst="straightConnector1">
+                <a:avLst/>
+              </a:prstGeom>
+              <a:ln w="12700">
+                <a:solidFill>
+                  <a:schemeClr val="tx1"/>
+                </a:solidFill>
+                <a:tailEnd type="arrow"/>
+              </a:ln>
+            </p:spPr>
+            <p:style>
+              <a:lnRef idx="1">
+                <a:schemeClr val="accent1"/>
+              </a:lnRef>
+              <a:fillRef idx="0">
+                <a:schemeClr val="accent1"/>
+              </a:fillRef>
+              <a:effectRef idx="0">
+                <a:schemeClr val="accent1"/>
+              </a:effectRef>
+              <a:fontRef idx="minor">
+                <a:schemeClr val="tx1"/>
+              </a:fontRef>
+            </p:style>
+          </p:cxnSp>
+          <p:sp>
+            <p:nvSpPr>
+              <p:cNvPr id="14" name="CaixaDeTexto 13"/>
+              <p:cNvSpPr txBox="1"/>
+              <p:nvPr/>
+            </p:nvSpPr>
+            <p:spPr>
+              <a:xfrm>
+                <a:off x="2440978" y="3103086"/>
+                <a:ext cx="697627" cy="338554"/>
+              </a:xfrm>
+              <a:prstGeom prst="rect">
+                <a:avLst/>
+              </a:prstGeom>
+              <a:noFill/>
+            </p:spPr>
+            <p:txBody>
+              <a:bodyPr wrap="none" rtlCol="0">
+                <a:spAutoFit/>
+              </a:bodyPr>
+              <a:lstStyle/>
+              <a:p>
+                <a:r>
+                  <a:rPr lang="pt-BR" sz="1600" dirty="0" smtClean="0"/>
+                  <a:t>C = </a:t>
+                </a:r>
+                <a:r>
+                  <a:rPr lang="pt-BR" sz="1600" dirty="0" smtClean="0"/>
+                  <a:t>43</a:t>
+                </a:r>
+                <a:endParaRPr lang="pt-BR" sz="1600" dirty="0"/>
+              </a:p>
+            </p:txBody>
+          </p:sp>
+          <p:sp>
+            <p:nvSpPr>
+              <p:cNvPr id="16" name="CaixaDeTexto 15"/>
+              <p:cNvSpPr txBox="1"/>
+              <p:nvPr/>
+            </p:nvSpPr>
+            <p:spPr>
+              <a:xfrm>
+                <a:off x="4788024" y="573891"/>
+                <a:ext cx="705642" cy="338554"/>
+              </a:xfrm>
+              <a:prstGeom prst="rect">
+                <a:avLst/>
+              </a:prstGeom>
+              <a:noFill/>
+            </p:spPr>
+            <p:txBody>
+              <a:bodyPr wrap="none" rtlCol="0">
+                <a:spAutoFit/>
+              </a:bodyPr>
+              <a:lstStyle/>
+              <a:p>
+                <a:r>
+                  <a:rPr lang="pt-BR" sz="1600" dirty="0" smtClean="0"/>
+                  <a:t>R= 1,5</a:t>
+                </a:r>
+                <a:endParaRPr lang="pt-BR" sz="1600" dirty="0"/>
+              </a:p>
+            </p:txBody>
+          </p:sp>
+          <p:cxnSp>
+            <p:nvCxnSpPr>
+              <p:cNvPr id="17" name="Conector de seta reta 16"/>
+              <p:cNvCxnSpPr/>
+              <p:nvPr/>
+            </p:nvCxnSpPr>
+            <p:spPr>
+              <a:xfrm flipV="1">
+                <a:off x="4212707" y="1314537"/>
+                <a:ext cx="0" cy="744928"/>
+              </a:xfrm>
+              <a:prstGeom prst="straightConnector1">
+                <a:avLst/>
+              </a:prstGeom>
+              <a:ln w="12700">
+                <a:solidFill>
+                  <a:schemeClr val="tx1"/>
+                </a:solidFill>
+                <a:tailEnd type="arrow"/>
+              </a:ln>
+            </p:spPr>
+            <p:style>
+              <a:lnRef idx="1">
+                <a:schemeClr val="accent1"/>
+              </a:lnRef>
+              <a:fillRef idx="0">
+                <a:schemeClr val="accent1"/>
+              </a:fillRef>
+              <a:effectRef idx="0">
+                <a:schemeClr val="accent1"/>
+              </a:effectRef>
+              <a:fontRef idx="minor">
+                <a:schemeClr val="tx1"/>
+              </a:fontRef>
+            </p:style>
+          </p:cxnSp>
+          <p:cxnSp>
+            <p:nvCxnSpPr>
+              <p:cNvPr id="18" name="Conector de seta reta 17"/>
+              <p:cNvCxnSpPr/>
+              <p:nvPr/>
+            </p:nvCxnSpPr>
+            <p:spPr>
+              <a:xfrm flipV="1">
+                <a:off x="3204595" y="1314537"/>
+                <a:ext cx="0" cy="744928"/>
+              </a:xfrm>
+              <a:prstGeom prst="straightConnector1">
+                <a:avLst/>
+              </a:prstGeom>
+              <a:ln w="12700">
+                <a:solidFill>
+                  <a:schemeClr val="tx1"/>
+                </a:solidFill>
+                <a:tailEnd type="arrow"/>
+              </a:ln>
+            </p:spPr>
+            <p:style>
+              <a:lnRef idx="1">
+                <a:schemeClr val="accent1"/>
+              </a:lnRef>
+              <a:fillRef idx="0">
+                <a:schemeClr val="accent1"/>
+              </a:fillRef>
+              <a:effectRef idx="0">
+                <a:schemeClr val="accent1"/>
+              </a:effectRef>
+              <a:fontRef idx="minor">
+                <a:schemeClr val="tx1"/>
+              </a:fontRef>
+            </p:style>
+          </p:cxnSp>
+          <p:sp>
+            <p:nvSpPr>
+              <p:cNvPr id="19" name="CaixaDeTexto 18"/>
+              <p:cNvSpPr txBox="1"/>
+              <p:nvPr/>
+            </p:nvSpPr>
+            <p:spPr>
+              <a:xfrm>
+                <a:off x="3160931" y="498158"/>
+                <a:ext cx="960519" cy="338554"/>
+              </a:xfrm>
+              <a:prstGeom prst="rect">
+                <a:avLst/>
+              </a:prstGeom>
+              <a:noFill/>
+            </p:spPr>
+            <p:txBody>
+              <a:bodyPr wrap="none" rtlCol="0">
+                <a:spAutoFit/>
+              </a:bodyPr>
+              <a:lstStyle/>
+              <a:p>
+                <a:r>
+                  <a:rPr lang="pt-BR" sz="1600" dirty="0" smtClean="0"/>
+                  <a:t>R </a:t>
+                </a:r>
+                <a:r>
+                  <a:rPr lang="pt-BR" sz="1600" dirty="0" smtClean="0"/>
+                  <a:t>= </a:t>
+                </a:r>
+                <a:r>
+                  <a:rPr lang="pt-BR" sz="1600" dirty="0" smtClean="0"/>
+                  <a:t>15,00</a:t>
+                </a:r>
+                <a:endParaRPr lang="pt-BR" sz="1600" dirty="0"/>
+              </a:p>
+            </p:txBody>
+          </p:sp>
+          <p:sp>
+            <p:nvSpPr>
+              <p:cNvPr id="21" name="CaixaDeTexto 20"/>
+              <p:cNvSpPr txBox="1"/>
+              <p:nvPr/>
+            </p:nvSpPr>
+            <p:spPr>
+              <a:xfrm>
+                <a:off x="4934290" y="1499604"/>
+                <a:ext cx="357790" cy="369332"/>
+              </a:xfrm>
+              <a:prstGeom prst="rect">
+                <a:avLst/>
+              </a:prstGeom>
+              <a:noFill/>
+            </p:spPr>
+            <p:txBody>
+              <a:bodyPr wrap="none" rtlCol="0">
+                <a:spAutoFit/>
+              </a:bodyPr>
+              <a:lstStyle/>
+              <a:p>
+                <a:r>
+                  <a:rPr lang="pt-BR" dirty="0" smtClean="0"/>
+                  <a:t>...</a:t>
+                </a:r>
+                <a:endParaRPr lang="pt-BR" dirty="0"/>
+              </a:p>
+            </p:txBody>
+          </p:sp>
+          <p:sp>
+            <p:nvSpPr>
+              <p:cNvPr id="3" name="Chave esquerda 2"/>
+              <p:cNvSpPr/>
+              <p:nvPr/>
+            </p:nvSpPr>
+            <p:spPr>
+              <a:xfrm rot="5400000">
+                <a:off x="3508784" y="608256"/>
+                <a:ext cx="399734" cy="1008112"/>
+              </a:xfrm>
+              <a:prstGeom prst="leftBrace">
+                <a:avLst/>
+              </a:prstGeom>
+              <a:ln>
+                <a:solidFill>
+                  <a:schemeClr val="tx1"/>
+                </a:solidFill>
+              </a:ln>
+            </p:spPr>
+            <p:style>
+              <a:lnRef idx="1">
+                <a:schemeClr val="accent1"/>
+              </a:lnRef>
+              <a:fillRef idx="0">
+                <a:schemeClr val="accent1"/>
+              </a:fillRef>
+              <a:effectRef idx="0">
+                <a:schemeClr val="accent1"/>
+              </a:effectRef>
+              <a:fontRef idx="minor">
+                <a:schemeClr val="tx1"/>
+              </a:fontRef>
+            </p:style>
+            <p:txBody>
+              <a:bodyPr rtlCol="0" anchor="ctr"/>
+              <a:lstStyle/>
+              <a:p>
+                <a:pPr algn="ctr"/>
+                <a:endParaRPr lang="pt-BR"/>
+              </a:p>
+            </p:txBody>
+          </p:sp>
+          <p:sp>
+            <p:nvSpPr>
+              <p:cNvPr id="23" name="CaixaDeTexto 22"/>
+              <p:cNvSpPr txBox="1"/>
+              <p:nvPr/>
+            </p:nvSpPr>
+            <p:spPr>
+              <a:xfrm>
+                <a:off x="3053752" y="2164214"/>
+                <a:ext cx="301686" cy="369332"/>
+              </a:xfrm>
+              <a:prstGeom prst="rect">
+                <a:avLst/>
+              </a:prstGeom>
+              <a:noFill/>
+            </p:spPr>
+            <p:txBody>
+              <a:bodyPr wrap="none" rtlCol="0">
+                <a:spAutoFit/>
+              </a:bodyPr>
+              <a:lstStyle/>
+              <a:p>
+                <a:r>
+                  <a:rPr lang="pt-BR" dirty="0" smtClean="0"/>
+                  <a:t>1</a:t>
+                </a:r>
+                <a:endParaRPr lang="pt-BR" dirty="0"/>
+              </a:p>
+            </p:txBody>
+          </p:sp>
+          <p:sp>
+            <p:nvSpPr>
+              <p:cNvPr id="25" name="CaixaDeTexto 24"/>
+              <p:cNvSpPr txBox="1"/>
+              <p:nvPr/>
+            </p:nvSpPr>
+            <p:spPr>
+              <a:xfrm>
+                <a:off x="4061864" y="2154306"/>
+                <a:ext cx="301686" cy="369332"/>
+              </a:xfrm>
+              <a:prstGeom prst="rect">
+                <a:avLst/>
+              </a:prstGeom>
+              <a:noFill/>
+            </p:spPr>
+            <p:txBody>
+              <a:bodyPr wrap="none" rtlCol="0">
+                <a:spAutoFit/>
+              </a:bodyPr>
+              <a:lstStyle/>
+              <a:p>
+                <a:r>
+                  <a:rPr lang="pt-BR" dirty="0" smtClean="0"/>
+                  <a:t>3</a:t>
+                </a:r>
+                <a:endParaRPr lang="pt-BR" dirty="0"/>
+              </a:p>
+            </p:txBody>
+          </p:sp>
+          <p:sp>
+            <p:nvSpPr>
+              <p:cNvPr id="26" name="CaixaDeTexto 25"/>
+              <p:cNvSpPr txBox="1"/>
+              <p:nvPr/>
+            </p:nvSpPr>
+            <p:spPr>
+              <a:xfrm>
+                <a:off x="3496761" y="1502335"/>
+                <a:ext cx="357790" cy="369332"/>
+              </a:xfrm>
+              <a:prstGeom prst="rect">
+                <a:avLst/>
+              </a:prstGeom>
+              <a:noFill/>
+            </p:spPr>
+            <p:txBody>
+              <a:bodyPr wrap="none" rtlCol="0">
+                <a:spAutoFit/>
+              </a:bodyPr>
+              <a:lstStyle/>
+              <a:p>
+                <a:r>
+                  <a:rPr lang="pt-BR" dirty="0" smtClean="0"/>
+                  <a:t>...</a:t>
+                </a:r>
+                <a:endParaRPr lang="pt-BR" dirty="0"/>
+              </a:p>
+            </p:txBody>
+          </p:sp>
+          <p:cxnSp>
+            <p:nvCxnSpPr>
+              <p:cNvPr id="27" name="Conector de seta reta 26"/>
+              <p:cNvCxnSpPr/>
+              <p:nvPr/>
+            </p:nvCxnSpPr>
+            <p:spPr>
+              <a:xfrm flipV="1">
+                <a:off x="4788024" y="1308071"/>
+                <a:ext cx="0" cy="744928"/>
+              </a:xfrm>
+              <a:prstGeom prst="straightConnector1">
+                <a:avLst/>
+              </a:prstGeom>
+              <a:ln w="12700">
+                <a:solidFill>
+                  <a:schemeClr val="tx1"/>
+                </a:solidFill>
+                <a:tailEnd type="arrow"/>
+              </a:ln>
+            </p:spPr>
+            <p:style>
+              <a:lnRef idx="1">
+                <a:schemeClr val="accent1"/>
+              </a:lnRef>
+              <a:fillRef idx="0">
+                <a:schemeClr val="accent1"/>
+              </a:fillRef>
+              <a:effectRef idx="0">
+                <a:schemeClr val="accent1"/>
+              </a:effectRef>
+              <a:fontRef idx="minor">
+                <a:schemeClr val="tx1"/>
+              </a:fontRef>
+            </p:style>
+          </p:cxnSp>
+          <p:sp>
+            <p:nvSpPr>
+              <p:cNvPr id="29" name="Chave esquerda 28"/>
+              <p:cNvSpPr/>
+              <p:nvPr/>
+            </p:nvSpPr>
+            <p:spPr>
+              <a:xfrm rot="5400000">
+                <a:off x="5086114" y="608256"/>
+                <a:ext cx="399734" cy="1008112"/>
+              </a:xfrm>
+              <a:prstGeom prst="leftBrace">
+                <a:avLst/>
+              </a:prstGeom>
+              <a:ln>
+                <a:solidFill>
+                  <a:schemeClr val="tx1"/>
+                </a:solidFill>
+              </a:ln>
+            </p:spPr>
+            <p:style>
+              <a:lnRef idx="1">
+                <a:schemeClr val="accent1"/>
+              </a:lnRef>
+              <a:fillRef idx="0">
+                <a:schemeClr val="accent1"/>
+              </a:fillRef>
+              <a:effectRef idx="0">
+                <a:schemeClr val="accent1"/>
+              </a:effectRef>
+              <a:fontRef idx="minor">
+                <a:schemeClr val="tx1"/>
+              </a:fontRef>
+            </p:style>
+            <p:txBody>
+              <a:bodyPr rtlCol="0" anchor="ctr"/>
+              <a:lstStyle/>
+              <a:p>
+                <a:pPr algn="ctr"/>
+                <a:endParaRPr lang="pt-BR"/>
+              </a:p>
+            </p:txBody>
+          </p:sp>
+          <p:sp>
+            <p:nvSpPr>
+              <p:cNvPr id="31" name="CaixaDeTexto 30"/>
+              <p:cNvSpPr txBox="1"/>
+              <p:nvPr/>
+            </p:nvSpPr>
+            <p:spPr>
+              <a:xfrm>
+                <a:off x="4637181" y="2177306"/>
+                <a:ext cx="301686" cy="369332"/>
+              </a:xfrm>
+              <a:prstGeom prst="rect">
+                <a:avLst/>
+              </a:prstGeom>
+              <a:noFill/>
+            </p:spPr>
+            <p:txBody>
+              <a:bodyPr wrap="none" rtlCol="0">
+                <a:spAutoFit/>
+              </a:bodyPr>
+              <a:lstStyle/>
+              <a:p>
+                <a:r>
+                  <a:rPr lang="pt-BR" dirty="0" smtClean="0"/>
+                  <a:t>4</a:t>
+                </a:r>
+                <a:endParaRPr lang="pt-BR" dirty="0"/>
+              </a:p>
+            </p:txBody>
+          </p:sp>
+          <p:sp>
+            <p:nvSpPr>
+              <p:cNvPr id="32" name="CaixaDeTexto 31"/>
+              <p:cNvSpPr txBox="1"/>
+              <p:nvPr/>
+            </p:nvSpPr>
+            <p:spPr>
+              <a:xfrm>
+                <a:off x="5639194" y="2195572"/>
+                <a:ext cx="301686" cy="369332"/>
+              </a:xfrm>
+              <a:prstGeom prst="rect">
+                <a:avLst/>
+              </a:prstGeom>
+              <a:noFill/>
+            </p:spPr>
+            <p:txBody>
+              <a:bodyPr wrap="none" rtlCol="0">
+                <a:spAutoFit/>
+              </a:bodyPr>
+              <a:lstStyle/>
+              <a:p>
+                <a:r>
+                  <a:rPr lang="pt-BR" dirty="0" smtClean="0"/>
+                  <a:t>7</a:t>
+                </a:r>
+                <a:endParaRPr lang="pt-BR" dirty="0"/>
+              </a:p>
+            </p:txBody>
+          </p:sp>
+        </p:grpSp>
+        <p:sp>
+          <p:nvSpPr>
+            <p:cNvPr id="34" name="CaixaDeTexto 33"/>
+            <p:cNvSpPr txBox="1"/>
+            <p:nvPr/>
+          </p:nvSpPr>
+          <p:spPr>
+            <a:xfrm>
+              <a:off x="1259632" y="1848110"/>
+              <a:ext cx="1077283" cy="369332"/>
+            </a:xfrm>
+            <a:prstGeom prst="rect">
+              <a:avLst/>
+            </a:prstGeom>
+            <a:noFill/>
+          </p:spPr>
+          <p:txBody>
+            <a:bodyPr wrap="none" rtlCol="0">
+              <a:spAutoFit/>
+            </a:bodyPr>
+            <a:lstStyle/>
+            <a:p>
+              <a:r>
+                <a:rPr lang="pt-BR" b="1" dirty="0" smtClean="0"/>
+                <a:t>Projeto A</a:t>
+              </a:r>
+              <a:endParaRPr lang="pt-BR" b="1" dirty="0"/>
+            </a:p>
+          </p:txBody>
+        </p:sp>
+      </p:grpSp>
+      <p:grpSp>
+        <p:nvGrpSpPr>
+          <p:cNvPr id="54" name="Grupo 53"/>
+          <p:cNvGrpSpPr/>
+          <p:nvPr/>
+        </p:nvGrpSpPr>
+        <p:grpSpPr>
+          <a:xfrm>
+            <a:off x="233323" y="3441640"/>
+            <a:ext cx="4681248" cy="2867749"/>
+            <a:chOff x="1392601" y="3481533"/>
+            <a:chExt cx="4681248" cy="2867749"/>
+          </a:xfrm>
+        </p:grpSpPr>
+        <p:grpSp>
+          <p:nvGrpSpPr>
+            <p:cNvPr id="35" name="Grupo 34"/>
+            <p:cNvGrpSpPr/>
+            <p:nvPr/>
+          </p:nvGrpSpPr>
+          <p:grpSpPr>
+            <a:xfrm>
+              <a:off x="2573947" y="3481533"/>
+              <a:ext cx="3499902" cy="2867749"/>
+              <a:chOff x="2440978" y="573891"/>
+              <a:chExt cx="3499902" cy="2867749"/>
+            </a:xfrm>
+          </p:grpSpPr>
+          <p:cxnSp>
+            <p:nvCxnSpPr>
+              <p:cNvPr id="36" name="Conector de seta reta 35"/>
+              <p:cNvCxnSpPr/>
+              <p:nvPr/>
+            </p:nvCxnSpPr>
+            <p:spPr>
+              <a:xfrm>
+                <a:off x="2857760" y="2057106"/>
+                <a:ext cx="0" cy="1045980"/>
+              </a:xfrm>
+              <a:prstGeom prst="straightConnector1">
+                <a:avLst/>
+              </a:prstGeom>
+              <a:ln w="12700">
+                <a:solidFill>
+                  <a:schemeClr val="tx1"/>
+                </a:solidFill>
+                <a:tailEnd type="arrow"/>
+              </a:ln>
+            </p:spPr>
+            <p:style>
+              <a:lnRef idx="1">
+                <a:schemeClr val="accent1"/>
+              </a:lnRef>
+              <a:fillRef idx="0">
+                <a:schemeClr val="accent1"/>
+              </a:fillRef>
+              <a:effectRef idx="0">
+                <a:schemeClr val="accent1"/>
+              </a:effectRef>
+              <a:fontRef idx="minor">
+                <a:schemeClr val="tx1"/>
+              </a:fontRef>
+            </p:style>
+          </p:cxnSp>
+          <p:cxnSp>
+            <p:nvCxnSpPr>
+              <p:cNvPr id="37" name="Conector reto 36"/>
+              <p:cNvCxnSpPr/>
+              <p:nvPr/>
+            </p:nvCxnSpPr>
+            <p:spPr>
+              <a:xfrm flipV="1">
+                <a:off x="2857760" y="2052999"/>
+                <a:ext cx="2932277" cy="4107"/>
+              </a:xfrm>
+              <a:prstGeom prst="line">
+                <a:avLst/>
+              </a:prstGeom>
+              <a:ln w="12700">
+                <a:solidFill>
+                  <a:schemeClr val="tx1"/>
+                </a:solidFill>
+              </a:ln>
+            </p:spPr>
+            <p:style>
+              <a:lnRef idx="1">
+                <a:schemeClr val="accent1"/>
+              </a:lnRef>
+              <a:fillRef idx="0">
+                <a:schemeClr val="accent1"/>
+              </a:fillRef>
+              <a:effectRef idx="0">
+                <a:schemeClr val="accent1"/>
+              </a:effectRef>
+              <a:fontRef idx="minor">
+                <a:schemeClr val="tx1"/>
+              </a:fontRef>
+            </p:style>
+          </p:cxnSp>
+          <p:cxnSp>
+            <p:nvCxnSpPr>
+              <p:cNvPr id="38" name="Conector de seta reta 37"/>
+              <p:cNvCxnSpPr/>
+              <p:nvPr/>
+            </p:nvCxnSpPr>
+            <p:spPr>
+              <a:xfrm flipV="1">
+                <a:off x="5790037" y="1308071"/>
+                <a:ext cx="0" cy="744928"/>
+              </a:xfrm>
+              <a:prstGeom prst="straightConnector1">
+                <a:avLst/>
+              </a:prstGeom>
+              <a:ln w="12700">
+                <a:solidFill>
+                  <a:schemeClr val="tx1"/>
+                </a:solidFill>
+                <a:tailEnd type="arrow"/>
+              </a:ln>
+            </p:spPr>
+            <p:style>
+              <a:lnRef idx="1">
+                <a:schemeClr val="accent1"/>
+              </a:lnRef>
+              <a:fillRef idx="0">
+                <a:schemeClr val="accent1"/>
+              </a:fillRef>
+              <a:effectRef idx="0">
+                <a:schemeClr val="accent1"/>
+              </a:effectRef>
+              <a:fontRef idx="minor">
+                <a:schemeClr val="tx1"/>
+              </a:fontRef>
+            </p:style>
+          </p:cxnSp>
+          <p:sp>
+            <p:nvSpPr>
+              <p:cNvPr id="39" name="CaixaDeTexto 38"/>
+              <p:cNvSpPr txBox="1"/>
+              <p:nvPr/>
+            </p:nvSpPr>
+            <p:spPr>
+              <a:xfrm>
+                <a:off x="2440978" y="3103086"/>
+                <a:ext cx="697627" cy="338554"/>
+              </a:xfrm>
+              <a:prstGeom prst="rect">
+                <a:avLst/>
+              </a:prstGeom>
+              <a:noFill/>
+            </p:spPr>
+            <p:txBody>
+              <a:bodyPr wrap="none" rtlCol="0">
+                <a:spAutoFit/>
+              </a:bodyPr>
+              <a:lstStyle/>
+              <a:p>
+                <a:r>
+                  <a:rPr lang="pt-BR" sz="1600" dirty="0" smtClean="0"/>
+                  <a:t>C = </a:t>
+                </a:r>
+                <a:r>
+                  <a:rPr lang="pt-BR" sz="1600" dirty="0" smtClean="0"/>
+                  <a:t>43</a:t>
+                </a:r>
+                <a:endParaRPr lang="pt-BR" sz="1600" dirty="0"/>
+              </a:p>
+            </p:txBody>
+          </p:sp>
+          <p:cxnSp>
+            <p:nvCxnSpPr>
+              <p:cNvPr id="41" name="Conector de seta reta 40"/>
+              <p:cNvCxnSpPr/>
+              <p:nvPr/>
+            </p:nvCxnSpPr>
+            <p:spPr>
+              <a:xfrm flipV="1">
+                <a:off x="4212707" y="1314537"/>
+                <a:ext cx="0" cy="744928"/>
+              </a:xfrm>
+              <a:prstGeom prst="straightConnector1">
+                <a:avLst/>
+              </a:prstGeom>
+              <a:ln w="12700">
+                <a:solidFill>
+                  <a:schemeClr val="tx1"/>
+                </a:solidFill>
+                <a:tailEnd type="arrow"/>
+              </a:ln>
+            </p:spPr>
+            <p:style>
+              <a:lnRef idx="1">
+                <a:schemeClr val="accent1"/>
+              </a:lnRef>
+              <a:fillRef idx="0">
+                <a:schemeClr val="accent1"/>
+              </a:fillRef>
+              <a:effectRef idx="0">
+                <a:schemeClr val="accent1"/>
+              </a:effectRef>
+              <a:fontRef idx="minor">
+                <a:schemeClr val="tx1"/>
+              </a:fontRef>
+            </p:style>
+          </p:cxnSp>
+          <p:cxnSp>
+            <p:nvCxnSpPr>
+              <p:cNvPr id="42" name="Conector de seta reta 41"/>
+              <p:cNvCxnSpPr/>
+              <p:nvPr/>
+            </p:nvCxnSpPr>
+            <p:spPr>
+              <a:xfrm flipV="1">
+                <a:off x="3204595" y="1314537"/>
+                <a:ext cx="0" cy="744928"/>
+              </a:xfrm>
+              <a:prstGeom prst="straightConnector1">
+                <a:avLst/>
+              </a:prstGeom>
+              <a:ln w="12700">
+                <a:solidFill>
+                  <a:schemeClr val="tx1"/>
+                </a:solidFill>
+                <a:tailEnd type="arrow"/>
+              </a:ln>
+            </p:spPr>
+            <p:style>
+              <a:lnRef idx="1">
+                <a:schemeClr val="accent1"/>
+              </a:lnRef>
+              <a:fillRef idx="0">
+                <a:schemeClr val="accent1"/>
+              </a:fillRef>
+              <a:effectRef idx="0">
+                <a:schemeClr val="accent1"/>
+              </a:effectRef>
+              <a:fontRef idx="minor">
+                <a:schemeClr val="tx1"/>
+              </a:fontRef>
+            </p:style>
+          </p:cxnSp>
+          <p:sp>
+            <p:nvSpPr>
+              <p:cNvPr id="43" name="CaixaDeTexto 42"/>
+              <p:cNvSpPr txBox="1"/>
+              <p:nvPr/>
+            </p:nvSpPr>
+            <p:spPr>
+              <a:xfrm>
+                <a:off x="4047357" y="573891"/>
+                <a:ext cx="960519" cy="338554"/>
+              </a:xfrm>
+              <a:prstGeom prst="rect">
+                <a:avLst/>
+              </a:prstGeom>
+              <a:noFill/>
+            </p:spPr>
+            <p:txBody>
+              <a:bodyPr wrap="none" rtlCol="0">
+                <a:spAutoFit/>
+              </a:bodyPr>
+              <a:lstStyle/>
+              <a:p>
+                <a:r>
+                  <a:rPr lang="pt-BR" sz="1600" dirty="0" smtClean="0"/>
+                  <a:t>R </a:t>
+                </a:r>
+                <a:r>
+                  <a:rPr lang="pt-BR" sz="1600" dirty="0" smtClean="0"/>
+                  <a:t>= </a:t>
+                </a:r>
+                <a:r>
+                  <a:rPr lang="pt-BR" sz="1600" dirty="0" smtClean="0"/>
+                  <a:t>10,00</a:t>
+                </a:r>
+                <a:endParaRPr lang="pt-BR" sz="1600" dirty="0"/>
+              </a:p>
+            </p:txBody>
+          </p:sp>
+          <p:sp>
+            <p:nvSpPr>
+              <p:cNvPr id="44" name="CaixaDeTexto 43"/>
+              <p:cNvSpPr txBox="1"/>
+              <p:nvPr/>
+            </p:nvSpPr>
+            <p:spPr>
+              <a:xfrm>
+                <a:off x="4934290" y="1499604"/>
+                <a:ext cx="357790" cy="369332"/>
+              </a:xfrm>
+              <a:prstGeom prst="rect">
+                <a:avLst/>
+              </a:prstGeom>
+              <a:noFill/>
+            </p:spPr>
+            <p:txBody>
+              <a:bodyPr wrap="none" rtlCol="0">
+                <a:spAutoFit/>
+              </a:bodyPr>
+              <a:lstStyle/>
+              <a:p>
+                <a:r>
+                  <a:rPr lang="pt-BR" dirty="0" smtClean="0"/>
+                  <a:t>...</a:t>
+                </a:r>
+                <a:endParaRPr lang="pt-BR" dirty="0"/>
+              </a:p>
+            </p:txBody>
+          </p:sp>
+          <p:sp>
+            <p:nvSpPr>
+              <p:cNvPr id="45" name="Chave esquerda 44"/>
+              <p:cNvSpPr/>
+              <p:nvPr/>
+            </p:nvSpPr>
+            <p:spPr>
+              <a:xfrm rot="5400000">
+                <a:off x="4299503" y="-182463"/>
+                <a:ext cx="395626" cy="2585442"/>
+              </a:xfrm>
+              <a:prstGeom prst="leftBrace">
+                <a:avLst/>
+              </a:prstGeom>
+              <a:ln>
+                <a:solidFill>
+                  <a:schemeClr val="tx1"/>
+                </a:solidFill>
+              </a:ln>
+            </p:spPr>
+            <p:style>
+              <a:lnRef idx="1">
+                <a:schemeClr val="accent1"/>
+              </a:lnRef>
+              <a:fillRef idx="0">
+                <a:schemeClr val="accent1"/>
+              </a:fillRef>
+              <a:effectRef idx="0">
+                <a:schemeClr val="accent1"/>
+              </a:effectRef>
+              <a:fontRef idx="minor">
+                <a:schemeClr val="tx1"/>
+              </a:fontRef>
+            </p:style>
+            <p:txBody>
+              <a:bodyPr rtlCol="0" anchor="ctr"/>
+              <a:lstStyle/>
+              <a:p>
+                <a:pPr algn="ctr"/>
+                <a:endParaRPr lang="pt-BR"/>
+              </a:p>
+            </p:txBody>
+          </p:sp>
+          <p:sp>
+            <p:nvSpPr>
+              <p:cNvPr id="46" name="CaixaDeTexto 45"/>
+              <p:cNvSpPr txBox="1"/>
+              <p:nvPr/>
+            </p:nvSpPr>
+            <p:spPr>
+              <a:xfrm>
+                <a:off x="3053752" y="2164214"/>
+                <a:ext cx="301686" cy="369332"/>
+              </a:xfrm>
+              <a:prstGeom prst="rect">
+                <a:avLst/>
+              </a:prstGeom>
+              <a:noFill/>
+            </p:spPr>
+            <p:txBody>
+              <a:bodyPr wrap="none" rtlCol="0">
+                <a:spAutoFit/>
+              </a:bodyPr>
+              <a:lstStyle/>
+              <a:p>
+                <a:r>
+                  <a:rPr lang="pt-BR" dirty="0" smtClean="0"/>
+                  <a:t>1</a:t>
+                </a:r>
+                <a:endParaRPr lang="pt-BR" dirty="0"/>
+              </a:p>
+            </p:txBody>
+          </p:sp>
+          <p:sp>
+            <p:nvSpPr>
+              <p:cNvPr id="47" name="CaixaDeTexto 46"/>
+              <p:cNvSpPr txBox="1"/>
+              <p:nvPr/>
+            </p:nvSpPr>
+            <p:spPr>
+              <a:xfrm>
+                <a:off x="4061864" y="2154306"/>
+                <a:ext cx="301686" cy="369332"/>
+              </a:xfrm>
+              <a:prstGeom prst="rect">
+                <a:avLst/>
+              </a:prstGeom>
+              <a:noFill/>
+            </p:spPr>
+            <p:txBody>
+              <a:bodyPr wrap="none" rtlCol="0">
+                <a:spAutoFit/>
+              </a:bodyPr>
+              <a:lstStyle/>
+              <a:p>
+                <a:r>
+                  <a:rPr lang="pt-BR" dirty="0" smtClean="0"/>
+                  <a:t>3</a:t>
+                </a:r>
+                <a:endParaRPr lang="pt-BR" dirty="0"/>
+              </a:p>
+            </p:txBody>
+          </p:sp>
+          <p:sp>
+            <p:nvSpPr>
+              <p:cNvPr id="48" name="CaixaDeTexto 47"/>
+              <p:cNvSpPr txBox="1"/>
+              <p:nvPr/>
+            </p:nvSpPr>
+            <p:spPr>
+              <a:xfrm>
+                <a:off x="3496761" y="1502335"/>
+                <a:ext cx="357790" cy="369332"/>
+              </a:xfrm>
+              <a:prstGeom prst="rect">
+                <a:avLst/>
+              </a:prstGeom>
+              <a:noFill/>
+            </p:spPr>
+            <p:txBody>
+              <a:bodyPr wrap="none" rtlCol="0">
+                <a:spAutoFit/>
+              </a:bodyPr>
+              <a:lstStyle/>
+              <a:p>
+                <a:r>
+                  <a:rPr lang="pt-BR" dirty="0" smtClean="0"/>
+                  <a:t>...</a:t>
+                </a:r>
+                <a:endParaRPr lang="pt-BR" dirty="0"/>
+              </a:p>
+            </p:txBody>
+          </p:sp>
+          <p:cxnSp>
+            <p:nvCxnSpPr>
+              <p:cNvPr id="49" name="Conector de seta reta 48"/>
+              <p:cNvCxnSpPr/>
+              <p:nvPr/>
+            </p:nvCxnSpPr>
+            <p:spPr>
+              <a:xfrm flipV="1">
+                <a:off x="4788024" y="1308071"/>
+                <a:ext cx="0" cy="744928"/>
+              </a:xfrm>
+              <a:prstGeom prst="straightConnector1">
+                <a:avLst/>
+              </a:prstGeom>
+              <a:ln w="12700">
+                <a:solidFill>
+                  <a:schemeClr val="tx1"/>
+                </a:solidFill>
+                <a:tailEnd type="arrow"/>
+              </a:ln>
+            </p:spPr>
+            <p:style>
+              <a:lnRef idx="1">
+                <a:schemeClr val="accent1"/>
+              </a:lnRef>
+              <a:fillRef idx="0">
+                <a:schemeClr val="accent1"/>
+              </a:fillRef>
+              <a:effectRef idx="0">
+                <a:schemeClr val="accent1"/>
+              </a:effectRef>
+              <a:fontRef idx="minor">
+                <a:schemeClr val="tx1"/>
+              </a:fontRef>
+            </p:style>
+          </p:cxnSp>
+          <p:sp>
+            <p:nvSpPr>
+              <p:cNvPr id="51" name="CaixaDeTexto 50"/>
+              <p:cNvSpPr txBox="1"/>
+              <p:nvPr/>
+            </p:nvSpPr>
+            <p:spPr>
+              <a:xfrm>
+                <a:off x="4637181" y="2177306"/>
+                <a:ext cx="301686" cy="369332"/>
+              </a:xfrm>
+              <a:prstGeom prst="rect">
+                <a:avLst/>
+              </a:prstGeom>
+              <a:noFill/>
+            </p:spPr>
+            <p:txBody>
+              <a:bodyPr wrap="none" rtlCol="0">
+                <a:spAutoFit/>
+              </a:bodyPr>
+              <a:lstStyle/>
+              <a:p>
+                <a:r>
+                  <a:rPr lang="pt-BR" dirty="0" smtClean="0"/>
+                  <a:t>4</a:t>
+                </a:r>
+                <a:endParaRPr lang="pt-BR" dirty="0"/>
+              </a:p>
+            </p:txBody>
+          </p:sp>
+          <p:sp>
+            <p:nvSpPr>
+              <p:cNvPr id="52" name="CaixaDeTexto 51"/>
+              <p:cNvSpPr txBox="1"/>
+              <p:nvPr/>
+            </p:nvSpPr>
+            <p:spPr>
+              <a:xfrm>
+                <a:off x="5639194" y="2195572"/>
+                <a:ext cx="301686" cy="369332"/>
+              </a:xfrm>
+              <a:prstGeom prst="rect">
+                <a:avLst/>
+              </a:prstGeom>
+              <a:noFill/>
+            </p:spPr>
+            <p:txBody>
+              <a:bodyPr wrap="none" rtlCol="0">
+                <a:spAutoFit/>
+              </a:bodyPr>
+              <a:lstStyle/>
+              <a:p>
+                <a:r>
+                  <a:rPr lang="pt-BR" dirty="0" smtClean="0"/>
+                  <a:t>7</a:t>
+                </a:r>
+                <a:endParaRPr lang="pt-BR" dirty="0"/>
+              </a:p>
+            </p:txBody>
+          </p:sp>
+        </p:grpSp>
+        <p:sp>
+          <p:nvSpPr>
+            <p:cNvPr id="53" name="CaixaDeTexto 52"/>
+            <p:cNvSpPr txBox="1"/>
+            <p:nvPr/>
+          </p:nvSpPr>
+          <p:spPr>
+            <a:xfrm>
+              <a:off x="1392601" y="4755752"/>
+              <a:ext cx="1077283" cy="369332"/>
+            </a:xfrm>
+            <a:prstGeom prst="rect">
+              <a:avLst/>
+            </a:prstGeom>
+            <a:noFill/>
+          </p:spPr>
+          <p:txBody>
+            <a:bodyPr wrap="none" rtlCol="0">
+              <a:spAutoFit/>
+            </a:bodyPr>
+            <a:lstStyle/>
+            <a:p>
+              <a:r>
+                <a:rPr lang="pt-BR" b="1" dirty="0" smtClean="0"/>
+                <a:t>Projeto B</a:t>
+              </a:r>
+              <a:endParaRPr lang="pt-BR" b="1" dirty="0"/>
+            </a:p>
+          </p:txBody>
+        </p:sp>
+      </p:grpSp>
+      <p:sp>
+        <p:nvSpPr>
+          <p:cNvPr id="56" name="CaixaDeTexto 55"/>
+          <p:cNvSpPr txBox="1"/>
+          <p:nvPr/>
+        </p:nvSpPr>
+        <p:spPr>
+          <a:xfrm>
+            <a:off x="5228728" y="97011"/>
+            <a:ext cx="2355773" cy="6555641"/>
+          </a:xfrm>
+          <a:prstGeom prst="rect">
+            <a:avLst/>
+          </a:prstGeom>
+          <a:noFill/>
+        </p:spPr>
+        <p:txBody>
+          <a:bodyPr wrap="none" numCol="1" rtlCol="0">
+            <a:spAutoFit/>
+          </a:bodyPr>
+          <a:lstStyle/>
+          <a:p>
+            <a:pPr algn="ctr"/>
+            <a:r>
+              <a:rPr lang="pt-BR" sz="1400" b="1" dirty="0" smtClean="0"/>
+              <a:t>Calculando o Saldo Projeto A</a:t>
+            </a:r>
+          </a:p>
+          <a:p>
+            <a:r>
+              <a:rPr lang="pt-BR" sz="1400" dirty="0" smtClean="0"/>
+              <a:t>43 CHS [</a:t>
+            </a:r>
+            <a:r>
+              <a:rPr lang="pt-BR" sz="1400" dirty="0" err="1" smtClean="0"/>
+              <a:t>Enter</a:t>
+            </a:r>
+            <a:r>
+              <a:rPr lang="pt-BR" sz="1400" dirty="0" smtClean="0"/>
+              <a:t>]</a:t>
+            </a:r>
+          </a:p>
+          <a:p>
+            <a:r>
+              <a:rPr lang="pt-BR" sz="1400" dirty="0" smtClean="0"/>
+              <a:t>15 CHS FV</a:t>
+            </a:r>
+          </a:p>
+          <a:p>
+            <a:r>
+              <a:rPr lang="pt-BR" sz="1400" dirty="0" smtClean="0"/>
+              <a:t>8 i</a:t>
+            </a:r>
+          </a:p>
+          <a:p>
+            <a:r>
+              <a:rPr lang="pt-BR" sz="1400" dirty="0" smtClean="0"/>
+              <a:t>1 n</a:t>
+            </a:r>
+          </a:p>
+          <a:p>
+            <a:r>
+              <a:rPr lang="pt-BR" sz="1400" dirty="0" smtClean="0"/>
+              <a:t>PV	</a:t>
+            </a:r>
+            <a:r>
+              <a:rPr lang="pt-BR" sz="1400" dirty="0" smtClean="0">
+                <a:sym typeface="Wingdings" pitchFamily="2" charset="2"/>
+              </a:rPr>
+              <a:t> 13,89</a:t>
+            </a:r>
+          </a:p>
+          <a:p>
+            <a:r>
+              <a:rPr lang="pt-BR" sz="1400" dirty="0" smtClean="0">
+                <a:sym typeface="Wingdings" pitchFamily="2" charset="2"/>
+              </a:rPr>
+              <a:t>+	 -29,11</a:t>
+            </a:r>
+            <a:endParaRPr lang="pt-BR" sz="1400" dirty="0" smtClean="0"/>
+          </a:p>
+          <a:p>
+            <a:r>
+              <a:rPr lang="pt-BR" sz="1400" dirty="0" smtClean="0"/>
+              <a:t>2 n</a:t>
+            </a:r>
+          </a:p>
+          <a:p>
+            <a:r>
+              <a:rPr lang="pt-BR" sz="1400" dirty="0" smtClean="0"/>
+              <a:t>PV	</a:t>
+            </a:r>
+            <a:r>
+              <a:rPr lang="pt-BR" sz="1400" dirty="0" smtClean="0">
+                <a:sym typeface="Wingdings" pitchFamily="2" charset="2"/>
+              </a:rPr>
+              <a:t> 12,86</a:t>
+            </a:r>
+          </a:p>
+          <a:p>
+            <a:r>
+              <a:rPr lang="pt-BR" sz="1400" dirty="0" smtClean="0">
+                <a:sym typeface="Wingdings" pitchFamily="2" charset="2"/>
+              </a:rPr>
+              <a:t>+	 -16,15</a:t>
+            </a:r>
+            <a:endParaRPr lang="pt-BR" sz="1400" dirty="0" smtClean="0"/>
+          </a:p>
+          <a:p>
+            <a:r>
+              <a:rPr lang="pt-BR" sz="1400" dirty="0" smtClean="0"/>
+              <a:t>...</a:t>
+            </a:r>
+          </a:p>
+          <a:p>
+            <a:r>
+              <a:rPr lang="pt-BR" sz="1400" dirty="0" smtClean="0"/>
+              <a:t>1,5 CHS FV</a:t>
+            </a:r>
+          </a:p>
+          <a:p>
+            <a:r>
+              <a:rPr lang="pt-BR" sz="1400" dirty="0" smtClean="0"/>
+              <a:t>7 n</a:t>
+            </a:r>
+          </a:p>
+          <a:p>
+            <a:r>
+              <a:rPr lang="pt-BR" sz="1400" dirty="0" smtClean="0"/>
+              <a:t>PV	</a:t>
+            </a:r>
+            <a:r>
+              <a:rPr lang="pt-BR" sz="1400" dirty="0" smtClean="0">
+                <a:sym typeface="Wingdings" pitchFamily="2" charset="2"/>
+              </a:rPr>
+              <a:t> 0,88</a:t>
+            </a:r>
+            <a:endParaRPr lang="pt-BR" sz="1400" dirty="0" smtClean="0"/>
+          </a:p>
+          <a:p>
+            <a:r>
+              <a:rPr lang="pt-BR" sz="1400" dirty="0" smtClean="0"/>
+              <a:t>+	</a:t>
+            </a:r>
+            <a:r>
+              <a:rPr lang="pt-BR" sz="1400" dirty="0" smtClean="0">
+                <a:sym typeface="Wingdings" pitchFamily="2" charset="2"/>
+              </a:rPr>
+              <a:t> -0,39</a:t>
+            </a:r>
+          </a:p>
+          <a:p>
+            <a:endParaRPr lang="pt-BR" sz="1400" dirty="0" smtClean="0">
+              <a:sym typeface="Wingdings" pitchFamily="2" charset="2"/>
+            </a:endParaRPr>
+          </a:p>
+          <a:p>
+            <a:r>
+              <a:rPr lang="pt-BR" sz="1400" b="1" dirty="0" smtClean="0"/>
+              <a:t>Calculando </a:t>
+            </a:r>
+            <a:r>
+              <a:rPr lang="pt-BR" sz="1400" b="1" dirty="0"/>
+              <a:t>o </a:t>
+            </a:r>
+            <a:endParaRPr lang="pt-BR" sz="1400" b="1" dirty="0" smtClean="0"/>
+          </a:p>
+          <a:p>
+            <a:r>
+              <a:rPr lang="pt-BR" sz="1400" b="1" dirty="0" smtClean="0"/>
+              <a:t>Saldo </a:t>
+            </a:r>
+            <a:r>
+              <a:rPr lang="pt-BR" sz="1400" b="1" dirty="0"/>
+              <a:t>Projeto </a:t>
+            </a:r>
+            <a:r>
+              <a:rPr lang="pt-BR" sz="1400" b="1" dirty="0" smtClean="0"/>
+              <a:t>B</a:t>
+            </a:r>
+            <a:endParaRPr lang="pt-BR" sz="1400" b="1" dirty="0"/>
+          </a:p>
+          <a:p>
+            <a:r>
+              <a:rPr lang="pt-BR" sz="1400" dirty="0"/>
+              <a:t>43 CHS [</a:t>
+            </a:r>
+            <a:r>
+              <a:rPr lang="pt-BR" sz="1400" dirty="0" err="1"/>
+              <a:t>Enter</a:t>
+            </a:r>
+            <a:r>
+              <a:rPr lang="pt-BR" sz="1400" dirty="0"/>
+              <a:t>]</a:t>
+            </a:r>
+          </a:p>
+          <a:p>
+            <a:r>
+              <a:rPr lang="pt-BR" sz="1400" dirty="0" smtClean="0"/>
+              <a:t>10 </a:t>
+            </a:r>
+            <a:r>
+              <a:rPr lang="pt-BR" sz="1400" dirty="0"/>
+              <a:t>CHS FV</a:t>
+            </a:r>
+          </a:p>
+          <a:p>
+            <a:r>
+              <a:rPr lang="pt-BR" sz="1400" dirty="0"/>
+              <a:t>8 i</a:t>
+            </a:r>
+          </a:p>
+          <a:p>
+            <a:r>
+              <a:rPr lang="pt-BR" sz="1400" dirty="0"/>
+              <a:t>1 n</a:t>
+            </a:r>
+          </a:p>
+          <a:p>
+            <a:r>
+              <a:rPr lang="pt-BR" sz="1400" dirty="0"/>
+              <a:t>PV	</a:t>
+            </a:r>
+            <a:r>
+              <a:rPr lang="pt-BR" sz="1400" dirty="0">
+                <a:sym typeface="Wingdings" pitchFamily="2" charset="2"/>
+              </a:rPr>
+              <a:t> </a:t>
+            </a:r>
+            <a:r>
+              <a:rPr lang="pt-BR" sz="1400" dirty="0" smtClean="0"/>
+              <a:t>9,26</a:t>
+            </a:r>
+            <a:endParaRPr lang="pt-BR" sz="1400" dirty="0">
+              <a:sym typeface="Wingdings" pitchFamily="2" charset="2"/>
+            </a:endParaRPr>
+          </a:p>
+          <a:p>
+            <a:r>
+              <a:rPr lang="pt-BR" sz="1400" dirty="0">
+                <a:sym typeface="Wingdings" pitchFamily="2" charset="2"/>
+              </a:rPr>
+              <a:t>+	 </a:t>
+            </a:r>
+            <a:r>
+              <a:rPr lang="pt-BR" sz="1400" dirty="0" smtClean="0">
+                <a:sym typeface="Wingdings" pitchFamily="2" charset="2"/>
+              </a:rPr>
+              <a:t>-33,74</a:t>
+            </a:r>
+          </a:p>
+          <a:p>
+            <a:r>
+              <a:rPr lang="pt-BR" sz="1400" dirty="0" smtClean="0">
+                <a:sym typeface="Wingdings" pitchFamily="2" charset="2"/>
+              </a:rPr>
+              <a:t>...</a:t>
+            </a:r>
+            <a:endParaRPr lang="pt-BR" sz="1400" dirty="0"/>
+          </a:p>
+          <a:p>
+            <a:r>
+              <a:rPr lang="pt-BR" sz="1400" dirty="0" smtClean="0"/>
+              <a:t>7 </a:t>
+            </a:r>
+            <a:r>
+              <a:rPr lang="pt-BR" sz="1400" dirty="0"/>
+              <a:t>n</a:t>
+            </a:r>
+          </a:p>
+          <a:p>
+            <a:r>
+              <a:rPr lang="pt-BR" sz="1400" dirty="0"/>
+              <a:t>PV	</a:t>
+            </a:r>
+            <a:r>
+              <a:rPr lang="pt-BR" sz="1400" dirty="0">
+                <a:sym typeface="Wingdings" pitchFamily="2" charset="2"/>
+              </a:rPr>
+              <a:t> </a:t>
+            </a:r>
+            <a:r>
+              <a:rPr lang="pt-BR" sz="1400" dirty="0" smtClean="0">
+                <a:sym typeface="Wingdings" pitchFamily="2" charset="2"/>
+              </a:rPr>
+              <a:t>5,83</a:t>
+            </a:r>
+            <a:endParaRPr lang="pt-BR" sz="1400" dirty="0">
+              <a:sym typeface="Wingdings" pitchFamily="2" charset="2"/>
+            </a:endParaRPr>
+          </a:p>
+          <a:p>
+            <a:r>
+              <a:rPr lang="pt-BR" sz="1400" dirty="0">
+                <a:sym typeface="Wingdings" pitchFamily="2" charset="2"/>
+              </a:rPr>
+              <a:t>+	 </a:t>
+            </a:r>
+            <a:r>
+              <a:rPr lang="pt-BR" sz="1400" dirty="0" smtClean="0">
+                <a:sym typeface="Wingdings" pitchFamily="2" charset="2"/>
+              </a:rPr>
+              <a:t>9,06</a:t>
+            </a:r>
+            <a:endParaRPr lang="pt-BR" sz="1400" dirty="0"/>
+          </a:p>
+          <a:p>
+            <a:r>
+              <a:rPr lang="pt-BR" sz="1400" dirty="0"/>
+              <a:t>...</a:t>
+            </a:r>
+          </a:p>
+          <a:p>
+            <a:endParaRPr lang="pt-BR" sz="1400" b="1" dirty="0" smtClean="0"/>
+          </a:p>
+        </p:txBody>
+      </p:sp>
+      <mc:AlternateContent xmlns:mc="http://schemas.openxmlformats.org/markup-compatibility/2006">
+        <mc:Choice xmlns:a14="http://schemas.microsoft.com/office/drawing/2010/main" Requires="a14">
+          <p:sp>
+            <p:nvSpPr>
+              <p:cNvPr id="57" name="Retângulo 56"/>
+              <p:cNvSpPr/>
+              <p:nvPr/>
+            </p:nvSpPr>
+            <p:spPr>
+              <a:xfrm>
+                <a:off x="7164288" y="3555593"/>
+                <a:ext cx="2160240" cy="1169551"/>
+              </a:xfrm>
+              <a:prstGeom prst="rect">
+                <a:avLst/>
+              </a:prstGeom>
+            </p:spPr>
+            <p:txBody>
+              <a:bodyPr wrap="square">
+                <a:spAutoFit/>
+              </a:bodyPr>
+              <a:lstStyle/>
+              <a:p>
+                <a:r>
+                  <a:rPr lang="pt-BR" sz="1400" b="1" dirty="0"/>
+                  <a:t>Calculando </a:t>
+                </a:r>
+                <a:r>
+                  <a:rPr lang="pt-BR" sz="1400" b="1" dirty="0"/>
+                  <a:t>o </a:t>
+                </a:r>
+                <a:r>
+                  <a:rPr lang="pt-BR" sz="1400" b="1" dirty="0" err="1"/>
+                  <a:t>Payback</a:t>
+                </a:r>
+                <a:r>
+                  <a:rPr lang="pt-BR" sz="1400" b="1" dirty="0"/>
+                  <a:t> </a:t>
+                </a:r>
+                <a:r>
+                  <a:rPr lang="pt-BR" sz="1400" b="1" dirty="0" smtClean="0"/>
+                  <a:t>B</a:t>
+                </a:r>
+                <a:endParaRPr lang="pt-BR" sz="1400" b="1" dirty="0"/>
+              </a:p>
+              <a:p>
+                <a:r>
+                  <a:rPr lang="pt-BR" sz="1400" dirty="0" smtClean="0"/>
+                  <a:t>5 </a:t>
+                </a:r>
+                <a:r>
+                  <a:rPr lang="pt-BR" sz="1400" dirty="0"/>
+                  <a:t>[</a:t>
+                </a:r>
+                <a:r>
+                  <a:rPr lang="pt-BR" sz="1400" dirty="0" err="1"/>
+                  <a:t>Enter</a:t>
+                </a:r>
+                <a:r>
+                  <a:rPr lang="pt-BR" sz="1400" dirty="0"/>
+                  <a:t>]</a:t>
+                </a:r>
+              </a:p>
+              <a:p>
+                <a:r>
+                  <a:rPr lang="pt-BR" sz="1400" dirty="0" smtClean="0"/>
+                  <a:t>3,07 </a:t>
+                </a:r>
+                <a:r>
+                  <a:rPr lang="pt-BR" sz="1400" dirty="0"/>
+                  <a:t>[</a:t>
+                </a:r>
+                <a:r>
+                  <a:rPr lang="pt-BR" sz="1400" dirty="0" err="1"/>
+                  <a:t>Enter</a:t>
+                </a:r>
+                <a:r>
+                  <a:rPr lang="pt-BR" sz="1400" dirty="0"/>
+                  <a:t>]</a:t>
+                </a:r>
+              </a:p>
+              <a:p>
+                <a:r>
+                  <a:rPr lang="pt-BR" sz="1400" dirty="0" smtClean="0"/>
+                  <a:t>6,3 </a:t>
+                </a:r>
+                <a14:m>
+                  <m:oMath xmlns:m="http://schemas.openxmlformats.org/officeDocument/2006/math">
+                    <m:r>
+                      <a:rPr lang="pt-BR" sz="1400" i="1">
+                        <a:latin typeface="Cambria Math"/>
+                        <a:ea typeface="Cambria Math"/>
+                      </a:rPr>
+                      <m:t>÷</m:t>
+                    </m:r>
+                  </m:oMath>
+                </a14:m>
+                <a:endParaRPr lang="pt-BR" sz="1400" dirty="0">
+                  <a:ea typeface="Cambria Math"/>
+                </a:endParaRPr>
+              </a:p>
+              <a:p>
+                <a:r>
+                  <a:rPr lang="pt-BR" sz="1400" dirty="0"/>
+                  <a:t>+ 	</a:t>
+                </a:r>
+                <a:r>
+                  <a:rPr lang="pt-BR" sz="1400" dirty="0">
+                    <a:sym typeface="Wingdings" pitchFamily="2" charset="2"/>
+                  </a:rPr>
+                  <a:t> </a:t>
+                </a:r>
+                <a:r>
+                  <a:rPr lang="pt-BR" sz="1400" u="sng" dirty="0" smtClean="0">
+                    <a:sym typeface="Wingdings" pitchFamily="2" charset="2"/>
+                  </a:rPr>
+                  <a:t>5,49 </a:t>
+                </a:r>
+                <a:r>
+                  <a:rPr lang="pt-BR" sz="1400" u="sng" dirty="0">
+                    <a:sym typeface="Wingdings" pitchFamily="2" charset="2"/>
+                  </a:rPr>
+                  <a:t>anos</a:t>
+                </a:r>
+                <a:endParaRPr lang="pt-BR" sz="1400" u="sng" dirty="0"/>
+              </a:p>
+            </p:txBody>
+          </p:sp>
+        </mc:Choice>
+        <mc:Fallback>
+          <p:sp>
+            <p:nvSpPr>
+              <p:cNvPr id="57" name="Retângulo 56"/>
+              <p:cNvSpPr>
+                <a:spLocks noRot="1" noChangeAspect="1" noMove="1" noResize="1" noEditPoints="1" noAdjustHandles="1" noChangeArrowheads="1" noChangeShapeType="1" noTextEdit="1"/>
+              </p:cNvSpPr>
+              <p:nvPr/>
+            </p:nvSpPr>
+            <p:spPr>
+              <a:xfrm>
+                <a:off x="7164288" y="3555593"/>
+                <a:ext cx="2160240" cy="1169551"/>
+              </a:xfrm>
+              <a:prstGeom prst="rect">
+                <a:avLst/>
+              </a:prstGeom>
+              <a:blipFill rotWithShape="1">
+                <a:blip r:embed="rId2"/>
+                <a:stretch>
+                  <a:fillRect l="-563" t="-521" b="-4688"/>
+                </a:stretch>
+              </a:blipFill>
+            </p:spPr>
+            <p:txBody>
+              <a:bodyPr/>
+              <a:lstStyle/>
+              <a:p>
+                <a:r>
+                  <a:rPr lang="pt-BR">
+                    <a:noFill/>
+                  </a:rPr>
+                  <a:t> </a:t>
+                </a:r>
+              </a:p>
+            </p:txBody>
+          </p:sp>
+        </mc:Fallback>
+      </mc:AlternateContent>
+      <p:sp>
+        <p:nvSpPr>
+          <p:cNvPr id="58" name="CaixaDeTexto 57"/>
+          <p:cNvSpPr txBox="1"/>
+          <p:nvPr/>
+        </p:nvSpPr>
+        <p:spPr>
+          <a:xfrm>
+            <a:off x="7926415" y="6467986"/>
+            <a:ext cx="1206869" cy="369332"/>
+          </a:xfrm>
+          <a:prstGeom prst="rect">
+            <a:avLst/>
+          </a:prstGeom>
+          <a:noFill/>
+        </p:spPr>
+        <p:txBody>
+          <a:bodyPr wrap="none" rtlCol="0">
+            <a:spAutoFit/>
+          </a:bodyPr>
+          <a:lstStyle/>
+          <a:p>
+            <a:r>
+              <a:rPr lang="pt-BR" dirty="0" smtClean="0">
+                <a:solidFill>
+                  <a:schemeClr val="tx2">
+                    <a:lumMod val="75000"/>
+                  </a:schemeClr>
+                </a:solidFill>
+              </a:rPr>
+              <a:t>Continua...</a:t>
+            </a:r>
+            <a:endParaRPr lang="pt-BR" dirty="0">
+              <a:solidFill>
+                <a:schemeClr val="tx2">
+                  <a:lumMod val="75000"/>
+                </a:schemeClr>
+              </a:solidFill>
+            </a:endParaRPr>
+          </a:p>
+        </p:txBody>
+      </p:sp>
+    </p:spTree>
+    <p:extLst>
+      <p:ext uri="{BB962C8B-B14F-4D97-AF65-F5344CB8AC3E}">
+        <p14:creationId xmlns:p14="http://schemas.microsoft.com/office/powerpoint/2010/main" val="689279492"/>
+      </p:ext>
+    </p:extLst>
+  </p:cSld>
+  <p:clrMapOvr>
+    <a:masterClrMapping/>
+  </p:clrMapOvr>
+</p:sld>
+</file>
+
+<file path=ppt/slides/slide37.xml><?xml version="1.0" encoding="utf-8"?>
+<p:sld xmlns:a="http://schemas.openxmlformats.org/drawingml/2006/main" xmlns:r="http://schemas.openxmlformats.org/officeDocument/2006/relationships" xmlns:p="http://schemas.openxmlformats.org/presentationml/2006/main">
+  <p:cSld>
+    <p:spTree>
+      <p:nvGrpSpPr>
+        <p:cNvPr id="1" name=""/>
+        <p:cNvGrpSpPr/>
+        <p:nvPr/>
+      </p:nvGrpSpPr>
+      <p:grpSpPr>
+        <a:xfrm>
+          <a:off x="0" y="0"/>
+          <a:ext cx="0" cy="0"/>
+          <a:chOff x="0" y="0"/>
+          <a:chExt cx="0" cy="0"/>
+        </a:xfrm>
+      </p:grpSpPr>
+      <p:sp>
+        <p:nvSpPr>
+          <p:cNvPr id="2" name="Elipse 1"/>
+          <p:cNvSpPr/>
+          <p:nvPr/>
+        </p:nvSpPr>
+        <p:spPr>
+          <a:xfrm>
+            <a:off x="107504" y="44624"/>
+            <a:ext cx="1296144" cy="1161420"/>
+          </a:xfrm>
+          <a:prstGeom prst="ellipse">
+            <a:avLst/>
+          </a:prstGeom>
+        </p:spPr>
+        <p:style>
+          <a:lnRef idx="2">
+            <a:schemeClr val="accent1">
+              <a:shade val="50000"/>
+            </a:schemeClr>
+          </a:lnRef>
+          <a:fillRef idx="1">
+            <a:schemeClr val="accent1"/>
+          </a:fillRef>
+          <a:effectRef idx="0">
+            <a:schemeClr val="accent1"/>
+          </a:effectRef>
+          <a:fontRef idx="minor">
+            <a:schemeClr val="lt1"/>
+          </a:fontRef>
+        </p:style>
+        <p:txBody>
+          <a:bodyPr rtlCol="0" anchor="ctr"/>
+          <a:lstStyle/>
+          <a:p>
+            <a:pPr algn="ctr"/>
+            <a:r>
+              <a:rPr lang="pt-BR" dirty="0" smtClean="0"/>
+              <a:t>1</a:t>
+            </a:r>
+            <a:endParaRPr lang="pt-BR" dirty="0" smtClean="0"/>
+          </a:p>
+          <a:p>
+            <a:pPr algn="ctr"/>
+            <a:r>
+              <a:rPr lang="pt-BR" sz="1100" dirty="0" smtClean="0"/>
+              <a:t>continuação</a:t>
+            </a:r>
+            <a:endParaRPr lang="pt-BR" sz="1100" dirty="0"/>
           </a:p>
         </p:txBody>
       </p:sp>
@@ -26873,7 +29126,6 @@
                         <a:rPr lang="pt-BR" sz="1600" dirty="0" smtClean="0"/>
                         <a:t>1,02</a:t>
                       </a:r>
-                      <a:endParaRPr lang="pt-BR" sz="1600" dirty="0" smtClean="0"/>
                     </a:p>
                   </a:txBody>
                   <a:tcPr/>
@@ -26904,7 +29156,6 @@
                         <a:rPr lang="pt-BR" sz="1600" dirty="0" smtClean="0"/>
                         <a:t>(2,22)</a:t>
                       </a:r>
-                      <a:endParaRPr lang="pt-BR" sz="1600" dirty="0" smtClean="0"/>
                     </a:p>
                   </a:txBody>
                   <a:tcPr/>
@@ -26965,7 +29216,6 @@
                         <a:rPr lang="pt-BR" sz="1600" dirty="0" smtClean="0"/>
                         <a:t>6,81</a:t>
                       </a:r>
-                      <a:endParaRPr lang="pt-BR" sz="1600" dirty="0" smtClean="0"/>
                     </a:p>
                   </a:txBody>
                   <a:tcPr/>
@@ -26996,7 +29246,6 @@
                         <a:rPr lang="pt-BR" sz="1600" dirty="0" smtClean="0"/>
                         <a:t>(3,07)</a:t>
                       </a:r>
-                      <a:endParaRPr lang="pt-BR" sz="1600" dirty="0" smtClean="0"/>
                     </a:p>
                   </a:txBody>
                   <a:tcPr/>
@@ -27073,7 +29322,6 @@
                         <a:rPr lang="pt-BR" sz="1600" dirty="0" smtClean="0"/>
                         <a:t>(1,27)</a:t>
                       </a:r>
-                      <a:endParaRPr lang="pt-BR" sz="1600" dirty="0" smtClean="0"/>
                     </a:p>
                   </a:txBody>
                   <a:tcPr/>
@@ -27134,7 +29382,6 @@
                         <a:rPr lang="pt-BR" sz="1600" dirty="0" smtClean="0"/>
                         <a:t>6,30</a:t>
                       </a:r>
-                      <a:endParaRPr lang="pt-BR" sz="1600" dirty="0" smtClean="0"/>
                     </a:p>
                   </a:txBody>
                   <a:tcPr/>
@@ -27165,7 +29412,6 @@
                         <a:rPr lang="pt-BR" sz="1600" dirty="0" smtClean="0"/>
                         <a:t>3,23</a:t>
                       </a:r>
-                      <a:endParaRPr lang="pt-BR" sz="1600" dirty="0" smtClean="0"/>
                     </a:p>
                   </a:txBody>
                   <a:tcPr/>
@@ -27242,7 +29488,6 @@
                         <a:rPr lang="pt-BR" sz="1600" dirty="0" smtClean="0"/>
                         <a:t>(0,39)</a:t>
                       </a:r>
-                      <a:endParaRPr lang="pt-BR" sz="1600" dirty="0" smtClean="0"/>
                     </a:p>
                   </a:txBody>
                   <a:tcPr/>
@@ -27303,7 +29548,6 @@
                         <a:rPr lang="pt-BR" sz="1600" dirty="0" smtClean="0"/>
                         <a:t>5,83</a:t>
                       </a:r>
-                      <a:endParaRPr lang="pt-BR" sz="1600" dirty="0" smtClean="0"/>
                     </a:p>
                   </a:txBody>
                   <a:tcPr/>
@@ -27334,7 +29578,6 @@
                         <a:rPr lang="pt-BR" sz="1600" dirty="0" smtClean="0"/>
                         <a:t>9,06</a:t>
                       </a:r>
-                      <a:endParaRPr lang="pt-BR" sz="1600" dirty="0" smtClean="0"/>
                     </a:p>
                   </a:txBody>
                   <a:tcPr/>
@@ -27676,7 +29919,7 @@
 </p:sld>
 </file>
 
-<file path=ppt/slides/slide37.xml><?xml version="1.0" encoding="utf-8"?>
+<file path=ppt/slides/slide38.xml><?xml version="1.0" encoding="utf-8"?>
 <p:sld xmlns:a="http://schemas.openxmlformats.org/drawingml/2006/main" xmlns:r="http://schemas.openxmlformats.org/officeDocument/2006/relationships" xmlns:p="http://schemas.openxmlformats.org/presentationml/2006/main">
   <p:cSld>
     <p:spTree>
@@ -27730,13 +29973,1473 @@
           <a:p>
             <a:pPr algn="ctr"/>
             <a:r>
-              <a:rPr lang="pt-BR" dirty="0"/>
+              <a:rPr lang="pt-BR" dirty="0" smtClean="0"/>
               <a:t>2</a:t>
             </a:r>
-            <a:endParaRPr lang="pt-BR" dirty="0"/>
+            <a:endParaRPr lang="pt-BR" dirty="0" smtClean="0"/>
           </a:p>
         </p:txBody>
       </p:sp>
+      <p:sp>
+        <p:nvSpPr>
+          <p:cNvPr id="5" name="CaixaDeTexto 4"/>
+          <p:cNvSpPr txBox="1"/>
+          <p:nvPr/>
+        </p:nvSpPr>
+        <p:spPr>
+          <a:xfrm>
+            <a:off x="317456" y="1206044"/>
+            <a:ext cx="1141659" cy="369332"/>
+          </a:xfrm>
+          <a:prstGeom prst="rect">
+            <a:avLst/>
+          </a:prstGeom>
+          <a:noFill/>
+        </p:spPr>
+        <p:txBody>
+          <a:bodyPr wrap="none" rtlCol="0">
+            <a:spAutoFit/>
+          </a:bodyPr>
+          <a:lstStyle/>
+          <a:p>
+            <a:r>
+              <a:rPr lang="pt-BR" dirty="0" smtClean="0"/>
+              <a:t>i: 10% </a:t>
+            </a:r>
+            <a:r>
+              <a:rPr lang="pt-BR" dirty="0" smtClean="0"/>
+              <a:t>a.a.</a:t>
+            </a:r>
+            <a:endParaRPr lang="pt-BR" dirty="0"/>
+          </a:p>
+        </p:txBody>
+      </p:sp>
+      <p:grpSp>
+        <p:nvGrpSpPr>
+          <p:cNvPr id="33" name="Grupo 32"/>
+          <p:cNvGrpSpPr/>
+          <p:nvPr/>
+        </p:nvGrpSpPr>
+        <p:grpSpPr>
+          <a:xfrm>
+            <a:off x="1263826" y="768206"/>
+            <a:ext cx="3465844" cy="2867749"/>
+            <a:chOff x="2440978" y="573891"/>
+            <a:chExt cx="3465844" cy="2867749"/>
+          </a:xfrm>
+        </p:grpSpPr>
+        <p:cxnSp>
+          <p:nvCxnSpPr>
+            <p:cNvPr id="11" name="Conector de seta reta 10"/>
+            <p:cNvCxnSpPr/>
+            <p:nvPr/>
+          </p:nvCxnSpPr>
+          <p:spPr>
+            <a:xfrm>
+              <a:off x="2857760" y="2057106"/>
+              <a:ext cx="0" cy="1045980"/>
+            </a:xfrm>
+            <a:prstGeom prst="straightConnector1">
+              <a:avLst/>
+            </a:prstGeom>
+            <a:ln w="12700">
+              <a:solidFill>
+                <a:schemeClr val="tx1"/>
+              </a:solidFill>
+              <a:tailEnd type="arrow"/>
+            </a:ln>
+          </p:spPr>
+          <p:style>
+            <a:lnRef idx="1">
+              <a:schemeClr val="accent1"/>
+            </a:lnRef>
+            <a:fillRef idx="0">
+              <a:schemeClr val="accent1"/>
+            </a:fillRef>
+            <a:effectRef idx="0">
+              <a:schemeClr val="accent1"/>
+            </a:effectRef>
+            <a:fontRef idx="minor">
+              <a:schemeClr val="tx1"/>
+            </a:fontRef>
+          </p:style>
+        </p:cxnSp>
+        <p:cxnSp>
+          <p:nvCxnSpPr>
+            <p:cNvPr id="12" name="Conector reto 11"/>
+            <p:cNvCxnSpPr/>
+            <p:nvPr/>
+          </p:nvCxnSpPr>
+          <p:spPr>
+            <a:xfrm flipV="1">
+              <a:off x="2857760" y="2052999"/>
+              <a:ext cx="2932277" cy="4107"/>
+            </a:xfrm>
+            <a:prstGeom prst="line">
+              <a:avLst/>
+            </a:prstGeom>
+            <a:ln w="12700">
+              <a:solidFill>
+                <a:schemeClr val="tx1"/>
+              </a:solidFill>
+            </a:ln>
+          </p:spPr>
+          <p:style>
+            <a:lnRef idx="1">
+              <a:schemeClr val="accent1"/>
+            </a:lnRef>
+            <a:fillRef idx="0">
+              <a:schemeClr val="accent1"/>
+            </a:fillRef>
+            <a:effectRef idx="0">
+              <a:schemeClr val="accent1"/>
+            </a:effectRef>
+            <a:fontRef idx="minor">
+              <a:schemeClr val="tx1"/>
+            </a:fontRef>
+          </p:style>
+        </p:cxnSp>
+        <p:cxnSp>
+          <p:nvCxnSpPr>
+            <p:cNvPr id="13" name="Conector de seta reta 12"/>
+            <p:cNvCxnSpPr/>
+            <p:nvPr/>
+          </p:nvCxnSpPr>
+          <p:spPr>
+            <a:xfrm flipV="1">
+              <a:off x="5790037" y="1308071"/>
+              <a:ext cx="0" cy="744928"/>
+            </a:xfrm>
+            <a:prstGeom prst="straightConnector1">
+              <a:avLst/>
+            </a:prstGeom>
+            <a:ln w="12700">
+              <a:solidFill>
+                <a:schemeClr val="tx1"/>
+              </a:solidFill>
+              <a:tailEnd type="arrow"/>
+            </a:ln>
+          </p:spPr>
+          <p:style>
+            <a:lnRef idx="1">
+              <a:schemeClr val="accent1"/>
+            </a:lnRef>
+            <a:fillRef idx="0">
+              <a:schemeClr val="accent1"/>
+            </a:fillRef>
+            <a:effectRef idx="0">
+              <a:schemeClr val="accent1"/>
+            </a:effectRef>
+            <a:fontRef idx="minor">
+              <a:schemeClr val="tx1"/>
+            </a:fontRef>
+          </p:style>
+        </p:cxnSp>
+        <p:sp>
+          <p:nvSpPr>
+            <p:cNvPr id="14" name="CaixaDeTexto 13"/>
+            <p:cNvSpPr txBox="1"/>
+            <p:nvPr/>
+          </p:nvSpPr>
+          <p:spPr>
+            <a:xfrm>
+              <a:off x="2440978" y="3103086"/>
+              <a:ext cx="1425390" cy="338554"/>
+            </a:xfrm>
+            <a:prstGeom prst="rect">
+              <a:avLst/>
+            </a:prstGeom>
+            <a:noFill/>
+          </p:spPr>
+          <p:txBody>
+            <a:bodyPr wrap="none" rtlCol="0">
+              <a:spAutoFit/>
+            </a:bodyPr>
+            <a:lstStyle/>
+            <a:p>
+              <a:r>
+                <a:rPr lang="pt-BR" sz="1600" dirty="0" smtClean="0"/>
+                <a:t>C = </a:t>
+              </a:r>
+              <a:r>
+                <a:rPr lang="pt-BR" sz="1600" dirty="0"/>
+                <a:t>100.000,00</a:t>
+              </a:r>
+              <a:endParaRPr lang="pt-BR" sz="1600" dirty="0"/>
+            </a:p>
+          </p:txBody>
+        </p:sp>
+        <p:cxnSp>
+          <p:nvCxnSpPr>
+            <p:cNvPr id="17" name="Conector de seta reta 16"/>
+            <p:cNvCxnSpPr/>
+            <p:nvPr/>
+          </p:nvCxnSpPr>
+          <p:spPr>
+            <a:xfrm flipV="1">
+              <a:off x="4020960" y="1314537"/>
+              <a:ext cx="0" cy="744928"/>
+            </a:xfrm>
+            <a:prstGeom prst="straightConnector1">
+              <a:avLst/>
+            </a:prstGeom>
+            <a:ln w="12700">
+              <a:solidFill>
+                <a:schemeClr val="tx1"/>
+              </a:solidFill>
+              <a:tailEnd type="arrow"/>
+            </a:ln>
+          </p:spPr>
+          <p:style>
+            <a:lnRef idx="1">
+              <a:schemeClr val="accent1"/>
+            </a:lnRef>
+            <a:fillRef idx="0">
+              <a:schemeClr val="accent1"/>
+            </a:fillRef>
+            <a:effectRef idx="0">
+              <a:schemeClr val="accent1"/>
+            </a:effectRef>
+            <a:fontRef idx="minor">
+              <a:schemeClr val="tx1"/>
+            </a:fontRef>
+          </p:style>
+        </p:cxnSp>
+        <p:cxnSp>
+          <p:nvCxnSpPr>
+            <p:cNvPr id="18" name="Conector de seta reta 17"/>
+            <p:cNvCxnSpPr/>
+            <p:nvPr/>
+          </p:nvCxnSpPr>
+          <p:spPr>
+            <a:xfrm flipV="1">
+              <a:off x="3204595" y="1314537"/>
+              <a:ext cx="0" cy="744928"/>
+            </a:xfrm>
+            <a:prstGeom prst="straightConnector1">
+              <a:avLst/>
+            </a:prstGeom>
+            <a:ln w="12700">
+              <a:solidFill>
+                <a:schemeClr val="tx1"/>
+              </a:solidFill>
+              <a:tailEnd type="arrow"/>
+            </a:ln>
+          </p:spPr>
+          <p:style>
+            <a:lnRef idx="1">
+              <a:schemeClr val="accent1"/>
+            </a:lnRef>
+            <a:fillRef idx="0">
+              <a:schemeClr val="accent1"/>
+            </a:fillRef>
+            <a:effectRef idx="0">
+              <a:schemeClr val="accent1"/>
+            </a:effectRef>
+            <a:fontRef idx="minor">
+              <a:schemeClr val="tx1"/>
+            </a:fontRef>
+          </p:style>
+        </p:cxnSp>
+        <p:sp>
+          <p:nvSpPr>
+            <p:cNvPr id="19" name="CaixaDeTexto 18"/>
+            <p:cNvSpPr txBox="1"/>
+            <p:nvPr/>
+          </p:nvSpPr>
+          <p:spPr>
+            <a:xfrm>
+              <a:off x="3854551" y="573891"/>
+              <a:ext cx="1324402" cy="338554"/>
+            </a:xfrm>
+            <a:prstGeom prst="rect">
+              <a:avLst/>
+            </a:prstGeom>
+            <a:noFill/>
+          </p:spPr>
+          <p:txBody>
+            <a:bodyPr wrap="none" rtlCol="0">
+              <a:spAutoFit/>
+            </a:bodyPr>
+            <a:lstStyle/>
+            <a:p>
+              <a:r>
+                <a:rPr lang="pt-BR" sz="1600" dirty="0" smtClean="0"/>
+                <a:t>R </a:t>
+              </a:r>
+              <a:r>
+                <a:rPr lang="pt-BR" sz="1600" dirty="0" smtClean="0"/>
+                <a:t>= </a:t>
+              </a:r>
+              <a:r>
+                <a:rPr lang="pt-BR" sz="1600" dirty="0" smtClean="0"/>
+                <a:t>38.000,00</a:t>
+              </a:r>
+              <a:endParaRPr lang="pt-BR" sz="1600" dirty="0"/>
+            </a:p>
+          </p:txBody>
+        </p:sp>
+        <p:sp>
+          <p:nvSpPr>
+            <p:cNvPr id="3" name="Chave esquerda 2"/>
+            <p:cNvSpPr/>
+            <p:nvPr/>
+          </p:nvSpPr>
+          <p:spPr>
+            <a:xfrm rot="5400000">
+              <a:off x="4297449" y="-180409"/>
+              <a:ext cx="399734" cy="2585442"/>
+            </a:xfrm>
+            <a:prstGeom prst="leftBrace">
+              <a:avLst/>
+            </a:prstGeom>
+            <a:ln>
+              <a:solidFill>
+                <a:schemeClr val="tx1"/>
+              </a:solidFill>
+            </a:ln>
+          </p:spPr>
+          <p:style>
+            <a:lnRef idx="1">
+              <a:schemeClr val="accent1"/>
+            </a:lnRef>
+            <a:fillRef idx="0">
+              <a:schemeClr val="accent1"/>
+            </a:fillRef>
+            <a:effectRef idx="0">
+              <a:schemeClr val="accent1"/>
+            </a:effectRef>
+            <a:fontRef idx="minor">
+              <a:schemeClr val="tx1"/>
+            </a:fontRef>
+          </p:style>
+          <p:txBody>
+            <a:bodyPr rtlCol="0" anchor="ctr"/>
+            <a:lstStyle/>
+            <a:p>
+              <a:pPr algn="ctr"/>
+              <a:endParaRPr lang="pt-BR"/>
+            </a:p>
+          </p:txBody>
+        </p:sp>
+        <p:sp>
+          <p:nvSpPr>
+            <p:cNvPr id="23" name="CaixaDeTexto 22"/>
+            <p:cNvSpPr txBox="1"/>
+            <p:nvPr/>
+          </p:nvSpPr>
+          <p:spPr>
+            <a:xfrm>
+              <a:off x="3053752" y="2073265"/>
+              <a:ext cx="301686" cy="369332"/>
+            </a:xfrm>
+            <a:prstGeom prst="rect">
+              <a:avLst/>
+            </a:prstGeom>
+            <a:noFill/>
+          </p:spPr>
+          <p:txBody>
+            <a:bodyPr wrap="none" rtlCol="0">
+              <a:spAutoFit/>
+            </a:bodyPr>
+            <a:lstStyle/>
+            <a:p>
+              <a:r>
+                <a:rPr lang="pt-BR" dirty="0" smtClean="0"/>
+                <a:t>1</a:t>
+              </a:r>
+              <a:endParaRPr lang="pt-BR" dirty="0"/>
+            </a:p>
+          </p:txBody>
+        </p:sp>
+        <p:sp>
+          <p:nvSpPr>
+            <p:cNvPr id="25" name="CaixaDeTexto 24"/>
+            <p:cNvSpPr txBox="1"/>
+            <p:nvPr/>
+          </p:nvSpPr>
+          <p:spPr>
+            <a:xfrm>
+              <a:off x="3876944" y="2082557"/>
+              <a:ext cx="301686" cy="369332"/>
+            </a:xfrm>
+            <a:prstGeom prst="rect">
+              <a:avLst/>
+            </a:prstGeom>
+            <a:noFill/>
+          </p:spPr>
+          <p:txBody>
+            <a:bodyPr wrap="none" rtlCol="0">
+              <a:spAutoFit/>
+            </a:bodyPr>
+            <a:lstStyle/>
+            <a:p>
+              <a:r>
+                <a:rPr lang="pt-BR" dirty="0" smtClean="0"/>
+                <a:t>2</a:t>
+              </a:r>
+              <a:endParaRPr lang="pt-BR" dirty="0"/>
+            </a:p>
+          </p:txBody>
+        </p:sp>
+        <p:cxnSp>
+          <p:nvCxnSpPr>
+            <p:cNvPr id="27" name="Conector de seta reta 26"/>
+            <p:cNvCxnSpPr/>
+            <p:nvPr/>
+          </p:nvCxnSpPr>
+          <p:spPr>
+            <a:xfrm flipV="1">
+              <a:off x="4885056" y="1308071"/>
+              <a:ext cx="0" cy="744928"/>
+            </a:xfrm>
+            <a:prstGeom prst="straightConnector1">
+              <a:avLst/>
+            </a:prstGeom>
+            <a:ln w="12700">
+              <a:solidFill>
+                <a:schemeClr val="tx1"/>
+              </a:solidFill>
+              <a:tailEnd type="arrow"/>
+            </a:ln>
+          </p:spPr>
+          <p:style>
+            <a:lnRef idx="1">
+              <a:schemeClr val="accent1"/>
+            </a:lnRef>
+            <a:fillRef idx="0">
+              <a:schemeClr val="accent1"/>
+            </a:fillRef>
+            <a:effectRef idx="0">
+              <a:schemeClr val="accent1"/>
+            </a:effectRef>
+            <a:fontRef idx="minor">
+              <a:schemeClr val="tx1"/>
+            </a:fontRef>
+          </p:style>
+        </p:cxnSp>
+        <p:sp>
+          <p:nvSpPr>
+            <p:cNvPr id="31" name="CaixaDeTexto 30"/>
+            <p:cNvSpPr txBox="1"/>
+            <p:nvPr/>
+          </p:nvSpPr>
+          <p:spPr>
+            <a:xfrm>
+              <a:off x="4727386" y="2073265"/>
+              <a:ext cx="301686" cy="369332"/>
+            </a:xfrm>
+            <a:prstGeom prst="rect">
+              <a:avLst/>
+            </a:prstGeom>
+            <a:noFill/>
+          </p:spPr>
+          <p:txBody>
+            <a:bodyPr wrap="none" rtlCol="0">
+              <a:spAutoFit/>
+            </a:bodyPr>
+            <a:lstStyle/>
+            <a:p>
+              <a:r>
+                <a:rPr lang="pt-BR" dirty="0" smtClean="0"/>
+                <a:t>3</a:t>
+              </a:r>
+              <a:endParaRPr lang="pt-BR" dirty="0"/>
+            </a:p>
+          </p:txBody>
+        </p:sp>
+        <p:sp>
+          <p:nvSpPr>
+            <p:cNvPr id="32" name="CaixaDeTexto 31"/>
+            <p:cNvSpPr txBox="1"/>
+            <p:nvPr/>
+          </p:nvSpPr>
+          <p:spPr>
+            <a:xfrm>
+              <a:off x="5605136" y="2073265"/>
+              <a:ext cx="301686" cy="369332"/>
+            </a:xfrm>
+            <a:prstGeom prst="rect">
+              <a:avLst/>
+            </a:prstGeom>
+            <a:noFill/>
+          </p:spPr>
+          <p:txBody>
+            <a:bodyPr wrap="none" rtlCol="0">
+              <a:spAutoFit/>
+            </a:bodyPr>
+            <a:lstStyle/>
+            <a:p>
+              <a:r>
+                <a:rPr lang="pt-BR" dirty="0" smtClean="0"/>
+                <a:t>4</a:t>
+              </a:r>
+              <a:endParaRPr lang="pt-BR" dirty="0"/>
+            </a:p>
+          </p:txBody>
+        </p:sp>
+      </p:grpSp>
+      <p:grpSp>
+        <p:nvGrpSpPr>
+          <p:cNvPr id="54" name="Grupo 53"/>
+          <p:cNvGrpSpPr/>
+          <p:nvPr/>
+        </p:nvGrpSpPr>
+        <p:grpSpPr>
+          <a:xfrm>
+            <a:off x="233323" y="3441640"/>
+            <a:ext cx="4681248" cy="2867749"/>
+            <a:chOff x="1392601" y="3481533"/>
+            <a:chExt cx="4681248" cy="2867749"/>
+          </a:xfrm>
+        </p:grpSpPr>
+        <p:grpSp>
+          <p:nvGrpSpPr>
+            <p:cNvPr id="35" name="Grupo 34"/>
+            <p:cNvGrpSpPr/>
+            <p:nvPr/>
+          </p:nvGrpSpPr>
+          <p:grpSpPr>
+            <a:xfrm>
+              <a:off x="2573947" y="3481533"/>
+              <a:ext cx="3499902" cy="2867749"/>
+              <a:chOff x="2440978" y="573891"/>
+              <a:chExt cx="3499902" cy="2867749"/>
+            </a:xfrm>
+          </p:grpSpPr>
+          <p:cxnSp>
+            <p:nvCxnSpPr>
+              <p:cNvPr id="36" name="Conector de seta reta 35"/>
+              <p:cNvCxnSpPr/>
+              <p:nvPr/>
+            </p:nvCxnSpPr>
+            <p:spPr>
+              <a:xfrm>
+                <a:off x="2857760" y="2057106"/>
+                <a:ext cx="0" cy="1045980"/>
+              </a:xfrm>
+              <a:prstGeom prst="straightConnector1">
+                <a:avLst/>
+              </a:prstGeom>
+              <a:ln w="12700">
+                <a:solidFill>
+                  <a:schemeClr val="tx1"/>
+                </a:solidFill>
+                <a:tailEnd type="arrow"/>
+              </a:ln>
+            </p:spPr>
+            <p:style>
+              <a:lnRef idx="1">
+                <a:schemeClr val="accent1"/>
+              </a:lnRef>
+              <a:fillRef idx="0">
+                <a:schemeClr val="accent1"/>
+              </a:fillRef>
+              <a:effectRef idx="0">
+                <a:schemeClr val="accent1"/>
+              </a:effectRef>
+              <a:fontRef idx="minor">
+                <a:schemeClr val="tx1"/>
+              </a:fontRef>
+            </p:style>
+          </p:cxnSp>
+          <p:cxnSp>
+            <p:nvCxnSpPr>
+              <p:cNvPr id="37" name="Conector reto 36"/>
+              <p:cNvCxnSpPr/>
+              <p:nvPr/>
+            </p:nvCxnSpPr>
+            <p:spPr>
+              <a:xfrm flipV="1">
+                <a:off x="2857760" y="2052999"/>
+                <a:ext cx="2932277" cy="4107"/>
+              </a:xfrm>
+              <a:prstGeom prst="line">
+                <a:avLst/>
+              </a:prstGeom>
+              <a:ln w="12700">
+                <a:solidFill>
+                  <a:schemeClr val="tx1"/>
+                </a:solidFill>
+              </a:ln>
+            </p:spPr>
+            <p:style>
+              <a:lnRef idx="1">
+                <a:schemeClr val="accent1"/>
+              </a:lnRef>
+              <a:fillRef idx="0">
+                <a:schemeClr val="accent1"/>
+              </a:fillRef>
+              <a:effectRef idx="0">
+                <a:schemeClr val="accent1"/>
+              </a:effectRef>
+              <a:fontRef idx="minor">
+                <a:schemeClr val="tx1"/>
+              </a:fontRef>
+            </p:style>
+          </p:cxnSp>
+          <p:cxnSp>
+            <p:nvCxnSpPr>
+              <p:cNvPr id="38" name="Conector de seta reta 37"/>
+              <p:cNvCxnSpPr/>
+              <p:nvPr/>
+            </p:nvCxnSpPr>
+            <p:spPr>
+              <a:xfrm flipV="1">
+                <a:off x="5790037" y="1308071"/>
+                <a:ext cx="0" cy="744928"/>
+              </a:xfrm>
+              <a:prstGeom prst="straightConnector1">
+                <a:avLst/>
+              </a:prstGeom>
+              <a:ln w="12700">
+                <a:solidFill>
+                  <a:schemeClr val="tx1"/>
+                </a:solidFill>
+                <a:tailEnd type="arrow"/>
+              </a:ln>
+            </p:spPr>
+            <p:style>
+              <a:lnRef idx="1">
+                <a:schemeClr val="accent1"/>
+              </a:lnRef>
+              <a:fillRef idx="0">
+                <a:schemeClr val="accent1"/>
+              </a:fillRef>
+              <a:effectRef idx="0">
+                <a:schemeClr val="accent1"/>
+              </a:effectRef>
+              <a:fontRef idx="minor">
+                <a:schemeClr val="tx1"/>
+              </a:fontRef>
+            </p:style>
+          </p:cxnSp>
+          <p:sp>
+            <p:nvSpPr>
+              <p:cNvPr id="39" name="CaixaDeTexto 38"/>
+              <p:cNvSpPr txBox="1"/>
+              <p:nvPr/>
+            </p:nvSpPr>
+            <p:spPr>
+              <a:xfrm>
+                <a:off x="2440978" y="3103086"/>
+                <a:ext cx="697627" cy="338554"/>
+              </a:xfrm>
+              <a:prstGeom prst="rect">
+                <a:avLst/>
+              </a:prstGeom>
+              <a:noFill/>
+            </p:spPr>
+            <p:txBody>
+              <a:bodyPr wrap="none" rtlCol="0">
+                <a:spAutoFit/>
+              </a:bodyPr>
+              <a:lstStyle/>
+              <a:p>
+                <a:r>
+                  <a:rPr lang="pt-BR" sz="1600" dirty="0" smtClean="0"/>
+                  <a:t>C = </a:t>
+                </a:r>
+                <a:r>
+                  <a:rPr lang="pt-BR" sz="1600" dirty="0" smtClean="0"/>
+                  <a:t>43</a:t>
+                </a:r>
+                <a:endParaRPr lang="pt-BR" sz="1600" dirty="0"/>
+              </a:p>
+            </p:txBody>
+          </p:sp>
+          <p:cxnSp>
+            <p:nvCxnSpPr>
+              <p:cNvPr id="41" name="Conector de seta reta 40"/>
+              <p:cNvCxnSpPr/>
+              <p:nvPr/>
+            </p:nvCxnSpPr>
+            <p:spPr>
+              <a:xfrm flipV="1">
+                <a:off x="4212707" y="1314537"/>
+                <a:ext cx="0" cy="744928"/>
+              </a:xfrm>
+              <a:prstGeom prst="straightConnector1">
+                <a:avLst/>
+              </a:prstGeom>
+              <a:ln w="12700">
+                <a:solidFill>
+                  <a:schemeClr val="tx1"/>
+                </a:solidFill>
+                <a:tailEnd type="arrow"/>
+              </a:ln>
+            </p:spPr>
+            <p:style>
+              <a:lnRef idx="1">
+                <a:schemeClr val="accent1"/>
+              </a:lnRef>
+              <a:fillRef idx="0">
+                <a:schemeClr val="accent1"/>
+              </a:fillRef>
+              <a:effectRef idx="0">
+                <a:schemeClr val="accent1"/>
+              </a:effectRef>
+              <a:fontRef idx="minor">
+                <a:schemeClr val="tx1"/>
+              </a:fontRef>
+            </p:style>
+          </p:cxnSp>
+          <p:cxnSp>
+            <p:nvCxnSpPr>
+              <p:cNvPr id="42" name="Conector de seta reta 41"/>
+              <p:cNvCxnSpPr/>
+              <p:nvPr/>
+            </p:nvCxnSpPr>
+            <p:spPr>
+              <a:xfrm flipV="1">
+                <a:off x="3204595" y="1314537"/>
+                <a:ext cx="0" cy="744928"/>
+              </a:xfrm>
+              <a:prstGeom prst="straightConnector1">
+                <a:avLst/>
+              </a:prstGeom>
+              <a:ln w="12700">
+                <a:solidFill>
+                  <a:schemeClr val="tx1"/>
+                </a:solidFill>
+                <a:tailEnd type="arrow"/>
+              </a:ln>
+            </p:spPr>
+            <p:style>
+              <a:lnRef idx="1">
+                <a:schemeClr val="accent1"/>
+              </a:lnRef>
+              <a:fillRef idx="0">
+                <a:schemeClr val="accent1"/>
+              </a:fillRef>
+              <a:effectRef idx="0">
+                <a:schemeClr val="accent1"/>
+              </a:effectRef>
+              <a:fontRef idx="minor">
+                <a:schemeClr val="tx1"/>
+              </a:fontRef>
+            </p:style>
+          </p:cxnSp>
+          <p:sp>
+            <p:nvSpPr>
+              <p:cNvPr id="43" name="CaixaDeTexto 42"/>
+              <p:cNvSpPr txBox="1"/>
+              <p:nvPr/>
+            </p:nvSpPr>
+            <p:spPr>
+              <a:xfrm>
+                <a:off x="4047357" y="573891"/>
+                <a:ext cx="960519" cy="338554"/>
+              </a:xfrm>
+              <a:prstGeom prst="rect">
+                <a:avLst/>
+              </a:prstGeom>
+              <a:noFill/>
+            </p:spPr>
+            <p:txBody>
+              <a:bodyPr wrap="none" rtlCol="0">
+                <a:spAutoFit/>
+              </a:bodyPr>
+              <a:lstStyle/>
+              <a:p>
+                <a:r>
+                  <a:rPr lang="pt-BR" sz="1600" dirty="0" smtClean="0"/>
+                  <a:t>R </a:t>
+                </a:r>
+                <a:r>
+                  <a:rPr lang="pt-BR" sz="1600" dirty="0" smtClean="0"/>
+                  <a:t>= </a:t>
+                </a:r>
+                <a:r>
+                  <a:rPr lang="pt-BR" sz="1600" dirty="0" smtClean="0"/>
+                  <a:t>10,00</a:t>
+                </a:r>
+                <a:endParaRPr lang="pt-BR" sz="1600" dirty="0"/>
+              </a:p>
+            </p:txBody>
+          </p:sp>
+          <p:sp>
+            <p:nvSpPr>
+              <p:cNvPr id="44" name="CaixaDeTexto 43"/>
+              <p:cNvSpPr txBox="1"/>
+              <p:nvPr/>
+            </p:nvSpPr>
+            <p:spPr>
+              <a:xfrm>
+                <a:off x="4934290" y="1499604"/>
+                <a:ext cx="357790" cy="369332"/>
+              </a:xfrm>
+              <a:prstGeom prst="rect">
+                <a:avLst/>
+              </a:prstGeom>
+              <a:noFill/>
+            </p:spPr>
+            <p:txBody>
+              <a:bodyPr wrap="none" rtlCol="0">
+                <a:spAutoFit/>
+              </a:bodyPr>
+              <a:lstStyle/>
+              <a:p>
+                <a:r>
+                  <a:rPr lang="pt-BR" dirty="0" smtClean="0"/>
+                  <a:t>...</a:t>
+                </a:r>
+                <a:endParaRPr lang="pt-BR" dirty="0"/>
+              </a:p>
+            </p:txBody>
+          </p:sp>
+          <p:sp>
+            <p:nvSpPr>
+              <p:cNvPr id="45" name="Chave esquerda 44"/>
+              <p:cNvSpPr/>
+              <p:nvPr/>
+            </p:nvSpPr>
+            <p:spPr>
+              <a:xfrm rot="5400000">
+                <a:off x="4299503" y="-182463"/>
+                <a:ext cx="395626" cy="2585442"/>
+              </a:xfrm>
+              <a:prstGeom prst="leftBrace">
+                <a:avLst/>
+              </a:prstGeom>
+              <a:ln>
+                <a:solidFill>
+                  <a:schemeClr val="tx1"/>
+                </a:solidFill>
+              </a:ln>
+            </p:spPr>
+            <p:style>
+              <a:lnRef idx="1">
+                <a:schemeClr val="accent1"/>
+              </a:lnRef>
+              <a:fillRef idx="0">
+                <a:schemeClr val="accent1"/>
+              </a:fillRef>
+              <a:effectRef idx="0">
+                <a:schemeClr val="accent1"/>
+              </a:effectRef>
+              <a:fontRef idx="minor">
+                <a:schemeClr val="tx1"/>
+              </a:fontRef>
+            </p:style>
+            <p:txBody>
+              <a:bodyPr rtlCol="0" anchor="ctr"/>
+              <a:lstStyle/>
+              <a:p>
+                <a:pPr algn="ctr"/>
+                <a:endParaRPr lang="pt-BR"/>
+              </a:p>
+            </p:txBody>
+          </p:sp>
+          <p:sp>
+            <p:nvSpPr>
+              <p:cNvPr id="46" name="CaixaDeTexto 45"/>
+              <p:cNvSpPr txBox="1"/>
+              <p:nvPr/>
+            </p:nvSpPr>
+            <p:spPr>
+              <a:xfrm>
+                <a:off x="3053752" y="2073419"/>
+                <a:ext cx="301686" cy="369332"/>
+              </a:xfrm>
+              <a:prstGeom prst="rect">
+                <a:avLst/>
+              </a:prstGeom>
+              <a:noFill/>
+            </p:spPr>
+            <p:txBody>
+              <a:bodyPr wrap="none" rtlCol="0">
+                <a:spAutoFit/>
+              </a:bodyPr>
+              <a:lstStyle/>
+              <a:p>
+                <a:r>
+                  <a:rPr lang="pt-BR" dirty="0" smtClean="0"/>
+                  <a:t>1</a:t>
+                </a:r>
+                <a:endParaRPr lang="pt-BR" dirty="0"/>
+              </a:p>
+            </p:txBody>
+          </p:sp>
+          <p:sp>
+            <p:nvSpPr>
+              <p:cNvPr id="47" name="CaixaDeTexto 46"/>
+              <p:cNvSpPr txBox="1"/>
+              <p:nvPr/>
+            </p:nvSpPr>
+            <p:spPr>
+              <a:xfrm>
+                <a:off x="4061864" y="2064127"/>
+                <a:ext cx="301686" cy="369332"/>
+              </a:xfrm>
+              <a:prstGeom prst="rect">
+                <a:avLst/>
+              </a:prstGeom>
+              <a:noFill/>
+            </p:spPr>
+            <p:txBody>
+              <a:bodyPr wrap="none" rtlCol="0">
+                <a:spAutoFit/>
+              </a:bodyPr>
+              <a:lstStyle/>
+              <a:p>
+                <a:r>
+                  <a:rPr lang="pt-BR" dirty="0" smtClean="0"/>
+                  <a:t>3</a:t>
+                </a:r>
+                <a:endParaRPr lang="pt-BR" dirty="0"/>
+              </a:p>
+            </p:txBody>
+          </p:sp>
+          <p:sp>
+            <p:nvSpPr>
+              <p:cNvPr id="48" name="CaixaDeTexto 47"/>
+              <p:cNvSpPr txBox="1"/>
+              <p:nvPr/>
+            </p:nvSpPr>
+            <p:spPr>
+              <a:xfrm>
+                <a:off x="3496761" y="1502335"/>
+                <a:ext cx="357790" cy="369332"/>
+              </a:xfrm>
+              <a:prstGeom prst="rect">
+                <a:avLst/>
+              </a:prstGeom>
+              <a:noFill/>
+            </p:spPr>
+            <p:txBody>
+              <a:bodyPr wrap="none" rtlCol="0">
+                <a:spAutoFit/>
+              </a:bodyPr>
+              <a:lstStyle/>
+              <a:p>
+                <a:r>
+                  <a:rPr lang="pt-BR" dirty="0" smtClean="0"/>
+                  <a:t>...</a:t>
+                </a:r>
+                <a:endParaRPr lang="pt-BR" dirty="0"/>
+              </a:p>
+            </p:txBody>
+          </p:sp>
+          <p:cxnSp>
+            <p:nvCxnSpPr>
+              <p:cNvPr id="49" name="Conector de seta reta 48"/>
+              <p:cNvCxnSpPr/>
+              <p:nvPr/>
+            </p:nvCxnSpPr>
+            <p:spPr>
+              <a:xfrm flipV="1">
+                <a:off x="4788024" y="1308071"/>
+                <a:ext cx="0" cy="744928"/>
+              </a:xfrm>
+              <a:prstGeom prst="straightConnector1">
+                <a:avLst/>
+              </a:prstGeom>
+              <a:ln w="12700">
+                <a:solidFill>
+                  <a:schemeClr val="tx1"/>
+                </a:solidFill>
+                <a:tailEnd type="arrow"/>
+              </a:ln>
+            </p:spPr>
+            <p:style>
+              <a:lnRef idx="1">
+                <a:schemeClr val="accent1"/>
+              </a:lnRef>
+              <a:fillRef idx="0">
+                <a:schemeClr val="accent1"/>
+              </a:fillRef>
+              <a:effectRef idx="0">
+                <a:schemeClr val="accent1"/>
+              </a:effectRef>
+              <a:fontRef idx="minor">
+                <a:schemeClr val="tx1"/>
+              </a:fontRef>
+            </p:style>
+          </p:cxnSp>
+          <p:sp>
+            <p:nvSpPr>
+              <p:cNvPr id="51" name="CaixaDeTexto 50"/>
+              <p:cNvSpPr txBox="1"/>
+              <p:nvPr/>
+            </p:nvSpPr>
+            <p:spPr>
+              <a:xfrm>
+                <a:off x="4637181" y="2059465"/>
+                <a:ext cx="301686" cy="369332"/>
+              </a:xfrm>
+              <a:prstGeom prst="rect">
+                <a:avLst/>
+              </a:prstGeom>
+              <a:noFill/>
+            </p:spPr>
+            <p:txBody>
+              <a:bodyPr wrap="none" rtlCol="0">
+                <a:spAutoFit/>
+              </a:bodyPr>
+              <a:lstStyle/>
+              <a:p>
+                <a:r>
+                  <a:rPr lang="pt-BR" dirty="0" smtClean="0"/>
+                  <a:t>4</a:t>
+                </a:r>
+                <a:endParaRPr lang="pt-BR" dirty="0"/>
+              </a:p>
+            </p:txBody>
+          </p:sp>
+          <p:sp>
+            <p:nvSpPr>
+              <p:cNvPr id="52" name="CaixaDeTexto 51"/>
+              <p:cNvSpPr txBox="1"/>
+              <p:nvPr/>
+            </p:nvSpPr>
+            <p:spPr>
+              <a:xfrm>
+                <a:off x="5639194" y="2059465"/>
+                <a:ext cx="301686" cy="369332"/>
+              </a:xfrm>
+              <a:prstGeom prst="rect">
+                <a:avLst/>
+              </a:prstGeom>
+              <a:noFill/>
+            </p:spPr>
+            <p:txBody>
+              <a:bodyPr wrap="none" rtlCol="0">
+                <a:spAutoFit/>
+              </a:bodyPr>
+              <a:lstStyle/>
+              <a:p>
+                <a:r>
+                  <a:rPr lang="pt-BR" dirty="0" smtClean="0"/>
+                  <a:t>7</a:t>
+                </a:r>
+                <a:endParaRPr lang="pt-BR" dirty="0"/>
+              </a:p>
+            </p:txBody>
+          </p:sp>
+        </p:grpSp>
+        <p:sp>
+          <p:nvSpPr>
+            <p:cNvPr id="53" name="CaixaDeTexto 52"/>
+            <p:cNvSpPr txBox="1"/>
+            <p:nvPr/>
+          </p:nvSpPr>
+          <p:spPr>
+            <a:xfrm>
+              <a:off x="1392601" y="4755752"/>
+              <a:ext cx="1077283" cy="369332"/>
+            </a:xfrm>
+            <a:prstGeom prst="rect">
+              <a:avLst/>
+            </a:prstGeom>
+            <a:noFill/>
+          </p:spPr>
+          <p:txBody>
+            <a:bodyPr wrap="none" rtlCol="0">
+              <a:spAutoFit/>
+            </a:bodyPr>
+            <a:lstStyle/>
+            <a:p>
+              <a:r>
+                <a:rPr lang="pt-BR" b="1" dirty="0" smtClean="0"/>
+                <a:t>Projeto B</a:t>
+              </a:r>
+              <a:endParaRPr lang="pt-BR" b="1" dirty="0"/>
+            </a:p>
+          </p:txBody>
+        </p:sp>
+      </p:grpSp>
+      <mc:AlternateContent xmlns:mc="http://schemas.openxmlformats.org/markup-compatibility/2006">
+        <mc:Choice xmlns:a14="http://schemas.microsoft.com/office/drawing/2010/main" Requires="a14">
+          <p:sp>
+            <p:nvSpPr>
+              <p:cNvPr id="56" name="CaixaDeTexto 55"/>
+              <p:cNvSpPr txBox="1"/>
+              <p:nvPr/>
+            </p:nvSpPr>
+            <p:spPr>
+              <a:xfrm>
+                <a:off x="5352480" y="97011"/>
+                <a:ext cx="2108269" cy="5262979"/>
+              </a:xfrm>
+              <a:prstGeom prst="rect">
+                <a:avLst/>
+              </a:prstGeom>
+              <a:noFill/>
+            </p:spPr>
+            <p:txBody>
+              <a:bodyPr wrap="none" numCol="1" rtlCol="0">
+                <a:spAutoFit/>
+              </a:bodyPr>
+              <a:lstStyle/>
+              <a:p>
+                <a:pPr algn="ctr"/>
+                <a:r>
+                  <a:rPr lang="pt-BR" sz="1400" b="1" dirty="0" smtClean="0"/>
+                  <a:t>Calculando o Saldo</a:t>
+                </a:r>
+              </a:p>
+              <a:p>
+                <a:r>
+                  <a:rPr lang="pt-BR" sz="1400" dirty="0" smtClean="0"/>
+                  <a:t>100.000 CHS [</a:t>
+                </a:r>
+                <a:r>
+                  <a:rPr lang="pt-BR" sz="1400" dirty="0" err="1" smtClean="0"/>
+                  <a:t>Enter</a:t>
+                </a:r>
+                <a:r>
+                  <a:rPr lang="pt-BR" sz="1400" dirty="0" smtClean="0"/>
+                  <a:t>]</a:t>
+                </a:r>
+              </a:p>
+              <a:p>
+                <a:r>
+                  <a:rPr lang="pt-BR" sz="1400" dirty="0" smtClean="0"/>
+                  <a:t>38.000 CHS FV</a:t>
+                </a:r>
+              </a:p>
+              <a:p>
+                <a:r>
+                  <a:rPr lang="pt-BR" sz="1400" dirty="0" smtClean="0"/>
+                  <a:t>10 i</a:t>
+                </a:r>
+              </a:p>
+              <a:p>
+                <a:r>
+                  <a:rPr lang="pt-BR" sz="1400" dirty="0" smtClean="0"/>
+                  <a:t>1 n</a:t>
+                </a:r>
+              </a:p>
+              <a:p>
+                <a:r>
+                  <a:rPr lang="pt-BR" sz="1400" dirty="0" smtClean="0"/>
+                  <a:t>PV	</a:t>
+                </a:r>
+                <a:r>
+                  <a:rPr lang="pt-BR" sz="1400" dirty="0" smtClean="0">
+                    <a:sym typeface="Wingdings" pitchFamily="2" charset="2"/>
+                  </a:rPr>
+                  <a:t> 34.545,45</a:t>
+                </a:r>
+              </a:p>
+              <a:p>
+                <a:r>
+                  <a:rPr lang="pt-BR" sz="1400" dirty="0" smtClean="0">
+                    <a:sym typeface="Wingdings" pitchFamily="2" charset="2"/>
+                  </a:rPr>
+                  <a:t>+	 -65.454,55</a:t>
+                </a:r>
+                <a:endParaRPr lang="pt-BR" sz="1400" dirty="0" smtClean="0"/>
+              </a:p>
+              <a:p>
+                <a:r>
+                  <a:rPr lang="pt-BR" sz="1400" dirty="0" smtClean="0"/>
+                  <a:t>2 n</a:t>
+                </a:r>
+              </a:p>
+              <a:p>
+                <a:r>
+                  <a:rPr lang="pt-BR" sz="1400" dirty="0" smtClean="0"/>
+                  <a:t>PV	</a:t>
+                </a:r>
+                <a:r>
+                  <a:rPr lang="pt-BR" sz="1400" dirty="0" smtClean="0">
+                    <a:sym typeface="Wingdings" pitchFamily="2" charset="2"/>
+                  </a:rPr>
+                  <a:t> 31.404,96</a:t>
+                </a:r>
+              </a:p>
+              <a:p>
+                <a:r>
+                  <a:rPr lang="pt-BR" sz="1400" dirty="0" smtClean="0">
+                    <a:sym typeface="Wingdings" pitchFamily="2" charset="2"/>
+                  </a:rPr>
+                  <a:t>+	 -34.049,59</a:t>
+                </a:r>
+              </a:p>
+              <a:p>
+                <a:r>
+                  <a:rPr lang="pt-BR" sz="1400" dirty="0" smtClean="0"/>
+                  <a:t>3 </a:t>
+                </a:r>
+                <a:r>
+                  <a:rPr lang="pt-BR" sz="1400" dirty="0"/>
+                  <a:t>n</a:t>
+                </a:r>
+              </a:p>
+              <a:p>
+                <a:r>
+                  <a:rPr lang="pt-BR" sz="1400" dirty="0"/>
+                  <a:t>PV	</a:t>
+                </a:r>
+                <a:r>
+                  <a:rPr lang="pt-BR" sz="1400" dirty="0">
+                    <a:sym typeface="Wingdings" pitchFamily="2" charset="2"/>
+                  </a:rPr>
+                  <a:t> </a:t>
+                </a:r>
+                <a:r>
+                  <a:rPr lang="pt-BR" sz="1400" dirty="0" smtClean="0">
+                    <a:sym typeface="Wingdings" pitchFamily="2" charset="2"/>
+                  </a:rPr>
+                  <a:t>28.549,96</a:t>
+                </a:r>
+                <a:endParaRPr lang="pt-BR" sz="1400" dirty="0">
+                  <a:sym typeface="Wingdings" pitchFamily="2" charset="2"/>
+                </a:endParaRPr>
+              </a:p>
+              <a:p>
+                <a:r>
+                  <a:rPr lang="pt-BR" sz="1400" dirty="0">
+                    <a:sym typeface="Wingdings" pitchFamily="2" charset="2"/>
+                  </a:rPr>
+                  <a:t>+	 </a:t>
+                </a:r>
+                <a:r>
+                  <a:rPr lang="pt-BR" sz="1400" dirty="0" smtClean="0">
+                    <a:sym typeface="Wingdings" pitchFamily="2" charset="2"/>
+                  </a:rPr>
+                  <a:t>-5.499,62</a:t>
+                </a:r>
+              </a:p>
+              <a:p>
+                <a:r>
+                  <a:rPr lang="pt-BR" sz="1400" dirty="0" smtClean="0">
+                    <a:sym typeface="Wingdings" pitchFamily="2" charset="2"/>
+                  </a:rPr>
+                  <a:t>4 n</a:t>
+                </a:r>
+              </a:p>
+              <a:p>
+                <a:r>
+                  <a:rPr lang="pt-BR" sz="1400" dirty="0" smtClean="0">
+                    <a:sym typeface="Wingdings" pitchFamily="2" charset="2"/>
+                  </a:rPr>
+                  <a:t>PV	 25.954,51</a:t>
+                </a:r>
+              </a:p>
+              <a:p>
+                <a:r>
+                  <a:rPr lang="pt-BR" sz="1400" dirty="0" smtClean="0">
+                    <a:sym typeface="Wingdings" pitchFamily="2" charset="2"/>
+                  </a:rPr>
+                  <a:t>+	 20.454,89</a:t>
+                </a:r>
+              </a:p>
+              <a:p>
+                <a:pPr algn="ctr"/>
+                <a:endParaRPr lang="pt-BR" sz="1400" b="1" dirty="0" smtClean="0"/>
+              </a:p>
+              <a:p>
+                <a:pPr algn="ctr"/>
+                <a:r>
+                  <a:rPr lang="pt-BR" sz="1400" b="1" dirty="0" smtClean="0"/>
+                  <a:t>Calculando </a:t>
+                </a:r>
+                <a:r>
+                  <a:rPr lang="pt-BR" sz="1400" b="1" dirty="0"/>
+                  <a:t>o </a:t>
+                </a:r>
+                <a:r>
+                  <a:rPr lang="pt-BR" sz="1400" b="1" dirty="0" err="1" smtClean="0"/>
+                  <a:t>Payback</a:t>
+                </a:r>
+                <a:endParaRPr lang="pt-BR" sz="1400" b="1" dirty="0" smtClean="0"/>
+              </a:p>
+              <a:p>
+                <a:r>
+                  <a:rPr lang="pt-BR" sz="1400" dirty="0" smtClean="0"/>
+                  <a:t>3 [ </a:t>
+                </a:r>
+                <a:r>
+                  <a:rPr lang="pt-BR" sz="1400" dirty="0" err="1" smtClean="0"/>
+                  <a:t>Enter</a:t>
+                </a:r>
+                <a:r>
+                  <a:rPr lang="pt-BR" sz="1400" dirty="0" smtClean="0"/>
+                  <a:t>]</a:t>
+                </a:r>
+              </a:p>
+              <a:p>
+                <a:r>
+                  <a:rPr lang="pt-BR" sz="1400" dirty="0" smtClean="0"/>
+                  <a:t>5.499,62 [ </a:t>
+                </a:r>
+                <a:r>
+                  <a:rPr lang="pt-BR" sz="1400" dirty="0" err="1" smtClean="0"/>
+                  <a:t>Enter</a:t>
+                </a:r>
+                <a:r>
+                  <a:rPr lang="pt-BR" sz="1400" dirty="0" smtClean="0"/>
+                  <a:t>]</a:t>
+                </a:r>
+              </a:p>
+              <a:p>
+                <a:r>
+                  <a:rPr lang="pt-BR" sz="1400" dirty="0">
+                    <a:sym typeface="Wingdings" pitchFamily="2" charset="2"/>
+                  </a:rPr>
+                  <a:t>25.954,51</a:t>
+                </a:r>
+                <a:r>
+                  <a:rPr lang="pt-BR" sz="1400" dirty="0" smtClean="0"/>
+                  <a:t> </a:t>
+                </a:r>
+                <a14:m>
+                  <m:oMath xmlns:m="http://schemas.openxmlformats.org/officeDocument/2006/math">
+                    <m:r>
+                      <a:rPr lang="pt-BR" sz="1400" i="1">
+                        <a:latin typeface="Cambria Math"/>
+                        <a:ea typeface="Cambria Math"/>
+                      </a:rPr>
+                      <m:t>÷</m:t>
+                    </m:r>
+                  </m:oMath>
+                </a14:m>
+                <a:endParaRPr lang="pt-BR" sz="1400" dirty="0">
+                  <a:ea typeface="Cambria Math"/>
+                </a:endParaRPr>
+              </a:p>
+              <a:p>
+                <a:r>
+                  <a:rPr lang="pt-BR" sz="1400" dirty="0" smtClean="0"/>
+                  <a:t>+	</a:t>
+                </a:r>
+                <a:r>
+                  <a:rPr lang="pt-BR" sz="1400" dirty="0" smtClean="0">
+                    <a:sym typeface="Wingdings" pitchFamily="2" charset="2"/>
+                  </a:rPr>
+                  <a:t> </a:t>
+                </a:r>
+                <a:r>
+                  <a:rPr lang="pt-BR" sz="1400" u="sng" dirty="0" smtClean="0">
+                    <a:sym typeface="Wingdings" pitchFamily="2" charset="2"/>
+                  </a:rPr>
+                  <a:t>3,21 anos</a:t>
+                </a:r>
+                <a:endParaRPr lang="pt-BR" sz="1400" u="sng" dirty="0" smtClean="0"/>
+              </a:p>
+              <a:p>
+                <a:endParaRPr lang="pt-BR" sz="1400" dirty="0"/>
+              </a:p>
+              <a:p>
+                <a:endParaRPr lang="pt-BR" sz="1400" dirty="0" smtClean="0"/>
+              </a:p>
+            </p:txBody>
+          </p:sp>
+        </mc:Choice>
+        <mc:Fallback>
+          <p:sp>
+            <p:nvSpPr>
+              <p:cNvPr id="56" name="CaixaDeTexto 55"/>
+              <p:cNvSpPr txBox="1">
+                <a:spLocks noRot="1" noChangeAspect="1" noMove="1" noResize="1" noEditPoints="1" noAdjustHandles="1" noChangeArrowheads="1" noChangeShapeType="1" noTextEdit="1"/>
+              </p:cNvSpPr>
+              <p:nvPr/>
+            </p:nvSpPr>
+            <p:spPr>
+              <a:xfrm>
+                <a:off x="5352480" y="97011"/>
+                <a:ext cx="2108269" cy="5262979"/>
+              </a:xfrm>
+              <a:prstGeom prst="rect">
+                <a:avLst/>
+              </a:prstGeom>
+              <a:blipFill rotWithShape="1">
+                <a:blip r:embed="rId2"/>
+                <a:stretch>
+                  <a:fillRect l="-578" t="-116" r="-289"/>
+                </a:stretch>
+              </a:blipFill>
+            </p:spPr>
+            <p:txBody>
+              <a:bodyPr/>
+              <a:lstStyle/>
+              <a:p>
+                <a:r>
+                  <a:rPr lang="pt-BR">
+                    <a:noFill/>
+                  </a:rPr>
+                  <a:t> </a:t>
+                </a:r>
+              </a:p>
+            </p:txBody>
+          </p:sp>
+        </mc:Fallback>
+      </mc:AlternateContent>
+      <p:sp>
+        <p:nvSpPr>
+          <p:cNvPr id="58" name="CaixaDeTexto 57"/>
+          <p:cNvSpPr txBox="1"/>
+          <p:nvPr/>
+        </p:nvSpPr>
+        <p:spPr>
+          <a:xfrm>
+            <a:off x="7926415" y="6467986"/>
+            <a:ext cx="1206869" cy="369332"/>
+          </a:xfrm>
+          <a:prstGeom prst="rect">
+            <a:avLst/>
+          </a:prstGeom>
+          <a:noFill/>
+        </p:spPr>
+        <p:txBody>
+          <a:bodyPr wrap="none" rtlCol="0">
+            <a:spAutoFit/>
+          </a:bodyPr>
+          <a:lstStyle/>
+          <a:p>
+            <a:r>
+              <a:rPr lang="pt-BR" dirty="0" smtClean="0">
+                <a:solidFill>
+                  <a:schemeClr val="tx2">
+                    <a:lumMod val="75000"/>
+                  </a:schemeClr>
+                </a:solidFill>
+              </a:rPr>
+              <a:t>Continua...</a:t>
+            </a:r>
+            <a:endParaRPr lang="pt-BR" dirty="0">
+              <a:solidFill>
+                <a:schemeClr val="tx2">
+                  <a:lumMod val="75000"/>
+                </a:schemeClr>
+              </a:solidFill>
+            </a:endParaRPr>
+          </a:p>
+        </p:txBody>
+      </p:sp>
+    </p:spTree>
+    <p:extLst>
+      <p:ext uri="{BB962C8B-B14F-4D97-AF65-F5344CB8AC3E}">
+        <p14:creationId xmlns:p14="http://schemas.microsoft.com/office/powerpoint/2010/main" val="1917822466"/>
+      </p:ext>
+    </p:extLst>
+  </p:cSld>
+  <p:clrMapOvr>
+    <a:masterClrMapping/>
+  </p:clrMapOvr>
+</p:sld>
+</file>
+
+<file path=ppt/slides/slide39.xml><?xml version="1.0" encoding="utf-8"?>
+<p:sld xmlns:a="http://schemas.openxmlformats.org/drawingml/2006/main" xmlns:r="http://schemas.openxmlformats.org/officeDocument/2006/relationships" xmlns:p="http://schemas.openxmlformats.org/presentationml/2006/main">
+  <p:cSld>
+    <p:spTree>
+      <p:nvGrpSpPr>
+        <p:cNvPr id="1" name=""/>
+        <p:cNvGrpSpPr/>
+        <p:nvPr/>
+      </p:nvGrpSpPr>
+      <p:grpSpPr>
+        <a:xfrm>
+          <a:off x="0" y="0"/>
+          <a:ext cx="0" cy="0"/>
+          <a:chOff x="0" y="0"/>
+          <a:chExt cx="0" cy="0"/>
+        </a:xfrm>
+      </p:grpSpPr>
       <p:graphicFrame>
         <p:nvGraphicFramePr>
           <p:cNvPr id="4" name="Tabela 3"/>
@@ -27746,13 +31449,13 @@
           <p:nvPr>
             <p:extLst>
               <p:ext uri="{D42A27DB-BD31-4B8C-83A1-F6EECF244321}">
-                <p14:modId xmlns:p14="http://schemas.microsoft.com/office/powerpoint/2010/main" val="710886536"/>
+                <p14:modId xmlns:p14="http://schemas.microsoft.com/office/powerpoint/2010/main" val="2135457112"/>
               </p:ext>
             </p:extLst>
           </p:nvPr>
         </p:nvGraphicFramePr>
         <p:xfrm>
-          <a:off x="530996" y="1206044"/>
+          <a:off x="2187180" y="1554186"/>
           <a:ext cx="5481164" cy="2433320"/>
         </p:xfrm>
         <a:graphic>
@@ -27852,11 +31555,7 @@
                       <a:pPr algn="r"/>
                       <a:r>
                         <a:rPr lang="pt-BR" sz="1600" dirty="0" smtClean="0"/>
-                        <a:t>(100.000,00</a:t>
-                      </a:r>
-                      <a:r>
-                        <a:rPr lang="pt-BR" sz="1600" dirty="0" smtClean="0"/>
-                        <a:t>)</a:t>
+                        <a:t>(100.000,00)</a:t>
                       </a:r>
                       <a:endParaRPr lang="pt-BR" sz="1600" dirty="0"/>
                     </a:p>
@@ -27996,7 +31695,6 @@
                         <a:rPr lang="pt-BR" sz="1600" dirty="0" smtClean="0"/>
                         <a:t>38.000,00</a:t>
                       </a:r>
-                      <a:endParaRPr lang="pt-BR" sz="1600" dirty="0" smtClean="0"/>
                     </a:p>
                   </a:txBody>
                   <a:tcPr/>
@@ -28073,7 +31771,6 @@
                         <a:rPr lang="pt-BR" sz="1600" dirty="0" smtClean="0"/>
                         <a:t>38.000,00</a:t>
                       </a:r>
-                      <a:endParaRPr lang="pt-BR" sz="1600" dirty="0" smtClean="0"/>
                     </a:p>
                   </a:txBody>
                   <a:tcPr/>
@@ -28134,7 +31831,6 @@
                         <a:rPr lang="pt-BR" sz="1600" dirty="0" smtClean="0"/>
                         <a:t>38.000,00</a:t>
                       </a:r>
-                      <a:endParaRPr lang="pt-BR" sz="1600" dirty="0" smtClean="0"/>
                     </a:p>
                   </a:txBody>
                   <a:tcPr/>
@@ -28182,7 +31878,7 @@
         </p:nvSpPr>
         <p:spPr>
           <a:xfrm>
-            <a:off x="1259632" y="836712"/>
+            <a:off x="2915816" y="1184854"/>
             <a:ext cx="1497269" cy="369332"/>
           </a:xfrm>
           <a:prstGeom prst="rect">
@@ -28212,7 +31908,7 @@
         </p:nvSpPr>
         <p:spPr>
           <a:xfrm>
-            <a:off x="547550" y="3702796"/>
+            <a:off x="2203734" y="4050938"/>
             <a:ext cx="1649811" cy="1754326"/>
           </a:xfrm>
           <a:prstGeom prst="rect">
@@ -28346,6 +32042,58 @@
           </a:p>
           <a:p>
             <a:endParaRPr lang="pt-BR" dirty="0"/>
+          </a:p>
+        </p:txBody>
+      </p:sp>
+      <p:sp>
+        <p:nvSpPr>
+          <p:cNvPr id="6" name="Elipse 5"/>
+          <p:cNvSpPr/>
+          <p:nvPr/>
+        </p:nvSpPr>
+        <p:spPr>
+          <a:xfrm>
+            <a:off x="107504" y="44624"/>
+            <a:ext cx="1296144" cy="1161420"/>
+          </a:xfrm>
+          <a:prstGeom prst="ellipse">
+            <a:avLst/>
+          </a:prstGeom>
+        </p:spPr>
+        <p:style>
+          <a:lnRef idx="2">
+            <a:schemeClr val="accent1">
+              <a:shade val="50000"/>
+            </a:schemeClr>
+          </a:lnRef>
+          <a:fillRef idx="1">
+            <a:schemeClr val="accent1"/>
+          </a:fillRef>
+          <a:effectRef idx="0">
+            <a:schemeClr val="accent1"/>
+          </a:effectRef>
+          <a:fontRef idx="minor">
+            <a:schemeClr val="lt1"/>
+          </a:fontRef>
+        </p:style>
+        <p:txBody>
+          <a:bodyPr rtlCol="0" anchor="ctr"/>
+          <a:lstStyle/>
+          <a:p>
+            <a:pPr algn="ctr"/>
+            <a:r>
+              <a:rPr lang="pt-BR" dirty="0" smtClean="0"/>
+              <a:t>2</a:t>
+            </a:r>
+            <a:endParaRPr lang="pt-BR" dirty="0" smtClean="0"/>
+          </a:p>
+          <a:p>
+            <a:pPr algn="ctr"/>
+            <a:r>
+              <a:rPr lang="pt-BR" sz="1100" dirty="0" smtClean="0"/>
+              <a:t>continuação</a:t>
+            </a:r>
+            <a:endParaRPr lang="pt-BR" sz="1100" dirty="0"/>
           </a:p>
         </p:txBody>
       </p:sp>
@@ -29413,6 +33161,4734 @@
     <p:extLst>
       <p:ext uri="{BB962C8B-B14F-4D97-AF65-F5344CB8AC3E}">
         <p14:creationId xmlns:p14="http://schemas.microsoft.com/office/powerpoint/2010/main" val="644280362"/>
+      </p:ext>
+    </p:extLst>
+  </p:cSld>
+  <p:clrMapOvr>
+    <a:masterClrMapping/>
+  </p:clrMapOvr>
+</p:sld>
+</file>
+
+<file path=ppt/slides/slide40.xml><?xml version="1.0" encoding="utf-8"?>
+<p:sld xmlns:a="http://schemas.openxmlformats.org/drawingml/2006/main" xmlns:r="http://schemas.openxmlformats.org/officeDocument/2006/relationships" xmlns:p="http://schemas.openxmlformats.org/presentationml/2006/main">
+  <p:cSld>
+    <p:spTree>
+      <p:nvGrpSpPr>
+        <p:cNvPr id="1" name=""/>
+        <p:cNvGrpSpPr/>
+        <p:nvPr/>
+      </p:nvGrpSpPr>
+      <p:grpSpPr>
+        <a:xfrm>
+          <a:off x="0" y="0"/>
+          <a:ext cx="0" cy="0"/>
+          <a:chOff x="0" y="0"/>
+          <a:chExt cx="0" cy="0"/>
+        </a:xfrm>
+      </p:grpSpPr>
+      <p:sp>
+        <p:nvSpPr>
+          <p:cNvPr id="2" name="Elipse 1"/>
+          <p:cNvSpPr/>
+          <p:nvPr/>
+        </p:nvSpPr>
+        <p:spPr>
+          <a:xfrm>
+            <a:off x="107504" y="44624"/>
+            <a:ext cx="821770" cy="792088"/>
+          </a:xfrm>
+          <a:prstGeom prst="ellipse">
+            <a:avLst/>
+          </a:prstGeom>
+        </p:spPr>
+        <p:style>
+          <a:lnRef idx="2">
+            <a:schemeClr val="accent1">
+              <a:shade val="50000"/>
+            </a:schemeClr>
+          </a:lnRef>
+          <a:fillRef idx="1">
+            <a:schemeClr val="accent1"/>
+          </a:fillRef>
+          <a:effectRef idx="0">
+            <a:schemeClr val="accent1"/>
+          </a:effectRef>
+          <a:fontRef idx="minor">
+            <a:schemeClr val="lt1"/>
+          </a:fontRef>
+        </p:style>
+        <p:txBody>
+          <a:bodyPr rtlCol="0" anchor="ctr"/>
+          <a:lstStyle/>
+          <a:p>
+            <a:pPr algn="ctr"/>
+            <a:r>
+              <a:rPr lang="pt-BR" dirty="0" smtClean="0"/>
+              <a:t>3</a:t>
+            </a:r>
+            <a:endParaRPr lang="pt-BR" dirty="0" smtClean="0"/>
+          </a:p>
+        </p:txBody>
+      </p:sp>
+      <p:sp>
+        <p:nvSpPr>
+          <p:cNvPr id="56" name="CaixaDeTexto 55"/>
+          <p:cNvSpPr txBox="1"/>
+          <p:nvPr/>
+        </p:nvSpPr>
+        <p:spPr>
+          <a:xfrm>
+            <a:off x="130494" y="1268760"/>
+            <a:ext cx="3127779" cy="3877985"/>
+          </a:xfrm>
+          <a:prstGeom prst="rect">
+            <a:avLst/>
+          </a:prstGeom>
+          <a:noFill/>
+        </p:spPr>
+        <p:txBody>
+          <a:bodyPr wrap="none" numCol="1" rtlCol="0">
+            <a:spAutoFit/>
+          </a:bodyPr>
+          <a:lstStyle/>
+          <a:p>
+            <a:pPr algn="ctr"/>
+            <a:r>
+              <a:rPr lang="pt-BR" b="1" dirty="0" smtClean="0"/>
+              <a:t>Calculando o VPL</a:t>
+            </a:r>
+          </a:p>
+          <a:p>
+            <a:pPr algn="just"/>
+            <a:r>
+              <a:rPr lang="pt-BR" dirty="0" smtClean="0"/>
+              <a:t>15 i</a:t>
+            </a:r>
+          </a:p>
+          <a:p>
+            <a:pPr algn="just"/>
+            <a:r>
+              <a:rPr lang="pt-BR" dirty="0" smtClean="0"/>
+              <a:t>15.000 CHS g CF</a:t>
+            </a:r>
+            <a:r>
+              <a:rPr lang="pt-BR" baseline="-25000" dirty="0" smtClean="0"/>
+              <a:t>0</a:t>
+            </a:r>
+            <a:endParaRPr lang="pt-BR" dirty="0" smtClean="0"/>
+          </a:p>
+          <a:p>
+            <a:pPr algn="just"/>
+            <a:r>
+              <a:rPr lang="pt-BR" dirty="0" smtClean="0"/>
+              <a:t>6.000 g </a:t>
+            </a:r>
+            <a:r>
+              <a:rPr lang="pt-BR" dirty="0" err="1" smtClean="0"/>
+              <a:t>CFj</a:t>
+            </a:r>
+            <a:endParaRPr lang="pt-BR" dirty="0" smtClean="0"/>
+          </a:p>
+          <a:p>
+            <a:pPr algn="just"/>
+            <a:r>
+              <a:rPr lang="pt-BR" dirty="0" smtClean="0"/>
+              <a:t>3 </a:t>
+            </a:r>
+            <a:r>
+              <a:rPr lang="pt-BR" dirty="0" err="1" smtClean="0"/>
+              <a:t>gN</a:t>
+            </a:r>
+            <a:r>
+              <a:rPr lang="pt-BR" baseline="-25000" dirty="0" err="1" smtClean="0"/>
+              <a:t>j</a:t>
+            </a:r>
+            <a:endParaRPr lang="pt-BR" baseline="-25000" dirty="0" smtClean="0"/>
+          </a:p>
+          <a:p>
+            <a:pPr algn="just"/>
+            <a:r>
+              <a:rPr lang="pt-BR" dirty="0" smtClean="0"/>
+              <a:t>5.000 </a:t>
+            </a:r>
+            <a:r>
+              <a:rPr lang="pt-BR" dirty="0"/>
+              <a:t>g </a:t>
+            </a:r>
+            <a:r>
+              <a:rPr lang="pt-BR" dirty="0" err="1"/>
+              <a:t>CFj</a:t>
+            </a:r>
+            <a:endParaRPr lang="pt-BR" dirty="0"/>
+          </a:p>
+          <a:p>
+            <a:pPr algn="just"/>
+            <a:r>
+              <a:rPr lang="pt-BR" dirty="0" smtClean="0"/>
+              <a:t>0 </a:t>
+            </a:r>
+            <a:r>
+              <a:rPr lang="pt-BR" dirty="0"/>
+              <a:t>g </a:t>
+            </a:r>
+            <a:r>
+              <a:rPr lang="pt-BR" dirty="0" err="1"/>
+              <a:t>CFj</a:t>
+            </a:r>
+            <a:endParaRPr lang="pt-BR" dirty="0"/>
+          </a:p>
+          <a:p>
+            <a:pPr algn="just"/>
+            <a:r>
+              <a:rPr lang="pt-BR" dirty="0"/>
+              <a:t>5.000 g </a:t>
+            </a:r>
+            <a:r>
+              <a:rPr lang="pt-BR" dirty="0" err="1"/>
+              <a:t>CFj</a:t>
+            </a:r>
+            <a:endParaRPr lang="pt-BR" dirty="0"/>
+          </a:p>
+          <a:p>
+            <a:pPr algn="just"/>
+            <a:r>
+              <a:rPr lang="pt-BR" dirty="0" smtClean="0"/>
+              <a:t>f NPV		</a:t>
+            </a:r>
+            <a:r>
+              <a:rPr lang="pt-BR" dirty="0" smtClean="0">
+                <a:sym typeface="Wingdings" pitchFamily="2" charset="2"/>
+              </a:rPr>
+              <a:t> </a:t>
+            </a:r>
+            <a:r>
+              <a:rPr lang="pt-BR" u="sng" dirty="0" smtClean="0">
+                <a:sym typeface="Wingdings" pitchFamily="2" charset="2"/>
+              </a:rPr>
+              <a:t>3.719,75</a:t>
+            </a:r>
+            <a:endParaRPr lang="pt-BR" u="sng" dirty="0" smtClean="0"/>
+          </a:p>
+          <a:p>
+            <a:pPr algn="just"/>
+            <a:endParaRPr lang="pt-BR" baseline="-25000" dirty="0" smtClean="0"/>
+          </a:p>
+          <a:p>
+            <a:pPr algn="ctr"/>
+            <a:r>
+              <a:rPr lang="pt-BR" b="1" dirty="0" smtClean="0"/>
+              <a:t>Calculando a TIR</a:t>
+            </a:r>
+          </a:p>
+          <a:p>
+            <a:r>
+              <a:rPr lang="pt-BR" dirty="0" smtClean="0"/>
+              <a:t>f IRR	</a:t>
+            </a:r>
+            <a:r>
+              <a:rPr lang="pt-BR" dirty="0" smtClean="0">
+                <a:sym typeface="Wingdings" pitchFamily="2" charset="2"/>
+              </a:rPr>
+              <a:t> </a:t>
+            </a:r>
+            <a:r>
+              <a:rPr lang="pt-BR" u="sng" dirty="0" smtClean="0">
+                <a:sym typeface="Wingdings" pitchFamily="2" charset="2"/>
+              </a:rPr>
+              <a:t>25, 24 % a.a.</a:t>
+            </a:r>
+            <a:endParaRPr lang="pt-BR" u="sng" dirty="0" smtClean="0"/>
+          </a:p>
+          <a:p>
+            <a:endParaRPr lang="pt-BR" dirty="0"/>
+          </a:p>
+          <a:p>
+            <a:endParaRPr lang="pt-BR" dirty="0" smtClean="0"/>
+          </a:p>
+        </p:txBody>
+      </p:sp>
+      <p:sp>
+        <p:nvSpPr>
+          <p:cNvPr id="58" name="CaixaDeTexto 57"/>
+          <p:cNvSpPr txBox="1"/>
+          <p:nvPr/>
+        </p:nvSpPr>
+        <p:spPr>
+          <a:xfrm>
+            <a:off x="7926415" y="6467986"/>
+            <a:ext cx="1206869" cy="369332"/>
+          </a:xfrm>
+          <a:prstGeom prst="rect">
+            <a:avLst/>
+          </a:prstGeom>
+          <a:noFill/>
+        </p:spPr>
+        <p:txBody>
+          <a:bodyPr wrap="none" rtlCol="0">
+            <a:spAutoFit/>
+          </a:bodyPr>
+          <a:lstStyle/>
+          <a:p>
+            <a:r>
+              <a:rPr lang="pt-BR" dirty="0" smtClean="0">
+                <a:solidFill>
+                  <a:schemeClr val="tx2">
+                    <a:lumMod val="75000"/>
+                  </a:schemeClr>
+                </a:solidFill>
+              </a:rPr>
+              <a:t>Continua...</a:t>
+            </a:r>
+            <a:endParaRPr lang="pt-BR" dirty="0">
+              <a:solidFill>
+                <a:schemeClr val="tx2">
+                  <a:lumMod val="75000"/>
+                </a:schemeClr>
+              </a:solidFill>
+            </a:endParaRPr>
+          </a:p>
+        </p:txBody>
+      </p:sp>
+      <p:sp>
+        <p:nvSpPr>
+          <p:cNvPr id="40" name="CaixaDeTexto 39"/>
+          <p:cNvSpPr txBox="1"/>
+          <p:nvPr/>
+        </p:nvSpPr>
+        <p:spPr>
+          <a:xfrm>
+            <a:off x="4283968" y="1340171"/>
+            <a:ext cx="4140877" cy="1200329"/>
+          </a:xfrm>
+          <a:prstGeom prst="rect">
+            <a:avLst/>
+          </a:prstGeom>
+          <a:noFill/>
+        </p:spPr>
+        <p:txBody>
+          <a:bodyPr wrap="none" numCol="1" rtlCol="0">
+            <a:spAutoFit/>
+          </a:bodyPr>
+          <a:lstStyle/>
+          <a:p>
+            <a:pPr algn="ctr"/>
+            <a:r>
+              <a:rPr lang="pt-BR" b="1" dirty="0" smtClean="0"/>
+              <a:t>Conclusões</a:t>
+            </a:r>
+          </a:p>
+          <a:p>
+            <a:pPr algn="just"/>
+            <a:r>
+              <a:rPr lang="pt-BR" dirty="0" smtClean="0"/>
+              <a:t>Projeto é atraente, pois: </a:t>
+            </a:r>
+          </a:p>
+          <a:p>
+            <a:pPr marL="285750" indent="-285750" algn="just">
+              <a:buFont typeface="Arial" pitchFamily="34" charset="0"/>
+              <a:buChar char="•"/>
+            </a:pPr>
+            <a:r>
+              <a:rPr lang="pt-BR" dirty="0" smtClean="0"/>
+              <a:t>VPL é maior que 0 (zero)</a:t>
+            </a:r>
+          </a:p>
+          <a:p>
+            <a:pPr marL="285750" indent="-285750" algn="just">
+              <a:buFont typeface="Arial" pitchFamily="34" charset="0"/>
+              <a:buChar char="•"/>
+            </a:pPr>
+            <a:r>
+              <a:rPr lang="pt-BR" dirty="0" smtClean="0"/>
+              <a:t>TIR  (25,24%) é maior que a TMA (15%)</a:t>
+            </a:r>
+          </a:p>
+        </p:txBody>
+      </p:sp>
+    </p:spTree>
+    <p:extLst>
+      <p:ext uri="{BB962C8B-B14F-4D97-AF65-F5344CB8AC3E}">
+        <p14:creationId xmlns:p14="http://schemas.microsoft.com/office/powerpoint/2010/main" val="1383330733"/>
+      </p:ext>
+    </p:extLst>
+  </p:cSld>
+  <p:clrMapOvr>
+    <a:masterClrMapping/>
+  </p:clrMapOvr>
+</p:sld>
+</file>
+
+<file path=ppt/slides/slide41.xml><?xml version="1.0" encoding="utf-8"?>
+<p:sld xmlns:a="http://schemas.openxmlformats.org/drawingml/2006/main" xmlns:r="http://schemas.openxmlformats.org/officeDocument/2006/relationships" xmlns:p="http://schemas.openxmlformats.org/presentationml/2006/main">
+  <p:cSld>
+    <p:spTree>
+      <p:nvGrpSpPr>
+        <p:cNvPr id="1" name=""/>
+        <p:cNvGrpSpPr/>
+        <p:nvPr/>
+      </p:nvGrpSpPr>
+      <p:grpSpPr>
+        <a:xfrm>
+          <a:off x="0" y="0"/>
+          <a:ext cx="0" cy="0"/>
+          <a:chOff x="0" y="0"/>
+          <a:chExt cx="0" cy="0"/>
+        </a:xfrm>
+      </p:grpSpPr>
+      <p:sp>
+        <p:nvSpPr>
+          <p:cNvPr id="2" name="Elipse 1"/>
+          <p:cNvSpPr/>
+          <p:nvPr/>
+        </p:nvSpPr>
+        <p:spPr>
+          <a:xfrm>
+            <a:off x="107504" y="44624"/>
+            <a:ext cx="821770" cy="792088"/>
+          </a:xfrm>
+          <a:prstGeom prst="ellipse">
+            <a:avLst/>
+          </a:prstGeom>
+        </p:spPr>
+        <p:style>
+          <a:lnRef idx="2">
+            <a:schemeClr val="accent1">
+              <a:shade val="50000"/>
+            </a:schemeClr>
+          </a:lnRef>
+          <a:fillRef idx="1">
+            <a:schemeClr val="accent1"/>
+          </a:fillRef>
+          <a:effectRef idx="0">
+            <a:schemeClr val="accent1"/>
+          </a:effectRef>
+          <a:fontRef idx="minor">
+            <a:schemeClr val="lt1"/>
+          </a:fontRef>
+        </p:style>
+        <p:txBody>
+          <a:bodyPr rtlCol="0" anchor="ctr"/>
+          <a:lstStyle/>
+          <a:p>
+            <a:pPr algn="ctr"/>
+            <a:r>
+              <a:rPr lang="pt-BR" dirty="0" smtClean="0"/>
+              <a:t>4</a:t>
+            </a:r>
+            <a:endParaRPr lang="pt-BR" dirty="0" smtClean="0"/>
+          </a:p>
+        </p:txBody>
+      </p:sp>
+      <p:sp>
+        <p:nvSpPr>
+          <p:cNvPr id="5" name="CaixaDeTexto 4"/>
+          <p:cNvSpPr txBox="1"/>
+          <p:nvPr/>
+        </p:nvSpPr>
+        <p:spPr>
+          <a:xfrm>
+            <a:off x="1050993" y="102114"/>
+            <a:ext cx="1425390" cy="338554"/>
+          </a:xfrm>
+          <a:prstGeom prst="rect">
+            <a:avLst/>
+          </a:prstGeom>
+          <a:noFill/>
+        </p:spPr>
+        <p:txBody>
+          <a:bodyPr wrap="none" rtlCol="0">
+            <a:spAutoFit/>
+          </a:bodyPr>
+          <a:lstStyle/>
+          <a:p>
+            <a:r>
+              <a:rPr lang="pt-BR" sz="1600" dirty="0" smtClean="0"/>
+              <a:t>TMA</a:t>
+            </a:r>
+            <a:r>
+              <a:rPr lang="pt-BR" sz="1600" dirty="0" smtClean="0"/>
+              <a:t>: 12% </a:t>
+            </a:r>
+            <a:r>
+              <a:rPr lang="pt-BR" sz="1600" dirty="0" smtClean="0"/>
+              <a:t>a.a</a:t>
+            </a:r>
+            <a:r>
+              <a:rPr lang="pt-BR" sz="1600" dirty="0" smtClean="0"/>
+              <a:t>. </a:t>
+            </a:r>
+            <a:endParaRPr lang="pt-BR" sz="1600" dirty="0"/>
+          </a:p>
+        </p:txBody>
+      </p:sp>
+      <p:grpSp>
+        <p:nvGrpSpPr>
+          <p:cNvPr id="50" name="Grupo 49"/>
+          <p:cNvGrpSpPr/>
+          <p:nvPr/>
+        </p:nvGrpSpPr>
+        <p:grpSpPr>
+          <a:xfrm>
+            <a:off x="1256999" y="-27384"/>
+            <a:ext cx="3459017" cy="2867749"/>
+            <a:chOff x="2440978" y="573891"/>
+            <a:chExt cx="3459017" cy="2867749"/>
+          </a:xfrm>
+        </p:grpSpPr>
+        <p:cxnSp>
+          <p:nvCxnSpPr>
+            <p:cNvPr id="57" name="Conector de seta reta 56"/>
+            <p:cNvCxnSpPr/>
+            <p:nvPr/>
+          </p:nvCxnSpPr>
+          <p:spPr>
+            <a:xfrm>
+              <a:off x="2857760" y="2057106"/>
+              <a:ext cx="0" cy="1045980"/>
+            </a:xfrm>
+            <a:prstGeom prst="straightConnector1">
+              <a:avLst/>
+            </a:prstGeom>
+            <a:ln w="12700">
+              <a:solidFill>
+                <a:schemeClr val="tx1"/>
+              </a:solidFill>
+              <a:tailEnd type="arrow"/>
+            </a:ln>
+          </p:spPr>
+          <p:style>
+            <a:lnRef idx="1">
+              <a:schemeClr val="accent1"/>
+            </a:lnRef>
+            <a:fillRef idx="0">
+              <a:schemeClr val="accent1"/>
+            </a:fillRef>
+            <a:effectRef idx="0">
+              <a:schemeClr val="accent1"/>
+            </a:effectRef>
+            <a:fontRef idx="minor">
+              <a:schemeClr val="tx1"/>
+            </a:fontRef>
+          </p:style>
+        </p:cxnSp>
+        <p:cxnSp>
+          <p:nvCxnSpPr>
+            <p:cNvPr id="59" name="Conector reto 58"/>
+            <p:cNvCxnSpPr/>
+            <p:nvPr/>
+          </p:nvCxnSpPr>
+          <p:spPr>
+            <a:xfrm flipV="1">
+              <a:off x="2857760" y="2052999"/>
+              <a:ext cx="2932277" cy="4107"/>
+            </a:xfrm>
+            <a:prstGeom prst="line">
+              <a:avLst/>
+            </a:prstGeom>
+            <a:ln w="12700">
+              <a:solidFill>
+                <a:schemeClr val="tx1"/>
+              </a:solidFill>
+            </a:ln>
+          </p:spPr>
+          <p:style>
+            <a:lnRef idx="1">
+              <a:schemeClr val="accent1"/>
+            </a:lnRef>
+            <a:fillRef idx="0">
+              <a:schemeClr val="accent1"/>
+            </a:fillRef>
+            <a:effectRef idx="0">
+              <a:schemeClr val="accent1"/>
+            </a:effectRef>
+            <a:fontRef idx="minor">
+              <a:schemeClr val="tx1"/>
+            </a:fontRef>
+          </p:style>
+        </p:cxnSp>
+        <p:cxnSp>
+          <p:nvCxnSpPr>
+            <p:cNvPr id="60" name="Conector de seta reta 59"/>
+            <p:cNvCxnSpPr/>
+            <p:nvPr/>
+          </p:nvCxnSpPr>
+          <p:spPr>
+            <a:xfrm flipV="1">
+              <a:off x="5790037" y="1308071"/>
+              <a:ext cx="0" cy="744928"/>
+            </a:xfrm>
+            <a:prstGeom prst="straightConnector1">
+              <a:avLst/>
+            </a:prstGeom>
+            <a:ln w="12700">
+              <a:solidFill>
+                <a:schemeClr val="tx1"/>
+              </a:solidFill>
+              <a:tailEnd type="arrow"/>
+            </a:ln>
+          </p:spPr>
+          <p:style>
+            <a:lnRef idx="1">
+              <a:schemeClr val="accent1"/>
+            </a:lnRef>
+            <a:fillRef idx="0">
+              <a:schemeClr val="accent1"/>
+            </a:fillRef>
+            <a:effectRef idx="0">
+              <a:schemeClr val="accent1"/>
+            </a:effectRef>
+            <a:fontRef idx="minor">
+              <a:schemeClr val="tx1"/>
+            </a:fontRef>
+          </p:style>
+        </p:cxnSp>
+        <p:sp>
+          <p:nvSpPr>
+            <p:cNvPr id="61" name="CaixaDeTexto 60"/>
+            <p:cNvSpPr txBox="1"/>
+            <p:nvPr/>
+          </p:nvSpPr>
+          <p:spPr>
+            <a:xfrm>
+              <a:off x="2440978" y="3103086"/>
+              <a:ext cx="1425390" cy="338554"/>
+            </a:xfrm>
+            <a:prstGeom prst="rect">
+              <a:avLst/>
+            </a:prstGeom>
+            <a:noFill/>
+          </p:spPr>
+          <p:txBody>
+            <a:bodyPr wrap="none" rtlCol="0">
+              <a:spAutoFit/>
+            </a:bodyPr>
+            <a:lstStyle/>
+            <a:p>
+              <a:r>
+                <a:rPr lang="pt-BR" sz="1600" dirty="0" smtClean="0"/>
+                <a:t>C = </a:t>
+              </a:r>
+              <a:r>
+                <a:rPr lang="pt-BR" sz="1600" dirty="0" smtClean="0"/>
+                <a:t>250.000,00</a:t>
+              </a:r>
+              <a:endParaRPr lang="pt-BR" sz="1600" dirty="0"/>
+            </a:p>
+          </p:txBody>
+        </p:sp>
+        <p:cxnSp>
+          <p:nvCxnSpPr>
+            <p:cNvPr id="62" name="Conector de seta reta 61"/>
+            <p:cNvCxnSpPr/>
+            <p:nvPr/>
+          </p:nvCxnSpPr>
+          <p:spPr>
+            <a:xfrm flipV="1">
+              <a:off x="4453008" y="1314537"/>
+              <a:ext cx="0" cy="744928"/>
+            </a:xfrm>
+            <a:prstGeom prst="straightConnector1">
+              <a:avLst/>
+            </a:prstGeom>
+            <a:ln w="12700">
+              <a:solidFill>
+                <a:schemeClr val="tx1"/>
+              </a:solidFill>
+              <a:tailEnd type="arrow"/>
+            </a:ln>
+          </p:spPr>
+          <p:style>
+            <a:lnRef idx="1">
+              <a:schemeClr val="accent1"/>
+            </a:lnRef>
+            <a:fillRef idx="0">
+              <a:schemeClr val="accent1"/>
+            </a:fillRef>
+            <a:effectRef idx="0">
+              <a:schemeClr val="accent1"/>
+            </a:effectRef>
+            <a:fontRef idx="minor">
+              <a:schemeClr val="tx1"/>
+            </a:fontRef>
+          </p:style>
+        </p:cxnSp>
+        <p:cxnSp>
+          <p:nvCxnSpPr>
+            <p:cNvPr id="63" name="Conector de seta reta 62"/>
+            <p:cNvCxnSpPr/>
+            <p:nvPr/>
+          </p:nvCxnSpPr>
+          <p:spPr>
+            <a:xfrm flipV="1">
+              <a:off x="3204595" y="1314537"/>
+              <a:ext cx="0" cy="744928"/>
+            </a:xfrm>
+            <a:prstGeom prst="straightConnector1">
+              <a:avLst/>
+            </a:prstGeom>
+            <a:ln w="12700">
+              <a:solidFill>
+                <a:schemeClr val="tx1"/>
+              </a:solidFill>
+              <a:tailEnd type="arrow"/>
+            </a:ln>
+          </p:spPr>
+          <p:style>
+            <a:lnRef idx="1">
+              <a:schemeClr val="accent1"/>
+            </a:lnRef>
+            <a:fillRef idx="0">
+              <a:schemeClr val="accent1"/>
+            </a:fillRef>
+            <a:effectRef idx="0">
+              <a:schemeClr val="accent1"/>
+            </a:effectRef>
+            <a:fontRef idx="minor">
+              <a:schemeClr val="tx1"/>
+            </a:fontRef>
+          </p:style>
+        </p:cxnSp>
+        <p:sp>
+          <p:nvSpPr>
+            <p:cNvPr id="64" name="CaixaDeTexto 63"/>
+            <p:cNvSpPr txBox="1"/>
+            <p:nvPr/>
+          </p:nvSpPr>
+          <p:spPr>
+            <a:xfrm>
+              <a:off x="4047357" y="573891"/>
+              <a:ext cx="1428596" cy="338554"/>
+            </a:xfrm>
+            <a:prstGeom prst="rect">
+              <a:avLst/>
+            </a:prstGeom>
+            <a:noFill/>
+          </p:spPr>
+          <p:txBody>
+            <a:bodyPr wrap="none" rtlCol="0">
+              <a:spAutoFit/>
+            </a:bodyPr>
+            <a:lstStyle/>
+            <a:p>
+              <a:r>
+                <a:rPr lang="pt-BR" sz="1600" dirty="0" smtClean="0"/>
+                <a:t>R </a:t>
+              </a:r>
+              <a:r>
+                <a:rPr lang="pt-BR" sz="1600" dirty="0" smtClean="0"/>
+                <a:t>= </a:t>
+              </a:r>
+              <a:r>
+                <a:rPr lang="pt-BR" sz="1600" dirty="0" smtClean="0"/>
+                <a:t>120.000,00</a:t>
+              </a:r>
+              <a:endParaRPr lang="pt-BR" sz="1600" dirty="0"/>
+            </a:p>
+          </p:txBody>
+        </p:sp>
+        <p:sp>
+          <p:nvSpPr>
+            <p:cNvPr id="65" name="CaixaDeTexto 64"/>
+            <p:cNvSpPr txBox="1"/>
+            <p:nvPr/>
+          </p:nvSpPr>
+          <p:spPr>
+            <a:xfrm>
+              <a:off x="4934290" y="1499604"/>
+              <a:ext cx="357790" cy="369332"/>
+            </a:xfrm>
+            <a:prstGeom prst="rect">
+              <a:avLst/>
+            </a:prstGeom>
+            <a:noFill/>
+          </p:spPr>
+          <p:txBody>
+            <a:bodyPr wrap="none" rtlCol="0">
+              <a:spAutoFit/>
+            </a:bodyPr>
+            <a:lstStyle/>
+            <a:p>
+              <a:r>
+                <a:rPr lang="pt-BR" dirty="0" smtClean="0"/>
+                <a:t>...</a:t>
+              </a:r>
+              <a:endParaRPr lang="pt-BR" dirty="0"/>
+            </a:p>
+          </p:txBody>
+        </p:sp>
+        <p:sp>
+          <p:nvSpPr>
+            <p:cNvPr id="66" name="Chave esquerda 65"/>
+            <p:cNvSpPr/>
+            <p:nvPr/>
+          </p:nvSpPr>
+          <p:spPr>
+            <a:xfrm rot="5400000">
+              <a:off x="4299503" y="-182463"/>
+              <a:ext cx="395626" cy="2585442"/>
+            </a:xfrm>
+            <a:prstGeom prst="leftBrace">
+              <a:avLst/>
+            </a:prstGeom>
+            <a:ln>
+              <a:solidFill>
+                <a:schemeClr val="tx1"/>
+              </a:solidFill>
+            </a:ln>
+          </p:spPr>
+          <p:style>
+            <a:lnRef idx="1">
+              <a:schemeClr val="accent1"/>
+            </a:lnRef>
+            <a:fillRef idx="0">
+              <a:schemeClr val="accent1"/>
+            </a:fillRef>
+            <a:effectRef idx="0">
+              <a:schemeClr val="accent1"/>
+            </a:effectRef>
+            <a:fontRef idx="minor">
+              <a:schemeClr val="tx1"/>
+            </a:fontRef>
+          </p:style>
+          <p:txBody>
+            <a:bodyPr rtlCol="0" anchor="ctr"/>
+            <a:lstStyle/>
+            <a:p>
+              <a:pPr algn="ctr"/>
+              <a:endParaRPr lang="pt-BR"/>
+            </a:p>
+          </p:txBody>
+        </p:sp>
+        <p:sp>
+          <p:nvSpPr>
+            <p:cNvPr id="67" name="CaixaDeTexto 66"/>
+            <p:cNvSpPr txBox="1"/>
+            <p:nvPr/>
+          </p:nvSpPr>
+          <p:spPr>
+            <a:xfrm>
+              <a:off x="3053752" y="2064127"/>
+              <a:ext cx="301686" cy="369332"/>
+            </a:xfrm>
+            <a:prstGeom prst="rect">
+              <a:avLst/>
+            </a:prstGeom>
+            <a:noFill/>
+          </p:spPr>
+          <p:txBody>
+            <a:bodyPr wrap="none" rtlCol="0">
+              <a:spAutoFit/>
+            </a:bodyPr>
+            <a:lstStyle/>
+            <a:p>
+              <a:r>
+                <a:rPr lang="pt-BR" dirty="0" smtClean="0"/>
+                <a:t>1</a:t>
+              </a:r>
+              <a:endParaRPr lang="pt-BR" dirty="0"/>
+            </a:p>
+          </p:txBody>
+        </p:sp>
+        <p:sp>
+          <p:nvSpPr>
+            <p:cNvPr id="68" name="CaixaDeTexto 67"/>
+            <p:cNvSpPr txBox="1"/>
+            <p:nvPr/>
+          </p:nvSpPr>
+          <p:spPr>
+            <a:xfrm>
+              <a:off x="4302165" y="2073419"/>
+              <a:ext cx="301686" cy="369332"/>
+            </a:xfrm>
+            <a:prstGeom prst="rect">
+              <a:avLst/>
+            </a:prstGeom>
+            <a:noFill/>
+          </p:spPr>
+          <p:txBody>
+            <a:bodyPr wrap="none" rtlCol="0">
+              <a:spAutoFit/>
+            </a:bodyPr>
+            <a:lstStyle/>
+            <a:p>
+              <a:r>
+                <a:rPr lang="pt-BR" dirty="0" smtClean="0"/>
+                <a:t>3</a:t>
+              </a:r>
+              <a:endParaRPr lang="pt-BR" dirty="0"/>
+            </a:p>
+          </p:txBody>
+        </p:sp>
+        <p:sp>
+          <p:nvSpPr>
+            <p:cNvPr id="69" name="CaixaDeTexto 68"/>
+            <p:cNvSpPr txBox="1"/>
+            <p:nvPr/>
+          </p:nvSpPr>
+          <p:spPr>
+            <a:xfrm>
+              <a:off x="3496761" y="1502335"/>
+              <a:ext cx="357790" cy="369332"/>
+            </a:xfrm>
+            <a:prstGeom prst="rect">
+              <a:avLst/>
+            </a:prstGeom>
+            <a:noFill/>
+          </p:spPr>
+          <p:txBody>
+            <a:bodyPr wrap="none" rtlCol="0">
+              <a:spAutoFit/>
+            </a:bodyPr>
+            <a:lstStyle/>
+            <a:p>
+              <a:r>
+                <a:rPr lang="pt-BR" dirty="0" smtClean="0"/>
+                <a:t>...</a:t>
+              </a:r>
+              <a:endParaRPr lang="pt-BR" dirty="0"/>
+            </a:p>
+          </p:txBody>
+        </p:sp>
+        <p:sp>
+          <p:nvSpPr>
+            <p:cNvPr id="72" name="CaixaDeTexto 71"/>
+            <p:cNvSpPr txBox="1"/>
+            <p:nvPr/>
+          </p:nvSpPr>
+          <p:spPr>
+            <a:xfrm>
+              <a:off x="5598309" y="2073419"/>
+              <a:ext cx="301686" cy="369332"/>
+            </a:xfrm>
+            <a:prstGeom prst="rect">
+              <a:avLst/>
+            </a:prstGeom>
+            <a:noFill/>
+          </p:spPr>
+          <p:txBody>
+            <a:bodyPr wrap="none" rtlCol="0">
+              <a:spAutoFit/>
+            </a:bodyPr>
+            <a:lstStyle/>
+            <a:p>
+              <a:r>
+                <a:rPr lang="pt-BR" dirty="0"/>
+                <a:t>5</a:t>
+              </a:r>
+            </a:p>
+          </p:txBody>
+        </p:sp>
+      </p:grpSp>
+      <p:graphicFrame>
+        <p:nvGraphicFramePr>
+          <p:cNvPr id="73" name="Tabela 72"/>
+          <p:cNvGraphicFramePr>
+            <a:graphicFrameLocks noGrp="1"/>
+          </p:cNvGraphicFramePr>
+          <p:nvPr>
+            <p:extLst>
+              <p:ext uri="{D42A27DB-BD31-4B8C-83A1-F6EECF244321}">
+                <p14:modId xmlns:p14="http://schemas.microsoft.com/office/powerpoint/2010/main" val="3407012938"/>
+              </p:ext>
+            </p:extLst>
+          </p:nvPr>
+        </p:nvGraphicFramePr>
+        <p:xfrm>
+          <a:off x="251520" y="3301484"/>
+          <a:ext cx="5481164" cy="2595880"/>
+        </p:xfrm>
+        <a:graphic>
+          <a:graphicData uri="http://schemas.openxmlformats.org/drawingml/2006/table">
+            <a:tbl>
+              <a:tblPr firstRow="1" bandRow="1">
+                <a:tableStyleId>{5C22544A-7EE6-4342-B048-85BDC9FD1C3A}</a:tableStyleId>
+              </a:tblPr>
+              <a:tblGrid>
+                <a:gridCol w="1370291"/>
+                <a:gridCol w="1370291"/>
+                <a:gridCol w="1370291"/>
+                <a:gridCol w="1370291"/>
+              </a:tblGrid>
+              <a:tr h="370840">
+                <a:tc>
+                  <a:txBody>
+                    <a:bodyPr/>
+                    <a:lstStyle/>
+                    <a:p>
+                      <a:pPr algn="ctr"/>
+                      <a:r>
+                        <a:rPr lang="pt-BR" sz="1400" dirty="0" smtClean="0"/>
+                        <a:t>Ano</a:t>
+                      </a:r>
+                      <a:endParaRPr lang="pt-BR" sz="1400" dirty="0"/>
+                    </a:p>
+                  </a:txBody>
+                  <a:tcPr/>
+                </a:tc>
+                <a:tc>
+                  <a:txBody>
+                    <a:bodyPr/>
+                    <a:lstStyle/>
+                    <a:p>
+                      <a:pPr algn="ctr"/>
+                      <a:r>
+                        <a:rPr lang="pt-BR" sz="1400" dirty="0" smtClean="0"/>
+                        <a:t>Fluxo</a:t>
+                      </a:r>
+                      <a:endParaRPr lang="pt-BR" sz="1400" dirty="0"/>
+                    </a:p>
+                  </a:txBody>
+                  <a:tcPr/>
+                </a:tc>
+                <a:tc>
+                  <a:txBody>
+                    <a:bodyPr/>
+                    <a:lstStyle/>
+                    <a:p>
+                      <a:pPr algn="ctr"/>
+                      <a:r>
+                        <a:rPr lang="pt-BR" sz="1400" dirty="0" smtClean="0"/>
+                        <a:t>Valor Presente</a:t>
+                      </a:r>
+                      <a:endParaRPr lang="pt-BR" sz="1400" dirty="0"/>
+                    </a:p>
+                  </a:txBody>
+                  <a:tcPr/>
+                </a:tc>
+                <a:tc>
+                  <a:txBody>
+                    <a:bodyPr/>
+                    <a:lstStyle/>
+                    <a:p>
+                      <a:pPr algn="ctr"/>
+                      <a:r>
+                        <a:rPr lang="pt-BR" sz="1400" dirty="0" smtClean="0"/>
+                        <a:t>Saldo</a:t>
+                      </a:r>
+                      <a:endParaRPr lang="pt-BR" sz="1400" dirty="0"/>
+                    </a:p>
+                  </a:txBody>
+                  <a:tcPr/>
+                </a:tc>
+              </a:tr>
+              <a:tr h="370840">
+                <a:tc>
+                  <a:txBody>
+                    <a:bodyPr/>
+                    <a:lstStyle/>
+                    <a:p>
+                      <a:r>
+                        <a:rPr lang="pt-BR" sz="1400" dirty="0" smtClean="0"/>
+                        <a:t>0</a:t>
+                      </a:r>
+                      <a:endParaRPr lang="pt-BR" sz="1400" dirty="0"/>
+                    </a:p>
+                  </a:txBody>
+                  <a:tcPr/>
+                </a:tc>
+                <a:tc>
+                  <a:txBody>
+                    <a:bodyPr/>
+                    <a:lstStyle/>
+                    <a:p>
+                      <a:pPr algn="r"/>
+                      <a:r>
+                        <a:rPr lang="pt-BR" sz="1400" dirty="0" smtClean="0"/>
+                        <a:t>(250.000,00)</a:t>
+                      </a:r>
+                      <a:endParaRPr lang="pt-BR" sz="1400" dirty="0"/>
+                    </a:p>
+                  </a:txBody>
+                  <a:tcPr/>
+                </a:tc>
+                <a:tc>
+                  <a:txBody>
+                    <a:bodyPr/>
+                    <a:lstStyle/>
+                    <a:p>
+                      <a:pPr algn="r"/>
+                      <a:r>
+                        <a:rPr lang="pt-BR" sz="1400" dirty="0" smtClean="0"/>
+                        <a:t>0</a:t>
+                      </a:r>
+                      <a:endParaRPr lang="pt-BR" sz="1400" dirty="0"/>
+                    </a:p>
+                  </a:txBody>
+                  <a:tcPr/>
+                </a:tc>
+                <a:tc>
+                  <a:txBody>
+                    <a:bodyPr/>
+                    <a:lstStyle/>
+                    <a:p>
+                      <a:pPr algn="r"/>
+                      <a:r>
+                        <a:rPr lang="pt-BR" sz="1400" dirty="0" smtClean="0"/>
+                        <a:t>(250.000,00)</a:t>
+                      </a:r>
+                      <a:endParaRPr lang="pt-BR" sz="1400" dirty="0"/>
+                    </a:p>
+                  </a:txBody>
+                  <a:tcPr/>
+                </a:tc>
+              </a:tr>
+              <a:tr h="370840">
+                <a:tc>
+                  <a:txBody>
+                    <a:bodyPr/>
+                    <a:lstStyle/>
+                    <a:p>
+                      <a:r>
+                        <a:rPr lang="pt-BR" sz="1400" dirty="0" smtClean="0"/>
+                        <a:t>1</a:t>
+                      </a:r>
+                      <a:endParaRPr lang="pt-BR" sz="1400" dirty="0"/>
+                    </a:p>
+                  </a:txBody>
+                  <a:tcPr/>
+                </a:tc>
+                <a:tc>
+                  <a:txBody>
+                    <a:bodyPr/>
+                    <a:lstStyle/>
+                    <a:p>
+                      <a:pPr algn="r"/>
+                      <a:r>
+                        <a:rPr lang="pt-BR" sz="1400" dirty="0" smtClean="0"/>
+                        <a:t>120.000,00</a:t>
+                      </a:r>
+                      <a:endParaRPr lang="pt-BR" dirty="0"/>
+                    </a:p>
+                  </a:txBody>
+                  <a:tcPr/>
+                </a:tc>
+                <a:tc>
+                  <a:txBody>
+                    <a:bodyPr/>
+                    <a:lstStyle/>
+                    <a:p>
+                      <a:pPr algn="r"/>
+                      <a:r>
+                        <a:rPr lang="pt-BR" sz="1400" kern="1200" dirty="0" smtClean="0">
+                          <a:solidFill>
+                            <a:schemeClr val="dk1"/>
+                          </a:solidFill>
+                          <a:latin typeface="+mn-lt"/>
+                          <a:ea typeface="+mn-ea"/>
+                          <a:cs typeface="+mn-cs"/>
+                        </a:rPr>
+                        <a:t>107,142,86</a:t>
+                      </a:r>
+                      <a:endParaRPr lang="pt-BR" sz="1400" kern="1200" dirty="0">
+                        <a:solidFill>
+                          <a:schemeClr val="dk1"/>
+                        </a:solidFill>
+                        <a:latin typeface="+mn-lt"/>
+                        <a:ea typeface="+mn-ea"/>
+                        <a:cs typeface="+mn-cs"/>
+                      </a:endParaRPr>
+                    </a:p>
+                  </a:txBody>
+                  <a:tcPr/>
+                </a:tc>
+                <a:tc>
+                  <a:txBody>
+                    <a:bodyPr/>
+                    <a:lstStyle/>
+                    <a:p>
+                      <a:pPr algn="r"/>
+                      <a:r>
+                        <a:rPr lang="pt-BR" sz="1400" kern="1200" dirty="0" smtClean="0">
+                          <a:solidFill>
+                            <a:schemeClr val="dk1"/>
+                          </a:solidFill>
+                          <a:latin typeface="+mn-lt"/>
+                          <a:ea typeface="+mn-ea"/>
+                          <a:cs typeface="+mn-cs"/>
+                        </a:rPr>
+                        <a:t>(142.857,14)</a:t>
+                      </a:r>
+                      <a:endParaRPr lang="pt-BR" sz="1400" kern="1200" dirty="0">
+                        <a:solidFill>
+                          <a:schemeClr val="dk1"/>
+                        </a:solidFill>
+                        <a:latin typeface="+mn-lt"/>
+                        <a:ea typeface="+mn-ea"/>
+                        <a:cs typeface="+mn-cs"/>
+                      </a:endParaRPr>
+                    </a:p>
+                  </a:txBody>
+                  <a:tcPr/>
+                </a:tc>
+              </a:tr>
+              <a:tr h="370840">
+                <a:tc>
+                  <a:txBody>
+                    <a:bodyPr/>
+                    <a:lstStyle/>
+                    <a:p>
+                      <a:r>
+                        <a:rPr lang="pt-BR" sz="1400" dirty="0" smtClean="0"/>
+                        <a:t>2</a:t>
+                      </a:r>
+                      <a:endParaRPr lang="pt-BR" sz="1400" dirty="0"/>
+                    </a:p>
+                  </a:txBody>
+                  <a:tcPr/>
+                </a:tc>
+                <a:tc>
+                  <a:txBody>
+                    <a:bodyPr/>
+                    <a:lstStyle/>
+                    <a:p>
+                      <a:pPr marL="0" algn="r" defTabSz="914400" rtl="0" eaLnBrk="1" latinLnBrk="0" hangingPunct="1"/>
+                      <a:r>
+                        <a:rPr lang="pt-BR" sz="1400" kern="1200" dirty="0" smtClean="0">
+                          <a:solidFill>
+                            <a:schemeClr val="dk1"/>
+                          </a:solidFill>
+                          <a:latin typeface="+mn-lt"/>
+                          <a:ea typeface="+mn-ea"/>
+                          <a:cs typeface="+mn-cs"/>
+                        </a:rPr>
+                        <a:t>120.000</a:t>
+                      </a:r>
+                      <a:r>
+                        <a:rPr lang="pt-BR" sz="1400" dirty="0" smtClean="0"/>
+                        <a:t>,00</a:t>
+                      </a:r>
+                      <a:endParaRPr lang="pt-BR" sz="1400" kern="1200" dirty="0">
+                        <a:solidFill>
+                          <a:schemeClr val="dk1"/>
+                        </a:solidFill>
+                        <a:latin typeface="+mn-lt"/>
+                        <a:ea typeface="+mn-ea"/>
+                        <a:cs typeface="+mn-cs"/>
+                      </a:endParaRPr>
+                    </a:p>
+                  </a:txBody>
+                  <a:tcPr/>
+                </a:tc>
+                <a:tc>
+                  <a:txBody>
+                    <a:bodyPr/>
+                    <a:lstStyle/>
+                    <a:p>
+                      <a:pPr algn="r"/>
+                      <a:r>
+                        <a:rPr lang="pt-BR" sz="1400" kern="1200" dirty="0" smtClean="0">
+                          <a:solidFill>
+                            <a:schemeClr val="dk1"/>
+                          </a:solidFill>
+                          <a:latin typeface="+mn-lt"/>
+                          <a:ea typeface="+mn-ea"/>
+                          <a:cs typeface="+mn-cs"/>
+                        </a:rPr>
+                        <a:t>95.663,27</a:t>
+                      </a:r>
+                      <a:endParaRPr lang="pt-BR" sz="1400" kern="1200" dirty="0">
+                        <a:solidFill>
+                          <a:schemeClr val="dk1"/>
+                        </a:solidFill>
+                        <a:latin typeface="+mn-lt"/>
+                        <a:ea typeface="+mn-ea"/>
+                        <a:cs typeface="+mn-cs"/>
+                      </a:endParaRPr>
+                    </a:p>
+                  </a:txBody>
+                  <a:tcPr/>
+                </a:tc>
+                <a:tc>
+                  <a:txBody>
+                    <a:bodyPr/>
+                    <a:lstStyle/>
+                    <a:p>
+                      <a:pPr algn="r"/>
+                      <a:r>
+                        <a:rPr lang="pt-BR" sz="1400" kern="1200" dirty="0" smtClean="0">
+                          <a:solidFill>
+                            <a:schemeClr val="dk1"/>
+                          </a:solidFill>
+                          <a:latin typeface="+mn-lt"/>
+                          <a:ea typeface="+mn-ea"/>
+                          <a:cs typeface="+mn-cs"/>
+                        </a:rPr>
+                        <a:t>(47.193,88)</a:t>
+                      </a:r>
+                      <a:endParaRPr lang="pt-BR" sz="1400" kern="1200" dirty="0">
+                        <a:solidFill>
+                          <a:schemeClr val="dk1"/>
+                        </a:solidFill>
+                        <a:latin typeface="+mn-lt"/>
+                        <a:ea typeface="+mn-ea"/>
+                        <a:cs typeface="+mn-cs"/>
+                      </a:endParaRPr>
+                    </a:p>
+                  </a:txBody>
+                  <a:tcPr/>
+                </a:tc>
+              </a:tr>
+              <a:tr h="370840">
+                <a:tc>
+                  <a:txBody>
+                    <a:bodyPr/>
+                    <a:lstStyle/>
+                    <a:p>
+                      <a:r>
+                        <a:rPr lang="pt-BR" sz="1400" dirty="0" smtClean="0"/>
+                        <a:t>3</a:t>
+                      </a:r>
+                      <a:endParaRPr lang="pt-BR" sz="1400" dirty="0"/>
+                    </a:p>
+                  </a:txBody>
+                  <a:tcPr/>
+                </a:tc>
+                <a:tc>
+                  <a:txBody>
+                    <a:bodyPr/>
+                    <a:lstStyle/>
+                    <a:p>
+                      <a:pPr marL="0" algn="r" defTabSz="914400" rtl="0" eaLnBrk="1" latinLnBrk="0" hangingPunct="1"/>
+                      <a:r>
+                        <a:rPr lang="pt-BR" sz="1400" kern="1200" dirty="0" smtClean="0">
+                          <a:solidFill>
+                            <a:schemeClr val="dk1"/>
+                          </a:solidFill>
+                          <a:latin typeface="+mn-lt"/>
+                          <a:ea typeface="+mn-ea"/>
+                          <a:cs typeface="+mn-cs"/>
+                        </a:rPr>
+                        <a:t>120.000</a:t>
+                      </a:r>
+                      <a:r>
+                        <a:rPr lang="pt-BR" sz="1400" dirty="0" smtClean="0"/>
+                        <a:t>,00</a:t>
+                      </a:r>
+                      <a:endParaRPr lang="pt-BR" sz="1400" kern="1200" dirty="0">
+                        <a:solidFill>
+                          <a:schemeClr val="dk1"/>
+                        </a:solidFill>
+                        <a:latin typeface="+mn-lt"/>
+                        <a:ea typeface="+mn-ea"/>
+                        <a:cs typeface="+mn-cs"/>
+                      </a:endParaRPr>
+                    </a:p>
+                  </a:txBody>
+                  <a:tcPr/>
+                </a:tc>
+                <a:tc>
+                  <a:txBody>
+                    <a:bodyPr/>
+                    <a:lstStyle/>
+                    <a:p>
+                      <a:pPr algn="r"/>
+                      <a:r>
+                        <a:rPr lang="pt-BR" sz="1400" kern="1200" dirty="0" smtClean="0">
+                          <a:solidFill>
+                            <a:schemeClr val="dk1"/>
+                          </a:solidFill>
+                          <a:latin typeface="+mn-lt"/>
+                          <a:ea typeface="+mn-ea"/>
+                          <a:cs typeface="+mn-cs"/>
+                        </a:rPr>
+                        <a:t>85.413,63</a:t>
+                      </a:r>
+                      <a:endParaRPr lang="pt-BR" sz="1400" kern="1200" dirty="0">
+                        <a:solidFill>
+                          <a:schemeClr val="dk1"/>
+                        </a:solidFill>
+                        <a:latin typeface="+mn-lt"/>
+                        <a:ea typeface="+mn-ea"/>
+                        <a:cs typeface="+mn-cs"/>
+                      </a:endParaRPr>
+                    </a:p>
+                  </a:txBody>
+                  <a:tcPr/>
+                </a:tc>
+                <a:tc>
+                  <a:txBody>
+                    <a:bodyPr/>
+                    <a:lstStyle/>
+                    <a:p>
+                      <a:pPr algn="r"/>
+                      <a:r>
+                        <a:rPr lang="pt-BR" sz="1400" kern="1200" dirty="0" smtClean="0">
+                          <a:solidFill>
+                            <a:schemeClr val="dk1"/>
+                          </a:solidFill>
+                          <a:latin typeface="+mn-lt"/>
+                          <a:ea typeface="+mn-ea"/>
+                          <a:cs typeface="+mn-cs"/>
+                        </a:rPr>
+                        <a:t>38,219.75</a:t>
+                      </a:r>
+                      <a:endParaRPr lang="pt-BR" sz="1400" kern="1200" dirty="0">
+                        <a:solidFill>
+                          <a:schemeClr val="dk1"/>
+                        </a:solidFill>
+                        <a:latin typeface="+mn-lt"/>
+                        <a:ea typeface="+mn-ea"/>
+                        <a:cs typeface="+mn-cs"/>
+                      </a:endParaRPr>
+                    </a:p>
+                  </a:txBody>
+                  <a:tcPr/>
+                </a:tc>
+              </a:tr>
+              <a:tr h="370840">
+                <a:tc>
+                  <a:txBody>
+                    <a:bodyPr/>
+                    <a:lstStyle/>
+                    <a:p>
+                      <a:r>
+                        <a:rPr lang="pt-BR" sz="1400" dirty="0" smtClean="0"/>
+                        <a:t>4</a:t>
+                      </a:r>
+                      <a:endParaRPr lang="pt-BR" sz="1400" dirty="0"/>
+                    </a:p>
+                  </a:txBody>
+                  <a:tcPr/>
+                </a:tc>
+                <a:tc>
+                  <a:txBody>
+                    <a:bodyPr/>
+                    <a:lstStyle/>
+                    <a:p>
+                      <a:pPr marL="0" algn="r" defTabSz="914400" rtl="0" eaLnBrk="1" latinLnBrk="0" hangingPunct="1"/>
+                      <a:r>
+                        <a:rPr lang="pt-BR" sz="1400" kern="1200" dirty="0" smtClean="0">
+                          <a:solidFill>
+                            <a:schemeClr val="dk1"/>
+                          </a:solidFill>
+                          <a:latin typeface="+mn-lt"/>
+                          <a:ea typeface="+mn-ea"/>
+                          <a:cs typeface="+mn-cs"/>
+                        </a:rPr>
+                        <a:t>120.000</a:t>
+                      </a:r>
+                      <a:r>
+                        <a:rPr lang="pt-BR" sz="1400" dirty="0" smtClean="0"/>
+                        <a:t>,00</a:t>
+                      </a:r>
+                      <a:endParaRPr lang="pt-BR" sz="1400" kern="1200" dirty="0">
+                        <a:solidFill>
+                          <a:schemeClr val="dk1"/>
+                        </a:solidFill>
+                        <a:latin typeface="+mn-lt"/>
+                        <a:ea typeface="+mn-ea"/>
+                        <a:cs typeface="+mn-cs"/>
+                      </a:endParaRPr>
+                    </a:p>
+                  </a:txBody>
+                  <a:tcPr/>
+                </a:tc>
+                <a:tc>
+                  <a:txBody>
+                    <a:bodyPr/>
+                    <a:lstStyle/>
+                    <a:p>
+                      <a:pPr algn="r"/>
+                      <a:r>
+                        <a:rPr lang="pt-BR" sz="1400" kern="1200" dirty="0" smtClean="0">
+                          <a:solidFill>
+                            <a:schemeClr val="dk1"/>
+                          </a:solidFill>
+                          <a:latin typeface="+mn-lt"/>
+                          <a:ea typeface="+mn-ea"/>
+                          <a:cs typeface="+mn-cs"/>
+                        </a:rPr>
+                        <a:t>76.262,17</a:t>
+                      </a:r>
+                      <a:endParaRPr lang="pt-BR" sz="1400" kern="1200" dirty="0">
+                        <a:solidFill>
+                          <a:schemeClr val="dk1"/>
+                        </a:solidFill>
+                        <a:latin typeface="+mn-lt"/>
+                        <a:ea typeface="+mn-ea"/>
+                        <a:cs typeface="+mn-cs"/>
+                      </a:endParaRPr>
+                    </a:p>
+                  </a:txBody>
+                  <a:tcPr/>
+                </a:tc>
+                <a:tc>
+                  <a:txBody>
+                    <a:bodyPr/>
+                    <a:lstStyle/>
+                    <a:p>
+                      <a:pPr algn="r"/>
+                      <a:r>
+                        <a:rPr lang="pt-BR" sz="1400" kern="1200" dirty="0" smtClean="0">
+                          <a:solidFill>
+                            <a:schemeClr val="dk1"/>
+                          </a:solidFill>
+                          <a:latin typeface="+mn-lt"/>
+                          <a:ea typeface="+mn-ea"/>
+                          <a:cs typeface="+mn-cs"/>
+                        </a:rPr>
+                        <a:t>114.481,92</a:t>
+                      </a:r>
+                      <a:endParaRPr lang="pt-BR" sz="1400" kern="1200" dirty="0">
+                        <a:solidFill>
+                          <a:schemeClr val="dk1"/>
+                        </a:solidFill>
+                        <a:latin typeface="+mn-lt"/>
+                        <a:ea typeface="+mn-ea"/>
+                        <a:cs typeface="+mn-cs"/>
+                      </a:endParaRPr>
+                    </a:p>
+                  </a:txBody>
+                  <a:tcPr/>
+                </a:tc>
+              </a:tr>
+              <a:tr h="370840">
+                <a:tc>
+                  <a:txBody>
+                    <a:bodyPr/>
+                    <a:lstStyle/>
+                    <a:p>
+                      <a:r>
+                        <a:rPr lang="pt-BR" sz="1400" dirty="0" smtClean="0"/>
+                        <a:t>5</a:t>
+                      </a:r>
+                      <a:endParaRPr lang="pt-BR" sz="1400" dirty="0"/>
+                    </a:p>
+                  </a:txBody>
+                  <a:tcPr/>
+                </a:tc>
+                <a:tc>
+                  <a:txBody>
+                    <a:bodyPr/>
+                    <a:lstStyle/>
+                    <a:p>
+                      <a:pPr marL="0" algn="r" defTabSz="914400" rtl="0" eaLnBrk="1" latinLnBrk="0" hangingPunct="1"/>
+                      <a:r>
+                        <a:rPr lang="pt-BR" sz="1400" kern="1200" dirty="0" smtClean="0">
+                          <a:solidFill>
+                            <a:schemeClr val="dk1"/>
+                          </a:solidFill>
+                          <a:latin typeface="+mn-lt"/>
+                          <a:ea typeface="+mn-ea"/>
+                          <a:cs typeface="+mn-cs"/>
+                        </a:rPr>
+                        <a:t>120.000</a:t>
+                      </a:r>
+                      <a:r>
+                        <a:rPr lang="pt-BR" sz="1400" dirty="0" smtClean="0"/>
+                        <a:t>,00</a:t>
+                      </a:r>
+                      <a:endParaRPr lang="pt-BR" sz="1400" kern="1200" dirty="0">
+                        <a:solidFill>
+                          <a:schemeClr val="dk1"/>
+                        </a:solidFill>
+                        <a:latin typeface="+mn-lt"/>
+                        <a:ea typeface="+mn-ea"/>
+                        <a:cs typeface="+mn-cs"/>
+                      </a:endParaRPr>
+                    </a:p>
+                  </a:txBody>
+                  <a:tcPr/>
+                </a:tc>
+                <a:tc>
+                  <a:txBody>
+                    <a:bodyPr/>
+                    <a:lstStyle/>
+                    <a:p>
+                      <a:pPr algn="r"/>
+                      <a:r>
+                        <a:rPr lang="pt-BR" sz="1400" kern="1200" dirty="0" smtClean="0">
+                          <a:solidFill>
+                            <a:schemeClr val="dk1"/>
+                          </a:solidFill>
+                          <a:latin typeface="+mn-lt"/>
+                          <a:ea typeface="+mn-ea"/>
+                          <a:cs typeface="+mn-cs"/>
+                        </a:rPr>
+                        <a:t>68.091,22</a:t>
+                      </a:r>
+                      <a:endParaRPr lang="pt-BR" sz="1400" kern="1200" dirty="0">
+                        <a:solidFill>
+                          <a:schemeClr val="dk1"/>
+                        </a:solidFill>
+                        <a:latin typeface="+mn-lt"/>
+                        <a:ea typeface="+mn-ea"/>
+                        <a:cs typeface="+mn-cs"/>
+                      </a:endParaRPr>
+                    </a:p>
+                  </a:txBody>
+                  <a:tcPr/>
+                </a:tc>
+                <a:tc>
+                  <a:txBody>
+                    <a:bodyPr/>
+                    <a:lstStyle/>
+                    <a:p>
+                      <a:pPr algn="r"/>
+                      <a:r>
+                        <a:rPr lang="pt-BR" sz="1400" kern="1200" dirty="0" smtClean="0">
+                          <a:solidFill>
+                            <a:schemeClr val="dk1"/>
+                          </a:solidFill>
+                          <a:latin typeface="+mn-lt"/>
+                          <a:ea typeface="+mn-ea"/>
+                          <a:cs typeface="+mn-cs"/>
+                        </a:rPr>
+                        <a:t>182.573,14</a:t>
+                      </a:r>
+                      <a:endParaRPr lang="pt-BR" sz="1400" kern="1200" dirty="0">
+                        <a:solidFill>
+                          <a:schemeClr val="dk1"/>
+                        </a:solidFill>
+                        <a:latin typeface="+mn-lt"/>
+                        <a:ea typeface="+mn-ea"/>
+                        <a:cs typeface="+mn-cs"/>
+                      </a:endParaRPr>
+                    </a:p>
+                  </a:txBody>
+                  <a:tcPr/>
+                </a:tc>
+              </a:tr>
+            </a:tbl>
+          </a:graphicData>
+        </a:graphic>
+      </p:graphicFrame>
+      <p:sp>
+        <p:nvSpPr>
+          <p:cNvPr id="4" name="CaixaDeTexto 3"/>
+          <p:cNvSpPr txBox="1"/>
+          <p:nvPr/>
+        </p:nvSpPr>
+        <p:spPr>
+          <a:xfrm>
+            <a:off x="1763688" y="2924944"/>
+            <a:ext cx="2127762" cy="369332"/>
+          </a:xfrm>
+          <a:prstGeom prst="rect">
+            <a:avLst/>
+          </a:prstGeom>
+          <a:noFill/>
+        </p:spPr>
+        <p:txBody>
+          <a:bodyPr wrap="none" rtlCol="0">
+            <a:spAutoFit/>
+          </a:bodyPr>
+          <a:lstStyle/>
+          <a:p>
+            <a:r>
+              <a:rPr lang="pt-BR" b="1" dirty="0" err="1" smtClean="0"/>
+              <a:t>Payback</a:t>
+            </a:r>
+            <a:r>
+              <a:rPr lang="pt-BR" b="1" dirty="0" smtClean="0"/>
+              <a:t> descontado</a:t>
+            </a:r>
+            <a:endParaRPr lang="pt-BR" b="1" dirty="0"/>
+          </a:p>
+        </p:txBody>
+      </p:sp>
+      <mc:AlternateContent xmlns:mc="http://schemas.openxmlformats.org/markup-compatibility/2006">
+        <mc:Choice xmlns:a14="http://schemas.microsoft.com/office/drawing/2010/main" Requires="a14">
+          <p:sp>
+            <p:nvSpPr>
+              <p:cNvPr id="6" name="Retângulo 5"/>
+              <p:cNvSpPr/>
+              <p:nvPr/>
+            </p:nvSpPr>
+            <p:spPr>
+              <a:xfrm>
+                <a:off x="559329" y="5869721"/>
+                <a:ext cx="2620888" cy="1015663"/>
+              </a:xfrm>
+              <a:prstGeom prst="rect">
+                <a:avLst/>
+              </a:prstGeom>
+            </p:spPr>
+            <p:txBody>
+              <a:bodyPr wrap="square">
+                <a:spAutoFit/>
+              </a:bodyPr>
+              <a:lstStyle/>
+              <a:p>
+                <a:pPr algn="ctr"/>
+                <a:r>
+                  <a:rPr lang="pt-BR" sz="1200" b="1" dirty="0"/>
+                  <a:t>Calculando </a:t>
+                </a:r>
+                <a:r>
+                  <a:rPr lang="pt-BR" sz="1200" b="1" dirty="0"/>
+                  <a:t>o </a:t>
+                </a:r>
+                <a:r>
+                  <a:rPr lang="pt-BR" sz="1200" b="1" dirty="0" err="1"/>
+                  <a:t>Payback</a:t>
+                </a:r>
+                <a:endParaRPr lang="pt-BR" sz="1200" b="1" dirty="0"/>
+              </a:p>
+              <a:p>
+                <a:r>
+                  <a:rPr lang="pt-BR" sz="1200" dirty="0" smtClean="0"/>
+                  <a:t>2 </a:t>
+                </a:r>
+                <a:r>
+                  <a:rPr lang="pt-BR" sz="1200" dirty="0"/>
+                  <a:t>[ </a:t>
+                </a:r>
+                <a:r>
+                  <a:rPr lang="pt-BR" sz="1200" dirty="0" err="1"/>
+                  <a:t>Enter</a:t>
+                </a:r>
+                <a:r>
+                  <a:rPr lang="pt-BR" sz="1200" dirty="0"/>
+                  <a:t>]</a:t>
+                </a:r>
+              </a:p>
+              <a:p>
+                <a:r>
+                  <a:rPr lang="pt-BR" sz="1200" dirty="0"/>
+                  <a:t>4</a:t>
+                </a:r>
+                <a:r>
+                  <a:rPr lang="pt-BR" sz="1200" dirty="0" smtClean="0"/>
+                  <a:t>7.193,88 </a:t>
+                </a:r>
+                <a:r>
+                  <a:rPr lang="pt-BR" sz="1200" dirty="0"/>
+                  <a:t>[ </a:t>
+                </a:r>
+                <a:r>
+                  <a:rPr lang="pt-BR" sz="1200" dirty="0" err="1"/>
+                  <a:t>Enter</a:t>
+                </a:r>
+                <a:r>
+                  <a:rPr lang="pt-BR" sz="1200" dirty="0"/>
+                  <a:t>]</a:t>
+                </a:r>
+              </a:p>
+              <a:p>
+                <a:r>
+                  <a:rPr lang="pt-BR" sz="1200" dirty="0" smtClean="0">
+                    <a:sym typeface="Wingdings" pitchFamily="2" charset="2"/>
+                  </a:rPr>
+                  <a:t>85.413,63</a:t>
+                </a:r>
+                <a:r>
+                  <a:rPr lang="pt-BR" sz="1200" dirty="0" smtClean="0"/>
+                  <a:t> </a:t>
+                </a:r>
+                <a14:m>
+                  <m:oMath xmlns:m="http://schemas.openxmlformats.org/officeDocument/2006/math">
+                    <m:r>
+                      <a:rPr lang="pt-BR" sz="1200" i="1">
+                        <a:latin typeface="Cambria Math"/>
+                        <a:ea typeface="Cambria Math"/>
+                      </a:rPr>
+                      <m:t>÷</m:t>
+                    </m:r>
+                  </m:oMath>
+                </a14:m>
+                <a:endParaRPr lang="pt-BR" sz="1200" dirty="0">
+                  <a:ea typeface="Cambria Math"/>
+                </a:endParaRPr>
+              </a:p>
+              <a:p>
+                <a:r>
+                  <a:rPr lang="pt-BR" sz="1200" dirty="0"/>
+                  <a:t>+	</a:t>
+                </a:r>
+                <a:r>
+                  <a:rPr lang="pt-BR" sz="1200" dirty="0">
+                    <a:sym typeface="Wingdings" pitchFamily="2" charset="2"/>
+                  </a:rPr>
+                  <a:t> </a:t>
+                </a:r>
+                <a:r>
+                  <a:rPr lang="pt-BR" sz="1200" u="sng" dirty="0" smtClean="0">
+                    <a:sym typeface="Wingdings" pitchFamily="2" charset="2"/>
+                  </a:rPr>
+                  <a:t>2,55 </a:t>
+                </a:r>
+                <a:r>
+                  <a:rPr lang="pt-BR" sz="1200" u="sng" dirty="0">
+                    <a:sym typeface="Wingdings" pitchFamily="2" charset="2"/>
+                  </a:rPr>
+                  <a:t>anos</a:t>
+                </a:r>
+                <a:endParaRPr lang="pt-BR" sz="1200" u="sng" dirty="0"/>
+              </a:p>
+            </p:txBody>
+          </p:sp>
+        </mc:Choice>
+        <mc:Fallback>
+          <p:sp>
+            <p:nvSpPr>
+              <p:cNvPr id="6" name="Retângulo 5"/>
+              <p:cNvSpPr>
+                <a:spLocks noRot="1" noChangeAspect="1" noMove="1" noResize="1" noEditPoints="1" noAdjustHandles="1" noChangeArrowheads="1" noChangeShapeType="1" noTextEdit="1"/>
+              </p:cNvSpPr>
+              <p:nvPr/>
+            </p:nvSpPr>
+            <p:spPr>
+              <a:xfrm>
+                <a:off x="559329" y="5869721"/>
+                <a:ext cx="2620888" cy="1015663"/>
+              </a:xfrm>
+              <a:prstGeom prst="rect">
+                <a:avLst/>
+              </a:prstGeom>
+              <a:blipFill rotWithShape="1">
+                <a:blip r:embed="rId2"/>
+                <a:stretch>
+                  <a:fillRect l="-233" b="-4819"/>
+                </a:stretch>
+              </a:blipFill>
+            </p:spPr>
+            <p:txBody>
+              <a:bodyPr/>
+              <a:lstStyle/>
+              <a:p>
+                <a:r>
+                  <a:rPr lang="pt-BR">
+                    <a:noFill/>
+                  </a:rPr>
+                  <a:t> </a:t>
+                </a:r>
+              </a:p>
+            </p:txBody>
+          </p:sp>
+        </mc:Fallback>
+      </mc:AlternateContent>
+      <p:sp>
+        <p:nvSpPr>
+          <p:cNvPr id="74" name="CaixaDeTexto 73"/>
+          <p:cNvSpPr txBox="1"/>
+          <p:nvPr/>
+        </p:nvSpPr>
+        <p:spPr>
+          <a:xfrm>
+            <a:off x="6145464" y="2996952"/>
+            <a:ext cx="2573140" cy="2492990"/>
+          </a:xfrm>
+          <a:prstGeom prst="rect">
+            <a:avLst/>
+          </a:prstGeom>
+          <a:noFill/>
+        </p:spPr>
+        <p:txBody>
+          <a:bodyPr wrap="none" numCol="1" rtlCol="0">
+            <a:spAutoFit/>
+          </a:bodyPr>
+          <a:lstStyle/>
+          <a:p>
+            <a:pPr algn="ctr"/>
+            <a:r>
+              <a:rPr lang="pt-BR" b="1" dirty="0" smtClean="0"/>
+              <a:t>Calculando o VPL</a:t>
+            </a:r>
+          </a:p>
+          <a:p>
+            <a:pPr algn="just"/>
+            <a:r>
+              <a:rPr lang="pt-BR" dirty="0" smtClean="0"/>
+              <a:t>12 i</a:t>
+            </a:r>
+          </a:p>
+          <a:p>
+            <a:pPr algn="just"/>
+            <a:r>
+              <a:rPr lang="pt-BR" dirty="0" smtClean="0"/>
+              <a:t>250.000 CHS g CF</a:t>
+            </a:r>
+            <a:r>
+              <a:rPr lang="pt-BR" baseline="-25000" dirty="0" smtClean="0"/>
+              <a:t>0</a:t>
+            </a:r>
+            <a:endParaRPr lang="pt-BR" dirty="0" smtClean="0"/>
+          </a:p>
+          <a:p>
+            <a:pPr algn="just"/>
+            <a:r>
+              <a:rPr lang="pt-BR" dirty="0" smtClean="0"/>
+              <a:t>120.000 g </a:t>
+            </a:r>
+            <a:r>
+              <a:rPr lang="pt-BR" dirty="0" err="1" smtClean="0"/>
+              <a:t>CFj</a:t>
+            </a:r>
+            <a:endParaRPr lang="pt-BR" dirty="0" smtClean="0"/>
+          </a:p>
+          <a:p>
+            <a:pPr algn="just"/>
+            <a:r>
+              <a:rPr lang="pt-BR" dirty="0"/>
+              <a:t>5</a:t>
+            </a:r>
+            <a:r>
+              <a:rPr lang="pt-BR" dirty="0" smtClean="0"/>
+              <a:t> </a:t>
+            </a:r>
+            <a:r>
+              <a:rPr lang="pt-BR" dirty="0" err="1" smtClean="0"/>
+              <a:t>gN</a:t>
+            </a:r>
+            <a:r>
+              <a:rPr lang="pt-BR" baseline="-25000" dirty="0" err="1" smtClean="0"/>
+              <a:t>j</a:t>
+            </a:r>
+            <a:endParaRPr lang="pt-BR" baseline="-25000" dirty="0" smtClean="0"/>
+          </a:p>
+          <a:p>
+            <a:pPr algn="just"/>
+            <a:r>
+              <a:rPr lang="pt-BR" dirty="0" smtClean="0"/>
+              <a:t>f NPV	</a:t>
+            </a:r>
+            <a:r>
+              <a:rPr lang="pt-BR" dirty="0" smtClean="0">
+                <a:sym typeface="Wingdings" pitchFamily="2" charset="2"/>
+              </a:rPr>
+              <a:t> </a:t>
+            </a:r>
+            <a:r>
+              <a:rPr lang="pt-BR" u="sng" dirty="0" smtClean="0">
+                <a:sym typeface="Wingdings" pitchFamily="2" charset="2"/>
+              </a:rPr>
+              <a:t>182.573,14</a:t>
+            </a:r>
+            <a:endParaRPr lang="pt-BR" u="sng" dirty="0" smtClean="0"/>
+          </a:p>
+          <a:p>
+            <a:pPr algn="just"/>
+            <a:endParaRPr lang="pt-BR" baseline="-25000" dirty="0" smtClean="0"/>
+          </a:p>
+          <a:p>
+            <a:pPr algn="ctr"/>
+            <a:r>
+              <a:rPr lang="pt-BR" b="1" dirty="0" smtClean="0"/>
+              <a:t>Calculando a TIR</a:t>
+            </a:r>
+          </a:p>
+          <a:p>
+            <a:r>
+              <a:rPr lang="pt-BR" dirty="0" smtClean="0"/>
+              <a:t>f IRR	</a:t>
+            </a:r>
+            <a:r>
+              <a:rPr lang="pt-BR" dirty="0" smtClean="0">
+                <a:sym typeface="Wingdings" pitchFamily="2" charset="2"/>
+              </a:rPr>
+              <a:t> </a:t>
+            </a:r>
+            <a:r>
+              <a:rPr lang="pt-BR" u="sng" dirty="0" smtClean="0">
+                <a:sym typeface="Wingdings" pitchFamily="2" charset="2"/>
+              </a:rPr>
+              <a:t>33, 89 % a.a.</a:t>
+            </a:r>
+            <a:endParaRPr lang="pt-BR" dirty="0" smtClean="0"/>
+          </a:p>
+        </p:txBody>
+      </p:sp>
+      <p:sp>
+        <p:nvSpPr>
+          <p:cNvPr id="7" name="CaixaDeTexto 6"/>
+          <p:cNvSpPr txBox="1"/>
+          <p:nvPr/>
+        </p:nvSpPr>
+        <p:spPr>
+          <a:xfrm>
+            <a:off x="5921005" y="5898401"/>
+            <a:ext cx="3171317" cy="923330"/>
+          </a:xfrm>
+          <a:prstGeom prst="rect">
+            <a:avLst/>
+          </a:prstGeom>
+          <a:noFill/>
+        </p:spPr>
+        <p:txBody>
+          <a:bodyPr wrap="none" rtlCol="0">
+            <a:spAutoFit/>
+          </a:bodyPr>
+          <a:lstStyle/>
+          <a:p>
+            <a:r>
+              <a:rPr lang="pt-BR" b="1" dirty="0" err="1" smtClean="0"/>
+              <a:t>Payback</a:t>
+            </a:r>
+            <a:r>
+              <a:rPr lang="pt-BR" b="1" dirty="0" smtClean="0"/>
+              <a:t> Descontado</a:t>
+            </a:r>
+            <a:r>
+              <a:rPr lang="pt-BR" dirty="0" smtClean="0"/>
+              <a:t>: 2,55 anos</a:t>
+            </a:r>
+          </a:p>
+          <a:p>
+            <a:r>
+              <a:rPr lang="pt-BR" b="1" dirty="0" smtClean="0"/>
+              <a:t>VPL</a:t>
+            </a:r>
+            <a:r>
+              <a:rPr lang="pt-BR" dirty="0" smtClean="0"/>
+              <a:t>: R$ 182.573,14</a:t>
+            </a:r>
+          </a:p>
+          <a:p>
+            <a:r>
+              <a:rPr lang="pt-BR" b="1" dirty="0" smtClean="0"/>
+              <a:t>TIR</a:t>
+            </a:r>
+            <a:r>
+              <a:rPr lang="pt-BR" dirty="0" smtClean="0"/>
+              <a:t>: 33,89% a.a.</a:t>
+            </a:r>
+          </a:p>
+        </p:txBody>
+      </p:sp>
+    </p:spTree>
+    <p:extLst>
+      <p:ext uri="{BB962C8B-B14F-4D97-AF65-F5344CB8AC3E}">
+        <p14:creationId xmlns:p14="http://schemas.microsoft.com/office/powerpoint/2010/main" val="3385606826"/>
+      </p:ext>
+    </p:extLst>
+  </p:cSld>
+  <p:clrMapOvr>
+    <a:masterClrMapping/>
+  </p:clrMapOvr>
+</p:sld>
+</file>
+
+<file path=ppt/slides/slide42.xml><?xml version="1.0" encoding="utf-8"?>
+<p:sld xmlns:a="http://schemas.openxmlformats.org/drawingml/2006/main" xmlns:r="http://schemas.openxmlformats.org/officeDocument/2006/relationships" xmlns:p="http://schemas.openxmlformats.org/presentationml/2006/main">
+  <p:cSld>
+    <p:spTree>
+      <p:nvGrpSpPr>
+        <p:cNvPr id="1" name=""/>
+        <p:cNvGrpSpPr/>
+        <p:nvPr/>
+      </p:nvGrpSpPr>
+      <p:grpSpPr>
+        <a:xfrm>
+          <a:off x="0" y="0"/>
+          <a:ext cx="0" cy="0"/>
+          <a:chOff x="0" y="0"/>
+          <a:chExt cx="0" cy="0"/>
+        </a:xfrm>
+      </p:grpSpPr>
+      <p:sp>
+        <p:nvSpPr>
+          <p:cNvPr id="2" name="Elipse 1"/>
+          <p:cNvSpPr/>
+          <p:nvPr/>
+        </p:nvSpPr>
+        <p:spPr>
+          <a:xfrm>
+            <a:off x="107504" y="44624"/>
+            <a:ext cx="821770" cy="792088"/>
+          </a:xfrm>
+          <a:prstGeom prst="ellipse">
+            <a:avLst/>
+          </a:prstGeom>
+        </p:spPr>
+        <p:style>
+          <a:lnRef idx="2">
+            <a:schemeClr val="accent1">
+              <a:shade val="50000"/>
+            </a:schemeClr>
+          </a:lnRef>
+          <a:fillRef idx="1">
+            <a:schemeClr val="accent1"/>
+          </a:fillRef>
+          <a:effectRef idx="0">
+            <a:schemeClr val="accent1"/>
+          </a:effectRef>
+          <a:fontRef idx="minor">
+            <a:schemeClr val="lt1"/>
+          </a:fontRef>
+        </p:style>
+        <p:txBody>
+          <a:bodyPr rtlCol="0" anchor="ctr"/>
+          <a:lstStyle/>
+          <a:p>
+            <a:pPr algn="ctr"/>
+            <a:r>
+              <a:rPr lang="pt-BR" dirty="0" smtClean="0"/>
+              <a:t>5</a:t>
+            </a:r>
+            <a:endParaRPr lang="pt-BR" dirty="0" smtClean="0"/>
+          </a:p>
+        </p:txBody>
+      </p:sp>
+      <p:sp>
+        <p:nvSpPr>
+          <p:cNvPr id="5" name="CaixaDeTexto 4"/>
+          <p:cNvSpPr txBox="1"/>
+          <p:nvPr/>
+        </p:nvSpPr>
+        <p:spPr>
+          <a:xfrm>
+            <a:off x="105356" y="889453"/>
+            <a:ext cx="1425390" cy="338554"/>
+          </a:xfrm>
+          <a:prstGeom prst="rect">
+            <a:avLst/>
+          </a:prstGeom>
+          <a:noFill/>
+        </p:spPr>
+        <p:txBody>
+          <a:bodyPr wrap="none" rtlCol="0">
+            <a:spAutoFit/>
+          </a:bodyPr>
+          <a:lstStyle/>
+          <a:p>
+            <a:r>
+              <a:rPr lang="pt-BR" sz="1600" dirty="0" smtClean="0"/>
+              <a:t>TMA</a:t>
+            </a:r>
+            <a:r>
+              <a:rPr lang="pt-BR" sz="1600" dirty="0" smtClean="0"/>
+              <a:t>: 15% </a:t>
+            </a:r>
+            <a:r>
+              <a:rPr lang="pt-BR" sz="1600" dirty="0" smtClean="0"/>
+              <a:t>a.a</a:t>
+            </a:r>
+            <a:r>
+              <a:rPr lang="pt-BR" sz="1600" dirty="0" smtClean="0"/>
+              <a:t>. </a:t>
+            </a:r>
+            <a:endParaRPr lang="pt-BR" sz="1600" dirty="0"/>
+          </a:p>
+        </p:txBody>
+      </p:sp>
+      <p:graphicFrame>
+        <p:nvGraphicFramePr>
+          <p:cNvPr id="73" name="Tabela 72"/>
+          <p:cNvGraphicFramePr>
+            <a:graphicFrameLocks noGrp="1"/>
+          </p:cNvGraphicFramePr>
+          <p:nvPr>
+            <p:extLst>
+              <p:ext uri="{D42A27DB-BD31-4B8C-83A1-F6EECF244321}">
+                <p14:modId xmlns:p14="http://schemas.microsoft.com/office/powerpoint/2010/main" val="3608431176"/>
+              </p:ext>
+            </p:extLst>
+          </p:nvPr>
+        </p:nvGraphicFramePr>
+        <p:xfrm>
+          <a:off x="251520" y="3301484"/>
+          <a:ext cx="5481164" cy="2595880"/>
+        </p:xfrm>
+        <a:graphic>
+          <a:graphicData uri="http://schemas.openxmlformats.org/drawingml/2006/table">
+            <a:tbl>
+              <a:tblPr firstRow="1" bandRow="1">
+                <a:tableStyleId>{5C22544A-7EE6-4342-B048-85BDC9FD1C3A}</a:tableStyleId>
+              </a:tblPr>
+              <a:tblGrid>
+                <a:gridCol w="1370291"/>
+                <a:gridCol w="1370291"/>
+                <a:gridCol w="1370291"/>
+                <a:gridCol w="1370291"/>
+              </a:tblGrid>
+              <a:tr h="370840">
+                <a:tc>
+                  <a:txBody>
+                    <a:bodyPr/>
+                    <a:lstStyle/>
+                    <a:p>
+                      <a:pPr algn="ctr"/>
+                      <a:r>
+                        <a:rPr lang="pt-BR" sz="1400" dirty="0" smtClean="0"/>
+                        <a:t>Ano</a:t>
+                      </a:r>
+                      <a:endParaRPr lang="pt-BR" sz="1400" dirty="0"/>
+                    </a:p>
+                  </a:txBody>
+                  <a:tcPr/>
+                </a:tc>
+                <a:tc>
+                  <a:txBody>
+                    <a:bodyPr/>
+                    <a:lstStyle/>
+                    <a:p>
+                      <a:pPr algn="ctr"/>
+                      <a:r>
+                        <a:rPr lang="pt-BR" sz="1400" dirty="0" smtClean="0"/>
+                        <a:t>Fluxo</a:t>
+                      </a:r>
+                      <a:endParaRPr lang="pt-BR" sz="1400" dirty="0"/>
+                    </a:p>
+                  </a:txBody>
+                  <a:tcPr/>
+                </a:tc>
+                <a:tc>
+                  <a:txBody>
+                    <a:bodyPr/>
+                    <a:lstStyle/>
+                    <a:p>
+                      <a:pPr algn="ctr"/>
+                      <a:r>
+                        <a:rPr lang="pt-BR" sz="1400" dirty="0" smtClean="0"/>
+                        <a:t>Valor Presente</a:t>
+                      </a:r>
+                      <a:endParaRPr lang="pt-BR" sz="1400" dirty="0"/>
+                    </a:p>
+                  </a:txBody>
+                  <a:tcPr/>
+                </a:tc>
+                <a:tc>
+                  <a:txBody>
+                    <a:bodyPr/>
+                    <a:lstStyle/>
+                    <a:p>
+                      <a:pPr algn="ctr"/>
+                      <a:r>
+                        <a:rPr lang="pt-BR" sz="1400" dirty="0" smtClean="0"/>
+                        <a:t>Saldo</a:t>
+                      </a:r>
+                      <a:endParaRPr lang="pt-BR" sz="1400" dirty="0"/>
+                    </a:p>
+                  </a:txBody>
+                  <a:tcPr/>
+                </a:tc>
+              </a:tr>
+              <a:tr h="370840">
+                <a:tc>
+                  <a:txBody>
+                    <a:bodyPr/>
+                    <a:lstStyle/>
+                    <a:p>
+                      <a:r>
+                        <a:rPr lang="pt-BR" sz="1400" dirty="0" smtClean="0"/>
+                        <a:t>0</a:t>
+                      </a:r>
+                      <a:endParaRPr lang="pt-BR" sz="1400" dirty="0"/>
+                    </a:p>
+                  </a:txBody>
+                  <a:tcPr/>
+                </a:tc>
+                <a:tc>
+                  <a:txBody>
+                    <a:bodyPr/>
+                    <a:lstStyle/>
+                    <a:p>
+                      <a:pPr algn="r"/>
+                      <a:r>
+                        <a:rPr lang="pt-BR" sz="1400" dirty="0" smtClean="0"/>
+                        <a:t>(600.000,00)</a:t>
+                      </a:r>
+                      <a:endParaRPr lang="pt-BR" sz="1400" dirty="0"/>
+                    </a:p>
+                  </a:txBody>
+                  <a:tcPr/>
+                </a:tc>
+                <a:tc>
+                  <a:txBody>
+                    <a:bodyPr/>
+                    <a:lstStyle/>
+                    <a:p>
+                      <a:pPr algn="r"/>
+                      <a:r>
+                        <a:rPr lang="pt-BR" sz="1400" dirty="0" smtClean="0"/>
+                        <a:t>0</a:t>
+                      </a:r>
+                      <a:endParaRPr lang="pt-BR" sz="1400" dirty="0"/>
+                    </a:p>
+                  </a:txBody>
+                  <a:tcPr/>
+                </a:tc>
+                <a:tc>
+                  <a:txBody>
+                    <a:bodyPr/>
+                    <a:lstStyle/>
+                    <a:p>
+                      <a:pPr algn="r"/>
+                      <a:r>
+                        <a:rPr lang="pt-BR" sz="1400" dirty="0" smtClean="0"/>
+                        <a:t>(600.000,00)</a:t>
+                      </a:r>
+                      <a:endParaRPr lang="pt-BR" sz="1400" dirty="0"/>
+                    </a:p>
+                  </a:txBody>
+                  <a:tcPr/>
+                </a:tc>
+              </a:tr>
+              <a:tr h="370840">
+                <a:tc>
+                  <a:txBody>
+                    <a:bodyPr/>
+                    <a:lstStyle/>
+                    <a:p>
+                      <a:r>
+                        <a:rPr lang="pt-BR" sz="1400" dirty="0" smtClean="0"/>
+                        <a:t>1</a:t>
+                      </a:r>
+                      <a:endParaRPr lang="pt-BR" sz="1400" dirty="0"/>
+                    </a:p>
+                  </a:txBody>
+                  <a:tcPr/>
+                </a:tc>
+                <a:tc>
+                  <a:txBody>
+                    <a:bodyPr/>
+                    <a:lstStyle/>
+                    <a:p>
+                      <a:pPr algn="r"/>
+                      <a:r>
+                        <a:rPr lang="pt-BR" sz="1400" dirty="0" smtClean="0"/>
+                        <a:t>200.000,00</a:t>
+                      </a:r>
+                      <a:endParaRPr lang="pt-BR" dirty="0"/>
+                    </a:p>
+                  </a:txBody>
+                  <a:tcPr/>
+                </a:tc>
+                <a:tc>
+                  <a:txBody>
+                    <a:bodyPr/>
+                    <a:lstStyle/>
+                    <a:p>
+                      <a:pPr algn="r"/>
+                      <a:r>
+                        <a:rPr lang="pt-BR" sz="1400" kern="1200" dirty="0" smtClean="0">
+                          <a:solidFill>
+                            <a:schemeClr val="dk1"/>
+                          </a:solidFill>
+                          <a:latin typeface="+mn-lt"/>
+                          <a:ea typeface="+mn-ea"/>
+                          <a:cs typeface="+mn-cs"/>
+                        </a:rPr>
+                        <a:t>173.913,04</a:t>
+                      </a:r>
+                      <a:endParaRPr lang="pt-BR" sz="1400" kern="1200" dirty="0">
+                        <a:solidFill>
+                          <a:schemeClr val="dk1"/>
+                        </a:solidFill>
+                        <a:latin typeface="+mn-lt"/>
+                        <a:ea typeface="+mn-ea"/>
+                        <a:cs typeface="+mn-cs"/>
+                      </a:endParaRPr>
+                    </a:p>
+                  </a:txBody>
+                  <a:tcPr/>
+                </a:tc>
+                <a:tc>
+                  <a:txBody>
+                    <a:bodyPr/>
+                    <a:lstStyle/>
+                    <a:p>
+                      <a:pPr algn="r"/>
+                      <a:r>
+                        <a:rPr lang="pt-BR" sz="1400" kern="1200" dirty="0" smtClean="0">
+                          <a:solidFill>
+                            <a:schemeClr val="dk1"/>
+                          </a:solidFill>
+                          <a:latin typeface="+mn-lt"/>
+                          <a:ea typeface="+mn-ea"/>
+                          <a:cs typeface="+mn-cs"/>
+                        </a:rPr>
+                        <a:t>(426.086,96)</a:t>
+                      </a:r>
+                      <a:endParaRPr lang="pt-BR" sz="1400" kern="1200" dirty="0">
+                        <a:solidFill>
+                          <a:schemeClr val="dk1"/>
+                        </a:solidFill>
+                        <a:latin typeface="+mn-lt"/>
+                        <a:ea typeface="+mn-ea"/>
+                        <a:cs typeface="+mn-cs"/>
+                      </a:endParaRPr>
+                    </a:p>
+                  </a:txBody>
+                  <a:tcPr/>
+                </a:tc>
+              </a:tr>
+              <a:tr h="370840">
+                <a:tc>
+                  <a:txBody>
+                    <a:bodyPr/>
+                    <a:lstStyle/>
+                    <a:p>
+                      <a:r>
+                        <a:rPr lang="pt-BR" sz="1400" dirty="0" smtClean="0"/>
+                        <a:t>2</a:t>
+                      </a:r>
+                      <a:endParaRPr lang="pt-BR" sz="1400" dirty="0"/>
+                    </a:p>
+                  </a:txBody>
+                  <a:tcPr/>
+                </a:tc>
+                <a:tc>
+                  <a:txBody>
+                    <a:bodyPr/>
+                    <a:lstStyle/>
+                    <a:p>
+                      <a:pPr marL="0" algn="r" defTabSz="914400" rtl="0" eaLnBrk="1" latinLnBrk="0" hangingPunct="1"/>
+                      <a:r>
+                        <a:rPr lang="pt-BR" sz="1400" kern="1200" dirty="0" smtClean="0">
+                          <a:solidFill>
+                            <a:schemeClr val="dk1"/>
+                          </a:solidFill>
+                          <a:latin typeface="+mn-lt"/>
+                          <a:ea typeface="+mn-ea"/>
+                          <a:cs typeface="+mn-cs"/>
+                        </a:rPr>
+                        <a:t>280.000</a:t>
+                      </a:r>
+                      <a:r>
+                        <a:rPr lang="pt-BR" sz="1400" dirty="0" smtClean="0"/>
+                        <a:t>,00</a:t>
+                      </a:r>
+                      <a:endParaRPr lang="pt-BR" sz="1400" kern="1200" dirty="0">
+                        <a:solidFill>
+                          <a:schemeClr val="dk1"/>
+                        </a:solidFill>
+                        <a:latin typeface="+mn-lt"/>
+                        <a:ea typeface="+mn-ea"/>
+                        <a:cs typeface="+mn-cs"/>
+                      </a:endParaRPr>
+                    </a:p>
+                  </a:txBody>
+                  <a:tcPr/>
+                </a:tc>
+                <a:tc>
+                  <a:txBody>
+                    <a:bodyPr/>
+                    <a:lstStyle/>
+                    <a:p>
+                      <a:pPr algn="r"/>
+                      <a:r>
+                        <a:rPr lang="pt-BR" sz="1400" kern="1200" dirty="0" smtClean="0">
+                          <a:solidFill>
+                            <a:schemeClr val="dk1"/>
+                          </a:solidFill>
+                          <a:latin typeface="+mn-lt"/>
+                          <a:ea typeface="+mn-ea"/>
+                          <a:cs typeface="+mn-cs"/>
+                        </a:rPr>
+                        <a:t>211.720,23</a:t>
+                      </a:r>
+                      <a:endParaRPr lang="pt-BR" sz="1400" kern="1200" dirty="0">
+                        <a:solidFill>
+                          <a:schemeClr val="dk1"/>
+                        </a:solidFill>
+                        <a:latin typeface="+mn-lt"/>
+                        <a:ea typeface="+mn-ea"/>
+                        <a:cs typeface="+mn-cs"/>
+                      </a:endParaRPr>
+                    </a:p>
+                  </a:txBody>
+                  <a:tcPr/>
+                </a:tc>
+                <a:tc>
+                  <a:txBody>
+                    <a:bodyPr/>
+                    <a:lstStyle/>
+                    <a:p>
+                      <a:pPr algn="r"/>
+                      <a:r>
+                        <a:rPr lang="pt-BR" sz="1400" kern="1200" dirty="0" smtClean="0">
+                          <a:solidFill>
+                            <a:schemeClr val="dk1"/>
+                          </a:solidFill>
+                          <a:latin typeface="+mn-lt"/>
+                          <a:ea typeface="+mn-ea"/>
+                          <a:cs typeface="+mn-cs"/>
+                        </a:rPr>
+                        <a:t>(214.366,73)</a:t>
+                      </a:r>
+                      <a:endParaRPr lang="pt-BR" sz="1400" kern="1200" dirty="0">
+                        <a:solidFill>
+                          <a:schemeClr val="dk1"/>
+                        </a:solidFill>
+                        <a:latin typeface="+mn-lt"/>
+                        <a:ea typeface="+mn-ea"/>
+                        <a:cs typeface="+mn-cs"/>
+                      </a:endParaRPr>
+                    </a:p>
+                  </a:txBody>
+                  <a:tcPr/>
+                </a:tc>
+              </a:tr>
+              <a:tr h="370840">
+                <a:tc>
+                  <a:txBody>
+                    <a:bodyPr/>
+                    <a:lstStyle/>
+                    <a:p>
+                      <a:r>
+                        <a:rPr lang="pt-BR" sz="1400" dirty="0" smtClean="0"/>
+                        <a:t>3</a:t>
+                      </a:r>
+                      <a:endParaRPr lang="pt-BR" sz="1400" dirty="0"/>
+                    </a:p>
+                  </a:txBody>
+                  <a:tcPr/>
+                </a:tc>
+                <a:tc>
+                  <a:txBody>
+                    <a:bodyPr/>
+                    <a:lstStyle/>
+                    <a:p>
+                      <a:pPr marL="0" algn="r" defTabSz="914400" rtl="0" eaLnBrk="1" latinLnBrk="0" hangingPunct="1"/>
+                      <a:r>
+                        <a:rPr lang="pt-BR" sz="1400" kern="1200" dirty="0" smtClean="0">
+                          <a:solidFill>
+                            <a:schemeClr val="dk1"/>
+                          </a:solidFill>
+                          <a:latin typeface="+mn-lt"/>
+                          <a:ea typeface="+mn-ea"/>
+                          <a:cs typeface="+mn-cs"/>
+                        </a:rPr>
+                        <a:t>350.000</a:t>
+                      </a:r>
+                      <a:r>
+                        <a:rPr lang="pt-BR" sz="1400" dirty="0" smtClean="0"/>
+                        <a:t>,00</a:t>
+                      </a:r>
+                      <a:endParaRPr lang="pt-BR" sz="1400" kern="1200" dirty="0">
+                        <a:solidFill>
+                          <a:schemeClr val="dk1"/>
+                        </a:solidFill>
+                        <a:latin typeface="+mn-lt"/>
+                        <a:ea typeface="+mn-ea"/>
+                        <a:cs typeface="+mn-cs"/>
+                      </a:endParaRPr>
+                    </a:p>
+                  </a:txBody>
+                  <a:tcPr/>
+                </a:tc>
+                <a:tc>
+                  <a:txBody>
+                    <a:bodyPr/>
+                    <a:lstStyle/>
+                    <a:p>
+                      <a:pPr algn="r"/>
+                      <a:r>
+                        <a:rPr lang="pt-BR" sz="1400" kern="1200" dirty="0" smtClean="0">
+                          <a:solidFill>
+                            <a:schemeClr val="dk1"/>
+                          </a:solidFill>
+                          <a:latin typeface="+mn-lt"/>
+                          <a:ea typeface="+mn-ea"/>
+                          <a:cs typeface="+mn-cs"/>
+                        </a:rPr>
+                        <a:t>230.130,68</a:t>
+                      </a:r>
+                      <a:endParaRPr lang="pt-BR" sz="1400" kern="1200" dirty="0">
+                        <a:solidFill>
+                          <a:schemeClr val="dk1"/>
+                        </a:solidFill>
+                        <a:latin typeface="+mn-lt"/>
+                        <a:ea typeface="+mn-ea"/>
+                        <a:cs typeface="+mn-cs"/>
+                      </a:endParaRPr>
+                    </a:p>
+                  </a:txBody>
+                  <a:tcPr/>
+                </a:tc>
+                <a:tc>
+                  <a:txBody>
+                    <a:bodyPr/>
+                    <a:lstStyle/>
+                    <a:p>
+                      <a:pPr algn="r"/>
+                      <a:r>
+                        <a:rPr lang="pt-BR" sz="1400" kern="1200" dirty="0" smtClean="0">
+                          <a:solidFill>
+                            <a:schemeClr val="dk1"/>
+                          </a:solidFill>
+                          <a:latin typeface="+mn-lt"/>
+                          <a:ea typeface="+mn-ea"/>
+                          <a:cs typeface="+mn-cs"/>
+                        </a:rPr>
+                        <a:t>15.763,95</a:t>
+                      </a:r>
+                      <a:endParaRPr lang="pt-BR" sz="1400" kern="1200" dirty="0">
+                        <a:solidFill>
+                          <a:schemeClr val="dk1"/>
+                        </a:solidFill>
+                        <a:latin typeface="+mn-lt"/>
+                        <a:ea typeface="+mn-ea"/>
+                        <a:cs typeface="+mn-cs"/>
+                      </a:endParaRPr>
+                    </a:p>
+                  </a:txBody>
+                  <a:tcPr/>
+                </a:tc>
+              </a:tr>
+              <a:tr h="370840">
+                <a:tc>
+                  <a:txBody>
+                    <a:bodyPr/>
+                    <a:lstStyle/>
+                    <a:p>
+                      <a:r>
+                        <a:rPr lang="pt-BR" sz="1400" dirty="0" smtClean="0"/>
+                        <a:t>4</a:t>
+                      </a:r>
+                      <a:endParaRPr lang="pt-BR" sz="1400" dirty="0"/>
+                    </a:p>
+                  </a:txBody>
+                  <a:tcPr/>
+                </a:tc>
+                <a:tc>
+                  <a:txBody>
+                    <a:bodyPr/>
+                    <a:lstStyle/>
+                    <a:p>
+                      <a:pPr marL="0" algn="r" defTabSz="914400" rtl="0" eaLnBrk="1" latinLnBrk="0" hangingPunct="1"/>
+                      <a:r>
+                        <a:rPr lang="pt-BR" sz="1400" kern="1200" dirty="0" smtClean="0">
+                          <a:solidFill>
+                            <a:schemeClr val="dk1"/>
+                          </a:solidFill>
+                          <a:latin typeface="+mn-lt"/>
+                          <a:ea typeface="+mn-ea"/>
+                          <a:cs typeface="+mn-cs"/>
+                        </a:rPr>
+                        <a:t>380.000</a:t>
+                      </a:r>
+                      <a:r>
+                        <a:rPr lang="pt-BR" sz="1400" dirty="0" smtClean="0"/>
+                        <a:t>,00</a:t>
+                      </a:r>
+                      <a:endParaRPr lang="pt-BR" sz="1400" kern="1200" dirty="0">
+                        <a:solidFill>
+                          <a:schemeClr val="dk1"/>
+                        </a:solidFill>
+                        <a:latin typeface="+mn-lt"/>
+                        <a:ea typeface="+mn-ea"/>
+                        <a:cs typeface="+mn-cs"/>
+                      </a:endParaRPr>
+                    </a:p>
+                  </a:txBody>
+                  <a:tcPr/>
+                </a:tc>
+                <a:tc>
+                  <a:txBody>
+                    <a:bodyPr/>
+                    <a:lstStyle/>
+                    <a:p>
+                      <a:pPr algn="r"/>
+                      <a:r>
+                        <a:rPr lang="pt-BR" sz="1400" kern="1200" dirty="0" smtClean="0">
+                          <a:solidFill>
+                            <a:schemeClr val="dk1"/>
+                          </a:solidFill>
+                          <a:latin typeface="+mn-lt"/>
+                          <a:ea typeface="+mn-ea"/>
+                          <a:cs typeface="+mn-cs"/>
+                        </a:rPr>
+                        <a:t>217.266,23</a:t>
+                      </a:r>
+                      <a:endParaRPr lang="pt-BR" sz="1400" kern="1200" dirty="0">
+                        <a:solidFill>
+                          <a:schemeClr val="dk1"/>
+                        </a:solidFill>
+                        <a:latin typeface="+mn-lt"/>
+                        <a:ea typeface="+mn-ea"/>
+                        <a:cs typeface="+mn-cs"/>
+                      </a:endParaRPr>
+                    </a:p>
+                  </a:txBody>
+                  <a:tcPr/>
+                </a:tc>
+                <a:tc>
+                  <a:txBody>
+                    <a:bodyPr/>
+                    <a:lstStyle/>
+                    <a:p>
+                      <a:pPr algn="r"/>
+                      <a:r>
+                        <a:rPr lang="pt-BR" sz="1400" kern="1200" dirty="0" smtClean="0">
+                          <a:solidFill>
+                            <a:schemeClr val="dk1"/>
+                          </a:solidFill>
+                          <a:latin typeface="+mn-lt"/>
+                          <a:ea typeface="+mn-ea"/>
+                          <a:cs typeface="+mn-cs"/>
+                        </a:rPr>
+                        <a:t>233.030,19</a:t>
+                      </a:r>
+                      <a:endParaRPr lang="pt-BR" sz="1400" kern="1200" dirty="0">
+                        <a:solidFill>
+                          <a:schemeClr val="dk1"/>
+                        </a:solidFill>
+                        <a:latin typeface="+mn-lt"/>
+                        <a:ea typeface="+mn-ea"/>
+                        <a:cs typeface="+mn-cs"/>
+                      </a:endParaRPr>
+                    </a:p>
+                  </a:txBody>
+                  <a:tcPr/>
+                </a:tc>
+              </a:tr>
+              <a:tr h="370840">
+                <a:tc>
+                  <a:txBody>
+                    <a:bodyPr/>
+                    <a:lstStyle/>
+                    <a:p>
+                      <a:r>
+                        <a:rPr lang="pt-BR" sz="1400" dirty="0" smtClean="0"/>
+                        <a:t>5</a:t>
+                      </a:r>
+                      <a:endParaRPr lang="pt-BR" sz="1400" dirty="0"/>
+                    </a:p>
+                  </a:txBody>
+                  <a:tcPr/>
+                </a:tc>
+                <a:tc>
+                  <a:txBody>
+                    <a:bodyPr/>
+                    <a:lstStyle/>
+                    <a:p>
+                      <a:pPr marL="0" algn="r" defTabSz="914400" rtl="0" eaLnBrk="1" latinLnBrk="0" hangingPunct="1"/>
+                      <a:r>
+                        <a:rPr lang="pt-BR" sz="1400" kern="1200" dirty="0" smtClean="0">
+                          <a:solidFill>
+                            <a:schemeClr val="dk1"/>
+                          </a:solidFill>
+                          <a:latin typeface="+mn-lt"/>
+                          <a:ea typeface="+mn-ea"/>
+                          <a:cs typeface="+mn-cs"/>
+                        </a:rPr>
+                        <a:t>450.000</a:t>
+                      </a:r>
+                      <a:r>
+                        <a:rPr lang="pt-BR" sz="1400" dirty="0" smtClean="0"/>
+                        <a:t>,00</a:t>
+                      </a:r>
+                      <a:endParaRPr lang="pt-BR" sz="1400" kern="1200" dirty="0">
+                        <a:solidFill>
+                          <a:schemeClr val="dk1"/>
+                        </a:solidFill>
+                        <a:latin typeface="+mn-lt"/>
+                        <a:ea typeface="+mn-ea"/>
+                        <a:cs typeface="+mn-cs"/>
+                      </a:endParaRPr>
+                    </a:p>
+                  </a:txBody>
+                  <a:tcPr/>
+                </a:tc>
+                <a:tc>
+                  <a:txBody>
+                    <a:bodyPr/>
+                    <a:lstStyle/>
+                    <a:p>
+                      <a:pPr algn="r"/>
+                      <a:r>
+                        <a:rPr lang="pt-BR" sz="1400" kern="1200" dirty="0" smtClean="0">
+                          <a:solidFill>
+                            <a:schemeClr val="dk1"/>
+                          </a:solidFill>
+                          <a:latin typeface="+mn-lt"/>
+                          <a:ea typeface="+mn-ea"/>
+                          <a:cs typeface="+mn-cs"/>
+                        </a:rPr>
+                        <a:t>223.729,53</a:t>
+                      </a:r>
+                      <a:endParaRPr lang="pt-BR" sz="1400" kern="1200" dirty="0">
+                        <a:solidFill>
+                          <a:schemeClr val="dk1"/>
+                        </a:solidFill>
+                        <a:latin typeface="+mn-lt"/>
+                        <a:ea typeface="+mn-ea"/>
+                        <a:cs typeface="+mn-cs"/>
+                      </a:endParaRPr>
+                    </a:p>
+                  </a:txBody>
+                  <a:tcPr/>
+                </a:tc>
+                <a:tc>
+                  <a:txBody>
+                    <a:bodyPr/>
+                    <a:lstStyle/>
+                    <a:p>
+                      <a:pPr algn="r"/>
+                      <a:r>
+                        <a:rPr lang="pt-BR" sz="1400" kern="1200" dirty="0" smtClean="0">
+                          <a:solidFill>
+                            <a:schemeClr val="dk1"/>
+                          </a:solidFill>
+                          <a:latin typeface="+mn-lt"/>
+                          <a:ea typeface="+mn-ea"/>
+                          <a:cs typeface="+mn-cs"/>
+                        </a:rPr>
+                        <a:t>456.759,72</a:t>
+                      </a:r>
+                      <a:endParaRPr lang="pt-BR" sz="1400" kern="1200" dirty="0">
+                        <a:solidFill>
+                          <a:schemeClr val="dk1"/>
+                        </a:solidFill>
+                        <a:latin typeface="+mn-lt"/>
+                        <a:ea typeface="+mn-ea"/>
+                        <a:cs typeface="+mn-cs"/>
+                      </a:endParaRPr>
+                    </a:p>
+                  </a:txBody>
+                  <a:tcPr/>
+                </a:tc>
+              </a:tr>
+            </a:tbl>
+          </a:graphicData>
+        </a:graphic>
+      </p:graphicFrame>
+      <p:sp>
+        <p:nvSpPr>
+          <p:cNvPr id="4" name="CaixaDeTexto 3"/>
+          <p:cNvSpPr txBox="1"/>
+          <p:nvPr/>
+        </p:nvSpPr>
+        <p:spPr>
+          <a:xfrm>
+            <a:off x="1763688" y="2924944"/>
+            <a:ext cx="2127762" cy="369332"/>
+          </a:xfrm>
+          <a:prstGeom prst="rect">
+            <a:avLst/>
+          </a:prstGeom>
+          <a:noFill/>
+        </p:spPr>
+        <p:txBody>
+          <a:bodyPr wrap="none" rtlCol="0">
+            <a:spAutoFit/>
+          </a:bodyPr>
+          <a:lstStyle/>
+          <a:p>
+            <a:r>
+              <a:rPr lang="pt-BR" b="1" dirty="0" err="1" smtClean="0"/>
+              <a:t>Payback</a:t>
+            </a:r>
+            <a:r>
+              <a:rPr lang="pt-BR" b="1" dirty="0" smtClean="0"/>
+              <a:t> descontado</a:t>
+            </a:r>
+            <a:endParaRPr lang="pt-BR" b="1" dirty="0"/>
+          </a:p>
+        </p:txBody>
+      </p:sp>
+      <mc:AlternateContent xmlns:mc="http://schemas.openxmlformats.org/markup-compatibility/2006">
+        <mc:Choice xmlns:a14="http://schemas.microsoft.com/office/drawing/2010/main" Requires="a14">
+          <p:sp>
+            <p:nvSpPr>
+              <p:cNvPr id="6" name="Retângulo 5"/>
+              <p:cNvSpPr/>
+              <p:nvPr/>
+            </p:nvSpPr>
+            <p:spPr>
+              <a:xfrm>
+                <a:off x="559329" y="5869721"/>
+                <a:ext cx="2620888" cy="1015663"/>
+              </a:xfrm>
+              <a:prstGeom prst="rect">
+                <a:avLst/>
+              </a:prstGeom>
+            </p:spPr>
+            <p:txBody>
+              <a:bodyPr wrap="square">
+                <a:spAutoFit/>
+              </a:bodyPr>
+              <a:lstStyle/>
+              <a:p>
+                <a:pPr algn="ctr"/>
+                <a:r>
+                  <a:rPr lang="pt-BR" sz="1200" b="1" dirty="0"/>
+                  <a:t>Calculando </a:t>
+                </a:r>
+                <a:r>
+                  <a:rPr lang="pt-BR" sz="1200" b="1" dirty="0"/>
+                  <a:t>o </a:t>
+                </a:r>
+                <a:r>
+                  <a:rPr lang="pt-BR" sz="1200" b="1" dirty="0" err="1"/>
+                  <a:t>Payback</a:t>
+                </a:r>
+                <a:endParaRPr lang="pt-BR" sz="1200" b="1" dirty="0"/>
+              </a:p>
+              <a:p>
+                <a:r>
+                  <a:rPr lang="pt-BR" sz="1200" dirty="0" smtClean="0"/>
+                  <a:t>2 </a:t>
+                </a:r>
+                <a:r>
+                  <a:rPr lang="pt-BR" sz="1200" dirty="0"/>
+                  <a:t>[ </a:t>
+                </a:r>
+                <a:r>
+                  <a:rPr lang="pt-BR" sz="1200" dirty="0" err="1"/>
+                  <a:t>Enter</a:t>
+                </a:r>
+                <a:r>
+                  <a:rPr lang="pt-BR" sz="1200" dirty="0"/>
+                  <a:t>]</a:t>
+                </a:r>
+              </a:p>
+              <a:p>
+                <a:r>
+                  <a:rPr lang="pt-BR" sz="1200" dirty="0" smtClean="0"/>
+                  <a:t>214.366,73[ </a:t>
+                </a:r>
+                <a:r>
+                  <a:rPr lang="pt-BR" sz="1200" dirty="0" err="1"/>
+                  <a:t>Enter</a:t>
+                </a:r>
+                <a:r>
+                  <a:rPr lang="pt-BR" sz="1200" dirty="0"/>
+                  <a:t>]</a:t>
+                </a:r>
+              </a:p>
+              <a:p>
+                <a:r>
+                  <a:rPr lang="pt-BR" sz="1200" dirty="0" smtClean="0">
+                    <a:sym typeface="Wingdings" pitchFamily="2" charset="2"/>
+                  </a:rPr>
+                  <a:t>230.130,68</a:t>
+                </a:r>
+                <a:r>
+                  <a:rPr lang="pt-BR" sz="1200" dirty="0" smtClean="0"/>
+                  <a:t> </a:t>
+                </a:r>
+                <a14:m>
+                  <m:oMath xmlns:m="http://schemas.openxmlformats.org/officeDocument/2006/math">
+                    <m:r>
+                      <a:rPr lang="pt-BR" sz="1200" i="1">
+                        <a:latin typeface="Cambria Math"/>
+                        <a:ea typeface="Cambria Math"/>
+                      </a:rPr>
+                      <m:t>÷</m:t>
+                    </m:r>
+                  </m:oMath>
+                </a14:m>
+                <a:endParaRPr lang="pt-BR" sz="1200" dirty="0">
+                  <a:ea typeface="Cambria Math"/>
+                </a:endParaRPr>
+              </a:p>
+              <a:p>
+                <a:r>
+                  <a:rPr lang="pt-BR" sz="1200" dirty="0"/>
+                  <a:t>+	</a:t>
+                </a:r>
+                <a:r>
+                  <a:rPr lang="pt-BR" sz="1200" dirty="0">
+                    <a:sym typeface="Wingdings" pitchFamily="2" charset="2"/>
+                  </a:rPr>
+                  <a:t> </a:t>
+                </a:r>
+                <a:r>
+                  <a:rPr lang="pt-BR" sz="1200" u="sng" dirty="0" smtClean="0">
+                    <a:sym typeface="Wingdings" pitchFamily="2" charset="2"/>
+                  </a:rPr>
+                  <a:t>2,93 </a:t>
+                </a:r>
+                <a:r>
+                  <a:rPr lang="pt-BR" sz="1200" u="sng" dirty="0">
+                    <a:sym typeface="Wingdings" pitchFamily="2" charset="2"/>
+                  </a:rPr>
+                  <a:t>anos</a:t>
+                </a:r>
+                <a:endParaRPr lang="pt-BR" sz="1200" u="sng" dirty="0"/>
+              </a:p>
+            </p:txBody>
+          </p:sp>
+        </mc:Choice>
+        <mc:Fallback>
+          <p:sp>
+            <p:nvSpPr>
+              <p:cNvPr id="6" name="Retângulo 5"/>
+              <p:cNvSpPr>
+                <a:spLocks noRot="1" noChangeAspect="1" noMove="1" noResize="1" noEditPoints="1" noAdjustHandles="1" noChangeArrowheads="1" noChangeShapeType="1" noTextEdit="1"/>
+              </p:cNvSpPr>
+              <p:nvPr/>
+            </p:nvSpPr>
+            <p:spPr>
+              <a:xfrm>
+                <a:off x="559329" y="5869721"/>
+                <a:ext cx="2620888" cy="1015663"/>
+              </a:xfrm>
+              <a:prstGeom prst="rect">
+                <a:avLst/>
+              </a:prstGeom>
+              <a:blipFill rotWithShape="1">
+                <a:blip r:embed="rId2"/>
+                <a:stretch>
+                  <a:fillRect l="-233" b="-4819"/>
+                </a:stretch>
+              </a:blipFill>
+            </p:spPr>
+            <p:txBody>
+              <a:bodyPr/>
+              <a:lstStyle/>
+              <a:p>
+                <a:r>
+                  <a:rPr lang="pt-BR">
+                    <a:noFill/>
+                  </a:rPr>
+                  <a:t> </a:t>
+                </a:r>
+              </a:p>
+            </p:txBody>
+          </p:sp>
+        </mc:Fallback>
+      </mc:AlternateContent>
+      <p:sp>
+        <p:nvSpPr>
+          <p:cNvPr id="74" name="CaixaDeTexto 73"/>
+          <p:cNvSpPr txBox="1"/>
+          <p:nvPr/>
+        </p:nvSpPr>
+        <p:spPr>
+          <a:xfrm>
+            <a:off x="6171913" y="2553285"/>
+            <a:ext cx="2520242" cy="3323987"/>
+          </a:xfrm>
+          <a:prstGeom prst="rect">
+            <a:avLst/>
+          </a:prstGeom>
+          <a:noFill/>
+        </p:spPr>
+        <p:txBody>
+          <a:bodyPr wrap="none" numCol="1" rtlCol="0">
+            <a:spAutoFit/>
+          </a:bodyPr>
+          <a:lstStyle/>
+          <a:p>
+            <a:pPr algn="ctr"/>
+            <a:r>
+              <a:rPr lang="pt-BR" b="1" dirty="0" smtClean="0"/>
+              <a:t>Calculando o VPL</a:t>
+            </a:r>
+          </a:p>
+          <a:p>
+            <a:pPr algn="just"/>
+            <a:r>
+              <a:rPr lang="pt-BR" dirty="0" smtClean="0"/>
+              <a:t>15 i</a:t>
+            </a:r>
+          </a:p>
+          <a:p>
+            <a:pPr algn="just"/>
+            <a:r>
+              <a:rPr lang="pt-BR" dirty="0" smtClean="0"/>
+              <a:t>600.000 CHS g CF</a:t>
+            </a:r>
+            <a:r>
+              <a:rPr lang="pt-BR" baseline="-25000" dirty="0" smtClean="0"/>
+              <a:t>0</a:t>
+            </a:r>
+            <a:endParaRPr lang="pt-BR" dirty="0" smtClean="0"/>
+          </a:p>
+          <a:p>
+            <a:pPr algn="just"/>
+            <a:r>
+              <a:rPr lang="pt-BR" dirty="0"/>
+              <a:t>200.000 g </a:t>
+            </a:r>
+            <a:r>
+              <a:rPr lang="pt-BR" dirty="0" err="1"/>
+              <a:t>CFj</a:t>
+            </a:r>
+            <a:endParaRPr lang="pt-BR" dirty="0"/>
+          </a:p>
+          <a:p>
+            <a:pPr algn="just"/>
+            <a:r>
+              <a:rPr lang="pt-BR" dirty="0" smtClean="0"/>
+              <a:t>280.000 </a:t>
+            </a:r>
+            <a:r>
+              <a:rPr lang="pt-BR" dirty="0"/>
+              <a:t>g </a:t>
+            </a:r>
+            <a:r>
+              <a:rPr lang="pt-BR" dirty="0" err="1"/>
+              <a:t>CFj</a:t>
+            </a:r>
+            <a:endParaRPr lang="pt-BR" dirty="0"/>
+          </a:p>
+          <a:p>
+            <a:pPr algn="just"/>
+            <a:r>
+              <a:rPr lang="pt-BR" dirty="0" smtClean="0"/>
+              <a:t>350.000 </a:t>
+            </a:r>
+            <a:r>
+              <a:rPr lang="pt-BR" dirty="0"/>
+              <a:t>g </a:t>
+            </a:r>
+            <a:r>
+              <a:rPr lang="pt-BR" dirty="0" err="1"/>
+              <a:t>CFj</a:t>
+            </a:r>
+            <a:endParaRPr lang="pt-BR" dirty="0"/>
+          </a:p>
+          <a:p>
+            <a:pPr algn="just"/>
+            <a:r>
+              <a:rPr lang="pt-BR" dirty="0" smtClean="0"/>
+              <a:t>380.000 </a:t>
+            </a:r>
+            <a:r>
+              <a:rPr lang="pt-BR" dirty="0"/>
+              <a:t>g </a:t>
+            </a:r>
+            <a:r>
+              <a:rPr lang="pt-BR" dirty="0" err="1"/>
+              <a:t>CFj</a:t>
+            </a:r>
+            <a:endParaRPr lang="pt-BR" dirty="0"/>
+          </a:p>
+          <a:p>
+            <a:pPr algn="just"/>
+            <a:r>
+              <a:rPr lang="pt-BR" dirty="0" smtClean="0"/>
+              <a:t>450.000 </a:t>
+            </a:r>
+            <a:r>
+              <a:rPr lang="pt-BR" dirty="0"/>
+              <a:t>g </a:t>
+            </a:r>
+            <a:r>
+              <a:rPr lang="pt-BR" dirty="0" err="1"/>
+              <a:t>CFj</a:t>
+            </a:r>
+            <a:endParaRPr lang="pt-BR" dirty="0"/>
+          </a:p>
+          <a:p>
+            <a:pPr algn="just"/>
+            <a:r>
+              <a:rPr lang="pt-BR" dirty="0" smtClean="0"/>
+              <a:t>f NPV	</a:t>
+            </a:r>
+            <a:r>
+              <a:rPr lang="pt-BR" dirty="0" smtClean="0">
+                <a:sym typeface="Wingdings" pitchFamily="2" charset="2"/>
+              </a:rPr>
+              <a:t> </a:t>
+            </a:r>
+            <a:r>
+              <a:rPr lang="pt-BR" u="sng" dirty="0" smtClean="0">
+                <a:sym typeface="Wingdings" pitchFamily="2" charset="2"/>
+              </a:rPr>
+              <a:t>456.759,72</a:t>
+            </a:r>
+            <a:endParaRPr lang="pt-BR" u="sng" dirty="0" smtClean="0"/>
+          </a:p>
+          <a:p>
+            <a:pPr algn="just"/>
+            <a:endParaRPr lang="pt-BR" baseline="-25000" dirty="0" smtClean="0"/>
+          </a:p>
+          <a:p>
+            <a:pPr algn="ctr"/>
+            <a:r>
+              <a:rPr lang="pt-BR" b="1" dirty="0" smtClean="0"/>
+              <a:t>Calculando a TIR</a:t>
+            </a:r>
+          </a:p>
+          <a:p>
+            <a:r>
+              <a:rPr lang="pt-BR" dirty="0" smtClean="0"/>
+              <a:t>f IRR	</a:t>
+            </a:r>
+            <a:r>
+              <a:rPr lang="pt-BR" dirty="0" smtClean="0">
+                <a:sym typeface="Wingdings" pitchFamily="2" charset="2"/>
+              </a:rPr>
+              <a:t> </a:t>
+            </a:r>
+            <a:r>
+              <a:rPr lang="pt-BR" u="sng" dirty="0" smtClean="0">
+                <a:sym typeface="Wingdings" pitchFamily="2" charset="2"/>
+              </a:rPr>
+              <a:t>39,64 % a.a.</a:t>
+            </a:r>
+            <a:endParaRPr lang="pt-BR" dirty="0" smtClean="0"/>
+          </a:p>
+        </p:txBody>
+      </p:sp>
+      <p:sp>
+        <p:nvSpPr>
+          <p:cNvPr id="7" name="CaixaDeTexto 6"/>
+          <p:cNvSpPr txBox="1"/>
+          <p:nvPr/>
+        </p:nvSpPr>
+        <p:spPr>
+          <a:xfrm>
+            <a:off x="5921005" y="5898401"/>
+            <a:ext cx="3171317" cy="923330"/>
+          </a:xfrm>
+          <a:prstGeom prst="rect">
+            <a:avLst/>
+          </a:prstGeom>
+          <a:noFill/>
+        </p:spPr>
+        <p:txBody>
+          <a:bodyPr wrap="none" rtlCol="0">
+            <a:spAutoFit/>
+          </a:bodyPr>
+          <a:lstStyle/>
+          <a:p>
+            <a:r>
+              <a:rPr lang="pt-BR" b="1" dirty="0" err="1" smtClean="0"/>
+              <a:t>Payback</a:t>
+            </a:r>
+            <a:r>
+              <a:rPr lang="pt-BR" b="1" dirty="0" smtClean="0"/>
+              <a:t> Descontado</a:t>
+            </a:r>
+            <a:r>
+              <a:rPr lang="pt-BR" dirty="0" smtClean="0"/>
+              <a:t>: 2,93 anos</a:t>
+            </a:r>
+          </a:p>
+          <a:p>
+            <a:r>
+              <a:rPr lang="pt-BR" b="1" dirty="0" smtClean="0"/>
+              <a:t>VPL</a:t>
+            </a:r>
+            <a:r>
+              <a:rPr lang="pt-BR" dirty="0" smtClean="0"/>
+              <a:t>: R$ 456.759,72</a:t>
+            </a:r>
+          </a:p>
+          <a:p>
+            <a:r>
+              <a:rPr lang="pt-BR" b="1" dirty="0" smtClean="0"/>
+              <a:t>TIR</a:t>
+            </a:r>
+            <a:r>
+              <a:rPr lang="pt-BR" dirty="0" smtClean="0"/>
+              <a:t>: 39,64% a.a.</a:t>
+            </a:r>
+            <a:endParaRPr lang="pt-BR" dirty="0"/>
+          </a:p>
+        </p:txBody>
+      </p:sp>
+      <p:grpSp>
+        <p:nvGrpSpPr>
+          <p:cNvPr id="3" name="Grupo 2"/>
+          <p:cNvGrpSpPr/>
+          <p:nvPr/>
+        </p:nvGrpSpPr>
+        <p:grpSpPr>
+          <a:xfrm>
+            <a:off x="1256999" y="332656"/>
+            <a:ext cx="3963073" cy="2507709"/>
+            <a:chOff x="1256999" y="332656"/>
+            <a:chExt cx="3963073" cy="2507709"/>
+          </a:xfrm>
+        </p:grpSpPr>
+        <p:cxnSp>
+          <p:nvCxnSpPr>
+            <p:cNvPr id="57" name="Conector de seta reta 56"/>
+            <p:cNvCxnSpPr/>
+            <p:nvPr/>
+          </p:nvCxnSpPr>
+          <p:spPr>
+            <a:xfrm>
+              <a:off x="1673781" y="1455831"/>
+              <a:ext cx="0" cy="1045980"/>
+            </a:xfrm>
+            <a:prstGeom prst="straightConnector1">
+              <a:avLst/>
+            </a:prstGeom>
+            <a:ln w="12700">
+              <a:solidFill>
+                <a:schemeClr val="tx1"/>
+              </a:solidFill>
+              <a:tailEnd type="arrow"/>
+            </a:ln>
+          </p:spPr>
+          <p:style>
+            <a:lnRef idx="1">
+              <a:schemeClr val="accent1"/>
+            </a:lnRef>
+            <a:fillRef idx="0">
+              <a:schemeClr val="accent1"/>
+            </a:fillRef>
+            <a:effectRef idx="0">
+              <a:schemeClr val="accent1"/>
+            </a:effectRef>
+            <a:fontRef idx="minor">
+              <a:schemeClr val="tx1"/>
+            </a:fontRef>
+          </p:style>
+        </p:cxnSp>
+        <p:cxnSp>
+          <p:nvCxnSpPr>
+            <p:cNvPr id="59" name="Conector reto 58"/>
+            <p:cNvCxnSpPr/>
+            <p:nvPr/>
+          </p:nvCxnSpPr>
+          <p:spPr>
+            <a:xfrm flipV="1">
+              <a:off x="1673781" y="1451724"/>
+              <a:ext cx="2932277" cy="4107"/>
+            </a:xfrm>
+            <a:prstGeom prst="line">
+              <a:avLst/>
+            </a:prstGeom>
+            <a:ln w="12700">
+              <a:solidFill>
+                <a:schemeClr val="tx1"/>
+              </a:solidFill>
+            </a:ln>
+          </p:spPr>
+          <p:style>
+            <a:lnRef idx="1">
+              <a:schemeClr val="accent1"/>
+            </a:lnRef>
+            <a:fillRef idx="0">
+              <a:schemeClr val="accent1"/>
+            </a:fillRef>
+            <a:effectRef idx="0">
+              <a:schemeClr val="accent1"/>
+            </a:effectRef>
+            <a:fontRef idx="minor">
+              <a:schemeClr val="tx1"/>
+            </a:fontRef>
+          </p:style>
+        </p:cxnSp>
+        <p:cxnSp>
+          <p:nvCxnSpPr>
+            <p:cNvPr id="60" name="Conector de seta reta 59"/>
+            <p:cNvCxnSpPr/>
+            <p:nvPr/>
+          </p:nvCxnSpPr>
+          <p:spPr>
+            <a:xfrm flipV="1">
+              <a:off x="4606058" y="706796"/>
+              <a:ext cx="0" cy="744928"/>
+            </a:xfrm>
+            <a:prstGeom prst="straightConnector1">
+              <a:avLst/>
+            </a:prstGeom>
+            <a:ln w="12700">
+              <a:solidFill>
+                <a:schemeClr val="tx1"/>
+              </a:solidFill>
+              <a:tailEnd type="arrow"/>
+            </a:ln>
+          </p:spPr>
+          <p:style>
+            <a:lnRef idx="1">
+              <a:schemeClr val="accent1"/>
+            </a:lnRef>
+            <a:fillRef idx="0">
+              <a:schemeClr val="accent1"/>
+            </a:fillRef>
+            <a:effectRef idx="0">
+              <a:schemeClr val="accent1"/>
+            </a:effectRef>
+            <a:fontRef idx="minor">
+              <a:schemeClr val="tx1"/>
+            </a:fontRef>
+          </p:style>
+        </p:cxnSp>
+        <p:sp>
+          <p:nvSpPr>
+            <p:cNvPr id="61" name="CaixaDeTexto 60"/>
+            <p:cNvSpPr txBox="1"/>
+            <p:nvPr/>
+          </p:nvSpPr>
+          <p:spPr>
+            <a:xfrm>
+              <a:off x="1256999" y="2501811"/>
+              <a:ext cx="1425390" cy="338554"/>
+            </a:xfrm>
+            <a:prstGeom prst="rect">
+              <a:avLst/>
+            </a:prstGeom>
+            <a:noFill/>
+          </p:spPr>
+          <p:txBody>
+            <a:bodyPr wrap="none" rtlCol="0">
+              <a:spAutoFit/>
+            </a:bodyPr>
+            <a:lstStyle/>
+            <a:p>
+              <a:r>
+                <a:rPr lang="pt-BR" sz="1600" dirty="0" smtClean="0"/>
+                <a:t>C = </a:t>
+              </a:r>
+              <a:r>
+                <a:rPr lang="pt-BR" sz="1600" dirty="0" smtClean="0"/>
+                <a:t>600.000,00</a:t>
+              </a:r>
+              <a:endParaRPr lang="pt-BR" sz="1600" dirty="0"/>
+            </a:p>
+          </p:txBody>
+        </p:sp>
+        <p:cxnSp>
+          <p:nvCxnSpPr>
+            <p:cNvPr id="62" name="Conector de seta reta 61"/>
+            <p:cNvCxnSpPr/>
+            <p:nvPr/>
+          </p:nvCxnSpPr>
+          <p:spPr>
+            <a:xfrm flipV="1">
+              <a:off x="3269029" y="713262"/>
+              <a:ext cx="0" cy="744928"/>
+            </a:xfrm>
+            <a:prstGeom prst="straightConnector1">
+              <a:avLst/>
+            </a:prstGeom>
+            <a:ln w="12700">
+              <a:solidFill>
+                <a:schemeClr val="tx1"/>
+              </a:solidFill>
+              <a:tailEnd type="arrow"/>
+            </a:ln>
+          </p:spPr>
+          <p:style>
+            <a:lnRef idx="1">
+              <a:schemeClr val="accent1"/>
+            </a:lnRef>
+            <a:fillRef idx="0">
+              <a:schemeClr val="accent1"/>
+            </a:fillRef>
+            <a:effectRef idx="0">
+              <a:schemeClr val="accent1"/>
+            </a:effectRef>
+            <a:fontRef idx="minor">
+              <a:schemeClr val="tx1"/>
+            </a:fontRef>
+          </p:style>
+        </p:cxnSp>
+        <p:cxnSp>
+          <p:nvCxnSpPr>
+            <p:cNvPr id="63" name="Conector de seta reta 62"/>
+            <p:cNvCxnSpPr/>
+            <p:nvPr/>
+          </p:nvCxnSpPr>
+          <p:spPr>
+            <a:xfrm flipV="1">
+              <a:off x="2020616" y="713262"/>
+              <a:ext cx="0" cy="744928"/>
+            </a:xfrm>
+            <a:prstGeom prst="straightConnector1">
+              <a:avLst/>
+            </a:prstGeom>
+            <a:ln w="12700">
+              <a:solidFill>
+                <a:schemeClr val="tx1"/>
+              </a:solidFill>
+              <a:tailEnd type="arrow"/>
+            </a:ln>
+          </p:spPr>
+          <p:style>
+            <a:lnRef idx="1">
+              <a:schemeClr val="accent1"/>
+            </a:lnRef>
+            <a:fillRef idx="0">
+              <a:schemeClr val="accent1"/>
+            </a:fillRef>
+            <a:effectRef idx="0">
+              <a:schemeClr val="accent1"/>
+            </a:effectRef>
+            <a:fontRef idx="minor">
+              <a:schemeClr val="tx1"/>
+            </a:fontRef>
+          </p:style>
+        </p:cxnSp>
+        <p:sp>
+          <p:nvSpPr>
+            <p:cNvPr id="64" name="CaixaDeTexto 63"/>
+            <p:cNvSpPr txBox="1"/>
+            <p:nvPr/>
+          </p:nvSpPr>
+          <p:spPr>
+            <a:xfrm>
+              <a:off x="1448289" y="332656"/>
+              <a:ext cx="819455" cy="307777"/>
+            </a:xfrm>
+            <a:prstGeom prst="rect">
+              <a:avLst/>
+            </a:prstGeom>
+            <a:noFill/>
+          </p:spPr>
+          <p:txBody>
+            <a:bodyPr wrap="none" rtlCol="0">
+              <a:spAutoFit/>
+            </a:bodyPr>
+            <a:lstStyle/>
+            <a:p>
+              <a:r>
+                <a:rPr lang="pt-BR" sz="1400" dirty="0" smtClean="0"/>
+                <a:t>R </a:t>
+              </a:r>
+              <a:r>
+                <a:rPr lang="pt-BR" sz="1400" dirty="0" smtClean="0"/>
+                <a:t>= </a:t>
+              </a:r>
+              <a:r>
+                <a:rPr lang="pt-BR" sz="1400" dirty="0" smtClean="0"/>
+                <a:t>200K</a:t>
+              </a:r>
+              <a:endParaRPr lang="pt-BR" sz="1400" dirty="0"/>
+            </a:p>
+          </p:txBody>
+        </p:sp>
+        <p:sp>
+          <p:nvSpPr>
+            <p:cNvPr id="67" name="CaixaDeTexto 66"/>
+            <p:cNvSpPr txBox="1"/>
+            <p:nvPr/>
+          </p:nvSpPr>
+          <p:spPr>
+            <a:xfrm>
+              <a:off x="1869773" y="1462852"/>
+              <a:ext cx="301686" cy="369332"/>
+            </a:xfrm>
+            <a:prstGeom prst="rect">
+              <a:avLst/>
+            </a:prstGeom>
+            <a:noFill/>
+          </p:spPr>
+          <p:txBody>
+            <a:bodyPr wrap="none" rtlCol="0">
+              <a:spAutoFit/>
+            </a:bodyPr>
+            <a:lstStyle/>
+            <a:p>
+              <a:r>
+                <a:rPr lang="pt-BR" dirty="0" smtClean="0"/>
+                <a:t>1</a:t>
+              </a:r>
+              <a:endParaRPr lang="pt-BR" dirty="0"/>
+            </a:p>
+          </p:txBody>
+        </p:sp>
+        <p:sp>
+          <p:nvSpPr>
+            <p:cNvPr id="68" name="CaixaDeTexto 67"/>
+            <p:cNvSpPr txBox="1"/>
+            <p:nvPr/>
+          </p:nvSpPr>
+          <p:spPr>
+            <a:xfrm>
+              <a:off x="3118186" y="1472144"/>
+              <a:ext cx="301686" cy="369332"/>
+            </a:xfrm>
+            <a:prstGeom prst="rect">
+              <a:avLst/>
+            </a:prstGeom>
+            <a:noFill/>
+          </p:spPr>
+          <p:txBody>
+            <a:bodyPr wrap="none" rtlCol="0">
+              <a:spAutoFit/>
+            </a:bodyPr>
+            <a:lstStyle/>
+            <a:p>
+              <a:r>
+                <a:rPr lang="pt-BR" dirty="0" smtClean="0"/>
+                <a:t>3</a:t>
+              </a:r>
+              <a:endParaRPr lang="pt-BR" dirty="0"/>
+            </a:p>
+          </p:txBody>
+        </p:sp>
+        <p:sp>
+          <p:nvSpPr>
+            <p:cNvPr id="72" name="CaixaDeTexto 71"/>
+            <p:cNvSpPr txBox="1"/>
+            <p:nvPr/>
+          </p:nvSpPr>
+          <p:spPr>
+            <a:xfrm>
+              <a:off x="4414330" y="1472144"/>
+              <a:ext cx="301686" cy="369332"/>
+            </a:xfrm>
+            <a:prstGeom prst="rect">
+              <a:avLst/>
+            </a:prstGeom>
+            <a:noFill/>
+          </p:spPr>
+          <p:txBody>
+            <a:bodyPr wrap="none" rtlCol="0">
+              <a:spAutoFit/>
+            </a:bodyPr>
+            <a:lstStyle/>
+            <a:p>
+              <a:r>
+                <a:rPr lang="pt-BR" dirty="0"/>
+                <a:t>5</a:t>
+              </a:r>
+            </a:p>
+          </p:txBody>
+        </p:sp>
+        <p:cxnSp>
+          <p:nvCxnSpPr>
+            <p:cNvPr id="23" name="Conector de seta reta 22"/>
+            <p:cNvCxnSpPr/>
+            <p:nvPr/>
+          </p:nvCxnSpPr>
+          <p:spPr>
+            <a:xfrm flipV="1">
+              <a:off x="2627784" y="713361"/>
+              <a:ext cx="0" cy="744928"/>
+            </a:xfrm>
+            <a:prstGeom prst="straightConnector1">
+              <a:avLst/>
+            </a:prstGeom>
+            <a:ln w="12700">
+              <a:solidFill>
+                <a:schemeClr val="tx1"/>
+              </a:solidFill>
+              <a:tailEnd type="arrow"/>
+            </a:ln>
+          </p:spPr>
+          <p:style>
+            <a:lnRef idx="1">
+              <a:schemeClr val="accent1"/>
+            </a:lnRef>
+            <a:fillRef idx="0">
+              <a:schemeClr val="accent1"/>
+            </a:fillRef>
+            <a:effectRef idx="0">
+              <a:schemeClr val="accent1"/>
+            </a:effectRef>
+            <a:fontRef idx="minor">
+              <a:schemeClr val="tx1"/>
+            </a:fontRef>
+          </p:style>
+        </p:cxnSp>
+        <p:cxnSp>
+          <p:nvCxnSpPr>
+            <p:cNvPr id="24" name="Conector de seta reta 23"/>
+            <p:cNvCxnSpPr/>
+            <p:nvPr/>
+          </p:nvCxnSpPr>
+          <p:spPr>
+            <a:xfrm flipV="1">
+              <a:off x="3995936" y="727216"/>
+              <a:ext cx="0" cy="744928"/>
+            </a:xfrm>
+            <a:prstGeom prst="straightConnector1">
+              <a:avLst/>
+            </a:prstGeom>
+            <a:ln w="12700">
+              <a:solidFill>
+                <a:schemeClr val="tx1"/>
+              </a:solidFill>
+              <a:tailEnd type="arrow"/>
+            </a:ln>
+          </p:spPr>
+          <p:style>
+            <a:lnRef idx="1">
+              <a:schemeClr val="accent1"/>
+            </a:lnRef>
+            <a:fillRef idx="0">
+              <a:schemeClr val="accent1"/>
+            </a:fillRef>
+            <a:effectRef idx="0">
+              <a:schemeClr val="accent1"/>
+            </a:effectRef>
+            <a:fontRef idx="minor">
+              <a:schemeClr val="tx1"/>
+            </a:fontRef>
+          </p:style>
+        </p:cxnSp>
+        <p:sp>
+          <p:nvSpPr>
+            <p:cNvPr id="25" name="CaixaDeTexto 24"/>
+            <p:cNvSpPr txBox="1"/>
+            <p:nvPr/>
+          </p:nvSpPr>
+          <p:spPr>
+            <a:xfrm>
+              <a:off x="2143215" y="332656"/>
+              <a:ext cx="819455" cy="307777"/>
+            </a:xfrm>
+            <a:prstGeom prst="rect">
+              <a:avLst/>
+            </a:prstGeom>
+            <a:noFill/>
+          </p:spPr>
+          <p:txBody>
+            <a:bodyPr wrap="none" rtlCol="0">
+              <a:spAutoFit/>
+            </a:bodyPr>
+            <a:lstStyle/>
+            <a:p>
+              <a:r>
+                <a:rPr lang="pt-BR" sz="1400" dirty="0" smtClean="0"/>
+                <a:t>R </a:t>
+              </a:r>
+              <a:r>
+                <a:rPr lang="pt-BR" sz="1400" dirty="0" smtClean="0"/>
+                <a:t>= </a:t>
+              </a:r>
+              <a:r>
+                <a:rPr lang="pt-BR" sz="1400" dirty="0" smtClean="0"/>
+                <a:t>280K</a:t>
+              </a:r>
+              <a:endParaRPr lang="pt-BR" sz="1400" dirty="0"/>
+            </a:p>
+          </p:txBody>
+        </p:sp>
+        <p:sp>
+          <p:nvSpPr>
+            <p:cNvPr id="26" name="CaixaDeTexto 25"/>
+            <p:cNvSpPr txBox="1"/>
+            <p:nvPr/>
+          </p:nvSpPr>
+          <p:spPr>
+            <a:xfrm>
+              <a:off x="2867483" y="332656"/>
+              <a:ext cx="819455" cy="307777"/>
+            </a:xfrm>
+            <a:prstGeom prst="rect">
+              <a:avLst/>
+            </a:prstGeom>
+            <a:noFill/>
+          </p:spPr>
+          <p:txBody>
+            <a:bodyPr wrap="none" rtlCol="0">
+              <a:spAutoFit/>
+            </a:bodyPr>
+            <a:lstStyle/>
+            <a:p>
+              <a:r>
+                <a:rPr lang="pt-BR" sz="1400" dirty="0" smtClean="0"/>
+                <a:t>R </a:t>
+              </a:r>
+              <a:r>
+                <a:rPr lang="pt-BR" sz="1400" dirty="0" smtClean="0"/>
+                <a:t>= </a:t>
+              </a:r>
+              <a:r>
+                <a:rPr lang="pt-BR" sz="1400" dirty="0" smtClean="0"/>
+                <a:t>35</a:t>
+              </a:r>
+              <a:r>
+                <a:rPr lang="pt-BR" sz="1400" dirty="0" smtClean="0"/>
+                <a:t>0K</a:t>
+              </a:r>
+              <a:endParaRPr lang="pt-BR" sz="1400" dirty="0"/>
+            </a:p>
+          </p:txBody>
+        </p:sp>
+        <p:sp>
+          <p:nvSpPr>
+            <p:cNvPr id="27" name="CaixaDeTexto 26"/>
+            <p:cNvSpPr txBox="1"/>
+            <p:nvPr/>
+          </p:nvSpPr>
+          <p:spPr>
+            <a:xfrm>
+              <a:off x="3563888" y="332656"/>
+              <a:ext cx="819455" cy="307777"/>
+            </a:xfrm>
+            <a:prstGeom prst="rect">
+              <a:avLst/>
+            </a:prstGeom>
+            <a:noFill/>
+          </p:spPr>
+          <p:txBody>
+            <a:bodyPr wrap="none" rtlCol="0">
+              <a:spAutoFit/>
+            </a:bodyPr>
+            <a:lstStyle/>
+            <a:p>
+              <a:r>
+                <a:rPr lang="pt-BR" sz="1400" dirty="0" smtClean="0"/>
+                <a:t>R </a:t>
+              </a:r>
+              <a:r>
+                <a:rPr lang="pt-BR" sz="1400" dirty="0" smtClean="0"/>
+                <a:t>= </a:t>
+              </a:r>
+              <a:r>
+                <a:rPr lang="pt-BR" sz="1400" dirty="0" smtClean="0"/>
+                <a:t>38</a:t>
+              </a:r>
+              <a:r>
+                <a:rPr lang="pt-BR" sz="1400" dirty="0" smtClean="0"/>
+                <a:t>0K</a:t>
+              </a:r>
+              <a:endParaRPr lang="pt-BR" sz="1400" dirty="0"/>
+            </a:p>
+          </p:txBody>
+        </p:sp>
+        <p:sp>
+          <p:nvSpPr>
+            <p:cNvPr id="28" name="CaixaDeTexto 27"/>
+            <p:cNvSpPr txBox="1"/>
+            <p:nvPr/>
+          </p:nvSpPr>
+          <p:spPr>
+            <a:xfrm>
+              <a:off x="4400617" y="348145"/>
+              <a:ext cx="819455" cy="307777"/>
+            </a:xfrm>
+            <a:prstGeom prst="rect">
+              <a:avLst/>
+            </a:prstGeom>
+            <a:noFill/>
+          </p:spPr>
+          <p:txBody>
+            <a:bodyPr wrap="none" rtlCol="0">
+              <a:spAutoFit/>
+            </a:bodyPr>
+            <a:lstStyle/>
+            <a:p>
+              <a:r>
+                <a:rPr lang="pt-BR" sz="1400" dirty="0" smtClean="0"/>
+                <a:t>R </a:t>
+              </a:r>
+              <a:r>
+                <a:rPr lang="pt-BR" sz="1400" dirty="0" smtClean="0"/>
+                <a:t>= </a:t>
+              </a:r>
+              <a:r>
+                <a:rPr lang="pt-BR" sz="1400" dirty="0" smtClean="0"/>
+                <a:t>45</a:t>
+              </a:r>
+              <a:r>
+                <a:rPr lang="pt-BR" sz="1400" dirty="0" smtClean="0"/>
+                <a:t>0K</a:t>
+              </a:r>
+              <a:endParaRPr lang="pt-BR" sz="1400" dirty="0"/>
+            </a:p>
+          </p:txBody>
+        </p:sp>
+        <p:sp>
+          <p:nvSpPr>
+            <p:cNvPr id="29" name="CaixaDeTexto 28"/>
+            <p:cNvSpPr txBox="1"/>
+            <p:nvPr/>
+          </p:nvSpPr>
+          <p:spPr>
+            <a:xfrm>
+              <a:off x="2496880" y="1458190"/>
+              <a:ext cx="301686" cy="369332"/>
+            </a:xfrm>
+            <a:prstGeom prst="rect">
+              <a:avLst/>
+            </a:prstGeom>
+            <a:noFill/>
+          </p:spPr>
+          <p:txBody>
+            <a:bodyPr wrap="none" rtlCol="0">
+              <a:spAutoFit/>
+            </a:bodyPr>
+            <a:lstStyle/>
+            <a:p>
+              <a:r>
+                <a:rPr lang="pt-BR" dirty="0" smtClean="0"/>
+                <a:t>2</a:t>
+              </a:r>
+              <a:endParaRPr lang="pt-BR" dirty="0"/>
+            </a:p>
+          </p:txBody>
+        </p:sp>
+        <p:sp>
+          <p:nvSpPr>
+            <p:cNvPr id="30" name="CaixaDeTexto 29"/>
+            <p:cNvSpPr txBox="1"/>
+            <p:nvPr/>
+          </p:nvSpPr>
+          <p:spPr>
+            <a:xfrm>
+              <a:off x="3891450" y="1472144"/>
+              <a:ext cx="301686" cy="369332"/>
+            </a:xfrm>
+            <a:prstGeom prst="rect">
+              <a:avLst/>
+            </a:prstGeom>
+            <a:noFill/>
+          </p:spPr>
+          <p:txBody>
+            <a:bodyPr wrap="none" rtlCol="0">
+              <a:spAutoFit/>
+            </a:bodyPr>
+            <a:lstStyle/>
+            <a:p>
+              <a:r>
+                <a:rPr lang="pt-BR" dirty="0" smtClean="0"/>
+                <a:t>4</a:t>
+              </a:r>
+              <a:endParaRPr lang="pt-BR" dirty="0"/>
+            </a:p>
+          </p:txBody>
+        </p:sp>
+      </p:grpSp>
+    </p:spTree>
+    <p:extLst>
+      <p:ext uri="{BB962C8B-B14F-4D97-AF65-F5344CB8AC3E}">
+        <p14:creationId xmlns:p14="http://schemas.microsoft.com/office/powerpoint/2010/main" val="2880762670"/>
+      </p:ext>
+    </p:extLst>
+  </p:cSld>
+  <p:clrMapOvr>
+    <a:masterClrMapping/>
+  </p:clrMapOvr>
+</p:sld>
+</file>
+
+<file path=ppt/slides/slide43.xml><?xml version="1.0" encoding="utf-8"?>
+<p:sld xmlns:a="http://schemas.openxmlformats.org/drawingml/2006/main" xmlns:r="http://schemas.openxmlformats.org/officeDocument/2006/relationships" xmlns:p="http://schemas.openxmlformats.org/presentationml/2006/main">
+  <p:cSld>
+    <p:spTree>
+      <p:nvGrpSpPr>
+        <p:cNvPr id="1" name=""/>
+        <p:cNvGrpSpPr/>
+        <p:nvPr/>
+      </p:nvGrpSpPr>
+      <p:grpSpPr>
+        <a:xfrm>
+          <a:off x="0" y="0"/>
+          <a:ext cx="0" cy="0"/>
+          <a:chOff x="0" y="0"/>
+          <a:chExt cx="0" cy="0"/>
+        </a:xfrm>
+      </p:grpSpPr>
+      <p:sp>
+        <p:nvSpPr>
+          <p:cNvPr id="2" name="Elipse 1"/>
+          <p:cNvSpPr/>
+          <p:nvPr/>
+        </p:nvSpPr>
+        <p:spPr>
+          <a:xfrm>
+            <a:off x="107504" y="44624"/>
+            <a:ext cx="821770" cy="792088"/>
+          </a:xfrm>
+          <a:prstGeom prst="ellipse">
+            <a:avLst/>
+          </a:prstGeom>
+        </p:spPr>
+        <p:style>
+          <a:lnRef idx="2">
+            <a:schemeClr val="accent1">
+              <a:shade val="50000"/>
+            </a:schemeClr>
+          </a:lnRef>
+          <a:fillRef idx="1">
+            <a:schemeClr val="accent1"/>
+          </a:fillRef>
+          <a:effectRef idx="0">
+            <a:schemeClr val="accent1"/>
+          </a:effectRef>
+          <a:fontRef idx="minor">
+            <a:schemeClr val="lt1"/>
+          </a:fontRef>
+        </p:style>
+        <p:txBody>
+          <a:bodyPr rtlCol="0" anchor="ctr"/>
+          <a:lstStyle/>
+          <a:p>
+            <a:pPr algn="ctr"/>
+            <a:r>
+              <a:rPr lang="pt-BR" dirty="0" smtClean="0"/>
+              <a:t>6</a:t>
+            </a:r>
+            <a:endParaRPr lang="pt-BR" dirty="0" smtClean="0"/>
+          </a:p>
+        </p:txBody>
+      </p:sp>
+      <p:sp>
+        <p:nvSpPr>
+          <p:cNvPr id="3" name="CaixaDeTexto 2"/>
+          <p:cNvSpPr txBox="1"/>
+          <p:nvPr/>
+        </p:nvSpPr>
+        <p:spPr>
+          <a:xfrm>
+            <a:off x="968371" y="332656"/>
+            <a:ext cx="6843989" cy="1754326"/>
+          </a:xfrm>
+          <a:prstGeom prst="rect">
+            <a:avLst/>
+          </a:prstGeom>
+          <a:noFill/>
+        </p:spPr>
+        <p:txBody>
+          <a:bodyPr wrap="none" rtlCol="0">
+            <a:spAutoFit/>
+          </a:bodyPr>
+          <a:lstStyle/>
+          <a:p>
+            <a:r>
+              <a:rPr lang="pt-BR" dirty="0" smtClean="0"/>
+              <a:t>Mantendo o sistema atual: R$ 60.000,00 / ano</a:t>
+            </a:r>
+          </a:p>
+          <a:p>
+            <a:r>
+              <a:rPr lang="pt-BR" dirty="0" smtClean="0"/>
+              <a:t>Novo Sistema: </a:t>
+            </a:r>
+          </a:p>
+          <a:p>
+            <a:pPr marL="285750" indent="-285750">
+              <a:buFont typeface="Arial" pitchFamily="34" charset="0"/>
+              <a:buChar char="•"/>
+            </a:pPr>
+            <a:r>
+              <a:rPr lang="pt-BR" dirty="0" smtClean="0"/>
+              <a:t>Investimento: R$ 100.000,00</a:t>
+            </a:r>
+          </a:p>
+          <a:p>
+            <a:pPr marL="285750" indent="-285750">
+              <a:buFont typeface="Arial" pitchFamily="34" charset="0"/>
+              <a:buChar char="•"/>
+            </a:pPr>
+            <a:r>
+              <a:rPr lang="pt-BR" dirty="0" smtClean="0"/>
+              <a:t>Custos de manutenção: R$ 20.000,00</a:t>
+            </a:r>
+          </a:p>
+          <a:p>
+            <a:r>
+              <a:rPr lang="pt-BR" dirty="0" smtClean="0"/>
+              <a:t>Com o sistema novo, por ano a empresa economiza</a:t>
+            </a:r>
+          </a:p>
+          <a:p>
+            <a:r>
+              <a:rPr lang="pt-BR" dirty="0"/>
+              <a:t>R$ </a:t>
+            </a:r>
+            <a:r>
+              <a:rPr lang="pt-BR" dirty="0" smtClean="0"/>
+              <a:t>60.000,00 - </a:t>
+            </a:r>
+            <a:r>
+              <a:rPr lang="pt-BR" dirty="0"/>
+              <a:t>R$ </a:t>
+            </a:r>
+            <a:r>
+              <a:rPr lang="pt-BR" dirty="0" smtClean="0"/>
+              <a:t>20.000,00 = </a:t>
+            </a:r>
+            <a:r>
+              <a:rPr lang="pt-BR" dirty="0"/>
+              <a:t>R$ </a:t>
+            </a:r>
+            <a:r>
+              <a:rPr lang="pt-BR" dirty="0" smtClean="0"/>
+              <a:t>40.000,00 / ano, nos próximos 5 anos</a:t>
+            </a:r>
+            <a:endParaRPr lang="pt-BR" dirty="0"/>
+          </a:p>
+        </p:txBody>
+      </p:sp>
+      <p:grpSp>
+        <p:nvGrpSpPr>
+          <p:cNvPr id="4" name="Grupo 3"/>
+          <p:cNvGrpSpPr/>
+          <p:nvPr/>
+        </p:nvGrpSpPr>
+        <p:grpSpPr>
+          <a:xfrm>
+            <a:off x="1583828" y="2086982"/>
+            <a:ext cx="3459017" cy="2867749"/>
+            <a:chOff x="2440978" y="573891"/>
+            <a:chExt cx="3459017" cy="2867749"/>
+          </a:xfrm>
+        </p:grpSpPr>
+        <p:cxnSp>
+          <p:nvCxnSpPr>
+            <p:cNvPr id="5" name="Conector de seta reta 4"/>
+            <p:cNvCxnSpPr/>
+            <p:nvPr/>
+          </p:nvCxnSpPr>
+          <p:spPr>
+            <a:xfrm>
+              <a:off x="2857760" y="2057106"/>
+              <a:ext cx="0" cy="1045980"/>
+            </a:xfrm>
+            <a:prstGeom prst="straightConnector1">
+              <a:avLst/>
+            </a:prstGeom>
+            <a:ln w="12700">
+              <a:solidFill>
+                <a:schemeClr val="tx1"/>
+              </a:solidFill>
+              <a:tailEnd type="arrow"/>
+            </a:ln>
+          </p:spPr>
+          <p:style>
+            <a:lnRef idx="1">
+              <a:schemeClr val="accent1"/>
+            </a:lnRef>
+            <a:fillRef idx="0">
+              <a:schemeClr val="accent1"/>
+            </a:fillRef>
+            <a:effectRef idx="0">
+              <a:schemeClr val="accent1"/>
+            </a:effectRef>
+            <a:fontRef idx="minor">
+              <a:schemeClr val="tx1"/>
+            </a:fontRef>
+          </p:style>
+        </p:cxnSp>
+        <p:cxnSp>
+          <p:nvCxnSpPr>
+            <p:cNvPr id="6" name="Conector reto 5"/>
+            <p:cNvCxnSpPr/>
+            <p:nvPr/>
+          </p:nvCxnSpPr>
+          <p:spPr>
+            <a:xfrm flipV="1">
+              <a:off x="2857760" y="2052999"/>
+              <a:ext cx="2932277" cy="4107"/>
+            </a:xfrm>
+            <a:prstGeom prst="line">
+              <a:avLst/>
+            </a:prstGeom>
+            <a:ln w="12700">
+              <a:solidFill>
+                <a:schemeClr val="tx1"/>
+              </a:solidFill>
+            </a:ln>
+          </p:spPr>
+          <p:style>
+            <a:lnRef idx="1">
+              <a:schemeClr val="accent1"/>
+            </a:lnRef>
+            <a:fillRef idx="0">
+              <a:schemeClr val="accent1"/>
+            </a:fillRef>
+            <a:effectRef idx="0">
+              <a:schemeClr val="accent1"/>
+            </a:effectRef>
+            <a:fontRef idx="minor">
+              <a:schemeClr val="tx1"/>
+            </a:fontRef>
+          </p:style>
+        </p:cxnSp>
+        <p:cxnSp>
+          <p:nvCxnSpPr>
+            <p:cNvPr id="7" name="Conector de seta reta 6"/>
+            <p:cNvCxnSpPr/>
+            <p:nvPr/>
+          </p:nvCxnSpPr>
+          <p:spPr>
+            <a:xfrm flipV="1">
+              <a:off x="5790037" y="1308071"/>
+              <a:ext cx="0" cy="744928"/>
+            </a:xfrm>
+            <a:prstGeom prst="straightConnector1">
+              <a:avLst/>
+            </a:prstGeom>
+            <a:ln w="12700">
+              <a:solidFill>
+                <a:schemeClr val="tx1"/>
+              </a:solidFill>
+              <a:tailEnd type="arrow"/>
+            </a:ln>
+          </p:spPr>
+          <p:style>
+            <a:lnRef idx="1">
+              <a:schemeClr val="accent1"/>
+            </a:lnRef>
+            <a:fillRef idx="0">
+              <a:schemeClr val="accent1"/>
+            </a:fillRef>
+            <a:effectRef idx="0">
+              <a:schemeClr val="accent1"/>
+            </a:effectRef>
+            <a:fontRef idx="minor">
+              <a:schemeClr val="tx1"/>
+            </a:fontRef>
+          </p:style>
+        </p:cxnSp>
+        <p:sp>
+          <p:nvSpPr>
+            <p:cNvPr id="8" name="CaixaDeTexto 7"/>
+            <p:cNvSpPr txBox="1"/>
+            <p:nvPr/>
+          </p:nvSpPr>
+          <p:spPr>
+            <a:xfrm>
+              <a:off x="2440978" y="3103086"/>
+              <a:ext cx="1425390" cy="338554"/>
+            </a:xfrm>
+            <a:prstGeom prst="rect">
+              <a:avLst/>
+            </a:prstGeom>
+            <a:noFill/>
+          </p:spPr>
+          <p:txBody>
+            <a:bodyPr wrap="none" rtlCol="0">
+              <a:spAutoFit/>
+            </a:bodyPr>
+            <a:lstStyle/>
+            <a:p>
+              <a:r>
+                <a:rPr lang="pt-BR" sz="1600" dirty="0" smtClean="0"/>
+                <a:t>C = </a:t>
+              </a:r>
+              <a:r>
+                <a:rPr lang="pt-BR" sz="1600" dirty="0" smtClean="0"/>
+                <a:t>10</a:t>
+              </a:r>
+              <a:r>
+                <a:rPr lang="pt-BR" sz="1600" dirty="0" smtClean="0"/>
+                <a:t>0.000,00</a:t>
+              </a:r>
+              <a:endParaRPr lang="pt-BR" sz="1600" dirty="0"/>
+            </a:p>
+          </p:txBody>
+        </p:sp>
+        <p:cxnSp>
+          <p:nvCxnSpPr>
+            <p:cNvPr id="9" name="Conector de seta reta 8"/>
+            <p:cNvCxnSpPr/>
+            <p:nvPr/>
+          </p:nvCxnSpPr>
+          <p:spPr>
+            <a:xfrm flipV="1">
+              <a:off x="4453008" y="1314537"/>
+              <a:ext cx="0" cy="744928"/>
+            </a:xfrm>
+            <a:prstGeom prst="straightConnector1">
+              <a:avLst/>
+            </a:prstGeom>
+            <a:ln w="12700">
+              <a:solidFill>
+                <a:schemeClr val="tx1"/>
+              </a:solidFill>
+              <a:tailEnd type="arrow"/>
+            </a:ln>
+          </p:spPr>
+          <p:style>
+            <a:lnRef idx="1">
+              <a:schemeClr val="accent1"/>
+            </a:lnRef>
+            <a:fillRef idx="0">
+              <a:schemeClr val="accent1"/>
+            </a:fillRef>
+            <a:effectRef idx="0">
+              <a:schemeClr val="accent1"/>
+            </a:effectRef>
+            <a:fontRef idx="minor">
+              <a:schemeClr val="tx1"/>
+            </a:fontRef>
+          </p:style>
+        </p:cxnSp>
+        <p:cxnSp>
+          <p:nvCxnSpPr>
+            <p:cNvPr id="10" name="Conector de seta reta 9"/>
+            <p:cNvCxnSpPr/>
+            <p:nvPr/>
+          </p:nvCxnSpPr>
+          <p:spPr>
+            <a:xfrm flipV="1">
+              <a:off x="3204595" y="1314537"/>
+              <a:ext cx="0" cy="744928"/>
+            </a:xfrm>
+            <a:prstGeom prst="straightConnector1">
+              <a:avLst/>
+            </a:prstGeom>
+            <a:ln w="12700">
+              <a:solidFill>
+                <a:schemeClr val="tx1"/>
+              </a:solidFill>
+              <a:tailEnd type="arrow"/>
+            </a:ln>
+          </p:spPr>
+          <p:style>
+            <a:lnRef idx="1">
+              <a:schemeClr val="accent1"/>
+            </a:lnRef>
+            <a:fillRef idx="0">
+              <a:schemeClr val="accent1"/>
+            </a:fillRef>
+            <a:effectRef idx="0">
+              <a:schemeClr val="accent1"/>
+            </a:effectRef>
+            <a:fontRef idx="minor">
+              <a:schemeClr val="tx1"/>
+            </a:fontRef>
+          </p:style>
+        </p:cxnSp>
+        <p:sp>
+          <p:nvSpPr>
+            <p:cNvPr id="11" name="CaixaDeTexto 10"/>
+            <p:cNvSpPr txBox="1"/>
+            <p:nvPr/>
+          </p:nvSpPr>
+          <p:spPr>
+            <a:xfrm>
+              <a:off x="4047357" y="573891"/>
+              <a:ext cx="1324402" cy="338554"/>
+            </a:xfrm>
+            <a:prstGeom prst="rect">
+              <a:avLst/>
+            </a:prstGeom>
+            <a:noFill/>
+          </p:spPr>
+          <p:txBody>
+            <a:bodyPr wrap="none" rtlCol="0">
+              <a:spAutoFit/>
+            </a:bodyPr>
+            <a:lstStyle/>
+            <a:p>
+              <a:r>
+                <a:rPr lang="pt-BR" sz="1600" dirty="0" smtClean="0"/>
+                <a:t>R </a:t>
+              </a:r>
+              <a:r>
+                <a:rPr lang="pt-BR" sz="1600" dirty="0" smtClean="0"/>
+                <a:t>= </a:t>
+              </a:r>
+              <a:r>
+                <a:rPr lang="pt-BR" sz="1600" dirty="0" smtClean="0"/>
+                <a:t>40.000,00</a:t>
+              </a:r>
+              <a:endParaRPr lang="pt-BR" sz="1600" dirty="0"/>
+            </a:p>
+          </p:txBody>
+        </p:sp>
+        <p:sp>
+          <p:nvSpPr>
+            <p:cNvPr id="12" name="CaixaDeTexto 11"/>
+            <p:cNvSpPr txBox="1"/>
+            <p:nvPr/>
+          </p:nvSpPr>
+          <p:spPr>
+            <a:xfrm>
+              <a:off x="4934290" y="1499604"/>
+              <a:ext cx="357790" cy="369332"/>
+            </a:xfrm>
+            <a:prstGeom prst="rect">
+              <a:avLst/>
+            </a:prstGeom>
+            <a:noFill/>
+          </p:spPr>
+          <p:txBody>
+            <a:bodyPr wrap="none" rtlCol="0">
+              <a:spAutoFit/>
+            </a:bodyPr>
+            <a:lstStyle/>
+            <a:p>
+              <a:r>
+                <a:rPr lang="pt-BR" dirty="0" smtClean="0"/>
+                <a:t>...</a:t>
+              </a:r>
+              <a:endParaRPr lang="pt-BR" dirty="0"/>
+            </a:p>
+          </p:txBody>
+        </p:sp>
+        <p:sp>
+          <p:nvSpPr>
+            <p:cNvPr id="13" name="Chave esquerda 12"/>
+            <p:cNvSpPr/>
+            <p:nvPr/>
+          </p:nvSpPr>
+          <p:spPr>
+            <a:xfrm rot="5400000">
+              <a:off x="4299503" y="-182463"/>
+              <a:ext cx="395626" cy="2585442"/>
+            </a:xfrm>
+            <a:prstGeom prst="leftBrace">
+              <a:avLst/>
+            </a:prstGeom>
+            <a:ln>
+              <a:solidFill>
+                <a:schemeClr val="tx1"/>
+              </a:solidFill>
+            </a:ln>
+          </p:spPr>
+          <p:style>
+            <a:lnRef idx="1">
+              <a:schemeClr val="accent1"/>
+            </a:lnRef>
+            <a:fillRef idx="0">
+              <a:schemeClr val="accent1"/>
+            </a:fillRef>
+            <a:effectRef idx="0">
+              <a:schemeClr val="accent1"/>
+            </a:effectRef>
+            <a:fontRef idx="minor">
+              <a:schemeClr val="tx1"/>
+            </a:fontRef>
+          </p:style>
+          <p:txBody>
+            <a:bodyPr rtlCol="0" anchor="ctr"/>
+            <a:lstStyle/>
+            <a:p>
+              <a:pPr algn="ctr"/>
+              <a:endParaRPr lang="pt-BR"/>
+            </a:p>
+          </p:txBody>
+        </p:sp>
+        <p:sp>
+          <p:nvSpPr>
+            <p:cNvPr id="14" name="CaixaDeTexto 13"/>
+            <p:cNvSpPr txBox="1"/>
+            <p:nvPr/>
+          </p:nvSpPr>
+          <p:spPr>
+            <a:xfrm>
+              <a:off x="3053752" y="2064127"/>
+              <a:ext cx="301686" cy="369332"/>
+            </a:xfrm>
+            <a:prstGeom prst="rect">
+              <a:avLst/>
+            </a:prstGeom>
+            <a:noFill/>
+          </p:spPr>
+          <p:txBody>
+            <a:bodyPr wrap="none" rtlCol="0">
+              <a:spAutoFit/>
+            </a:bodyPr>
+            <a:lstStyle/>
+            <a:p>
+              <a:r>
+                <a:rPr lang="pt-BR" dirty="0" smtClean="0"/>
+                <a:t>1</a:t>
+              </a:r>
+              <a:endParaRPr lang="pt-BR" dirty="0"/>
+            </a:p>
+          </p:txBody>
+        </p:sp>
+        <p:sp>
+          <p:nvSpPr>
+            <p:cNvPr id="15" name="CaixaDeTexto 14"/>
+            <p:cNvSpPr txBox="1"/>
+            <p:nvPr/>
+          </p:nvSpPr>
+          <p:spPr>
+            <a:xfrm>
+              <a:off x="4302165" y="2073419"/>
+              <a:ext cx="301686" cy="369332"/>
+            </a:xfrm>
+            <a:prstGeom prst="rect">
+              <a:avLst/>
+            </a:prstGeom>
+            <a:noFill/>
+          </p:spPr>
+          <p:txBody>
+            <a:bodyPr wrap="none" rtlCol="0">
+              <a:spAutoFit/>
+            </a:bodyPr>
+            <a:lstStyle/>
+            <a:p>
+              <a:r>
+                <a:rPr lang="pt-BR" dirty="0" smtClean="0"/>
+                <a:t>3</a:t>
+              </a:r>
+              <a:endParaRPr lang="pt-BR" dirty="0"/>
+            </a:p>
+          </p:txBody>
+        </p:sp>
+        <p:sp>
+          <p:nvSpPr>
+            <p:cNvPr id="16" name="CaixaDeTexto 15"/>
+            <p:cNvSpPr txBox="1"/>
+            <p:nvPr/>
+          </p:nvSpPr>
+          <p:spPr>
+            <a:xfrm>
+              <a:off x="3496761" y="1502335"/>
+              <a:ext cx="357790" cy="369332"/>
+            </a:xfrm>
+            <a:prstGeom prst="rect">
+              <a:avLst/>
+            </a:prstGeom>
+            <a:noFill/>
+          </p:spPr>
+          <p:txBody>
+            <a:bodyPr wrap="none" rtlCol="0">
+              <a:spAutoFit/>
+            </a:bodyPr>
+            <a:lstStyle/>
+            <a:p>
+              <a:r>
+                <a:rPr lang="pt-BR" dirty="0" smtClean="0"/>
+                <a:t>...</a:t>
+              </a:r>
+              <a:endParaRPr lang="pt-BR" dirty="0"/>
+            </a:p>
+          </p:txBody>
+        </p:sp>
+        <p:sp>
+          <p:nvSpPr>
+            <p:cNvPr id="17" name="CaixaDeTexto 16"/>
+            <p:cNvSpPr txBox="1"/>
+            <p:nvPr/>
+          </p:nvSpPr>
+          <p:spPr>
+            <a:xfrm>
+              <a:off x="5598309" y="2073419"/>
+              <a:ext cx="301686" cy="369332"/>
+            </a:xfrm>
+            <a:prstGeom prst="rect">
+              <a:avLst/>
+            </a:prstGeom>
+            <a:noFill/>
+          </p:spPr>
+          <p:txBody>
+            <a:bodyPr wrap="none" rtlCol="0">
+              <a:spAutoFit/>
+            </a:bodyPr>
+            <a:lstStyle/>
+            <a:p>
+              <a:r>
+                <a:rPr lang="pt-BR" dirty="0"/>
+                <a:t>5</a:t>
+              </a:r>
+            </a:p>
+          </p:txBody>
+        </p:sp>
+      </p:grpSp>
+      <p:sp>
+        <p:nvSpPr>
+          <p:cNvPr id="18" name="CaixaDeTexto 17"/>
+          <p:cNvSpPr txBox="1"/>
+          <p:nvPr/>
+        </p:nvSpPr>
+        <p:spPr>
+          <a:xfrm>
+            <a:off x="255676" y="2489074"/>
+            <a:ext cx="1425390" cy="338554"/>
+          </a:xfrm>
+          <a:prstGeom prst="rect">
+            <a:avLst/>
+          </a:prstGeom>
+          <a:noFill/>
+        </p:spPr>
+        <p:txBody>
+          <a:bodyPr wrap="none" rtlCol="0">
+            <a:spAutoFit/>
+          </a:bodyPr>
+          <a:lstStyle/>
+          <a:p>
+            <a:r>
+              <a:rPr lang="pt-BR" sz="1600" dirty="0" smtClean="0"/>
+              <a:t>TMA</a:t>
+            </a:r>
+            <a:r>
+              <a:rPr lang="pt-BR" sz="1600" dirty="0" smtClean="0"/>
+              <a:t>: 15% </a:t>
+            </a:r>
+            <a:r>
+              <a:rPr lang="pt-BR" sz="1600" dirty="0" smtClean="0"/>
+              <a:t>a.a</a:t>
+            </a:r>
+            <a:r>
+              <a:rPr lang="pt-BR" sz="1600" dirty="0" smtClean="0"/>
+              <a:t>. </a:t>
+            </a:r>
+            <a:endParaRPr lang="pt-BR" sz="1600" dirty="0"/>
+          </a:p>
+        </p:txBody>
+      </p:sp>
+      <p:sp>
+        <p:nvSpPr>
+          <p:cNvPr id="19" name="CaixaDeTexto 18"/>
+          <p:cNvSpPr txBox="1"/>
+          <p:nvPr/>
+        </p:nvSpPr>
+        <p:spPr>
+          <a:xfrm>
+            <a:off x="6171913" y="2420888"/>
+            <a:ext cx="2520242" cy="2492990"/>
+          </a:xfrm>
+          <a:prstGeom prst="rect">
+            <a:avLst/>
+          </a:prstGeom>
+          <a:noFill/>
+        </p:spPr>
+        <p:txBody>
+          <a:bodyPr wrap="none" numCol="1" rtlCol="0">
+            <a:spAutoFit/>
+          </a:bodyPr>
+          <a:lstStyle/>
+          <a:p>
+            <a:pPr algn="ctr"/>
+            <a:r>
+              <a:rPr lang="pt-BR" b="1" dirty="0" smtClean="0"/>
+              <a:t>Calculando o VPL</a:t>
+            </a:r>
+          </a:p>
+          <a:p>
+            <a:pPr algn="just"/>
+            <a:r>
+              <a:rPr lang="pt-BR" dirty="0" smtClean="0"/>
+              <a:t>15 i</a:t>
+            </a:r>
+          </a:p>
+          <a:p>
+            <a:pPr algn="just"/>
+            <a:r>
+              <a:rPr lang="pt-BR" dirty="0" smtClean="0"/>
+              <a:t>1</a:t>
+            </a:r>
+            <a:r>
+              <a:rPr lang="pt-BR" dirty="0"/>
+              <a:t>0</a:t>
+            </a:r>
+            <a:r>
+              <a:rPr lang="pt-BR" dirty="0" smtClean="0"/>
+              <a:t>0.000 CHS g CF</a:t>
+            </a:r>
+            <a:r>
+              <a:rPr lang="pt-BR" baseline="-25000" dirty="0" smtClean="0"/>
+              <a:t>0</a:t>
+            </a:r>
+            <a:endParaRPr lang="pt-BR" dirty="0" smtClean="0"/>
+          </a:p>
+          <a:p>
+            <a:pPr algn="just"/>
+            <a:r>
+              <a:rPr lang="pt-BR" dirty="0"/>
+              <a:t>4</a:t>
+            </a:r>
+            <a:r>
+              <a:rPr lang="pt-BR" dirty="0" smtClean="0"/>
+              <a:t>0.000 g </a:t>
+            </a:r>
+            <a:r>
+              <a:rPr lang="pt-BR" dirty="0" err="1" smtClean="0"/>
+              <a:t>CFj</a:t>
+            </a:r>
+            <a:endParaRPr lang="pt-BR" dirty="0" smtClean="0"/>
+          </a:p>
+          <a:p>
+            <a:pPr algn="just"/>
+            <a:r>
+              <a:rPr lang="pt-BR" dirty="0"/>
+              <a:t>5</a:t>
+            </a:r>
+            <a:r>
+              <a:rPr lang="pt-BR" dirty="0" smtClean="0"/>
+              <a:t> </a:t>
+            </a:r>
+            <a:r>
+              <a:rPr lang="pt-BR" dirty="0" err="1" smtClean="0"/>
+              <a:t>gN</a:t>
+            </a:r>
+            <a:r>
+              <a:rPr lang="pt-BR" baseline="-25000" dirty="0" err="1" smtClean="0"/>
+              <a:t>j</a:t>
+            </a:r>
+            <a:endParaRPr lang="pt-BR" baseline="-25000" dirty="0" smtClean="0"/>
+          </a:p>
+          <a:p>
+            <a:pPr algn="just"/>
+            <a:r>
+              <a:rPr lang="pt-BR" dirty="0" smtClean="0"/>
+              <a:t>f NPV	</a:t>
+            </a:r>
+            <a:r>
+              <a:rPr lang="pt-BR" dirty="0" smtClean="0">
+                <a:sym typeface="Wingdings" pitchFamily="2" charset="2"/>
+              </a:rPr>
+              <a:t> </a:t>
+            </a:r>
+            <a:r>
+              <a:rPr lang="pt-BR" u="sng" dirty="0" smtClean="0">
+                <a:sym typeface="Wingdings" pitchFamily="2" charset="2"/>
+              </a:rPr>
+              <a:t>34.086,20</a:t>
+            </a:r>
+            <a:endParaRPr lang="pt-BR" u="sng" dirty="0" smtClean="0"/>
+          </a:p>
+          <a:p>
+            <a:pPr algn="just"/>
+            <a:endParaRPr lang="pt-BR" baseline="-25000" dirty="0" smtClean="0"/>
+          </a:p>
+          <a:p>
+            <a:pPr algn="ctr"/>
+            <a:r>
+              <a:rPr lang="pt-BR" b="1" dirty="0" smtClean="0"/>
+              <a:t>Calculando a TIR</a:t>
+            </a:r>
+          </a:p>
+          <a:p>
+            <a:r>
+              <a:rPr lang="pt-BR" dirty="0" smtClean="0"/>
+              <a:t>f IRR	</a:t>
+            </a:r>
+            <a:r>
+              <a:rPr lang="pt-BR" dirty="0" smtClean="0">
+                <a:sym typeface="Wingdings" pitchFamily="2" charset="2"/>
+              </a:rPr>
+              <a:t> </a:t>
+            </a:r>
+            <a:r>
+              <a:rPr lang="pt-BR" u="sng" dirty="0" smtClean="0">
+                <a:sym typeface="Wingdings" pitchFamily="2" charset="2"/>
+              </a:rPr>
+              <a:t>28,65 % a.a.</a:t>
+            </a:r>
+            <a:endParaRPr lang="pt-BR" dirty="0" smtClean="0"/>
+          </a:p>
+        </p:txBody>
+      </p:sp>
+      <p:sp>
+        <p:nvSpPr>
+          <p:cNvPr id="21" name="CaixaDeTexto 20"/>
+          <p:cNvSpPr txBox="1"/>
+          <p:nvPr/>
+        </p:nvSpPr>
+        <p:spPr>
+          <a:xfrm>
+            <a:off x="4892003" y="5085184"/>
+            <a:ext cx="4140877" cy="1200329"/>
+          </a:xfrm>
+          <a:prstGeom prst="rect">
+            <a:avLst/>
+          </a:prstGeom>
+          <a:noFill/>
+        </p:spPr>
+        <p:txBody>
+          <a:bodyPr wrap="none" numCol="1" rtlCol="0">
+            <a:spAutoFit/>
+          </a:bodyPr>
+          <a:lstStyle/>
+          <a:p>
+            <a:pPr algn="ctr"/>
+            <a:r>
+              <a:rPr lang="pt-BR" b="1" dirty="0" smtClean="0"/>
+              <a:t>Conclusões</a:t>
+            </a:r>
+          </a:p>
+          <a:p>
+            <a:pPr algn="just"/>
+            <a:r>
+              <a:rPr lang="pt-BR" dirty="0" smtClean="0"/>
+              <a:t>Projeto é atraente, pois: </a:t>
+            </a:r>
+          </a:p>
+          <a:p>
+            <a:pPr marL="285750" indent="-285750" algn="just">
+              <a:buFont typeface="Arial" pitchFamily="34" charset="0"/>
+              <a:buChar char="•"/>
+            </a:pPr>
+            <a:r>
+              <a:rPr lang="pt-BR" dirty="0" smtClean="0"/>
+              <a:t>VPL é maior que 0 (zero)</a:t>
+            </a:r>
+          </a:p>
+          <a:p>
+            <a:pPr marL="285750" indent="-285750" algn="just">
+              <a:buFont typeface="Arial" pitchFamily="34" charset="0"/>
+              <a:buChar char="•"/>
+            </a:pPr>
+            <a:r>
+              <a:rPr lang="pt-BR" dirty="0" smtClean="0"/>
+              <a:t>TIR  (28,65%) é maior que a TMA (15%)</a:t>
+            </a:r>
+          </a:p>
+        </p:txBody>
+      </p:sp>
+    </p:spTree>
+    <p:extLst>
+      <p:ext uri="{BB962C8B-B14F-4D97-AF65-F5344CB8AC3E}">
+        <p14:creationId xmlns:p14="http://schemas.microsoft.com/office/powerpoint/2010/main" val="2432010168"/>
       </p:ext>
     </p:extLst>
   </p:cSld>

--- a/Gestao Estrategica TI/06 - Análise de Viabilidade de Projetos/Exercícios.pptx
+++ b/Gestao Estrategica TI/06 - Análise de Viabilidade de Projetos/Exercícios.pptx
@@ -48,6 +48,8 @@
     <p:sldId id="297" r:id="rId42"/>
     <p:sldId id="298" r:id="rId43"/>
     <p:sldId id="299" r:id="rId44"/>
+    <p:sldId id="301" r:id="rId45"/>
+    <p:sldId id="300" r:id="rId46"/>
   </p:sldIdLst>
   <p:sldSz cx="9144000" cy="6858000" type="screen4x3"/>
   <p:notesSz cx="6858000" cy="9144000"/>
@@ -330,7 +332,7 @@
           <a:p>
             <a:fld id="{1A4ED077-2146-4CF9-9626-6D2CC7ECDC9E}" type="datetimeFigureOut">
               <a:rPr lang="pt-BR" smtClean="0"/>
-              <a:t>07/08/2012</a:t>
+              <a:t>12/08/2012</a:t>
             </a:fld>
             <a:endParaRPr lang="pt-BR"/>
           </a:p>
@@ -500,7 +502,7 @@
           <a:p>
             <a:fld id="{1A4ED077-2146-4CF9-9626-6D2CC7ECDC9E}" type="datetimeFigureOut">
               <a:rPr lang="pt-BR" smtClean="0"/>
-              <a:t>07/08/2012</a:t>
+              <a:t>12/08/2012</a:t>
             </a:fld>
             <a:endParaRPr lang="pt-BR"/>
           </a:p>
@@ -680,7 +682,7 @@
           <a:p>
             <a:fld id="{1A4ED077-2146-4CF9-9626-6D2CC7ECDC9E}" type="datetimeFigureOut">
               <a:rPr lang="pt-BR" smtClean="0"/>
-              <a:t>07/08/2012</a:t>
+              <a:t>12/08/2012</a:t>
             </a:fld>
             <a:endParaRPr lang="pt-BR"/>
           </a:p>
@@ -850,7 +852,7 @@
           <a:p>
             <a:fld id="{1A4ED077-2146-4CF9-9626-6D2CC7ECDC9E}" type="datetimeFigureOut">
               <a:rPr lang="pt-BR" smtClean="0"/>
-              <a:t>07/08/2012</a:t>
+              <a:t>12/08/2012</a:t>
             </a:fld>
             <a:endParaRPr lang="pt-BR"/>
           </a:p>
@@ -1096,7 +1098,7 @@
           <a:p>
             <a:fld id="{1A4ED077-2146-4CF9-9626-6D2CC7ECDC9E}" type="datetimeFigureOut">
               <a:rPr lang="pt-BR" smtClean="0"/>
-              <a:t>07/08/2012</a:t>
+              <a:t>12/08/2012</a:t>
             </a:fld>
             <a:endParaRPr lang="pt-BR"/>
           </a:p>
@@ -1384,7 +1386,7 @@
           <a:p>
             <a:fld id="{1A4ED077-2146-4CF9-9626-6D2CC7ECDC9E}" type="datetimeFigureOut">
               <a:rPr lang="pt-BR" smtClean="0"/>
-              <a:t>07/08/2012</a:t>
+              <a:t>12/08/2012</a:t>
             </a:fld>
             <a:endParaRPr lang="pt-BR"/>
           </a:p>
@@ -1806,7 +1808,7 @@
           <a:p>
             <a:fld id="{1A4ED077-2146-4CF9-9626-6D2CC7ECDC9E}" type="datetimeFigureOut">
               <a:rPr lang="pt-BR" smtClean="0"/>
-              <a:t>07/08/2012</a:t>
+              <a:t>12/08/2012</a:t>
             </a:fld>
             <a:endParaRPr lang="pt-BR"/>
           </a:p>
@@ -1924,7 +1926,7 @@
           <a:p>
             <a:fld id="{1A4ED077-2146-4CF9-9626-6D2CC7ECDC9E}" type="datetimeFigureOut">
               <a:rPr lang="pt-BR" smtClean="0"/>
-              <a:t>07/08/2012</a:t>
+              <a:t>12/08/2012</a:t>
             </a:fld>
             <a:endParaRPr lang="pt-BR"/>
           </a:p>
@@ -2019,7 +2021,7 @@
           <a:p>
             <a:fld id="{1A4ED077-2146-4CF9-9626-6D2CC7ECDC9E}" type="datetimeFigureOut">
               <a:rPr lang="pt-BR" smtClean="0"/>
-              <a:t>07/08/2012</a:t>
+              <a:t>12/08/2012</a:t>
             </a:fld>
             <a:endParaRPr lang="pt-BR"/>
           </a:p>
@@ -2296,7 +2298,7 @@
           <a:p>
             <a:fld id="{1A4ED077-2146-4CF9-9626-6D2CC7ECDC9E}" type="datetimeFigureOut">
               <a:rPr lang="pt-BR" smtClean="0"/>
-              <a:t>07/08/2012</a:t>
+              <a:t>12/08/2012</a:t>
             </a:fld>
             <a:endParaRPr lang="pt-BR"/>
           </a:p>
@@ -2549,7 +2551,7 @@
           <a:p>
             <a:fld id="{1A4ED077-2146-4CF9-9626-6D2CC7ECDC9E}" type="datetimeFigureOut">
               <a:rPr lang="pt-BR" smtClean="0"/>
-              <a:t>07/08/2012</a:t>
+              <a:t>12/08/2012</a:t>
             </a:fld>
             <a:endParaRPr lang="pt-BR"/>
           </a:p>
@@ -2762,7 +2764,7 @@
           <a:p>
             <a:fld id="{1A4ED077-2146-4CF9-9626-6D2CC7ECDC9E}" type="datetimeFigureOut">
               <a:rPr lang="pt-BR" smtClean="0"/>
-              <a:t>07/08/2012</a:t>
+              <a:t>12/08/2012</a:t>
             </a:fld>
             <a:endParaRPr lang="pt-BR"/>
           </a:p>
@@ -25926,8 +25928,8 @@
           </a:p>
         </p:txBody>
       </p:sp>
-      <mc:AlternateContent xmlns:mc="http://schemas.openxmlformats.org/markup-compatibility/2006">
-        <mc:Choice xmlns:a14="http://schemas.microsoft.com/office/drawing/2010/main" Requires="a14">
+      <mc:AlternateContent xmlns:mc="http://schemas.openxmlformats.org/markup-compatibility/2006" xmlns:a14="http://schemas.microsoft.com/office/drawing/2010/main">
+        <mc:Choice Requires="a14">
           <p:sp>
             <p:nvSpPr>
               <p:cNvPr id="3" name="CaixaDeTexto 2"/>
@@ -26266,7 +26268,7 @@
             </p:txBody>
           </p:sp>
         </mc:Choice>
-        <mc:Fallback>
+        <mc:Fallback xmlns="">
           <p:sp>
             <p:nvSpPr>
               <p:cNvPr id="3" name="CaixaDeTexto 2"/>
@@ -26375,7 +26377,6 @@
               <a:rPr lang="pt-BR" dirty="0" smtClean="0"/>
               <a:t>1</a:t>
             </a:r>
-            <a:endParaRPr lang="pt-BR" dirty="0" smtClean="0"/>
           </a:p>
         </p:txBody>
       </p:sp>
@@ -26437,11 +26438,7 @@
           <a:p>
             <a:r>
               <a:rPr lang="pt-BR" dirty="0" smtClean="0"/>
-              <a:t>i: </a:t>
-            </a:r>
-            <a:r>
-              <a:rPr lang="pt-BR" dirty="0" smtClean="0"/>
-              <a:t>8% a.a.</a:t>
+              <a:t>i: 8% a.a.</a:t>
             </a:r>
             <a:endParaRPr lang="pt-BR" dirty="0"/>
           </a:p>
@@ -26606,11 +26603,7 @@
               <a:p>
                 <a:r>
                   <a:rPr lang="pt-BR" sz="1600" dirty="0" smtClean="0"/>
-                  <a:t>C = </a:t>
-                </a:r>
-                <a:r>
-                  <a:rPr lang="pt-BR" sz="1600" dirty="0" smtClean="0"/>
-                  <a:t>43</a:t>
+                  <a:t>C = 43</a:t>
                 </a:r>
                 <a:endParaRPr lang="pt-BR" sz="1600" dirty="0"/>
               </a:p>
@@ -26742,15 +26735,7 @@
               <a:p>
                 <a:r>
                   <a:rPr lang="pt-BR" sz="1600" dirty="0" smtClean="0"/>
-                  <a:t>R </a:t>
-                </a:r>
-                <a:r>
-                  <a:rPr lang="pt-BR" sz="1600" dirty="0" smtClean="0"/>
-                  <a:t>= </a:t>
-                </a:r>
-                <a:r>
-                  <a:rPr lang="pt-BR" sz="1600" dirty="0" smtClean="0"/>
-                  <a:t>15,00</a:t>
+                  <a:t>R = 15,00</a:t>
                 </a:r>
                 <a:endParaRPr lang="pt-BR" sz="1600" dirty="0"/>
               </a:p>
@@ -27249,11 +27234,7 @@
               <a:p>
                 <a:r>
                   <a:rPr lang="pt-BR" sz="1600" dirty="0" smtClean="0"/>
-                  <a:t>C = </a:t>
-                </a:r>
-                <a:r>
-                  <a:rPr lang="pt-BR" sz="1600" dirty="0" smtClean="0"/>
-                  <a:t>43</a:t>
+                  <a:t>C = 43</a:t>
                 </a:r>
                 <a:endParaRPr lang="pt-BR" sz="1600" dirty="0"/>
               </a:p>
@@ -27355,15 +27336,7 @@
               <a:p>
                 <a:r>
                   <a:rPr lang="pt-BR" sz="1600" dirty="0" smtClean="0"/>
-                  <a:t>R </a:t>
-                </a:r>
-                <a:r>
-                  <a:rPr lang="pt-BR" sz="1600" dirty="0" smtClean="0"/>
-                  <a:t>= </a:t>
-                </a:r>
-                <a:r>
-                  <a:rPr lang="pt-BR" sz="1600" dirty="0" smtClean="0"/>
-                  <a:t>10,00</a:t>
+                  <a:t>R = 10,00</a:t>
                 </a:r>
                 <a:endParaRPr lang="pt-BR" sz="1600" dirty="0"/>
               </a:p>
@@ -27977,8 +27950,8 @@
           </a:p>
         </p:txBody>
       </p:sp>
-      <mc:AlternateContent xmlns:mc="http://schemas.openxmlformats.org/markup-compatibility/2006">
-        <mc:Choice xmlns:a14="http://schemas.microsoft.com/office/drawing/2010/main" Requires="a14">
+      <mc:AlternateContent xmlns:mc="http://schemas.openxmlformats.org/markup-compatibility/2006" xmlns:a14="http://schemas.microsoft.com/office/drawing/2010/main">
+        <mc:Choice Requires="a14">
           <p:sp>
             <p:nvSpPr>
               <p:cNvPr id="57" name="Retângulo 56"/>
@@ -28002,11 +27975,7 @@
               <a:p>
                 <a:r>
                   <a:rPr lang="pt-BR" sz="1400" b="1" dirty="0"/>
-                  <a:t>Calculando </a:t>
-                </a:r>
-                <a:r>
-                  <a:rPr lang="pt-BR" sz="1400" b="1" dirty="0"/>
-                  <a:t>o </a:t>
+                  <a:t>Calculando o </a:t>
                 </a:r>
                 <a:r>
                   <a:rPr lang="pt-BR" sz="1400" b="1" dirty="0" err="1"/>
@@ -28106,7 +28075,7 @@
             </p:txBody>
           </p:sp>
         </mc:Choice>
-        <mc:Fallback>
+        <mc:Fallback xmlns="">
           <p:sp>
             <p:nvSpPr>
               <p:cNvPr id="57" name="Retângulo 56"/>
@@ -28257,7 +28226,6 @@
               <a:rPr lang="pt-BR" dirty="0" smtClean="0"/>
               <a:t>1</a:t>
             </a:r>
-            <a:endParaRPr lang="pt-BR" dirty="0" smtClean="0"/>
           </a:p>
           <a:p>
             <a:pPr algn="ctr"/>
@@ -29976,7 +29944,6 @@
               <a:rPr lang="pt-BR" dirty="0" smtClean="0"/>
               <a:t>2</a:t>
             </a:r>
-            <a:endParaRPr lang="pt-BR" dirty="0" smtClean="0"/>
           </a:p>
         </p:txBody>
       </p:sp>
@@ -30004,11 +29971,7 @@
           <a:p>
             <a:r>
               <a:rPr lang="pt-BR" dirty="0" smtClean="0"/>
-              <a:t>i: 10% </a:t>
-            </a:r>
-            <a:r>
-              <a:rPr lang="pt-BR" dirty="0" smtClean="0"/>
-              <a:t>a.a.</a:t>
+              <a:t>i: 10% a.a.</a:t>
             </a:r>
             <a:endParaRPr lang="pt-BR" dirty="0"/>
           </a:p>
@@ -30165,7 +30128,6 @@
                 <a:rPr lang="pt-BR" sz="1600" dirty="0"/>
                 <a:t>100.000,00</a:t>
               </a:r>
-              <a:endParaRPr lang="pt-BR" sz="1600" dirty="0"/>
             </a:p>
           </p:txBody>
         </p:sp>
@@ -30265,15 +30227,7 @@
             <a:p>
               <a:r>
                 <a:rPr lang="pt-BR" sz="1600" dirty="0" smtClean="0"/>
-                <a:t>R </a:t>
-              </a:r>
-              <a:r>
-                <a:rPr lang="pt-BR" sz="1600" dirty="0" smtClean="0"/>
-                <a:t>= </a:t>
-              </a:r>
-              <a:r>
-                <a:rPr lang="pt-BR" sz="1600" dirty="0" smtClean="0"/>
-                <a:t>38.000,00</a:t>
+                <a:t>R = 38.000,00</a:t>
               </a:r>
               <a:endParaRPr lang="pt-BR" sz="1600" dirty="0"/>
             </a:p>
@@ -30638,11 +30592,7 @@
               <a:p>
                 <a:r>
                   <a:rPr lang="pt-BR" sz="1600" dirty="0" smtClean="0"/>
-                  <a:t>C = </a:t>
-                </a:r>
-                <a:r>
-                  <a:rPr lang="pt-BR" sz="1600" dirty="0" smtClean="0"/>
-                  <a:t>43</a:t>
+                  <a:t>C = 43</a:t>
                 </a:r>
                 <a:endParaRPr lang="pt-BR" sz="1600" dirty="0"/>
               </a:p>
@@ -30744,15 +30694,7 @@
               <a:p>
                 <a:r>
                   <a:rPr lang="pt-BR" sz="1600" dirty="0" smtClean="0"/>
-                  <a:t>R </a:t>
-                </a:r>
-                <a:r>
-                  <a:rPr lang="pt-BR" sz="1600" dirty="0" smtClean="0"/>
-                  <a:t>= </a:t>
-                </a:r>
-                <a:r>
-                  <a:rPr lang="pt-BR" sz="1600" dirty="0" smtClean="0"/>
-                  <a:t>10,00</a:t>
+                  <a:t>R = 10,00</a:t>
                 </a:r>
                 <a:endParaRPr lang="pt-BR" sz="1600" dirty="0"/>
               </a:p>
@@ -31049,8 +30991,8 @@
           </p:txBody>
         </p:sp>
       </p:grpSp>
-      <mc:AlternateContent xmlns:mc="http://schemas.openxmlformats.org/markup-compatibility/2006">
-        <mc:Choice xmlns:a14="http://schemas.microsoft.com/office/drawing/2010/main" Requires="a14">
+      <mc:AlternateContent xmlns:mc="http://schemas.openxmlformats.org/markup-compatibility/2006" xmlns:a14="http://schemas.microsoft.com/office/drawing/2010/main">
+        <mc:Choice Requires="a14">
           <p:sp>
             <p:nvSpPr>
               <p:cNvPr id="56" name="CaixaDeTexto 55"/>
@@ -31329,7 +31271,7 @@
             </p:txBody>
           </p:sp>
         </mc:Choice>
-        <mc:Fallback>
+        <mc:Fallback xmlns="">
           <p:sp>
             <p:nvSpPr>
               <p:cNvPr id="56" name="CaixaDeTexto 55"/>
@@ -32085,7 +32027,6 @@
               <a:rPr lang="pt-BR" dirty="0" smtClean="0"/>
               <a:t>2</a:t>
             </a:r>
-            <a:endParaRPr lang="pt-BR" dirty="0" smtClean="0"/>
           </a:p>
           <a:p>
             <a:pPr algn="ctr"/>
@@ -33227,7 +33168,6 @@
               <a:rPr lang="pt-BR" dirty="0" smtClean="0"/>
               <a:t>3</a:t>
             </a:r>
-            <a:endParaRPr lang="pt-BR" dirty="0" smtClean="0"/>
           </a:p>
         </p:txBody>
       </p:sp>
@@ -33577,7 +33517,6 @@
               <a:rPr lang="pt-BR" dirty="0" smtClean="0"/>
               <a:t>4</a:t>
             </a:r>
-            <a:endParaRPr lang="pt-BR" dirty="0" smtClean="0"/>
           </a:p>
         </p:txBody>
       </p:sp>
@@ -33605,19 +33544,7 @@
           <a:p>
             <a:r>
               <a:rPr lang="pt-BR" sz="1600" dirty="0" smtClean="0"/>
-              <a:t>TMA</a:t>
-            </a:r>
-            <a:r>
-              <a:rPr lang="pt-BR" sz="1600" dirty="0" smtClean="0"/>
-              <a:t>: 12% </a:t>
-            </a:r>
-            <a:r>
-              <a:rPr lang="pt-BR" sz="1600" dirty="0" smtClean="0"/>
-              <a:t>a.a</a:t>
-            </a:r>
-            <a:r>
-              <a:rPr lang="pt-BR" sz="1600" dirty="0" smtClean="0"/>
-              <a:t>. </a:t>
+              <a:t>TMA: 12% a.a. </a:t>
             </a:r>
             <a:endParaRPr lang="pt-BR" sz="1600" dirty="0"/>
           </a:p>
@@ -33768,11 +33695,7 @@
             <a:p>
               <a:r>
                 <a:rPr lang="pt-BR" sz="1600" dirty="0" smtClean="0"/>
-                <a:t>C = </a:t>
-              </a:r>
-              <a:r>
-                <a:rPr lang="pt-BR" sz="1600" dirty="0" smtClean="0"/>
-                <a:t>250.000,00</a:t>
+                <a:t>C = 250.000,00</a:t>
               </a:r>
               <a:endParaRPr lang="pt-BR" sz="1600" dirty="0"/>
             </a:p>
@@ -33874,15 +33797,7 @@
             <a:p>
               <a:r>
                 <a:rPr lang="pt-BR" sz="1600" dirty="0" smtClean="0"/>
-                <a:t>R </a:t>
-              </a:r>
-              <a:r>
-                <a:rPr lang="pt-BR" sz="1600" dirty="0" smtClean="0"/>
-                <a:t>= </a:t>
-              </a:r>
-              <a:r>
-                <a:rPr lang="pt-BR" sz="1600" dirty="0" smtClean="0"/>
-                <a:t>120.000,00</a:t>
+                <a:t>R = 120.000,00</a:t>
               </a:r>
               <a:endParaRPr lang="pt-BR" sz="1600" dirty="0"/>
             </a:p>
@@ -34789,8 +34704,8 @@
           </a:p>
         </p:txBody>
       </p:sp>
-      <mc:AlternateContent xmlns:mc="http://schemas.openxmlformats.org/markup-compatibility/2006">
-        <mc:Choice xmlns:a14="http://schemas.microsoft.com/office/drawing/2010/main" Requires="a14">
+      <mc:AlternateContent xmlns:mc="http://schemas.openxmlformats.org/markup-compatibility/2006" xmlns:a14="http://schemas.microsoft.com/office/drawing/2010/main">
+        <mc:Choice Requires="a14">
           <p:sp>
             <p:nvSpPr>
               <p:cNvPr id="6" name="Retângulo 5"/>
@@ -34815,11 +34730,7 @@
                 <a:pPr algn="ctr"/>
                 <a:r>
                   <a:rPr lang="pt-BR" sz="1200" b="1" dirty="0"/>
-                  <a:t>Calculando </a:t>
-                </a:r>
-                <a:r>
-                  <a:rPr lang="pt-BR" sz="1200" b="1" dirty="0"/>
-                  <a:t>o </a:t>
+                  <a:t>Calculando o </a:t>
                 </a:r>
                 <a:r>
                   <a:rPr lang="pt-BR" sz="1200" b="1" dirty="0" err="1"/>
@@ -34921,7 +34832,7 @@
             </p:txBody>
           </p:sp>
         </mc:Choice>
-        <mc:Fallback>
+        <mc:Fallback xmlns="">
           <p:sp>
             <p:nvSpPr>
               <p:cNvPr id="6" name="Retângulo 5"/>
@@ -35218,7 +35129,6 @@
               <a:rPr lang="pt-BR" dirty="0" smtClean="0"/>
               <a:t>5</a:t>
             </a:r>
-            <a:endParaRPr lang="pt-BR" dirty="0" smtClean="0"/>
           </a:p>
         </p:txBody>
       </p:sp>
@@ -35246,19 +35156,7 @@
           <a:p>
             <a:r>
               <a:rPr lang="pt-BR" sz="1600" dirty="0" smtClean="0"/>
-              <a:t>TMA</a:t>
-            </a:r>
-            <a:r>
-              <a:rPr lang="pt-BR" sz="1600" dirty="0" smtClean="0"/>
-              <a:t>: 15% </a:t>
-            </a:r>
-            <a:r>
-              <a:rPr lang="pt-BR" sz="1600" dirty="0" smtClean="0"/>
-              <a:t>a.a</a:t>
-            </a:r>
-            <a:r>
-              <a:rPr lang="pt-BR" sz="1600" dirty="0" smtClean="0"/>
-              <a:t>. </a:t>
+              <a:t>TMA: 15% a.a. </a:t>
             </a:r>
             <a:endParaRPr lang="pt-BR" sz="1600" dirty="0"/>
           </a:p>
@@ -35972,8 +35870,8 @@
           </a:p>
         </p:txBody>
       </p:sp>
-      <mc:AlternateContent xmlns:mc="http://schemas.openxmlformats.org/markup-compatibility/2006">
-        <mc:Choice xmlns:a14="http://schemas.microsoft.com/office/drawing/2010/main" Requires="a14">
+      <mc:AlternateContent xmlns:mc="http://schemas.openxmlformats.org/markup-compatibility/2006" xmlns:a14="http://schemas.microsoft.com/office/drawing/2010/main">
+        <mc:Choice Requires="a14">
           <p:sp>
             <p:nvSpPr>
               <p:cNvPr id="6" name="Retângulo 5"/>
@@ -35998,11 +35896,7 @@
                 <a:pPr algn="ctr"/>
                 <a:r>
                   <a:rPr lang="pt-BR" sz="1200" b="1" dirty="0"/>
-                  <a:t>Calculando </a:t>
-                </a:r>
-                <a:r>
-                  <a:rPr lang="pt-BR" sz="1200" b="1" dirty="0"/>
-                  <a:t>o </a:t>
+                  <a:t>Calculando o </a:t>
                 </a:r>
                 <a:r>
                   <a:rPr lang="pt-BR" sz="1200" b="1" dirty="0" err="1"/>
@@ -36096,7 +35990,7 @@
             </p:txBody>
           </p:sp>
         </mc:Choice>
-        <mc:Fallback>
+        <mc:Fallback xmlns="">
           <p:sp>
             <p:nvSpPr>
               <p:cNvPr id="6" name="Retângulo 5"/>
@@ -36513,11 +36407,7 @@
             <a:p>
               <a:r>
                 <a:rPr lang="pt-BR" sz="1600" dirty="0" smtClean="0"/>
-                <a:t>C = </a:t>
-              </a:r>
-              <a:r>
-                <a:rPr lang="pt-BR" sz="1600" dirty="0" smtClean="0"/>
-                <a:t>600.000,00</a:t>
+                <a:t>C = 600.000,00</a:t>
               </a:r>
               <a:endParaRPr lang="pt-BR" sz="1600" dirty="0"/>
             </a:p>
@@ -36619,15 +36509,7 @@
             <a:p>
               <a:r>
                 <a:rPr lang="pt-BR" sz="1400" dirty="0" smtClean="0"/>
-                <a:t>R </a:t>
-              </a:r>
-              <a:r>
-                <a:rPr lang="pt-BR" sz="1400" dirty="0" smtClean="0"/>
-                <a:t>= </a:t>
-              </a:r>
-              <a:r>
-                <a:rPr lang="pt-BR" sz="1400" dirty="0" smtClean="0"/>
-                <a:t>200K</a:t>
+                <a:t>R = 200K</a:t>
               </a:r>
               <a:endParaRPr lang="pt-BR" sz="1400" dirty="0"/>
             </a:p>
@@ -36818,15 +36700,7 @@
             <a:p>
               <a:r>
                 <a:rPr lang="pt-BR" sz="1400" dirty="0" smtClean="0"/>
-                <a:t>R </a:t>
-              </a:r>
-              <a:r>
-                <a:rPr lang="pt-BR" sz="1400" dirty="0" smtClean="0"/>
-                <a:t>= </a:t>
-              </a:r>
-              <a:r>
-                <a:rPr lang="pt-BR" sz="1400" dirty="0" smtClean="0"/>
-                <a:t>280K</a:t>
+                <a:t>R = 280K</a:t>
               </a:r>
               <a:endParaRPr lang="pt-BR" sz="1400" dirty="0"/>
             </a:p>
@@ -36856,19 +36730,7 @@
             <a:p>
               <a:r>
                 <a:rPr lang="pt-BR" sz="1400" dirty="0" smtClean="0"/>
-                <a:t>R </a:t>
-              </a:r>
-              <a:r>
-                <a:rPr lang="pt-BR" sz="1400" dirty="0" smtClean="0"/>
-                <a:t>= </a:t>
-              </a:r>
-              <a:r>
-                <a:rPr lang="pt-BR" sz="1400" dirty="0" smtClean="0"/>
-                <a:t>35</a:t>
-              </a:r>
-              <a:r>
-                <a:rPr lang="pt-BR" sz="1400" dirty="0" smtClean="0"/>
-                <a:t>0K</a:t>
+                <a:t>R = 350K</a:t>
               </a:r>
               <a:endParaRPr lang="pt-BR" sz="1400" dirty="0"/>
             </a:p>
@@ -36898,19 +36760,7 @@
             <a:p>
               <a:r>
                 <a:rPr lang="pt-BR" sz="1400" dirty="0" smtClean="0"/>
-                <a:t>R </a:t>
-              </a:r>
-              <a:r>
-                <a:rPr lang="pt-BR" sz="1400" dirty="0" smtClean="0"/>
-                <a:t>= </a:t>
-              </a:r>
-              <a:r>
-                <a:rPr lang="pt-BR" sz="1400" dirty="0" smtClean="0"/>
-                <a:t>38</a:t>
-              </a:r>
-              <a:r>
-                <a:rPr lang="pt-BR" sz="1400" dirty="0" smtClean="0"/>
-                <a:t>0K</a:t>
+                <a:t>R = 380K</a:t>
               </a:r>
               <a:endParaRPr lang="pt-BR" sz="1400" dirty="0"/>
             </a:p>
@@ -36940,19 +36790,7 @@
             <a:p>
               <a:r>
                 <a:rPr lang="pt-BR" sz="1400" dirty="0" smtClean="0"/>
-                <a:t>R </a:t>
-              </a:r>
-              <a:r>
-                <a:rPr lang="pt-BR" sz="1400" dirty="0" smtClean="0"/>
-                <a:t>= </a:t>
-              </a:r>
-              <a:r>
-                <a:rPr lang="pt-BR" sz="1400" dirty="0" smtClean="0"/>
-                <a:t>45</a:t>
-              </a:r>
-              <a:r>
-                <a:rPr lang="pt-BR" sz="1400" dirty="0" smtClean="0"/>
-                <a:t>0K</a:t>
+                <a:t>R = 450K</a:t>
               </a:r>
               <a:endParaRPr lang="pt-BR" sz="1400" dirty="0"/>
             </a:p>
@@ -37089,7 +36927,6 @@
               <a:rPr lang="pt-BR" dirty="0" smtClean="0"/>
               <a:t>6</a:t>
             </a:r>
-            <a:endParaRPr lang="pt-BR" dirty="0" smtClean="0"/>
           </a:p>
         </p:txBody>
       </p:sp>
@@ -37326,15 +37163,7 @@
             <a:p>
               <a:r>
                 <a:rPr lang="pt-BR" sz="1600" dirty="0" smtClean="0"/>
-                <a:t>C = </a:t>
-              </a:r>
-              <a:r>
-                <a:rPr lang="pt-BR" sz="1600" dirty="0" smtClean="0"/>
-                <a:t>10</a:t>
-              </a:r>
-              <a:r>
-                <a:rPr lang="pt-BR" sz="1600" dirty="0" smtClean="0"/>
-                <a:t>0.000,00</a:t>
+                <a:t>C = 100.000,00</a:t>
               </a:r>
               <a:endParaRPr lang="pt-BR" sz="1600" dirty="0"/>
             </a:p>
@@ -37436,15 +37265,7 @@
             <a:p>
               <a:r>
                 <a:rPr lang="pt-BR" sz="1600" dirty="0" smtClean="0"/>
-                <a:t>R </a:t>
-              </a:r>
-              <a:r>
-                <a:rPr lang="pt-BR" sz="1600" dirty="0" smtClean="0"/>
-                <a:t>= </a:t>
-              </a:r>
-              <a:r>
-                <a:rPr lang="pt-BR" sz="1600" dirty="0" smtClean="0"/>
-                <a:t>40.000,00</a:t>
+                <a:t>R = 40.000,00</a:t>
               </a:r>
               <a:endParaRPr lang="pt-BR" sz="1600" dirty="0"/>
             </a:p>
@@ -37667,19 +37488,7 @@
           <a:p>
             <a:r>
               <a:rPr lang="pt-BR" sz="1600" dirty="0" smtClean="0"/>
-              <a:t>TMA</a:t>
-            </a:r>
-            <a:r>
-              <a:rPr lang="pt-BR" sz="1600" dirty="0" smtClean="0"/>
-              <a:t>: 15% </a:t>
-            </a:r>
-            <a:r>
-              <a:rPr lang="pt-BR" sz="1600" dirty="0" smtClean="0"/>
-              <a:t>a.a</a:t>
-            </a:r>
-            <a:r>
-              <a:rPr lang="pt-BR" sz="1600" dirty="0" smtClean="0"/>
-              <a:t>. </a:t>
+              <a:t>TMA: 15% a.a. </a:t>
             </a:r>
             <a:endParaRPr lang="pt-BR" sz="1600" dirty="0"/>
           </a:p>
@@ -37889,6 +37698,116 @@
     <p:extLst>
       <p:ext uri="{BB962C8B-B14F-4D97-AF65-F5344CB8AC3E}">
         <p14:creationId xmlns:p14="http://schemas.microsoft.com/office/powerpoint/2010/main" val="2432010168"/>
+      </p:ext>
+    </p:extLst>
+  </p:cSld>
+  <p:clrMapOvr>
+    <a:masterClrMapping/>
+  </p:clrMapOvr>
+</p:sld>
+</file>
+
+<file path=ppt/slides/slide44.xml><?xml version="1.0" encoding="utf-8"?>
+<p:sld xmlns:a="http://schemas.openxmlformats.org/drawingml/2006/main" xmlns:r="http://schemas.openxmlformats.org/officeDocument/2006/relationships" xmlns:p="http://schemas.openxmlformats.org/presentationml/2006/main">
+  <p:cSld>
+    <p:spTree>
+      <p:nvGrpSpPr>
+        <p:cNvPr id="1" name=""/>
+        <p:cNvGrpSpPr/>
+        <p:nvPr/>
+      </p:nvGrpSpPr>
+      <p:grpSpPr>
+        <a:xfrm>
+          <a:off x="0" y="0"/>
+          <a:ext cx="0" cy="0"/>
+          <a:chOff x="0" y="0"/>
+          <a:chExt cx="0" cy="0"/>
+        </a:xfrm>
+      </p:grpSpPr>
+      <p:sp>
+        <p:nvSpPr>
+          <p:cNvPr id="2" name="Título 1"/>
+          <p:cNvSpPr>
+            <a:spLocks noGrp="1"/>
+          </p:cNvSpPr>
+          <p:nvPr>
+            <p:ph type="title"/>
+          </p:nvPr>
+        </p:nvSpPr>
+        <p:spPr/>
+        <p:txBody>
+          <a:bodyPr/>
+          <a:lstStyle/>
+          <a:p>
+            <a:r>
+              <a:rPr lang="pt-BR" dirty="0"/>
+              <a:t>6</a:t>
+            </a:r>
+            <a:r>
+              <a:rPr lang="pt-BR" dirty="0" smtClean="0"/>
+              <a:t>. Análise de Projetos</a:t>
+            </a:r>
+            <a:endParaRPr lang="pt-BR" dirty="0"/>
+          </a:p>
+        </p:txBody>
+      </p:sp>
+      <p:sp>
+        <p:nvSpPr>
+          <p:cNvPr id="3" name="Espaço Reservado para Texto 2"/>
+          <p:cNvSpPr>
+            <a:spLocks noGrp="1"/>
+          </p:cNvSpPr>
+          <p:nvPr>
+            <p:ph type="body" idx="1"/>
+          </p:nvPr>
+        </p:nvSpPr>
+        <p:spPr/>
+        <p:txBody>
+          <a:bodyPr/>
+          <a:lstStyle/>
+          <a:p>
+            <a:r>
+              <a:rPr lang="pt-BR" dirty="0" smtClean="0"/>
+              <a:t>Página 29-30</a:t>
+            </a:r>
+            <a:endParaRPr lang="pt-BR" dirty="0"/>
+          </a:p>
+        </p:txBody>
+      </p:sp>
+    </p:spTree>
+    <p:extLst>
+      <p:ext uri="{BB962C8B-B14F-4D97-AF65-F5344CB8AC3E}">
+        <p14:creationId xmlns:p14="http://schemas.microsoft.com/office/powerpoint/2010/main" val="2213235263"/>
+      </p:ext>
+    </p:extLst>
+  </p:cSld>
+  <p:clrMapOvr>
+    <a:masterClrMapping/>
+  </p:clrMapOvr>
+</p:sld>
+</file>
+
+<file path=ppt/slides/slide45.xml><?xml version="1.0" encoding="utf-8"?>
+<p:sld xmlns:a="http://schemas.openxmlformats.org/drawingml/2006/main" xmlns:r="http://schemas.openxmlformats.org/officeDocument/2006/relationships" xmlns:p="http://schemas.openxmlformats.org/presentationml/2006/main">
+  <p:cSld>
+    <p:spTree>
+      <p:nvGrpSpPr>
+        <p:cNvPr id="1" name=""/>
+        <p:cNvGrpSpPr/>
+        <p:nvPr/>
+      </p:nvGrpSpPr>
+      <p:grpSpPr>
+        <a:xfrm>
+          <a:off x="0" y="0"/>
+          <a:ext cx="0" cy="0"/>
+          <a:chOff x="0" y="0"/>
+          <a:chExt cx="0" cy="0"/>
+        </a:xfrm>
+      </p:grpSpPr>
+    </p:spTree>
+    <p:extLst>
+      <p:ext uri="{BB962C8B-B14F-4D97-AF65-F5344CB8AC3E}">
+        <p14:creationId xmlns:p14="http://schemas.microsoft.com/office/powerpoint/2010/main" val="1447135885"/>
       </p:ext>
     </p:extLst>
   </p:cSld>
